--- a/기획서/Colony_ppt발표.pptx
+++ b/기획서/Colony_ppt발표.pptx
@@ -119,6 +119,11 @@
       </a:defRPr>
     </a:lvl9pPr>
   </p:defaultTextStyle>
+  <p:extLst>
+    <p:ext uri="{EFAFB233-063F-42B5-8137-9DF3F51BA10A}">
+      <p15:sldGuideLst xmlns:p15="http://schemas.microsoft.com/office/powerpoint/2012/main"/>
+    </p:ext>
+  </p:extLst>
 </p:presentation>
 </file>
 
@@ -269,7 +274,7 @@
           <a:p>
             <a:fld id="{62EA41C9-8537-435D-8D05-D269E4409129}" type="datetimeFigureOut">
               <a:rPr lang="ko-KR" altLang="en-US" smtClean="0"/>
-              <a:t>2023-11-09</a:t>
+              <a:t>2023-11-22</a:t>
             </a:fld>
             <a:endParaRPr lang="ko-KR" altLang="en-US"/>
           </a:p>
@@ -467,7 +472,7 @@
           <a:p>
             <a:fld id="{62EA41C9-8537-435D-8D05-D269E4409129}" type="datetimeFigureOut">
               <a:rPr lang="ko-KR" altLang="en-US" smtClean="0"/>
-              <a:t>2023-11-09</a:t>
+              <a:t>2023-11-22</a:t>
             </a:fld>
             <a:endParaRPr lang="ko-KR" altLang="en-US"/>
           </a:p>
@@ -675,7 +680,7 @@
           <a:p>
             <a:fld id="{62EA41C9-8537-435D-8D05-D269E4409129}" type="datetimeFigureOut">
               <a:rPr lang="ko-KR" altLang="en-US" smtClean="0"/>
-              <a:t>2023-11-09</a:t>
+              <a:t>2023-11-22</a:t>
             </a:fld>
             <a:endParaRPr lang="ko-KR" altLang="en-US"/>
           </a:p>
@@ -873,7 +878,7 @@
           <a:p>
             <a:fld id="{62EA41C9-8537-435D-8D05-D269E4409129}" type="datetimeFigureOut">
               <a:rPr lang="ko-KR" altLang="en-US" smtClean="0"/>
-              <a:t>2023-11-09</a:t>
+              <a:t>2023-11-22</a:t>
             </a:fld>
             <a:endParaRPr lang="ko-KR" altLang="en-US"/>
           </a:p>
@@ -1148,7 +1153,7 @@
           <a:p>
             <a:fld id="{62EA41C9-8537-435D-8D05-D269E4409129}" type="datetimeFigureOut">
               <a:rPr lang="ko-KR" altLang="en-US" smtClean="0"/>
-              <a:t>2023-11-09</a:t>
+              <a:t>2023-11-22</a:t>
             </a:fld>
             <a:endParaRPr lang="ko-KR" altLang="en-US"/>
           </a:p>
@@ -1413,7 +1418,7 @@
           <a:p>
             <a:fld id="{62EA41C9-8537-435D-8D05-D269E4409129}" type="datetimeFigureOut">
               <a:rPr lang="ko-KR" altLang="en-US" smtClean="0"/>
-              <a:t>2023-11-09</a:t>
+              <a:t>2023-11-22</a:t>
             </a:fld>
             <a:endParaRPr lang="ko-KR" altLang="en-US"/>
           </a:p>
@@ -1825,7 +1830,7 @@
           <a:p>
             <a:fld id="{62EA41C9-8537-435D-8D05-D269E4409129}" type="datetimeFigureOut">
               <a:rPr lang="ko-KR" altLang="en-US" smtClean="0"/>
-              <a:t>2023-11-09</a:t>
+              <a:t>2023-11-22</a:t>
             </a:fld>
             <a:endParaRPr lang="ko-KR" altLang="en-US"/>
           </a:p>
@@ -1966,7 +1971,7 @@
           <a:p>
             <a:fld id="{62EA41C9-8537-435D-8D05-D269E4409129}" type="datetimeFigureOut">
               <a:rPr lang="ko-KR" altLang="en-US" smtClean="0"/>
-              <a:t>2023-11-09</a:t>
+              <a:t>2023-11-22</a:t>
             </a:fld>
             <a:endParaRPr lang="ko-KR" altLang="en-US"/>
           </a:p>
@@ -2079,7 +2084,7 @@
           <a:p>
             <a:fld id="{62EA41C9-8537-435D-8D05-D269E4409129}" type="datetimeFigureOut">
               <a:rPr lang="ko-KR" altLang="en-US" smtClean="0"/>
-              <a:t>2023-11-09</a:t>
+              <a:t>2023-11-22</a:t>
             </a:fld>
             <a:endParaRPr lang="ko-KR" altLang="en-US"/>
           </a:p>
@@ -2390,7 +2395,7 @@
           <a:p>
             <a:fld id="{62EA41C9-8537-435D-8D05-D269E4409129}" type="datetimeFigureOut">
               <a:rPr lang="ko-KR" altLang="en-US" smtClean="0"/>
-              <a:t>2023-11-09</a:t>
+              <a:t>2023-11-22</a:t>
             </a:fld>
             <a:endParaRPr lang="ko-KR" altLang="en-US"/>
           </a:p>
@@ -2678,7 +2683,7 @@
           <a:p>
             <a:fld id="{62EA41C9-8537-435D-8D05-D269E4409129}" type="datetimeFigureOut">
               <a:rPr lang="ko-KR" altLang="en-US" smtClean="0"/>
-              <a:t>2023-11-09</a:t>
+              <a:t>2023-11-22</a:t>
             </a:fld>
             <a:endParaRPr lang="ko-KR" altLang="en-US"/>
           </a:p>
@@ -2919,7 +2924,7 @@
           <a:p>
             <a:fld id="{62EA41C9-8537-435D-8D05-D269E4409129}" type="datetimeFigureOut">
               <a:rPr lang="ko-KR" altLang="en-US" smtClean="0"/>
-              <a:t>2023-11-09</a:t>
+              <a:t>2023-11-22</a:t>
             </a:fld>
             <a:endParaRPr lang="ko-KR" altLang="en-US"/>
           </a:p>
@@ -4112,52 +4117,6 @@
           </p:txBody>
         </p:sp>
       </p:grpSp>
-      <p:pic>
-        <p:nvPicPr>
-          <p:cNvPr id="7" name="그림 6">
-            <a:extLst>
-              <a:ext uri="{FF2B5EF4-FFF2-40B4-BE49-F238E27FC236}">
-                <a16:creationId xmlns:a16="http://schemas.microsoft.com/office/drawing/2014/main" id="{0686C942-0CFA-49A4-9991-B854D1864421}"/>
-              </a:ext>
-            </a:extLst>
-          </p:cNvPr>
-          <p:cNvPicPr>
-            <a:picLocks noChangeAspect="1"/>
-          </p:cNvPicPr>
-          <p:nvPr/>
-        </p:nvPicPr>
-        <p:blipFill>
-          <a:blip r:embed="rId2">
-            <a:lum bright="70000" contrast="-70000"/>
-            <a:extLst>
-              <a:ext uri="{BEBA8EAE-BF5A-486C-A8C5-ECC9F3942E4B}">
-                <a14:imgProps xmlns:a14="http://schemas.microsoft.com/office/drawing/2010/main">
-                  <a14:imgLayer r:embed="rId3">
-                    <a14:imgEffect>
-                      <a14:brightnessContrast bright="100000" contrast="-70000"/>
-                    </a14:imgEffect>
-                  </a14:imgLayer>
-                </a14:imgProps>
-              </a:ext>
-              <a:ext uri="{28A0092B-C50C-407E-A947-70E740481C1C}">
-                <a14:useLocalDpi xmlns:a14="http://schemas.microsoft.com/office/drawing/2010/main" val="0"/>
-              </a:ext>
-            </a:extLst>
-          </a:blip>
-          <a:stretch>
-            <a:fillRect/>
-          </a:stretch>
-        </p:blipFill>
-        <p:spPr>
-          <a:xfrm>
-            <a:off x="1627269" y="2586766"/>
-            <a:ext cx="525558" cy="525558"/>
-          </a:xfrm>
-          <a:prstGeom prst="rect">
-            <a:avLst/>
-          </a:prstGeom>
-        </p:spPr>
-      </p:pic>
       <p:sp>
         <p:nvSpPr>
           <p:cNvPr id="37" name="TextBox 36">
@@ -4211,12 +4170,42 @@
           </a:p>
         </p:txBody>
       </p:sp>
+      <p:pic>
+        <p:nvPicPr>
+          <p:cNvPr id="11" name="그림 10">
+            <a:extLst>
+              <a:ext uri="{FF2B5EF4-FFF2-40B4-BE49-F238E27FC236}">
+                <a16:creationId xmlns:a16="http://schemas.microsoft.com/office/drawing/2014/main" id="{A70FAE9D-02F7-6A64-B403-64881D9BCE2D}"/>
+              </a:ext>
+            </a:extLst>
+          </p:cNvPr>
+          <p:cNvPicPr>
+            <a:picLocks noChangeAspect="1"/>
+          </p:cNvPicPr>
+          <p:nvPr/>
+        </p:nvPicPr>
+        <p:blipFill>
+          <a:blip r:embed="rId2"/>
+          <a:stretch>
+            <a:fillRect/>
+          </a:stretch>
+        </p:blipFill>
+        <p:spPr>
+          <a:xfrm>
+            <a:off x="366013" y="1133273"/>
+            <a:ext cx="1137991" cy="912402"/>
+          </a:xfrm>
+          <a:prstGeom prst="rect">
+            <a:avLst/>
+          </a:prstGeom>
+        </p:spPr>
+      </p:pic>
       <p:sp>
         <p:nvSpPr>
-          <p:cNvPr id="9" name="TextBox 8">
-            <a:extLst>
-              <a:ext uri="{FF2B5EF4-FFF2-40B4-BE49-F238E27FC236}">
-                <a16:creationId xmlns:a16="http://schemas.microsoft.com/office/drawing/2014/main" id="{8E68655C-5F16-3FC7-3576-4700DEA6D972}"/>
+          <p:cNvPr id="13" name="TextBox 12">
+            <a:extLst>
+              <a:ext uri="{FF2B5EF4-FFF2-40B4-BE49-F238E27FC236}">
+                <a16:creationId xmlns:a16="http://schemas.microsoft.com/office/drawing/2014/main" id="{94B39D9E-41AA-3B34-F4B1-EB0FD179D47A}"/>
               </a:ext>
             </a:extLst>
           </p:cNvPr>
@@ -4225,8 +4214,8 @@
         </p:nvSpPr>
         <p:spPr>
           <a:xfrm>
-            <a:off x="-70379" y="2586766"/>
-            <a:ext cx="9817397" cy="840038"/>
+            <a:off x="1942280" y="2555965"/>
+            <a:ext cx="1005403" cy="584775"/>
           </a:xfrm>
           <a:prstGeom prst="rect">
             <a:avLst/>
@@ -4234,36 +4223,21 @@
           <a:noFill/>
         </p:spPr>
         <p:txBody>
-          <a:bodyPr wrap="square" rtlCol="0">
+          <a:bodyPr wrap="none" rtlCol="0">
             <a:spAutoFit/>
           </a:bodyPr>
           <a:lstStyle/>
           <a:p>
-            <a:pPr marL="736600">
-              <a:lnSpc>
-                <a:spcPct val="107000"/>
-              </a:lnSpc>
-              <a:spcAft>
-                <a:spcPts val="800"/>
-              </a:spcAft>
-            </a:pPr>
-            <a:endParaRPr lang="ko-KR" altLang="ko-KR" sz="1800" kern="100" dirty="0">
-              <a:effectLst/>
-              <a:latin typeface="굴림" panose="020B0600000101010101" pitchFamily="50" charset="-127"/>
-              <a:ea typeface="굴림" panose="020B0600000101010101" pitchFamily="50" charset="-127"/>
-              <a:cs typeface="Times New Roman" panose="02020603050405020304" pitchFamily="18" charset="0"/>
-            </a:endParaRPr>
-          </a:p>
-          <a:p>
-            <a:pPr marL="736600" latinLnBrk="1">
-              <a:lnSpc>
-                <a:spcPct val="107000"/>
-              </a:lnSpc>
-              <a:spcAft>
-                <a:spcPts val="800"/>
-              </a:spcAft>
-            </a:pPr>
-            <a:endParaRPr lang="en-US" altLang="ko-KR" sz="2400" dirty="0">
+            <a:pPr algn="ctr"/>
+            <a:r>
+              <a:rPr lang="ko-KR" altLang="en-US" sz="3200" dirty="0" err="1">
+                <a:latin typeface="굴림" panose="020B0600000101010101" pitchFamily="50" charset="-127"/>
+                <a:ea typeface="굴림" panose="020B0600000101010101" pitchFamily="50" charset="-127"/>
+                <a:cs typeface="KoPubWorld돋움체 Light" panose="00000300000000000000" pitchFamily="2" charset="-127"/>
+              </a:rPr>
+              <a:t>샷건</a:t>
+            </a:r>
+            <a:endParaRPr lang="en-US" altLang="ko-KR" sz="3200" dirty="0">
               <a:latin typeface="굴림" panose="020B0600000101010101" pitchFamily="50" charset="-127"/>
               <a:ea typeface="굴림" panose="020B0600000101010101" pitchFamily="50" charset="-127"/>
               <a:cs typeface="KoPubWorld돋움체 Light" panose="00000300000000000000" pitchFamily="2" charset="-127"/>
@@ -4271,12 +4245,260 @@
           </a:p>
         </p:txBody>
       </p:sp>
+      <p:sp>
+        <p:nvSpPr>
+          <p:cNvPr id="14" name="TextBox 13">
+            <a:extLst>
+              <a:ext uri="{FF2B5EF4-FFF2-40B4-BE49-F238E27FC236}">
+                <a16:creationId xmlns:a16="http://schemas.microsoft.com/office/drawing/2014/main" id="{296D4A7D-D2DE-38D1-908F-1176B15B31A9}"/>
+              </a:ext>
+            </a:extLst>
+          </p:cNvPr>
+          <p:cNvSpPr txBox="1"/>
+          <p:nvPr/>
+        </p:nvSpPr>
+        <p:spPr>
+          <a:xfrm>
+            <a:off x="1942279" y="3137819"/>
+            <a:ext cx="7471917" cy="400110"/>
+          </a:xfrm>
+          <a:prstGeom prst="rect">
+            <a:avLst/>
+          </a:prstGeom>
+          <a:noFill/>
+        </p:spPr>
+        <p:txBody>
+          <a:bodyPr wrap="none" rtlCol="0">
+            <a:spAutoFit/>
+          </a:bodyPr>
+          <a:lstStyle/>
+          <a:p>
+            <a:pPr algn="ctr"/>
+            <a:r>
+              <a:rPr lang="ko-KR" altLang="en-US" sz="2000" dirty="0" err="1">
+                <a:latin typeface="굴림" panose="020B0600000101010101" pitchFamily="50" charset="-127"/>
+                <a:ea typeface="굴림" panose="020B0600000101010101" pitchFamily="50" charset="-127"/>
+                <a:cs typeface="KoPubWorld돋움체 Light" panose="00000300000000000000" pitchFamily="2" charset="-127"/>
+              </a:rPr>
+              <a:t>샷건</a:t>
+            </a:r>
+            <a:r>
+              <a:rPr lang="en-US" altLang="ko-KR" sz="2000" dirty="0">
+                <a:latin typeface="굴림" panose="020B0600000101010101" pitchFamily="50" charset="-127"/>
+                <a:ea typeface="굴림" panose="020B0600000101010101" pitchFamily="50" charset="-127"/>
+                <a:cs typeface="KoPubWorld돋움체 Light" panose="00000300000000000000" pitchFamily="2" charset="-127"/>
+              </a:rPr>
+              <a:t>: 1</a:t>
+            </a:r>
+            <a:r>
+              <a:rPr lang="ko-KR" altLang="en-US" sz="2000" dirty="0">
+                <a:latin typeface="굴림" panose="020B0600000101010101" pitchFamily="50" charset="-127"/>
+                <a:ea typeface="굴림" panose="020B0600000101010101" pitchFamily="50" charset="-127"/>
+                <a:cs typeface="KoPubWorld돋움체 Light" panose="00000300000000000000" pitchFamily="2" charset="-127"/>
+              </a:rPr>
+              <a:t>초에 </a:t>
+            </a:r>
+            <a:r>
+              <a:rPr lang="en-US" altLang="ko-KR" sz="2000" dirty="0">
+                <a:latin typeface="굴림" panose="020B0600000101010101" pitchFamily="50" charset="-127"/>
+                <a:ea typeface="굴림" panose="020B0600000101010101" pitchFamily="50" charset="-127"/>
+                <a:cs typeface="KoPubWorld돋움체 Light" panose="00000300000000000000" pitchFamily="2" charset="-127"/>
+              </a:rPr>
+              <a:t>1</a:t>
+            </a:r>
+            <a:r>
+              <a:rPr lang="ko-KR" altLang="en-US" sz="2000" dirty="0">
+                <a:latin typeface="굴림" panose="020B0600000101010101" pitchFamily="50" charset="-127"/>
+                <a:ea typeface="굴림" panose="020B0600000101010101" pitchFamily="50" charset="-127"/>
+                <a:cs typeface="KoPubWorld돋움체 Light" panose="00000300000000000000" pitchFamily="2" charset="-127"/>
+              </a:rPr>
+              <a:t>발</a:t>
+            </a:r>
+            <a:r>
+              <a:rPr lang="en-US" altLang="ko-KR" sz="2000" dirty="0">
+                <a:latin typeface="굴림" panose="020B0600000101010101" pitchFamily="50" charset="-127"/>
+                <a:ea typeface="굴림" panose="020B0600000101010101" pitchFamily="50" charset="-127"/>
+                <a:cs typeface="KoPubWorld돋움체 Light" panose="00000300000000000000" pitchFamily="2" charset="-127"/>
+              </a:rPr>
+              <a:t>, </a:t>
+            </a:r>
+            <a:r>
+              <a:rPr lang="ko-KR" altLang="en-US" sz="2000" dirty="0">
+                <a:latin typeface="굴림" panose="020B0600000101010101" pitchFamily="50" charset="-127"/>
+                <a:ea typeface="굴림" panose="020B0600000101010101" pitchFamily="50" charset="-127"/>
+                <a:cs typeface="KoPubWorld돋움체 Light" panose="00000300000000000000" pitchFamily="2" charset="-127"/>
+              </a:rPr>
+              <a:t>한발 당 데미지</a:t>
+            </a:r>
+            <a:r>
+              <a:rPr lang="en-US" altLang="ko-KR" sz="2000" dirty="0">
+                <a:latin typeface="굴림" panose="020B0600000101010101" pitchFamily="50" charset="-127"/>
+                <a:ea typeface="굴림" panose="020B0600000101010101" pitchFamily="50" charset="-127"/>
+                <a:cs typeface="KoPubWorld돋움체 Light" panose="00000300000000000000" pitchFamily="2" charset="-127"/>
+              </a:rPr>
+              <a:t>: 100 (</a:t>
+            </a:r>
+            <a:r>
+              <a:rPr lang="ko-KR" altLang="en-US" sz="2000" dirty="0">
+                <a:latin typeface="굴림" panose="020B0600000101010101" pitchFamily="50" charset="-127"/>
+                <a:ea typeface="굴림" panose="020B0600000101010101" pitchFamily="50" charset="-127"/>
+                <a:cs typeface="KoPubWorld돋움체 Light" panose="00000300000000000000" pitchFamily="2" charset="-127"/>
+              </a:rPr>
+              <a:t>장전 한 번당 </a:t>
+            </a:r>
+            <a:r>
+              <a:rPr lang="en-US" altLang="ko-KR" sz="2000" dirty="0">
+                <a:latin typeface="굴림" panose="020B0600000101010101" pitchFamily="50" charset="-127"/>
+                <a:ea typeface="굴림" panose="020B0600000101010101" pitchFamily="50" charset="-127"/>
+                <a:cs typeface="KoPubWorld돋움체 Light" panose="00000300000000000000" pitchFamily="2" charset="-127"/>
+              </a:rPr>
+              <a:t>20</a:t>
+            </a:r>
+            <a:r>
+              <a:rPr lang="ko-KR" altLang="en-US" sz="2000" dirty="0">
+                <a:latin typeface="굴림" panose="020B0600000101010101" pitchFamily="50" charset="-127"/>
+                <a:ea typeface="굴림" panose="020B0600000101010101" pitchFamily="50" charset="-127"/>
+                <a:cs typeface="KoPubWorld돋움체 Light" panose="00000300000000000000" pitchFamily="2" charset="-127"/>
+              </a:rPr>
+              <a:t>발 장전</a:t>
+            </a:r>
+            <a:r>
+              <a:rPr lang="en-US" altLang="ko-KR" sz="2000" dirty="0">
+                <a:latin typeface="굴림" panose="020B0600000101010101" pitchFamily="50" charset="-127"/>
+                <a:ea typeface="굴림" panose="020B0600000101010101" pitchFamily="50" charset="-127"/>
+                <a:cs typeface="KoPubWorld돋움체 Light" panose="00000300000000000000" pitchFamily="2" charset="-127"/>
+              </a:rPr>
+              <a:t>)</a:t>
+            </a:r>
+          </a:p>
+        </p:txBody>
+      </p:sp>
       <p:pic>
         <p:nvPicPr>
-          <p:cNvPr id="11" name="그림 10">
-            <a:extLst>
-              <a:ext uri="{FF2B5EF4-FFF2-40B4-BE49-F238E27FC236}">
-                <a16:creationId xmlns:a16="http://schemas.microsoft.com/office/drawing/2014/main" id="{A70FAE9D-02F7-6A64-B403-64881D9BCE2D}"/>
+          <p:cNvPr id="35" name="그림 34">
+            <a:extLst>
+              <a:ext uri="{FF2B5EF4-FFF2-40B4-BE49-F238E27FC236}">
+                <a16:creationId xmlns:a16="http://schemas.microsoft.com/office/drawing/2014/main" id="{DBC360D1-9C1E-1D49-CAFA-16A53237D63B}"/>
+              </a:ext>
+            </a:extLst>
+          </p:cNvPr>
+          <p:cNvPicPr>
+            <a:picLocks noChangeAspect="1"/>
+          </p:cNvPicPr>
+          <p:nvPr/>
+        </p:nvPicPr>
+        <p:blipFill>
+          <a:blip r:embed="rId3"/>
+          <a:stretch>
+            <a:fillRect/>
+          </a:stretch>
+        </p:blipFill>
+        <p:spPr>
+          <a:xfrm>
+            <a:off x="815050" y="2541809"/>
+            <a:ext cx="996120" cy="996120"/>
+          </a:xfrm>
+          <a:prstGeom prst="rect">
+            <a:avLst/>
+          </a:prstGeom>
+        </p:spPr>
+      </p:pic>
+      <p:sp>
+        <p:nvSpPr>
+          <p:cNvPr id="3" name="TextBox 2">
+            <a:extLst>
+              <a:ext uri="{FF2B5EF4-FFF2-40B4-BE49-F238E27FC236}">
+                <a16:creationId xmlns:a16="http://schemas.microsoft.com/office/drawing/2014/main" id="{3E045A13-1879-7039-46F1-9A4EC96481CC}"/>
+              </a:ext>
+            </a:extLst>
+          </p:cNvPr>
+          <p:cNvSpPr txBox="1"/>
+          <p:nvPr/>
+        </p:nvSpPr>
+        <p:spPr>
+          <a:xfrm>
+            <a:off x="1942279" y="3731005"/>
+            <a:ext cx="1005403" cy="584775"/>
+          </a:xfrm>
+          <a:prstGeom prst="rect">
+            <a:avLst/>
+          </a:prstGeom>
+          <a:noFill/>
+        </p:spPr>
+        <p:txBody>
+          <a:bodyPr wrap="none" rtlCol="0">
+            <a:spAutoFit/>
+          </a:bodyPr>
+          <a:lstStyle/>
+          <a:p>
+            <a:pPr algn="ctr"/>
+            <a:r>
+              <a:rPr lang="ko-KR" altLang="en-US" sz="3200">
+                <a:latin typeface="굴림" panose="020B0600000101010101" pitchFamily="50" charset="-127"/>
+                <a:ea typeface="굴림" panose="020B0600000101010101" pitchFamily="50" charset="-127"/>
+                <a:cs typeface="KoPubWorld돋움체 Light" panose="00000300000000000000" pitchFamily="2" charset="-127"/>
+              </a:rPr>
+              <a:t>소총</a:t>
+            </a:r>
+            <a:endParaRPr lang="en-US" altLang="ko-KR" sz="3200" dirty="0">
+              <a:latin typeface="굴림" panose="020B0600000101010101" pitchFamily="50" charset="-127"/>
+              <a:ea typeface="굴림" panose="020B0600000101010101" pitchFamily="50" charset="-127"/>
+              <a:cs typeface="KoPubWorld돋움체 Light" panose="00000300000000000000" pitchFamily="2" charset="-127"/>
+            </a:endParaRPr>
+          </a:p>
+        </p:txBody>
+      </p:sp>
+      <p:sp>
+        <p:nvSpPr>
+          <p:cNvPr id="15" name="TextBox 14">
+            <a:extLst>
+              <a:ext uri="{FF2B5EF4-FFF2-40B4-BE49-F238E27FC236}">
+                <a16:creationId xmlns:a16="http://schemas.microsoft.com/office/drawing/2014/main" id="{384B0B1B-036E-E0C9-7B10-489273B8D4B5}"/>
+              </a:ext>
+            </a:extLst>
+          </p:cNvPr>
+          <p:cNvSpPr txBox="1"/>
+          <p:nvPr/>
+        </p:nvSpPr>
+        <p:spPr>
+          <a:xfrm>
+            <a:off x="1942279" y="5083109"/>
+            <a:ext cx="1415773" cy="584775"/>
+          </a:xfrm>
+          <a:prstGeom prst="rect">
+            <a:avLst/>
+          </a:prstGeom>
+          <a:noFill/>
+        </p:spPr>
+        <p:txBody>
+          <a:bodyPr wrap="none" rtlCol="0">
+            <a:spAutoFit/>
+          </a:bodyPr>
+          <a:lstStyle/>
+          <a:p>
+            <a:pPr algn="ctr"/>
+            <a:r>
+              <a:rPr lang="ko-KR" altLang="en-US" sz="3200">
+                <a:latin typeface="굴림" panose="020B0600000101010101" pitchFamily="50" charset="-127"/>
+                <a:ea typeface="굴림" panose="020B0600000101010101" pitchFamily="50" charset="-127"/>
+                <a:cs typeface="KoPubWorld돋움체 Light" panose="00000300000000000000" pitchFamily="2" charset="-127"/>
+              </a:rPr>
+              <a:t>기관총</a:t>
+            </a:r>
+            <a:endParaRPr lang="en-US" altLang="ko-KR" sz="3200" dirty="0">
+              <a:latin typeface="굴림" panose="020B0600000101010101" pitchFamily="50" charset="-127"/>
+              <a:ea typeface="굴림" panose="020B0600000101010101" pitchFamily="50" charset="-127"/>
+              <a:cs typeface="KoPubWorld돋움체 Light" panose="00000300000000000000" pitchFamily="2" charset="-127"/>
+            </a:endParaRPr>
+          </a:p>
+        </p:txBody>
+      </p:sp>
+      <p:pic>
+        <p:nvPicPr>
+          <p:cNvPr id="20" name="그림 19">
+            <a:extLst>
+              <a:ext uri="{FF2B5EF4-FFF2-40B4-BE49-F238E27FC236}">
+                <a16:creationId xmlns:a16="http://schemas.microsoft.com/office/drawing/2014/main" id="{3BDE1B60-EA31-13B6-9A82-6E88766CE764}"/>
               </a:ext>
             </a:extLst>
           </p:cNvPr>
@@ -4293,193 +4515,20 @@
         </p:blipFill>
         <p:spPr>
           <a:xfrm>
-            <a:off x="366013" y="1133273"/>
-            <a:ext cx="1137991" cy="912402"/>
+            <a:off x="737618" y="3743447"/>
+            <a:ext cx="1073552" cy="1073552"/>
           </a:xfrm>
           <a:prstGeom prst="rect">
             <a:avLst/>
           </a:prstGeom>
         </p:spPr>
       </p:pic>
-      <p:sp>
-        <p:nvSpPr>
-          <p:cNvPr id="13" name="TextBox 12">
-            <a:extLst>
-              <a:ext uri="{FF2B5EF4-FFF2-40B4-BE49-F238E27FC236}">
-                <a16:creationId xmlns:a16="http://schemas.microsoft.com/office/drawing/2014/main" id="{94B39D9E-41AA-3B34-F4B1-EB0FD179D47A}"/>
-              </a:ext>
-            </a:extLst>
-          </p:cNvPr>
-          <p:cNvSpPr txBox="1"/>
-          <p:nvPr/>
-        </p:nvSpPr>
-        <p:spPr>
-          <a:xfrm>
-            <a:off x="1942280" y="2555965"/>
-            <a:ext cx="1005403" cy="584775"/>
-          </a:xfrm>
-          <a:prstGeom prst="rect">
-            <a:avLst/>
-          </a:prstGeom>
-          <a:noFill/>
-        </p:spPr>
-        <p:txBody>
-          <a:bodyPr wrap="none" rtlCol="0">
-            <a:spAutoFit/>
-          </a:bodyPr>
-          <a:lstStyle/>
-          <a:p>
-            <a:pPr algn="ctr"/>
-            <a:r>
-              <a:rPr lang="ko-KR" altLang="en-US" sz="3200" dirty="0" err="1">
-                <a:latin typeface="굴림" panose="020B0600000101010101" pitchFamily="50" charset="-127"/>
-                <a:ea typeface="굴림" panose="020B0600000101010101" pitchFamily="50" charset="-127"/>
-                <a:cs typeface="KoPubWorld돋움체 Light" panose="00000300000000000000" pitchFamily="2" charset="-127"/>
-              </a:rPr>
-              <a:t>샷건</a:t>
-            </a:r>
-            <a:endParaRPr lang="en-US" altLang="ko-KR" sz="3200" dirty="0">
-              <a:latin typeface="굴림" panose="020B0600000101010101" pitchFamily="50" charset="-127"/>
-              <a:ea typeface="굴림" panose="020B0600000101010101" pitchFamily="50" charset="-127"/>
-              <a:cs typeface="KoPubWorld돋움체 Light" panose="00000300000000000000" pitchFamily="2" charset="-127"/>
-            </a:endParaRPr>
-          </a:p>
-        </p:txBody>
-      </p:sp>
-      <p:sp>
-        <p:nvSpPr>
-          <p:cNvPr id="14" name="TextBox 13">
-            <a:extLst>
-              <a:ext uri="{FF2B5EF4-FFF2-40B4-BE49-F238E27FC236}">
-                <a16:creationId xmlns:a16="http://schemas.microsoft.com/office/drawing/2014/main" id="{296D4A7D-D2DE-38D1-908F-1176B15B31A9}"/>
-              </a:ext>
-            </a:extLst>
-          </p:cNvPr>
-          <p:cNvSpPr txBox="1"/>
-          <p:nvPr/>
-        </p:nvSpPr>
-        <p:spPr>
-          <a:xfrm>
-            <a:off x="1942279" y="3137819"/>
-            <a:ext cx="7471917" cy="400110"/>
-          </a:xfrm>
-          <a:prstGeom prst="rect">
-            <a:avLst/>
-          </a:prstGeom>
-          <a:noFill/>
-        </p:spPr>
-        <p:txBody>
-          <a:bodyPr wrap="none" rtlCol="0">
-            <a:spAutoFit/>
-          </a:bodyPr>
-          <a:lstStyle/>
-          <a:p>
-            <a:pPr algn="ctr"/>
-            <a:r>
-              <a:rPr lang="ko-KR" altLang="en-US" sz="2000" dirty="0" err="1">
-                <a:latin typeface="굴림" panose="020B0600000101010101" pitchFamily="50" charset="-127"/>
-                <a:ea typeface="굴림" panose="020B0600000101010101" pitchFamily="50" charset="-127"/>
-                <a:cs typeface="KoPubWorld돋움체 Light" panose="00000300000000000000" pitchFamily="2" charset="-127"/>
-              </a:rPr>
-              <a:t>샷건</a:t>
-            </a:r>
-            <a:r>
-              <a:rPr lang="en-US" altLang="ko-KR" sz="2000" dirty="0">
-                <a:latin typeface="굴림" panose="020B0600000101010101" pitchFamily="50" charset="-127"/>
-                <a:ea typeface="굴림" panose="020B0600000101010101" pitchFamily="50" charset="-127"/>
-                <a:cs typeface="KoPubWorld돋움체 Light" panose="00000300000000000000" pitchFamily="2" charset="-127"/>
-              </a:rPr>
-              <a:t>: 1</a:t>
-            </a:r>
-            <a:r>
-              <a:rPr lang="ko-KR" altLang="en-US" sz="2000" dirty="0">
-                <a:latin typeface="굴림" panose="020B0600000101010101" pitchFamily="50" charset="-127"/>
-                <a:ea typeface="굴림" panose="020B0600000101010101" pitchFamily="50" charset="-127"/>
-                <a:cs typeface="KoPubWorld돋움체 Light" panose="00000300000000000000" pitchFamily="2" charset="-127"/>
-              </a:rPr>
-              <a:t>초에 </a:t>
-            </a:r>
-            <a:r>
-              <a:rPr lang="en-US" altLang="ko-KR" sz="2000" dirty="0">
-                <a:latin typeface="굴림" panose="020B0600000101010101" pitchFamily="50" charset="-127"/>
-                <a:ea typeface="굴림" panose="020B0600000101010101" pitchFamily="50" charset="-127"/>
-                <a:cs typeface="KoPubWorld돋움체 Light" panose="00000300000000000000" pitchFamily="2" charset="-127"/>
-              </a:rPr>
-              <a:t>1</a:t>
-            </a:r>
-            <a:r>
-              <a:rPr lang="ko-KR" altLang="en-US" sz="2000" dirty="0">
-                <a:latin typeface="굴림" panose="020B0600000101010101" pitchFamily="50" charset="-127"/>
-                <a:ea typeface="굴림" panose="020B0600000101010101" pitchFamily="50" charset="-127"/>
-                <a:cs typeface="KoPubWorld돋움체 Light" panose="00000300000000000000" pitchFamily="2" charset="-127"/>
-              </a:rPr>
-              <a:t>발</a:t>
-            </a:r>
-            <a:r>
-              <a:rPr lang="en-US" altLang="ko-KR" sz="2000" dirty="0">
-                <a:latin typeface="굴림" panose="020B0600000101010101" pitchFamily="50" charset="-127"/>
-                <a:ea typeface="굴림" panose="020B0600000101010101" pitchFamily="50" charset="-127"/>
-                <a:cs typeface="KoPubWorld돋움체 Light" panose="00000300000000000000" pitchFamily="2" charset="-127"/>
-              </a:rPr>
-              <a:t>, </a:t>
-            </a:r>
-            <a:r>
-              <a:rPr lang="ko-KR" altLang="en-US" sz="2000" dirty="0">
-                <a:latin typeface="굴림" panose="020B0600000101010101" pitchFamily="50" charset="-127"/>
-                <a:ea typeface="굴림" panose="020B0600000101010101" pitchFamily="50" charset="-127"/>
-                <a:cs typeface="KoPubWorld돋움체 Light" panose="00000300000000000000" pitchFamily="2" charset="-127"/>
-              </a:rPr>
-              <a:t>한발 당 데미지</a:t>
-            </a:r>
-            <a:r>
-              <a:rPr lang="en-US" altLang="ko-KR" sz="2000" dirty="0">
-                <a:latin typeface="굴림" panose="020B0600000101010101" pitchFamily="50" charset="-127"/>
-                <a:ea typeface="굴림" panose="020B0600000101010101" pitchFamily="50" charset="-127"/>
-                <a:cs typeface="KoPubWorld돋움체 Light" panose="00000300000000000000" pitchFamily="2" charset="-127"/>
-              </a:rPr>
-              <a:t>: 100 (</a:t>
-            </a:r>
-            <a:r>
-              <a:rPr lang="ko-KR" altLang="en-US" sz="2000" dirty="0">
-                <a:latin typeface="굴림" panose="020B0600000101010101" pitchFamily="50" charset="-127"/>
-                <a:ea typeface="굴림" panose="020B0600000101010101" pitchFamily="50" charset="-127"/>
-                <a:cs typeface="KoPubWorld돋움체 Light" panose="00000300000000000000" pitchFamily="2" charset="-127"/>
-              </a:rPr>
-              <a:t>장전 한 번당 </a:t>
-            </a:r>
-            <a:r>
-              <a:rPr lang="en-US" altLang="ko-KR" sz="2000" dirty="0">
-                <a:latin typeface="굴림" panose="020B0600000101010101" pitchFamily="50" charset="-127"/>
-                <a:ea typeface="굴림" panose="020B0600000101010101" pitchFamily="50" charset="-127"/>
-                <a:cs typeface="KoPubWorld돋움체 Light" panose="00000300000000000000" pitchFamily="2" charset="-127"/>
-              </a:rPr>
-              <a:t>20</a:t>
-            </a:r>
-            <a:r>
-              <a:rPr lang="ko-KR" altLang="en-US" sz="2000" dirty="0">
-                <a:latin typeface="굴림" panose="020B0600000101010101" pitchFamily="50" charset="-127"/>
-                <a:ea typeface="굴림" panose="020B0600000101010101" pitchFamily="50" charset="-127"/>
-                <a:cs typeface="KoPubWorld돋움체 Light" panose="00000300000000000000" pitchFamily="2" charset="-127"/>
-              </a:rPr>
-              <a:t>발 장전</a:t>
-            </a:r>
-            <a:r>
-              <a:rPr lang="en-US" altLang="ko-KR" sz="2000" dirty="0">
-                <a:latin typeface="굴림" panose="020B0600000101010101" pitchFamily="50" charset="-127"/>
-                <a:ea typeface="굴림" panose="020B0600000101010101" pitchFamily="50" charset="-127"/>
-                <a:cs typeface="KoPubWorld돋움체 Light" panose="00000300000000000000" pitchFamily="2" charset="-127"/>
-              </a:rPr>
-              <a:t>)</a:t>
-            </a:r>
-          </a:p>
-        </p:txBody>
-      </p:sp>
       <p:pic>
         <p:nvPicPr>
-          <p:cNvPr id="35" name="그림 34">
-            <a:extLst>
-              <a:ext uri="{FF2B5EF4-FFF2-40B4-BE49-F238E27FC236}">
-                <a16:creationId xmlns:a16="http://schemas.microsoft.com/office/drawing/2014/main" id="{DBC360D1-9C1E-1D49-CAFA-16A53237D63B}"/>
+          <p:cNvPr id="27" name="그림 26">
+            <a:extLst>
+              <a:ext uri="{FF2B5EF4-FFF2-40B4-BE49-F238E27FC236}">
+                <a16:creationId xmlns:a16="http://schemas.microsoft.com/office/drawing/2014/main" id="{85468F8D-19FC-FE6B-7E86-F310E9336B8C}"/>
               </a:ext>
             </a:extLst>
           </p:cNvPr>
@@ -4496,249 +4545,7 @@
         </p:blipFill>
         <p:spPr>
           <a:xfrm>
-            <a:off x="849086" y="2658096"/>
-            <a:ext cx="996120" cy="996120"/>
-          </a:xfrm>
-          <a:prstGeom prst="rect">
-            <a:avLst/>
-          </a:prstGeom>
-        </p:spPr>
-      </p:pic>
-      <p:pic>
-        <p:nvPicPr>
-          <p:cNvPr id="2" name="그림 1">
-            <a:extLst>
-              <a:ext uri="{FF2B5EF4-FFF2-40B4-BE49-F238E27FC236}">
-                <a16:creationId xmlns:a16="http://schemas.microsoft.com/office/drawing/2014/main" id="{3963F696-5634-EAF9-68F0-E27F14AEC5D6}"/>
-              </a:ext>
-            </a:extLst>
-          </p:cNvPr>
-          <p:cNvPicPr>
-            <a:picLocks noChangeAspect="1"/>
-          </p:cNvPicPr>
-          <p:nvPr/>
-        </p:nvPicPr>
-        <p:blipFill>
-          <a:blip r:embed="rId2">
-            <a:lum bright="70000" contrast="-70000"/>
-            <a:extLst>
-              <a:ext uri="{BEBA8EAE-BF5A-486C-A8C5-ECC9F3942E4B}">
-                <a14:imgProps xmlns:a14="http://schemas.microsoft.com/office/drawing/2010/main">
-                  <a14:imgLayer r:embed="rId3">
-                    <a14:imgEffect>
-                      <a14:brightnessContrast bright="100000" contrast="-70000"/>
-                    </a14:imgEffect>
-                  </a14:imgLayer>
-                </a14:imgProps>
-              </a:ext>
-              <a:ext uri="{28A0092B-C50C-407E-A947-70E740481C1C}">
-                <a14:useLocalDpi xmlns:a14="http://schemas.microsoft.com/office/drawing/2010/main" val="0"/>
-              </a:ext>
-            </a:extLst>
-          </a:blip>
-          <a:stretch>
-            <a:fillRect/>
-          </a:stretch>
-        </p:blipFill>
-        <p:spPr>
-          <a:xfrm>
-            <a:off x="1624872" y="3834994"/>
-            <a:ext cx="525558" cy="525558"/>
-          </a:xfrm>
-          <a:prstGeom prst="rect">
-            <a:avLst/>
-          </a:prstGeom>
-        </p:spPr>
-      </p:pic>
-      <p:sp>
-        <p:nvSpPr>
-          <p:cNvPr id="3" name="TextBox 2">
-            <a:extLst>
-              <a:ext uri="{FF2B5EF4-FFF2-40B4-BE49-F238E27FC236}">
-                <a16:creationId xmlns:a16="http://schemas.microsoft.com/office/drawing/2014/main" id="{3E045A13-1879-7039-46F1-9A4EC96481CC}"/>
-              </a:ext>
-            </a:extLst>
-          </p:cNvPr>
-          <p:cNvSpPr txBox="1"/>
-          <p:nvPr/>
-        </p:nvSpPr>
-        <p:spPr>
-          <a:xfrm>
-            <a:off x="1942279" y="3731005"/>
-            <a:ext cx="1005403" cy="584775"/>
-          </a:xfrm>
-          <a:prstGeom prst="rect">
-            <a:avLst/>
-          </a:prstGeom>
-          <a:noFill/>
-        </p:spPr>
-        <p:txBody>
-          <a:bodyPr wrap="none" rtlCol="0">
-            <a:spAutoFit/>
-          </a:bodyPr>
-          <a:lstStyle/>
-          <a:p>
-            <a:pPr algn="ctr"/>
-            <a:r>
-              <a:rPr lang="ko-KR" altLang="en-US" sz="3200">
-                <a:latin typeface="굴림" panose="020B0600000101010101" pitchFamily="50" charset="-127"/>
-                <a:ea typeface="굴림" panose="020B0600000101010101" pitchFamily="50" charset="-127"/>
-                <a:cs typeface="KoPubWorld돋움체 Light" panose="00000300000000000000" pitchFamily="2" charset="-127"/>
-              </a:rPr>
-              <a:t>소총</a:t>
-            </a:r>
-            <a:endParaRPr lang="en-US" altLang="ko-KR" sz="3200" dirty="0">
-              <a:latin typeface="굴림" panose="020B0600000101010101" pitchFamily="50" charset="-127"/>
-              <a:ea typeface="굴림" panose="020B0600000101010101" pitchFamily="50" charset="-127"/>
-              <a:cs typeface="KoPubWorld돋움체 Light" panose="00000300000000000000" pitchFamily="2" charset="-127"/>
-            </a:endParaRPr>
-          </a:p>
-        </p:txBody>
-      </p:sp>
-      <p:pic>
-        <p:nvPicPr>
-          <p:cNvPr id="12" name="그림 11">
-            <a:extLst>
-              <a:ext uri="{FF2B5EF4-FFF2-40B4-BE49-F238E27FC236}">
-                <a16:creationId xmlns:a16="http://schemas.microsoft.com/office/drawing/2014/main" id="{F6AD6B6E-8679-8DCB-9E67-28CD466783F0}"/>
-              </a:ext>
-            </a:extLst>
-          </p:cNvPr>
-          <p:cNvPicPr>
-            <a:picLocks noChangeAspect="1"/>
-          </p:cNvPicPr>
-          <p:nvPr/>
-        </p:nvPicPr>
-        <p:blipFill>
-          <a:blip r:embed="rId2">
-            <a:lum bright="70000" contrast="-70000"/>
-            <a:extLst>
-              <a:ext uri="{BEBA8EAE-BF5A-486C-A8C5-ECC9F3942E4B}">
-                <a14:imgProps xmlns:a14="http://schemas.microsoft.com/office/drawing/2010/main">
-                  <a14:imgLayer r:embed="rId3">
-                    <a14:imgEffect>
-                      <a14:brightnessContrast bright="100000" contrast="-70000"/>
-                    </a14:imgEffect>
-                  </a14:imgLayer>
-                </a14:imgProps>
-              </a:ext>
-              <a:ext uri="{28A0092B-C50C-407E-A947-70E740481C1C}">
-                <a14:useLocalDpi xmlns:a14="http://schemas.microsoft.com/office/drawing/2010/main" val="0"/>
-              </a:ext>
-            </a:extLst>
-          </a:blip>
-          <a:stretch>
-            <a:fillRect/>
-          </a:stretch>
-        </p:blipFill>
-        <p:spPr>
-          <a:xfrm>
-            <a:off x="1624872" y="5083222"/>
-            <a:ext cx="525558" cy="525558"/>
-          </a:xfrm>
-          <a:prstGeom prst="rect">
-            <a:avLst/>
-          </a:prstGeom>
-        </p:spPr>
-      </p:pic>
-      <p:sp>
-        <p:nvSpPr>
-          <p:cNvPr id="15" name="TextBox 14">
-            <a:extLst>
-              <a:ext uri="{FF2B5EF4-FFF2-40B4-BE49-F238E27FC236}">
-                <a16:creationId xmlns:a16="http://schemas.microsoft.com/office/drawing/2014/main" id="{384B0B1B-036E-E0C9-7B10-489273B8D4B5}"/>
-              </a:ext>
-            </a:extLst>
-          </p:cNvPr>
-          <p:cNvSpPr txBox="1"/>
-          <p:nvPr/>
-        </p:nvSpPr>
-        <p:spPr>
-          <a:xfrm>
-            <a:off x="1942279" y="5083109"/>
-            <a:ext cx="1415773" cy="584775"/>
-          </a:xfrm>
-          <a:prstGeom prst="rect">
-            <a:avLst/>
-          </a:prstGeom>
-          <a:noFill/>
-        </p:spPr>
-        <p:txBody>
-          <a:bodyPr wrap="none" rtlCol="0">
-            <a:spAutoFit/>
-          </a:bodyPr>
-          <a:lstStyle/>
-          <a:p>
-            <a:pPr algn="ctr"/>
-            <a:r>
-              <a:rPr lang="ko-KR" altLang="en-US" sz="3200">
-                <a:latin typeface="굴림" panose="020B0600000101010101" pitchFamily="50" charset="-127"/>
-                <a:ea typeface="굴림" panose="020B0600000101010101" pitchFamily="50" charset="-127"/>
-                <a:cs typeface="KoPubWorld돋움체 Light" panose="00000300000000000000" pitchFamily="2" charset="-127"/>
-              </a:rPr>
-              <a:t>기관총</a:t>
-            </a:r>
-            <a:endParaRPr lang="en-US" altLang="ko-KR" sz="3200" dirty="0">
-              <a:latin typeface="굴림" panose="020B0600000101010101" pitchFamily="50" charset="-127"/>
-              <a:ea typeface="굴림" panose="020B0600000101010101" pitchFamily="50" charset="-127"/>
-              <a:cs typeface="KoPubWorld돋움체 Light" panose="00000300000000000000" pitchFamily="2" charset="-127"/>
-            </a:endParaRPr>
-          </a:p>
-        </p:txBody>
-      </p:sp>
-      <p:pic>
-        <p:nvPicPr>
-          <p:cNvPr id="20" name="그림 19">
-            <a:extLst>
-              <a:ext uri="{FF2B5EF4-FFF2-40B4-BE49-F238E27FC236}">
-                <a16:creationId xmlns:a16="http://schemas.microsoft.com/office/drawing/2014/main" id="{3BDE1B60-EA31-13B6-9A82-6E88766CE764}"/>
-              </a:ext>
-            </a:extLst>
-          </p:cNvPr>
-          <p:cNvPicPr>
-            <a:picLocks noChangeAspect="1"/>
-          </p:cNvPicPr>
-          <p:nvPr/>
-        </p:nvPicPr>
-        <p:blipFill>
-          <a:blip r:embed="rId6"/>
-          <a:stretch>
-            <a:fillRect/>
-          </a:stretch>
-        </p:blipFill>
-        <p:spPr>
-          <a:xfrm>
-            <a:off x="769257" y="3778592"/>
-            <a:ext cx="1073552" cy="1073552"/>
-          </a:xfrm>
-          <a:prstGeom prst="rect">
-            <a:avLst/>
-          </a:prstGeom>
-        </p:spPr>
-      </p:pic>
-      <p:pic>
-        <p:nvPicPr>
-          <p:cNvPr id="27" name="그림 26">
-            <a:extLst>
-              <a:ext uri="{FF2B5EF4-FFF2-40B4-BE49-F238E27FC236}">
-                <a16:creationId xmlns:a16="http://schemas.microsoft.com/office/drawing/2014/main" id="{85468F8D-19FC-FE6B-7E86-F310E9336B8C}"/>
-              </a:ext>
-            </a:extLst>
-          </p:cNvPr>
-          <p:cNvPicPr>
-            <a:picLocks noChangeAspect="1"/>
-          </p:cNvPicPr>
-          <p:nvPr/>
-        </p:nvPicPr>
-        <p:blipFill>
-          <a:blip r:embed="rId7"/>
-          <a:stretch>
-            <a:fillRect/>
-          </a:stretch>
-        </p:blipFill>
-        <p:spPr>
-          <a:xfrm>
-            <a:off x="665257" y="4976520"/>
+            <a:off x="633618" y="5022517"/>
             <a:ext cx="1281551" cy="1053329"/>
           </a:xfrm>
           <a:prstGeom prst="rect">
@@ -5198,52 +5005,6 @@
           </p:txBody>
         </p:sp>
       </p:grpSp>
-      <p:pic>
-        <p:nvPicPr>
-          <p:cNvPr id="7" name="그림 6">
-            <a:extLst>
-              <a:ext uri="{FF2B5EF4-FFF2-40B4-BE49-F238E27FC236}">
-                <a16:creationId xmlns:a16="http://schemas.microsoft.com/office/drawing/2014/main" id="{0686C942-0CFA-49A4-9991-B854D1864421}"/>
-              </a:ext>
-            </a:extLst>
-          </p:cNvPr>
-          <p:cNvPicPr>
-            <a:picLocks noChangeAspect="1"/>
-          </p:cNvPicPr>
-          <p:nvPr/>
-        </p:nvPicPr>
-        <p:blipFill>
-          <a:blip r:embed="rId2">
-            <a:lum bright="70000" contrast="-70000"/>
-            <a:extLst>
-              <a:ext uri="{BEBA8EAE-BF5A-486C-A8C5-ECC9F3942E4B}">
-                <a14:imgProps xmlns:a14="http://schemas.microsoft.com/office/drawing/2010/main">
-                  <a14:imgLayer r:embed="rId3">
-                    <a14:imgEffect>
-                      <a14:brightnessContrast bright="100000" contrast="-70000"/>
-                    </a14:imgEffect>
-                  </a14:imgLayer>
-                </a14:imgProps>
-              </a:ext>
-              <a:ext uri="{28A0092B-C50C-407E-A947-70E740481C1C}">
-                <a14:useLocalDpi xmlns:a14="http://schemas.microsoft.com/office/drawing/2010/main" val="0"/>
-              </a:ext>
-            </a:extLst>
-          </a:blip>
-          <a:stretch>
-            <a:fillRect/>
-          </a:stretch>
-        </p:blipFill>
-        <p:spPr>
-          <a:xfrm>
-            <a:off x="1627269" y="2586766"/>
-            <a:ext cx="525558" cy="525558"/>
-          </a:xfrm>
-          <a:prstGeom prst="rect">
-            <a:avLst/>
-          </a:prstGeom>
-        </p:spPr>
-      </p:pic>
       <p:sp>
         <p:nvSpPr>
           <p:cNvPr id="37" name="TextBox 36">
@@ -5372,7 +5133,7 @@
           <p:nvPr/>
         </p:nvPicPr>
         <p:blipFill>
-          <a:blip r:embed="rId4"/>
+          <a:blip r:embed="rId2"/>
           <a:stretch>
             <a:fillRect/>
           </a:stretch>
@@ -5575,98 +5336,6 @@
           </a:p>
         </p:txBody>
       </p:sp>
-      <p:pic>
-        <p:nvPicPr>
-          <p:cNvPr id="2" name="그림 1">
-            <a:extLst>
-              <a:ext uri="{FF2B5EF4-FFF2-40B4-BE49-F238E27FC236}">
-                <a16:creationId xmlns:a16="http://schemas.microsoft.com/office/drawing/2014/main" id="{3963F696-5634-EAF9-68F0-E27F14AEC5D6}"/>
-              </a:ext>
-            </a:extLst>
-          </p:cNvPr>
-          <p:cNvPicPr>
-            <a:picLocks noChangeAspect="1"/>
-          </p:cNvPicPr>
-          <p:nvPr/>
-        </p:nvPicPr>
-        <p:blipFill>
-          <a:blip r:embed="rId2">
-            <a:lum bright="70000" contrast="-70000"/>
-            <a:extLst>
-              <a:ext uri="{BEBA8EAE-BF5A-486C-A8C5-ECC9F3942E4B}">
-                <a14:imgProps xmlns:a14="http://schemas.microsoft.com/office/drawing/2010/main">
-                  <a14:imgLayer r:embed="rId3">
-                    <a14:imgEffect>
-                      <a14:brightnessContrast bright="100000" contrast="-70000"/>
-                    </a14:imgEffect>
-                  </a14:imgLayer>
-                </a14:imgProps>
-              </a:ext>
-              <a:ext uri="{28A0092B-C50C-407E-A947-70E740481C1C}">
-                <a14:useLocalDpi xmlns:a14="http://schemas.microsoft.com/office/drawing/2010/main" val="0"/>
-              </a:ext>
-            </a:extLst>
-          </a:blip>
-          <a:stretch>
-            <a:fillRect/>
-          </a:stretch>
-        </p:blipFill>
-        <p:spPr>
-          <a:xfrm>
-            <a:off x="1887650" y="5146948"/>
-            <a:ext cx="525558" cy="525558"/>
-          </a:xfrm>
-          <a:prstGeom prst="rect">
-            <a:avLst/>
-          </a:prstGeom>
-        </p:spPr>
-      </p:pic>
-      <p:pic>
-        <p:nvPicPr>
-          <p:cNvPr id="12" name="그림 11">
-            <a:extLst>
-              <a:ext uri="{FF2B5EF4-FFF2-40B4-BE49-F238E27FC236}">
-                <a16:creationId xmlns:a16="http://schemas.microsoft.com/office/drawing/2014/main" id="{F6AD6B6E-8679-8DCB-9E67-28CD466783F0}"/>
-              </a:ext>
-            </a:extLst>
-          </p:cNvPr>
-          <p:cNvPicPr>
-            <a:picLocks noChangeAspect="1"/>
-          </p:cNvPicPr>
-          <p:nvPr/>
-        </p:nvPicPr>
-        <p:blipFill>
-          <a:blip r:embed="rId2">
-            <a:lum bright="70000" contrast="-70000"/>
-            <a:extLst>
-              <a:ext uri="{BEBA8EAE-BF5A-486C-A8C5-ECC9F3942E4B}">
-                <a14:imgProps xmlns:a14="http://schemas.microsoft.com/office/drawing/2010/main">
-                  <a14:imgLayer r:embed="rId3">
-                    <a14:imgEffect>
-                      <a14:brightnessContrast bright="100000" contrast="-70000"/>
-                    </a14:imgEffect>
-                  </a14:imgLayer>
-                </a14:imgProps>
-              </a:ext>
-              <a:ext uri="{28A0092B-C50C-407E-A947-70E740481C1C}">
-                <a14:useLocalDpi xmlns:a14="http://schemas.microsoft.com/office/drawing/2010/main" val="0"/>
-              </a:ext>
-            </a:extLst>
-          </a:blip>
-          <a:stretch>
-            <a:fillRect/>
-          </a:stretch>
-        </p:blipFill>
-        <p:spPr>
-          <a:xfrm>
-            <a:off x="1624872" y="5083222"/>
-            <a:ext cx="525558" cy="525558"/>
-          </a:xfrm>
-          <a:prstGeom prst="rect">
-            <a:avLst/>
-          </a:prstGeom>
-        </p:spPr>
-      </p:pic>
       <p:sp>
         <p:nvSpPr>
           <p:cNvPr id="4" name="TextBox 3">
@@ -5681,7 +5350,7 @@
         </p:nvSpPr>
         <p:spPr>
           <a:xfrm>
-            <a:off x="1624872" y="5164674"/>
+            <a:off x="1504004" y="5105287"/>
             <a:ext cx="7627089" cy="1015663"/>
           </a:xfrm>
           <a:prstGeom prst="rect">
@@ -5829,7 +5498,7 @@
           <p:nvPr/>
         </p:nvPicPr>
         <p:blipFill>
-          <a:blip r:embed="rId5"/>
+          <a:blip r:embed="rId3"/>
           <a:stretch>
             <a:fillRect/>
           </a:stretch>
@@ -5859,7 +5528,7 @@
           <p:nvPr/>
         </p:nvPicPr>
         <p:blipFill>
-          <a:blip r:embed="rId6"/>
+          <a:blip r:embed="rId4"/>
           <a:stretch>
             <a:fillRect/>
           </a:stretch>
@@ -6070,112 +5739,6 @@
           </p:txBody>
         </p:sp>
       </p:grpSp>
-      <p:pic>
-        <p:nvPicPr>
-          <p:cNvPr id="7" name="그림 6">
-            <a:extLst>
-              <a:ext uri="{FF2B5EF4-FFF2-40B4-BE49-F238E27FC236}">
-                <a16:creationId xmlns:a16="http://schemas.microsoft.com/office/drawing/2014/main" id="{0686C942-0CFA-49A4-9991-B854D1864421}"/>
-              </a:ext>
-            </a:extLst>
-          </p:cNvPr>
-          <p:cNvPicPr>
-            <a:picLocks noChangeAspect="1"/>
-          </p:cNvPicPr>
-          <p:nvPr/>
-        </p:nvPicPr>
-        <p:blipFill>
-          <a:blip r:embed="rId2">
-            <a:lum bright="70000" contrast="-70000"/>
-            <a:extLst>
-              <a:ext uri="{BEBA8EAE-BF5A-486C-A8C5-ECC9F3942E4B}">
-                <a14:imgProps xmlns:a14="http://schemas.microsoft.com/office/drawing/2010/main">
-                  <a14:imgLayer r:embed="rId3">
-                    <a14:imgEffect>
-                      <a14:brightnessContrast bright="100000" contrast="-70000"/>
-                    </a14:imgEffect>
-                  </a14:imgLayer>
-                </a14:imgProps>
-              </a:ext>
-              <a:ext uri="{28A0092B-C50C-407E-A947-70E740481C1C}">
-                <a14:useLocalDpi xmlns:a14="http://schemas.microsoft.com/office/drawing/2010/main" val="0"/>
-              </a:ext>
-            </a:extLst>
-          </a:blip>
-          <a:stretch>
-            <a:fillRect/>
-          </a:stretch>
-        </p:blipFill>
-        <p:spPr>
-          <a:xfrm>
-            <a:off x="1504182" y="3261798"/>
-            <a:ext cx="525558" cy="525558"/>
-          </a:xfrm>
-          <a:prstGeom prst="rect">
-            <a:avLst/>
-          </a:prstGeom>
-        </p:spPr>
-      </p:pic>
-      <p:sp>
-        <p:nvSpPr>
-          <p:cNvPr id="9" name="TextBox 8">
-            <a:extLst>
-              <a:ext uri="{FF2B5EF4-FFF2-40B4-BE49-F238E27FC236}">
-                <a16:creationId xmlns:a16="http://schemas.microsoft.com/office/drawing/2014/main" id="{8E68655C-5F16-3FC7-3576-4700DEA6D972}"/>
-              </a:ext>
-            </a:extLst>
-          </p:cNvPr>
-          <p:cNvSpPr txBox="1"/>
-          <p:nvPr/>
-        </p:nvSpPr>
-        <p:spPr>
-          <a:xfrm>
-            <a:off x="-233412" y="2428333"/>
-            <a:ext cx="9817397" cy="840038"/>
-          </a:xfrm>
-          <a:prstGeom prst="rect">
-            <a:avLst/>
-          </a:prstGeom>
-          <a:noFill/>
-        </p:spPr>
-        <p:txBody>
-          <a:bodyPr wrap="square" rtlCol="0">
-            <a:spAutoFit/>
-          </a:bodyPr>
-          <a:lstStyle/>
-          <a:p>
-            <a:pPr marL="736600">
-              <a:lnSpc>
-                <a:spcPct val="107000"/>
-              </a:lnSpc>
-              <a:spcAft>
-                <a:spcPts val="800"/>
-              </a:spcAft>
-            </a:pPr>
-            <a:endParaRPr lang="ko-KR" altLang="ko-KR" sz="1800" kern="100" dirty="0">
-              <a:effectLst/>
-              <a:latin typeface="굴림" panose="020B0600000101010101" pitchFamily="50" charset="-127"/>
-              <a:ea typeface="굴림" panose="020B0600000101010101" pitchFamily="50" charset="-127"/>
-              <a:cs typeface="Times New Roman" panose="02020603050405020304" pitchFamily="18" charset="0"/>
-            </a:endParaRPr>
-          </a:p>
-          <a:p>
-            <a:pPr marL="736600" latinLnBrk="1">
-              <a:lnSpc>
-                <a:spcPct val="107000"/>
-              </a:lnSpc>
-              <a:spcAft>
-                <a:spcPts val="800"/>
-              </a:spcAft>
-            </a:pPr>
-            <a:endParaRPr lang="en-US" altLang="ko-KR" sz="2400" dirty="0">
-              <a:latin typeface="굴림" panose="020B0600000101010101" pitchFamily="50" charset="-127"/>
-              <a:ea typeface="굴림" panose="020B0600000101010101" pitchFamily="50" charset="-127"/>
-              <a:cs typeface="KoPubWorld돋움체 Light" panose="00000300000000000000" pitchFamily="2" charset="-127"/>
-            </a:endParaRPr>
-          </a:p>
-        </p:txBody>
-      </p:sp>
       <p:sp>
         <p:nvSpPr>
           <p:cNvPr id="13" name="TextBox 12">
@@ -6215,52 +5778,6 @@
           </a:p>
         </p:txBody>
       </p:sp>
-      <p:pic>
-        <p:nvPicPr>
-          <p:cNvPr id="15" name="그림 14">
-            <a:extLst>
-              <a:ext uri="{FF2B5EF4-FFF2-40B4-BE49-F238E27FC236}">
-                <a16:creationId xmlns:a16="http://schemas.microsoft.com/office/drawing/2014/main" id="{01209668-B04A-BE2D-03E4-54CF6D2D6ED5}"/>
-              </a:ext>
-            </a:extLst>
-          </p:cNvPr>
-          <p:cNvPicPr>
-            <a:picLocks noChangeAspect="1"/>
-          </p:cNvPicPr>
-          <p:nvPr/>
-        </p:nvPicPr>
-        <p:blipFill>
-          <a:blip r:embed="rId2">
-            <a:lum bright="70000" contrast="-70000"/>
-            <a:extLst>
-              <a:ext uri="{BEBA8EAE-BF5A-486C-A8C5-ECC9F3942E4B}">
-                <a14:imgProps xmlns:a14="http://schemas.microsoft.com/office/drawing/2010/main">
-                  <a14:imgLayer r:embed="rId3">
-                    <a14:imgEffect>
-                      <a14:brightnessContrast bright="100000" contrast="-70000"/>
-                    </a14:imgEffect>
-                  </a14:imgLayer>
-                </a14:imgProps>
-              </a:ext>
-              <a:ext uri="{28A0092B-C50C-407E-A947-70E740481C1C}">
-                <a14:useLocalDpi xmlns:a14="http://schemas.microsoft.com/office/drawing/2010/main" val="0"/>
-              </a:ext>
-            </a:extLst>
-          </a:blip>
-          <a:stretch>
-            <a:fillRect/>
-          </a:stretch>
-        </p:blipFill>
-        <p:spPr>
-          <a:xfrm>
-            <a:off x="1566918" y="1742759"/>
-            <a:ext cx="525558" cy="525558"/>
-          </a:xfrm>
-          <a:prstGeom prst="rect">
-            <a:avLst/>
-          </a:prstGeom>
-        </p:spPr>
-      </p:pic>
       <p:sp>
         <p:nvSpPr>
           <p:cNvPr id="17" name="TextBox 16">
@@ -6306,6 +5823,105 @@
             <a:extLst>
               <a:ext uri="{FF2B5EF4-FFF2-40B4-BE49-F238E27FC236}">
                 <a16:creationId xmlns:a16="http://schemas.microsoft.com/office/drawing/2014/main" id="{90EFFD43-B6B0-3AD2-D72A-8E8DBD90F259}"/>
+              </a:ext>
+            </a:extLst>
+          </p:cNvPr>
+          <p:cNvPicPr>
+            <a:picLocks noChangeAspect="1"/>
+          </p:cNvPicPr>
+          <p:nvPr/>
+        </p:nvPicPr>
+        <p:blipFill>
+          <a:blip r:embed="rId2"/>
+          <a:stretch>
+            <a:fillRect/>
+          </a:stretch>
+        </p:blipFill>
+        <p:spPr>
+          <a:xfrm>
+            <a:off x="120133" y="1459729"/>
+            <a:ext cx="1054154" cy="901746"/>
+          </a:xfrm>
+          <a:prstGeom prst="rect">
+            <a:avLst/>
+          </a:prstGeom>
+        </p:spPr>
+      </p:pic>
+      <p:pic>
+        <p:nvPicPr>
+          <p:cNvPr id="21" name="그림 20">
+            <a:extLst>
+              <a:ext uri="{FF2B5EF4-FFF2-40B4-BE49-F238E27FC236}">
+                <a16:creationId xmlns:a16="http://schemas.microsoft.com/office/drawing/2014/main" id="{F7CDBE64-65C6-64F6-491E-D7096AEC5BED}"/>
+              </a:ext>
+            </a:extLst>
+          </p:cNvPr>
+          <p:cNvPicPr>
+            <a:picLocks noChangeAspect="1"/>
+          </p:cNvPicPr>
+          <p:nvPr/>
+        </p:nvPicPr>
+        <p:blipFill>
+          <a:blip r:embed="rId3"/>
+          <a:stretch>
+            <a:fillRect/>
+          </a:stretch>
+        </p:blipFill>
+        <p:spPr>
+          <a:xfrm>
+            <a:off x="225178" y="2974254"/>
+            <a:ext cx="844064" cy="908265"/>
+          </a:xfrm>
+          <a:prstGeom prst="rect">
+            <a:avLst/>
+          </a:prstGeom>
+        </p:spPr>
+      </p:pic>
+      <p:sp>
+        <p:nvSpPr>
+          <p:cNvPr id="25" name="TextBox 24">
+            <a:extLst>
+              <a:ext uri="{FF2B5EF4-FFF2-40B4-BE49-F238E27FC236}">
+                <a16:creationId xmlns:a16="http://schemas.microsoft.com/office/drawing/2014/main" id="{E86E0A61-6F16-2FC0-1EA7-F68181582EC8}"/>
+              </a:ext>
+            </a:extLst>
+          </p:cNvPr>
+          <p:cNvSpPr txBox="1"/>
+          <p:nvPr/>
+        </p:nvSpPr>
+        <p:spPr>
+          <a:xfrm>
+            <a:off x="1340301" y="4597390"/>
+            <a:ext cx="3695242" cy="584775"/>
+          </a:xfrm>
+          <a:prstGeom prst="rect">
+            <a:avLst/>
+          </a:prstGeom>
+          <a:noFill/>
+        </p:spPr>
+        <p:txBody>
+          <a:bodyPr wrap="none" rtlCol="0">
+            <a:spAutoFit/>
+          </a:bodyPr>
+          <a:lstStyle/>
+          <a:p>
+            <a:r>
+              <a:rPr lang="en-US" altLang="ko-KR" sz="3200" dirty="0">
+                <a:latin typeface="굴림" panose="020B0600000101010101" pitchFamily="50" charset="-127"/>
+                <a:ea typeface="굴림" panose="020B0600000101010101" pitchFamily="50" charset="-127"/>
+                <a:cs typeface="KoPubWorld돋움체 Light" panose="00000300000000000000" pitchFamily="2" charset="-127"/>
+              </a:rPr>
+              <a:t>PHOTOSHOP2021</a:t>
+            </a:r>
+          </a:p>
+        </p:txBody>
+      </p:sp>
+      <p:pic>
+        <p:nvPicPr>
+          <p:cNvPr id="28" name="그림 27">
+            <a:extLst>
+              <a:ext uri="{FF2B5EF4-FFF2-40B4-BE49-F238E27FC236}">
+                <a16:creationId xmlns:a16="http://schemas.microsoft.com/office/drawing/2014/main" id="{8186C841-92A1-2CC5-E403-0CF755BE6046}"/>
               </a:ext>
             </a:extLst>
           </p:cNvPr>
@@ -6322,84 +5938,8 @@
         </p:blipFill>
         <p:spPr>
           <a:xfrm>
-            <a:off x="120133" y="1459729"/>
-            <a:ext cx="1054154" cy="901746"/>
-          </a:xfrm>
-          <a:prstGeom prst="rect">
-            <a:avLst/>
-          </a:prstGeom>
-        </p:spPr>
-      </p:pic>
-      <p:pic>
-        <p:nvPicPr>
-          <p:cNvPr id="21" name="그림 20">
-            <a:extLst>
-              <a:ext uri="{FF2B5EF4-FFF2-40B4-BE49-F238E27FC236}">
-                <a16:creationId xmlns:a16="http://schemas.microsoft.com/office/drawing/2014/main" id="{F7CDBE64-65C6-64F6-491E-D7096AEC5BED}"/>
-              </a:ext>
-            </a:extLst>
-          </p:cNvPr>
-          <p:cNvPicPr>
-            <a:picLocks noChangeAspect="1"/>
-          </p:cNvPicPr>
-          <p:nvPr/>
-        </p:nvPicPr>
-        <p:blipFill>
-          <a:blip r:embed="rId5"/>
-          <a:stretch>
-            <a:fillRect/>
-          </a:stretch>
-        </p:blipFill>
-        <p:spPr>
-          <a:xfrm>
-            <a:off x="225178" y="2974254"/>
-            <a:ext cx="844064" cy="908265"/>
-          </a:xfrm>
-          <a:prstGeom prst="rect">
-            <a:avLst/>
-          </a:prstGeom>
-        </p:spPr>
-      </p:pic>
-      <p:pic>
-        <p:nvPicPr>
-          <p:cNvPr id="22" name="그림 21">
-            <a:extLst>
-              <a:ext uri="{FF2B5EF4-FFF2-40B4-BE49-F238E27FC236}">
-                <a16:creationId xmlns:a16="http://schemas.microsoft.com/office/drawing/2014/main" id="{D4D7E88D-B6EF-48C7-472C-D8A0FFAC2704}"/>
-              </a:ext>
-            </a:extLst>
-          </p:cNvPr>
-          <p:cNvPicPr>
-            <a:picLocks noChangeAspect="1"/>
-          </p:cNvPicPr>
-          <p:nvPr/>
-        </p:nvPicPr>
-        <p:blipFill>
-          <a:blip r:embed="rId2">
-            <a:lum bright="70000" contrast="-70000"/>
-            <a:extLst>
-              <a:ext uri="{BEBA8EAE-BF5A-486C-A8C5-ECC9F3942E4B}">
-                <a14:imgProps xmlns:a14="http://schemas.microsoft.com/office/drawing/2010/main">
-                  <a14:imgLayer r:embed="rId3">
-                    <a14:imgEffect>
-                      <a14:brightnessContrast bright="100000" contrast="-70000"/>
-                    </a14:imgEffect>
-                  </a14:imgLayer>
-                </a14:imgProps>
-              </a:ext>
-              <a:ext uri="{28A0092B-C50C-407E-A947-70E740481C1C}">
-                <a14:useLocalDpi xmlns:a14="http://schemas.microsoft.com/office/drawing/2010/main" val="0"/>
-              </a:ext>
-            </a:extLst>
-          </a:blip>
-          <a:stretch>
-            <a:fillRect/>
-          </a:stretch>
-        </p:blipFill>
-        <p:spPr>
-          <a:xfrm>
-            <a:off x="1504182" y="4715984"/>
-            <a:ext cx="525558" cy="525558"/>
+            <a:off x="179720" y="4428440"/>
+            <a:ext cx="934980" cy="914203"/>
           </a:xfrm>
           <a:prstGeom prst="rect">
             <a:avLst/>
@@ -6408,10 +5948,10 @@
       </p:pic>
       <p:sp>
         <p:nvSpPr>
-          <p:cNvPr id="25" name="TextBox 24">
-            <a:extLst>
-              <a:ext uri="{FF2B5EF4-FFF2-40B4-BE49-F238E27FC236}">
-                <a16:creationId xmlns:a16="http://schemas.microsoft.com/office/drawing/2014/main" id="{E86E0A61-6F16-2FC0-1EA7-F68181582EC8}"/>
+          <p:cNvPr id="30" name="TextBox 29">
+            <a:extLst>
+              <a:ext uri="{FF2B5EF4-FFF2-40B4-BE49-F238E27FC236}">
+                <a16:creationId xmlns:a16="http://schemas.microsoft.com/office/drawing/2014/main" id="{DE8F874A-5B43-7602-CBF6-94C9A9481FBF}"/>
               </a:ext>
             </a:extLst>
           </p:cNvPr>
@@ -6420,8 +5960,8 @@
         </p:nvSpPr>
         <p:spPr>
           <a:xfrm>
-            <a:off x="1340301" y="4597390"/>
-            <a:ext cx="3695242" cy="584775"/>
+            <a:off x="8153640" y="3706366"/>
+            <a:ext cx="2656496" cy="584775"/>
           </a:xfrm>
           <a:prstGeom prst="rect">
             <a:avLst/>
@@ -6440,121 +5980,6 @@
                 <a:ea typeface="굴림" panose="020B0600000101010101" pitchFamily="50" charset="-127"/>
                 <a:cs typeface="KoPubWorld돋움체 Light" panose="00000300000000000000" pitchFamily="2" charset="-127"/>
               </a:rPr>
-              <a:t>PHOTOSHOP2021</a:t>
-            </a:r>
-          </a:p>
-        </p:txBody>
-      </p:sp>
-      <p:pic>
-        <p:nvPicPr>
-          <p:cNvPr id="28" name="그림 27">
-            <a:extLst>
-              <a:ext uri="{FF2B5EF4-FFF2-40B4-BE49-F238E27FC236}">
-                <a16:creationId xmlns:a16="http://schemas.microsoft.com/office/drawing/2014/main" id="{8186C841-92A1-2CC5-E403-0CF755BE6046}"/>
-              </a:ext>
-            </a:extLst>
-          </p:cNvPr>
-          <p:cNvPicPr>
-            <a:picLocks noChangeAspect="1"/>
-          </p:cNvPicPr>
-          <p:nvPr/>
-        </p:nvPicPr>
-        <p:blipFill>
-          <a:blip r:embed="rId6"/>
-          <a:stretch>
-            <a:fillRect/>
-          </a:stretch>
-        </p:blipFill>
-        <p:spPr>
-          <a:xfrm>
-            <a:off x="179720" y="4428440"/>
-            <a:ext cx="934980" cy="914203"/>
-          </a:xfrm>
-          <a:prstGeom prst="rect">
-            <a:avLst/>
-          </a:prstGeom>
-        </p:spPr>
-      </p:pic>
-      <p:pic>
-        <p:nvPicPr>
-          <p:cNvPr id="29" name="그림 28">
-            <a:extLst>
-              <a:ext uri="{FF2B5EF4-FFF2-40B4-BE49-F238E27FC236}">
-                <a16:creationId xmlns:a16="http://schemas.microsoft.com/office/drawing/2014/main" id="{3D5DD469-EC14-681F-9C71-866E3B23CCAA}"/>
-              </a:ext>
-            </a:extLst>
-          </p:cNvPr>
-          <p:cNvPicPr>
-            <a:picLocks noChangeAspect="1"/>
-          </p:cNvPicPr>
-          <p:nvPr/>
-        </p:nvPicPr>
-        <p:blipFill>
-          <a:blip r:embed="rId2">
-            <a:lum bright="70000" contrast="-70000"/>
-            <a:extLst>
-              <a:ext uri="{BEBA8EAE-BF5A-486C-A8C5-ECC9F3942E4B}">
-                <a14:imgProps xmlns:a14="http://schemas.microsoft.com/office/drawing/2010/main">
-                  <a14:imgLayer r:embed="rId3">
-                    <a14:imgEffect>
-                      <a14:brightnessContrast bright="100000" contrast="-70000"/>
-                    </a14:imgEffect>
-                  </a14:imgLayer>
-                </a14:imgProps>
-              </a:ext>
-              <a:ext uri="{28A0092B-C50C-407E-A947-70E740481C1C}">
-                <a14:useLocalDpi xmlns:a14="http://schemas.microsoft.com/office/drawing/2010/main" val="0"/>
-              </a:ext>
-            </a:extLst>
-          </a:blip>
-          <a:stretch>
-            <a:fillRect/>
-          </a:stretch>
-        </p:blipFill>
-        <p:spPr>
-          <a:xfrm>
-            <a:off x="7120018" y="2521644"/>
-            <a:ext cx="525558" cy="525558"/>
-          </a:xfrm>
-          <a:prstGeom prst="rect">
-            <a:avLst/>
-          </a:prstGeom>
-        </p:spPr>
-      </p:pic>
-      <p:sp>
-        <p:nvSpPr>
-          <p:cNvPr id="30" name="TextBox 29">
-            <a:extLst>
-              <a:ext uri="{FF2B5EF4-FFF2-40B4-BE49-F238E27FC236}">
-                <a16:creationId xmlns:a16="http://schemas.microsoft.com/office/drawing/2014/main" id="{DE8F874A-5B43-7602-CBF6-94C9A9481FBF}"/>
-              </a:ext>
-            </a:extLst>
-          </p:cNvPr>
-          <p:cNvSpPr txBox="1"/>
-          <p:nvPr/>
-        </p:nvSpPr>
-        <p:spPr>
-          <a:xfrm>
-            <a:off x="8153640" y="3706366"/>
-            <a:ext cx="2656496" cy="584775"/>
-          </a:xfrm>
-          <a:prstGeom prst="rect">
-            <a:avLst/>
-          </a:prstGeom>
-          <a:noFill/>
-        </p:spPr>
-        <p:txBody>
-          <a:bodyPr wrap="none" rtlCol="0">
-            <a:spAutoFit/>
-          </a:bodyPr>
-          <a:lstStyle/>
-          <a:p>
-            <a:r>
-              <a:rPr lang="en-US" altLang="ko-KR" sz="3200" dirty="0">
-                <a:latin typeface="굴림" panose="020B0600000101010101" pitchFamily="50" charset="-127"/>
-                <a:ea typeface="굴림" panose="020B0600000101010101" pitchFamily="50" charset="-127"/>
-                <a:cs typeface="KoPubWorld돋움체 Light" panose="00000300000000000000" pitchFamily="2" charset="-127"/>
-              </a:rPr>
               <a:t>DIRECT X 12</a:t>
             </a:r>
           </a:p>
@@ -6575,7 +6000,7 @@
           <p:nvPr/>
         </p:nvPicPr>
         <p:blipFill>
-          <a:blip r:embed="rId7">
+          <a:blip r:embed="rId5">
             <a:extLst>
               <a:ext uri="{28A0092B-C50C-407E-A947-70E740481C1C}">
                 <a14:useLocalDpi xmlns:a14="http://schemas.microsoft.com/office/drawing/2010/main" val="0"/>
@@ -6661,7 +6086,7 @@
           <p:nvPr/>
         </p:nvPicPr>
         <p:blipFill>
-          <a:blip r:embed="rId8">
+          <a:blip r:embed="rId6">
             <a:extLst>
               <a:ext uri="{28A0092B-C50C-407E-A947-70E740481C1C}">
                 <a14:useLocalDpi xmlns:a14="http://schemas.microsoft.com/office/drawing/2010/main" val="0"/>
@@ -6828,7 +6253,7 @@
                   <a:ea typeface="굴림" panose="020B0600000101010101" pitchFamily="50" charset="-127"/>
                   <a:cs typeface="KoPubWorld돋움체 Light" panose="00000300000000000000" pitchFamily="2" charset="-127"/>
                 </a:rPr>
-                <a:t>기술적요소 및 중점 연구 분야</a:t>
+                <a:t>기술적 요소 및 중점 연구 분야</a:t>
               </a:r>
             </a:p>
           </p:txBody>
@@ -7020,7 +6445,7 @@
         <p:spPr>
           <a:xfrm>
             <a:off x="158622" y="2488658"/>
-            <a:ext cx="3646092" cy="584775"/>
+            <a:ext cx="1521322" cy="584775"/>
           </a:xfrm>
           <a:prstGeom prst="rect">
             <a:avLst/>
@@ -7063,7 +6488,7 @@
         </p:nvSpPr>
         <p:spPr>
           <a:xfrm>
-            <a:off x="537395" y="3073433"/>
+            <a:off x="456269" y="3017150"/>
             <a:ext cx="5214890" cy="400110"/>
           </a:xfrm>
           <a:prstGeom prst="rect">
@@ -7132,7 +6557,7 @@
         </p:nvSpPr>
         <p:spPr>
           <a:xfrm>
-            <a:off x="178627" y="3729932"/>
+            <a:off x="174541" y="3787236"/>
             <a:ext cx="3646092" cy="584775"/>
           </a:xfrm>
           <a:prstGeom prst="rect">
@@ -7184,7 +6609,7 @@
         </p:nvSpPr>
         <p:spPr>
           <a:xfrm>
-            <a:off x="617258" y="4314707"/>
+            <a:off x="557400" y="4285594"/>
             <a:ext cx="3762569" cy="400110"/>
           </a:xfrm>
           <a:prstGeom prst="rect">
@@ -7313,7 +6738,7 @@
         </p:nvSpPr>
         <p:spPr>
           <a:xfrm>
-            <a:off x="338221" y="5555981"/>
+            <a:off x="557400" y="5502895"/>
             <a:ext cx="4921352" cy="707886"/>
           </a:xfrm>
           <a:prstGeom prst="rect">
@@ -7412,7 +6837,7 @@
         </p:nvSpPr>
         <p:spPr>
           <a:xfrm>
-            <a:off x="558747" y="3423785"/>
+            <a:off x="477621" y="3367502"/>
             <a:ext cx="4639412" cy="400110"/>
           </a:xfrm>
           <a:prstGeom prst="rect">
@@ -12436,52 +11861,6 @@
           </p:txBody>
         </p:sp>
       </p:grpSp>
-      <p:pic>
-        <p:nvPicPr>
-          <p:cNvPr id="7" name="그림 6">
-            <a:extLst>
-              <a:ext uri="{FF2B5EF4-FFF2-40B4-BE49-F238E27FC236}">
-                <a16:creationId xmlns:a16="http://schemas.microsoft.com/office/drawing/2014/main" id="{0686C942-0CFA-49A4-9991-B854D1864421}"/>
-              </a:ext>
-            </a:extLst>
-          </p:cNvPr>
-          <p:cNvPicPr>
-            <a:picLocks noChangeAspect="1"/>
-          </p:cNvPicPr>
-          <p:nvPr/>
-        </p:nvPicPr>
-        <p:blipFill>
-          <a:blip r:embed="rId2">
-            <a:lum bright="70000" contrast="-70000"/>
-            <a:extLst>
-              <a:ext uri="{BEBA8EAE-BF5A-486C-A8C5-ECC9F3942E4B}">
-                <a14:imgProps xmlns:a14="http://schemas.microsoft.com/office/drawing/2010/main">
-                  <a14:imgLayer r:embed="rId3">
-                    <a14:imgEffect>
-                      <a14:brightnessContrast bright="100000" contrast="-70000"/>
-                    </a14:imgEffect>
-                  </a14:imgLayer>
-                </a14:imgProps>
-              </a:ext>
-              <a:ext uri="{28A0092B-C50C-407E-A947-70E740481C1C}">
-                <a14:useLocalDpi xmlns:a14="http://schemas.microsoft.com/office/drawing/2010/main" val="0"/>
-              </a:ext>
-            </a:extLst>
-          </a:blip>
-          <a:stretch>
-            <a:fillRect/>
-          </a:stretch>
-        </p:blipFill>
-        <p:spPr>
-          <a:xfrm>
-            <a:off x="2519898" y="2418654"/>
-            <a:ext cx="525558" cy="525558"/>
-          </a:xfrm>
-          <a:prstGeom prst="rect">
-            <a:avLst/>
-          </a:prstGeom>
-        </p:spPr>
-      </p:pic>
       <p:sp>
         <p:nvSpPr>
           <p:cNvPr id="37" name="TextBox 36">
@@ -12537,10 +11916,346 @@
       </p:sp>
       <p:sp>
         <p:nvSpPr>
-          <p:cNvPr id="38" name="직사각형 37">
-            <a:extLst>
-              <a:ext uri="{FF2B5EF4-FFF2-40B4-BE49-F238E27FC236}">
-                <a16:creationId xmlns:a16="http://schemas.microsoft.com/office/drawing/2014/main" id="{FC8FF7CF-D8B5-498D-94C7-188252370E53}"/>
+          <p:cNvPr id="39" name="TextBox 38">
+            <a:extLst>
+              <a:ext uri="{FF2B5EF4-FFF2-40B4-BE49-F238E27FC236}">
+                <a16:creationId xmlns:a16="http://schemas.microsoft.com/office/drawing/2014/main" id="{1060B323-B658-4AFE-8D3D-E1D8D4538DE4}"/>
+              </a:ext>
+            </a:extLst>
+          </p:cNvPr>
+          <p:cNvSpPr txBox="1"/>
+          <p:nvPr/>
+        </p:nvSpPr>
+        <p:spPr>
+          <a:xfrm>
+            <a:off x="1868700" y="3178808"/>
+            <a:ext cx="5461752" cy="461665"/>
+          </a:xfrm>
+          <a:prstGeom prst="rect">
+            <a:avLst/>
+          </a:prstGeom>
+          <a:noFill/>
+        </p:spPr>
+        <p:txBody>
+          <a:bodyPr wrap="none" rtlCol="0">
+            <a:spAutoFit/>
+          </a:bodyPr>
+          <a:lstStyle/>
+          <a:p>
+            <a:pPr algn="ctr"/>
+            <a:r>
+              <a:rPr lang="en-US" altLang="ko-KR" sz="2400" dirty="0">
+                <a:latin typeface="굴림" panose="020B0600000101010101" pitchFamily="50" charset="-127"/>
+                <a:ea typeface="굴림" panose="020B0600000101010101" pitchFamily="50" charset="-127"/>
+                <a:cs typeface="KoPubWorld돋움체 Light" panose="00000300000000000000" pitchFamily="2" charset="-127"/>
+              </a:rPr>
+              <a:t>Direct X 12</a:t>
+            </a:r>
+            <a:r>
+              <a:rPr lang="ko-KR" altLang="en-US" sz="2400" dirty="0">
+                <a:latin typeface="굴림" panose="020B0600000101010101" pitchFamily="50" charset="-127"/>
+                <a:ea typeface="굴림" panose="020B0600000101010101" pitchFamily="50" charset="-127"/>
+                <a:cs typeface="KoPubWorld돋움체 Light" panose="00000300000000000000" pitchFamily="2" charset="-127"/>
+              </a:rPr>
+              <a:t>를 이용한 </a:t>
+            </a:r>
+            <a:r>
+              <a:rPr lang="ko-KR" altLang="en-US" sz="2400" dirty="0" err="1">
+                <a:latin typeface="굴림" panose="020B0600000101010101" pitchFamily="50" charset="-127"/>
+                <a:ea typeface="굴림" panose="020B0600000101010101" pitchFamily="50" charset="-127"/>
+                <a:cs typeface="KoPubWorld돋움체 Light" panose="00000300000000000000" pitchFamily="2" charset="-127"/>
+              </a:rPr>
+              <a:t>텍스쳐</a:t>
+            </a:r>
+            <a:r>
+              <a:rPr lang="ko-KR" altLang="en-US" sz="2400" dirty="0">
+                <a:latin typeface="굴림" panose="020B0600000101010101" pitchFamily="50" charset="-127"/>
+                <a:ea typeface="굴림" panose="020B0600000101010101" pitchFamily="50" charset="-127"/>
+                <a:cs typeface="KoPubWorld돋움체 Light" panose="00000300000000000000" pitchFamily="2" charset="-127"/>
+              </a:rPr>
+              <a:t> </a:t>
+            </a:r>
+            <a:r>
+              <a:rPr lang="ko-KR" altLang="en-US" sz="2400" dirty="0" err="1">
+                <a:latin typeface="굴림" panose="020B0600000101010101" pitchFamily="50" charset="-127"/>
+                <a:ea typeface="굴림" panose="020B0600000101010101" pitchFamily="50" charset="-127"/>
+                <a:cs typeface="KoPubWorld돋움체 Light" panose="00000300000000000000" pitchFamily="2" charset="-127"/>
+              </a:rPr>
+              <a:t>블랜디드</a:t>
+            </a:r>
+            <a:endParaRPr lang="ko-KR" altLang="en-US" sz="2400" dirty="0">
+              <a:latin typeface="굴림" panose="020B0600000101010101" pitchFamily="50" charset="-127"/>
+              <a:ea typeface="굴림" panose="020B0600000101010101" pitchFamily="50" charset="-127"/>
+              <a:cs typeface="KoPubWorld돋움체 Light" panose="00000300000000000000" pitchFamily="2" charset="-127"/>
+            </a:endParaRPr>
+          </a:p>
+        </p:txBody>
+      </p:sp>
+      <p:sp>
+        <p:nvSpPr>
+          <p:cNvPr id="41" name="TextBox 40">
+            <a:extLst>
+              <a:ext uri="{FF2B5EF4-FFF2-40B4-BE49-F238E27FC236}">
+                <a16:creationId xmlns:a16="http://schemas.microsoft.com/office/drawing/2014/main" id="{9C31294A-7DC5-47B9-AC90-66BBE0915C49}"/>
+              </a:ext>
+            </a:extLst>
+          </p:cNvPr>
+          <p:cNvSpPr txBox="1"/>
+          <p:nvPr/>
+        </p:nvSpPr>
+        <p:spPr>
+          <a:xfrm>
+            <a:off x="1868700" y="4282067"/>
+            <a:ext cx="5654112" cy="461665"/>
+          </a:xfrm>
+          <a:prstGeom prst="rect">
+            <a:avLst/>
+          </a:prstGeom>
+          <a:noFill/>
+        </p:spPr>
+        <p:txBody>
+          <a:bodyPr wrap="none" rtlCol="0">
+            <a:spAutoFit/>
+          </a:bodyPr>
+          <a:lstStyle/>
+          <a:p>
+            <a:pPr algn="ctr"/>
+            <a:r>
+              <a:rPr lang="ko-KR" altLang="en-US" sz="2400" dirty="0">
+                <a:latin typeface="굴림" panose="020B0600000101010101" pitchFamily="50" charset="-127"/>
+                <a:ea typeface="굴림" panose="020B0600000101010101" pitchFamily="50" charset="-127"/>
+                <a:cs typeface="KoPubWorld돋움체 Light" panose="00000300000000000000" pitchFamily="2" charset="-127"/>
+              </a:rPr>
+              <a:t>카메라를 통한 총의 최적의 </a:t>
+            </a:r>
+            <a:r>
+              <a:rPr lang="ko-KR" altLang="en-US" sz="2400" dirty="0" err="1">
+                <a:latin typeface="굴림" panose="020B0600000101010101" pitchFamily="50" charset="-127"/>
+                <a:ea typeface="굴림" panose="020B0600000101010101" pitchFamily="50" charset="-127"/>
+                <a:cs typeface="KoPubWorld돋움체 Light" panose="00000300000000000000" pitchFamily="2" charset="-127"/>
+              </a:rPr>
+              <a:t>타격감</a:t>
+            </a:r>
+            <a:r>
+              <a:rPr lang="ko-KR" altLang="en-US" sz="2400" dirty="0">
+                <a:latin typeface="굴림" panose="020B0600000101010101" pitchFamily="50" charset="-127"/>
+                <a:ea typeface="굴림" panose="020B0600000101010101" pitchFamily="50" charset="-127"/>
+                <a:cs typeface="KoPubWorld돋움체 Light" panose="00000300000000000000" pitchFamily="2" charset="-127"/>
+              </a:rPr>
+              <a:t> 구현</a:t>
+            </a:r>
+          </a:p>
+        </p:txBody>
+      </p:sp>
+      <p:pic>
+        <p:nvPicPr>
+          <p:cNvPr id="3" name="그림 2">
+            <a:extLst>
+              <a:ext uri="{FF2B5EF4-FFF2-40B4-BE49-F238E27FC236}">
+                <a16:creationId xmlns:a16="http://schemas.microsoft.com/office/drawing/2014/main" id="{6DF15A5D-D181-ACE5-23E9-AC81ADFA7BE3}"/>
+              </a:ext>
+            </a:extLst>
+          </p:cNvPr>
+          <p:cNvPicPr>
+            <a:picLocks noChangeAspect="1"/>
+          </p:cNvPicPr>
+          <p:nvPr/>
+        </p:nvPicPr>
+        <p:blipFill>
+          <a:blip r:embed="rId2"/>
+          <a:stretch>
+            <a:fillRect/>
+          </a:stretch>
+        </p:blipFill>
+        <p:spPr>
+          <a:xfrm>
+            <a:off x="965405" y="1818447"/>
+            <a:ext cx="825454" cy="839166"/>
+          </a:xfrm>
+          <a:prstGeom prst="rect">
+            <a:avLst/>
+          </a:prstGeom>
+        </p:spPr>
+      </p:pic>
+      <p:pic>
+        <p:nvPicPr>
+          <p:cNvPr id="8" name="그림 7">
+            <a:extLst>
+              <a:ext uri="{FF2B5EF4-FFF2-40B4-BE49-F238E27FC236}">
+                <a16:creationId xmlns:a16="http://schemas.microsoft.com/office/drawing/2014/main" id="{33C7570F-820C-75D9-8E57-6879A102F7E0}"/>
+              </a:ext>
+            </a:extLst>
+          </p:cNvPr>
+          <p:cNvPicPr>
+            <a:picLocks noChangeAspect="1"/>
+          </p:cNvPicPr>
+          <p:nvPr/>
+        </p:nvPicPr>
+        <p:blipFill>
+          <a:blip r:embed="rId3"/>
+          <a:stretch>
+            <a:fillRect/>
+          </a:stretch>
+        </p:blipFill>
+        <p:spPr>
+          <a:xfrm>
+            <a:off x="907152" y="2828502"/>
+            <a:ext cx="961548" cy="961548"/>
+          </a:xfrm>
+          <a:prstGeom prst="rect">
+            <a:avLst/>
+          </a:prstGeom>
+        </p:spPr>
+      </p:pic>
+      <p:pic>
+        <p:nvPicPr>
+          <p:cNvPr id="10" name="그림 9">
+            <a:extLst>
+              <a:ext uri="{FF2B5EF4-FFF2-40B4-BE49-F238E27FC236}">
+                <a16:creationId xmlns:a16="http://schemas.microsoft.com/office/drawing/2014/main" id="{BB13C8CF-FB8F-BFEF-131F-D96423B063B6}"/>
+              </a:ext>
+            </a:extLst>
+          </p:cNvPr>
+          <p:cNvPicPr>
+            <a:picLocks noChangeAspect="1"/>
+          </p:cNvPicPr>
+          <p:nvPr/>
+        </p:nvPicPr>
+        <p:blipFill>
+          <a:blip r:embed="rId4"/>
+          <a:stretch>
+            <a:fillRect/>
+          </a:stretch>
+        </p:blipFill>
+        <p:spPr>
+          <a:xfrm>
+            <a:off x="907153" y="3965916"/>
+            <a:ext cx="1041594" cy="961548"/>
+          </a:xfrm>
+          <a:prstGeom prst="rect">
+            <a:avLst/>
+          </a:prstGeom>
+        </p:spPr>
+      </p:pic>
+      <p:sp>
+        <p:nvSpPr>
+          <p:cNvPr id="11" name="TextBox 10">
+            <a:extLst>
+              <a:ext uri="{FF2B5EF4-FFF2-40B4-BE49-F238E27FC236}">
+                <a16:creationId xmlns:a16="http://schemas.microsoft.com/office/drawing/2014/main" id="{3E017BB5-0BE4-0DAD-1B5A-57D249CE324A}"/>
+              </a:ext>
+            </a:extLst>
+          </p:cNvPr>
+          <p:cNvSpPr txBox="1"/>
+          <p:nvPr/>
+        </p:nvSpPr>
+        <p:spPr>
+          <a:xfrm>
+            <a:off x="1948747" y="5289984"/>
+            <a:ext cx="9110187" cy="461665"/>
+          </a:xfrm>
+          <a:prstGeom prst="rect">
+            <a:avLst/>
+          </a:prstGeom>
+          <a:noFill/>
+        </p:spPr>
+        <p:txBody>
+          <a:bodyPr wrap="none" rtlCol="0">
+            <a:spAutoFit/>
+          </a:bodyPr>
+          <a:lstStyle/>
+          <a:p>
+            <a:pPr algn="ctr"/>
+            <a:r>
+              <a:rPr lang="ko-KR" altLang="en-US" sz="2400" dirty="0">
+                <a:latin typeface="굴림" panose="020B0600000101010101" pitchFamily="50" charset="-127"/>
+                <a:ea typeface="굴림" panose="020B0600000101010101" pitchFamily="50" charset="-127"/>
+                <a:cs typeface="KoPubWorld돋움체 Light" panose="00000300000000000000" pitchFamily="2" charset="-127"/>
+              </a:rPr>
+              <a:t>대량의 객체로 인한 프레임 드랍을 </a:t>
+            </a:r>
+            <a:r>
+              <a:rPr lang="ko-KR" altLang="en-US" sz="2400">
+                <a:latin typeface="굴림" panose="020B0600000101010101" pitchFamily="50" charset="-127"/>
+                <a:ea typeface="굴림" panose="020B0600000101010101" pitchFamily="50" charset="-127"/>
+                <a:cs typeface="KoPubWorld돋움체 Light" panose="00000300000000000000" pitchFamily="2" charset="-127"/>
+              </a:rPr>
+              <a:t>공간 분할 기법을 통해 최적화</a:t>
+            </a:r>
+            <a:endParaRPr lang="ko-KR" altLang="en-US" sz="2400" dirty="0">
+              <a:latin typeface="굴림" panose="020B0600000101010101" pitchFamily="50" charset="-127"/>
+              <a:ea typeface="굴림" panose="020B0600000101010101" pitchFamily="50" charset="-127"/>
+              <a:cs typeface="KoPubWorld돋움체 Light" panose="00000300000000000000" pitchFamily="2" charset="-127"/>
+            </a:endParaRPr>
+          </a:p>
+        </p:txBody>
+      </p:sp>
+      <p:pic>
+        <p:nvPicPr>
+          <p:cNvPr id="13" name="그림 12">
+            <a:extLst>
+              <a:ext uri="{FF2B5EF4-FFF2-40B4-BE49-F238E27FC236}">
+                <a16:creationId xmlns:a16="http://schemas.microsoft.com/office/drawing/2014/main" id="{F211B3C1-B259-80B9-1DB6-2C7D5FE720B3}"/>
+              </a:ext>
+            </a:extLst>
+          </p:cNvPr>
+          <p:cNvPicPr>
+            <a:picLocks noChangeAspect="1"/>
+          </p:cNvPicPr>
+          <p:nvPr/>
+        </p:nvPicPr>
+        <p:blipFill>
+          <a:blip r:embed="rId5"/>
+          <a:stretch>
+            <a:fillRect/>
+          </a:stretch>
+        </p:blipFill>
+        <p:spPr>
+          <a:xfrm>
+            <a:off x="907153" y="5165769"/>
+            <a:ext cx="961548" cy="806578"/>
+          </a:xfrm>
+          <a:prstGeom prst="rect">
+            <a:avLst/>
+          </a:prstGeom>
+        </p:spPr>
+      </p:pic>
+    </p:spTree>
+    <p:extLst>
+      <p:ext uri="{BB962C8B-B14F-4D97-AF65-F5344CB8AC3E}">
+        <p14:creationId xmlns:p14="http://schemas.microsoft.com/office/powerpoint/2010/main" val="2753720570"/>
+      </p:ext>
+    </p:extLst>
+  </p:cSld>
+  <p:clrMapOvr>
+    <a:masterClrMapping/>
+  </p:clrMapOvr>
+</p:sld>
+</file>
+
+<file path=ppt/slides/slide4.xml><?xml version="1.0" encoding="utf-8"?>
+<p:sld xmlns:a="http://schemas.openxmlformats.org/drawingml/2006/main" xmlns:r="http://schemas.openxmlformats.org/officeDocument/2006/relationships" xmlns:p="http://schemas.openxmlformats.org/presentationml/2006/main">
+  <p:cSld>
+    <p:spTree>
+      <p:nvGrpSpPr>
+        <p:cNvPr id="1" name=""/>
+        <p:cNvGrpSpPr/>
+        <p:nvPr/>
+      </p:nvGrpSpPr>
+      <p:grpSpPr>
+        <a:xfrm>
+          <a:off x="0" y="0"/>
+          <a:ext cx="0" cy="0"/>
+          <a:chOff x="0" y="0"/>
+          <a:chExt cx="0" cy="0"/>
+        </a:xfrm>
+      </p:grpSpPr>
+      <p:sp>
+        <p:nvSpPr>
+          <p:cNvPr id="23" name="직사각형 22">
+            <a:extLst>
+              <a:ext uri="{FF2B5EF4-FFF2-40B4-BE49-F238E27FC236}">
+                <a16:creationId xmlns:a16="http://schemas.microsoft.com/office/drawing/2014/main" id="{505D9C9E-8325-4A59-BEFC-3BC22C85BDAD}"/>
               </a:ext>
             </a:extLst>
           </p:cNvPr>
@@ -12548,15 +12263,15 @@
           <p:nvPr/>
         </p:nvSpPr>
         <p:spPr>
-          <a:xfrm>
-            <a:off x="2782677" y="3524411"/>
-            <a:ext cx="6577445" cy="1007917"/>
+          <a:xfrm flipV="1">
+            <a:off x="557400" y="1001162"/>
+            <a:ext cx="11077200" cy="18000"/>
           </a:xfrm>
           <a:prstGeom prst="rect">
             <a:avLst/>
           </a:prstGeom>
           <a:solidFill>
-            <a:schemeClr val="bg1"/>
+            <a:srgbClr val="64DECF"/>
           </a:solidFill>
           <a:ln>
             <a:noFill/>
@@ -12587,12 +12302,126 @@
           </a:p>
         </p:txBody>
       </p:sp>
+      <p:grpSp>
+        <p:nvGrpSpPr>
+          <p:cNvPr id="6" name="그룹 5">
+            <a:extLst>
+              <a:ext uri="{FF2B5EF4-FFF2-40B4-BE49-F238E27FC236}">
+                <a16:creationId xmlns:a16="http://schemas.microsoft.com/office/drawing/2014/main" id="{1B0813F0-0608-43A3-9E53-0BA015EDE231}"/>
+              </a:ext>
+            </a:extLst>
+          </p:cNvPr>
+          <p:cNvGrpSpPr/>
+          <p:nvPr/>
+        </p:nvGrpSpPr>
+        <p:grpSpPr>
+          <a:xfrm>
+            <a:off x="4105427" y="188165"/>
+            <a:ext cx="4698331" cy="830997"/>
+            <a:chOff x="3819245" y="188165"/>
+            <a:chExt cx="4011835" cy="830997"/>
+          </a:xfrm>
+        </p:grpSpPr>
+        <p:sp>
+          <p:nvSpPr>
+            <p:cNvPr id="5" name="직사각형 4">
+              <a:extLst>
+                <a:ext uri="{FF2B5EF4-FFF2-40B4-BE49-F238E27FC236}">
+                  <a16:creationId xmlns:a16="http://schemas.microsoft.com/office/drawing/2014/main" id="{7D0033C3-456D-4151-9AAB-F0A2E961A5B6}"/>
+                </a:ext>
+              </a:extLst>
+            </p:cNvPr>
+            <p:cNvSpPr/>
+            <p:nvPr/>
+          </p:nvSpPr>
+          <p:spPr>
+            <a:xfrm>
+              <a:off x="4633790" y="302276"/>
+              <a:ext cx="3197290" cy="584775"/>
+            </a:xfrm>
+            <a:prstGeom prst="rect">
+              <a:avLst/>
+            </a:prstGeom>
+          </p:spPr>
+          <p:txBody>
+            <a:bodyPr wrap="square">
+              <a:spAutoFit/>
+            </a:bodyPr>
+            <a:lstStyle/>
+            <a:p>
+              <a:r>
+                <a:rPr lang="ko-KR" altLang="en-US" sz="3200" dirty="0">
+                  <a:latin typeface="굴림" panose="020B0600000101010101" pitchFamily="50" charset="-127"/>
+                  <a:ea typeface="굴림" panose="020B0600000101010101" pitchFamily="50" charset="-127"/>
+                  <a:cs typeface="KoPubWorld돋움체 Bold" panose="00000800000000000000" pitchFamily="2" charset="-127"/>
+                </a:rPr>
+                <a:t>게임소개</a:t>
+              </a:r>
+              <a:endParaRPr lang="en-US" altLang="ko-KR" sz="3200" dirty="0">
+                <a:latin typeface="굴림" panose="020B0600000101010101" pitchFamily="50" charset="-127"/>
+                <a:ea typeface="굴림" panose="020B0600000101010101" pitchFamily="50" charset="-127"/>
+                <a:cs typeface="KoPubWorld돋움체 Bold" panose="00000800000000000000" pitchFamily="2" charset="-127"/>
+              </a:endParaRPr>
+            </a:p>
+          </p:txBody>
+        </p:sp>
+        <p:sp>
+          <p:nvSpPr>
+            <p:cNvPr id="24" name="TextBox 23">
+              <a:extLst>
+                <a:ext uri="{FF2B5EF4-FFF2-40B4-BE49-F238E27FC236}">
+                  <a16:creationId xmlns:a16="http://schemas.microsoft.com/office/drawing/2014/main" id="{1841637C-F02D-4ED4-9B17-10A92FFC6619}"/>
+                </a:ext>
+              </a:extLst>
+            </p:cNvPr>
+            <p:cNvSpPr txBox="1"/>
+            <p:nvPr/>
+          </p:nvSpPr>
+          <p:spPr>
+            <a:xfrm>
+              <a:off x="3819245" y="188165"/>
+              <a:ext cx="768159" cy="830997"/>
+            </a:xfrm>
+            <a:prstGeom prst="rect">
+              <a:avLst/>
+            </a:prstGeom>
+            <a:noFill/>
+          </p:spPr>
+          <p:txBody>
+            <a:bodyPr wrap="none" rtlCol="0">
+              <a:spAutoFit/>
+            </a:bodyPr>
+            <a:lstStyle/>
+            <a:p>
+              <a:r>
+                <a:rPr lang="en-US" altLang="ko-KR" sz="4800" b="1" dirty="0">
+                  <a:solidFill>
+                    <a:srgbClr val="64DECF"/>
+                  </a:solidFill>
+                  <a:latin typeface="KoPubWorld돋움체 Bold" panose="00000800000000000000" pitchFamily="2" charset="-127"/>
+                  <a:ea typeface="KoPubWorld돋움체 Bold" panose="00000800000000000000" pitchFamily="2" charset="-127"/>
+                  <a:cs typeface="KoPubWorld돋움체 Bold" panose="00000800000000000000" pitchFamily="2" charset="-127"/>
+                </a:rPr>
+                <a:t>02</a:t>
+              </a:r>
+              <a:endParaRPr lang="ko-KR" altLang="en-US" sz="4800" b="1" dirty="0">
+                <a:solidFill>
+                  <a:srgbClr val="64DECF"/>
+                </a:solidFill>
+                <a:latin typeface="KoPubWorld돋움체 Bold" panose="00000800000000000000" pitchFamily="2" charset="-127"/>
+                <a:ea typeface="KoPubWorld돋움체 Bold" panose="00000800000000000000" pitchFamily="2" charset="-127"/>
+                <a:cs typeface="KoPubWorld돋움체 Bold" panose="00000800000000000000" pitchFamily="2" charset="-127"/>
+              </a:endParaRPr>
+            </a:p>
+          </p:txBody>
+        </p:sp>
+      </p:grpSp>
       <p:sp>
         <p:nvSpPr>
-          <p:cNvPr id="39" name="TextBox 38">
-            <a:extLst>
-              <a:ext uri="{FF2B5EF4-FFF2-40B4-BE49-F238E27FC236}">
-                <a16:creationId xmlns:a16="http://schemas.microsoft.com/office/drawing/2014/main" id="{1060B323-B658-4AFE-8D3D-E1D8D4538DE4}"/>
+          <p:cNvPr id="37" name="TextBox 36">
+            <a:extLst>
+              <a:ext uri="{FF2B5EF4-FFF2-40B4-BE49-F238E27FC236}">
+                <a16:creationId xmlns:a16="http://schemas.microsoft.com/office/drawing/2014/main" id="{C3CAB183-DEA4-4560-B11D-01DCD66BDF6D}"/>
               </a:ext>
             </a:extLst>
           </p:cNvPr>
@@ -12601,8 +12430,8 @@
         </p:nvSpPr>
         <p:spPr>
           <a:xfrm>
-            <a:off x="1868700" y="3178808"/>
-            <a:ext cx="5461752" cy="461665"/>
+            <a:off x="1448704" y="1193475"/>
+            <a:ext cx="3193503" cy="769441"/>
           </a:xfrm>
           <a:prstGeom prst="rect">
             <a:avLst/>
@@ -12617,46 +12446,14 @@
           <a:p>
             <a:pPr algn="ctr"/>
             <a:r>
-              <a:rPr lang="en-US" altLang="ko-KR" sz="2400" dirty="0">
-                <a:latin typeface="굴림" panose="020B0600000101010101" pitchFamily="50" charset="-127"/>
-                <a:ea typeface="굴림" panose="020B0600000101010101" pitchFamily="50" charset="-127"/>
-                <a:cs typeface="KoPubWorld돋움체 Light" panose="00000300000000000000" pitchFamily="2" charset="-127"/>
-              </a:rPr>
-              <a:t>Direct X 12</a:t>
-            </a:r>
-            <a:r>
-              <a:rPr lang="ko-KR" altLang="en-US" sz="2400" dirty="0">
-                <a:latin typeface="굴림" panose="020B0600000101010101" pitchFamily="50" charset="-127"/>
-                <a:ea typeface="굴림" panose="020B0600000101010101" pitchFamily="50" charset="-127"/>
-                <a:cs typeface="KoPubWorld돋움체 Light" panose="00000300000000000000" pitchFamily="2" charset="-127"/>
-              </a:rPr>
-              <a:t>를 이용한 </a:t>
-            </a:r>
-            <a:r>
-              <a:rPr lang="ko-KR" altLang="en-US" sz="2400" dirty="0" err="1">
-                <a:latin typeface="굴림" panose="020B0600000101010101" pitchFamily="50" charset="-127"/>
-                <a:ea typeface="굴림" panose="020B0600000101010101" pitchFamily="50" charset="-127"/>
-                <a:cs typeface="KoPubWorld돋움체 Light" panose="00000300000000000000" pitchFamily="2" charset="-127"/>
-              </a:rPr>
-              <a:t>텍스쳐</a:t>
-            </a:r>
-            <a:r>
-              <a:rPr lang="ko-KR" altLang="en-US" sz="2400" dirty="0">
-                <a:latin typeface="굴림" panose="020B0600000101010101" pitchFamily="50" charset="-127"/>
-                <a:ea typeface="굴림" panose="020B0600000101010101" pitchFamily="50" charset="-127"/>
-                <a:cs typeface="KoPubWorld돋움체 Light" panose="00000300000000000000" pitchFamily="2" charset="-127"/>
-              </a:rPr>
-              <a:t> </a:t>
-            </a:r>
-            <a:r>
-              <a:rPr lang="ko-KR" altLang="en-US" sz="2400" dirty="0" err="1">
-                <a:latin typeface="굴림" panose="020B0600000101010101" pitchFamily="50" charset="-127"/>
-                <a:ea typeface="굴림" panose="020B0600000101010101" pitchFamily="50" charset="-127"/>
-                <a:cs typeface="KoPubWorld돋움체 Light" panose="00000300000000000000" pitchFamily="2" charset="-127"/>
-              </a:rPr>
-              <a:t>블랜디드</a:t>
-            </a:r>
-            <a:endParaRPr lang="ko-KR" altLang="en-US" sz="2400" dirty="0">
+              <a:rPr lang="ko-KR" altLang="en-US" sz="4400" u="sng" dirty="0">
+                <a:latin typeface="굴림" panose="020B0600000101010101" pitchFamily="50" charset="-127"/>
+                <a:ea typeface="굴림" panose="020B0600000101010101" pitchFamily="50" charset="-127"/>
+                <a:cs typeface="KoPubWorld돋움체 Light" panose="00000300000000000000" pitchFamily="2" charset="-127"/>
+              </a:rPr>
+              <a:t>게임 스토리</a:t>
+            </a:r>
+            <a:endParaRPr lang="en-US" altLang="ko-KR" sz="4400" u="sng" dirty="0">
               <a:latin typeface="굴림" panose="020B0600000101010101" pitchFamily="50" charset="-127"/>
               <a:ea typeface="굴림" panose="020B0600000101010101" pitchFamily="50" charset="-127"/>
               <a:cs typeface="KoPubWorld돋움체 Light" panose="00000300000000000000" pitchFamily="2" charset="-127"/>
@@ -12664,12 +12461,42 @@
           </a:p>
         </p:txBody>
       </p:sp>
+      <p:pic>
+        <p:nvPicPr>
+          <p:cNvPr id="4" name="그림 3">
+            <a:extLst>
+              <a:ext uri="{FF2B5EF4-FFF2-40B4-BE49-F238E27FC236}">
+                <a16:creationId xmlns:a16="http://schemas.microsoft.com/office/drawing/2014/main" id="{D59D305B-5529-ED69-CFAC-196DFC201CC0}"/>
+              </a:ext>
+            </a:extLst>
+          </p:cNvPr>
+          <p:cNvPicPr>
+            <a:picLocks noChangeAspect="1"/>
+          </p:cNvPicPr>
+          <p:nvPr/>
+        </p:nvPicPr>
+        <p:blipFill>
+          <a:blip r:embed="rId2"/>
+          <a:stretch>
+            <a:fillRect/>
+          </a:stretch>
+        </p:blipFill>
+        <p:spPr>
+          <a:xfrm>
+            <a:off x="378376" y="1133273"/>
+            <a:ext cx="855001" cy="855001"/>
+          </a:xfrm>
+          <a:prstGeom prst="rect">
+            <a:avLst/>
+          </a:prstGeom>
+        </p:spPr>
+      </p:pic>
       <p:sp>
         <p:nvSpPr>
-          <p:cNvPr id="41" name="TextBox 40">
-            <a:extLst>
-              <a:ext uri="{FF2B5EF4-FFF2-40B4-BE49-F238E27FC236}">
-                <a16:creationId xmlns:a16="http://schemas.microsoft.com/office/drawing/2014/main" id="{9C31294A-7DC5-47B9-AC90-66BBE0915C49}"/>
+          <p:cNvPr id="9" name="TextBox 8">
+            <a:extLst>
+              <a:ext uri="{FF2B5EF4-FFF2-40B4-BE49-F238E27FC236}">
+                <a16:creationId xmlns:a16="http://schemas.microsoft.com/office/drawing/2014/main" id="{8E68655C-5F16-3FC7-3576-4700DEA6D972}"/>
               </a:ext>
             </a:extLst>
           </p:cNvPr>
@@ -12678,8 +12505,993 @@
         </p:nvSpPr>
         <p:spPr>
           <a:xfrm>
-            <a:off x="1868700" y="4282067"/>
-            <a:ext cx="5654112" cy="461665"/>
+            <a:off x="-629860" y="2255453"/>
+            <a:ext cx="12942363" cy="5228547"/>
+          </a:xfrm>
+          <a:prstGeom prst="rect">
+            <a:avLst/>
+          </a:prstGeom>
+          <a:noFill/>
+        </p:spPr>
+        <p:txBody>
+          <a:bodyPr wrap="square" rtlCol="0">
+            <a:spAutoFit/>
+          </a:bodyPr>
+          <a:lstStyle/>
+          <a:p>
+            <a:pPr marL="736600" latinLnBrk="1">
+              <a:lnSpc>
+                <a:spcPct val="107000"/>
+              </a:lnSpc>
+              <a:spcAft>
+                <a:spcPts val="800"/>
+              </a:spcAft>
+            </a:pPr>
+            <a:r>
+              <a:rPr lang="ko-KR" altLang="ko-KR" sz="1800" kern="100" dirty="0">
+                <a:effectLst/>
+                <a:latin typeface="굴림" panose="020B0600000101010101" pitchFamily="50" charset="-127"/>
+                <a:ea typeface="굴림" panose="020B0600000101010101" pitchFamily="50" charset="-127"/>
+                <a:cs typeface="Times New Roman" panose="02020603050405020304" pitchFamily="18" charset="0"/>
+              </a:rPr>
+              <a:t>여러 세대에 걸쳐 인류는 지구에서의 생존이 점점 어려워졌다</a:t>
+            </a:r>
+            <a:r>
+              <a:rPr lang="en-US" altLang="ko-KR" sz="1800" kern="100" dirty="0">
+                <a:effectLst/>
+                <a:latin typeface="굴림" panose="020B0600000101010101" pitchFamily="50" charset="-127"/>
+                <a:ea typeface="굴림" panose="020B0600000101010101" pitchFamily="50" charset="-127"/>
+                <a:cs typeface="Times New Roman" panose="02020603050405020304" pitchFamily="18" charset="0"/>
+              </a:rPr>
+              <a:t>. </a:t>
+            </a:r>
+          </a:p>
+          <a:p>
+            <a:pPr marL="736600" latinLnBrk="1">
+              <a:lnSpc>
+                <a:spcPct val="107000"/>
+              </a:lnSpc>
+              <a:spcAft>
+                <a:spcPts val="800"/>
+              </a:spcAft>
+            </a:pPr>
+            <a:r>
+              <a:rPr lang="ko-KR" altLang="ko-KR" sz="1800" kern="100" dirty="0">
+                <a:effectLst/>
+                <a:latin typeface="굴림" panose="020B0600000101010101" pitchFamily="50" charset="-127"/>
+                <a:ea typeface="굴림" panose="020B0600000101010101" pitchFamily="50" charset="-127"/>
+                <a:cs typeface="Times New Roman" panose="02020603050405020304" pitchFamily="18" charset="0"/>
+              </a:rPr>
+              <a:t>자원의 고갈과 환경 파괴로 더 이상 지구에서 지속 가능한 삶을 유지하는 것은 불가능해 보였다</a:t>
+            </a:r>
+            <a:r>
+              <a:rPr lang="en-US" altLang="ko-KR" sz="1800" kern="100" dirty="0">
+                <a:effectLst/>
+                <a:latin typeface="굴림" panose="020B0600000101010101" pitchFamily="50" charset="-127"/>
+                <a:ea typeface="굴림" panose="020B0600000101010101" pitchFamily="50" charset="-127"/>
+                <a:cs typeface="Times New Roman" panose="02020603050405020304" pitchFamily="18" charset="0"/>
+              </a:rPr>
+              <a:t>. </a:t>
+            </a:r>
+          </a:p>
+          <a:p>
+            <a:pPr marL="736600" latinLnBrk="1">
+              <a:lnSpc>
+                <a:spcPct val="107000"/>
+              </a:lnSpc>
+              <a:spcAft>
+                <a:spcPts val="800"/>
+              </a:spcAft>
+            </a:pPr>
+            <a:r>
+              <a:rPr lang="ko-KR" altLang="ko-KR" sz="1800" kern="100" dirty="0">
+                <a:effectLst/>
+                <a:latin typeface="굴림" panose="020B0600000101010101" pitchFamily="50" charset="-127"/>
+                <a:ea typeface="굴림" panose="020B0600000101010101" pitchFamily="50" charset="-127"/>
+                <a:cs typeface="Times New Roman" panose="02020603050405020304" pitchFamily="18" charset="0"/>
+              </a:rPr>
+              <a:t>이에 따라 과학자</a:t>
+            </a:r>
+            <a:r>
+              <a:rPr lang="en-US" altLang="ko-KR" sz="1800" kern="100" dirty="0">
+                <a:effectLst/>
+                <a:latin typeface="굴림" panose="020B0600000101010101" pitchFamily="50" charset="-127"/>
+                <a:ea typeface="굴림" panose="020B0600000101010101" pitchFamily="50" charset="-127"/>
+                <a:cs typeface="Times New Roman" panose="02020603050405020304" pitchFamily="18" charset="0"/>
+              </a:rPr>
+              <a:t>, </a:t>
+            </a:r>
+            <a:r>
+              <a:rPr lang="ko-KR" altLang="ko-KR" sz="1800" kern="100" dirty="0">
+                <a:effectLst/>
+                <a:latin typeface="굴림" panose="020B0600000101010101" pitchFamily="50" charset="-127"/>
+                <a:ea typeface="굴림" panose="020B0600000101010101" pitchFamily="50" charset="-127"/>
+                <a:cs typeface="Times New Roman" panose="02020603050405020304" pitchFamily="18" charset="0"/>
+              </a:rPr>
+              <a:t>엔지니어</a:t>
+            </a:r>
+            <a:r>
+              <a:rPr lang="en-US" altLang="ko-KR" sz="1800" kern="100" dirty="0">
+                <a:effectLst/>
+                <a:latin typeface="굴림" panose="020B0600000101010101" pitchFamily="50" charset="-127"/>
+                <a:ea typeface="굴림" panose="020B0600000101010101" pitchFamily="50" charset="-127"/>
+                <a:cs typeface="Times New Roman" panose="02020603050405020304" pitchFamily="18" charset="0"/>
+              </a:rPr>
+              <a:t>, </a:t>
+            </a:r>
+            <a:r>
+              <a:rPr lang="ko-KR" altLang="ko-KR" sz="1800" kern="100" dirty="0">
+                <a:effectLst/>
+                <a:latin typeface="굴림" panose="020B0600000101010101" pitchFamily="50" charset="-127"/>
+                <a:ea typeface="굴림" panose="020B0600000101010101" pitchFamily="50" charset="-127"/>
+                <a:cs typeface="Times New Roman" panose="02020603050405020304" pitchFamily="18" charset="0"/>
+              </a:rPr>
+              <a:t>우주 비행사</a:t>
+            </a:r>
+            <a:r>
+              <a:rPr lang="en-US" altLang="ko-KR" sz="1800" kern="100" dirty="0">
+                <a:effectLst/>
+                <a:latin typeface="굴림" panose="020B0600000101010101" pitchFamily="50" charset="-127"/>
+                <a:ea typeface="굴림" panose="020B0600000101010101" pitchFamily="50" charset="-127"/>
+                <a:cs typeface="Times New Roman" panose="02020603050405020304" pitchFamily="18" charset="0"/>
+              </a:rPr>
+              <a:t>, </a:t>
+            </a:r>
+            <a:r>
+              <a:rPr lang="ko-KR" altLang="ko-KR" sz="1800" kern="100" dirty="0">
+                <a:effectLst/>
+                <a:latin typeface="굴림" panose="020B0600000101010101" pitchFamily="50" charset="-127"/>
+                <a:ea typeface="굴림" panose="020B0600000101010101" pitchFamily="50" charset="-127"/>
+                <a:cs typeface="Times New Roman" panose="02020603050405020304" pitchFamily="18" charset="0"/>
+              </a:rPr>
+              <a:t>그리고 인류의 마지막 희망을 품은 모든 이들은 우주로 모험을 떠났다</a:t>
+            </a:r>
+            <a:r>
+              <a:rPr lang="en-US" altLang="ko-KR" sz="1800" kern="100" dirty="0">
+                <a:effectLst/>
+                <a:latin typeface="굴림" panose="020B0600000101010101" pitchFamily="50" charset="-127"/>
+                <a:ea typeface="굴림" panose="020B0600000101010101" pitchFamily="50" charset="-127"/>
+                <a:cs typeface="Times New Roman" panose="02020603050405020304" pitchFamily="18" charset="0"/>
+              </a:rPr>
+              <a:t>.</a:t>
+            </a:r>
+            <a:endParaRPr lang="en-US" altLang="ko-KR" kern="100" dirty="0">
+              <a:latin typeface="굴림" panose="020B0600000101010101" pitchFamily="50" charset="-127"/>
+              <a:ea typeface="굴림" panose="020B0600000101010101" pitchFamily="50" charset="-127"/>
+              <a:cs typeface="Times New Roman" panose="02020603050405020304" pitchFamily="18" charset="0"/>
+            </a:endParaRPr>
+          </a:p>
+          <a:p>
+            <a:pPr marL="736600" latinLnBrk="1">
+              <a:lnSpc>
+                <a:spcPct val="107000"/>
+              </a:lnSpc>
+              <a:spcAft>
+                <a:spcPts val="800"/>
+              </a:spcAft>
+            </a:pPr>
+            <a:r>
+              <a:rPr lang="ko-KR" altLang="ko-KR" sz="1800" dirty="0">
+                <a:effectLst/>
+                <a:latin typeface="굴림" panose="020B0600000101010101" pitchFamily="50" charset="-127"/>
+                <a:ea typeface="굴림" panose="020B0600000101010101" pitchFamily="50" charset="-127"/>
+                <a:cs typeface="Times New Roman" panose="02020603050405020304" pitchFamily="18" charset="0"/>
+              </a:rPr>
+              <a:t>우주선은 다른 행성을 탐험하며 새로운 곳에서 삶을 찾으려 노력했으며</a:t>
+            </a:r>
+            <a:r>
+              <a:rPr lang="en-US" altLang="ko-KR" sz="1800" dirty="0">
+                <a:effectLst/>
+                <a:latin typeface="굴림" panose="020B0600000101010101" pitchFamily="50" charset="-127"/>
+                <a:ea typeface="굴림" panose="020B0600000101010101" pitchFamily="50" charset="-127"/>
+                <a:cs typeface="Times New Roman" panose="02020603050405020304" pitchFamily="18" charset="0"/>
+              </a:rPr>
+              <a:t>, </a:t>
+            </a:r>
+            <a:r>
+              <a:rPr lang="ko-KR" altLang="ko-KR" sz="1800" dirty="0">
+                <a:effectLst/>
+                <a:latin typeface="굴림" panose="020B0600000101010101" pitchFamily="50" charset="-127"/>
+                <a:ea typeface="굴림" panose="020B0600000101010101" pitchFamily="50" charset="-127"/>
+                <a:cs typeface="Times New Roman" panose="02020603050405020304" pitchFamily="18" charset="0"/>
+              </a:rPr>
+              <a:t>수많은 별을 건너 끝없이 우주를 탐험했다</a:t>
+            </a:r>
+            <a:r>
+              <a:rPr lang="en-US" altLang="ko-KR" sz="1800" dirty="0">
+                <a:effectLst/>
+                <a:latin typeface="굴림" panose="020B0600000101010101" pitchFamily="50" charset="-127"/>
+                <a:ea typeface="굴림" panose="020B0600000101010101" pitchFamily="50" charset="-127"/>
+                <a:cs typeface="Times New Roman" panose="02020603050405020304" pitchFamily="18" charset="0"/>
+              </a:rPr>
+              <a:t>. </a:t>
+            </a:r>
+          </a:p>
+          <a:p>
+            <a:pPr marL="736600" latinLnBrk="1">
+              <a:lnSpc>
+                <a:spcPct val="107000"/>
+              </a:lnSpc>
+              <a:spcAft>
+                <a:spcPts val="800"/>
+              </a:spcAft>
+            </a:pPr>
+            <a:r>
+              <a:rPr lang="ko-KR" altLang="ko-KR" sz="1800" dirty="0">
+                <a:effectLst/>
+                <a:latin typeface="굴림" panose="020B0600000101010101" pitchFamily="50" charset="-127"/>
+                <a:ea typeface="굴림" panose="020B0600000101010101" pitchFamily="50" charset="-127"/>
+                <a:cs typeface="Times New Roman" panose="02020603050405020304" pitchFamily="18" charset="0"/>
+              </a:rPr>
+              <a:t>그러던 중</a:t>
+            </a:r>
+            <a:r>
+              <a:rPr lang="en-US" altLang="ko-KR" sz="1800" dirty="0">
+                <a:effectLst/>
+                <a:latin typeface="굴림" panose="020B0600000101010101" pitchFamily="50" charset="-127"/>
+                <a:ea typeface="굴림" panose="020B0600000101010101" pitchFamily="50" charset="-127"/>
+                <a:cs typeface="Times New Roman" panose="02020603050405020304" pitchFamily="18" charset="0"/>
+              </a:rPr>
+              <a:t>, </a:t>
+            </a:r>
+            <a:r>
+              <a:rPr lang="ko-KR" altLang="ko-KR" sz="1800" dirty="0">
+                <a:effectLst/>
+                <a:latin typeface="굴림" panose="020B0600000101010101" pitchFamily="50" charset="-127"/>
+                <a:ea typeface="굴림" panose="020B0600000101010101" pitchFamily="50" charset="-127"/>
+                <a:cs typeface="Times New Roman" panose="02020603050405020304" pitchFamily="18" charset="0"/>
+              </a:rPr>
+              <a:t>그들은 우주의 끝에서 아름다운 행성을 발견했다</a:t>
+            </a:r>
+            <a:r>
+              <a:rPr lang="en-US" altLang="ko-KR" sz="1800" dirty="0">
+                <a:effectLst/>
+                <a:latin typeface="굴림" panose="020B0600000101010101" pitchFamily="50" charset="-127"/>
+                <a:ea typeface="굴림" panose="020B0600000101010101" pitchFamily="50" charset="-127"/>
+                <a:cs typeface="Times New Roman" panose="02020603050405020304" pitchFamily="18" charset="0"/>
+              </a:rPr>
+              <a:t>. </a:t>
+            </a:r>
+          </a:p>
+          <a:p>
+            <a:pPr marL="736600" latinLnBrk="1">
+              <a:lnSpc>
+                <a:spcPct val="107000"/>
+              </a:lnSpc>
+              <a:spcAft>
+                <a:spcPts val="800"/>
+              </a:spcAft>
+            </a:pPr>
+            <a:r>
+              <a:rPr lang="ko-KR" altLang="ko-KR" sz="1800" dirty="0">
+                <a:effectLst/>
+                <a:latin typeface="굴림" panose="020B0600000101010101" pitchFamily="50" charset="-127"/>
+                <a:ea typeface="굴림" panose="020B0600000101010101" pitchFamily="50" charset="-127"/>
+                <a:cs typeface="Times New Roman" panose="02020603050405020304" pitchFamily="18" charset="0"/>
+              </a:rPr>
+              <a:t>그곳은 푸른 하늘과 아름다운 경관</a:t>
+            </a:r>
+            <a:r>
+              <a:rPr lang="en-US" altLang="ko-KR" sz="1800" dirty="0">
+                <a:effectLst/>
+                <a:latin typeface="굴림" panose="020B0600000101010101" pitchFamily="50" charset="-127"/>
+                <a:ea typeface="굴림" panose="020B0600000101010101" pitchFamily="50" charset="-127"/>
+                <a:cs typeface="Times New Roman" panose="02020603050405020304" pitchFamily="18" charset="0"/>
+              </a:rPr>
+              <a:t>, </a:t>
+            </a:r>
+            <a:r>
+              <a:rPr lang="ko-KR" altLang="ko-KR" sz="1800" dirty="0">
+                <a:effectLst/>
+                <a:latin typeface="굴림" panose="020B0600000101010101" pitchFamily="50" charset="-127"/>
+                <a:ea typeface="굴림" panose="020B0600000101010101" pitchFamily="50" charset="-127"/>
+                <a:cs typeface="Times New Roman" panose="02020603050405020304" pitchFamily="18" charset="0"/>
+              </a:rPr>
+              <a:t>풍부한 자원이 가득한 이상적인 곳으로 보였다</a:t>
+            </a:r>
+            <a:endParaRPr lang="en-US" altLang="ko-KR" sz="1800" dirty="0">
+              <a:effectLst/>
+              <a:latin typeface="굴림" panose="020B0600000101010101" pitchFamily="50" charset="-127"/>
+              <a:ea typeface="굴림" panose="020B0600000101010101" pitchFamily="50" charset="-127"/>
+              <a:cs typeface="Times New Roman" panose="02020603050405020304" pitchFamily="18" charset="0"/>
+            </a:endParaRPr>
+          </a:p>
+          <a:p>
+            <a:pPr marL="736600">
+              <a:lnSpc>
+                <a:spcPct val="107000"/>
+              </a:lnSpc>
+              <a:spcAft>
+                <a:spcPts val="800"/>
+              </a:spcAft>
+            </a:pPr>
+            <a:r>
+              <a:rPr lang="ko-KR" altLang="ko-KR" sz="1800" kern="100" dirty="0">
+                <a:effectLst/>
+                <a:latin typeface="굴림" panose="020B0600000101010101" pitchFamily="50" charset="-127"/>
+                <a:ea typeface="굴림" panose="020B0600000101010101" pitchFamily="50" charset="-127"/>
+                <a:cs typeface="Times New Roman" panose="02020603050405020304" pitchFamily="18" charset="0"/>
+              </a:rPr>
+              <a:t>그러나 그들의 희망과 기대는 짧은 시간 안에 깨어졌다</a:t>
+            </a:r>
+            <a:r>
+              <a:rPr lang="en-US" altLang="ko-KR" sz="1800" kern="100" dirty="0">
+                <a:effectLst/>
+                <a:latin typeface="굴림" panose="020B0600000101010101" pitchFamily="50" charset="-127"/>
+                <a:ea typeface="굴림" panose="020B0600000101010101" pitchFamily="50" charset="-127"/>
+                <a:cs typeface="Times New Roman" panose="02020603050405020304" pitchFamily="18" charset="0"/>
+              </a:rPr>
+              <a:t>. </a:t>
+            </a:r>
+          </a:p>
+          <a:p>
+            <a:pPr marL="736600">
+              <a:lnSpc>
+                <a:spcPct val="107000"/>
+              </a:lnSpc>
+              <a:spcAft>
+                <a:spcPts val="800"/>
+              </a:spcAft>
+            </a:pPr>
+            <a:r>
+              <a:rPr lang="ko-KR" altLang="ko-KR" sz="1800" kern="100" dirty="0">
+                <a:effectLst/>
+                <a:latin typeface="굴림" panose="020B0600000101010101" pitchFamily="50" charset="-127"/>
+                <a:ea typeface="굴림" panose="020B0600000101010101" pitchFamily="50" charset="-127"/>
+                <a:cs typeface="Times New Roman" panose="02020603050405020304" pitchFamily="18" charset="0"/>
+              </a:rPr>
+              <a:t>행성에 도착한 그들은 흉측한 에일리언 생물체의 존재와 방사능 오염에 직면했다</a:t>
+            </a:r>
+            <a:r>
+              <a:rPr lang="en-US" altLang="ko-KR" sz="1800" kern="100" dirty="0">
+                <a:effectLst/>
+                <a:latin typeface="굴림" panose="020B0600000101010101" pitchFamily="50" charset="-127"/>
+                <a:ea typeface="굴림" panose="020B0600000101010101" pitchFamily="50" charset="-127"/>
+                <a:cs typeface="Times New Roman" panose="02020603050405020304" pitchFamily="18" charset="0"/>
+              </a:rPr>
+              <a:t>. </a:t>
+            </a:r>
+          </a:p>
+          <a:p>
+            <a:pPr marL="736600">
+              <a:lnSpc>
+                <a:spcPct val="107000"/>
+              </a:lnSpc>
+              <a:spcAft>
+                <a:spcPts val="800"/>
+              </a:spcAft>
+            </a:pPr>
+            <a:r>
+              <a:rPr lang="ko-KR" altLang="ko-KR" sz="1800" kern="100" dirty="0" err="1">
+                <a:effectLst/>
+                <a:latin typeface="굴림" panose="020B0600000101010101" pitchFamily="50" charset="-127"/>
+                <a:ea typeface="굴림" panose="020B0600000101010101" pitchFamily="50" charset="-127"/>
+                <a:cs typeface="Times New Roman" panose="02020603050405020304" pitchFamily="18" charset="0"/>
+              </a:rPr>
+              <a:t>에일리언과의</a:t>
+            </a:r>
+            <a:r>
+              <a:rPr lang="ko-KR" altLang="ko-KR" sz="1800" kern="100" dirty="0">
+                <a:effectLst/>
+                <a:latin typeface="굴림" panose="020B0600000101010101" pitchFamily="50" charset="-127"/>
+                <a:ea typeface="굴림" panose="020B0600000101010101" pitchFamily="50" charset="-127"/>
+                <a:cs typeface="Times New Roman" panose="02020603050405020304" pitchFamily="18" charset="0"/>
+              </a:rPr>
+              <a:t> 전투에서 동료들은 하나</a:t>
+            </a:r>
+            <a:r>
+              <a:rPr lang="en-US" altLang="ko-KR" sz="1800" kern="100" dirty="0">
+                <a:effectLst/>
+                <a:latin typeface="굴림" panose="020B0600000101010101" pitchFamily="50" charset="-127"/>
+                <a:ea typeface="굴림" panose="020B0600000101010101" pitchFamily="50" charset="-127"/>
+                <a:cs typeface="Times New Roman" panose="02020603050405020304" pitchFamily="18" charset="0"/>
+              </a:rPr>
+              <a:t> </a:t>
+            </a:r>
+            <a:r>
+              <a:rPr lang="ko-KR" altLang="ko-KR" sz="1800" kern="100" dirty="0" err="1">
+                <a:effectLst/>
+                <a:latin typeface="굴림" panose="020B0600000101010101" pitchFamily="50" charset="-127"/>
+                <a:ea typeface="굴림" panose="020B0600000101010101" pitchFamily="50" charset="-127"/>
+                <a:cs typeface="Times New Roman" panose="02020603050405020304" pitchFamily="18" charset="0"/>
+              </a:rPr>
+              <a:t>둘씩</a:t>
+            </a:r>
+            <a:r>
+              <a:rPr lang="ko-KR" altLang="ko-KR" sz="1800" kern="100" dirty="0">
+                <a:effectLst/>
+                <a:latin typeface="굴림" panose="020B0600000101010101" pitchFamily="50" charset="-127"/>
+                <a:ea typeface="굴림" panose="020B0600000101010101" pitchFamily="50" charset="-127"/>
+                <a:cs typeface="Times New Roman" panose="02020603050405020304" pitchFamily="18" charset="0"/>
+              </a:rPr>
+              <a:t> 사라지며</a:t>
+            </a:r>
+            <a:r>
+              <a:rPr lang="en-US" altLang="ko-KR" sz="1800" kern="100" dirty="0">
+                <a:effectLst/>
+                <a:latin typeface="굴림" panose="020B0600000101010101" pitchFamily="50" charset="-127"/>
+                <a:ea typeface="굴림" panose="020B0600000101010101" pitchFamily="50" charset="-127"/>
+                <a:cs typeface="Times New Roman" panose="02020603050405020304" pitchFamily="18" charset="0"/>
+              </a:rPr>
+              <a:t>, </a:t>
+            </a:r>
+            <a:r>
+              <a:rPr lang="ko-KR" altLang="ko-KR" sz="1800" kern="100" dirty="0">
+                <a:effectLst/>
+                <a:latin typeface="굴림" panose="020B0600000101010101" pitchFamily="50" charset="-127"/>
+                <a:ea typeface="굴림" panose="020B0600000101010101" pitchFamily="50" charset="-127"/>
+                <a:cs typeface="Times New Roman" panose="02020603050405020304" pitchFamily="18" charset="0"/>
+              </a:rPr>
+              <a:t>이 외로운 우주 비행사는 홀로 남게 되었다</a:t>
+            </a:r>
+            <a:r>
+              <a:rPr lang="en-US" altLang="ko-KR" sz="1800" kern="100" dirty="0">
+                <a:effectLst/>
+                <a:latin typeface="굴림" panose="020B0600000101010101" pitchFamily="50" charset="-127"/>
+                <a:ea typeface="굴림" panose="020B0600000101010101" pitchFamily="50" charset="-127"/>
+                <a:cs typeface="Times New Roman" panose="02020603050405020304" pitchFamily="18" charset="0"/>
+              </a:rPr>
+              <a:t>.</a:t>
+            </a:r>
+          </a:p>
+          <a:p>
+            <a:pPr marL="736600">
+              <a:lnSpc>
+                <a:spcPct val="107000"/>
+              </a:lnSpc>
+              <a:spcAft>
+                <a:spcPts val="800"/>
+              </a:spcAft>
+            </a:pPr>
+            <a:r>
+              <a:rPr lang="ko-KR" altLang="ko-KR" sz="1800" kern="100" dirty="0">
+                <a:effectLst/>
+                <a:latin typeface="굴림" panose="020B0600000101010101" pitchFamily="50" charset="-127"/>
+                <a:ea typeface="굴림" panose="020B0600000101010101" pitchFamily="50" charset="-127"/>
+                <a:cs typeface="Times New Roman" panose="02020603050405020304" pitchFamily="18" charset="0"/>
+              </a:rPr>
+              <a:t>지구의 구조를 기다릴 동안 이 행성에서 버텨야 한다</a:t>
+            </a:r>
+            <a:r>
+              <a:rPr lang="en-US" altLang="ko-KR" sz="1800" kern="100" dirty="0">
+                <a:effectLst/>
+                <a:latin typeface="굴림" panose="020B0600000101010101" pitchFamily="50" charset="-127"/>
+                <a:ea typeface="굴림" panose="020B0600000101010101" pitchFamily="50" charset="-127"/>
+                <a:cs typeface="Times New Roman" panose="02020603050405020304" pitchFamily="18" charset="0"/>
+              </a:rPr>
+              <a:t>. </a:t>
+            </a:r>
+          </a:p>
+          <a:p>
+            <a:pPr marL="736600">
+              <a:lnSpc>
+                <a:spcPct val="107000"/>
+              </a:lnSpc>
+              <a:spcAft>
+                <a:spcPts val="800"/>
+              </a:spcAft>
+            </a:pPr>
+            <a:r>
+              <a:rPr lang="ko-KR" altLang="ko-KR" sz="1800" kern="100" dirty="0">
+                <a:effectLst/>
+                <a:latin typeface="굴림" panose="020B0600000101010101" pitchFamily="50" charset="-127"/>
+                <a:ea typeface="굴림" panose="020B0600000101010101" pitchFamily="50" charset="-127"/>
+                <a:cs typeface="Times New Roman" panose="02020603050405020304" pitchFamily="18" charset="0"/>
+              </a:rPr>
+              <a:t>방사능을 피해 이 곳에서 살아남아라</a:t>
+            </a:r>
+            <a:r>
+              <a:rPr lang="en-US" altLang="ko-KR" sz="1800" kern="100" dirty="0">
+                <a:effectLst/>
+                <a:latin typeface="굴림" panose="020B0600000101010101" pitchFamily="50" charset="-127"/>
+                <a:ea typeface="굴림" panose="020B0600000101010101" pitchFamily="50" charset="-127"/>
+                <a:cs typeface="Times New Roman" panose="02020603050405020304" pitchFamily="18" charset="0"/>
+              </a:rPr>
+              <a:t>.</a:t>
+            </a:r>
+            <a:endParaRPr lang="ko-KR" altLang="ko-KR" sz="1800" kern="100" dirty="0">
+              <a:effectLst/>
+              <a:latin typeface="굴림" panose="020B0600000101010101" pitchFamily="50" charset="-127"/>
+              <a:ea typeface="굴림" panose="020B0600000101010101" pitchFamily="50" charset="-127"/>
+              <a:cs typeface="Times New Roman" panose="02020603050405020304" pitchFamily="18" charset="0"/>
+            </a:endParaRPr>
+          </a:p>
+          <a:p>
+            <a:pPr marL="736600">
+              <a:lnSpc>
+                <a:spcPct val="107000"/>
+              </a:lnSpc>
+              <a:spcAft>
+                <a:spcPts val="800"/>
+              </a:spcAft>
+            </a:pPr>
+            <a:endParaRPr lang="ko-KR" altLang="ko-KR" sz="1800" kern="100" dirty="0">
+              <a:effectLst/>
+              <a:latin typeface="굴림" panose="020B0600000101010101" pitchFamily="50" charset="-127"/>
+              <a:ea typeface="굴림" panose="020B0600000101010101" pitchFamily="50" charset="-127"/>
+              <a:cs typeface="Times New Roman" panose="02020603050405020304" pitchFamily="18" charset="0"/>
+            </a:endParaRPr>
+          </a:p>
+          <a:p>
+            <a:pPr marL="736600" latinLnBrk="1">
+              <a:lnSpc>
+                <a:spcPct val="107000"/>
+              </a:lnSpc>
+              <a:spcAft>
+                <a:spcPts val="800"/>
+              </a:spcAft>
+            </a:pPr>
+            <a:endParaRPr lang="en-US" altLang="ko-KR" sz="2400" dirty="0">
+              <a:latin typeface="굴림" panose="020B0600000101010101" pitchFamily="50" charset="-127"/>
+              <a:ea typeface="굴림" panose="020B0600000101010101" pitchFamily="50" charset="-127"/>
+              <a:cs typeface="KoPubWorld돋움체 Light" panose="00000300000000000000" pitchFamily="2" charset="-127"/>
+            </a:endParaRPr>
+          </a:p>
+        </p:txBody>
+      </p:sp>
+    </p:spTree>
+    <p:extLst>
+      <p:ext uri="{BB962C8B-B14F-4D97-AF65-F5344CB8AC3E}">
+        <p14:creationId xmlns:p14="http://schemas.microsoft.com/office/powerpoint/2010/main" val="1573369818"/>
+      </p:ext>
+    </p:extLst>
+  </p:cSld>
+  <p:clrMapOvr>
+    <a:masterClrMapping/>
+  </p:clrMapOvr>
+</p:sld>
+</file>
+
+<file path=ppt/slides/slide5.xml><?xml version="1.0" encoding="utf-8"?>
+<p:sld xmlns:a="http://schemas.openxmlformats.org/drawingml/2006/main" xmlns:r="http://schemas.openxmlformats.org/officeDocument/2006/relationships" xmlns:p="http://schemas.openxmlformats.org/presentationml/2006/main">
+  <p:cSld>
+    <p:spTree>
+      <p:nvGrpSpPr>
+        <p:cNvPr id="1" name=""/>
+        <p:cNvGrpSpPr/>
+        <p:nvPr/>
+      </p:nvGrpSpPr>
+      <p:grpSpPr>
+        <a:xfrm>
+          <a:off x="0" y="0"/>
+          <a:ext cx="0" cy="0"/>
+          <a:chOff x="0" y="0"/>
+          <a:chExt cx="0" cy="0"/>
+        </a:xfrm>
+      </p:grpSpPr>
+      <p:sp>
+        <p:nvSpPr>
+          <p:cNvPr id="17" name="화살표: U자형 16">
+            <a:extLst>
+              <a:ext uri="{FF2B5EF4-FFF2-40B4-BE49-F238E27FC236}">
+                <a16:creationId xmlns:a16="http://schemas.microsoft.com/office/drawing/2014/main" id="{89FA87CC-6FA0-237E-903A-3113376F522E}"/>
+              </a:ext>
+            </a:extLst>
+          </p:cNvPr>
+          <p:cNvSpPr/>
+          <p:nvPr/>
+        </p:nvSpPr>
+        <p:spPr>
+          <a:xfrm flipH="1">
+            <a:off x="6617373" y="1080607"/>
+            <a:ext cx="1337132" cy="1029671"/>
+          </a:xfrm>
+          <a:prstGeom prst="uturnArrow">
+            <a:avLst>
+              <a:gd name="adj1" fmla="val 25000"/>
+              <a:gd name="adj2" fmla="val 25000"/>
+              <a:gd name="adj3" fmla="val 41020"/>
+              <a:gd name="adj4" fmla="val 43750"/>
+              <a:gd name="adj5" fmla="val 100000"/>
+            </a:avLst>
+          </a:prstGeom>
+        </p:spPr>
+        <p:style>
+          <a:lnRef idx="2">
+            <a:schemeClr val="accent6">
+              <a:shade val="15000"/>
+            </a:schemeClr>
+          </a:lnRef>
+          <a:fillRef idx="1">
+            <a:schemeClr val="accent6"/>
+          </a:fillRef>
+          <a:effectRef idx="0">
+            <a:schemeClr val="accent6"/>
+          </a:effectRef>
+          <a:fontRef idx="minor">
+            <a:schemeClr val="lt1"/>
+          </a:fontRef>
+        </p:style>
+        <p:txBody>
+          <a:bodyPr rtlCol="0" anchor="ctr"/>
+          <a:lstStyle/>
+          <a:p>
+            <a:pPr algn="ctr"/>
+            <a:endParaRPr lang="ko-KR" altLang="en-US">
+              <a:solidFill>
+                <a:schemeClr val="tx1"/>
+              </a:solidFill>
+            </a:endParaRPr>
+          </a:p>
+        </p:txBody>
+      </p:sp>
+      <p:sp>
+        <p:nvSpPr>
+          <p:cNvPr id="18" name="다이아몬드 17">
+            <a:extLst>
+              <a:ext uri="{FF2B5EF4-FFF2-40B4-BE49-F238E27FC236}">
+                <a16:creationId xmlns:a16="http://schemas.microsoft.com/office/drawing/2014/main" id="{BFB74852-0F03-9401-CEF5-04575F29F94B}"/>
+              </a:ext>
+            </a:extLst>
+          </p:cNvPr>
+          <p:cNvSpPr/>
+          <p:nvPr/>
+        </p:nvSpPr>
+        <p:spPr>
+          <a:xfrm>
+            <a:off x="3254885" y="4349949"/>
+            <a:ext cx="3011876" cy="975540"/>
+          </a:xfrm>
+          <a:prstGeom prst="diamond">
+            <a:avLst/>
+          </a:prstGeom>
+        </p:spPr>
+        <p:style>
+          <a:lnRef idx="2">
+            <a:schemeClr val="accent1">
+              <a:shade val="15000"/>
+            </a:schemeClr>
+          </a:lnRef>
+          <a:fillRef idx="1">
+            <a:schemeClr val="accent1"/>
+          </a:fillRef>
+          <a:effectRef idx="0">
+            <a:schemeClr val="accent1"/>
+          </a:effectRef>
+          <a:fontRef idx="minor">
+            <a:schemeClr val="lt1"/>
+          </a:fontRef>
+        </p:style>
+        <p:txBody>
+          <a:bodyPr rtlCol="0" anchor="ctr"/>
+          <a:lstStyle/>
+          <a:p>
+            <a:pPr algn="ctr"/>
+            <a:endParaRPr lang="ko-KR" altLang="en-US" dirty="0"/>
+          </a:p>
+        </p:txBody>
+      </p:sp>
+      <p:sp>
+        <p:nvSpPr>
+          <p:cNvPr id="16" name="사각형: 둥근 모서리 15">
+            <a:extLst>
+              <a:ext uri="{FF2B5EF4-FFF2-40B4-BE49-F238E27FC236}">
+                <a16:creationId xmlns:a16="http://schemas.microsoft.com/office/drawing/2014/main" id="{273F2C81-95D7-FCF4-B14F-45DF9219482D}"/>
+              </a:ext>
+            </a:extLst>
+          </p:cNvPr>
+          <p:cNvSpPr/>
+          <p:nvPr/>
+        </p:nvSpPr>
+        <p:spPr>
+          <a:xfrm>
+            <a:off x="7422519" y="2281594"/>
+            <a:ext cx="4212081" cy="1479394"/>
+          </a:xfrm>
+          <a:prstGeom prst="roundRect">
+            <a:avLst/>
+          </a:prstGeom>
+        </p:spPr>
+        <p:style>
+          <a:lnRef idx="2">
+            <a:schemeClr val="accent2">
+              <a:shade val="15000"/>
+            </a:schemeClr>
+          </a:lnRef>
+          <a:fillRef idx="1">
+            <a:schemeClr val="accent2"/>
+          </a:fillRef>
+          <a:effectRef idx="0">
+            <a:schemeClr val="accent2"/>
+          </a:effectRef>
+          <a:fontRef idx="minor">
+            <a:schemeClr val="lt1"/>
+          </a:fontRef>
+        </p:style>
+        <p:txBody>
+          <a:bodyPr rtlCol="0" anchor="ctr"/>
+          <a:lstStyle/>
+          <a:p>
+            <a:pPr marL="736600">
+              <a:lnSpc>
+                <a:spcPct val="107000"/>
+              </a:lnSpc>
+              <a:spcAft>
+                <a:spcPts val="800"/>
+              </a:spcAft>
+            </a:pPr>
+            <a:r>
+              <a:rPr lang="ko-KR" altLang="en-US" dirty="0">
+                <a:latin typeface="굴림" panose="020B0600000101010101" pitchFamily="50" charset="-127"/>
+                <a:ea typeface="굴림" panose="020B0600000101010101" pitchFamily="50" charset="-127"/>
+                <a:cs typeface="KoPubWorld돋움체 Light" panose="00000300000000000000" pitchFamily="2" charset="-127"/>
+              </a:rPr>
+              <a:t>적의 생성</a:t>
+            </a:r>
+            <a:r>
+              <a:rPr lang="en-US" altLang="ko-KR" dirty="0">
+                <a:latin typeface="굴림" panose="020B0600000101010101" pitchFamily="50" charset="-127"/>
+                <a:ea typeface="굴림" panose="020B0600000101010101" pitchFamily="50" charset="-127"/>
+                <a:cs typeface="KoPubWorld돋움체 Light" panose="00000300000000000000" pitchFamily="2" charset="-127"/>
+              </a:rPr>
+              <a:t>: 200 * N (WAVE)</a:t>
+            </a:r>
+          </a:p>
+        </p:txBody>
+      </p:sp>
+      <p:sp>
+        <p:nvSpPr>
+          <p:cNvPr id="12" name="사각형: 둥근 모서리 11">
+            <a:extLst>
+              <a:ext uri="{FF2B5EF4-FFF2-40B4-BE49-F238E27FC236}">
+                <a16:creationId xmlns:a16="http://schemas.microsoft.com/office/drawing/2014/main" id="{A9D9FE70-43C7-07F2-562F-6CF0176E1C9C}"/>
+              </a:ext>
+            </a:extLst>
+          </p:cNvPr>
+          <p:cNvSpPr/>
+          <p:nvPr/>
+        </p:nvSpPr>
+        <p:spPr>
+          <a:xfrm>
+            <a:off x="1298555" y="2247385"/>
+            <a:ext cx="5987384" cy="1515394"/>
+          </a:xfrm>
+          <a:prstGeom prst="roundRect">
+            <a:avLst/>
+          </a:prstGeom>
+        </p:spPr>
+        <p:style>
+          <a:lnRef idx="2">
+            <a:schemeClr val="accent2">
+              <a:shade val="15000"/>
+            </a:schemeClr>
+          </a:lnRef>
+          <a:fillRef idx="1">
+            <a:schemeClr val="accent2"/>
+          </a:fillRef>
+          <a:effectRef idx="0">
+            <a:schemeClr val="accent2"/>
+          </a:effectRef>
+          <a:fontRef idx="minor">
+            <a:schemeClr val="lt1"/>
+          </a:fontRef>
+        </p:style>
+        <p:txBody>
+          <a:bodyPr rtlCol="0" anchor="ctr"/>
+          <a:lstStyle/>
+          <a:p>
+            <a:pPr marL="736600">
+              <a:lnSpc>
+                <a:spcPct val="107000"/>
+              </a:lnSpc>
+              <a:spcAft>
+                <a:spcPts val="800"/>
+              </a:spcAft>
+            </a:pPr>
+            <a:r>
+              <a:rPr lang="en-US" altLang="ko-KR" sz="1800">
+                <a:latin typeface="굴림" panose="020B0600000101010101" pitchFamily="50" charset="-127"/>
+                <a:ea typeface="굴림" panose="020B0600000101010101" pitchFamily="50" charset="-127"/>
+                <a:cs typeface="KoPubWorld돋움체 Light" panose="00000300000000000000" pitchFamily="2" charset="-127"/>
+              </a:rPr>
+              <a:t> </a:t>
+            </a:r>
+            <a:r>
+              <a:rPr lang="ko-KR" altLang="en-US" sz="1800">
+                <a:latin typeface="굴림" panose="020B0600000101010101" pitchFamily="50" charset="-127"/>
+                <a:ea typeface="굴림" panose="020B0600000101010101" pitchFamily="50" charset="-127"/>
+                <a:cs typeface="KoPubWorld돋움체 Light" panose="00000300000000000000" pitchFamily="2" charset="-127"/>
+              </a:rPr>
+              <a:t>웨이브당 생성되어 몰려오는 적들을 죽인다</a:t>
+            </a:r>
+            <a:r>
+              <a:rPr lang="en-US" altLang="ko-KR" sz="1800">
+                <a:latin typeface="굴림" panose="020B0600000101010101" pitchFamily="50" charset="-127"/>
+                <a:ea typeface="굴림" panose="020B0600000101010101" pitchFamily="50" charset="-127"/>
+                <a:cs typeface="KoPubWorld돋움체 Light" panose="00000300000000000000" pitchFamily="2" charset="-127"/>
+              </a:rPr>
+              <a:t>.</a:t>
+            </a:r>
+            <a:endParaRPr lang="en-US" altLang="ko-KR" sz="1800" dirty="0">
+              <a:latin typeface="굴림" panose="020B0600000101010101" pitchFamily="50" charset="-127"/>
+              <a:ea typeface="굴림" panose="020B0600000101010101" pitchFamily="50" charset="-127"/>
+              <a:cs typeface="KoPubWorld돋움체 Light" panose="00000300000000000000" pitchFamily="2" charset="-127"/>
+            </a:endParaRPr>
+          </a:p>
+        </p:txBody>
+      </p:sp>
+      <p:sp>
+        <p:nvSpPr>
+          <p:cNvPr id="23" name="직사각형 22">
+            <a:extLst>
+              <a:ext uri="{FF2B5EF4-FFF2-40B4-BE49-F238E27FC236}">
+                <a16:creationId xmlns:a16="http://schemas.microsoft.com/office/drawing/2014/main" id="{505D9C9E-8325-4A59-BEFC-3BC22C85BDAD}"/>
+              </a:ext>
+            </a:extLst>
+          </p:cNvPr>
+          <p:cNvSpPr/>
+          <p:nvPr/>
+        </p:nvSpPr>
+        <p:spPr>
+          <a:xfrm flipV="1">
+            <a:off x="557400" y="1001162"/>
+            <a:ext cx="11077200" cy="18000"/>
+          </a:xfrm>
+          <a:prstGeom prst="rect">
+            <a:avLst/>
+          </a:prstGeom>
+          <a:solidFill>
+            <a:srgbClr val="64DECF"/>
+          </a:solidFill>
+          <a:ln>
+            <a:noFill/>
+          </a:ln>
+        </p:spPr>
+        <p:style>
+          <a:lnRef idx="2">
+            <a:schemeClr val="accent1">
+              <a:shade val="50000"/>
+            </a:schemeClr>
+          </a:lnRef>
+          <a:fillRef idx="1">
+            <a:schemeClr val="accent1"/>
+          </a:fillRef>
+          <a:effectRef idx="0">
+            <a:schemeClr val="accent1"/>
+          </a:effectRef>
+          <a:fontRef idx="minor">
+            <a:schemeClr val="lt1"/>
+          </a:fontRef>
+        </p:style>
+        <p:txBody>
+          <a:bodyPr rtlCol="0" anchor="ctr"/>
+          <a:lstStyle/>
+          <a:p>
+            <a:pPr algn="ctr"/>
+            <a:endParaRPr lang="ko-KR" altLang="en-US"/>
+          </a:p>
+        </p:txBody>
+      </p:sp>
+      <p:grpSp>
+        <p:nvGrpSpPr>
+          <p:cNvPr id="6" name="그룹 5">
+            <a:extLst>
+              <a:ext uri="{FF2B5EF4-FFF2-40B4-BE49-F238E27FC236}">
+                <a16:creationId xmlns:a16="http://schemas.microsoft.com/office/drawing/2014/main" id="{1B0813F0-0608-43A3-9E53-0BA015EDE231}"/>
+              </a:ext>
+            </a:extLst>
+          </p:cNvPr>
+          <p:cNvGrpSpPr/>
+          <p:nvPr/>
+        </p:nvGrpSpPr>
+        <p:grpSpPr>
+          <a:xfrm>
+            <a:off x="4105427" y="188165"/>
+            <a:ext cx="4698331" cy="830997"/>
+            <a:chOff x="3819245" y="188165"/>
+            <a:chExt cx="4011835" cy="830997"/>
+          </a:xfrm>
+        </p:grpSpPr>
+        <p:sp>
+          <p:nvSpPr>
+            <p:cNvPr id="5" name="직사각형 4">
+              <a:extLst>
+                <a:ext uri="{FF2B5EF4-FFF2-40B4-BE49-F238E27FC236}">
+                  <a16:creationId xmlns:a16="http://schemas.microsoft.com/office/drawing/2014/main" id="{7D0033C3-456D-4151-9AAB-F0A2E961A5B6}"/>
+                </a:ext>
+              </a:extLst>
+            </p:cNvPr>
+            <p:cNvSpPr/>
+            <p:nvPr/>
+          </p:nvSpPr>
+          <p:spPr>
+            <a:xfrm>
+              <a:off x="4633790" y="302276"/>
+              <a:ext cx="3197290" cy="584775"/>
+            </a:xfrm>
+            <a:prstGeom prst="rect">
+              <a:avLst/>
+            </a:prstGeom>
+          </p:spPr>
+          <p:txBody>
+            <a:bodyPr wrap="square">
+              <a:spAutoFit/>
+            </a:bodyPr>
+            <a:lstStyle/>
+            <a:p>
+              <a:r>
+                <a:rPr lang="ko-KR" altLang="en-US" sz="3200" dirty="0">
+                  <a:latin typeface="굴림" panose="020B0600000101010101" pitchFamily="50" charset="-127"/>
+                  <a:ea typeface="굴림" panose="020B0600000101010101" pitchFamily="50" charset="-127"/>
+                  <a:cs typeface="KoPubWorld돋움체 Bold" panose="00000800000000000000" pitchFamily="2" charset="-127"/>
+                </a:rPr>
+                <a:t>게임소개</a:t>
+              </a:r>
+              <a:endParaRPr lang="en-US" altLang="ko-KR" sz="3200" dirty="0">
+                <a:latin typeface="굴림" panose="020B0600000101010101" pitchFamily="50" charset="-127"/>
+                <a:ea typeface="굴림" panose="020B0600000101010101" pitchFamily="50" charset="-127"/>
+                <a:cs typeface="KoPubWorld돋움체 Bold" panose="00000800000000000000" pitchFamily="2" charset="-127"/>
+              </a:endParaRPr>
+            </a:p>
+          </p:txBody>
+        </p:sp>
+        <p:sp>
+          <p:nvSpPr>
+            <p:cNvPr id="24" name="TextBox 23">
+              <a:extLst>
+                <a:ext uri="{FF2B5EF4-FFF2-40B4-BE49-F238E27FC236}">
+                  <a16:creationId xmlns:a16="http://schemas.microsoft.com/office/drawing/2014/main" id="{1841637C-F02D-4ED4-9B17-10A92FFC6619}"/>
+                </a:ext>
+              </a:extLst>
+            </p:cNvPr>
+            <p:cNvSpPr txBox="1"/>
+            <p:nvPr/>
+          </p:nvSpPr>
+          <p:spPr>
+            <a:xfrm>
+              <a:off x="3819245" y="188165"/>
+              <a:ext cx="768159" cy="830997"/>
+            </a:xfrm>
+            <a:prstGeom prst="rect">
+              <a:avLst/>
+            </a:prstGeom>
+            <a:noFill/>
+          </p:spPr>
+          <p:txBody>
+            <a:bodyPr wrap="none" rtlCol="0">
+              <a:spAutoFit/>
+            </a:bodyPr>
+            <a:lstStyle/>
+            <a:p>
+              <a:r>
+                <a:rPr lang="en-US" altLang="ko-KR" sz="4800" b="1" dirty="0">
+                  <a:solidFill>
+                    <a:srgbClr val="64DECF"/>
+                  </a:solidFill>
+                  <a:latin typeface="KoPubWorld돋움체 Bold" panose="00000800000000000000" pitchFamily="2" charset="-127"/>
+                  <a:ea typeface="KoPubWorld돋움체 Bold" panose="00000800000000000000" pitchFamily="2" charset="-127"/>
+                  <a:cs typeface="KoPubWorld돋움체 Bold" panose="00000800000000000000" pitchFamily="2" charset="-127"/>
+                </a:rPr>
+                <a:t>02</a:t>
+              </a:r>
+              <a:endParaRPr lang="ko-KR" altLang="en-US" sz="4800" b="1" dirty="0">
+                <a:solidFill>
+                  <a:srgbClr val="64DECF"/>
+                </a:solidFill>
+                <a:latin typeface="KoPubWorld돋움체 Bold" panose="00000800000000000000" pitchFamily="2" charset="-127"/>
+                <a:ea typeface="KoPubWorld돋움체 Bold" panose="00000800000000000000" pitchFamily="2" charset="-127"/>
+                <a:cs typeface="KoPubWorld돋움체 Bold" panose="00000800000000000000" pitchFamily="2" charset="-127"/>
+              </a:endParaRPr>
+            </a:p>
+          </p:txBody>
+        </p:sp>
+      </p:grpSp>
+      <p:sp>
+        <p:nvSpPr>
+          <p:cNvPr id="37" name="TextBox 36">
+            <a:extLst>
+              <a:ext uri="{FF2B5EF4-FFF2-40B4-BE49-F238E27FC236}">
+                <a16:creationId xmlns:a16="http://schemas.microsoft.com/office/drawing/2014/main" id="{C3CAB183-DEA4-4560-B11D-01DCD66BDF6D}"/>
+              </a:ext>
+            </a:extLst>
+          </p:cNvPr>
+          <p:cNvSpPr txBox="1"/>
+          <p:nvPr/>
+        </p:nvSpPr>
+        <p:spPr>
+          <a:xfrm>
+            <a:off x="356597" y="1001162"/>
+            <a:ext cx="4509569" cy="769441"/>
           </a:xfrm>
           <a:prstGeom prst="rect">
             <a:avLst/>
@@ -12694,128 +13506,27 @@
           <a:p>
             <a:pPr algn="ctr"/>
             <a:r>
-              <a:rPr lang="ko-KR" altLang="en-US" sz="2400" dirty="0">
-                <a:latin typeface="굴림" panose="020B0600000101010101" pitchFamily="50" charset="-127"/>
-                <a:ea typeface="굴림" panose="020B0600000101010101" pitchFamily="50" charset="-127"/>
-                <a:cs typeface="KoPubWorld돋움체 Light" panose="00000300000000000000" pitchFamily="2" charset="-127"/>
-              </a:rPr>
-              <a:t>카메라를 통한 총의 최적의 </a:t>
-            </a:r>
-            <a:r>
-              <a:rPr lang="ko-KR" altLang="en-US" sz="2400" dirty="0" err="1">
-                <a:latin typeface="굴림" panose="020B0600000101010101" pitchFamily="50" charset="-127"/>
-                <a:ea typeface="굴림" panose="020B0600000101010101" pitchFamily="50" charset="-127"/>
-                <a:cs typeface="KoPubWorld돋움체 Light" panose="00000300000000000000" pitchFamily="2" charset="-127"/>
-              </a:rPr>
-              <a:t>타격감</a:t>
-            </a:r>
-            <a:r>
-              <a:rPr lang="ko-KR" altLang="en-US" sz="2400" dirty="0">
-                <a:latin typeface="굴림" panose="020B0600000101010101" pitchFamily="50" charset="-127"/>
-                <a:ea typeface="굴림" panose="020B0600000101010101" pitchFamily="50" charset="-127"/>
-                <a:cs typeface="KoPubWorld돋움체 Light" panose="00000300000000000000" pitchFamily="2" charset="-127"/>
-              </a:rPr>
-              <a:t> 구현</a:t>
-            </a:r>
+              <a:rPr lang="ko-KR" altLang="en-US" sz="4400" u="sng" dirty="0">
+                <a:latin typeface="굴림" panose="020B0600000101010101" pitchFamily="50" charset="-127"/>
+                <a:ea typeface="굴림" panose="020B0600000101010101" pitchFamily="50" charset="-127"/>
+                <a:cs typeface="KoPubWorld돋움체 Light" panose="00000300000000000000" pitchFamily="2" charset="-127"/>
+              </a:rPr>
+              <a:t>게임 플로우 차트</a:t>
+            </a:r>
+            <a:endParaRPr lang="en-US" altLang="ko-KR" sz="4400" u="sng" dirty="0">
+              <a:latin typeface="굴림" panose="020B0600000101010101" pitchFamily="50" charset="-127"/>
+              <a:ea typeface="굴림" panose="020B0600000101010101" pitchFamily="50" charset="-127"/>
+              <a:cs typeface="KoPubWorld돋움체 Light" panose="00000300000000000000" pitchFamily="2" charset="-127"/>
+            </a:endParaRPr>
           </a:p>
         </p:txBody>
       </p:sp>
-      <p:pic>
-        <p:nvPicPr>
-          <p:cNvPr id="3" name="그림 2">
-            <a:extLst>
-              <a:ext uri="{FF2B5EF4-FFF2-40B4-BE49-F238E27FC236}">
-                <a16:creationId xmlns:a16="http://schemas.microsoft.com/office/drawing/2014/main" id="{6DF15A5D-D181-ACE5-23E9-AC81ADFA7BE3}"/>
-              </a:ext>
-            </a:extLst>
-          </p:cNvPr>
-          <p:cNvPicPr>
-            <a:picLocks noChangeAspect="1"/>
-          </p:cNvPicPr>
-          <p:nvPr/>
-        </p:nvPicPr>
-        <p:blipFill>
-          <a:blip r:embed="rId4"/>
-          <a:stretch>
-            <a:fillRect/>
-          </a:stretch>
-        </p:blipFill>
-        <p:spPr>
-          <a:xfrm>
-            <a:off x="965405" y="1818447"/>
-            <a:ext cx="825454" cy="839166"/>
-          </a:xfrm>
-          <a:prstGeom prst="rect">
-            <a:avLst/>
-          </a:prstGeom>
-        </p:spPr>
-      </p:pic>
-      <p:pic>
-        <p:nvPicPr>
-          <p:cNvPr id="8" name="그림 7">
-            <a:extLst>
-              <a:ext uri="{FF2B5EF4-FFF2-40B4-BE49-F238E27FC236}">
-                <a16:creationId xmlns:a16="http://schemas.microsoft.com/office/drawing/2014/main" id="{33C7570F-820C-75D9-8E57-6879A102F7E0}"/>
-              </a:ext>
-            </a:extLst>
-          </p:cNvPr>
-          <p:cNvPicPr>
-            <a:picLocks noChangeAspect="1"/>
-          </p:cNvPicPr>
-          <p:nvPr/>
-        </p:nvPicPr>
-        <p:blipFill>
-          <a:blip r:embed="rId5"/>
-          <a:stretch>
-            <a:fillRect/>
-          </a:stretch>
-        </p:blipFill>
-        <p:spPr>
-          <a:xfrm>
-            <a:off x="907152" y="2828502"/>
-            <a:ext cx="961548" cy="961548"/>
-          </a:xfrm>
-          <a:prstGeom prst="rect">
-            <a:avLst/>
-          </a:prstGeom>
-        </p:spPr>
-      </p:pic>
-      <p:pic>
-        <p:nvPicPr>
-          <p:cNvPr id="10" name="그림 9">
-            <a:extLst>
-              <a:ext uri="{FF2B5EF4-FFF2-40B4-BE49-F238E27FC236}">
-                <a16:creationId xmlns:a16="http://schemas.microsoft.com/office/drawing/2014/main" id="{BB13C8CF-FB8F-BFEF-131F-D96423B063B6}"/>
-              </a:ext>
-            </a:extLst>
-          </p:cNvPr>
-          <p:cNvPicPr>
-            <a:picLocks noChangeAspect="1"/>
-          </p:cNvPicPr>
-          <p:nvPr/>
-        </p:nvPicPr>
-        <p:blipFill>
-          <a:blip r:embed="rId6"/>
-          <a:stretch>
-            <a:fillRect/>
-          </a:stretch>
-        </p:blipFill>
-        <p:spPr>
-          <a:xfrm>
-            <a:off x="907153" y="3965916"/>
-            <a:ext cx="1041594" cy="961548"/>
-          </a:xfrm>
-          <a:prstGeom prst="rect">
-            <a:avLst/>
-          </a:prstGeom>
-        </p:spPr>
-      </p:pic>
       <p:sp>
         <p:nvSpPr>
-          <p:cNvPr id="11" name="TextBox 10">
-            <a:extLst>
-              <a:ext uri="{FF2B5EF4-FFF2-40B4-BE49-F238E27FC236}">
-                <a16:creationId xmlns:a16="http://schemas.microsoft.com/office/drawing/2014/main" id="{3E017BB5-0BE4-0DAD-1B5A-57D249CE324A}"/>
+          <p:cNvPr id="8" name="TextBox 7">
+            <a:extLst>
+              <a:ext uri="{FF2B5EF4-FFF2-40B4-BE49-F238E27FC236}">
+                <a16:creationId xmlns:a16="http://schemas.microsoft.com/office/drawing/2014/main" id="{BEAC3D7C-F3DF-F8D9-3E25-110030C3F556}"/>
               </a:ext>
             </a:extLst>
           </p:cNvPr>
@@ -12824,8 +13535,8 @@
         </p:nvSpPr>
         <p:spPr>
           <a:xfrm>
-            <a:off x="1912490" y="5338225"/>
-            <a:ext cx="8905002" cy="461665"/>
+            <a:off x="3311634" y="4573610"/>
+            <a:ext cx="2431312" cy="499176"/>
           </a:xfrm>
           <a:prstGeom prst="rect">
             <a:avLst/>
@@ -12833,57 +13544,524 @@
           <a:noFill/>
         </p:spPr>
         <p:txBody>
-          <a:bodyPr wrap="none" rtlCol="0">
+          <a:bodyPr wrap="square" rtlCol="0">
             <a:spAutoFit/>
           </a:bodyPr>
           <a:lstStyle/>
           <a:p>
-            <a:pPr algn="ctr"/>
-            <a:r>
-              <a:rPr lang="ko-KR" altLang="en-US" sz="2400" dirty="0">
-                <a:latin typeface="굴림" panose="020B0600000101010101" pitchFamily="50" charset="-127"/>
-                <a:ea typeface="굴림" panose="020B0600000101010101" pitchFamily="50" charset="-127"/>
-                <a:cs typeface="KoPubWorld돋움체 Light" panose="00000300000000000000" pitchFamily="2" charset="-127"/>
-              </a:rPr>
-              <a:t>대량의 객체로 인한 프레임 드랍을 효과적으로 처리하고 최적화</a:t>
-            </a:r>
+            <a:pPr marL="736600">
+              <a:lnSpc>
+                <a:spcPct val="107000"/>
+              </a:lnSpc>
+              <a:spcAft>
+                <a:spcPts val="800"/>
+              </a:spcAft>
+            </a:pPr>
+            <a:r>
+              <a:rPr lang="ko-KR" altLang="en-US" sz="2800" dirty="0">
+                <a:latin typeface="굴림" panose="020B0600000101010101" pitchFamily="50" charset="-127"/>
+                <a:ea typeface="굴림" panose="020B0600000101010101" pitchFamily="50" charset="-127"/>
+                <a:cs typeface="KoPubWorld돋움체 Light" panose="00000300000000000000" pitchFamily="2" charset="-127"/>
+              </a:rPr>
+              <a:t>승리판정</a:t>
+            </a:r>
+            <a:endParaRPr lang="en-US" altLang="ko-KR" sz="2800" dirty="0">
+              <a:latin typeface="굴림" panose="020B0600000101010101" pitchFamily="50" charset="-127"/>
+              <a:ea typeface="굴림" panose="020B0600000101010101" pitchFamily="50" charset="-127"/>
+              <a:cs typeface="KoPubWorld돋움체 Light" panose="00000300000000000000" pitchFamily="2" charset="-127"/>
+            </a:endParaRPr>
           </a:p>
         </p:txBody>
       </p:sp>
-      <p:pic>
-        <p:nvPicPr>
-          <p:cNvPr id="13" name="그림 12">
-            <a:extLst>
-              <a:ext uri="{FF2B5EF4-FFF2-40B4-BE49-F238E27FC236}">
-                <a16:creationId xmlns:a16="http://schemas.microsoft.com/office/drawing/2014/main" id="{F211B3C1-B259-80B9-1DB6-2C7D5FE720B3}"/>
-              </a:ext>
-            </a:extLst>
-          </p:cNvPr>
-          <p:cNvPicPr>
-            <a:picLocks noChangeAspect="1"/>
-          </p:cNvPicPr>
+      <p:sp>
+        <p:nvSpPr>
+          <p:cNvPr id="10" name="TextBox 9">
+            <a:extLst>
+              <a:ext uri="{FF2B5EF4-FFF2-40B4-BE49-F238E27FC236}">
+                <a16:creationId xmlns:a16="http://schemas.microsoft.com/office/drawing/2014/main" id="{20E7D4D2-1616-470A-D557-446A388728D1}"/>
+              </a:ext>
+            </a:extLst>
+          </p:cNvPr>
+          <p:cNvSpPr txBox="1"/>
           <p:nvPr/>
-        </p:nvPicPr>
-        <p:blipFill>
-          <a:blip r:embed="rId7"/>
-          <a:stretch>
-            <a:fillRect/>
-          </a:stretch>
-        </p:blipFill>
+        </p:nvSpPr>
         <p:spPr>
           <a:xfrm>
-            <a:off x="907153" y="5165769"/>
-            <a:ext cx="961548" cy="806578"/>
+            <a:off x="2048539" y="5999747"/>
+            <a:ext cx="6365382" cy="752835"/>
           </a:xfrm>
           <a:prstGeom prst="rect">
             <a:avLst/>
           </a:prstGeom>
         </p:spPr>
-      </p:pic>
+        <p:style>
+          <a:lnRef idx="2">
+            <a:schemeClr val="accent2">
+              <a:shade val="15000"/>
+            </a:schemeClr>
+          </a:lnRef>
+          <a:fillRef idx="1">
+            <a:schemeClr val="accent2"/>
+          </a:fillRef>
+          <a:effectRef idx="0">
+            <a:schemeClr val="accent2"/>
+          </a:effectRef>
+          <a:fontRef idx="minor">
+            <a:schemeClr val="lt1"/>
+          </a:fontRef>
+        </p:style>
+        <p:txBody>
+          <a:bodyPr wrap="square" rtlCol="0">
+            <a:spAutoFit/>
+          </a:bodyPr>
+          <a:lstStyle/>
+          <a:p>
+            <a:pPr marL="736600">
+              <a:lnSpc>
+                <a:spcPct val="107000"/>
+              </a:lnSpc>
+              <a:spcAft>
+                <a:spcPts val="800"/>
+              </a:spcAft>
+            </a:pPr>
+            <a:r>
+              <a:rPr lang="ko-KR" altLang="en-US" dirty="0">
+                <a:latin typeface="굴림" panose="020B0600000101010101" pitchFamily="50" charset="-127"/>
+                <a:ea typeface="굴림" panose="020B0600000101010101" pitchFamily="50" charset="-127"/>
+                <a:cs typeface="KoPubWorld돋움체 Light" panose="00000300000000000000" pitchFamily="2" charset="-127"/>
+              </a:rPr>
+              <a:t>승리</a:t>
+            </a:r>
+            <a:r>
+              <a:rPr lang="en-US" altLang="ko-KR" dirty="0">
+                <a:latin typeface="굴림" panose="020B0600000101010101" pitchFamily="50" charset="-127"/>
+                <a:ea typeface="굴림" panose="020B0600000101010101" pitchFamily="50" charset="-127"/>
+                <a:cs typeface="KoPubWorld돋움체 Light" panose="00000300000000000000" pitchFamily="2" charset="-127"/>
+              </a:rPr>
+              <a:t>: </a:t>
+            </a:r>
+            <a:r>
+              <a:rPr lang="ko-KR" altLang="en-US" dirty="0">
+                <a:latin typeface="굴림" panose="020B0600000101010101" pitchFamily="50" charset="-127"/>
+                <a:ea typeface="굴림" panose="020B0600000101010101" pitchFamily="50" charset="-127"/>
+                <a:cs typeface="KoPubWorld돋움체 Light" panose="00000300000000000000" pitchFamily="2" charset="-127"/>
+              </a:rPr>
+              <a:t>우주선이 도착하기까지 </a:t>
+            </a:r>
+            <a:r>
+              <a:rPr lang="en-US" altLang="ko-KR" dirty="0">
+                <a:latin typeface="굴림" panose="020B0600000101010101" pitchFamily="50" charset="-127"/>
+                <a:ea typeface="굴림" panose="020B0600000101010101" pitchFamily="50" charset="-127"/>
+                <a:cs typeface="KoPubWorld돋움체 Light" panose="00000300000000000000" pitchFamily="2" charset="-127"/>
+              </a:rPr>
+              <a:t>10</a:t>
+            </a:r>
+            <a:r>
+              <a:rPr lang="ko-KR" altLang="en-US" dirty="0">
+                <a:latin typeface="굴림" panose="020B0600000101010101" pitchFamily="50" charset="-127"/>
+                <a:ea typeface="굴림" panose="020B0600000101010101" pitchFamily="50" charset="-127"/>
+                <a:cs typeface="KoPubWorld돋움체 Light" panose="00000300000000000000" pitchFamily="2" charset="-127"/>
+              </a:rPr>
+              <a:t>분을 버티면 승리</a:t>
+            </a:r>
+            <a:endParaRPr lang="en-US" altLang="ko-KR" dirty="0">
+              <a:latin typeface="굴림" panose="020B0600000101010101" pitchFamily="50" charset="-127"/>
+              <a:ea typeface="굴림" panose="020B0600000101010101" pitchFamily="50" charset="-127"/>
+              <a:cs typeface="KoPubWorld돋움체 Light" panose="00000300000000000000" pitchFamily="2" charset="-127"/>
+            </a:endParaRPr>
+          </a:p>
+          <a:p>
+            <a:pPr marL="736600">
+              <a:lnSpc>
+                <a:spcPct val="107000"/>
+              </a:lnSpc>
+              <a:spcAft>
+                <a:spcPts val="800"/>
+              </a:spcAft>
+            </a:pPr>
+            <a:r>
+              <a:rPr lang="ko-KR" altLang="en-US" dirty="0">
+                <a:latin typeface="굴림" panose="020B0600000101010101" pitchFamily="50" charset="-127"/>
+                <a:ea typeface="굴림" panose="020B0600000101010101" pitchFamily="50" charset="-127"/>
+                <a:cs typeface="KoPubWorld돋움체 Light" panose="00000300000000000000" pitchFamily="2" charset="-127"/>
+              </a:rPr>
+              <a:t>패배</a:t>
+            </a:r>
+            <a:r>
+              <a:rPr lang="en-US" altLang="ko-KR" dirty="0">
+                <a:latin typeface="굴림" panose="020B0600000101010101" pitchFamily="50" charset="-127"/>
+                <a:ea typeface="굴림" panose="020B0600000101010101" pitchFamily="50" charset="-127"/>
+                <a:cs typeface="KoPubWorld돋움체 Light" panose="00000300000000000000" pitchFamily="2" charset="-127"/>
+              </a:rPr>
+              <a:t>: PLAYER </a:t>
+            </a:r>
+            <a:r>
+              <a:rPr lang="ko-KR" altLang="en-US" dirty="0">
+                <a:latin typeface="굴림" panose="020B0600000101010101" pitchFamily="50" charset="-127"/>
+                <a:ea typeface="굴림" panose="020B0600000101010101" pitchFamily="50" charset="-127"/>
+                <a:cs typeface="KoPubWorld돋움체 Light" panose="00000300000000000000" pitchFamily="2" charset="-127"/>
+              </a:rPr>
+              <a:t>사망 시 패배</a:t>
+            </a:r>
+            <a:endParaRPr lang="en-US" altLang="ko-KR" dirty="0">
+              <a:latin typeface="굴림" panose="020B0600000101010101" pitchFamily="50" charset="-127"/>
+              <a:ea typeface="굴림" panose="020B0600000101010101" pitchFamily="50" charset="-127"/>
+              <a:cs typeface="KoPubWorld돋움체 Light" panose="00000300000000000000" pitchFamily="2" charset="-127"/>
+            </a:endParaRPr>
+          </a:p>
+        </p:txBody>
+      </p:sp>
+      <p:sp>
+        <p:nvSpPr>
+          <p:cNvPr id="13" name="폭발: 14pt 12">
+            <a:extLst>
+              <a:ext uri="{FF2B5EF4-FFF2-40B4-BE49-F238E27FC236}">
+                <a16:creationId xmlns:a16="http://schemas.microsoft.com/office/drawing/2014/main" id="{23026B5F-91C2-CA69-6D11-D59A7035572F}"/>
+              </a:ext>
+            </a:extLst>
+          </p:cNvPr>
+          <p:cNvSpPr/>
+          <p:nvPr/>
+        </p:nvSpPr>
+        <p:spPr>
+          <a:xfrm>
+            <a:off x="110439" y="3077884"/>
+            <a:ext cx="2500943" cy="1479394"/>
+          </a:xfrm>
+          <a:prstGeom prst="irregularSeal2">
+            <a:avLst/>
+          </a:prstGeom>
+        </p:spPr>
+        <p:style>
+          <a:lnRef idx="2">
+            <a:schemeClr val="accent6">
+              <a:shade val="15000"/>
+            </a:schemeClr>
+          </a:lnRef>
+          <a:fillRef idx="1">
+            <a:schemeClr val="accent6"/>
+          </a:fillRef>
+          <a:effectRef idx="0">
+            <a:schemeClr val="accent6"/>
+          </a:effectRef>
+          <a:fontRef idx="minor">
+            <a:schemeClr val="lt1"/>
+          </a:fontRef>
+        </p:style>
+        <p:txBody>
+          <a:bodyPr rtlCol="0" anchor="ctr"/>
+          <a:lstStyle/>
+          <a:p>
+            <a:pPr algn="ctr"/>
+            <a:r>
+              <a:rPr lang="ko-KR" altLang="en-US" dirty="0">
+                <a:solidFill>
+                  <a:schemeClr val="tx1"/>
+                </a:solidFill>
+              </a:rPr>
+              <a:t>방사능 </a:t>
+            </a:r>
+            <a:r>
+              <a:rPr lang="en-US" altLang="ko-KR" dirty="0">
+                <a:solidFill>
+                  <a:schemeClr val="tx1"/>
+                </a:solidFill>
+              </a:rPr>
+              <a:t>EVENT</a:t>
+            </a:r>
+            <a:endParaRPr lang="ko-KR" altLang="en-US" dirty="0">
+              <a:solidFill>
+                <a:schemeClr val="tx1"/>
+              </a:solidFill>
+            </a:endParaRPr>
+          </a:p>
+        </p:txBody>
+      </p:sp>
+      <p:sp>
+        <p:nvSpPr>
+          <p:cNvPr id="19" name="화살표: 아래쪽 18">
+            <a:extLst>
+              <a:ext uri="{FF2B5EF4-FFF2-40B4-BE49-F238E27FC236}">
+                <a16:creationId xmlns:a16="http://schemas.microsoft.com/office/drawing/2014/main" id="{AD5DE181-9177-CBAE-044E-6F48A410AA1E}"/>
+              </a:ext>
+            </a:extLst>
+          </p:cNvPr>
+          <p:cNvSpPr/>
+          <p:nvPr/>
+        </p:nvSpPr>
+        <p:spPr>
+          <a:xfrm>
+            <a:off x="4411719" y="3760988"/>
+            <a:ext cx="647636" cy="593492"/>
+          </a:xfrm>
+          <a:prstGeom prst="downArrow">
+            <a:avLst/>
+          </a:prstGeom>
+        </p:spPr>
+        <p:style>
+          <a:lnRef idx="2">
+            <a:schemeClr val="accent6">
+              <a:shade val="15000"/>
+            </a:schemeClr>
+          </a:lnRef>
+          <a:fillRef idx="1">
+            <a:schemeClr val="accent6"/>
+          </a:fillRef>
+          <a:effectRef idx="0">
+            <a:schemeClr val="accent6"/>
+          </a:effectRef>
+          <a:fontRef idx="minor">
+            <a:schemeClr val="lt1"/>
+          </a:fontRef>
+        </p:style>
+        <p:txBody>
+          <a:bodyPr rtlCol="0" anchor="ctr"/>
+          <a:lstStyle/>
+          <a:p>
+            <a:pPr algn="ctr"/>
+            <a:endParaRPr lang="ko-KR" altLang="en-US"/>
+          </a:p>
+        </p:txBody>
+      </p:sp>
+      <p:sp>
+        <p:nvSpPr>
+          <p:cNvPr id="20" name="화살표: 위로 굽음 19">
+            <a:extLst>
+              <a:ext uri="{FF2B5EF4-FFF2-40B4-BE49-F238E27FC236}">
+                <a16:creationId xmlns:a16="http://schemas.microsoft.com/office/drawing/2014/main" id="{ADBA8698-829F-5C64-06EC-8EDB7831A655}"/>
+              </a:ext>
+            </a:extLst>
+          </p:cNvPr>
+          <p:cNvSpPr/>
+          <p:nvPr/>
+        </p:nvSpPr>
+        <p:spPr>
+          <a:xfrm>
+            <a:off x="6346361" y="3864901"/>
+            <a:ext cx="3168502" cy="1385999"/>
+          </a:xfrm>
+          <a:prstGeom prst="bentUpArrow">
+            <a:avLst/>
+          </a:prstGeom>
+        </p:spPr>
+        <p:style>
+          <a:lnRef idx="2">
+            <a:schemeClr val="accent6">
+              <a:shade val="15000"/>
+            </a:schemeClr>
+          </a:lnRef>
+          <a:fillRef idx="1">
+            <a:schemeClr val="accent6"/>
+          </a:fillRef>
+          <a:effectRef idx="0">
+            <a:schemeClr val="accent6"/>
+          </a:effectRef>
+          <a:fontRef idx="minor">
+            <a:schemeClr val="lt1"/>
+          </a:fontRef>
+        </p:style>
+        <p:txBody>
+          <a:bodyPr rtlCol="0" anchor="ctr"/>
+          <a:lstStyle/>
+          <a:p>
+            <a:pPr algn="ctr"/>
+            <a:endParaRPr lang="ko-KR" altLang="en-US"/>
+          </a:p>
+        </p:txBody>
+      </p:sp>
+      <p:sp>
+        <p:nvSpPr>
+          <p:cNvPr id="21" name="화살표: 아래쪽 20">
+            <a:extLst>
+              <a:ext uri="{FF2B5EF4-FFF2-40B4-BE49-F238E27FC236}">
+                <a16:creationId xmlns:a16="http://schemas.microsoft.com/office/drawing/2014/main" id="{1D68E1AE-A6A4-5D37-9C00-8AEE2702B7BB}"/>
+              </a:ext>
+            </a:extLst>
+          </p:cNvPr>
+          <p:cNvSpPr/>
+          <p:nvPr/>
+        </p:nvSpPr>
+        <p:spPr>
+          <a:xfrm>
+            <a:off x="4437005" y="5406255"/>
+            <a:ext cx="647636" cy="593492"/>
+          </a:xfrm>
+          <a:prstGeom prst="downArrow">
+            <a:avLst/>
+          </a:prstGeom>
+        </p:spPr>
+        <p:style>
+          <a:lnRef idx="2">
+            <a:schemeClr val="accent6">
+              <a:shade val="15000"/>
+            </a:schemeClr>
+          </a:lnRef>
+          <a:fillRef idx="1">
+            <a:schemeClr val="accent6"/>
+          </a:fillRef>
+          <a:effectRef idx="0">
+            <a:schemeClr val="accent6"/>
+          </a:effectRef>
+          <a:fontRef idx="minor">
+            <a:schemeClr val="lt1"/>
+          </a:fontRef>
+        </p:style>
+        <p:txBody>
+          <a:bodyPr rtlCol="0" anchor="ctr"/>
+          <a:lstStyle/>
+          <a:p>
+            <a:pPr algn="ctr"/>
+            <a:endParaRPr lang="ko-KR" altLang="en-US"/>
+          </a:p>
+        </p:txBody>
+      </p:sp>
+      <p:sp>
+        <p:nvSpPr>
+          <p:cNvPr id="25" name="직사각형 24">
+            <a:extLst>
+              <a:ext uri="{FF2B5EF4-FFF2-40B4-BE49-F238E27FC236}">
+                <a16:creationId xmlns:a16="http://schemas.microsoft.com/office/drawing/2014/main" id="{F9650303-D39C-8734-F998-5AC59993F463}"/>
+              </a:ext>
+            </a:extLst>
+          </p:cNvPr>
+          <p:cNvSpPr/>
+          <p:nvPr/>
+        </p:nvSpPr>
+        <p:spPr>
+          <a:xfrm>
+            <a:off x="8057722" y="1926524"/>
+            <a:ext cx="2941674" cy="646331"/>
+          </a:xfrm>
+          <a:prstGeom prst="rect">
+            <a:avLst/>
+          </a:prstGeom>
+          <a:noFill/>
+        </p:spPr>
+        <p:txBody>
+          <a:bodyPr wrap="square" lIns="91440" tIns="45720" rIns="91440" bIns="45720">
+            <a:spAutoFit/>
+          </a:bodyPr>
+          <a:lstStyle/>
+          <a:p>
+            <a:pPr algn="ctr"/>
+            <a:r>
+              <a:rPr lang="en-US" altLang="ko-KR" sz="3600" dirty="0">
+                <a:ln w="0"/>
+                <a:solidFill>
+                  <a:schemeClr val="accent6"/>
+                </a:solidFill>
+                <a:effectLst>
+                  <a:outerShdw blurRad="38100" dist="19050" dir="2700000" algn="tl" rotWithShape="0">
+                    <a:schemeClr val="dk1">
+                      <a:alpha val="40000"/>
+                    </a:schemeClr>
+                  </a:outerShdw>
+                </a:effectLst>
+              </a:rPr>
+              <a:t>5</a:t>
+            </a:r>
+            <a:r>
+              <a:rPr lang="ko-KR" altLang="en-US" sz="3600" dirty="0">
+                <a:ln w="0"/>
+                <a:solidFill>
+                  <a:schemeClr val="accent6"/>
+                </a:solidFill>
+                <a:effectLst>
+                  <a:outerShdw blurRad="38100" dist="19050" dir="2700000" algn="tl" rotWithShape="0">
+                    <a:schemeClr val="dk1">
+                      <a:alpha val="40000"/>
+                    </a:schemeClr>
+                  </a:outerShdw>
+                </a:effectLst>
+              </a:rPr>
+              <a:t>번 반복</a:t>
+            </a:r>
+            <a:endParaRPr lang="en-US" altLang="ko-KR" sz="3600" dirty="0">
+              <a:ln w="0"/>
+              <a:solidFill>
+                <a:schemeClr val="accent6"/>
+              </a:solidFill>
+              <a:effectLst>
+                <a:outerShdw blurRad="38100" dist="19050" dir="2700000" algn="tl" rotWithShape="0">
+                  <a:schemeClr val="dk1">
+                    <a:alpha val="40000"/>
+                  </a:schemeClr>
+                </a:outerShdw>
+              </a:effectLst>
+            </a:endParaRPr>
+          </a:p>
+        </p:txBody>
+      </p:sp>
+      <p:sp>
+        <p:nvSpPr>
+          <p:cNvPr id="26" name="폭발: 14pt 25">
+            <a:extLst>
+              <a:ext uri="{FF2B5EF4-FFF2-40B4-BE49-F238E27FC236}">
+                <a16:creationId xmlns:a16="http://schemas.microsoft.com/office/drawing/2014/main" id="{2C5D63CA-6433-5EC5-BB8F-4C25DC5EC507}"/>
+              </a:ext>
+            </a:extLst>
+          </p:cNvPr>
+          <p:cNvSpPr/>
+          <p:nvPr/>
+        </p:nvSpPr>
+        <p:spPr>
+          <a:xfrm>
+            <a:off x="-88497" y="1849661"/>
+            <a:ext cx="2941674" cy="1479394"/>
+          </a:xfrm>
+          <a:prstGeom prst="irregularSeal2">
+            <a:avLst/>
+          </a:prstGeom>
+        </p:spPr>
+        <p:style>
+          <a:lnRef idx="2">
+            <a:schemeClr val="accent6">
+              <a:shade val="15000"/>
+            </a:schemeClr>
+          </a:lnRef>
+          <a:fillRef idx="1">
+            <a:schemeClr val="accent6"/>
+          </a:fillRef>
+          <a:effectRef idx="0">
+            <a:schemeClr val="accent6"/>
+          </a:effectRef>
+          <a:fontRef idx="minor">
+            <a:schemeClr val="lt1"/>
+          </a:fontRef>
+        </p:style>
+        <p:txBody>
+          <a:bodyPr rtlCol="0" anchor="ctr"/>
+          <a:lstStyle/>
+          <a:p>
+            <a:pPr algn="ctr"/>
+            <a:r>
+              <a:rPr lang="ko-KR" altLang="en-US" dirty="0">
+                <a:solidFill>
+                  <a:schemeClr val="tx1"/>
+                </a:solidFill>
+              </a:rPr>
+              <a:t>투명한 적 </a:t>
+            </a:r>
+            <a:r>
+              <a:rPr lang="en-US" altLang="ko-KR" dirty="0">
+                <a:solidFill>
+                  <a:schemeClr val="tx1"/>
+                </a:solidFill>
+              </a:rPr>
+              <a:t>EVENT</a:t>
+            </a:r>
+            <a:endParaRPr lang="ko-KR" altLang="en-US" dirty="0">
+              <a:solidFill>
+                <a:schemeClr val="tx1"/>
+              </a:solidFill>
+            </a:endParaRPr>
+          </a:p>
+        </p:txBody>
+      </p:sp>
     </p:spTree>
     <p:extLst>
       <p:ext uri="{BB962C8B-B14F-4D97-AF65-F5344CB8AC3E}">
-        <p14:creationId xmlns:p14="http://schemas.microsoft.com/office/powerpoint/2010/main" val="2753720570"/>
+        <p14:creationId xmlns:p14="http://schemas.microsoft.com/office/powerpoint/2010/main" val="2330144613"/>
       </p:ext>
     </p:extLst>
   </p:cSld>
@@ -12893,7 +14071,7 @@
 </p:sld>
 </file>
 
-<file path=ppt/slides/slide4.xml><?xml version="1.0" encoding="utf-8"?>
+<file path=ppt/slides/slide6.xml><?xml version="1.0" encoding="utf-8"?>
 <p:sld xmlns:a="http://schemas.openxmlformats.org/drawingml/2006/main" xmlns:r="http://schemas.openxmlformats.org/officeDocument/2006/relationships" xmlns:p="http://schemas.openxmlformats.org/presentationml/2006/main">
   <p:cSld>
     <p:spTree>
@@ -13136,8 +14314,8 @@
         </p:nvSpPr>
         <p:spPr>
           <a:xfrm>
-            <a:off x="1448704" y="1193475"/>
-            <a:ext cx="3193503" cy="769441"/>
+            <a:off x="1440984" y="1204753"/>
+            <a:ext cx="2358339" cy="769441"/>
           </a:xfrm>
           <a:prstGeom prst="rect">
             <a:avLst/>
@@ -13152,12 +14330,20 @@
           <a:p>
             <a:pPr algn="ctr"/>
             <a:r>
+              <a:rPr lang="en-US" altLang="ko-KR" sz="4400" u="sng" dirty="0">
+                <a:latin typeface="굴림" panose="020B0600000101010101" pitchFamily="50" charset="-127"/>
+                <a:ea typeface="굴림" panose="020B0600000101010101" pitchFamily="50" charset="-127"/>
+                <a:cs typeface="KoPubWorld돋움체 Light" panose="00000300000000000000" pitchFamily="2" charset="-127"/>
+              </a:rPr>
+              <a:t>TPS</a:t>
+            </a:r>
+            <a:r>
               <a:rPr lang="ko-KR" altLang="en-US" sz="4400" u="sng" dirty="0">
                 <a:latin typeface="굴림" panose="020B0600000101010101" pitchFamily="50" charset="-127"/>
                 <a:ea typeface="굴림" panose="020B0600000101010101" pitchFamily="50" charset="-127"/>
                 <a:cs typeface="KoPubWorld돋움체 Light" panose="00000300000000000000" pitchFamily="2" charset="-127"/>
               </a:rPr>
-              <a:t>게임 스토리</a:t>
+              <a:t>방식</a:t>
             </a:r>
             <a:endParaRPr lang="en-US" altLang="ko-KR" sz="4400" u="sng" dirty="0">
               <a:latin typeface="굴림" panose="020B0600000101010101" pitchFamily="50" charset="-127"/>
@@ -13167,36 +14353,6 @@
           </a:p>
         </p:txBody>
       </p:sp>
-      <p:pic>
-        <p:nvPicPr>
-          <p:cNvPr id="4" name="그림 3">
-            <a:extLst>
-              <a:ext uri="{FF2B5EF4-FFF2-40B4-BE49-F238E27FC236}">
-                <a16:creationId xmlns:a16="http://schemas.microsoft.com/office/drawing/2014/main" id="{D59D305B-5529-ED69-CFAC-196DFC201CC0}"/>
-              </a:ext>
-            </a:extLst>
-          </p:cNvPr>
-          <p:cNvPicPr>
-            <a:picLocks noChangeAspect="1"/>
-          </p:cNvPicPr>
-          <p:nvPr/>
-        </p:nvPicPr>
-        <p:blipFill>
-          <a:blip r:embed="rId4"/>
-          <a:stretch>
-            <a:fillRect/>
-          </a:stretch>
-        </p:blipFill>
-        <p:spPr>
-          <a:xfrm>
-            <a:off x="378376" y="1133273"/>
-            <a:ext cx="855001" cy="855001"/>
-          </a:xfrm>
-          <a:prstGeom prst="rect">
-            <a:avLst/>
-          </a:prstGeom>
-        </p:spPr>
-      </p:pic>
       <p:sp>
         <p:nvSpPr>
           <p:cNvPr id="9" name="TextBox 8">
@@ -13211,8 +14367,8 @@
         </p:nvSpPr>
         <p:spPr>
           <a:xfrm>
-            <a:off x="-623778" y="2280811"/>
-            <a:ext cx="12942363" cy="5228547"/>
+            <a:off x="857692" y="2418654"/>
+            <a:ext cx="9817397" cy="840038"/>
           </a:xfrm>
           <a:prstGeom prst="rect">
             <a:avLst/>
@@ -13224,484 +14380,6 @@
             <a:spAutoFit/>
           </a:bodyPr>
           <a:lstStyle/>
-          <a:p>
-            <a:pPr marL="736600" latinLnBrk="1">
-              <a:lnSpc>
-                <a:spcPct val="107000"/>
-              </a:lnSpc>
-              <a:spcAft>
-                <a:spcPts val="800"/>
-              </a:spcAft>
-            </a:pPr>
-            <a:r>
-              <a:rPr lang="ko-KR" altLang="ko-KR" sz="1800" kern="100" dirty="0">
-                <a:effectLst/>
-                <a:latin typeface="굴림" panose="020B0600000101010101" pitchFamily="50" charset="-127"/>
-                <a:ea typeface="굴림" panose="020B0600000101010101" pitchFamily="50" charset="-127"/>
-                <a:cs typeface="Times New Roman" panose="02020603050405020304" pitchFamily="18" charset="0"/>
-              </a:rPr>
-              <a:t>여러 세대에 걸쳐 인류는 지구에서의 생존이 점점 어려워졌다</a:t>
-            </a:r>
-            <a:r>
-              <a:rPr lang="en-US" altLang="ko-KR" sz="1800" kern="100" dirty="0">
-                <a:effectLst/>
-                <a:latin typeface="굴림" panose="020B0600000101010101" pitchFamily="50" charset="-127"/>
-                <a:ea typeface="굴림" panose="020B0600000101010101" pitchFamily="50" charset="-127"/>
-                <a:cs typeface="Times New Roman" panose="02020603050405020304" pitchFamily="18" charset="0"/>
-              </a:rPr>
-              <a:t>. </a:t>
-            </a:r>
-          </a:p>
-          <a:p>
-            <a:pPr marL="736600" latinLnBrk="1">
-              <a:lnSpc>
-                <a:spcPct val="107000"/>
-              </a:lnSpc>
-              <a:spcAft>
-                <a:spcPts val="800"/>
-              </a:spcAft>
-            </a:pPr>
-            <a:r>
-              <a:rPr lang="ko-KR" altLang="ko-KR" sz="1800" kern="100" dirty="0">
-                <a:effectLst/>
-                <a:latin typeface="굴림" panose="020B0600000101010101" pitchFamily="50" charset="-127"/>
-                <a:ea typeface="굴림" panose="020B0600000101010101" pitchFamily="50" charset="-127"/>
-                <a:cs typeface="Times New Roman" panose="02020603050405020304" pitchFamily="18" charset="0"/>
-              </a:rPr>
-              <a:t>자원의 고갈과 환경 파괴로 더 이상 지구에서 지속 가능한 삶을 유지하는 것은 불가능해 보였다</a:t>
-            </a:r>
-            <a:r>
-              <a:rPr lang="en-US" altLang="ko-KR" sz="1800" kern="100" dirty="0">
-                <a:effectLst/>
-                <a:latin typeface="굴림" panose="020B0600000101010101" pitchFamily="50" charset="-127"/>
-                <a:ea typeface="굴림" panose="020B0600000101010101" pitchFamily="50" charset="-127"/>
-                <a:cs typeface="Times New Roman" panose="02020603050405020304" pitchFamily="18" charset="0"/>
-              </a:rPr>
-              <a:t>. </a:t>
-            </a:r>
-          </a:p>
-          <a:p>
-            <a:pPr marL="736600" latinLnBrk="1">
-              <a:lnSpc>
-                <a:spcPct val="107000"/>
-              </a:lnSpc>
-              <a:spcAft>
-                <a:spcPts val="800"/>
-              </a:spcAft>
-            </a:pPr>
-            <a:r>
-              <a:rPr lang="ko-KR" altLang="ko-KR" sz="1800" kern="100" dirty="0">
-                <a:effectLst/>
-                <a:latin typeface="굴림" panose="020B0600000101010101" pitchFamily="50" charset="-127"/>
-                <a:ea typeface="굴림" panose="020B0600000101010101" pitchFamily="50" charset="-127"/>
-                <a:cs typeface="Times New Roman" panose="02020603050405020304" pitchFamily="18" charset="0"/>
-              </a:rPr>
-              <a:t>이에 따라 과학자</a:t>
-            </a:r>
-            <a:r>
-              <a:rPr lang="en-US" altLang="ko-KR" sz="1800" kern="100" dirty="0">
-                <a:effectLst/>
-                <a:latin typeface="굴림" panose="020B0600000101010101" pitchFamily="50" charset="-127"/>
-                <a:ea typeface="굴림" panose="020B0600000101010101" pitchFamily="50" charset="-127"/>
-                <a:cs typeface="Times New Roman" panose="02020603050405020304" pitchFamily="18" charset="0"/>
-              </a:rPr>
-              <a:t>, </a:t>
-            </a:r>
-            <a:r>
-              <a:rPr lang="ko-KR" altLang="ko-KR" sz="1800" kern="100" dirty="0">
-                <a:effectLst/>
-                <a:latin typeface="굴림" panose="020B0600000101010101" pitchFamily="50" charset="-127"/>
-                <a:ea typeface="굴림" panose="020B0600000101010101" pitchFamily="50" charset="-127"/>
-                <a:cs typeface="Times New Roman" panose="02020603050405020304" pitchFamily="18" charset="0"/>
-              </a:rPr>
-              <a:t>엔지니어</a:t>
-            </a:r>
-            <a:r>
-              <a:rPr lang="en-US" altLang="ko-KR" sz="1800" kern="100" dirty="0">
-                <a:effectLst/>
-                <a:latin typeface="굴림" panose="020B0600000101010101" pitchFamily="50" charset="-127"/>
-                <a:ea typeface="굴림" panose="020B0600000101010101" pitchFamily="50" charset="-127"/>
-                <a:cs typeface="Times New Roman" panose="02020603050405020304" pitchFamily="18" charset="0"/>
-              </a:rPr>
-              <a:t>, </a:t>
-            </a:r>
-            <a:r>
-              <a:rPr lang="ko-KR" altLang="ko-KR" sz="1800" kern="100" dirty="0">
-                <a:effectLst/>
-                <a:latin typeface="굴림" panose="020B0600000101010101" pitchFamily="50" charset="-127"/>
-                <a:ea typeface="굴림" panose="020B0600000101010101" pitchFamily="50" charset="-127"/>
-                <a:cs typeface="Times New Roman" panose="02020603050405020304" pitchFamily="18" charset="0"/>
-              </a:rPr>
-              <a:t>우주 비행사</a:t>
-            </a:r>
-            <a:r>
-              <a:rPr lang="en-US" altLang="ko-KR" sz="1800" kern="100" dirty="0">
-                <a:effectLst/>
-                <a:latin typeface="굴림" panose="020B0600000101010101" pitchFamily="50" charset="-127"/>
-                <a:ea typeface="굴림" panose="020B0600000101010101" pitchFamily="50" charset="-127"/>
-                <a:cs typeface="Times New Roman" panose="02020603050405020304" pitchFamily="18" charset="0"/>
-              </a:rPr>
-              <a:t>, </a:t>
-            </a:r>
-            <a:r>
-              <a:rPr lang="ko-KR" altLang="ko-KR" sz="1800" kern="100" dirty="0">
-                <a:effectLst/>
-                <a:latin typeface="굴림" panose="020B0600000101010101" pitchFamily="50" charset="-127"/>
-                <a:ea typeface="굴림" panose="020B0600000101010101" pitchFamily="50" charset="-127"/>
-                <a:cs typeface="Times New Roman" panose="02020603050405020304" pitchFamily="18" charset="0"/>
-              </a:rPr>
-              <a:t>그리고 인류의 마지막 희망을 품은 모든 이들은 우주로 모험을 떠났다</a:t>
-            </a:r>
-            <a:r>
-              <a:rPr lang="en-US" altLang="ko-KR" sz="1800" kern="100" dirty="0">
-                <a:effectLst/>
-                <a:latin typeface="굴림" panose="020B0600000101010101" pitchFamily="50" charset="-127"/>
-                <a:ea typeface="굴림" panose="020B0600000101010101" pitchFamily="50" charset="-127"/>
-                <a:cs typeface="Times New Roman" panose="02020603050405020304" pitchFamily="18" charset="0"/>
-              </a:rPr>
-              <a:t>.</a:t>
-            </a:r>
-            <a:endParaRPr lang="en-US" altLang="ko-KR" kern="100" dirty="0">
-              <a:latin typeface="굴림" panose="020B0600000101010101" pitchFamily="50" charset="-127"/>
-              <a:ea typeface="굴림" panose="020B0600000101010101" pitchFamily="50" charset="-127"/>
-              <a:cs typeface="Times New Roman" panose="02020603050405020304" pitchFamily="18" charset="0"/>
-            </a:endParaRPr>
-          </a:p>
-          <a:p>
-            <a:pPr marL="736600" latinLnBrk="1">
-              <a:lnSpc>
-                <a:spcPct val="107000"/>
-              </a:lnSpc>
-              <a:spcAft>
-                <a:spcPts val="800"/>
-              </a:spcAft>
-            </a:pPr>
-            <a:r>
-              <a:rPr lang="ko-KR" altLang="ko-KR" sz="1800" dirty="0">
-                <a:effectLst/>
-                <a:latin typeface="굴림" panose="020B0600000101010101" pitchFamily="50" charset="-127"/>
-                <a:ea typeface="굴림" panose="020B0600000101010101" pitchFamily="50" charset="-127"/>
-                <a:cs typeface="Times New Roman" panose="02020603050405020304" pitchFamily="18" charset="0"/>
-              </a:rPr>
-              <a:t>우주선은 다른 행성을 탐험하며 새로운 곳에서 삶을 찾으려 노력했으며</a:t>
-            </a:r>
-            <a:r>
-              <a:rPr lang="en-US" altLang="ko-KR" sz="1800" dirty="0">
-                <a:effectLst/>
-                <a:latin typeface="굴림" panose="020B0600000101010101" pitchFamily="50" charset="-127"/>
-                <a:ea typeface="굴림" panose="020B0600000101010101" pitchFamily="50" charset="-127"/>
-                <a:cs typeface="Times New Roman" panose="02020603050405020304" pitchFamily="18" charset="0"/>
-              </a:rPr>
-              <a:t>, </a:t>
-            </a:r>
-            <a:r>
-              <a:rPr lang="ko-KR" altLang="ko-KR" sz="1800" dirty="0">
-                <a:effectLst/>
-                <a:latin typeface="굴림" panose="020B0600000101010101" pitchFamily="50" charset="-127"/>
-                <a:ea typeface="굴림" panose="020B0600000101010101" pitchFamily="50" charset="-127"/>
-                <a:cs typeface="Times New Roman" panose="02020603050405020304" pitchFamily="18" charset="0"/>
-              </a:rPr>
-              <a:t>수많은 별을 건너 끝없이 우주를 탐험했다</a:t>
-            </a:r>
-            <a:r>
-              <a:rPr lang="en-US" altLang="ko-KR" sz="1800" dirty="0">
-                <a:effectLst/>
-                <a:latin typeface="굴림" panose="020B0600000101010101" pitchFamily="50" charset="-127"/>
-                <a:ea typeface="굴림" panose="020B0600000101010101" pitchFamily="50" charset="-127"/>
-                <a:cs typeface="Times New Roman" panose="02020603050405020304" pitchFamily="18" charset="0"/>
-              </a:rPr>
-              <a:t>. </a:t>
-            </a:r>
-          </a:p>
-          <a:p>
-            <a:pPr marL="736600" latinLnBrk="1">
-              <a:lnSpc>
-                <a:spcPct val="107000"/>
-              </a:lnSpc>
-              <a:spcAft>
-                <a:spcPts val="800"/>
-              </a:spcAft>
-            </a:pPr>
-            <a:r>
-              <a:rPr lang="ko-KR" altLang="ko-KR" sz="1800" dirty="0">
-                <a:effectLst/>
-                <a:latin typeface="굴림" panose="020B0600000101010101" pitchFamily="50" charset="-127"/>
-                <a:ea typeface="굴림" panose="020B0600000101010101" pitchFamily="50" charset="-127"/>
-                <a:cs typeface="Times New Roman" panose="02020603050405020304" pitchFamily="18" charset="0"/>
-              </a:rPr>
-              <a:t>그러던 중</a:t>
-            </a:r>
-            <a:r>
-              <a:rPr lang="en-US" altLang="ko-KR" sz="1800" dirty="0">
-                <a:effectLst/>
-                <a:latin typeface="굴림" panose="020B0600000101010101" pitchFamily="50" charset="-127"/>
-                <a:ea typeface="굴림" panose="020B0600000101010101" pitchFamily="50" charset="-127"/>
-                <a:cs typeface="Times New Roman" panose="02020603050405020304" pitchFamily="18" charset="0"/>
-              </a:rPr>
-              <a:t>, </a:t>
-            </a:r>
-            <a:r>
-              <a:rPr lang="ko-KR" altLang="ko-KR" sz="1800" dirty="0">
-                <a:effectLst/>
-                <a:latin typeface="굴림" panose="020B0600000101010101" pitchFamily="50" charset="-127"/>
-                <a:ea typeface="굴림" panose="020B0600000101010101" pitchFamily="50" charset="-127"/>
-                <a:cs typeface="Times New Roman" panose="02020603050405020304" pitchFamily="18" charset="0"/>
-              </a:rPr>
-              <a:t>그들은 우주의 끝에서 아름다운 행성을 발견했다</a:t>
-            </a:r>
-            <a:r>
-              <a:rPr lang="en-US" altLang="ko-KR" sz="1800" dirty="0">
-                <a:effectLst/>
-                <a:latin typeface="굴림" panose="020B0600000101010101" pitchFamily="50" charset="-127"/>
-                <a:ea typeface="굴림" panose="020B0600000101010101" pitchFamily="50" charset="-127"/>
-                <a:cs typeface="Times New Roman" panose="02020603050405020304" pitchFamily="18" charset="0"/>
-              </a:rPr>
-              <a:t>. </a:t>
-            </a:r>
-          </a:p>
-          <a:p>
-            <a:pPr marL="736600" latinLnBrk="1">
-              <a:lnSpc>
-                <a:spcPct val="107000"/>
-              </a:lnSpc>
-              <a:spcAft>
-                <a:spcPts val="800"/>
-              </a:spcAft>
-            </a:pPr>
-            <a:r>
-              <a:rPr lang="ko-KR" altLang="ko-KR" sz="1800" dirty="0">
-                <a:effectLst/>
-                <a:latin typeface="굴림" panose="020B0600000101010101" pitchFamily="50" charset="-127"/>
-                <a:ea typeface="굴림" panose="020B0600000101010101" pitchFamily="50" charset="-127"/>
-                <a:cs typeface="Times New Roman" panose="02020603050405020304" pitchFamily="18" charset="0"/>
-              </a:rPr>
-              <a:t>그곳은 푸른 하늘과 아름다운 경관</a:t>
-            </a:r>
-            <a:r>
-              <a:rPr lang="en-US" altLang="ko-KR" sz="1800" dirty="0">
-                <a:effectLst/>
-                <a:latin typeface="굴림" panose="020B0600000101010101" pitchFamily="50" charset="-127"/>
-                <a:ea typeface="굴림" panose="020B0600000101010101" pitchFamily="50" charset="-127"/>
-                <a:cs typeface="Times New Roman" panose="02020603050405020304" pitchFamily="18" charset="0"/>
-              </a:rPr>
-              <a:t>, </a:t>
-            </a:r>
-            <a:r>
-              <a:rPr lang="ko-KR" altLang="ko-KR" sz="1800" dirty="0">
-                <a:effectLst/>
-                <a:latin typeface="굴림" panose="020B0600000101010101" pitchFamily="50" charset="-127"/>
-                <a:ea typeface="굴림" panose="020B0600000101010101" pitchFamily="50" charset="-127"/>
-                <a:cs typeface="Times New Roman" panose="02020603050405020304" pitchFamily="18" charset="0"/>
-              </a:rPr>
-              <a:t>풍부한 자원이 가득한 이상적인 곳으로 보였다</a:t>
-            </a:r>
-            <a:endParaRPr lang="en-US" altLang="ko-KR" sz="1800" dirty="0">
-              <a:effectLst/>
-              <a:latin typeface="굴림" panose="020B0600000101010101" pitchFamily="50" charset="-127"/>
-              <a:ea typeface="굴림" panose="020B0600000101010101" pitchFamily="50" charset="-127"/>
-              <a:cs typeface="Times New Roman" panose="02020603050405020304" pitchFamily="18" charset="0"/>
-            </a:endParaRPr>
-          </a:p>
-          <a:p>
-            <a:pPr marL="736600">
-              <a:lnSpc>
-                <a:spcPct val="107000"/>
-              </a:lnSpc>
-              <a:spcAft>
-                <a:spcPts val="800"/>
-              </a:spcAft>
-            </a:pPr>
-            <a:r>
-              <a:rPr lang="ko-KR" altLang="ko-KR" sz="1800" kern="100" dirty="0">
-                <a:effectLst/>
-                <a:latin typeface="굴림" panose="020B0600000101010101" pitchFamily="50" charset="-127"/>
-                <a:ea typeface="굴림" panose="020B0600000101010101" pitchFamily="50" charset="-127"/>
-                <a:cs typeface="Times New Roman" panose="02020603050405020304" pitchFamily="18" charset="0"/>
-              </a:rPr>
-              <a:t>그러나 그들의 희망과 기대는 짧은 시간 안에 깨어졌다</a:t>
-            </a:r>
-            <a:r>
-              <a:rPr lang="en-US" altLang="ko-KR" sz="1800" kern="100" dirty="0">
-                <a:effectLst/>
-                <a:latin typeface="굴림" panose="020B0600000101010101" pitchFamily="50" charset="-127"/>
-                <a:ea typeface="굴림" panose="020B0600000101010101" pitchFamily="50" charset="-127"/>
-                <a:cs typeface="Times New Roman" panose="02020603050405020304" pitchFamily="18" charset="0"/>
-              </a:rPr>
-              <a:t>. </a:t>
-            </a:r>
-          </a:p>
-          <a:p>
-            <a:pPr marL="736600">
-              <a:lnSpc>
-                <a:spcPct val="107000"/>
-              </a:lnSpc>
-              <a:spcAft>
-                <a:spcPts val="800"/>
-              </a:spcAft>
-            </a:pPr>
-            <a:r>
-              <a:rPr lang="ko-KR" altLang="ko-KR" sz="1800" kern="100" dirty="0">
-                <a:effectLst/>
-                <a:latin typeface="굴림" panose="020B0600000101010101" pitchFamily="50" charset="-127"/>
-                <a:ea typeface="굴림" panose="020B0600000101010101" pitchFamily="50" charset="-127"/>
-                <a:cs typeface="Times New Roman" panose="02020603050405020304" pitchFamily="18" charset="0"/>
-              </a:rPr>
-              <a:t>행성에 도착한 그들은 흉측한 에일리언 생물체의 존재와 방사능 오염에 직면했다</a:t>
-            </a:r>
-            <a:r>
-              <a:rPr lang="en-US" altLang="ko-KR" sz="1800" kern="100" dirty="0">
-                <a:effectLst/>
-                <a:latin typeface="굴림" panose="020B0600000101010101" pitchFamily="50" charset="-127"/>
-                <a:ea typeface="굴림" panose="020B0600000101010101" pitchFamily="50" charset="-127"/>
-                <a:cs typeface="Times New Roman" panose="02020603050405020304" pitchFamily="18" charset="0"/>
-              </a:rPr>
-              <a:t>. </a:t>
-            </a:r>
-          </a:p>
-          <a:p>
-            <a:pPr marL="736600">
-              <a:lnSpc>
-                <a:spcPct val="107000"/>
-              </a:lnSpc>
-              <a:spcAft>
-                <a:spcPts val="800"/>
-              </a:spcAft>
-            </a:pPr>
-            <a:r>
-              <a:rPr lang="ko-KR" altLang="ko-KR" sz="1800" kern="100" dirty="0" err="1">
-                <a:effectLst/>
-                <a:latin typeface="굴림" panose="020B0600000101010101" pitchFamily="50" charset="-127"/>
-                <a:ea typeface="굴림" panose="020B0600000101010101" pitchFamily="50" charset="-127"/>
-                <a:cs typeface="Times New Roman" panose="02020603050405020304" pitchFamily="18" charset="0"/>
-              </a:rPr>
-              <a:t>에일리언과의</a:t>
-            </a:r>
-            <a:r>
-              <a:rPr lang="ko-KR" altLang="ko-KR" sz="1800" kern="100" dirty="0">
-                <a:effectLst/>
-                <a:latin typeface="굴림" panose="020B0600000101010101" pitchFamily="50" charset="-127"/>
-                <a:ea typeface="굴림" panose="020B0600000101010101" pitchFamily="50" charset="-127"/>
-                <a:cs typeface="Times New Roman" panose="02020603050405020304" pitchFamily="18" charset="0"/>
-              </a:rPr>
-              <a:t> 전투에서 동료들은 하나</a:t>
-            </a:r>
-            <a:r>
-              <a:rPr lang="en-US" altLang="ko-KR" sz="1800" kern="100" dirty="0">
-                <a:effectLst/>
-                <a:latin typeface="굴림" panose="020B0600000101010101" pitchFamily="50" charset="-127"/>
-                <a:ea typeface="굴림" panose="020B0600000101010101" pitchFamily="50" charset="-127"/>
-                <a:cs typeface="Times New Roman" panose="02020603050405020304" pitchFamily="18" charset="0"/>
-              </a:rPr>
-              <a:t> </a:t>
-            </a:r>
-            <a:r>
-              <a:rPr lang="ko-KR" altLang="ko-KR" sz="1800" kern="100" dirty="0" err="1">
-                <a:effectLst/>
-                <a:latin typeface="굴림" panose="020B0600000101010101" pitchFamily="50" charset="-127"/>
-                <a:ea typeface="굴림" panose="020B0600000101010101" pitchFamily="50" charset="-127"/>
-                <a:cs typeface="Times New Roman" panose="02020603050405020304" pitchFamily="18" charset="0"/>
-              </a:rPr>
-              <a:t>둘씩</a:t>
-            </a:r>
-            <a:r>
-              <a:rPr lang="ko-KR" altLang="ko-KR" sz="1800" kern="100" dirty="0">
-                <a:effectLst/>
-                <a:latin typeface="굴림" panose="020B0600000101010101" pitchFamily="50" charset="-127"/>
-                <a:ea typeface="굴림" panose="020B0600000101010101" pitchFamily="50" charset="-127"/>
-                <a:cs typeface="Times New Roman" panose="02020603050405020304" pitchFamily="18" charset="0"/>
-              </a:rPr>
-              <a:t> 사라지며</a:t>
-            </a:r>
-            <a:r>
-              <a:rPr lang="en-US" altLang="ko-KR" sz="1800" kern="100" dirty="0">
-                <a:effectLst/>
-                <a:latin typeface="굴림" panose="020B0600000101010101" pitchFamily="50" charset="-127"/>
-                <a:ea typeface="굴림" panose="020B0600000101010101" pitchFamily="50" charset="-127"/>
-                <a:cs typeface="Times New Roman" panose="02020603050405020304" pitchFamily="18" charset="0"/>
-              </a:rPr>
-              <a:t>, </a:t>
-            </a:r>
-            <a:r>
-              <a:rPr lang="ko-KR" altLang="ko-KR" sz="1800" kern="100" dirty="0">
-                <a:effectLst/>
-                <a:latin typeface="굴림" panose="020B0600000101010101" pitchFamily="50" charset="-127"/>
-                <a:ea typeface="굴림" panose="020B0600000101010101" pitchFamily="50" charset="-127"/>
-                <a:cs typeface="Times New Roman" panose="02020603050405020304" pitchFamily="18" charset="0"/>
-              </a:rPr>
-              <a:t>이 외로운 우주 비행사는 홀로 남게 되었다</a:t>
-            </a:r>
-            <a:r>
-              <a:rPr lang="en-US" altLang="ko-KR" sz="1800" kern="100" dirty="0">
-                <a:effectLst/>
-                <a:latin typeface="굴림" panose="020B0600000101010101" pitchFamily="50" charset="-127"/>
-                <a:ea typeface="굴림" panose="020B0600000101010101" pitchFamily="50" charset="-127"/>
-                <a:cs typeface="Times New Roman" panose="02020603050405020304" pitchFamily="18" charset="0"/>
-              </a:rPr>
-              <a:t>.</a:t>
-            </a:r>
-          </a:p>
-          <a:p>
-            <a:pPr marL="736600">
-              <a:lnSpc>
-                <a:spcPct val="107000"/>
-              </a:lnSpc>
-              <a:spcAft>
-                <a:spcPts val="800"/>
-              </a:spcAft>
-            </a:pPr>
-            <a:r>
-              <a:rPr lang="ko-KR" altLang="ko-KR" sz="1800" kern="100" dirty="0">
-                <a:effectLst/>
-                <a:latin typeface="굴림" panose="020B0600000101010101" pitchFamily="50" charset="-127"/>
-                <a:ea typeface="굴림" panose="020B0600000101010101" pitchFamily="50" charset="-127"/>
-                <a:cs typeface="Times New Roman" panose="02020603050405020304" pitchFamily="18" charset="0"/>
-              </a:rPr>
-              <a:t>지구의 구조를 기다릴 동안 이 행성에서 버텨야 한다</a:t>
-            </a:r>
-            <a:r>
-              <a:rPr lang="en-US" altLang="ko-KR" sz="1800" kern="100" dirty="0">
-                <a:effectLst/>
-                <a:latin typeface="굴림" panose="020B0600000101010101" pitchFamily="50" charset="-127"/>
-                <a:ea typeface="굴림" panose="020B0600000101010101" pitchFamily="50" charset="-127"/>
-                <a:cs typeface="Times New Roman" panose="02020603050405020304" pitchFamily="18" charset="0"/>
-              </a:rPr>
-              <a:t>. </a:t>
-            </a:r>
-          </a:p>
-          <a:p>
-            <a:pPr marL="736600">
-              <a:lnSpc>
-                <a:spcPct val="107000"/>
-              </a:lnSpc>
-              <a:spcAft>
-                <a:spcPts val="800"/>
-              </a:spcAft>
-            </a:pPr>
-            <a:r>
-              <a:rPr lang="ko-KR" altLang="ko-KR" sz="1800" kern="100" dirty="0">
-                <a:effectLst/>
-                <a:latin typeface="굴림" panose="020B0600000101010101" pitchFamily="50" charset="-127"/>
-                <a:ea typeface="굴림" panose="020B0600000101010101" pitchFamily="50" charset="-127"/>
-                <a:cs typeface="Times New Roman" panose="02020603050405020304" pitchFamily="18" charset="0"/>
-              </a:rPr>
-              <a:t>방사능을 피해 이 곳에서 살아남아라</a:t>
-            </a:r>
-            <a:r>
-              <a:rPr lang="en-US" altLang="ko-KR" sz="1800" kern="100" dirty="0">
-                <a:effectLst/>
-                <a:latin typeface="굴림" panose="020B0600000101010101" pitchFamily="50" charset="-127"/>
-                <a:ea typeface="굴림" panose="020B0600000101010101" pitchFamily="50" charset="-127"/>
-                <a:cs typeface="Times New Roman" panose="02020603050405020304" pitchFamily="18" charset="0"/>
-              </a:rPr>
-              <a:t>.</a:t>
-            </a:r>
-            <a:endParaRPr lang="ko-KR" altLang="ko-KR" sz="1800" kern="100" dirty="0">
-              <a:effectLst/>
-              <a:latin typeface="굴림" panose="020B0600000101010101" pitchFamily="50" charset="-127"/>
-              <a:ea typeface="굴림" panose="020B0600000101010101" pitchFamily="50" charset="-127"/>
-              <a:cs typeface="Times New Roman" panose="02020603050405020304" pitchFamily="18" charset="0"/>
-            </a:endParaRPr>
-          </a:p>
           <a:p>
             <a:pPr marL="736600">
               <a:lnSpc>
@@ -13735,10 +14413,469 @@
           </a:p>
         </p:txBody>
       </p:sp>
+      <p:pic>
+        <p:nvPicPr>
+          <p:cNvPr id="11" name="그림 10">
+            <a:extLst>
+              <a:ext uri="{FF2B5EF4-FFF2-40B4-BE49-F238E27FC236}">
+                <a16:creationId xmlns:a16="http://schemas.microsoft.com/office/drawing/2014/main" id="{A70FAE9D-02F7-6A64-B403-64881D9BCE2D}"/>
+              </a:ext>
+            </a:extLst>
+          </p:cNvPr>
+          <p:cNvPicPr>
+            <a:picLocks noChangeAspect="1"/>
+          </p:cNvPicPr>
+          <p:nvPr/>
+        </p:nvPicPr>
+        <p:blipFill>
+          <a:blip r:embed="rId4"/>
+          <a:stretch>
+            <a:fillRect/>
+          </a:stretch>
+        </p:blipFill>
+        <p:spPr>
+          <a:xfrm>
+            <a:off x="366013" y="1133273"/>
+            <a:ext cx="1137991" cy="912402"/>
+          </a:xfrm>
+          <a:prstGeom prst="rect">
+            <a:avLst/>
+          </a:prstGeom>
+        </p:spPr>
+      </p:pic>
+      <p:pic>
+        <p:nvPicPr>
+          <p:cNvPr id="12" name="그림 11" descr="텍스트, 스크린샷, 사람, 의류이(가) 표시된 사진&#10;&#10;자동 생성된 설명">
+            <a:extLst>
+              <a:ext uri="{FF2B5EF4-FFF2-40B4-BE49-F238E27FC236}">
+                <a16:creationId xmlns:a16="http://schemas.microsoft.com/office/drawing/2014/main" id="{28A96D05-DA32-66D3-7AAB-F8B90D815210}"/>
+              </a:ext>
+            </a:extLst>
+          </p:cNvPr>
+          <p:cNvPicPr>
+            <a:picLocks noChangeAspect="1"/>
+          </p:cNvPicPr>
+          <p:nvPr/>
+        </p:nvPicPr>
+        <p:blipFill>
+          <a:blip r:embed="rId5"/>
+          <a:stretch>
+            <a:fillRect/>
+          </a:stretch>
+        </p:blipFill>
+        <p:spPr>
+          <a:xfrm>
+            <a:off x="1176670" y="2045674"/>
+            <a:ext cx="6195236" cy="3506861"/>
+          </a:xfrm>
+          <a:prstGeom prst="rect">
+            <a:avLst/>
+          </a:prstGeom>
+        </p:spPr>
+      </p:pic>
+      <p:sp>
+        <p:nvSpPr>
+          <p:cNvPr id="13" name="TextBox 12">
+            <a:extLst>
+              <a:ext uri="{FF2B5EF4-FFF2-40B4-BE49-F238E27FC236}">
+                <a16:creationId xmlns:a16="http://schemas.microsoft.com/office/drawing/2014/main" id="{27A32E20-3EE1-C5F9-9845-08B8DEFB76C3}"/>
+              </a:ext>
+            </a:extLst>
+          </p:cNvPr>
+          <p:cNvSpPr txBox="1"/>
+          <p:nvPr/>
+        </p:nvSpPr>
+        <p:spPr>
+          <a:xfrm>
+            <a:off x="1020727" y="5532085"/>
+            <a:ext cx="6659195" cy="1167371"/>
+          </a:xfrm>
+          <a:prstGeom prst="rect">
+            <a:avLst/>
+          </a:prstGeom>
+          <a:noFill/>
+        </p:spPr>
+        <p:txBody>
+          <a:bodyPr wrap="none" rtlCol="0">
+            <a:spAutoFit/>
+          </a:bodyPr>
+          <a:lstStyle/>
+          <a:p>
+            <a:pPr lvl="0" algn="just" latinLnBrk="1">
+              <a:lnSpc>
+                <a:spcPct val="107000"/>
+              </a:lnSpc>
+              <a:spcAft>
+                <a:spcPts val="800"/>
+              </a:spcAft>
+            </a:pPr>
+            <a:r>
+              <a:rPr lang="ko-KR" altLang="ko-KR" sz="1200" kern="100" dirty="0">
+                <a:effectLst/>
+                <a:latin typeface="굴림" panose="020B0600000101010101" pitchFamily="50" charset="-127"/>
+                <a:ea typeface="굴림" panose="020B0600000101010101" pitchFamily="50" charset="-127"/>
+                <a:cs typeface="Times New Roman" panose="02020603050405020304" pitchFamily="18" charset="0"/>
+              </a:rPr>
+              <a:t>①</a:t>
+            </a:r>
+            <a:r>
+              <a:rPr lang="en-US" altLang="ko-KR" sz="1200" kern="100" dirty="0">
+                <a:effectLst/>
+                <a:latin typeface="굴림" panose="020B0600000101010101" pitchFamily="50" charset="-127"/>
+                <a:ea typeface="굴림" panose="020B0600000101010101" pitchFamily="50" charset="-127"/>
+                <a:cs typeface="Times New Roman" panose="02020603050405020304" pitchFamily="18" charset="0"/>
+              </a:rPr>
+              <a:t>: </a:t>
+            </a:r>
+            <a:r>
+              <a:rPr lang="ko-KR" altLang="ko-KR" sz="1200" kern="100" dirty="0">
+                <a:effectLst/>
+                <a:latin typeface="굴림" panose="020B0600000101010101" pitchFamily="50" charset="-127"/>
+                <a:ea typeface="굴림" panose="020B0600000101010101" pitchFamily="50" charset="-127"/>
+                <a:cs typeface="Times New Roman" panose="02020603050405020304" pitchFamily="18" charset="0"/>
+              </a:rPr>
+              <a:t>초단위로 카운트 하는 타이머</a:t>
+            </a:r>
+            <a:r>
+              <a:rPr lang="en-US" altLang="ko-KR" sz="1200" kern="100" dirty="0">
+                <a:effectLst/>
+                <a:latin typeface="굴림" panose="020B0600000101010101" pitchFamily="50" charset="-127"/>
+                <a:ea typeface="굴림" panose="020B0600000101010101" pitchFamily="50" charset="-127"/>
+                <a:cs typeface="Times New Roman" panose="02020603050405020304" pitchFamily="18" charset="0"/>
+              </a:rPr>
+              <a:t>. 2</a:t>
+            </a:r>
+            <a:r>
+              <a:rPr lang="ko-KR" altLang="ko-KR" sz="1200" kern="100" dirty="0">
+                <a:effectLst/>
+                <a:latin typeface="굴림" panose="020B0600000101010101" pitchFamily="50" charset="-127"/>
+                <a:ea typeface="굴림" panose="020B0600000101010101" pitchFamily="50" charset="-127"/>
+                <a:cs typeface="Times New Roman" panose="02020603050405020304" pitchFamily="18" charset="0"/>
+              </a:rPr>
+              <a:t>분 </a:t>
+            </a:r>
+            <a:r>
+              <a:rPr lang="en-US" altLang="ko-KR" sz="1200" kern="100" dirty="0">
+                <a:effectLst/>
+                <a:latin typeface="굴림" panose="020B0600000101010101" pitchFamily="50" charset="-127"/>
+                <a:ea typeface="굴림" panose="020B0600000101010101" pitchFamily="50" charset="-127"/>
+                <a:cs typeface="Times New Roman" panose="02020603050405020304" pitchFamily="18" charset="0"/>
+              </a:rPr>
+              <a:t>(1wave)</a:t>
+            </a:r>
+            <a:r>
+              <a:rPr lang="ko-KR" altLang="ko-KR" sz="1200" kern="100" dirty="0">
+                <a:effectLst/>
+                <a:latin typeface="굴림" panose="020B0600000101010101" pitchFamily="50" charset="-127"/>
+                <a:ea typeface="굴림" panose="020B0600000101010101" pitchFamily="50" charset="-127"/>
+                <a:cs typeface="Times New Roman" panose="02020603050405020304" pitchFamily="18" charset="0"/>
+              </a:rPr>
+              <a:t>까지 카운트</a:t>
+            </a:r>
+            <a:r>
+              <a:rPr lang="en-US" altLang="ko-KR" sz="1200" kern="100" dirty="0">
+                <a:effectLst/>
+                <a:latin typeface="굴림" panose="020B0600000101010101" pitchFamily="50" charset="-127"/>
+                <a:ea typeface="굴림" panose="020B0600000101010101" pitchFamily="50" charset="-127"/>
+                <a:cs typeface="Times New Roman" panose="02020603050405020304" pitchFamily="18" charset="0"/>
+              </a:rPr>
+              <a:t>. 5</a:t>
+            </a:r>
+            <a:r>
+              <a:rPr lang="ko-KR" altLang="ko-KR" sz="1200" kern="100" dirty="0">
+                <a:effectLst/>
+                <a:latin typeface="굴림" panose="020B0600000101010101" pitchFamily="50" charset="-127"/>
+                <a:ea typeface="굴림" panose="020B0600000101010101" pitchFamily="50" charset="-127"/>
+                <a:cs typeface="Times New Roman" panose="02020603050405020304" pitchFamily="18" charset="0"/>
+              </a:rPr>
+              <a:t>칸이 모두 차면</a:t>
+            </a:r>
+            <a:r>
+              <a:rPr lang="en-US" altLang="ko-KR" sz="1200" kern="100" dirty="0">
+                <a:effectLst/>
+                <a:latin typeface="굴림" panose="020B0600000101010101" pitchFamily="50" charset="-127"/>
+                <a:ea typeface="굴림" panose="020B0600000101010101" pitchFamily="50" charset="-127"/>
+                <a:cs typeface="Times New Roman" panose="02020603050405020304" pitchFamily="18" charset="0"/>
+              </a:rPr>
+              <a:t>(10</a:t>
+            </a:r>
+            <a:r>
+              <a:rPr lang="ko-KR" altLang="ko-KR" sz="1200" kern="100" dirty="0">
+                <a:effectLst/>
+                <a:latin typeface="굴림" panose="020B0600000101010101" pitchFamily="50" charset="-127"/>
+                <a:ea typeface="굴림" panose="020B0600000101010101" pitchFamily="50" charset="-127"/>
+                <a:cs typeface="Times New Roman" panose="02020603050405020304" pitchFamily="18" charset="0"/>
+              </a:rPr>
+              <a:t>분</a:t>
+            </a:r>
+            <a:r>
+              <a:rPr lang="en-US" altLang="ko-KR" sz="1200" kern="100" dirty="0">
+                <a:effectLst/>
+                <a:latin typeface="굴림" panose="020B0600000101010101" pitchFamily="50" charset="-127"/>
+                <a:ea typeface="굴림" panose="020B0600000101010101" pitchFamily="50" charset="-127"/>
+                <a:cs typeface="Times New Roman" panose="02020603050405020304" pitchFamily="18" charset="0"/>
+              </a:rPr>
+              <a:t>) </a:t>
+            </a:r>
+            <a:r>
+              <a:rPr lang="ko-KR" altLang="ko-KR" sz="1200" kern="100" dirty="0">
+                <a:effectLst/>
+                <a:latin typeface="굴림" panose="020B0600000101010101" pitchFamily="50" charset="-127"/>
+                <a:ea typeface="굴림" panose="020B0600000101010101" pitchFamily="50" charset="-127"/>
+                <a:cs typeface="Times New Roman" panose="02020603050405020304" pitchFamily="18" charset="0"/>
+              </a:rPr>
+              <a:t>게임 종료</a:t>
+            </a:r>
+            <a:r>
+              <a:rPr lang="en-US" altLang="ko-KR" sz="1200" kern="100" dirty="0">
+                <a:effectLst/>
+                <a:latin typeface="굴림" panose="020B0600000101010101" pitchFamily="50" charset="-127"/>
+                <a:ea typeface="굴림" panose="020B0600000101010101" pitchFamily="50" charset="-127"/>
+                <a:cs typeface="Times New Roman" panose="02020603050405020304" pitchFamily="18" charset="0"/>
+              </a:rPr>
+              <a:t>.</a:t>
+            </a:r>
+            <a:endParaRPr lang="ko-KR" altLang="ko-KR" sz="1200" kern="100" dirty="0">
+              <a:effectLst/>
+              <a:latin typeface="굴림" panose="020B0600000101010101" pitchFamily="50" charset="-127"/>
+              <a:ea typeface="굴림" panose="020B0600000101010101" pitchFamily="50" charset="-127"/>
+              <a:cs typeface="Times New Roman" panose="02020603050405020304" pitchFamily="18" charset="0"/>
+            </a:endParaRPr>
+          </a:p>
+          <a:p>
+            <a:pPr lvl="0" algn="just" latinLnBrk="1">
+              <a:lnSpc>
+                <a:spcPct val="107000"/>
+              </a:lnSpc>
+              <a:spcAft>
+                <a:spcPts val="800"/>
+              </a:spcAft>
+            </a:pPr>
+            <a:r>
+              <a:rPr lang="ko-KR" altLang="ko-KR" sz="1200" kern="100" dirty="0">
+                <a:effectLst/>
+                <a:latin typeface="굴림" panose="020B0600000101010101" pitchFamily="50" charset="-127"/>
+                <a:ea typeface="굴림" panose="020B0600000101010101" pitchFamily="50" charset="-127"/>
+                <a:cs typeface="Times New Roman" panose="02020603050405020304" pitchFamily="18" charset="0"/>
+              </a:rPr>
+              <a:t>②</a:t>
+            </a:r>
+            <a:r>
+              <a:rPr lang="en-US" altLang="ko-KR" sz="1200" kern="100" dirty="0">
+                <a:effectLst/>
+                <a:latin typeface="굴림" panose="020B0600000101010101" pitchFamily="50" charset="-127"/>
+                <a:ea typeface="굴림" panose="020B0600000101010101" pitchFamily="50" charset="-127"/>
+                <a:cs typeface="Times New Roman" panose="02020603050405020304" pitchFamily="18" charset="0"/>
+              </a:rPr>
+              <a:t>: top view. </a:t>
+            </a:r>
+            <a:r>
+              <a:rPr lang="ko-KR" altLang="ko-KR" sz="1200" kern="100" dirty="0">
+                <a:effectLst/>
+                <a:latin typeface="굴림" panose="020B0600000101010101" pitchFamily="50" charset="-127"/>
+                <a:ea typeface="굴림" panose="020B0600000101010101" pitchFamily="50" charset="-127"/>
+                <a:cs typeface="Times New Roman" panose="02020603050405020304" pitchFamily="18" charset="0"/>
+              </a:rPr>
+              <a:t>플레이어의 위치와 적의 위치를 표시</a:t>
+            </a:r>
+            <a:r>
+              <a:rPr lang="en-US" altLang="ko-KR" sz="1200" kern="100" dirty="0">
+                <a:effectLst/>
+                <a:latin typeface="굴림" panose="020B0600000101010101" pitchFamily="50" charset="-127"/>
+                <a:ea typeface="굴림" panose="020B0600000101010101" pitchFamily="50" charset="-127"/>
+                <a:cs typeface="Times New Roman" panose="02020603050405020304" pitchFamily="18" charset="0"/>
+              </a:rPr>
+              <a:t>. </a:t>
+            </a:r>
+            <a:r>
+              <a:rPr lang="ko-KR" altLang="ko-KR" sz="1200" kern="100" dirty="0">
+                <a:effectLst/>
+                <a:latin typeface="굴림" panose="020B0600000101010101" pitchFamily="50" charset="-127"/>
+                <a:ea typeface="굴림" panose="020B0600000101010101" pitchFamily="50" charset="-127"/>
+                <a:cs typeface="Times New Roman" panose="02020603050405020304" pitchFamily="18" charset="0"/>
+              </a:rPr>
+              <a:t>방사능 </a:t>
+            </a:r>
+            <a:r>
+              <a:rPr lang="en-US" altLang="ko-KR" sz="1200" kern="100" dirty="0">
+                <a:effectLst/>
+                <a:latin typeface="굴림" panose="020B0600000101010101" pitchFamily="50" charset="-127"/>
+                <a:ea typeface="굴림" panose="020B0600000101010101" pitchFamily="50" charset="-127"/>
+                <a:cs typeface="Times New Roman" panose="02020603050405020304" pitchFamily="18" charset="0"/>
+              </a:rPr>
+              <a:t>zone</a:t>
+            </a:r>
+            <a:r>
+              <a:rPr lang="ko-KR" altLang="ko-KR" sz="1200" kern="100" dirty="0">
+                <a:effectLst/>
+                <a:latin typeface="굴림" panose="020B0600000101010101" pitchFamily="50" charset="-127"/>
+                <a:ea typeface="굴림" panose="020B0600000101010101" pitchFamily="50" charset="-127"/>
+                <a:cs typeface="Times New Roman" panose="02020603050405020304" pitchFamily="18" charset="0"/>
+              </a:rPr>
+              <a:t>을 빨간색 원으로 표시</a:t>
+            </a:r>
+            <a:r>
+              <a:rPr lang="en-US" altLang="ko-KR" sz="1200" kern="100" dirty="0">
+                <a:effectLst/>
+                <a:latin typeface="굴림" panose="020B0600000101010101" pitchFamily="50" charset="-127"/>
+                <a:ea typeface="굴림" panose="020B0600000101010101" pitchFamily="50" charset="-127"/>
+                <a:cs typeface="Times New Roman" panose="02020603050405020304" pitchFamily="18" charset="0"/>
+              </a:rPr>
+              <a:t>.</a:t>
+            </a:r>
+            <a:endParaRPr lang="ko-KR" altLang="ko-KR" sz="1200" kern="100" dirty="0">
+              <a:effectLst/>
+              <a:latin typeface="굴림" panose="020B0600000101010101" pitchFamily="50" charset="-127"/>
+              <a:ea typeface="굴림" panose="020B0600000101010101" pitchFamily="50" charset="-127"/>
+              <a:cs typeface="Times New Roman" panose="02020603050405020304" pitchFamily="18" charset="0"/>
+            </a:endParaRPr>
+          </a:p>
+          <a:p>
+            <a:pPr lvl="0" algn="just" latinLnBrk="1">
+              <a:lnSpc>
+                <a:spcPct val="107000"/>
+              </a:lnSpc>
+              <a:spcAft>
+                <a:spcPts val="800"/>
+              </a:spcAft>
+            </a:pPr>
+            <a:r>
+              <a:rPr lang="ko-KR" altLang="ko-KR" sz="1200" kern="100" dirty="0">
+                <a:effectLst/>
+                <a:latin typeface="굴림" panose="020B0600000101010101" pitchFamily="50" charset="-127"/>
+                <a:ea typeface="굴림" panose="020B0600000101010101" pitchFamily="50" charset="-127"/>
+                <a:cs typeface="Times New Roman" panose="02020603050405020304" pitchFamily="18" charset="0"/>
+              </a:rPr>
+              <a:t>③</a:t>
+            </a:r>
+            <a:r>
+              <a:rPr lang="en-US" altLang="ko-KR" sz="1200" kern="100" dirty="0">
+                <a:effectLst/>
+                <a:latin typeface="굴림" panose="020B0600000101010101" pitchFamily="50" charset="-127"/>
+                <a:ea typeface="굴림" panose="020B0600000101010101" pitchFamily="50" charset="-127"/>
+                <a:cs typeface="Times New Roman" panose="02020603050405020304" pitchFamily="18" charset="0"/>
+              </a:rPr>
+              <a:t>: </a:t>
+            </a:r>
+            <a:r>
+              <a:rPr lang="ko-KR" altLang="ko-KR" sz="1200" kern="100" dirty="0">
+                <a:effectLst/>
+                <a:latin typeface="굴림" panose="020B0600000101010101" pitchFamily="50" charset="-127"/>
+                <a:ea typeface="굴림" panose="020B0600000101010101" pitchFamily="50" charset="-127"/>
+                <a:cs typeface="Times New Roman" panose="02020603050405020304" pitchFamily="18" charset="0"/>
+              </a:rPr>
+              <a:t>플레이어 </a:t>
+            </a:r>
+            <a:r>
+              <a:rPr lang="en-US" altLang="ko-KR" sz="1200" kern="100" dirty="0">
+                <a:effectLst/>
+                <a:latin typeface="굴림" panose="020B0600000101010101" pitchFamily="50" charset="-127"/>
+                <a:ea typeface="굴림" panose="020B0600000101010101" pitchFamily="50" charset="-127"/>
+                <a:cs typeface="Times New Roman" panose="02020603050405020304" pitchFamily="18" charset="0"/>
+              </a:rPr>
+              <a:t>hp</a:t>
+            </a:r>
+            <a:r>
+              <a:rPr lang="ko-KR" altLang="ko-KR" sz="1200" kern="100" dirty="0">
+                <a:effectLst/>
+                <a:latin typeface="굴림" panose="020B0600000101010101" pitchFamily="50" charset="-127"/>
+                <a:ea typeface="굴림" panose="020B0600000101010101" pitchFamily="50" charset="-127"/>
+                <a:cs typeface="Times New Roman" panose="02020603050405020304" pitchFamily="18" charset="0"/>
+              </a:rPr>
+              <a:t>를 수로 표현</a:t>
+            </a:r>
+            <a:r>
+              <a:rPr lang="en-US" altLang="ko-KR" sz="1200" kern="100" dirty="0">
+                <a:effectLst/>
+                <a:latin typeface="굴림" panose="020B0600000101010101" pitchFamily="50" charset="-127"/>
+                <a:ea typeface="굴림" panose="020B0600000101010101" pitchFamily="50" charset="-127"/>
+                <a:cs typeface="Times New Roman" panose="02020603050405020304" pitchFamily="18" charset="0"/>
+              </a:rPr>
+              <a:t>. </a:t>
+            </a:r>
+            <a:r>
+              <a:rPr lang="ko-KR" altLang="ko-KR" sz="1200" kern="100" dirty="0">
+                <a:effectLst/>
+                <a:latin typeface="굴림" panose="020B0600000101010101" pitchFamily="50" charset="-127"/>
+                <a:ea typeface="굴림" panose="020B0600000101010101" pitchFamily="50" charset="-127"/>
+                <a:cs typeface="Times New Roman" panose="02020603050405020304" pitchFamily="18" charset="0"/>
+              </a:rPr>
+              <a:t>현재 사용하고 있는 총의 종류와 남은 총알의 수</a:t>
+            </a:r>
+            <a:r>
+              <a:rPr lang="en-US" altLang="ko-KR" sz="1200" kern="100" dirty="0">
+                <a:effectLst/>
+                <a:latin typeface="굴림" panose="020B0600000101010101" pitchFamily="50" charset="-127"/>
+                <a:ea typeface="굴림" panose="020B0600000101010101" pitchFamily="50" charset="-127"/>
+                <a:cs typeface="Times New Roman" panose="02020603050405020304" pitchFamily="18" charset="0"/>
+              </a:rPr>
+              <a:t>.</a:t>
+            </a:r>
+            <a:endParaRPr lang="ko-KR" altLang="ko-KR" sz="1200" kern="100" dirty="0">
+              <a:effectLst/>
+              <a:latin typeface="굴림" panose="020B0600000101010101" pitchFamily="50" charset="-127"/>
+              <a:ea typeface="굴림" panose="020B0600000101010101" pitchFamily="50" charset="-127"/>
+              <a:cs typeface="Times New Roman" panose="02020603050405020304" pitchFamily="18" charset="0"/>
+            </a:endParaRPr>
+          </a:p>
+          <a:p>
+            <a:pPr lvl="0" algn="just" latinLnBrk="1">
+              <a:lnSpc>
+                <a:spcPct val="107000"/>
+              </a:lnSpc>
+              <a:spcAft>
+                <a:spcPts val="800"/>
+              </a:spcAft>
+            </a:pPr>
+            <a:r>
+              <a:rPr lang="ko-KR" altLang="ko-KR" sz="1200" kern="100" dirty="0">
+                <a:effectLst/>
+                <a:latin typeface="굴림" panose="020B0600000101010101" pitchFamily="50" charset="-127"/>
+                <a:ea typeface="굴림" panose="020B0600000101010101" pitchFamily="50" charset="-127"/>
+                <a:cs typeface="Times New Roman" panose="02020603050405020304" pitchFamily="18" charset="0"/>
+              </a:rPr>
+              <a:t>④</a:t>
+            </a:r>
+            <a:r>
+              <a:rPr lang="en-US" altLang="ko-KR" sz="1200" kern="100" dirty="0">
+                <a:effectLst/>
+                <a:latin typeface="굴림" panose="020B0600000101010101" pitchFamily="50" charset="-127"/>
+                <a:ea typeface="굴림" panose="020B0600000101010101" pitchFamily="50" charset="-127"/>
+                <a:cs typeface="Times New Roman" panose="02020603050405020304" pitchFamily="18" charset="0"/>
+              </a:rPr>
+              <a:t>: </a:t>
+            </a:r>
+            <a:r>
+              <a:rPr lang="ko-KR" altLang="ko-KR" sz="1200" kern="100" dirty="0">
+                <a:effectLst/>
+                <a:latin typeface="굴림" panose="020B0600000101010101" pitchFamily="50" charset="-127"/>
+                <a:ea typeface="굴림" panose="020B0600000101010101" pitchFamily="50" charset="-127"/>
+                <a:cs typeface="Times New Roman" panose="02020603050405020304" pitchFamily="18" charset="0"/>
+              </a:rPr>
+              <a:t>현재 사용할 수 있는 아이템</a:t>
+            </a:r>
+            <a:r>
+              <a:rPr lang="en-US" altLang="ko-KR" sz="1200" kern="100" dirty="0">
+                <a:effectLst/>
+                <a:latin typeface="굴림" panose="020B0600000101010101" pitchFamily="50" charset="-127"/>
+                <a:ea typeface="굴림" panose="020B0600000101010101" pitchFamily="50" charset="-127"/>
+                <a:cs typeface="Times New Roman" panose="02020603050405020304" pitchFamily="18" charset="0"/>
+              </a:rPr>
+              <a:t> UI. </a:t>
+            </a:r>
+            <a:endParaRPr lang="ko-KR" altLang="ko-KR" sz="1200" kern="100" dirty="0">
+              <a:effectLst/>
+              <a:latin typeface="굴림" panose="020B0600000101010101" pitchFamily="50" charset="-127"/>
+              <a:ea typeface="굴림" panose="020B0600000101010101" pitchFamily="50" charset="-127"/>
+              <a:cs typeface="Times New Roman" panose="02020603050405020304" pitchFamily="18" charset="0"/>
+            </a:endParaRPr>
+          </a:p>
+        </p:txBody>
+      </p:sp>
     </p:spTree>
     <p:extLst>
       <p:ext uri="{BB962C8B-B14F-4D97-AF65-F5344CB8AC3E}">
-        <p14:creationId xmlns:p14="http://schemas.microsoft.com/office/powerpoint/2010/main" val="1573369818"/>
+        <p14:creationId xmlns:p14="http://schemas.microsoft.com/office/powerpoint/2010/main" val="880469575"/>
       </p:ext>
     </p:extLst>
   </p:cSld>
@@ -13748,7 +14885,7 @@
 </p:sld>
 </file>
 
-<file path=ppt/slides/slide5.xml><?xml version="1.0" encoding="utf-8"?>
+<file path=ppt/slides/slide7.xml><?xml version="1.0" encoding="utf-8"?>
 <p:sld xmlns:a="http://schemas.openxmlformats.org/drawingml/2006/main" xmlns:r="http://schemas.openxmlformats.org/officeDocument/2006/relationships" xmlns:p="http://schemas.openxmlformats.org/presentationml/2006/main">
   <p:cSld>
     <p:spTree>
@@ -13931,52 +15068,6 @@
           </p:txBody>
         </p:sp>
       </p:grpSp>
-      <p:pic>
-        <p:nvPicPr>
-          <p:cNvPr id="7" name="그림 6">
-            <a:extLst>
-              <a:ext uri="{FF2B5EF4-FFF2-40B4-BE49-F238E27FC236}">
-                <a16:creationId xmlns:a16="http://schemas.microsoft.com/office/drawing/2014/main" id="{0686C942-0CFA-49A4-9991-B854D1864421}"/>
-              </a:ext>
-            </a:extLst>
-          </p:cNvPr>
-          <p:cNvPicPr>
-            <a:picLocks noChangeAspect="1"/>
-          </p:cNvPicPr>
-          <p:nvPr/>
-        </p:nvPicPr>
-        <p:blipFill>
-          <a:blip r:embed="rId2">
-            <a:lum bright="70000" contrast="-70000"/>
-            <a:extLst>
-              <a:ext uri="{BEBA8EAE-BF5A-486C-A8C5-ECC9F3942E4B}">
-                <a14:imgProps xmlns:a14="http://schemas.microsoft.com/office/drawing/2010/main">
-                  <a14:imgLayer r:embed="rId3">
-                    <a14:imgEffect>
-                      <a14:brightnessContrast bright="100000" contrast="-70000"/>
-                    </a14:imgEffect>
-                  </a14:imgLayer>
-                </a14:imgProps>
-              </a:ext>
-              <a:ext uri="{28A0092B-C50C-407E-A947-70E740481C1C}">
-                <a14:useLocalDpi xmlns:a14="http://schemas.microsoft.com/office/drawing/2010/main" val="0"/>
-              </a:ext>
-            </a:extLst>
-          </a:blip>
-          <a:stretch>
-            <a:fillRect/>
-          </a:stretch>
-        </p:blipFill>
-        <p:spPr>
-          <a:xfrm>
-            <a:off x="2271422" y="3007411"/>
-            <a:ext cx="525558" cy="525558"/>
-          </a:xfrm>
-          <a:prstGeom prst="rect">
-            <a:avLst/>
-          </a:prstGeom>
-        </p:spPr>
-      </p:pic>
       <p:sp>
         <p:nvSpPr>
           <p:cNvPr id="37" name="TextBox 36">
@@ -13991,8 +15082,8 @@
         </p:nvSpPr>
         <p:spPr>
           <a:xfrm>
-            <a:off x="1233377" y="1191921"/>
-            <a:ext cx="4509569" cy="769441"/>
+            <a:off x="1504004" y="1147697"/>
+            <a:ext cx="3193503" cy="769441"/>
           </a:xfrm>
           <a:prstGeom prst="rect">
             <a:avLst/>
@@ -14007,12 +15098,12 @@
           <a:p>
             <a:pPr algn="ctr"/>
             <a:r>
-              <a:rPr lang="ko-KR" altLang="en-US" sz="4400" u="sng" dirty="0">
-                <a:latin typeface="굴림" panose="020B0600000101010101" pitchFamily="50" charset="-127"/>
-                <a:ea typeface="굴림" panose="020B0600000101010101" pitchFamily="50" charset="-127"/>
-                <a:cs typeface="KoPubWorld돋움체 Light" panose="00000300000000000000" pitchFamily="2" charset="-127"/>
-              </a:rPr>
-              <a:t>게임 플레이 방식</a:t>
+              <a:rPr lang="ko-KR" altLang="en-US" sz="4400" u="sng">
+                <a:latin typeface="굴림" panose="020B0600000101010101" pitchFamily="50" charset="-127"/>
+                <a:ea typeface="굴림" panose="020B0600000101010101" pitchFamily="50" charset="-127"/>
+                <a:cs typeface="KoPubWorld돋움체 Light" panose="00000300000000000000" pitchFamily="2" charset="-127"/>
+              </a:rPr>
+              <a:t>키보드 조작</a:t>
             </a:r>
             <a:endParaRPr lang="en-US" altLang="ko-KR" sz="4400" u="sng" dirty="0">
               <a:latin typeface="굴림" panose="020B0600000101010101" pitchFamily="50" charset="-127"/>
@@ -14022,755 +15113,12 @@
           </a:p>
         </p:txBody>
       </p:sp>
-      <p:sp>
-        <p:nvSpPr>
-          <p:cNvPr id="9" name="TextBox 8">
-            <a:extLst>
-              <a:ext uri="{FF2B5EF4-FFF2-40B4-BE49-F238E27FC236}">
-                <a16:creationId xmlns:a16="http://schemas.microsoft.com/office/drawing/2014/main" id="{8E68655C-5F16-3FC7-3576-4700DEA6D972}"/>
-              </a:ext>
-            </a:extLst>
-          </p:cNvPr>
-          <p:cNvSpPr txBox="1"/>
-          <p:nvPr/>
-        </p:nvSpPr>
-        <p:spPr>
-          <a:xfrm>
-            <a:off x="-248476" y="3007411"/>
-            <a:ext cx="8484781" cy="353879"/>
-          </a:xfrm>
-          <a:prstGeom prst="rect">
-            <a:avLst/>
-          </a:prstGeom>
-          <a:noFill/>
-        </p:spPr>
-        <p:txBody>
-          <a:bodyPr wrap="square" rtlCol="0">
-            <a:spAutoFit/>
-          </a:bodyPr>
-          <a:lstStyle/>
-          <a:p>
-            <a:pPr marL="736600">
-              <a:lnSpc>
-                <a:spcPct val="107000"/>
-              </a:lnSpc>
-              <a:spcAft>
-                <a:spcPts val="800"/>
-              </a:spcAft>
-            </a:pPr>
-            <a:r>
-              <a:rPr lang="en-US" altLang="ko-KR" dirty="0">
-                <a:latin typeface="굴림" panose="020B0600000101010101" pitchFamily="50" charset="-127"/>
-                <a:ea typeface="굴림" panose="020B0600000101010101" pitchFamily="50" charset="-127"/>
-                <a:cs typeface="KoPubWorld돋움체 Light" panose="00000300000000000000" pitchFamily="2" charset="-127"/>
-              </a:rPr>
-              <a:t> </a:t>
-            </a:r>
-            <a:r>
-              <a:rPr lang="ko-KR" altLang="en-US" dirty="0">
-                <a:latin typeface="굴림" panose="020B0600000101010101" pitchFamily="50" charset="-127"/>
-                <a:ea typeface="굴림" panose="020B0600000101010101" pitchFamily="50" charset="-127"/>
-                <a:cs typeface="KoPubWorld돋움체 Light" panose="00000300000000000000" pitchFamily="2" charset="-127"/>
-              </a:rPr>
-              <a:t>웨이브당 생성되어 몰려오는 적들을 죽인다</a:t>
-            </a:r>
-            <a:r>
-              <a:rPr lang="en-US" altLang="ko-KR" dirty="0">
-                <a:latin typeface="굴림" panose="020B0600000101010101" pitchFamily="50" charset="-127"/>
-                <a:ea typeface="굴림" panose="020B0600000101010101" pitchFamily="50" charset="-127"/>
-                <a:cs typeface="KoPubWorld돋움체 Light" panose="00000300000000000000" pitchFamily="2" charset="-127"/>
-              </a:rPr>
-              <a:t>.</a:t>
-            </a:r>
-          </a:p>
-        </p:txBody>
-      </p:sp>
-      <p:sp>
-        <p:nvSpPr>
-          <p:cNvPr id="2" name="TextBox 1">
-            <a:extLst>
-              <a:ext uri="{FF2B5EF4-FFF2-40B4-BE49-F238E27FC236}">
-                <a16:creationId xmlns:a16="http://schemas.microsoft.com/office/drawing/2014/main" id="{5498AFA3-C483-16AB-7CB5-8E2E6A44C204}"/>
-              </a:ext>
-            </a:extLst>
-          </p:cNvPr>
-          <p:cNvSpPr txBox="1"/>
-          <p:nvPr/>
-        </p:nvSpPr>
-        <p:spPr>
-          <a:xfrm>
-            <a:off x="557400" y="3458033"/>
-            <a:ext cx="7883529" cy="752835"/>
-          </a:xfrm>
-          <a:prstGeom prst="rect">
-            <a:avLst/>
-          </a:prstGeom>
-          <a:noFill/>
-        </p:spPr>
-        <p:txBody>
-          <a:bodyPr wrap="square" rtlCol="0">
-            <a:spAutoFit/>
-          </a:bodyPr>
-          <a:lstStyle/>
-          <a:p>
-            <a:pPr marL="736600">
-              <a:lnSpc>
-                <a:spcPct val="107000"/>
-              </a:lnSpc>
-              <a:spcAft>
-                <a:spcPts val="800"/>
-              </a:spcAft>
-            </a:pPr>
-            <a:r>
-              <a:rPr lang="en-US" altLang="ko-KR" dirty="0">
-                <a:latin typeface="굴림" panose="020B0600000101010101" pitchFamily="50" charset="-127"/>
-                <a:ea typeface="굴림" panose="020B0600000101010101" pitchFamily="50" charset="-127"/>
-                <a:cs typeface="KoPubWorld돋움체 Light" panose="00000300000000000000" pitchFamily="2" charset="-127"/>
-              </a:rPr>
-              <a:t>+)</a:t>
-            </a:r>
-            <a:r>
-              <a:rPr lang="ko-KR" altLang="en-US" dirty="0">
-                <a:latin typeface="굴림" panose="020B0600000101010101" pitchFamily="50" charset="-127"/>
-                <a:ea typeface="굴림" panose="020B0600000101010101" pitchFamily="50" charset="-127"/>
-                <a:cs typeface="KoPubWorld돋움체 Light" panose="00000300000000000000" pitchFamily="2" charset="-127"/>
-              </a:rPr>
-              <a:t>영역마다 랜덤하게 방사능을 피해 살아남기</a:t>
-            </a:r>
-            <a:endParaRPr lang="en-US" altLang="ko-KR" dirty="0">
-              <a:latin typeface="굴림" panose="020B0600000101010101" pitchFamily="50" charset="-127"/>
-              <a:ea typeface="굴림" panose="020B0600000101010101" pitchFamily="50" charset="-127"/>
-              <a:cs typeface="KoPubWorld돋움체 Light" panose="00000300000000000000" pitchFamily="2" charset="-127"/>
-            </a:endParaRPr>
-          </a:p>
-          <a:p>
-            <a:pPr marL="736600">
-              <a:lnSpc>
-                <a:spcPct val="107000"/>
-              </a:lnSpc>
-              <a:spcAft>
-                <a:spcPts val="800"/>
-              </a:spcAft>
-            </a:pPr>
-            <a:r>
-              <a:rPr lang="en-US" altLang="ko-KR" dirty="0">
-                <a:latin typeface="굴림" panose="020B0600000101010101" pitchFamily="50" charset="-127"/>
-                <a:ea typeface="굴림" panose="020B0600000101010101" pitchFamily="50" charset="-127"/>
-                <a:cs typeface="KoPubWorld돋움체 Light" panose="00000300000000000000" pitchFamily="2" charset="-127"/>
-              </a:rPr>
-              <a:t>+)</a:t>
-            </a:r>
-            <a:r>
-              <a:rPr lang="ko-KR" altLang="en-US" dirty="0">
-                <a:latin typeface="굴림" panose="020B0600000101010101" pitchFamily="50" charset="-127"/>
-                <a:ea typeface="굴림" panose="020B0600000101010101" pitchFamily="50" charset="-127"/>
-                <a:cs typeface="KoPubWorld돋움체 Light" panose="00000300000000000000" pitchFamily="2" charset="-127"/>
-              </a:rPr>
-              <a:t>투명한 적의 등장</a:t>
-            </a:r>
-            <a:endParaRPr lang="en-US" altLang="ko-KR" dirty="0">
-              <a:latin typeface="굴림" panose="020B0600000101010101" pitchFamily="50" charset="-127"/>
-              <a:ea typeface="굴림" panose="020B0600000101010101" pitchFamily="50" charset="-127"/>
-              <a:cs typeface="KoPubWorld돋움체 Light" panose="00000300000000000000" pitchFamily="2" charset="-127"/>
-            </a:endParaRPr>
-          </a:p>
-        </p:txBody>
-      </p:sp>
-      <p:sp>
-        <p:nvSpPr>
-          <p:cNvPr id="3" name="TextBox 2">
-            <a:extLst>
-              <a:ext uri="{FF2B5EF4-FFF2-40B4-BE49-F238E27FC236}">
-                <a16:creationId xmlns:a16="http://schemas.microsoft.com/office/drawing/2014/main" id="{FFFE3BEA-341C-B367-E3DE-3DE7A6A1CA7A}"/>
-              </a:ext>
-            </a:extLst>
-          </p:cNvPr>
-          <p:cNvSpPr txBox="1"/>
-          <p:nvPr/>
-        </p:nvSpPr>
-        <p:spPr>
-          <a:xfrm>
-            <a:off x="-547386" y="2482942"/>
-            <a:ext cx="8484781" cy="499176"/>
-          </a:xfrm>
-          <a:prstGeom prst="rect">
-            <a:avLst/>
-          </a:prstGeom>
-          <a:noFill/>
-        </p:spPr>
-        <p:txBody>
-          <a:bodyPr wrap="square" rtlCol="0">
-            <a:spAutoFit/>
-          </a:bodyPr>
-          <a:lstStyle/>
-          <a:p>
-            <a:pPr marL="736600">
-              <a:lnSpc>
-                <a:spcPct val="107000"/>
-              </a:lnSpc>
-              <a:spcAft>
-                <a:spcPts val="800"/>
-              </a:spcAft>
-            </a:pPr>
-            <a:r>
-              <a:rPr lang="ko-KR" altLang="en-US" sz="2800" dirty="0">
-                <a:latin typeface="굴림" panose="020B0600000101010101" pitchFamily="50" charset="-127"/>
-                <a:ea typeface="굴림" panose="020B0600000101010101" pitchFamily="50" charset="-127"/>
-                <a:cs typeface="KoPubWorld돋움체 Light" panose="00000300000000000000" pitchFamily="2" charset="-127"/>
-              </a:rPr>
-              <a:t>게임 플레이</a:t>
-            </a:r>
-            <a:r>
-              <a:rPr lang="en-US" altLang="ko-KR" sz="2800" dirty="0">
-                <a:latin typeface="굴림" panose="020B0600000101010101" pitchFamily="50" charset="-127"/>
-                <a:ea typeface="굴림" panose="020B0600000101010101" pitchFamily="50" charset="-127"/>
-                <a:cs typeface="KoPubWorld돋움체 Light" panose="00000300000000000000" pitchFamily="2" charset="-127"/>
-              </a:rPr>
-              <a:t>)</a:t>
-            </a:r>
-          </a:p>
-        </p:txBody>
-      </p:sp>
-      <p:sp>
-        <p:nvSpPr>
-          <p:cNvPr id="8" name="TextBox 7">
-            <a:extLst>
-              <a:ext uri="{FF2B5EF4-FFF2-40B4-BE49-F238E27FC236}">
-                <a16:creationId xmlns:a16="http://schemas.microsoft.com/office/drawing/2014/main" id="{BEAC3D7C-F3DF-F8D9-3E25-110030C3F556}"/>
-              </a:ext>
-            </a:extLst>
-          </p:cNvPr>
-          <p:cNvSpPr txBox="1"/>
-          <p:nvPr/>
-        </p:nvSpPr>
-        <p:spPr>
-          <a:xfrm>
-            <a:off x="-547386" y="4881153"/>
-            <a:ext cx="8484781" cy="499176"/>
-          </a:xfrm>
-          <a:prstGeom prst="rect">
-            <a:avLst/>
-          </a:prstGeom>
-          <a:noFill/>
-        </p:spPr>
-        <p:txBody>
-          <a:bodyPr wrap="square" rtlCol="0">
-            <a:spAutoFit/>
-          </a:bodyPr>
-          <a:lstStyle/>
-          <a:p>
-            <a:pPr marL="736600">
-              <a:lnSpc>
-                <a:spcPct val="107000"/>
-              </a:lnSpc>
-              <a:spcAft>
-                <a:spcPts val="800"/>
-              </a:spcAft>
-            </a:pPr>
-            <a:r>
-              <a:rPr lang="ko-KR" altLang="en-US" sz="2800" dirty="0">
-                <a:latin typeface="굴림" panose="020B0600000101010101" pitchFamily="50" charset="-127"/>
-                <a:ea typeface="굴림" panose="020B0600000101010101" pitchFamily="50" charset="-127"/>
-                <a:cs typeface="KoPubWorld돋움체 Light" panose="00000300000000000000" pitchFamily="2" charset="-127"/>
-              </a:rPr>
-              <a:t>승리조건</a:t>
-            </a:r>
-            <a:r>
-              <a:rPr lang="en-US" altLang="ko-KR" sz="2800" dirty="0">
-                <a:latin typeface="굴림" panose="020B0600000101010101" pitchFamily="50" charset="-127"/>
-                <a:ea typeface="굴림" panose="020B0600000101010101" pitchFamily="50" charset="-127"/>
-                <a:cs typeface="KoPubWorld돋움체 Light" panose="00000300000000000000" pitchFamily="2" charset="-127"/>
-              </a:rPr>
-              <a:t>)</a:t>
-            </a:r>
-          </a:p>
-        </p:txBody>
-      </p:sp>
-      <p:sp>
-        <p:nvSpPr>
-          <p:cNvPr id="10" name="TextBox 9">
-            <a:extLst>
-              <a:ext uri="{FF2B5EF4-FFF2-40B4-BE49-F238E27FC236}">
-                <a16:creationId xmlns:a16="http://schemas.microsoft.com/office/drawing/2014/main" id="{20E7D4D2-1616-470A-D557-446A388728D1}"/>
-              </a:ext>
-            </a:extLst>
-          </p:cNvPr>
-          <p:cNvSpPr txBox="1"/>
-          <p:nvPr/>
-        </p:nvSpPr>
-        <p:spPr>
-          <a:xfrm>
-            <a:off x="-70884" y="5420989"/>
-            <a:ext cx="6365382" cy="752835"/>
-          </a:xfrm>
-          <a:prstGeom prst="rect">
-            <a:avLst/>
-          </a:prstGeom>
-          <a:noFill/>
-        </p:spPr>
-        <p:txBody>
-          <a:bodyPr wrap="square" rtlCol="0">
-            <a:spAutoFit/>
-          </a:bodyPr>
-          <a:lstStyle/>
-          <a:p>
-            <a:pPr marL="736600">
-              <a:lnSpc>
-                <a:spcPct val="107000"/>
-              </a:lnSpc>
-              <a:spcAft>
-                <a:spcPts val="800"/>
-              </a:spcAft>
-            </a:pPr>
-            <a:r>
-              <a:rPr lang="ko-KR" altLang="en-US" dirty="0">
-                <a:latin typeface="굴림" panose="020B0600000101010101" pitchFamily="50" charset="-127"/>
-                <a:ea typeface="굴림" panose="020B0600000101010101" pitchFamily="50" charset="-127"/>
-                <a:cs typeface="KoPubWorld돋움체 Light" panose="00000300000000000000" pitchFamily="2" charset="-127"/>
-              </a:rPr>
-              <a:t>승리</a:t>
-            </a:r>
-            <a:r>
-              <a:rPr lang="en-US" altLang="ko-KR" dirty="0">
-                <a:latin typeface="굴림" panose="020B0600000101010101" pitchFamily="50" charset="-127"/>
-                <a:ea typeface="굴림" panose="020B0600000101010101" pitchFamily="50" charset="-127"/>
-                <a:cs typeface="KoPubWorld돋움체 Light" panose="00000300000000000000" pitchFamily="2" charset="-127"/>
-              </a:rPr>
-              <a:t>: </a:t>
-            </a:r>
-            <a:r>
-              <a:rPr lang="ko-KR" altLang="en-US" dirty="0">
-                <a:latin typeface="굴림" panose="020B0600000101010101" pitchFamily="50" charset="-127"/>
-                <a:ea typeface="굴림" panose="020B0600000101010101" pitchFamily="50" charset="-127"/>
-                <a:cs typeface="KoPubWorld돋움체 Light" panose="00000300000000000000" pitchFamily="2" charset="-127"/>
-              </a:rPr>
-              <a:t>우주선이 도착하기까지 </a:t>
-            </a:r>
-            <a:r>
-              <a:rPr lang="en-US" altLang="ko-KR" dirty="0">
-                <a:latin typeface="굴림" panose="020B0600000101010101" pitchFamily="50" charset="-127"/>
-                <a:ea typeface="굴림" panose="020B0600000101010101" pitchFamily="50" charset="-127"/>
-                <a:cs typeface="KoPubWorld돋움체 Light" panose="00000300000000000000" pitchFamily="2" charset="-127"/>
-              </a:rPr>
-              <a:t>10</a:t>
-            </a:r>
-            <a:r>
-              <a:rPr lang="ko-KR" altLang="en-US" dirty="0">
-                <a:latin typeface="굴림" panose="020B0600000101010101" pitchFamily="50" charset="-127"/>
-                <a:ea typeface="굴림" panose="020B0600000101010101" pitchFamily="50" charset="-127"/>
-                <a:cs typeface="KoPubWorld돋움체 Light" panose="00000300000000000000" pitchFamily="2" charset="-127"/>
-              </a:rPr>
-              <a:t>분을 버티면 승리</a:t>
-            </a:r>
-            <a:endParaRPr lang="en-US" altLang="ko-KR" dirty="0">
-              <a:latin typeface="굴림" panose="020B0600000101010101" pitchFamily="50" charset="-127"/>
-              <a:ea typeface="굴림" panose="020B0600000101010101" pitchFamily="50" charset="-127"/>
-              <a:cs typeface="KoPubWorld돋움체 Light" panose="00000300000000000000" pitchFamily="2" charset="-127"/>
-            </a:endParaRPr>
-          </a:p>
-          <a:p>
-            <a:pPr marL="736600">
-              <a:lnSpc>
-                <a:spcPct val="107000"/>
-              </a:lnSpc>
-              <a:spcAft>
-                <a:spcPts val="800"/>
-              </a:spcAft>
-            </a:pPr>
-            <a:r>
-              <a:rPr lang="ko-KR" altLang="en-US" dirty="0">
-                <a:latin typeface="굴림" panose="020B0600000101010101" pitchFamily="50" charset="-127"/>
-                <a:ea typeface="굴림" panose="020B0600000101010101" pitchFamily="50" charset="-127"/>
-                <a:cs typeface="KoPubWorld돋움체 Light" panose="00000300000000000000" pitchFamily="2" charset="-127"/>
-              </a:rPr>
-              <a:t>패배</a:t>
-            </a:r>
-            <a:r>
-              <a:rPr lang="en-US" altLang="ko-KR" dirty="0">
-                <a:latin typeface="굴림" panose="020B0600000101010101" pitchFamily="50" charset="-127"/>
-                <a:ea typeface="굴림" panose="020B0600000101010101" pitchFamily="50" charset="-127"/>
-                <a:cs typeface="KoPubWorld돋움체 Light" panose="00000300000000000000" pitchFamily="2" charset="-127"/>
-              </a:rPr>
-              <a:t>: PLAYER </a:t>
-            </a:r>
-            <a:r>
-              <a:rPr lang="ko-KR" altLang="en-US" dirty="0">
-                <a:latin typeface="굴림" panose="020B0600000101010101" pitchFamily="50" charset="-127"/>
-                <a:ea typeface="굴림" panose="020B0600000101010101" pitchFamily="50" charset="-127"/>
-                <a:cs typeface="KoPubWorld돋움체 Light" panose="00000300000000000000" pitchFamily="2" charset="-127"/>
-              </a:rPr>
-              <a:t>사망 시 패배</a:t>
-            </a:r>
-            <a:endParaRPr lang="en-US" altLang="ko-KR" dirty="0">
-              <a:latin typeface="굴림" panose="020B0600000101010101" pitchFamily="50" charset="-127"/>
-              <a:ea typeface="굴림" panose="020B0600000101010101" pitchFamily="50" charset="-127"/>
-              <a:cs typeface="KoPubWorld돋움체 Light" panose="00000300000000000000" pitchFamily="2" charset="-127"/>
-            </a:endParaRPr>
-          </a:p>
-        </p:txBody>
-      </p:sp>
-      <p:sp>
-        <p:nvSpPr>
-          <p:cNvPr id="4" name="TextBox 3">
-            <a:extLst>
-              <a:ext uri="{FF2B5EF4-FFF2-40B4-BE49-F238E27FC236}">
-                <a16:creationId xmlns:a16="http://schemas.microsoft.com/office/drawing/2014/main" id="{BCC38BF7-F23F-9A91-2802-186427B7B4CD}"/>
-              </a:ext>
-            </a:extLst>
-          </p:cNvPr>
-          <p:cNvSpPr txBox="1"/>
-          <p:nvPr/>
-        </p:nvSpPr>
-        <p:spPr>
-          <a:xfrm>
-            <a:off x="5346596" y="2442282"/>
-            <a:ext cx="3548928" cy="499176"/>
-          </a:xfrm>
-          <a:prstGeom prst="rect">
-            <a:avLst/>
-          </a:prstGeom>
-          <a:noFill/>
-        </p:spPr>
-        <p:txBody>
-          <a:bodyPr wrap="square" rtlCol="0">
-            <a:spAutoFit/>
-          </a:bodyPr>
-          <a:lstStyle/>
-          <a:p>
-            <a:pPr marL="736600">
-              <a:lnSpc>
-                <a:spcPct val="107000"/>
-              </a:lnSpc>
-              <a:spcAft>
-                <a:spcPts val="800"/>
-              </a:spcAft>
-            </a:pPr>
-            <a:r>
-              <a:rPr lang="en-US" altLang="ko-KR" sz="2800" dirty="0">
-                <a:latin typeface="굴림" panose="020B0600000101010101" pitchFamily="50" charset="-127"/>
-                <a:ea typeface="굴림" panose="020B0600000101010101" pitchFamily="50" charset="-127"/>
-                <a:cs typeface="KoPubWorld돋움체 Light" panose="00000300000000000000" pitchFamily="2" charset="-127"/>
-              </a:rPr>
-              <a:t>WAVE)</a:t>
-            </a:r>
-          </a:p>
-        </p:txBody>
-      </p:sp>
-      <p:sp>
-        <p:nvSpPr>
-          <p:cNvPr id="11" name="TextBox 10">
-            <a:extLst>
-              <a:ext uri="{FF2B5EF4-FFF2-40B4-BE49-F238E27FC236}">
-                <a16:creationId xmlns:a16="http://schemas.microsoft.com/office/drawing/2014/main" id="{20F738A4-97DE-DCC9-9717-9A976E5EECD9}"/>
-              </a:ext>
-            </a:extLst>
-          </p:cNvPr>
-          <p:cNvSpPr txBox="1"/>
-          <p:nvPr/>
-        </p:nvSpPr>
-        <p:spPr>
-          <a:xfrm>
-            <a:off x="6213186" y="3040955"/>
-            <a:ext cx="7883529" cy="752835"/>
-          </a:xfrm>
-          <a:prstGeom prst="rect">
-            <a:avLst/>
-          </a:prstGeom>
-          <a:noFill/>
-        </p:spPr>
-        <p:txBody>
-          <a:bodyPr wrap="square" rtlCol="0">
-            <a:spAutoFit/>
-          </a:bodyPr>
-          <a:lstStyle/>
-          <a:p>
-            <a:pPr marL="736600">
-              <a:lnSpc>
-                <a:spcPct val="107000"/>
-              </a:lnSpc>
-              <a:spcAft>
-                <a:spcPts val="800"/>
-              </a:spcAft>
-            </a:pPr>
-            <a:r>
-              <a:rPr lang="en-US" altLang="ko-KR" dirty="0">
-                <a:latin typeface="굴림" panose="020B0600000101010101" pitchFamily="50" charset="-127"/>
-                <a:ea typeface="굴림" panose="020B0600000101010101" pitchFamily="50" charset="-127"/>
-                <a:cs typeface="KoPubWorld돋움체 Light" panose="00000300000000000000" pitchFamily="2" charset="-127"/>
-              </a:rPr>
-              <a:t>- 5WAVE (1WAVE</a:t>
-            </a:r>
-            <a:r>
-              <a:rPr lang="ko-KR" altLang="en-US" dirty="0">
-                <a:latin typeface="굴림" panose="020B0600000101010101" pitchFamily="50" charset="-127"/>
-                <a:ea typeface="굴림" panose="020B0600000101010101" pitchFamily="50" charset="-127"/>
-                <a:cs typeface="KoPubWorld돋움체 Light" panose="00000300000000000000" pitchFamily="2" charset="-127"/>
-              </a:rPr>
-              <a:t>당 </a:t>
-            </a:r>
-            <a:r>
-              <a:rPr lang="en-US" altLang="ko-KR" dirty="0">
-                <a:latin typeface="굴림" panose="020B0600000101010101" pitchFamily="50" charset="-127"/>
-                <a:ea typeface="굴림" panose="020B0600000101010101" pitchFamily="50" charset="-127"/>
-                <a:cs typeface="KoPubWorld돋움체 Light" panose="00000300000000000000" pitchFamily="2" charset="-127"/>
-              </a:rPr>
-              <a:t>2</a:t>
-            </a:r>
-            <a:r>
-              <a:rPr lang="ko-KR" altLang="en-US" dirty="0">
-                <a:latin typeface="굴림" panose="020B0600000101010101" pitchFamily="50" charset="-127"/>
-                <a:ea typeface="굴림" panose="020B0600000101010101" pitchFamily="50" charset="-127"/>
-                <a:cs typeface="KoPubWorld돋움체 Light" panose="00000300000000000000" pitchFamily="2" charset="-127"/>
-              </a:rPr>
-              <a:t>분</a:t>
-            </a:r>
-            <a:r>
-              <a:rPr lang="en-US" altLang="ko-KR" dirty="0">
-                <a:latin typeface="굴림" panose="020B0600000101010101" pitchFamily="50" charset="-127"/>
-                <a:ea typeface="굴림" panose="020B0600000101010101" pitchFamily="50" charset="-127"/>
-                <a:cs typeface="KoPubWorld돋움체 Light" panose="00000300000000000000" pitchFamily="2" charset="-127"/>
-              </a:rPr>
-              <a:t>)</a:t>
-            </a:r>
-          </a:p>
-          <a:p>
-            <a:pPr marL="736600">
-              <a:lnSpc>
-                <a:spcPct val="107000"/>
-              </a:lnSpc>
-              <a:spcAft>
-                <a:spcPts val="800"/>
-              </a:spcAft>
-            </a:pPr>
-            <a:r>
-              <a:rPr lang="en-US" altLang="ko-KR" dirty="0">
-                <a:latin typeface="굴림" panose="020B0600000101010101" pitchFamily="50" charset="-127"/>
-                <a:ea typeface="굴림" panose="020B0600000101010101" pitchFamily="50" charset="-127"/>
-                <a:cs typeface="KoPubWorld돋움체 Light" panose="00000300000000000000" pitchFamily="2" charset="-127"/>
-              </a:rPr>
-              <a:t>- </a:t>
-            </a:r>
-            <a:r>
-              <a:rPr lang="ko-KR" altLang="en-US" dirty="0">
-                <a:latin typeface="굴림" panose="020B0600000101010101" pitchFamily="50" charset="-127"/>
-                <a:ea typeface="굴림" panose="020B0600000101010101" pitchFamily="50" charset="-127"/>
-                <a:cs typeface="KoPubWorld돋움체 Light" panose="00000300000000000000" pitchFamily="2" charset="-127"/>
-              </a:rPr>
-              <a:t>적의 생성</a:t>
-            </a:r>
-            <a:r>
-              <a:rPr lang="en-US" altLang="ko-KR" dirty="0">
-                <a:latin typeface="굴림" panose="020B0600000101010101" pitchFamily="50" charset="-127"/>
-                <a:ea typeface="굴림" panose="020B0600000101010101" pitchFamily="50" charset="-127"/>
-                <a:cs typeface="KoPubWorld돋움체 Light" panose="00000300000000000000" pitchFamily="2" charset="-127"/>
-              </a:rPr>
-              <a:t>: 200 * N (WAVE)</a:t>
-            </a:r>
-          </a:p>
-        </p:txBody>
-      </p:sp>
-    </p:spTree>
-    <p:extLst>
-      <p:ext uri="{BB962C8B-B14F-4D97-AF65-F5344CB8AC3E}">
-        <p14:creationId xmlns:p14="http://schemas.microsoft.com/office/powerpoint/2010/main" val="2330144613"/>
-      </p:ext>
-    </p:extLst>
-  </p:cSld>
-  <p:clrMapOvr>
-    <a:masterClrMapping/>
-  </p:clrMapOvr>
-</p:sld>
-</file>
-
-<file path=ppt/slides/slide6.xml><?xml version="1.0" encoding="utf-8"?>
-<p:sld xmlns:a="http://schemas.openxmlformats.org/drawingml/2006/main" xmlns:r="http://schemas.openxmlformats.org/officeDocument/2006/relationships" xmlns:p="http://schemas.openxmlformats.org/presentationml/2006/main">
-  <p:cSld>
-    <p:spTree>
-      <p:nvGrpSpPr>
-        <p:cNvPr id="1" name=""/>
-        <p:cNvGrpSpPr/>
-        <p:nvPr/>
-      </p:nvGrpSpPr>
-      <p:grpSpPr>
-        <a:xfrm>
-          <a:off x="0" y="0"/>
-          <a:ext cx="0" cy="0"/>
-          <a:chOff x="0" y="0"/>
-          <a:chExt cx="0" cy="0"/>
-        </a:xfrm>
-      </p:grpSpPr>
-      <p:sp>
-        <p:nvSpPr>
-          <p:cNvPr id="23" name="직사각형 22">
-            <a:extLst>
-              <a:ext uri="{FF2B5EF4-FFF2-40B4-BE49-F238E27FC236}">
-                <a16:creationId xmlns:a16="http://schemas.microsoft.com/office/drawing/2014/main" id="{505D9C9E-8325-4A59-BEFC-3BC22C85BDAD}"/>
-              </a:ext>
-            </a:extLst>
-          </p:cNvPr>
-          <p:cNvSpPr/>
-          <p:nvPr/>
-        </p:nvSpPr>
-        <p:spPr>
-          <a:xfrm flipV="1">
-            <a:off x="557400" y="1001162"/>
-            <a:ext cx="11077200" cy="18000"/>
-          </a:xfrm>
-          <a:prstGeom prst="rect">
-            <a:avLst/>
-          </a:prstGeom>
-          <a:solidFill>
-            <a:srgbClr val="64DECF"/>
-          </a:solidFill>
-          <a:ln>
-            <a:noFill/>
-          </a:ln>
-        </p:spPr>
-        <p:style>
-          <a:lnRef idx="2">
-            <a:schemeClr val="accent1">
-              <a:shade val="50000"/>
-            </a:schemeClr>
-          </a:lnRef>
-          <a:fillRef idx="1">
-            <a:schemeClr val="accent1"/>
-          </a:fillRef>
-          <a:effectRef idx="0">
-            <a:schemeClr val="accent1"/>
-          </a:effectRef>
-          <a:fontRef idx="minor">
-            <a:schemeClr val="lt1"/>
-          </a:fontRef>
-        </p:style>
-        <p:txBody>
-          <a:bodyPr rtlCol="0" anchor="ctr"/>
-          <a:lstStyle/>
-          <a:p>
-            <a:pPr algn="ctr"/>
-            <a:endParaRPr lang="ko-KR" altLang="en-US"/>
-          </a:p>
-        </p:txBody>
-      </p:sp>
-      <p:grpSp>
-        <p:nvGrpSpPr>
-          <p:cNvPr id="6" name="그룹 5">
-            <a:extLst>
-              <a:ext uri="{FF2B5EF4-FFF2-40B4-BE49-F238E27FC236}">
-                <a16:creationId xmlns:a16="http://schemas.microsoft.com/office/drawing/2014/main" id="{1B0813F0-0608-43A3-9E53-0BA015EDE231}"/>
-              </a:ext>
-            </a:extLst>
-          </p:cNvPr>
-          <p:cNvGrpSpPr/>
-          <p:nvPr/>
-        </p:nvGrpSpPr>
-        <p:grpSpPr>
-          <a:xfrm>
-            <a:off x="4105427" y="188165"/>
-            <a:ext cx="4698331" cy="830997"/>
-            <a:chOff x="3819245" y="188165"/>
-            <a:chExt cx="4011835" cy="830997"/>
-          </a:xfrm>
-        </p:grpSpPr>
-        <p:sp>
-          <p:nvSpPr>
-            <p:cNvPr id="5" name="직사각형 4">
-              <a:extLst>
-                <a:ext uri="{FF2B5EF4-FFF2-40B4-BE49-F238E27FC236}">
-                  <a16:creationId xmlns:a16="http://schemas.microsoft.com/office/drawing/2014/main" id="{7D0033C3-456D-4151-9AAB-F0A2E961A5B6}"/>
-                </a:ext>
-              </a:extLst>
-            </p:cNvPr>
-            <p:cNvSpPr/>
-            <p:nvPr/>
-          </p:nvSpPr>
-          <p:spPr>
-            <a:xfrm>
-              <a:off x="4633790" y="302276"/>
-              <a:ext cx="3197290" cy="584775"/>
-            </a:xfrm>
-            <a:prstGeom prst="rect">
-              <a:avLst/>
-            </a:prstGeom>
-          </p:spPr>
-          <p:txBody>
-            <a:bodyPr wrap="square">
-              <a:spAutoFit/>
-            </a:bodyPr>
-            <a:lstStyle/>
-            <a:p>
-              <a:r>
-                <a:rPr lang="ko-KR" altLang="en-US" sz="3200" dirty="0">
-                  <a:latin typeface="굴림" panose="020B0600000101010101" pitchFamily="50" charset="-127"/>
-                  <a:ea typeface="굴림" panose="020B0600000101010101" pitchFamily="50" charset="-127"/>
-                  <a:cs typeface="KoPubWorld돋움체 Bold" panose="00000800000000000000" pitchFamily="2" charset="-127"/>
-                </a:rPr>
-                <a:t>게임소개</a:t>
-              </a:r>
-              <a:endParaRPr lang="en-US" altLang="ko-KR" sz="3200" dirty="0">
-                <a:latin typeface="굴림" panose="020B0600000101010101" pitchFamily="50" charset="-127"/>
-                <a:ea typeface="굴림" panose="020B0600000101010101" pitchFamily="50" charset="-127"/>
-                <a:cs typeface="KoPubWorld돋움체 Bold" panose="00000800000000000000" pitchFamily="2" charset="-127"/>
-              </a:endParaRPr>
-            </a:p>
-          </p:txBody>
-        </p:sp>
-        <p:sp>
-          <p:nvSpPr>
-            <p:cNvPr id="24" name="TextBox 23">
-              <a:extLst>
-                <a:ext uri="{FF2B5EF4-FFF2-40B4-BE49-F238E27FC236}">
-                  <a16:creationId xmlns:a16="http://schemas.microsoft.com/office/drawing/2014/main" id="{1841637C-F02D-4ED4-9B17-10A92FFC6619}"/>
-                </a:ext>
-              </a:extLst>
-            </p:cNvPr>
-            <p:cNvSpPr txBox="1"/>
-            <p:nvPr/>
-          </p:nvSpPr>
-          <p:spPr>
-            <a:xfrm>
-              <a:off x="3819245" y="188165"/>
-              <a:ext cx="768159" cy="830997"/>
-            </a:xfrm>
-            <a:prstGeom prst="rect">
-              <a:avLst/>
-            </a:prstGeom>
-            <a:noFill/>
-          </p:spPr>
-          <p:txBody>
-            <a:bodyPr wrap="none" rtlCol="0">
-              <a:spAutoFit/>
-            </a:bodyPr>
-            <a:lstStyle/>
-            <a:p>
-              <a:r>
-                <a:rPr lang="en-US" altLang="ko-KR" sz="4800" b="1" dirty="0">
-                  <a:solidFill>
-                    <a:srgbClr val="64DECF"/>
-                  </a:solidFill>
-                  <a:latin typeface="KoPubWorld돋움체 Bold" panose="00000800000000000000" pitchFamily="2" charset="-127"/>
-                  <a:ea typeface="KoPubWorld돋움체 Bold" panose="00000800000000000000" pitchFamily="2" charset="-127"/>
-                  <a:cs typeface="KoPubWorld돋움체 Bold" panose="00000800000000000000" pitchFamily="2" charset="-127"/>
-                </a:rPr>
-                <a:t>02</a:t>
-              </a:r>
-              <a:endParaRPr lang="ko-KR" altLang="en-US" sz="4800" b="1" dirty="0">
-                <a:solidFill>
-                  <a:srgbClr val="64DECF"/>
-                </a:solidFill>
-                <a:latin typeface="KoPubWorld돋움체 Bold" panose="00000800000000000000" pitchFamily="2" charset="-127"/>
-                <a:ea typeface="KoPubWorld돋움체 Bold" panose="00000800000000000000" pitchFamily="2" charset="-127"/>
-                <a:cs typeface="KoPubWorld돋움체 Bold" panose="00000800000000000000" pitchFamily="2" charset="-127"/>
-              </a:endParaRPr>
-            </a:p>
-          </p:txBody>
-        </p:sp>
-      </p:grpSp>
       <p:pic>
         <p:nvPicPr>
-          <p:cNvPr id="7" name="그림 6">
-            <a:extLst>
-              <a:ext uri="{FF2B5EF4-FFF2-40B4-BE49-F238E27FC236}">
-                <a16:creationId xmlns:a16="http://schemas.microsoft.com/office/drawing/2014/main" id="{0686C942-0CFA-49A4-9991-B854D1864421}"/>
+          <p:cNvPr id="11" name="그림 10">
+            <a:extLst>
+              <a:ext uri="{FF2B5EF4-FFF2-40B4-BE49-F238E27FC236}">
+                <a16:creationId xmlns:a16="http://schemas.microsoft.com/office/drawing/2014/main" id="{A70FAE9D-02F7-6A64-B403-64881D9BCE2D}"/>
               </a:ext>
             </a:extLst>
           </p:cNvPr>
@@ -14780,972 +15128,7 @@
           <p:nvPr/>
         </p:nvPicPr>
         <p:blipFill>
-          <a:blip r:embed="rId2">
-            <a:lum bright="70000" contrast="-70000"/>
-            <a:extLst>
-              <a:ext uri="{BEBA8EAE-BF5A-486C-A8C5-ECC9F3942E4B}">
-                <a14:imgProps xmlns:a14="http://schemas.microsoft.com/office/drawing/2010/main">
-                  <a14:imgLayer r:embed="rId3">
-                    <a14:imgEffect>
-                      <a14:brightnessContrast bright="100000" contrast="-70000"/>
-                    </a14:imgEffect>
-                  </a14:imgLayer>
-                </a14:imgProps>
-              </a:ext>
-              <a:ext uri="{28A0092B-C50C-407E-A947-70E740481C1C}">
-                <a14:useLocalDpi xmlns:a14="http://schemas.microsoft.com/office/drawing/2010/main" val="0"/>
-              </a:ext>
-            </a:extLst>
-          </a:blip>
-          <a:stretch>
-            <a:fillRect/>
-          </a:stretch>
-        </p:blipFill>
-        <p:spPr>
-          <a:xfrm>
-            <a:off x="2519898" y="2418654"/>
-            <a:ext cx="525558" cy="525558"/>
-          </a:xfrm>
-          <a:prstGeom prst="rect">
-            <a:avLst/>
-          </a:prstGeom>
-        </p:spPr>
-      </p:pic>
-      <p:sp>
-        <p:nvSpPr>
-          <p:cNvPr id="37" name="TextBox 36">
-            <a:extLst>
-              <a:ext uri="{FF2B5EF4-FFF2-40B4-BE49-F238E27FC236}">
-                <a16:creationId xmlns:a16="http://schemas.microsoft.com/office/drawing/2014/main" id="{C3CAB183-DEA4-4560-B11D-01DCD66BDF6D}"/>
-              </a:ext>
-            </a:extLst>
-          </p:cNvPr>
-          <p:cNvSpPr txBox="1"/>
-          <p:nvPr/>
-        </p:nvSpPr>
-        <p:spPr>
-          <a:xfrm>
-            <a:off x="1440984" y="1204753"/>
-            <a:ext cx="2358339" cy="769441"/>
-          </a:xfrm>
-          <a:prstGeom prst="rect">
-            <a:avLst/>
-          </a:prstGeom>
-          <a:noFill/>
-        </p:spPr>
-        <p:txBody>
-          <a:bodyPr wrap="none" rtlCol="0">
-            <a:spAutoFit/>
-          </a:bodyPr>
-          <a:lstStyle/>
-          <a:p>
-            <a:pPr algn="ctr"/>
-            <a:r>
-              <a:rPr lang="en-US" altLang="ko-KR" sz="4400" u="sng" dirty="0">
-                <a:latin typeface="굴림" panose="020B0600000101010101" pitchFamily="50" charset="-127"/>
-                <a:ea typeface="굴림" panose="020B0600000101010101" pitchFamily="50" charset="-127"/>
-                <a:cs typeface="KoPubWorld돋움체 Light" panose="00000300000000000000" pitchFamily="2" charset="-127"/>
-              </a:rPr>
-              <a:t>TPS</a:t>
-            </a:r>
-            <a:r>
-              <a:rPr lang="ko-KR" altLang="en-US" sz="4400" u="sng" dirty="0">
-                <a:latin typeface="굴림" panose="020B0600000101010101" pitchFamily="50" charset="-127"/>
-                <a:ea typeface="굴림" panose="020B0600000101010101" pitchFamily="50" charset="-127"/>
-                <a:cs typeface="KoPubWorld돋움체 Light" panose="00000300000000000000" pitchFamily="2" charset="-127"/>
-              </a:rPr>
-              <a:t>방식</a:t>
-            </a:r>
-            <a:endParaRPr lang="en-US" altLang="ko-KR" sz="4400" u="sng" dirty="0">
-              <a:latin typeface="굴림" panose="020B0600000101010101" pitchFamily="50" charset="-127"/>
-              <a:ea typeface="굴림" panose="020B0600000101010101" pitchFamily="50" charset="-127"/>
-              <a:cs typeface="KoPubWorld돋움체 Light" panose="00000300000000000000" pitchFamily="2" charset="-127"/>
-            </a:endParaRPr>
-          </a:p>
-        </p:txBody>
-      </p:sp>
-      <p:sp>
-        <p:nvSpPr>
-          <p:cNvPr id="9" name="TextBox 8">
-            <a:extLst>
-              <a:ext uri="{FF2B5EF4-FFF2-40B4-BE49-F238E27FC236}">
-                <a16:creationId xmlns:a16="http://schemas.microsoft.com/office/drawing/2014/main" id="{8E68655C-5F16-3FC7-3576-4700DEA6D972}"/>
-              </a:ext>
-            </a:extLst>
-          </p:cNvPr>
-          <p:cNvSpPr txBox="1"/>
-          <p:nvPr/>
-        </p:nvSpPr>
-        <p:spPr>
-          <a:xfrm>
-            <a:off x="857692" y="2418654"/>
-            <a:ext cx="9817397" cy="840038"/>
-          </a:xfrm>
-          <a:prstGeom prst="rect">
-            <a:avLst/>
-          </a:prstGeom>
-          <a:noFill/>
-        </p:spPr>
-        <p:txBody>
-          <a:bodyPr wrap="square" rtlCol="0">
-            <a:spAutoFit/>
-          </a:bodyPr>
-          <a:lstStyle/>
-          <a:p>
-            <a:pPr marL="736600">
-              <a:lnSpc>
-                <a:spcPct val="107000"/>
-              </a:lnSpc>
-              <a:spcAft>
-                <a:spcPts val="800"/>
-              </a:spcAft>
-            </a:pPr>
-            <a:endParaRPr lang="ko-KR" altLang="ko-KR" sz="1800" kern="100" dirty="0">
-              <a:effectLst/>
-              <a:latin typeface="굴림" panose="020B0600000101010101" pitchFamily="50" charset="-127"/>
-              <a:ea typeface="굴림" panose="020B0600000101010101" pitchFamily="50" charset="-127"/>
-              <a:cs typeface="Times New Roman" panose="02020603050405020304" pitchFamily="18" charset="0"/>
-            </a:endParaRPr>
-          </a:p>
-          <a:p>
-            <a:pPr marL="736600" latinLnBrk="1">
-              <a:lnSpc>
-                <a:spcPct val="107000"/>
-              </a:lnSpc>
-              <a:spcAft>
-                <a:spcPts val="800"/>
-              </a:spcAft>
-            </a:pPr>
-            <a:endParaRPr lang="en-US" altLang="ko-KR" sz="2400" dirty="0">
-              <a:latin typeface="굴림" panose="020B0600000101010101" pitchFamily="50" charset="-127"/>
-              <a:ea typeface="굴림" panose="020B0600000101010101" pitchFamily="50" charset="-127"/>
-              <a:cs typeface="KoPubWorld돋움체 Light" panose="00000300000000000000" pitchFamily="2" charset="-127"/>
-            </a:endParaRPr>
-          </a:p>
-        </p:txBody>
-      </p:sp>
-      <p:pic>
-        <p:nvPicPr>
-          <p:cNvPr id="11" name="그림 10">
-            <a:extLst>
-              <a:ext uri="{FF2B5EF4-FFF2-40B4-BE49-F238E27FC236}">
-                <a16:creationId xmlns:a16="http://schemas.microsoft.com/office/drawing/2014/main" id="{A70FAE9D-02F7-6A64-B403-64881D9BCE2D}"/>
-              </a:ext>
-            </a:extLst>
-          </p:cNvPr>
-          <p:cNvPicPr>
-            <a:picLocks noChangeAspect="1"/>
-          </p:cNvPicPr>
-          <p:nvPr/>
-        </p:nvPicPr>
-        <p:blipFill>
-          <a:blip r:embed="rId4"/>
-          <a:stretch>
-            <a:fillRect/>
-          </a:stretch>
-        </p:blipFill>
-        <p:spPr>
-          <a:xfrm>
-            <a:off x="366013" y="1133273"/>
-            <a:ext cx="1137991" cy="912402"/>
-          </a:xfrm>
-          <a:prstGeom prst="rect">
-            <a:avLst/>
-          </a:prstGeom>
-        </p:spPr>
-      </p:pic>
-      <p:pic>
-        <p:nvPicPr>
-          <p:cNvPr id="12" name="그림 11" descr="텍스트, 스크린샷, 사람, 의류이(가) 표시된 사진&#10;&#10;자동 생성된 설명">
-            <a:extLst>
-              <a:ext uri="{FF2B5EF4-FFF2-40B4-BE49-F238E27FC236}">
-                <a16:creationId xmlns:a16="http://schemas.microsoft.com/office/drawing/2014/main" id="{28A96D05-DA32-66D3-7AAB-F8B90D815210}"/>
-              </a:ext>
-            </a:extLst>
-          </p:cNvPr>
-          <p:cNvPicPr>
-            <a:picLocks noChangeAspect="1"/>
-          </p:cNvPicPr>
-          <p:nvPr/>
-        </p:nvPicPr>
-        <p:blipFill>
-          <a:blip r:embed="rId5"/>
-          <a:stretch>
-            <a:fillRect/>
-          </a:stretch>
-        </p:blipFill>
-        <p:spPr>
-          <a:xfrm>
-            <a:off x="1176670" y="2045674"/>
-            <a:ext cx="6195236" cy="3506861"/>
-          </a:xfrm>
-          <a:prstGeom prst="rect">
-            <a:avLst/>
-          </a:prstGeom>
-        </p:spPr>
-      </p:pic>
-      <p:sp>
-        <p:nvSpPr>
-          <p:cNvPr id="13" name="TextBox 12">
-            <a:extLst>
-              <a:ext uri="{FF2B5EF4-FFF2-40B4-BE49-F238E27FC236}">
-                <a16:creationId xmlns:a16="http://schemas.microsoft.com/office/drawing/2014/main" id="{27A32E20-3EE1-C5F9-9845-08B8DEFB76C3}"/>
-              </a:ext>
-            </a:extLst>
-          </p:cNvPr>
-          <p:cNvSpPr txBox="1"/>
-          <p:nvPr/>
-        </p:nvSpPr>
-        <p:spPr>
-          <a:xfrm>
-            <a:off x="1020727" y="5532085"/>
-            <a:ext cx="6659195" cy="1167371"/>
-          </a:xfrm>
-          <a:prstGeom prst="rect">
-            <a:avLst/>
-          </a:prstGeom>
-          <a:noFill/>
-        </p:spPr>
-        <p:txBody>
-          <a:bodyPr wrap="none" rtlCol="0">
-            <a:spAutoFit/>
-          </a:bodyPr>
-          <a:lstStyle/>
-          <a:p>
-            <a:pPr lvl="0" algn="just" latinLnBrk="1">
-              <a:lnSpc>
-                <a:spcPct val="107000"/>
-              </a:lnSpc>
-              <a:spcAft>
-                <a:spcPts val="800"/>
-              </a:spcAft>
-            </a:pPr>
-            <a:r>
-              <a:rPr lang="ko-KR" altLang="ko-KR" sz="1200" kern="100" dirty="0">
-                <a:effectLst/>
-                <a:latin typeface="굴림" panose="020B0600000101010101" pitchFamily="50" charset="-127"/>
-                <a:ea typeface="굴림" panose="020B0600000101010101" pitchFamily="50" charset="-127"/>
-                <a:cs typeface="Times New Roman" panose="02020603050405020304" pitchFamily="18" charset="0"/>
-              </a:rPr>
-              <a:t>①</a:t>
-            </a:r>
-            <a:r>
-              <a:rPr lang="en-US" altLang="ko-KR" sz="1200" kern="100" dirty="0">
-                <a:effectLst/>
-                <a:latin typeface="굴림" panose="020B0600000101010101" pitchFamily="50" charset="-127"/>
-                <a:ea typeface="굴림" panose="020B0600000101010101" pitchFamily="50" charset="-127"/>
-                <a:cs typeface="Times New Roman" panose="02020603050405020304" pitchFamily="18" charset="0"/>
-              </a:rPr>
-              <a:t>: </a:t>
-            </a:r>
-            <a:r>
-              <a:rPr lang="ko-KR" altLang="ko-KR" sz="1200" kern="100" dirty="0">
-                <a:effectLst/>
-                <a:latin typeface="굴림" panose="020B0600000101010101" pitchFamily="50" charset="-127"/>
-                <a:ea typeface="굴림" panose="020B0600000101010101" pitchFamily="50" charset="-127"/>
-                <a:cs typeface="Times New Roman" panose="02020603050405020304" pitchFamily="18" charset="0"/>
-              </a:rPr>
-              <a:t>초단위로 카운트 하는 타이머</a:t>
-            </a:r>
-            <a:r>
-              <a:rPr lang="en-US" altLang="ko-KR" sz="1200" kern="100" dirty="0">
-                <a:effectLst/>
-                <a:latin typeface="굴림" panose="020B0600000101010101" pitchFamily="50" charset="-127"/>
-                <a:ea typeface="굴림" panose="020B0600000101010101" pitchFamily="50" charset="-127"/>
-                <a:cs typeface="Times New Roman" panose="02020603050405020304" pitchFamily="18" charset="0"/>
-              </a:rPr>
-              <a:t>. 2</a:t>
-            </a:r>
-            <a:r>
-              <a:rPr lang="ko-KR" altLang="ko-KR" sz="1200" kern="100" dirty="0">
-                <a:effectLst/>
-                <a:latin typeface="굴림" panose="020B0600000101010101" pitchFamily="50" charset="-127"/>
-                <a:ea typeface="굴림" panose="020B0600000101010101" pitchFamily="50" charset="-127"/>
-                <a:cs typeface="Times New Roman" panose="02020603050405020304" pitchFamily="18" charset="0"/>
-              </a:rPr>
-              <a:t>분 </a:t>
-            </a:r>
-            <a:r>
-              <a:rPr lang="en-US" altLang="ko-KR" sz="1200" kern="100" dirty="0">
-                <a:effectLst/>
-                <a:latin typeface="굴림" panose="020B0600000101010101" pitchFamily="50" charset="-127"/>
-                <a:ea typeface="굴림" panose="020B0600000101010101" pitchFamily="50" charset="-127"/>
-                <a:cs typeface="Times New Roman" panose="02020603050405020304" pitchFamily="18" charset="0"/>
-              </a:rPr>
-              <a:t>(1wave)</a:t>
-            </a:r>
-            <a:r>
-              <a:rPr lang="ko-KR" altLang="ko-KR" sz="1200" kern="100" dirty="0">
-                <a:effectLst/>
-                <a:latin typeface="굴림" panose="020B0600000101010101" pitchFamily="50" charset="-127"/>
-                <a:ea typeface="굴림" panose="020B0600000101010101" pitchFamily="50" charset="-127"/>
-                <a:cs typeface="Times New Roman" panose="02020603050405020304" pitchFamily="18" charset="0"/>
-              </a:rPr>
-              <a:t>까지 카운트</a:t>
-            </a:r>
-            <a:r>
-              <a:rPr lang="en-US" altLang="ko-KR" sz="1200" kern="100" dirty="0">
-                <a:effectLst/>
-                <a:latin typeface="굴림" panose="020B0600000101010101" pitchFamily="50" charset="-127"/>
-                <a:ea typeface="굴림" panose="020B0600000101010101" pitchFamily="50" charset="-127"/>
-                <a:cs typeface="Times New Roman" panose="02020603050405020304" pitchFamily="18" charset="0"/>
-              </a:rPr>
-              <a:t>. 5</a:t>
-            </a:r>
-            <a:r>
-              <a:rPr lang="ko-KR" altLang="ko-KR" sz="1200" kern="100" dirty="0">
-                <a:effectLst/>
-                <a:latin typeface="굴림" panose="020B0600000101010101" pitchFamily="50" charset="-127"/>
-                <a:ea typeface="굴림" panose="020B0600000101010101" pitchFamily="50" charset="-127"/>
-                <a:cs typeface="Times New Roman" panose="02020603050405020304" pitchFamily="18" charset="0"/>
-              </a:rPr>
-              <a:t>칸이 모두 차면</a:t>
-            </a:r>
-            <a:r>
-              <a:rPr lang="en-US" altLang="ko-KR" sz="1200" kern="100" dirty="0">
-                <a:effectLst/>
-                <a:latin typeface="굴림" panose="020B0600000101010101" pitchFamily="50" charset="-127"/>
-                <a:ea typeface="굴림" panose="020B0600000101010101" pitchFamily="50" charset="-127"/>
-                <a:cs typeface="Times New Roman" panose="02020603050405020304" pitchFamily="18" charset="0"/>
-              </a:rPr>
-              <a:t>(10</a:t>
-            </a:r>
-            <a:r>
-              <a:rPr lang="ko-KR" altLang="ko-KR" sz="1200" kern="100" dirty="0">
-                <a:effectLst/>
-                <a:latin typeface="굴림" panose="020B0600000101010101" pitchFamily="50" charset="-127"/>
-                <a:ea typeface="굴림" panose="020B0600000101010101" pitchFamily="50" charset="-127"/>
-                <a:cs typeface="Times New Roman" panose="02020603050405020304" pitchFamily="18" charset="0"/>
-              </a:rPr>
-              <a:t>분</a:t>
-            </a:r>
-            <a:r>
-              <a:rPr lang="en-US" altLang="ko-KR" sz="1200" kern="100" dirty="0">
-                <a:effectLst/>
-                <a:latin typeface="굴림" panose="020B0600000101010101" pitchFamily="50" charset="-127"/>
-                <a:ea typeface="굴림" panose="020B0600000101010101" pitchFamily="50" charset="-127"/>
-                <a:cs typeface="Times New Roman" panose="02020603050405020304" pitchFamily="18" charset="0"/>
-              </a:rPr>
-              <a:t>) </a:t>
-            </a:r>
-            <a:r>
-              <a:rPr lang="ko-KR" altLang="ko-KR" sz="1200" kern="100" dirty="0">
-                <a:effectLst/>
-                <a:latin typeface="굴림" panose="020B0600000101010101" pitchFamily="50" charset="-127"/>
-                <a:ea typeface="굴림" panose="020B0600000101010101" pitchFamily="50" charset="-127"/>
-                <a:cs typeface="Times New Roman" panose="02020603050405020304" pitchFamily="18" charset="0"/>
-              </a:rPr>
-              <a:t>게임 종료</a:t>
-            </a:r>
-            <a:r>
-              <a:rPr lang="en-US" altLang="ko-KR" sz="1200" kern="100" dirty="0">
-                <a:effectLst/>
-                <a:latin typeface="굴림" panose="020B0600000101010101" pitchFamily="50" charset="-127"/>
-                <a:ea typeface="굴림" panose="020B0600000101010101" pitchFamily="50" charset="-127"/>
-                <a:cs typeface="Times New Roman" panose="02020603050405020304" pitchFamily="18" charset="0"/>
-              </a:rPr>
-              <a:t>.</a:t>
-            </a:r>
-            <a:endParaRPr lang="ko-KR" altLang="ko-KR" sz="1200" kern="100" dirty="0">
-              <a:effectLst/>
-              <a:latin typeface="굴림" panose="020B0600000101010101" pitchFamily="50" charset="-127"/>
-              <a:ea typeface="굴림" panose="020B0600000101010101" pitchFamily="50" charset="-127"/>
-              <a:cs typeface="Times New Roman" panose="02020603050405020304" pitchFamily="18" charset="0"/>
-            </a:endParaRPr>
-          </a:p>
-          <a:p>
-            <a:pPr lvl="0" algn="just" latinLnBrk="1">
-              <a:lnSpc>
-                <a:spcPct val="107000"/>
-              </a:lnSpc>
-              <a:spcAft>
-                <a:spcPts val="800"/>
-              </a:spcAft>
-            </a:pPr>
-            <a:r>
-              <a:rPr lang="ko-KR" altLang="ko-KR" sz="1200" kern="100" dirty="0">
-                <a:effectLst/>
-                <a:latin typeface="굴림" panose="020B0600000101010101" pitchFamily="50" charset="-127"/>
-                <a:ea typeface="굴림" panose="020B0600000101010101" pitchFamily="50" charset="-127"/>
-                <a:cs typeface="Times New Roman" panose="02020603050405020304" pitchFamily="18" charset="0"/>
-              </a:rPr>
-              <a:t>②</a:t>
-            </a:r>
-            <a:r>
-              <a:rPr lang="en-US" altLang="ko-KR" sz="1200" kern="100" dirty="0">
-                <a:effectLst/>
-                <a:latin typeface="굴림" panose="020B0600000101010101" pitchFamily="50" charset="-127"/>
-                <a:ea typeface="굴림" panose="020B0600000101010101" pitchFamily="50" charset="-127"/>
-                <a:cs typeface="Times New Roman" panose="02020603050405020304" pitchFamily="18" charset="0"/>
-              </a:rPr>
-              <a:t>: top view. </a:t>
-            </a:r>
-            <a:r>
-              <a:rPr lang="ko-KR" altLang="ko-KR" sz="1200" kern="100" dirty="0">
-                <a:effectLst/>
-                <a:latin typeface="굴림" panose="020B0600000101010101" pitchFamily="50" charset="-127"/>
-                <a:ea typeface="굴림" panose="020B0600000101010101" pitchFamily="50" charset="-127"/>
-                <a:cs typeface="Times New Roman" panose="02020603050405020304" pitchFamily="18" charset="0"/>
-              </a:rPr>
-              <a:t>플레이어의 위치와 적의 위치를 표시</a:t>
-            </a:r>
-            <a:r>
-              <a:rPr lang="en-US" altLang="ko-KR" sz="1200" kern="100" dirty="0">
-                <a:effectLst/>
-                <a:latin typeface="굴림" panose="020B0600000101010101" pitchFamily="50" charset="-127"/>
-                <a:ea typeface="굴림" panose="020B0600000101010101" pitchFamily="50" charset="-127"/>
-                <a:cs typeface="Times New Roman" panose="02020603050405020304" pitchFamily="18" charset="0"/>
-              </a:rPr>
-              <a:t>. </a:t>
-            </a:r>
-            <a:r>
-              <a:rPr lang="ko-KR" altLang="ko-KR" sz="1200" kern="100" dirty="0">
-                <a:effectLst/>
-                <a:latin typeface="굴림" panose="020B0600000101010101" pitchFamily="50" charset="-127"/>
-                <a:ea typeface="굴림" panose="020B0600000101010101" pitchFamily="50" charset="-127"/>
-                <a:cs typeface="Times New Roman" panose="02020603050405020304" pitchFamily="18" charset="0"/>
-              </a:rPr>
-              <a:t>방사능 </a:t>
-            </a:r>
-            <a:r>
-              <a:rPr lang="en-US" altLang="ko-KR" sz="1200" kern="100" dirty="0">
-                <a:effectLst/>
-                <a:latin typeface="굴림" panose="020B0600000101010101" pitchFamily="50" charset="-127"/>
-                <a:ea typeface="굴림" panose="020B0600000101010101" pitchFamily="50" charset="-127"/>
-                <a:cs typeface="Times New Roman" panose="02020603050405020304" pitchFamily="18" charset="0"/>
-              </a:rPr>
-              <a:t>zone</a:t>
-            </a:r>
-            <a:r>
-              <a:rPr lang="ko-KR" altLang="ko-KR" sz="1200" kern="100" dirty="0">
-                <a:effectLst/>
-                <a:latin typeface="굴림" panose="020B0600000101010101" pitchFamily="50" charset="-127"/>
-                <a:ea typeface="굴림" panose="020B0600000101010101" pitchFamily="50" charset="-127"/>
-                <a:cs typeface="Times New Roman" panose="02020603050405020304" pitchFamily="18" charset="0"/>
-              </a:rPr>
-              <a:t>을 빨간색 원으로 표시</a:t>
-            </a:r>
-            <a:r>
-              <a:rPr lang="en-US" altLang="ko-KR" sz="1200" kern="100" dirty="0">
-                <a:effectLst/>
-                <a:latin typeface="굴림" panose="020B0600000101010101" pitchFamily="50" charset="-127"/>
-                <a:ea typeface="굴림" panose="020B0600000101010101" pitchFamily="50" charset="-127"/>
-                <a:cs typeface="Times New Roman" panose="02020603050405020304" pitchFamily="18" charset="0"/>
-              </a:rPr>
-              <a:t>.</a:t>
-            </a:r>
-            <a:endParaRPr lang="ko-KR" altLang="ko-KR" sz="1200" kern="100" dirty="0">
-              <a:effectLst/>
-              <a:latin typeface="굴림" panose="020B0600000101010101" pitchFamily="50" charset="-127"/>
-              <a:ea typeface="굴림" panose="020B0600000101010101" pitchFamily="50" charset="-127"/>
-              <a:cs typeface="Times New Roman" panose="02020603050405020304" pitchFamily="18" charset="0"/>
-            </a:endParaRPr>
-          </a:p>
-          <a:p>
-            <a:pPr lvl="0" algn="just" latinLnBrk="1">
-              <a:lnSpc>
-                <a:spcPct val="107000"/>
-              </a:lnSpc>
-              <a:spcAft>
-                <a:spcPts val="800"/>
-              </a:spcAft>
-            </a:pPr>
-            <a:r>
-              <a:rPr lang="ko-KR" altLang="ko-KR" sz="1200" kern="100" dirty="0">
-                <a:effectLst/>
-                <a:latin typeface="굴림" panose="020B0600000101010101" pitchFamily="50" charset="-127"/>
-                <a:ea typeface="굴림" panose="020B0600000101010101" pitchFamily="50" charset="-127"/>
-                <a:cs typeface="Times New Roman" panose="02020603050405020304" pitchFamily="18" charset="0"/>
-              </a:rPr>
-              <a:t>③</a:t>
-            </a:r>
-            <a:r>
-              <a:rPr lang="en-US" altLang="ko-KR" sz="1200" kern="100" dirty="0">
-                <a:effectLst/>
-                <a:latin typeface="굴림" panose="020B0600000101010101" pitchFamily="50" charset="-127"/>
-                <a:ea typeface="굴림" panose="020B0600000101010101" pitchFamily="50" charset="-127"/>
-                <a:cs typeface="Times New Roman" panose="02020603050405020304" pitchFamily="18" charset="0"/>
-              </a:rPr>
-              <a:t>: </a:t>
-            </a:r>
-            <a:r>
-              <a:rPr lang="ko-KR" altLang="ko-KR" sz="1200" kern="100" dirty="0">
-                <a:effectLst/>
-                <a:latin typeface="굴림" panose="020B0600000101010101" pitchFamily="50" charset="-127"/>
-                <a:ea typeface="굴림" panose="020B0600000101010101" pitchFamily="50" charset="-127"/>
-                <a:cs typeface="Times New Roman" panose="02020603050405020304" pitchFamily="18" charset="0"/>
-              </a:rPr>
-              <a:t>플레이어 </a:t>
-            </a:r>
-            <a:r>
-              <a:rPr lang="en-US" altLang="ko-KR" sz="1200" kern="100" dirty="0">
-                <a:effectLst/>
-                <a:latin typeface="굴림" panose="020B0600000101010101" pitchFamily="50" charset="-127"/>
-                <a:ea typeface="굴림" panose="020B0600000101010101" pitchFamily="50" charset="-127"/>
-                <a:cs typeface="Times New Roman" panose="02020603050405020304" pitchFamily="18" charset="0"/>
-              </a:rPr>
-              <a:t>hp</a:t>
-            </a:r>
-            <a:r>
-              <a:rPr lang="ko-KR" altLang="ko-KR" sz="1200" kern="100" dirty="0">
-                <a:effectLst/>
-                <a:latin typeface="굴림" panose="020B0600000101010101" pitchFamily="50" charset="-127"/>
-                <a:ea typeface="굴림" panose="020B0600000101010101" pitchFamily="50" charset="-127"/>
-                <a:cs typeface="Times New Roman" panose="02020603050405020304" pitchFamily="18" charset="0"/>
-              </a:rPr>
-              <a:t>를 수로 표현</a:t>
-            </a:r>
-            <a:r>
-              <a:rPr lang="en-US" altLang="ko-KR" sz="1200" kern="100" dirty="0">
-                <a:effectLst/>
-                <a:latin typeface="굴림" panose="020B0600000101010101" pitchFamily="50" charset="-127"/>
-                <a:ea typeface="굴림" panose="020B0600000101010101" pitchFamily="50" charset="-127"/>
-                <a:cs typeface="Times New Roman" panose="02020603050405020304" pitchFamily="18" charset="0"/>
-              </a:rPr>
-              <a:t>. </a:t>
-            </a:r>
-            <a:r>
-              <a:rPr lang="ko-KR" altLang="ko-KR" sz="1200" kern="100" dirty="0">
-                <a:effectLst/>
-                <a:latin typeface="굴림" panose="020B0600000101010101" pitchFamily="50" charset="-127"/>
-                <a:ea typeface="굴림" panose="020B0600000101010101" pitchFamily="50" charset="-127"/>
-                <a:cs typeface="Times New Roman" panose="02020603050405020304" pitchFamily="18" charset="0"/>
-              </a:rPr>
-              <a:t>현재 사용하고 있는 총의 종류와 남은 총알의 수</a:t>
-            </a:r>
-            <a:r>
-              <a:rPr lang="en-US" altLang="ko-KR" sz="1200" kern="100" dirty="0">
-                <a:effectLst/>
-                <a:latin typeface="굴림" panose="020B0600000101010101" pitchFamily="50" charset="-127"/>
-                <a:ea typeface="굴림" panose="020B0600000101010101" pitchFamily="50" charset="-127"/>
-                <a:cs typeface="Times New Roman" panose="02020603050405020304" pitchFamily="18" charset="0"/>
-              </a:rPr>
-              <a:t>.</a:t>
-            </a:r>
-            <a:endParaRPr lang="ko-KR" altLang="ko-KR" sz="1200" kern="100" dirty="0">
-              <a:effectLst/>
-              <a:latin typeface="굴림" panose="020B0600000101010101" pitchFamily="50" charset="-127"/>
-              <a:ea typeface="굴림" panose="020B0600000101010101" pitchFamily="50" charset="-127"/>
-              <a:cs typeface="Times New Roman" panose="02020603050405020304" pitchFamily="18" charset="0"/>
-            </a:endParaRPr>
-          </a:p>
-          <a:p>
-            <a:pPr lvl="0" algn="just" latinLnBrk="1">
-              <a:lnSpc>
-                <a:spcPct val="107000"/>
-              </a:lnSpc>
-              <a:spcAft>
-                <a:spcPts val="800"/>
-              </a:spcAft>
-            </a:pPr>
-            <a:r>
-              <a:rPr lang="ko-KR" altLang="ko-KR" sz="1200" kern="100" dirty="0">
-                <a:effectLst/>
-                <a:latin typeface="굴림" panose="020B0600000101010101" pitchFamily="50" charset="-127"/>
-                <a:ea typeface="굴림" panose="020B0600000101010101" pitchFamily="50" charset="-127"/>
-                <a:cs typeface="Times New Roman" panose="02020603050405020304" pitchFamily="18" charset="0"/>
-              </a:rPr>
-              <a:t>④</a:t>
-            </a:r>
-            <a:r>
-              <a:rPr lang="en-US" altLang="ko-KR" sz="1200" kern="100" dirty="0">
-                <a:effectLst/>
-                <a:latin typeface="굴림" panose="020B0600000101010101" pitchFamily="50" charset="-127"/>
-                <a:ea typeface="굴림" panose="020B0600000101010101" pitchFamily="50" charset="-127"/>
-                <a:cs typeface="Times New Roman" panose="02020603050405020304" pitchFamily="18" charset="0"/>
-              </a:rPr>
-              <a:t>: </a:t>
-            </a:r>
-            <a:r>
-              <a:rPr lang="ko-KR" altLang="ko-KR" sz="1200" kern="100" dirty="0">
-                <a:effectLst/>
-                <a:latin typeface="굴림" panose="020B0600000101010101" pitchFamily="50" charset="-127"/>
-                <a:ea typeface="굴림" panose="020B0600000101010101" pitchFamily="50" charset="-127"/>
-                <a:cs typeface="Times New Roman" panose="02020603050405020304" pitchFamily="18" charset="0"/>
-              </a:rPr>
-              <a:t>현재 사용할 수 있는 아이템</a:t>
-            </a:r>
-            <a:r>
-              <a:rPr lang="en-US" altLang="ko-KR" sz="1200" kern="100" dirty="0">
-                <a:effectLst/>
-                <a:latin typeface="굴림" panose="020B0600000101010101" pitchFamily="50" charset="-127"/>
-                <a:ea typeface="굴림" panose="020B0600000101010101" pitchFamily="50" charset="-127"/>
-                <a:cs typeface="Times New Roman" panose="02020603050405020304" pitchFamily="18" charset="0"/>
-              </a:rPr>
-              <a:t> UI. </a:t>
-            </a:r>
-            <a:endParaRPr lang="ko-KR" altLang="ko-KR" sz="1200" kern="100" dirty="0">
-              <a:effectLst/>
-              <a:latin typeface="굴림" panose="020B0600000101010101" pitchFamily="50" charset="-127"/>
-              <a:ea typeface="굴림" panose="020B0600000101010101" pitchFamily="50" charset="-127"/>
-              <a:cs typeface="Times New Roman" panose="02020603050405020304" pitchFamily="18" charset="0"/>
-            </a:endParaRPr>
-          </a:p>
-        </p:txBody>
-      </p:sp>
-    </p:spTree>
-    <p:extLst>
-      <p:ext uri="{BB962C8B-B14F-4D97-AF65-F5344CB8AC3E}">
-        <p14:creationId xmlns:p14="http://schemas.microsoft.com/office/powerpoint/2010/main" val="880469575"/>
-      </p:ext>
-    </p:extLst>
-  </p:cSld>
-  <p:clrMapOvr>
-    <a:masterClrMapping/>
-  </p:clrMapOvr>
-</p:sld>
-</file>
-
-<file path=ppt/slides/slide7.xml><?xml version="1.0" encoding="utf-8"?>
-<p:sld xmlns:a="http://schemas.openxmlformats.org/drawingml/2006/main" xmlns:r="http://schemas.openxmlformats.org/officeDocument/2006/relationships" xmlns:p="http://schemas.openxmlformats.org/presentationml/2006/main">
-  <p:cSld>
-    <p:spTree>
-      <p:nvGrpSpPr>
-        <p:cNvPr id="1" name=""/>
-        <p:cNvGrpSpPr/>
-        <p:nvPr/>
-      </p:nvGrpSpPr>
-      <p:grpSpPr>
-        <a:xfrm>
-          <a:off x="0" y="0"/>
-          <a:ext cx="0" cy="0"/>
-          <a:chOff x="0" y="0"/>
-          <a:chExt cx="0" cy="0"/>
-        </a:xfrm>
-      </p:grpSpPr>
-      <p:sp>
-        <p:nvSpPr>
-          <p:cNvPr id="23" name="직사각형 22">
-            <a:extLst>
-              <a:ext uri="{FF2B5EF4-FFF2-40B4-BE49-F238E27FC236}">
-                <a16:creationId xmlns:a16="http://schemas.microsoft.com/office/drawing/2014/main" id="{505D9C9E-8325-4A59-BEFC-3BC22C85BDAD}"/>
-              </a:ext>
-            </a:extLst>
-          </p:cNvPr>
-          <p:cNvSpPr/>
-          <p:nvPr/>
-        </p:nvSpPr>
-        <p:spPr>
-          <a:xfrm flipV="1">
-            <a:off x="557400" y="1001162"/>
-            <a:ext cx="11077200" cy="18000"/>
-          </a:xfrm>
-          <a:prstGeom prst="rect">
-            <a:avLst/>
-          </a:prstGeom>
-          <a:solidFill>
-            <a:srgbClr val="64DECF"/>
-          </a:solidFill>
-          <a:ln>
-            <a:noFill/>
-          </a:ln>
-        </p:spPr>
-        <p:style>
-          <a:lnRef idx="2">
-            <a:schemeClr val="accent1">
-              <a:shade val="50000"/>
-            </a:schemeClr>
-          </a:lnRef>
-          <a:fillRef idx="1">
-            <a:schemeClr val="accent1"/>
-          </a:fillRef>
-          <a:effectRef idx="0">
-            <a:schemeClr val="accent1"/>
-          </a:effectRef>
-          <a:fontRef idx="minor">
-            <a:schemeClr val="lt1"/>
-          </a:fontRef>
-        </p:style>
-        <p:txBody>
-          <a:bodyPr rtlCol="0" anchor="ctr"/>
-          <a:lstStyle/>
-          <a:p>
-            <a:pPr algn="ctr"/>
-            <a:endParaRPr lang="ko-KR" altLang="en-US"/>
-          </a:p>
-        </p:txBody>
-      </p:sp>
-      <p:grpSp>
-        <p:nvGrpSpPr>
-          <p:cNvPr id="6" name="그룹 5">
-            <a:extLst>
-              <a:ext uri="{FF2B5EF4-FFF2-40B4-BE49-F238E27FC236}">
-                <a16:creationId xmlns:a16="http://schemas.microsoft.com/office/drawing/2014/main" id="{1B0813F0-0608-43A3-9E53-0BA015EDE231}"/>
-              </a:ext>
-            </a:extLst>
-          </p:cNvPr>
-          <p:cNvGrpSpPr/>
-          <p:nvPr/>
-        </p:nvGrpSpPr>
-        <p:grpSpPr>
-          <a:xfrm>
-            <a:off x="4105427" y="188165"/>
-            <a:ext cx="4698331" cy="830997"/>
-            <a:chOff x="3819245" y="188165"/>
-            <a:chExt cx="4011835" cy="830997"/>
-          </a:xfrm>
-        </p:grpSpPr>
-        <p:sp>
-          <p:nvSpPr>
-            <p:cNvPr id="5" name="직사각형 4">
-              <a:extLst>
-                <a:ext uri="{FF2B5EF4-FFF2-40B4-BE49-F238E27FC236}">
-                  <a16:creationId xmlns:a16="http://schemas.microsoft.com/office/drawing/2014/main" id="{7D0033C3-456D-4151-9AAB-F0A2E961A5B6}"/>
-                </a:ext>
-              </a:extLst>
-            </p:cNvPr>
-            <p:cNvSpPr/>
-            <p:nvPr/>
-          </p:nvSpPr>
-          <p:spPr>
-            <a:xfrm>
-              <a:off x="4633790" y="302276"/>
-              <a:ext cx="3197290" cy="584775"/>
-            </a:xfrm>
-            <a:prstGeom prst="rect">
-              <a:avLst/>
-            </a:prstGeom>
-          </p:spPr>
-          <p:txBody>
-            <a:bodyPr wrap="square">
-              <a:spAutoFit/>
-            </a:bodyPr>
-            <a:lstStyle/>
-            <a:p>
-              <a:r>
-                <a:rPr lang="ko-KR" altLang="en-US" sz="3200" dirty="0">
-                  <a:latin typeface="굴림" panose="020B0600000101010101" pitchFamily="50" charset="-127"/>
-                  <a:ea typeface="굴림" panose="020B0600000101010101" pitchFamily="50" charset="-127"/>
-                  <a:cs typeface="KoPubWorld돋움체 Bold" panose="00000800000000000000" pitchFamily="2" charset="-127"/>
-                </a:rPr>
-                <a:t>게임소개</a:t>
-              </a:r>
-              <a:endParaRPr lang="en-US" altLang="ko-KR" sz="3200" dirty="0">
-                <a:latin typeface="굴림" panose="020B0600000101010101" pitchFamily="50" charset="-127"/>
-                <a:ea typeface="굴림" panose="020B0600000101010101" pitchFamily="50" charset="-127"/>
-                <a:cs typeface="KoPubWorld돋움체 Bold" panose="00000800000000000000" pitchFamily="2" charset="-127"/>
-              </a:endParaRPr>
-            </a:p>
-          </p:txBody>
-        </p:sp>
-        <p:sp>
-          <p:nvSpPr>
-            <p:cNvPr id="24" name="TextBox 23">
-              <a:extLst>
-                <a:ext uri="{FF2B5EF4-FFF2-40B4-BE49-F238E27FC236}">
-                  <a16:creationId xmlns:a16="http://schemas.microsoft.com/office/drawing/2014/main" id="{1841637C-F02D-4ED4-9B17-10A92FFC6619}"/>
-                </a:ext>
-              </a:extLst>
-            </p:cNvPr>
-            <p:cNvSpPr txBox="1"/>
-            <p:nvPr/>
-          </p:nvSpPr>
-          <p:spPr>
-            <a:xfrm>
-              <a:off x="3819245" y="188165"/>
-              <a:ext cx="768159" cy="830997"/>
-            </a:xfrm>
-            <a:prstGeom prst="rect">
-              <a:avLst/>
-            </a:prstGeom>
-            <a:noFill/>
-          </p:spPr>
-          <p:txBody>
-            <a:bodyPr wrap="none" rtlCol="0">
-              <a:spAutoFit/>
-            </a:bodyPr>
-            <a:lstStyle/>
-            <a:p>
-              <a:r>
-                <a:rPr lang="en-US" altLang="ko-KR" sz="4800" b="1" dirty="0">
-                  <a:solidFill>
-                    <a:srgbClr val="64DECF"/>
-                  </a:solidFill>
-                  <a:latin typeface="KoPubWorld돋움체 Bold" panose="00000800000000000000" pitchFamily="2" charset="-127"/>
-                  <a:ea typeface="KoPubWorld돋움체 Bold" panose="00000800000000000000" pitchFamily="2" charset="-127"/>
-                  <a:cs typeface="KoPubWorld돋움체 Bold" panose="00000800000000000000" pitchFamily="2" charset="-127"/>
-                </a:rPr>
-                <a:t>02</a:t>
-              </a:r>
-              <a:endParaRPr lang="ko-KR" altLang="en-US" sz="4800" b="1" dirty="0">
-                <a:solidFill>
-                  <a:srgbClr val="64DECF"/>
-                </a:solidFill>
-                <a:latin typeface="KoPubWorld돋움체 Bold" panose="00000800000000000000" pitchFamily="2" charset="-127"/>
-                <a:ea typeface="KoPubWorld돋움체 Bold" panose="00000800000000000000" pitchFamily="2" charset="-127"/>
-                <a:cs typeface="KoPubWorld돋움체 Bold" panose="00000800000000000000" pitchFamily="2" charset="-127"/>
-              </a:endParaRPr>
-            </a:p>
-          </p:txBody>
-        </p:sp>
-      </p:grpSp>
-      <p:pic>
-        <p:nvPicPr>
-          <p:cNvPr id="7" name="그림 6">
-            <a:extLst>
-              <a:ext uri="{FF2B5EF4-FFF2-40B4-BE49-F238E27FC236}">
-                <a16:creationId xmlns:a16="http://schemas.microsoft.com/office/drawing/2014/main" id="{0686C942-0CFA-49A4-9991-B854D1864421}"/>
-              </a:ext>
-            </a:extLst>
-          </p:cNvPr>
-          <p:cNvPicPr>
-            <a:picLocks noChangeAspect="1"/>
-          </p:cNvPicPr>
-          <p:nvPr/>
-        </p:nvPicPr>
-        <p:blipFill>
-          <a:blip r:embed="rId2">
-            <a:lum bright="70000" contrast="-70000"/>
-            <a:extLst>
-              <a:ext uri="{BEBA8EAE-BF5A-486C-A8C5-ECC9F3942E4B}">
-                <a14:imgProps xmlns:a14="http://schemas.microsoft.com/office/drawing/2010/main">
-                  <a14:imgLayer r:embed="rId3">
-                    <a14:imgEffect>
-                      <a14:brightnessContrast bright="100000" contrast="-70000"/>
-                    </a14:imgEffect>
-                  </a14:imgLayer>
-                </a14:imgProps>
-              </a:ext>
-              <a:ext uri="{28A0092B-C50C-407E-A947-70E740481C1C}">
-                <a14:useLocalDpi xmlns:a14="http://schemas.microsoft.com/office/drawing/2010/main" val="0"/>
-              </a:ext>
-            </a:extLst>
-          </a:blip>
-          <a:stretch>
-            <a:fillRect/>
-          </a:stretch>
-        </p:blipFill>
-        <p:spPr>
-          <a:xfrm>
-            <a:off x="2519898" y="2418654"/>
-            <a:ext cx="525558" cy="525558"/>
-          </a:xfrm>
-          <a:prstGeom prst="rect">
-            <a:avLst/>
-          </a:prstGeom>
-        </p:spPr>
-      </p:pic>
-      <p:sp>
-        <p:nvSpPr>
-          <p:cNvPr id="37" name="TextBox 36">
-            <a:extLst>
-              <a:ext uri="{FF2B5EF4-FFF2-40B4-BE49-F238E27FC236}">
-                <a16:creationId xmlns:a16="http://schemas.microsoft.com/office/drawing/2014/main" id="{C3CAB183-DEA4-4560-B11D-01DCD66BDF6D}"/>
-              </a:ext>
-            </a:extLst>
-          </p:cNvPr>
-          <p:cNvSpPr txBox="1"/>
-          <p:nvPr/>
-        </p:nvSpPr>
-        <p:spPr>
-          <a:xfrm>
-            <a:off x="1504004" y="1147697"/>
-            <a:ext cx="3193503" cy="769441"/>
-          </a:xfrm>
-          <a:prstGeom prst="rect">
-            <a:avLst/>
-          </a:prstGeom>
-          <a:noFill/>
-        </p:spPr>
-        <p:txBody>
-          <a:bodyPr wrap="none" rtlCol="0">
-            <a:spAutoFit/>
-          </a:bodyPr>
-          <a:lstStyle/>
-          <a:p>
-            <a:pPr algn="ctr"/>
-            <a:r>
-              <a:rPr lang="ko-KR" altLang="en-US" sz="4400" u="sng">
-                <a:latin typeface="굴림" panose="020B0600000101010101" pitchFamily="50" charset="-127"/>
-                <a:ea typeface="굴림" panose="020B0600000101010101" pitchFamily="50" charset="-127"/>
-                <a:cs typeface="KoPubWorld돋움체 Light" panose="00000300000000000000" pitchFamily="2" charset="-127"/>
-              </a:rPr>
-              <a:t>키보드 조작</a:t>
-            </a:r>
-            <a:endParaRPr lang="en-US" altLang="ko-KR" sz="4400" u="sng" dirty="0">
-              <a:latin typeface="굴림" panose="020B0600000101010101" pitchFamily="50" charset="-127"/>
-              <a:ea typeface="굴림" panose="020B0600000101010101" pitchFamily="50" charset="-127"/>
-              <a:cs typeface="KoPubWorld돋움체 Light" panose="00000300000000000000" pitchFamily="2" charset="-127"/>
-            </a:endParaRPr>
-          </a:p>
-        </p:txBody>
-      </p:sp>
-      <p:sp>
-        <p:nvSpPr>
-          <p:cNvPr id="9" name="TextBox 8">
-            <a:extLst>
-              <a:ext uri="{FF2B5EF4-FFF2-40B4-BE49-F238E27FC236}">
-                <a16:creationId xmlns:a16="http://schemas.microsoft.com/office/drawing/2014/main" id="{8E68655C-5F16-3FC7-3576-4700DEA6D972}"/>
-              </a:ext>
-            </a:extLst>
-          </p:cNvPr>
-          <p:cNvSpPr txBox="1"/>
-          <p:nvPr/>
-        </p:nvSpPr>
-        <p:spPr>
-          <a:xfrm>
-            <a:off x="1409829" y="2086510"/>
-            <a:ext cx="9817397" cy="840038"/>
-          </a:xfrm>
-          <a:prstGeom prst="rect">
-            <a:avLst/>
-          </a:prstGeom>
-          <a:noFill/>
-        </p:spPr>
-        <p:txBody>
-          <a:bodyPr wrap="square" rtlCol="0">
-            <a:spAutoFit/>
-          </a:bodyPr>
-          <a:lstStyle/>
-          <a:p>
-            <a:pPr marL="736600">
-              <a:lnSpc>
-                <a:spcPct val="107000"/>
-              </a:lnSpc>
-              <a:spcAft>
-                <a:spcPts val="800"/>
-              </a:spcAft>
-            </a:pPr>
-            <a:endParaRPr lang="ko-KR" altLang="ko-KR" sz="1800" kern="100" dirty="0">
-              <a:effectLst/>
-              <a:latin typeface="굴림" panose="020B0600000101010101" pitchFamily="50" charset="-127"/>
-              <a:ea typeface="굴림" panose="020B0600000101010101" pitchFamily="50" charset="-127"/>
-              <a:cs typeface="Times New Roman" panose="02020603050405020304" pitchFamily="18" charset="0"/>
-            </a:endParaRPr>
-          </a:p>
-          <a:p>
-            <a:pPr marL="736600" latinLnBrk="1">
-              <a:lnSpc>
-                <a:spcPct val="107000"/>
-              </a:lnSpc>
-              <a:spcAft>
-                <a:spcPts val="800"/>
-              </a:spcAft>
-            </a:pPr>
-            <a:endParaRPr lang="en-US" altLang="ko-KR" sz="2400" dirty="0">
-              <a:latin typeface="굴림" panose="020B0600000101010101" pitchFamily="50" charset="-127"/>
-              <a:ea typeface="굴림" panose="020B0600000101010101" pitchFamily="50" charset="-127"/>
-              <a:cs typeface="KoPubWorld돋움체 Light" panose="00000300000000000000" pitchFamily="2" charset="-127"/>
-            </a:endParaRPr>
-          </a:p>
-        </p:txBody>
-      </p:sp>
-      <p:pic>
-        <p:nvPicPr>
-          <p:cNvPr id="11" name="그림 10">
-            <a:extLst>
-              <a:ext uri="{FF2B5EF4-FFF2-40B4-BE49-F238E27FC236}">
-                <a16:creationId xmlns:a16="http://schemas.microsoft.com/office/drawing/2014/main" id="{A70FAE9D-02F7-6A64-B403-64881D9BCE2D}"/>
-              </a:ext>
-            </a:extLst>
-          </p:cNvPr>
-          <p:cNvPicPr>
-            <a:picLocks noChangeAspect="1"/>
-          </p:cNvPicPr>
-          <p:nvPr/>
-        </p:nvPicPr>
-        <p:blipFill>
-          <a:blip r:embed="rId4"/>
+          <a:blip r:embed="rId2"/>
           <a:stretch>
             <a:fillRect/>
           </a:stretch>
@@ -15793,7 +15176,7 @@
             <p:nvPr/>
           </p:nvPicPr>
           <p:blipFill>
-            <a:blip r:embed="rId5">
+            <a:blip r:embed="rId3">
               <a:alphaModFix/>
             </a:blip>
             <a:stretch>
@@ -15958,7 +15341,7 @@
           <p:nvPr/>
         </p:nvPicPr>
         <p:blipFill rotWithShape="1">
-          <a:blip r:embed="rId6">
+          <a:blip r:embed="rId4">
             <a:alphaModFix/>
           </a:blip>
           <a:srcRect l="1760" r="1499"/>
@@ -15991,7 +15374,7 @@
           <p:nvPr/>
         </p:nvPicPr>
         <p:blipFill>
-          <a:blip r:embed="rId7">
+          <a:blip r:embed="rId5">
             <a:alphaModFix amt="50000"/>
           </a:blip>
           <a:stretch>
@@ -16092,7 +15475,7 @@
         </p:nvSpPr>
         <p:spPr>
           <a:xfrm>
-            <a:off x="1212374" y="2558057"/>
+            <a:off x="1613830" y="2413737"/>
             <a:ext cx="2680280" cy="380400"/>
           </a:xfrm>
           <a:prstGeom prst="rect">
@@ -16139,7 +15522,7 @@
           <p:nvPr/>
         </p:nvPicPr>
         <p:blipFill>
-          <a:blip r:embed="rId8">
+          <a:blip r:embed="rId6">
             <a:alphaModFix amt="50000"/>
           </a:blip>
           <a:stretch>
@@ -16287,7 +15670,7 @@
           <p:nvPr/>
         </p:nvPicPr>
         <p:blipFill>
-          <a:blip r:embed="rId7">
+          <a:blip r:embed="rId5">
             <a:alphaModFix amt="50000"/>
           </a:blip>
           <a:stretch>
@@ -16321,7 +15704,7 @@
           <p:nvPr/>
         </p:nvPicPr>
         <p:blipFill>
-          <a:blip r:embed="rId7">
+          <a:blip r:embed="rId5">
             <a:alphaModFix amt="50000"/>
           </a:blip>
           <a:stretch>
@@ -16355,7 +15738,7 @@
           <p:nvPr/>
         </p:nvPicPr>
         <p:blipFill>
-          <a:blip r:embed="rId7">
+          <a:blip r:embed="rId5">
             <a:alphaModFix amt="50000"/>
           </a:blip>
           <a:stretch>
@@ -17522,52 +16905,6 @@
           </p:txBody>
         </p:sp>
       </p:grpSp>
-      <p:pic>
-        <p:nvPicPr>
-          <p:cNvPr id="7" name="그림 6">
-            <a:extLst>
-              <a:ext uri="{FF2B5EF4-FFF2-40B4-BE49-F238E27FC236}">
-                <a16:creationId xmlns:a16="http://schemas.microsoft.com/office/drawing/2014/main" id="{0686C942-0CFA-49A4-9991-B854D1864421}"/>
-              </a:ext>
-            </a:extLst>
-          </p:cNvPr>
-          <p:cNvPicPr>
-            <a:picLocks noChangeAspect="1"/>
-          </p:cNvPicPr>
-          <p:nvPr/>
-        </p:nvPicPr>
-        <p:blipFill>
-          <a:blip r:embed="rId2">
-            <a:lum bright="70000" contrast="-70000"/>
-            <a:extLst>
-              <a:ext uri="{BEBA8EAE-BF5A-486C-A8C5-ECC9F3942E4B}">
-                <a14:imgProps xmlns:a14="http://schemas.microsoft.com/office/drawing/2010/main">
-                  <a14:imgLayer r:embed="rId3">
-                    <a14:imgEffect>
-                      <a14:brightnessContrast bright="100000" contrast="-70000"/>
-                    </a14:imgEffect>
-                  </a14:imgLayer>
-                </a14:imgProps>
-              </a:ext>
-              <a:ext uri="{28A0092B-C50C-407E-A947-70E740481C1C}">
-                <a14:useLocalDpi xmlns:a14="http://schemas.microsoft.com/office/drawing/2010/main" val="0"/>
-              </a:ext>
-            </a:extLst>
-          </a:blip>
-          <a:stretch>
-            <a:fillRect/>
-          </a:stretch>
-        </p:blipFill>
-        <p:spPr>
-          <a:xfrm>
-            <a:off x="1620012" y="2862537"/>
-            <a:ext cx="525558" cy="525558"/>
-          </a:xfrm>
-          <a:prstGeom prst="rect">
-            <a:avLst/>
-          </a:prstGeom>
-        </p:spPr>
-      </p:pic>
       <p:sp>
         <p:nvSpPr>
           <p:cNvPr id="37" name="TextBox 36">
@@ -17613,12 +16950,72 @@
           </a:p>
         </p:txBody>
       </p:sp>
+      <p:pic>
+        <p:nvPicPr>
+          <p:cNvPr id="11" name="그림 10">
+            <a:extLst>
+              <a:ext uri="{FF2B5EF4-FFF2-40B4-BE49-F238E27FC236}">
+                <a16:creationId xmlns:a16="http://schemas.microsoft.com/office/drawing/2014/main" id="{A70FAE9D-02F7-6A64-B403-64881D9BCE2D}"/>
+              </a:ext>
+            </a:extLst>
+          </p:cNvPr>
+          <p:cNvPicPr>
+            <a:picLocks noChangeAspect="1"/>
+          </p:cNvPicPr>
+          <p:nvPr/>
+        </p:nvPicPr>
+        <p:blipFill>
+          <a:blip r:embed="rId2"/>
+          <a:stretch>
+            <a:fillRect/>
+          </a:stretch>
+        </p:blipFill>
+        <p:spPr>
+          <a:xfrm>
+            <a:off x="366013" y="1133273"/>
+            <a:ext cx="1137991" cy="912402"/>
+          </a:xfrm>
+          <a:prstGeom prst="rect">
+            <a:avLst/>
+          </a:prstGeom>
+        </p:spPr>
+      </p:pic>
+      <p:pic>
+        <p:nvPicPr>
+          <p:cNvPr id="10" name="그림 9">
+            <a:extLst>
+              <a:ext uri="{FF2B5EF4-FFF2-40B4-BE49-F238E27FC236}">
+                <a16:creationId xmlns:a16="http://schemas.microsoft.com/office/drawing/2014/main" id="{4C08FDEB-A590-1929-E812-67695D890E3D}"/>
+              </a:ext>
+            </a:extLst>
+          </p:cNvPr>
+          <p:cNvPicPr>
+            <a:picLocks noChangeAspect="1"/>
+          </p:cNvPicPr>
+          <p:nvPr/>
+        </p:nvPicPr>
+        <p:blipFill>
+          <a:blip r:embed="rId3"/>
+          <a:stretch>
+            <a:fillRect/>
+          </a:stretch>
+        </p:blipFill>
+        <p:spPr>
+          <a:xfrm>
+            <a:off x="912911" y="2791914"/>
+            <a:ext cx="1013637" cy="1013637"/>
+          </a:xfrm>
+          <a:prstGeom prst="rect">
+            <a:avLst/>
+          </a:prstGeom>
+        </p:spPr>
+      </p:pic>
       <p:sp>
         <p:nvSpPr>
-          <p:cNvPr id="9" name="TextBox 8">
-            <a:extLst>
-              <a:ext uri="{FF2B5EF4-FFF2-40B4-BE49-F238E27FC236}">
-                <a16:creationId xmlns:a16="http://schemas.microsoft.com/office/drawing/2014/main" id="{8E68655C-5F16-3FC7-3576-4700DEA6D972}"/>
+          <p:cNvPr id="13" name="TextBox 12">
+            <a:extLst>
+              <a:ext uri="{FF2B5EF4-FFF2-40B4-BE49-F238E27FC236}">
+                <a16:creationId xmlns:a16="http://schemas.microsoft.com/office/drawing/2014/main" id="{94B39D9E-41AA-3B34-F4B1-EB0FD179D47A}"/>
               </a:ext>
             </a:extLst>
           </p:cNvPr>
@@ -17627,8 +17024,8 @@
         </p:nvSpPr>
         <p:spPr>
           <a:xfrm>
-            <a:off x="-70379" y="2586766"/>
-            <a:ext cx="9817397" cy="840038"/>
+            <a:off x="1880172" y="2824279"/>
+            <a:ext cx="6750566" cy="584775"/>
           </a:xfrm>
           <a:prstGeom prst="rect">
             <a:avLst/>
@@ -17636,36 +17033,141 @@
           <a:noFill/>
         </p:spPr>
         <p:txBody>
-          <a:bodyPr wrap="square" rtlCol="0">
+          <a:bodyPr wrap="none" rtlCol="0">
             <a:spAutoFit/>
           </a:bodyPr>
           <a:lstStyle/>
           <a:p>
-            <a:pPr marL="736600">
-              <a:lnSpc>
-                <a:spcPct val="107000"/>
-              </a:lnSpc>
-              <a:spcAft>
-                <a:spcPts val="800"/>
-              </a:spcAft>
-            </a:pPr>
-            <a:endParaRPr lang="ko-KR" altLang="ko-KR" sz="1800" kern="100" dirty="0">
-              <a:effectLst/>
-              <a:latin typeface="굴림" panose="020B0600000101010101" pitchFamily="50" charset="-127"/>
-              <a:ea typeface="굴림" panose="020B0600000101010101" pitchFamily="50" charset="-127"/>
-              <a:cs typeface="Times New Roman" panose="02020603050405020304" pitchFamily="18" charset="0"/>
-            </a:endParaRPr>
-          </a:p>
-          <a:p>
-            <a:pPr marL="736600" latinLnBrk="1">
-              <a:lnSpc>
-                <a:spcPct val="107000"/>
-              </a:lnSpc>
-              <a:spcAft>
-                <a:spcPts val="800"/>
-              </a:spcAft>
-            </a:pPr>
-            <a:endParaRPr lang="en-US" altLang="ko-KR" sz="2400" dirty="0">
+            <a:pPr algn="ctr"/>
+            <a:r>
+              <a:rPr lang="ko-KR" altLang="en-US" sz="3200" dirty="0">
+                <a:latin typeface="굴림" panose="020B0600000101010101" pitchFamily="50" charset="-127"/>
+                <a:ea typeface="굴림" panose="020B0600000101010101" pitchFamily="50" charset="-127"/>
+                <a:cs typeface="KoPubWorld돋움체 Light" panose="00000300000000000000" pitchFamily="2" charset="-127"/>
+              </a:rPr>
+              <a:t>투시경</a:t>
+            </a:r>
+            <a:r>
+              <a:rPr lang="en-US" altLang="ko-KR" sz="3200" dirty="0">
+                <a:latin typeface="굴림" panose="020B0600000101010101" pitchFamily="50" charset="-127"/>
+                <a:ea typeface="굴림" panose="020B0600000101010101" pitchFamily="50" charset="-127"/>
+                <a:cs typeface="KoPubWorld돋움체 Light" panose="00000300000000000000" pitchFamily="2" charset="-127"/>
+              </a:rPr>
+              <a:t>: </a:t>
+            </a:r>
+            <a:r>
+              <a:rPr lang="ko-KR" altLang="en-US" sz="3200" dirty="0">
+                <a:latin typeface="굴림" panose="020B0600000101010101" pitchFamily="50" charset="-127"/>
+                <a:ea typeface="굴림" panose="020B0600000101010101" pitchFamily="50" charset="-127"/>
+                <a:cs typeface="KoPubWorld돋움체 Light" panose="00000300000000000000" pitchFamily="2" charset="-127"/>
+              </a:rPr>
+              <a:t>투명한 적을 보이게 해준다</a:t>
+            </a:r>
+            <a:r>
+              <a:rPr lang="en-US" altLang="ko-KR" sz="3200" dirty="0">
+                <a:latin typeface="굴림" panose="020B0600000101010101" pitchFamily="50" charset="-127"/>
+                <a:ea typeface="굴림" panose="020B0600000101010101" pitchFamily="50" charset="-127"/>
+                <a:cs typeface="KoPubWorld돋움체 Light" panose="00000300000000000000" pitchFamily="2" charset="-127"/>
+              </a:rPr>
+              <a:t>.</a:t>
+            </a:r>
+          </a:p>
+        </p:txBody>
+      </p:sp>
+      <p:sp>
+        <p:nvSpPr>
+          <p:cNvPr id="14" name="TextBox 13">
+            <a:extLst>
+              <a:ext uri="{FF2B5EF4-FFF2-40B4-BE49-F238E27FC236}">
+                <a16:creationId xmlns:a16="http://schemas.microsoft.com/office/drawing/2014/main" id="{296D4A7D-D2DE-38D1-908F-1176B15B31A9}"/>
+              </a:ext>
+            </a:extLst>
+          </p:cNvPr>
+          <p:cNvSpPr txBox="1"/>
+          <p:nvPr/>
+        </p:nvSpPr>
+        <p:spPr>
+          <a:xfrm>
+            <a:off x="1882569" y="3409054"/>
+            <a:ext cx="6933308" cy="400110"/>
+          </a:xfrm>
+          <a:prstGeom prst="rect">
+            <a:avLst/>
+          </a:prstGeom>
+          <a:noFill/>
+        </p:spPr>
+        <p:txBody>
+          <a:bodyPr wrap="none" rtlCol="0">
+            <a:spAutoFit/>
+          </a:bodyPr>
+          <a:lstStyle/>
+          <a:p>
+            <a:pPr algn="ctr"/>
+            <a:r>
+              <a:rPr lang="ko-KR" altLang="en-US" sz="2000" dirty="0" err="1">
+                <a:latin typeface="굴림" panose="020B0600000101010101" pitchFamily="50" charset="-127"/>
+                <a:ea typeface="굴림" panose="020B0600000101010101" pitchFamily="50" charset="-127"/>
+                <a:cs typeface="KoPubWorld돋움체 Light" panose="00000300000000000000" pitchFamily="2" charset="-127"/>
+              </a:rPr>
+              <a:t>얻는법</a:t>
+            </a:r>
+            <a:r>
+              <a:rPr lang="en-US" altLang="ko-KR" sz="2000" dirty="0">
+                <a:latin typeface="굴림" panose="020B0600000101010101" pitchFamily="50" charset="-127"/>
+                <a:ea typeface="굴림" panose="020B0600000101010101" pitchFamily="50" charset="-127"/>
+                <a:cs typeface="KoPubWorld돋움체 Light" panose="00000300000000000000" pitchFamily="2" charset="-127"/>
+              </a:rPr>
+              <a:t>: </a:t>
+            </a:r>
+            <a:r>
+              <a:rPr lang="ko-KR" altLang="en-US" sz="2000" dirty="0">
+                <a:latin typeface="굴림" panose="020B0600000101010101" pitchFamily="50" charset="-127"/>
+                <a:ea typeface="굴림" panose="020B0600000101010101" pitchFamily="50" charset="-127"/>
+                <a:cs typeface="KoPubWorld돋움체 Light" panose="00000300000000000000" pitchFamily="2" charset="-127"/>
+              </a:rPr>
+              <a:t>바닥에 </a:t>
+            </a:r>
+            <a:r>
+              <a:rPr lang="ko-KR" altLang="en-US" sz="2000" dirty="0" err="1">
+                <a:latin typeface="굴림" panose="020B0600000101010101" pitchFamily="50" charset="-127"/>
+                <a:ea typeface="굴림" panose="020B0600000101010101" pitchFamily="50" charset="-127"/>
+                <a:cs typeface="KoPubWorld돋움체 Light" panose="00000300000000000000" pitchFamily="2" charset="-127"/>
+              </a:rPr>
+              <a:t>떨어져있고</a:t>
+            </a:r>
+            <a:r>
+              <a:rPr lang="en-US" altLang="ko-KR" sz="2000" dirty="0">
+                <a:latin typeface="굴림" panose="020B0600000101010101" pitchFamily="50" charset="-127"/>
+                <a:ea typeface="굴림" panose="020B0600000101010101" pitchFamily="50" charset="-127"/>
+                <a:cs typeface="KoPubWorld돋움체 Light" panose="00000300000000000000" pitchFamily="2" charset="-127"/>
+              </a:rPr>
+              <a:t>, </a:t>
+            </a:r>
+            <a:r>
+              <a:rPr lang="ko-KR" altLang="en-US" sz="2000" dirty="0">
+                <a:latin typeface="굴림" panose="020B0600000101010101" pitchFamily="50" charset="-127"/>
+                <a:ea typeface="굴림" panose="020B0600000101010101" pitchFamily="50" charset="-127"/>
+                <a:cs typeface="KoPubWorld돋움체 Light" panose="00000300000000000000" pitchFamily="2" charset="-127"/>
+              </a:rPr>
+              <a:t>특정 키 또는 </a:t>
+            </a:r>
+            <a:r>
+              <a:rPr lang="ko-KR" altLang="en-US" sz="2000" dirty="0" err="1">
+                <a:latin typeface="굴림" panose="020B0600000101010101" pitchFamily="50" charset="-127"/>
+                <a:ea typeface="굴림" panose="020B0600000101010101" pitchFamily="50" charset="-127"/>
+                <a:cs typeface="KoPubWorld돋움체 Light" panose="00000300000000000000" pitchFamily="2" charset="-127"/>
+              </a:rPr>
+              <a:t>충돌시</a:t>
+            </a:r>
+            <a:r>
+              <a:rPr lang="ko-KR" altLang="en-US" sz="2000" dirty="0">
+                <a:latin typeface="굴림" panose="020B0600000101010101" pitchFamily="50" charset="-127"/>
+                <a:ea typeface="굴림" panose="020B0600000101010101" pitchFamily="50" charset="-127"/>
+                <a:cs typeface="KoPubWorld돋움체 Light" panose="00000300000000000000" pitchFamily="2" charset="-127"/>
+              </a:rPr>
+              <a:t> 자동 장착</a:t>
+            </a:r>
+            <a:endParaRPr lang="en-US" altLang="ko-KR" sz="2000" dirty="0">
               <a:latin typeface="굴림" panose="020B0600000101010101" pitchFamily="50" charset="-127"/>
               <a:ea typeface="굴림" panose="020B0600000101010101" pitchFamily="50" charset="-127"/>
               <a:cs typeface="KoPubWorld돋움체 Light" panose="00000300000000000000" pitchFamily="2" charset="-127"/>
@@ -17673,12 +17175,190 @@
           </a:p>
         </p:txBody>
       </p:sp>
+      <p:sp>
+        <p:nvSpPr>
+          <p:cNvPr id="21" name="TextBox 20">
+            <a:extLst>
+              <a:ext uri="{FF2B5EF4-FFF2-40B4-BE49-F238E27FC236}">
+                <a16:creationId xmlns:a16="http://schemas.microsoft.com/office/drawing/2014/main" id="{E12B03CA-4E5A-A0B3-2454-16DB0273F19A}"/>
+              </a:ext>
+            </a:extLst>
+          </p:cNvPr>
+          <p:cNvSpPr txBox="1"/>
+          <p:nvPr/>
+        </p:nvSpPr>
+        <p:spPr>
+          <a:xfrm>
+            <a:off x="1760678" y="4815575"/>
+            <a:ext cx="10229082" cy="584775"/>
+          </a:xfrm>
+          <a:prstGeom prst="rect">
+            <a:avLst/>
+          </a:prstGeom>
+          <a:noFill/>
+        </p:spPr>
+        <p:txBody>
+          <a:bodyPr wrap="none" rtlCol="0">
+            <a:spAutoFit/>
+          </a:bodyPr>
+          <a:lstStyle/>
+          <a:p>
+            <a:pPr algn="ctr"/>
+            <a:r>
+              <a:rPr lang="ko-KR" altLang="en-US" sz="3200" dirty="0">
+                <a:latin typeface="굴림" panose="020B0600000101010101" pitchFamily="50" charset="-127"/>
+                <a:ea typeface="굴림" panose="020B0600000101010101" pitchFamily="50" charset="-127"/>
+                <a:cs typeface="KoPubWorld돋움체 Light" panose="00000300000000000000" pitchFamily="2" charset="-127"/>
+              </a:rPr>
+              <a:t>주사기</a:t>
+            </a:r>
+            <a:r>
+              <a:rPr lang="en-US" altLang="ko-KR" sz="3200" dirty="0">
+                <a:latin typeface="굴림" panose="020B0600000101010101" pitchFamily="50" charset="-127"/>
+                <a:ea typeface="굴림" panose="020B0600000101010101" pitchFamily="50" charset="-127"/>
+                <a:cs typeface="KoPubWorld돋움체 Light" panose="00000300000000000000" pitchFamily="2" charset="-127"/>
+              </a:rPr>
+              <a:t>: 30</a:t>
+            </a:r>
+            <a:r>
+              <a:rPr lang="ko-KR" altLang="en-US" sz="3200" dirty="0" err="1">
+                <a:latin typeface="굴림" panose="020B0600000101010101" pitchFamily="50" charset="-127"/>
+                <a:ea typeface="굴림" panose="020B0600000101010101" pitchFamily="50" charset="-127"/>
+                <a:cs typeface="KoPubWorld돋움체 Light" panose="00000300000000000000" pitchFamily="2" charset="-127"/>
+              </a:rPr>
+              <a:t>초동안</a:t>
+            </a:r>
+            <a:r>
+              <a:rPr lang="ko-KR" altLang="en-US" sz="3200" dirty="0">
+                <a:latin typeface="굴림" panose="020B0600000101010101" pitchFamily="50" charset="-127"/>
+                <a:ea typeface="굴림" panose="020B0600000101010101" pitchFamily="50" charset="-127"/>
+                <a:cs typeface="KoPubWorld돋움체 Light" panose="00000300000000000000" pitchFamily="2" charset="-127"/>
+              </a:rPr>
+              <a:t> 방사능으로 인한 체력 감소를 </a:t>
+            </a:r>
+            <a:r>
+              <a:rPr lang="ko-KR" altLang="en-US" sz="3200" dirty="0" err="1">
+                <a:latin typeface="굴림" panose="020B0600000101010101" pitchFamily="50" charset="-127"/>
+                <a:ea typeface="굴림" panose="020B0600000101010101" pitchFamily="50" charset="-127"/>
+                <a:cs typeface="KoPubWorld돋움체 Light" panose="00000300000000000000" pitchFamily="2" charset="-127"/>
+              </a:rPr>
+              <a:t>막아줌</a:t>
+            </a:r>
+            <a:endParaRPr lang="en-US" altLang="ko-KR" sz="4400" dirty="0">
+              <a:latin typeface="굴림" panose="020B0600000101010101" pitchFamily="50" charset="-127"/>
+              <a:ea typeface="굴림" panose="020B0600000101010101" pitchFamily="50" charset="-127"/>
+              <a:cs typeface="KoPubWorld돋움체 Light" panose="00000300000000000000" pitchFamily="2" charset="-127"/>
+            </a:endParaRPr>
+          </a:p>
+        </p:txBody>
+      </p:sp>
+      <p:sp>
+        <p:nvSpPr>
+          <p:cNvPr id="22" name="TextBox 21">
+            <a:extLst>
+              <a:ext uri="{FF2B5EF4-FFF2-40B4-BE49-F238E27FC236}">
+                <a16:creationId xmlns:a16="http://schemas.microsoft.com/office/drawing/2014/main" id="{76C88B51-08CB-0D51-974E-D5DC7BAECD2A}"/>
+              </a:ext>
+            </a:extLst>
+          </p:cNvPr>
+          <p:cNvSpPr txBox="1"/>
+          <p:nvPr/>
+        </p:nvSpPr>
+        <p:spPr>
+          <a:xfrm>
+            <a:off x="1887569" y="5377687"/>
+            <a:ext cx="6933308" cy="400110"/>
+          </a:xfrm>
+          <a:prstGeom prst="rect">
+            <a:avLst/>
+          </a:prstGeom>
+          <a:noFill/>
+        </p:spPr>
+        <p:txBody>
+          <a:bodyPr wrap="none" rtlCol="0">
+            <a:spAutoFit/>
+          </a:bodyPr>
+          <a:lstStyle/>
+          <a:p>
+            <a:pPr algn="ctr"/>
+            <a:r>
+              <a:rPr lang="ko-KR" altLang="en-US" sz="2000" dirty="0" err="1">
+                <a:latin typeface="굴림" panose="020B0600000101010101" pitchFamily="50" charset="-127"/>
+                <a:ea typeface="굴림" panose="020B0600000101010101" pitchFamily="50" charset="-127"/>
+                <a:cs typeface="KoPubWorld돋움체 Light" panose="00000300000000000000" pitchFamily="2" charset="-127"/>
+              </a:rPr>
+              <a:t>얻는법</a:t>
+            </a:r>
+            <a:r>
+              <a:rPr lang="en-US" altLang="ko-KR" sz="2000" dirty="0">
+                <a:latin typeface="굴림" panose="020B0600000101010101" pitchFamily="50" charset="-127"/>
+                <a:ea typeface="굴림" panose="020B0600000101010101" pitchFamily="50" charset="-127"/>
+                <a:cs typeface="KoPubWorld돋움체 Light" panose="00000300000000000000" pitchFamily="2" charset="-127"/>
+              </a:rPr>
+              <a:t>: </a:t>
+            </a:r>
+            <a:r>
+              <a:rPr lang="ko-KR" altLang="en-US" sz="2000" dirty="0">
+                <a:latin typeface="굴림" panose="020B0600000101010101" pitchFamily="50" charset="-127"/>
+                <a:ea typeface="굴림" panose="020B0600000101010101" pitchFamily="50" charset="-127"/>
+                <a:cs typeface="KoPubWorld돋움체 Light" panose="00000300000000000000" pitchFamily="2" charset="-127"/>
+              </a:rPr>
+              <a:t>바닥에 </a:t>
+            </a:r>
+            <a:r>
+              <a:rPr lang="ko-KR" altLang="en-US" sz="2000" dirty="0" err="1">
+                <a:latin typeface="굴림" panose="020B0600000101010101" pitchFamily="50" charset="-127"/>
+                <a:ea typeface="굴림" panose="020B0600000101010101" pitchFamily="50" charset="-127"/>
+                <a:cs typeface="KoPubWorld돋움체 Light" panose="00000300000000000000" pitchFamily="2" charset="-127"/>
+              </a:rPr>
+              <a:t>떨어져있고</a:t>
+            </a:r>
+            <a:r>
+              <a:rPr lang="en-US" altLang="ko-KR" sz="2000" dirty="0">
+                <a:latin typeface="굴림" panose="020B0600000101010101" pitchFamily="50" charset="-127"/>
+                <a:ea typeface="굴림" panose="020B0600000101010101" pitchFamily="50" charset="-127"/>
+                <a:cs typeface="KoPubWorld돋움체 Light" panose="00000300000000000000" pitchFamily="2" charset="-127"/>
+              </a:rPr>
+              <a:t>, </a:t>
+            </a:r>
+            <a:r>
+              <a:rPr lang="ko-KR" altLang="en-US" sz="2000" dirty="0">
+                <a:latin typeface="굴림" panose="020B0600000101010101" pitchFamily="50" charset="-127"/>
+                <a:ea typeface="굴림" panose="020B0600000101010101" pitchFamily="50" charset="-127"/>
+                <a:cs typeface="KoPubWorld돋움체 Light" panose="00000300000000000000" pitchFamily="2" charset="-127"/>
+              </a:rPr>
+              <a:t>특정 키 또는 </a:t>
+            </a:r>
+            <a:r>
+              <a:rPr lang="ko-KR" altLang="en-US" sz="2000" dirty="0" err="1">
+                <a:latin typeface="굴림" panose="020B0600000101010101" pitchFamily="50" charset="-127"/>
+                <a:ea typeface="굴림" panose="020B0600000101010101" pitchFamily="50" charset="-127"/>
+                <a:cs typeface="KoPubWorld돋움체 Light" panose="00000300000000000000" pitchFamily="2" charset="-127"/>
+              </a:rPr>
+              <a:t>충돌시</a:t>
+            </a:r>
+            <a:r>
+              <a:rPr lang="ko-KR" altLang="en-US" sz="2000" dirty="0">
+                <a:latin typeface="굴림" panose="020B0600000101010101" pitchFamily="50" charset="-127"/>
+                <a:ea typeface="굴림" panose="020B0600000101010101" pitchFamily="50" charset="-127"/>
+                <a:cs typeface="KoPubWorld돋움체 Light" panose="00000300000000000000" pitchFamily="2" charset="-127"/>
+              </a:rPr>
+              <a:t> 자동 장착</a:t>
+            </a:r>
+            <a:endParaRPr lang="en-US" altLang="ko-KR" sz="2000" dirty="0">
+              <a:latin typeface="굴림" panose="020B0600000101010101" pitchFamily="50" charset="-127"/>
+              <a:ea typeface="굴림" panose="020B0600000101010101" pitchFamily="50" charset="-127"/>
+              <a:cs typeface="KoPubWorld돋움체 Light" panose="00000300000000000000" pitchFamily="2" charset="-127"/>
+            </a:endParaRPr>
+          </a:p>
+        </p:txBody>
+      </p:sp>
       <p:pic>
         <p:nvPicPr>
-          <p:cNvPr id="11" name="그림 10">
-            <a:extLst>
-              <a:ext uri="{FF2B5EF4-FFF2-40B4-BE49-F238E27FC236}">
-                <a16:creationId xmlns:a16="http://schemas.microsoft.com/office/drawing/2014/main" id="{A70FAE9D-02F7-6A64-B403-64881D9BCE2D}"/>
+          <p:cNvPr id="26" name="그림 25">
+            <a:extLst>
+              <a:ext uri="{FF2B5EF4-FFF2-40B4-BE49-F238E27FC236}">
+                <a16:creationId xmlns:a16="http://schemas.microsoft.com/office/drawing/2014/main" id="{31AD1A0D-03C7-4BDC-00D8-03185EAFB98E}"/>
               </a:ext>
             </a:extLst>
           </p:cNvPr>
@@ -17695,456 +17375,7 @@
         </p:blipFill>
         <p:spPr>
           <a:xfrm>
-            <a:off x="366013" y="1133273"/>
-            <a:ext cx="1137991" cy="912402"/>
-          </a:xfrm>
-          <a:prstGeom prst="rect">
-            <a:avLst/>
-          </a:prstGeom>
-        </p:spPr>
-      </p:pic>
-      <p:pic>
-        <p:nvPicPr>
-          <p:cNvPr id="10" name="그림 9">
-            <a:extLst>
-              <a:ext uri="{FF2B5EF4-FFF2-40B4-BE49-F238E27FC236}">
-                <a16:creationId xmlns:a16="http://schemas.microsoft.com/office/drawing/2014/main" id="{4C08FDEB-A590-1929-E812-67695D890E3D}"/>
-              </a:ext>
-            </a:extLst>
-          </p:cNvPr>
-          <p:cNvPicPr>
-            <a:picLocks noChangeAspect="1"/>
-          </p:cNvPicPr>
-          <p:nvPr/>
-        </p:nvPicPr>
-        <p:blipFill>
-          <a:blip r:embed="rId5"/>
-          <a:stretch>
-            <a:fillRect/>
-          </a:stretch>
-        </p:blipFill>
-        <p:spPr>
-          <a:xfrm>
-            <a:off x="794993" y="2775736"/>
-            <a:ext cx="1013637" cy="1013637"/>
-          </a:xfrm>
-          <a:prstGeom prst="rect">
-            <a:avLst/>
-          </a:prstGeom>
-        </p:spPr>
-      </p:pic>
-      <p:sp>
-        <p:nvSpPr>
-          <p:cNvPr id="13" name="TextBox 12">
-            <a:extLst>
-              <a:ext uri="{FF2B5EF4-FFF2-40B4-BE49-F238E27FC236}">
-                <a16:creationId xmlns:a16="http://schemas.microsoft.com/office/drawing/2014/main" id="{94B39D9E-41AA-3B34-F4B1-EB0FD179D47A}"/>
-              </a:ext>
-            </a:extLst>
-          </p:cNvPr>
-          <p:cNvSpPr txBox="1"/>
-          <p:nvPr/>
-        </p:nvSpPr>
-        <p:spPr>
-          <a:xfrm>
-            <a:off x="1880172" y="2824279"/>
-            <a:ext cx="6750566" cy="584775"/>
-          </a:xfrm>
-          <a:prstGeom prst="rect">
-            <a:avLst/>
-          </a:prstGeom>
-          <a:noFill/>
-        </p:spPr>
-        <p:txBody>
-          <a:bodyPr wrap="none" rtlCol="0">
-            <a:spAutoFit/>
-          </a:bodyPr>
-          <a:lstStyle/>
-          <a:p>
-            <a:pPr algn="ctr"/>
-            <a:r>
-              <a:rPr lang="ko-KR" altLang="en-US" sz="3200" dirty="0">
-                <a:latin typeface="굴림" panose="020B0600000101010101" pitchFamily="50" charset="-127"/>
-                <a:ea typeface="굴림" panose="020B0600000101010101" pitchFamily="50" charset="-127"/>
-                <a:cs typeface="KoPubWorld돋움체 Light" panose="00000300000000000000" pitchFamily="2" charset="-127"/>
-              </a:rPr>
-              <a:t>투시경</a:t>
-            </a:r>
-            <a:r>
-              <a:rPr lang="en-US" altLang="ko-KR" sz="3200" dirty="0">
-                <a:latin typeface="굴림" panose="020B0600000101010101" pitchFamily="50" charset="-127"/>
-                <a:ea typeface="굴림" panose="020B0600000101010101" pitchFamily="50" charset="-127"/>
-                <a:cs typeface="KoPubWorld돋움체 Light" panose="00000300000000000000" pitchFamily="2" charset="-127"/>
-              </a:rPr>
-              <a:t>: </a:t>
-            </a:r>
-            <a:r>
-              <a:rPr lang="ko-KR" altLang="en-US" sz="3200" dirty="0">
-                <a:latin typeface="굴림" panose="020B0600000101010101" pitchFamily="50" charset="-127"/>
-                <a:ea typeface="굴림" panose="020B0600000101010101" pitchFamily="50" charset="-127"/>
-                <a:cs typeface="KoPubWorld돋움체 Light" panose="00000300000000000000" pitchFamily="2" charset="-127"/>
-              </a:rPr>
-              <a:t>투명한 적을 보이게 해준다</a:t>
-            </a:r>
-            <a:r>
-              <a:rPr lang="en-US" altLang="ko-KR" sz="3200" dirty="0">
-                <a:latin typeface="굴림" panose="020B0600000101010101" pitchFamily="50" charset="-127"/>
-                <a:ea typeface="굴림" panose="020B0600000101010101" pitchFamily="50" charset="-127"/>
-                <a:cs typeface="KoPubWorld돋움체 Light" panose="00000300000000000000" pitchFamily="2" charset="-127"/>
-              </a:rPr>
-              <a:t>.</a:t>
-            </a:r>
-          </a:p>
-        </p:txBody>
-      </p:sp>
-      <p:sp>
-        <p:nvSpPr>
-          <p:cNvPr id="14" name="TextBox 13">
-            <a:extLst>
-              <a:ext uri="{FF2B5EF4-FFF2-40B4-BE49-F238E27FC236}">
-                <a16:creationId xmlns:a16="http://schemas.microsoft.com/office/drawing/2014/main" id="{296D4A7D-D2DE-38D1-908F-1176B15B31A9}"/>
-              </a:ext>
-            </a:extLst>
-          </p:cNvPr>
-          <p:cNvSpPr txBox="1"/>
-          <p:nvPr/>
-        </p:nvSpPr>
-        <p:spPr>
-          <a:xfrm>
-            <a:off x="1882569" y="3409054"/>
-            <a:ext cx="6933308" cy="400110"/>
-          </a:xfrm>
-          <a:prstGeom prst="rect">
-            <a:avLst/>
-          </a:prstGeom>
-          <a:noFill/>
-        </p:spPr>
-        <p:txBody>
-          <a:bodyPr wrap="none" rtlCol="0">
-            <a:spAutoFit/>
-          </a:bodyPr>
-          <a:lstStyle/>
-          <a:p>
-            <a:pPr algn="ctr"/>
-            <a:r>
-              <a:rPr lang="ko-KR" altLang="en-US" sz="2000" dirty="0" err="1">
-                <a:latin typeface="굴림" panose="020B0600000101010101" pitchFamily="50" charset="-127"/>
-                <a:ea typeface="굴림" panose="020B0600000101010101" pitchFamily="50" charset="-127"/>
-                <a:cs typeface="KoPubWorld돋움체 Light" panose="00000300000000000000" pitchFamily="2" charset="-127"/>
-              </a:rPr>
-              <a:t>얻는법</a:t>
-            </a:r>
-            <a:r>
-              <a:rPr lang="en-US" altLang="ko-KR" sz="2000" dirty="0">
-                <a:latin typeface="굴림" panose="020B0600000101010101" pitchFamily="50" charset="-127"/>
-                <a:ea typeface="굴림" panose="020B0600000101010101" pitchFamily="50" charset="-127"/>
-                <a:cs typeface="KoPubWorld돋움체 Light" panose="00000300000000000000" pitchFamily="2" charset="-127"/>
-              </a:rPr>
-              <a:t>: </a:t>
-            </a:r>
-            <a:r>
-              <a:rPr lang="ko-KR" altLang="en-US" sz="2000" dirty="0">
-                <a:latin typeface="굴림" panose="020B0600000101010101" pitchFamily="50" charset="-127"/>
-                <a:ea typeface="굴림" panose="020B0600000101010101" pitchFamily="50" charset="-127"/>
-                <a:cs typeface="KoPubWorld돋움체 Light" panose="00000300000000000000" pitchFamily="2" charset="-127"/>
-              </a:rPr>
-              <a:t>바닥에 </a:t>
-            </a:r>
-            <a:r>
-              <a:rPr lang="ko-KR" altLang="en-US" sz="2000" dirty="0" err="1">
-                <a:latin typeface="굴림" panose="020B0600000101010101" pitchFamily="50" charset="-127"/>
-                <a:ea typeface="굴림" panose="020B0600000101010101" pitchFamily="50" charset="-127"/>
-                <a:cs typeface="KoPubWorld돋움체 Light" panose="00000300000000000000" pitchFamily="2" charset="-127"/>
-              </a:rPr>
-              <a:t>떨어져있고</a:t>
-            </a:r>
-            <a:r>
-              <a:rPr lang="en-US" altLang="ko-KR" sz="2000" dirty="0">
-                <a:latin typeface="굴림" panose="020B0600000101010101" pitchFamily="50" charset="-127"/>
-                <a:ea typeface="굴림" panose="020B0600000101010101" pitchFamily="50" charset="-127"/>
-                <a:cs typeface="KoPubWorld돋움체 Light" panose="00000300000000000000" pitchFamily="2" charset="-127"/>
-              </a:rPr>
-              <a:t>, </a:t>
-            </a:r>
-            <a:r>
-              <a:rPr lang="ko-KR" altLang="en-US" sz="2000" dirty="0">
-                <a:latin typeface="굴림" panose="020B0600000101010101" pitchFamily="50" charset="-127"/>
-                <a:ea typeface="굴림" panose="020B0600000101010101" pitchFamily="50" charset="-127"/>
-                <a:cs typeface="KoPubWorld돋움체 Light" panose="00000300000000000000" pitchFamily="2" charset="-127"/>
-              </a:rPr>
-              <a:t>특정 키 또는 </a:t>
-            </a:r>
-            <a:r>
-              <a:rPr lang="ko-KR" altLang="en-US" sz="2000" dirty="0" err="1">
-                <a:latin typeface="굴림" panose="020B0600000101010101" pitchFamily="50" charset="-127"/>
-                <a:ea typeface="굴림" panose="020B0600000101010101" pitchFamily="50" charset="-127"/>
-                <a:cs typeface="KoPubWorld돋움체 Light" panose="00000300000000000000" pitchFamily="2" charset="-127"/>
-              </a:rPr>
-              <a:t>충돌시</a:t>
-            </a:r>
-            <a:r>
-              <a:rPr lang="ko-KR" altLang="en-US" sz="2000" dirty="0">
-                <a:latin typeface="굴림" panose="020B0600000101010101" pitchFamily="50" charset="-127"/>
-                <a:ea typeface="굴림" panose="020B0600000101010101" pitchFamily="50" charset="-127"/>
-                <a:cs typeface="KoPubWorld돋움체 Light" panose="00000300000000000000" pitchFamily="2" charset="-127"/>
-              </a:rPr>
-              <a:t> 자동 장착</a:t>
-            </a:r>
-            <a:endParaRPr lang="en-US" altLang="ko-KR" sz="2000" dirty="0">
-              <a:latin typeface="굴림" panose="020B0600000101010101" pitchFamily="50" charset="-127"/>
-              <a:ea typeface="굴림" panose="020B0600000101010101" pitchFamily="50" charset="-127"/>
-              <a:cs typeface="KoPubWorld돋움체 Light" panose="00000300000000000000" pitchFamily="2" charset="-127"/>
-            </a:endParaRPr>
-          </a:p>
-        </p:txBody>
-      </p:sp>
-      <p:pic>
-        <p:nvPicPr>
-          <p:cNvPr id="19" name="그림 18">
-            <a:extLst>
-              <a:ext uri="{FF2B5EF4-FFF2-40B4-BE49-F238E27FC236}">
-                <a16:creationId xmlns:a16="http://schemas.microsoft.com/office/drawing/2014/main" id="{69166DF2-FE6F-3137-3D08-2B968BB98924}"/>
-              </a:ext>
-            </a:extLst>
-          </p:cNvPr>
-          <p:cNvPicPr>
-            <a:picLocks noChangeAspect="1"/>
-          </p:cNvPicPr>
-          <p:nvPr/>
-        </p:nvPicPr>
-        <p:blipFill>
-          <a:blip r:embed="rId2">
-            <a:lum bright="70000" contrast="-70000"/>
-            <a:extLst>
-              <a:ext uri="{BEBA8EAE-BF5A-486C-A8C5-ECC9F3942E4B}">
-                <a14:imgProps xmlns:a14="http://schemas.microsoft.com/office/drawing/2010/main">
-                  <a14:imgLayer r:embed="rId3">
-                    <a14:imgEffect>
-                      <a14:brightnessContrast bright="100000" contrast="-70000"/>
-                    </a14:imgEffect>
-                  </a14:imgLayer>
-                </a14:imgProps>
-              </a:ext>
-              <a:ext uri="{28A0092B-C50C-407E-A947-70E740481C1C}">
-                <a14:useLocalDpi xmlns:a14="http://schemas.microsoft.com/office/drawing/2010/main" val="0"/>
-              </a:ext>
-            </a:extLst>
-          </a:blip>
-          <a:stretch>
-            <a:fillRect/>
-          </a:stretch>
-        </p:blipFill>
-        <p:spPr>
-          <a:xfrm>
-            <a:off x="1624790" y="4786066"/>
-            <a:ext cx="525558" cy="525558"/>
-          </a:xfrm>
-          <a:prstGeom prst="rect">
-            <a:avLst/>
-          </a:prstGeom>
-        </p:spPr>
-      </p:pic>
-      <p:sp>
-        <p:nvSpPr>
-          <p:cNvPr id="21" name="TextBox 20">
-            <a:extLst>
-              <a:ext uri="{FF2B5EF4-FFF2-40B4-BE49-F238E27FC236}">
-                <a16:creationId xmlns:a16="http://schemas.microsoft.com/office/drawing/2014/main" id="{E12B03CA-4E5A-A0B3-2454-16DB0273F19A}"/>
-              </a:ext>
-            </a:extLst>
-          </p:cNvPr>
-          <p:cNvSpPr txBox="1"/>
-          <p:nvPr/>
-        </p:nvSpPr>
-        <p:spPr>
-          <a:xfrm>
-            <a:off x="1760678" y="4815575"/>
-            <a:ext cx="10229082" cy="584775"/>
-          </a:xfrm>
-          <a:prstGeom prst="rect">
-            <a:avLst/>
-          </a:prstGeom>
-          <a:noFill/>
-        </p:spPr>
-        <p:txBody>
-          <a:bodyPr wrap="none" rtlCol="0">
-            <a:spAutoFit/>
-          </a:bodyPr>
-          <a:lstStyle/>
-          <a:p>
-            <a:pPr algn="ctr"/>
-            <a:r>
-              <a:rPr lang="ko-KR" altLang="en-US" sz="3200" dirty="0">
-                <a:latin typeface="굴림" panose="020B0600000101010101" pitchFamily="50" charset="-127"/>
-                <a:ea typeface="굴림" panose="020B0600000101010101" pitchFamily="50" charset="-127"/>
-                <a:cs typeface="KoPubWorld돋움체 Light" panose="00000300000000000000" pitchFamily="2" charset="-127"/>
-              </a:rPr>
-              <a:t>주사기</a:t>
-            </a:r>
-            <a:r>
-              <a:rPr lang="en-US" altLang="ko-KR" sz="3200" dirty="0">
-                <a:latin typeface="굴림" panose="020B0600000101010101" pitchFamily="50" charset="-127"/>
-                <a:ea typeface="굴림" panose="020B0600000101010101" pitchFamily="50" charset="-127"/>
-                <a:cs typeface="KoPubWorld돋움체 Light" panose="00000300000000000000" pitchFamily="2" charset="-127"/>
-              </a:rPr>
-              <a:t>: 30</a:t>
-            </a:r>
-            <a:r>
-              <a:rPr lang="ko-KR" altLang="en-US" sz="3200" dirty="0" err="1">
-                <a:latin typeface="굴림" panose="020B0600000101010101" pitchFamily="50" charset="-127"/>
-                <a:ea typeface="굴림" panose="020B0600000101010101" pitchFamily="50" charset="-127"/>
-                <a:cs typeface="KoPubWorld돋움체 Light" panose="00000300000000000000" pitchFamily="2" charset="-127"/>
-              </a:rPr>
-              <a:t>초동안</a:t>
-            </a:r>
-            <a:r>
-              <a:rPr lang="ko-KR" altLang="en-US" sz="3200" dirty="0">
-                <a:latin typeface="굴림" panose="020B0600000101010101" pitchFamily="50" charset="-127"/>
-                <a:ea typeface="굴림" panose="020B0600000101010101" pitchFamily="50" charset="-127"/>
-                <a:cs typeface="KoPubWorld돋움체 Light" panose="00000300000000000000" pitchFamily="2" charset="-127"/>
-              </a:rPr>
-              <a:t> 방사능으로 인한 체력 감소를 </a:t>
-            </a:r>
-            <a:r>
-              <a:rPr lang="ko-KR" altLang="en-US" sz="3200" dirty="0" err="1">
-                <a:latin typeface="굴림" panose="020B0600000101010101" pitchFamily="50" charset="-127"/>
-                <a:ea typeface="굴림" panose="020B0600000101010101" pitchFamily="50" charset="-127"/>
-                <a:cs typeface="KoPubWorld돋움체 Light" panose="00000300000000000000" pitchFamily="2" charset="-127"/>
-              </a:rPr>
-              <a:t>막아줌</a:t>
-            </a:r>
-            <a:endParaRPr lang="en-US" altLang="ko-KR" sz="4400" dirty="0">
-              <a:latin typeface="굴림" panose="020B0600000101010101" pitchFamily="50" charset="-127"/>
-              <a:ea typeface="굴림" panose="020B0600000101010101" pitchFamily="50" charset="-127"/>
-              <a:cs typeface="KoPubWorld돋움체 Light" panose="00000300000000000000" pitchFamily="2" charset="-127"/>
-            </a:endParaRPr>
-          </a:p>
-        </p:txBody>
-      </p:sp>
-      <p:sp>
-        <p:nvSpPr>
-          <p:cNvPr id="22" name="TextBox 21">
-            <a:extLst>
-              <a:ext uri="{FF2B5EF4-FFF2-40B4-BE49-F238E27FC236}">
-                <a16:creationId xmlns:a16="http://schemas.microsoft.com/office/drawing/2014/main" id="{76C88B51-08CB-0D51-974E-D5DC7BAECD2A}"/>
-              </a:ext>
-            </a:extLst>
-          </p:cNvPr>
-          <p:cNvSpPr txBox="1"/>
-          <p:nvPr/>
-        </p:nvSpPr>
-        <p:spPr>
-          <a:xfrm>
-            <a:off x="1887569" y="5377687"/>
-            <a:ext cx="6933308" cy="400110"/>
-          </a:xfrm>
-          <a:prstGeom prst="rect">
-            <a:avLst/>
-          </a:prstGeom>
-          <a:noFill/>
-        </p:spPr>
-        <p:txBody>
-          <a:bodyPr wrap="none" rtlCol="0">
-            <a:spAutoFit/>
-          </a:bodyPr>
-          <a:lstStyle/>
-          <a:p>
-            <a:pPr algn="ctr"/>
-            <a:r>
-              <a:rPr lang="ko-KR" altLang="en-US" sz="2000" dirty="0" err="1">
-                <a:latin typeface="굴림" panose="020B0600000101010101" pitchFamily="50" charset="-127"/>
-                <a:ea typeface="굴림" panose="020B0600000101010101" pitchFamily="50" charset="-127"/>
-                <a:cs typeface="KoPubWorld돋움체 Light" panose="00000300000000000000" pitchFamily="2" charset="-127"/>
-              </a:rPr>
-              <a:t>얻는법</a:t>
-            </a:r>
-            <a:r>
-              <a:rPr lang="en-US" altLang="ko-KR" sz="2000" dirty="0">
-                <a:latin typeface="굴림" panose="020B0600000101010101" pitchFamily="50" charset="-127"/>
-                <a:ea typeface="굴림" panose="020B0600000101010101" pitchFamily="50" charset="-127"/>
-                <a:cs typeface="KoPubWorld돋움체 Light" panose="00000300000000000000" pitchFamily="2" charset="-127"/>
-              </a:rPr>
-              <a:t>: </a:t>
-            </a:r>
-            <a:r>
-              <a:rPr lang="ko-KR" altLang="en-US" sz="2000" dirty="0">
-                <a:latin typeface="굴림" panose="020B0600000101010101" pitchFamily="50" charset="-127"/>
-                <a:ea typeface="굴림" panose="020B0600000101010101" pitchFamily="50" charset="-127"/>
-                <a:cs typeface="KoPubWorld돋움체 Light" panose="00000300000000000000" pitchFamily="2" charset="-127"/>
-              </a:rPr>
-              <a:t>바닥에 </a:t>
-            </a:r>
-            <a:r>
-              <a:rPr lang="ko-KR" altLang="en-US" sz="2000" dirty="0" err="1">
-                <a:latin typeface="굴림" panose="020B0600000101010101" pitchFamily="50" charset="-127"/>
-                <a:ea typeface="굴림" panose="020B0600000101010101" pitchFamily="50" charset="-127"/>
-                <a:cs typeface="KoPubWorld돋움체 Light" panose="00000300000000000000" pitchFamily="2" charset="-127"/>
-              </a:rPr>
-              <a:t>떨어져있고</a:t>
-            </a:r>
-            <a:r>
-              <a:rPr lang="en-US" altLang="ko-KR" sz="2000" dirty="0">
-                <a:latin typeface="굴림" panose="020B0600000101010101" pitchFamily="50" charset="-127"/>
-                <a:ea typeface="굴림" panose="020B0600000101010101" pitchFamily="50" charset="-127"/>
-                <a:cs typeface="KoPubWorld돋움체 Light" panose="00000300000000000000" pitchFamily="2" charset="-127"/>
-              </a:rPr>
-              <a:t>, </a:t>
-            </a:r>
-            <a:r>
-              <a:rPr lang="ko-KR" altLang="en-US" sz="2000" dirty="0">
-                <a:latin typeface="굴림" panose="020B0600000101010101" pitchFamily="50" charset="-127"/>
-                <a:ea typeface="굴림" panose="020B0600000101010101" pitchFamily="50" charset="-127"/>
-                <a:cs typeface="KoPubWorld돋움체 Light" panose="00000300000000000000" pitchFamily="2" charset="-127"/>
-              </a:rPr>
-              <a:t>특정 키 또는 </a:t>
-            </a:r>
-            <a:r>
-              <a:rPr lang="ko-KR" altLang="en-US" sz="2000" dirty="0" err="1">
-                <a:latin typeface="굴림" panose="020B0600000101010101" pitchFamily="50" charset="-127"/>
-                <a:ea typeface="굴림" panose="020B0600000101010101" pitchFamily="50" charset="-127"/>
-                <a:cs typeface="KoPubWorld돋움체 Light" panose="00000300000000000000" pitchFamily="2" charset="-127"/>
-              </a:rPr>
-              <a:t>충돌시</a:t>
-            </a:r>
-            <a:r>
-              <a:rPr lang="ko-KR" altLang="en-US" sz="2000" dirty="0">
-                <a:latin typeface="굴림" panose="020B0600000101010101" pitchFamily="50" charset="-127"/>
-                <a:ea typeface="굴림" panose="020B0600000101010101" pitchFamily="50" charset="-127"/>
-                <a:cs typeface="KoPubWorld돋움체 Light" panose="00000300000000000000" pitchFamily="2" charset="-127"/>
-              </a:rPr>
-              <a:t> 자동 장착</a:t>
-            </a:r>
-            <a:endParaRPr lang="en-US" altLang="ko-KR" sz="2000" dirty="0">
-              <a:latin typeface="굴림" panose="020B0600000101010101" pitchFamily="50" charset="-127"/>
-              <a:ea typeface="굴림" panose="020B0600000101010101" pitchFamily="50" charset="-127"/>
-              <a:cs typeface="KoPubWorld돋움체 Light" panose="00000300000000000000" pitchFamily="2" charset="-127"/>
-            </a:endParaRPr>
-          </a:p>
-        </p:txBody>
-      </p:sp>
-      <p:pic>
-        <p:nvPicPr>
-          <p:cNvPr id="26" name="그림 25">
-            <a:extLst>
-              <a:ext uri="{FF2B5EF4-FFF2-40B4-BE49-F238E27FC236}">
-                <a16:creationId xmlns:a16="http://schemas.microsoft.com/office/drawing/2014/main" id="{31AD1A0D-03C7-4BDC-00D8-03185EAFB98E}"/>
-              </a:ext>
-            </a:extLst>
-          </p:cNvPr>
-          <p:cNvPicPr>
-            <a:picLocks noChangeAspect="1"/>
-          </p:cNvPicPr>
-          <p:nvPr/>
-        </p:nvPicPr>
-        <p:blipFill>
-          <a:blip r:embed="rId6"/>
-          <a:stretch>
-            <a:fillRect/>
-          </a:stretch>
-        </p:blipFill>
-        <p:spPr>
-          <a:xfrm>
-            <a:off x="794993" y="4821364"/>
+            <a:off x="912911" y="4883807"/>
             <a:ext cx="897629" cy="897629"/>
           </a:xfrm>
           <a:prstGeom prst="rect">

--- a/기획서/Colony_ppt발표.pptx
+++ b/기획서/Colony_ppt발표.pptx
@@ -274,7 +274,7 @@
           <a:p>
             <a:fld id="{62EA41C9-8537-435D-8D05-D269E4409129}" type="datetimeFigureOut">
               <a:rPr lang="ko-KR" altLang="en-US" smtClean="0"/>
-              <a:t>2023-11-22</a:t>
+              <a:t>2023-12-02</a:t>
             </a:fld>
             <a:endParaRPr lang="ko-KR" altLang="en-US"/>
           </a:p>
@@ -472,7 +472,7 @@
           <a:p>
             <a:fld id="{62EA41C9-8537-435D-8D05-D269E4409129}" type="datetimeFigureOut">
               <a:rPr lang="ko-KR" altLang="en-US" smtClean="0"/>
-              <a:t>2023-11-22</a:t>
+              <a:t>2023-12-02</a:t>
             </a:fld>
             <a:endParaRPr lang="ko-KR" altLang="en-US"/>
           </a:p>
@@ -680,7 +680,7 @@
           <a:p>
             <a:fld id="{62EA41C9-8537-435D-8D05-D269E4409129}" type="datetimeFigureOut">
               <a:rPr lang="ko-KR" altLang="en-US" smtClean="0"/>
-              <a:t>2023-11-22</a:t>
+              <a:t>2023-12-02</a:t>
             </a:fld>
             <a:endParaRPr lang="ko-KR" altLang="en-US"/>
           </a:p>
@@ -878,7 +878,7 @@
           <a:p>
             <a:fld id="{62EA41C9-8537-435D-8D05-D269E4409129}" type="datetimeFigureOut">
               <a:rPr lang="ko-KR" altLang="en-US" smtClean="0"/>
-              <a:t>2023-11-22</a:t>
+              <a:t>2023-12-02</a:t>
             </a:fld>
             <a:endParaRPr lang="ko-KR" altLang="en-US"/>
           </a:p>
@@ -1153,7 +1153,7 @@
           <a:p>
             <a:fld id="{62EA41C9-8537-435D-8D05-D269E4409129}" type="datetimeFigureOut">
               <a:rPr lang="ko-KR" altLang="en-US" smtClean="0"/>
-              <a:t>2023-11-22</a:t>
+              <a:t>2023-12-02</a:t>
             </a:fld>
             <a:endParaRPr lang="ko-KR" altLang="en-US"/>
           </a:p>
@@ -1418,7 +1418,7 @@
           <a:p>
             <a:fld id="{62EA41C9-8537-435D-8D05-D269E4409129}" type="datetimeFigureOut">
               <a:rPr lang="ko-KR" altLang="en-US" smtClean="0"/>
-              <a:t>2023-11-22</a:t>
+              <a:t>2023-12-02</a:t>
             </a:fld>
             <a:endParaRPr lang="ko-KR" altLang="en-US"/>
           </a:p>
@@ -1830,7 +1830,7 @@
           <a:p>
             <a:fld id="{62EA41C9-8537-435D-8D05-D269E4409129}" type="datetimeFigureOut">
               <a:rPr lang="ko-KR" altLang="en-US" smtClean="0"/>
-              <a:t>2023-11-22</a:t>
+              <a:t>2023-12-02</a:t>
             </a:fld>
             <a:endParaRPr lang="ko-KR" altLang="en-US"/>
           </a:p>
@@ -1971,7 +1971,7 @@
           <a:p>
             <a:fld id="{62EA41C9-8537-435D-8D05-D269E4409129}" type="datetimeFigureOut">
               <a:rPr lang="ko-KR" altLang="en-US" smtClean="0"/>
-              <a:t>2023-11-22</a:t>
+              <a:t>2023-12-02</a:t>
             </a:fld>
             <a:endParaRPr lang="ko-KR" altLang="en-US"/>
           </a:p>
@@ -2084,7 +2084,7 @@
           <a:p>
             <a:fld id="{62EA41C9-8537-435D-8D05-D269E4409129}" type="datetimeFigureOut">
               <a:rPr lang="ko-KR" altLang="en-US" smtClean="0"/>
-              <a:t>2023-11-22</a:t>
+              <a:t>2023-12-02</a:t>
             </a:fld>
             <a:endParaRPr lang="ko-KR" altLang="en-US"/>
           </a:p>
@@ -2395,7 +2395,7 @@
           <a:p>
             <a:fld id="{62EA41C9-8537-435D-8D05-D269E4409129}" type="datetimeFigureOut">
               <a:rPr lang="ko-KR" altLang="en-US" smtClean="0"/>
-              <a:t>2023-11-22</a:t>
+              <a:t>2023-12-02</a:t>
             </a:fld>
             <a:endParaRPr lang="ko-KR" altLang="en-US"/>
           </a:p>
@@ -2683,7 +2683,7 @@
           <a:p>
             <a:fld id="{62EA41C9-8537-435D-8D05-D269E4409129}" type="datetimeFigureOut">
               <a:rPr lang="ko-KR" altLang="en-US" smtClean="0"/>
-              <a:t>2023-11-22</a:t>
+              <a:t>2023-12-02</a:t>
             </a:fld>
             <a:endParaRPr lang="ko-KR" altLang="en-US"/>
           </a:p>
@@ -2924,7 +2924,7 @@
           <a:p>
             <a:fld id="{62EA41C9-8537-435D-8D05-D269E4409129}" type="datetimeFigureOut">
               <a:rPr lang="ko-KR" altLang="en-US" smtClean="0"/>
-              <a:t>2023-11-22</a:t>
+              <a:t>2023-12-02</a:t>
             </a:fld>
             <a:endParaRPr lang="ko-KR" altLang="en-US"/>
           </a:p>
@@ -8929,7 +8929,7 @@
                     <a:lstStyle/>
                     <a:p>
                       <a:pPr latinLnBrk="1"/>
-                      <a:endParaRPr lang="ko-KR" altLang="en-US" sz="1100">
+                      <a:endParaRPr lang="ko-KR" altLang="en-US" sz="1100" dirty="0">
                         <a:latin typeface="굴림" panose="020B0600000101010101" pitchFamily="50" charset="-127"/>
                         <a:ea typeface="굴림" panose="020B0600000101010101" pitchFamily="50" charset="-127"/>
                       </a:endParaRPr>
@@ -9042,7 +9042,7 @@
                     <a:lstStyle/>
                     <a:p>
                       <a:pPr latinLnBrk="1"/>
-                      <a:endParaRPr lang="ko-KR" altLang="en-US" sz="1100">
+                      <a:endParaRPr lang="ko-KR" altLang="en-US" sz="1100" dirty="0">
                         <a:latin typeface="굴림" panose="020B0600000101010101" pitchFamily="50" charset="-127"/>
                         <a:ea typeface="굴림" panose="020B0600000101010101" pitchFamily="50" charset="-127"/>
                       </a:endParaRPr>
@@ -9112,7 +9112,7 @@
                     <a:lstStyle/>
                     <a:p>
                       <a:pPr latinLnBrk="1"/>
-                      <a:endParaRPr lang="ko-KR" altLang="en-US" sz="1100">
+                      <a:endParaRPr lang="ko-KR" altLang="en-US" sz="1100" dirty="0">
                         <a:latin typeface="굴림" panose="020B0600000101010101" pitchFamily="50" charset="-127"/>
                         <a:ea typeface="굴림" panose="020B0600000101010101" pitchFamily="50" charset="-127"/>
                       </a:endParaRPr>
@@ -9252,7 +9252,7 @@
                     <a:lstStyle/>
                     <a:p>
                       <a:pPr latinLnBrk="1"/>
-                      <a:endParaRPr lang="ko-KR" altLang="en-US" sz="1100">
+                      <a:endParaRPr lang="ko-KR" altLang="en-US" sz="1100" dirty="0">
                         <a:latin typeface="굴림" panose="020B0600000101010101" pitchFamily="50" charset="-127"/>
                         <a:ea typeface="굴림" panose="020B0600000101010101" pitchFamily="50" charset="-127"/>
                       </a:endParaRPr>
@@ -9388,7 +9388,7 @@
                     <a:lstStyle/>
                     <a:p>
                       <a:pPr latinLnBrk="1"/>
-                      <a:endParaRPr lang="ko-KR" altLang="en-US" sz="1100">
+                      <a:endParaRPr lang="ko-KR" altLang="en-US" sz="1100" dirty="0">
                         <a:latin typeface="굴림" panose="020B0600000101010101" pitchFamily="50" charset="-127"/>
                         <a:ea typeface="굴림" panose="020B0600000101010101" pitchFamily="50" charset="-127"/>
                       </a:endParaRPr>
@@ -9549,7 +9549,7 @@
                     <a:lstStyle/>
                     <a:p>
                       <a:pPr latinLnBrk="1"/>
-                      <a:endParaRPr lang="ko-KR" altLang="en-US" sz="1100">
+                      <a:endParaRPr lang="ko-KR" altLang="en-US" sz="1100" dirty="0">
                         <a:latin typeface="굴림" panose="020B0600000101010101" pitchFamily="50" charset="-127"/>
                         <a:ea typeface="굴림" panose="020B0600000101010101" pitchFamily="50" charset="-127"/>
                       </a:endParaRPr>
@@ -9922,7 +9922,7 @@
         </p:nvSpPr>
         <p:spPr>
           <a:xfrm>
-            <a:off x="8980022" y="2906633"/>
+            <a:off x="9000899" y="2044175"/>
             <a:ext cx="3646092" cy="584775"/>
           </a:xfrm>
           <a:prstGeom prst="rect">
@@ -10017,7 +10017,7 @@
         </p:nvSpPr>
         <p:spPr>
           <a:xfrm>
-            <a:off x="10399030" y="3064174"/>
+            <a:off x="10419907" y="2207110"/>
             <a:ext cx="404038" cy="381609"/>
           </a:xfrm>
           <a:prstGeom prst="roundRect">
@@ -10063,7 +10063,7 @@
         </p:nvSpPr>
         <p:spPr>
           <a:xfrm>
-            <a:off x="9054450" y="4221526"/>
+            <a:off x="9000899" y="3071221"/>
             <a:ext cx="3646092" cy="584775"/>
           </a:xfrm>
           <a:prstGeom prst="rect">
@@ -10107,7 +10107,7 @@
         </p:nvSpPr>
         <p:spPr>
           <a:xfrm>
-            <a:off x="10419907" y="4384943"/>
+            <a:off x="10419907" y="3172803"/>
             <a:ext cx="404038" cy="381609"/>
           </a:xfrm>
           <a:prstGeom prst="roundRect">
@@ -10152,7 +10152,7 @@
         <p:spPr>
           <a:xfrm>
             <a:off x="1492101" y="2508598"/>
-            <a:ext cx="3561907" cy="381609"/>
+            <a:ext cx="684029" cy="381609"/>
           </a:xfrm>
           <a:prstGeom prst="roundRect">
             <a:avLst/>
@@ -10195,8 +10195,8 @@
         </p:nvSpPr>
         <p:spPr>
           <a:xfrm>
-            <a:off x="1499189" y="3150759"/>
-            <a:ext cx="1208568" cy="381609"/>
+            <a:off x="1928598" y="3776989"/>
+            <a:ext cx="4096517" cy="381609"/>
           </a:xfrm>
           <a:prstGeom prst="roundRect">
             <a:avLst/>
@@ -10227,10 +10227,10 @@
       </p:sp>
       <p:sp>
         <p:nvSpPr>
-          <p:cNvPr id="19" name="사각형: 둥근 모서리 18">
-            <a:extLst>
-              <a:ext uri="{FF2B5EF4-FFF2-40B4-BE49-F238E27FC236}">
-                <a16:creationId xmlns:a16="http://schemas.microsoft.com/office/drawing/2014/main" id="{FA518C2C-3106-34F8-5B29-B1B9FE0CFA47}"/>
+          <p:cNvPr id="20" name="사각형: 둥근 모서리 19">
+            <a:extLst>
+              <a:ext uri="{FF2B5EF4-FFF2-40B4-BE49-F238E27FC236}">
+                <a16:creationId xmlns:a16="http://schemas.microsoft.com/office/drawing/2014/main" id="{1E9BD04D-6AF1-8B1A-A8F4-248361D180CA}"/>
               </a:ext>
             </a:extLst>
           </p:cNvPr>
@@ -10239,8 +10239,8 @@
         </p:nvSpPr>
         <p:spPr>
           <a:xfrm>
-            <a:off x="2707756" y="3808102"/>
-            <a:ext cx="6235051" cy="381609"/>
+            <a:off x="2374601" y="4376953"/>
+            <a:ext cx="978196" cy="381609"/>
           </a:xfrm>
           <a:prstGeom prst="roundRect">
             <a:avLst/>
@@ -10278,10 +10278,10 @@
       </p:sp>
       <p:sp>
         <p:nvSpPr>
-          <p:cNvPr id="20" name="사각형: 둥근 모서리 19">
-            <a:extLst>
-              <a:ext uri="{FF2B5EF4-FFF2-40B4-BE49-F238E27FC236}">
-                <a16:creationId xmlns:a16="http://schemas.microsoft.com/office/drawing/2014/main" id="{1E9BD04D-6AF1-8B1A-A8F4-248361D180CA}"/>
+          <p:cNvPr id="22" name="사각형: 둥근 모서리 21">
+            <a:extLst>
+              <a:ext uri="{FF2B5EF4-FFF2-40B4-BE49-F238E27FC236}">
+                <a16:creationId xmlns:a16="http://schemas.microsoft.com/office/drawing/2014/main" id="{FCFA1AC0-706A-FA7B-A3CB-A20B754EF979}"/>
               </a:ext>
             </a:extLst>
           </p:cNvPr>
@@ -10290,8 +10290,98 @@
         </p:nvSpPr>
         <p:spPr>
           <a:xfrm>
-            <a:off x="2736108" y="4356916"/>
-            <a:ext cx="1669312" cy="381609"/>
+            <a:off x="2457714" y="5497025"/>
+            <a:ext cx="1013637" cy="381609"/>
+          </a:xfrm>
+          <a:prstGeom prst="roundRect">
+            <a:avLst/>
+          </a:prstGeom>
+        </p:spPr>
+        <p:style>
+          <a:lnRef idx="2">
+            <a:schemeClr val="accent6">
+              <a:shade val="15000"/>
+            </a:schemeClr>
+          </a:lnRef>
+          <a:fillRef idx="1">
+            <a:schemeClr val="accent6"/>
+          </a:fillRef>
+          <a:effectRef idx="0">
+            <a:schemeClr val="accent6"/>
+          </a:effectRef>
+          <a:fontRef idx="minor">
+            <a:schemeClr val="lt1"/>
+          </a:fontRef>
+        </p:style>
+        <p:txBody>
+          <a:bodyPr rtlCol="0" anchor="ctr"/>
+          <a:lstStyle/>
+          <a:p>
+            <a:pPr algn="ctr"/>
+            <a:endParaRPr lang="ko-KR" altLang="en-US"/>
+          </a:p>
+        </p:txBody>
+      </p:sp>
+      <p:sp>
+        <p:nvSpPr>
+          <p:cNvPr id="3" name="사각형: 둥근 모서리 2">
+            <a:extLst>
+              <a:ext uri="{FF2B5EF4-FFF2-40B4-BE49-F238E27FC236}">
+                <a16:creationId xmlns:a16="http://schemas.microsoft.com/office/drawing/2014/main" id="{8BBF2C99-8980-E8C0-267D-C270FCE0FF02}"/>
+              </a:ext>
+            </a:extLst>
+          </p:cNvPr>
+          <p:cNvSpPr/>
+          <p:nvPr/>
+        </p:nvSpPr>
+        <p:spPr>
+          <a:xfrm>
+            <a:off x="3480391" y="4947139"/>
+            <a:ext cx="3437860" cy="381609"/>
+          </a:xfrm>
+          <a:prstGeom prst="roundRect">
+            <a:avLst/>
+          </a:prstGeom>
+        </p:spPr>
+        <p:style>
+          <a:lnRef idx="0">
+            <a:schemeClr val="dk1"/>
+          </a:lnRef>
+          <a:fillRef idx="3">
+            <a:schemeClr val="dk1"/>
+          </a:fillRef>
+          <a:effectRef idx="3">
+            <a:schemeClr val="dk1"/>
+          </a:effectRef>
+          <a:fontRef idx="minor">
+            <a:schemeClr val="lt1"/>
+          </a:fontRef>
+        </p:style>
+        <p:txBody>
+          <a:bodyPr rtlCol="0" anchor="ctr"/>
+          <a:lstStyle/>
+          <a:p>
+            <a:pPr algn="ctr"/>
+            <a:endParaRPr lang="ko-KR" altLang="en-US"/>
+          </a:p>
+        </p:txBody>
+      </p:sp>
+      <p:sp>
+        <p:nvSpPr>
+          <p:cNvPr id="4" name="사각형: 둥근 모서리 3">
+            <a:extLst>
+              <a:ext uri="{FF2B5EF4-FFF2-40B4-BE49-F238E27FC236}">
+                <a16:creationId xmlns:a16="http://schemas.microsoft.com/office/drawing/2014/main" id="{4FC2057F-D957-3B42-E809-1F3C8CB30FA1}"/>
+              </a:ext>
+            </a:extLst>
+          </p:cNvPr>
+          <p:cNvSpPr/>
+          <p:nvPr/>
+        </p:nvSpPr>
+        <p:spPr>
+          <a:xfrm>
+            <a:off x="1443480" y="3142793"/>
+            <a:ext cx="452271" cy="381609"/>
           </a:xfrm>
           <a:prstGeom prst="roundRect">
             <a:avLst/>
@@ -10329,10 +10419,10 @@
       </p:sp>
       <p:sp>
         <p:nvSpPr>
-          <p:cNvPr id="21" name="사각형: 둥근 모서리 20">
-            <a:extLst>
-              <a:ext uri="{FF2B5EF4-FFF2-40B4-BE49-F238E27FC236}">
-                <a16:creationId xmlns:a16="http://schemas.microsoft.com/office/drawing/2014/main" id="{7FFFD62C-66D8-C0BD-5901-89AE4CA26C92}"/>
+          <p:cNvPr id="7" name="사각형: 둥근 모서리 6">
+            <a:extLst>
+              <a:ext uri="{FF2B5EF4-FFF2-40B4-BE49-F238E27FC236}">
+                <a16:creationId xmlns:a16="http://schemas.microsoft.com/office/drawing/2014/main" id="{9CAB7097-B78C-ED83-A72D-E9076F0C19B0}"/>
               </a:ext>
             </a:extLst>
           </p:cNvPr>
@@ -10341,8 +10431,8 @@
         </p:nvSpPr>
         <p:spPr>
           <a:xfrm>
-            <a:off x="2736108" y="4958939"/>
-            <a:ext cx="6110180" cy="381609"/>
+            <a:off x="2457713" y="6096989"/>
+            <a:ext cx="1013637" cy="381609"/>
           </a:xfrm>
           <a:prstGeom prst="roundRect">
             <a:avLst/>
@@ -10359,96 +10449,6 @@
           </a:fillRef>
           <a:effectRef idx="0">
             <a:schemeClr val="accent6"/>
-          </a:effectRef>
-          <a:fontRef idx="minor">
-            <a:schemeClr val="lt1"/>
-          </a:fontRef>
-        </p:style>
-        <p:txBody>
-          <a:bodyPr rtlCol="0" anchor="ctr"/>
-          <a:lstStyle/>
-          <a:p>
-            <a:pPr algn="ctr"/>
-            <a:endParaRPr lang="ko-KR" altLang="en-US"/>
-          </a:p>
-        </p:txBody>
-      </p:sp>
-      <p:sp>
-        <p:nvSpPr>
-          <p:cNvPr id="22" name="사각형: 둥근 모서리 21">
-            <a:extLst>
-              <a:ext uri="{FF2B5EF4-FFF2-40B4-BE49-F238E27FC236}">
-                <a16:creationId xmlns:a16="http://schemas.microsoft.com/office/drawing/2014/main" id="{FCFA1AC0-706A-FA7B-A3CB-A20B754EF979}"/>
-              </a:ext>
-            </a:extLst>
-          </p:cNvPr>
-          <p:cNvSpPr/>
-          <p:nvPr/>
-        </p:nvSpPr>
-        <p:spPr>
-          <a:xfrm>
-            <a:off x="4504659" y="5507753"/>
-            <a:ext cx="1662224" cy="381609"/>
-          </a:xfrm>
-          <a:prstGeom prst="roundRect">
-            <a:avLst/>
-          </a:prstGeom>
-        </p:spPr>
-        <p:style>
-          <a:lnRef idx="2">
-            <a:schemeClr val="accent6">
-              <a:shade val="15000"/>
-            </a:schemeClr>
-          </a:lnRef>
-          <a:fillRef idx="1">
-            <a:schemeClr val="accent6"/>
-          </a:fillRef>
-          <a:effectRef idx="0">
-            <a:schemeClr val="accent6"/>
-          </a:effectRef>
-          <a:fontRef idx="minor">
-            <a:schemeClr val="lt1"/>
-          </a:fontRef>
-        </p:style>
-        <p:txBody>
-          <a:bodyPr rtlCol="0" anchor="ctr"/>
-          <a:lstStyle/>
-          <a:p>
-            <a:pPr algn="ctr"/>
-            <a:endParaRPr lang="ko-KR" altLang="en-US"/>
-          </a:p>
-        </p:txBody>
-      </p:sp>
-      <p:sp>
-        <p:nvSpPr>
-          <p:cNvPr id="25" name="사각형: 둥근 모서리 24">
-            <a:extLst>
-              <a:ext uri="{FF2B5EF4-FFF2-40B4-BE49-F238E27FC236}">
-                <a16:creationId xmlns:a16="http://schemas.microsoft.com/office/drawing/2014/main" id="{3B0E4D0B-6957-11FE-CFE4-88A550095AE7}"/>
-              </a:ext>
-            </a:extLst>
-          </p:cNvPr>
-          <p:cNvSpPr/>
-          <p:nvPr/>
-        </p:nvSpPr>
-        <p:spPr>
-          <a:xfrm>
-            <a:off x="2736108" y="6096641"/>
-            <a:ext cx="418218" cy="381609"/>
-          </a:xfrm>
-          <a:prstGeom prst="roundRect">
-            <a:avLst/>
-          </a:prstGeom>
-        </p:spPr>
-        <p:style>
-          <a:lnRef idx="0">
-            <a:schemeClr val="dk1"/>
-          </a:lnRef>
-          <a:fillRef idx="3">
-            <a:schemeClr val="dk1"/>
-          </a:fillRef>
-          <a:effectRef idx="3">
-            <a:schemeClr val="dk1"/>
           </a:effectRef>
           <a:fontRef idx="minor">
             <a:schemeClr val="lt1"/>
@@ -13061,10 +13061,10 @@
       </p:grpSpPr>
       <p:sp>
         <p:nvSpPr>
-          <p:cNvPr id="17" name="화살표: U자형 16">
-            <a:extLst>
-              <a:ext uri="{FF2B5EF4-FFF2-40B4-BE49-F238E27FC236}">
-                <a16:creationId xmlns:a16="http://schemas.microsoft.com/office/drawing/2014/main" id="{89FA87CC-6FA0-237E-903A-3113376F522E}"/>
+          <p:cNvPr id="18" name="다이아몬드 17">
+            <a:extLst>
+              <a:ext uri="{FF2B5EF4-FFF2-40B4-BE49-F238E27FC236}">
+                <a16:creationId xmlns:a16="http://schemas.microsoft.com/office/drawing/2014/main" id="{BFB74852-0F03-9401-CEF5-04575F29F94B}"/>
               </a:ext>
             </a:extLst>
           </p:cNvPr>
@@ -13072,65 +13072,9 @@
           <p:nvPr/>
         </p:nvSpPr>
         <p:spPr>
-          <a:xfrm flipH="1">
-            <a:off x="6617373" y="1080607"/>
-            <a:ext cx="1337132" cy="1029671"/>
-          </a:xfrm>
-          <a:prstGeom prst="uturnArrow">
-            <a:avLst>
-              <a:gd name="adj1" fmla="val 25000"/>
-              <a:gd name="adj2" fmla="val 25000"/>
-              <a:gd name="adj3" fmla="val 41020"/>
-              <a:gd name="adj4" fmla="val 43750"/>
-              <a:gd name="adj5" fmla="val 100000"/>
-            </a:avLst>
-          </a:prstGeom>
-        </p:spPr>
-        <p:style>
-          <a:lnRef idx="2">
-            <a:schemeClr val="accent6">
-              <a:shade val="15000"/>
-            </a:schemeClr>
-          </a:lnRef>
-          <a:fillRef idx="1">
-            <a:schemeClr val="accent6"/>
-          </a:fillRef>
-          <a:effectRef idx="0">
-            <a:schemeClr val="accent6"/>
-          </a:effectRef>
-          <a:fontRef idx="minor">
-            <a:schemeClr val="lt1"/>
-          </a:fontRef>
-        </p:style>
-        <p:txBody>
-          <a:bodyPr rtlCol="0" anchor="ctr"/>
-          <a:lstStyle/>
-          <a:p>
-            <a:pPr algn="ctr"/>
-            <a:endParaRPr lang="ko-KR" altLang="en-US">
-              <a:solidFill>
-                <a:schemeClr val="tx1"/>
-              </a:solidFill>
-            </a:endParaRPr>
-          </a:p>
-        </p:txBody>
-      </p:sp>
-      <p:sp>
-        <p:nvSpPr>
-          <p:cNvPr id="18" name="다이아몬드 17">
-            <a:extLst>
-              <a:ext uri="{FF2B5EF4-FFF2-40B4-BE49-F238E27FC236}">
-                <a16:creationId xmlns:a16="http://schemas.microsoft.com/office/drawing/2014/main" id="{BFB74852-0F03-9401-CEF5-04575F29F94B}"/>
-              </a:ext>
-            </a:extLst>
-          </p:cNvPr>
-          <p:cNvSpPr/>
-          <p:nvPr/>
-        </p:nvSpPr>
-        <p:spPr>
           <a:xfrm>
-            <a:off x="3254885" y="4349949"/>
-            <a:ext cx="3011876" cy="975540"/>
+            <a:off x="3031568" y="3237524"/>
+            <a:ext cx="1896053" cy="947205"/>
           </a:xfrm>
           <a:prstGeom prst="diamond">
             <a:avLst/>
@@ -13157,156 +13101,10 @@
           <a:lstStyle/>
           <a:p>
             <a:pPr algn="ctr"/>
-            <a:endParaRPr lang="ko-KR" altLang="en-US" dirty="0"/>
-          </a:p>
-        </p:txBody>
-      </p:sp>
-      <p:sp>
-        <p:nvSpPr>
-          <p:cNvPr id="16" name="사각형: 둥근 모서리 15">
-            <a:extLst>
-              <a:ext uri="{FF2B5EF4-FFF2-40B4-BE49-F238E27FC236}">
-                <a16:creationId xmlns:a16="http://schemas.microsoft.com/office/drawing/2014/main" id="{273F2C81-95D7-FCF4-B14F-45DF9219482D}"/>
-              </a:ext>
-            </a:extLst>
-          </p:cNvPr>
-          <p:cNvSpPr/>
-          <p:nvPr/>
-        </p:nvSpPr>
-        <p:spPr>
-          <a:xfrm>
-            <a:off x="7422519" y="2281594"/>
-            <a:ext cx="4212081" cy="1479394"/>
-          </a:xfrm>
-          <a:prstGeom prst="roundRect">
-            <a:avLst/>
-          </a:prstGeom>
-        </p:spPr>
-        <p:style>
-          <a:lnRef idx="2">
-            <a:schemeClr val="accent2">
-              <a:shade val="15000"/>
-            </a:schemeClr>
-          </a:lnRef>
-          <a:fillRef idx="1">
-            <a:schemeClr val="accent2"/>
-          </a:fillRef>
-          <a:effectRef idx="0">
-            <a:schemeClr val="accent2"/>
-          </a:effectRef>
-          <a:fontRef idx="minor">
-            <a:schemeClr val="lt1"/>
-          </a:fontRef>
-        </p:style>
-        <p:txBody>
-          <a:bodyPr rtlCol="0" anchor="ctr"/>
-          <a:lstStyle/>
-          <a:p>
-            <a:pPr marL="736600">
-              <a:lnSpc>
-                <a:spcPct val="107000"/>
-              </a:lnSpc>
-              <a:spcAft>
-                <a:spcPts val="800"/>
-              </a:spcAft>
-            </a:pPr>
-            <a:r>
-              <a:rPr lang="ko-KR" altLang="en-US" dirty="0">
-                <a:latin typeface="굴림" panose="020B0600000101010101" pitchFamily="50" charset="-127"/>
-                <a:ea typeface="굴림" panose="020B0600000101010101" pitchFamily="50" charset="-127"/>
-                <a:cs typeface="KoPubWorld돋움체 Light" panose="00000300000000000000" pitchFamily="2" charset="-127"/>
-              </a:rPr>
-              <a:t>적의 생성</a:t>
-            </a:r>
-            <a:r>
-              <a:rPr lang="en-US" altLang="ko-KR" dirty="0">
-                <a:latin typeface="굴림" panose="020B0600000101010101" pitchFamily="50" charset="-127"/>
-                <a:ea typeface="굴림" panose="020B0600000101010101" pitchFamily="50" charset="-127"/>
-                <a:cs typeface="KoPubWorld돋움체 Light" panose="00000300000000000000" pitchFamily="2" charset="-127"/>
-              </a:rPr>
-              <a:t>: 200 * N (WAVE)</a:t>
-            </a:r>
-          </a:p>
-        </p:txBody>
-      </p:sp>
-      <p:sp>
-        <p:nvSpPr>
-          <p:cNvPr id="12" name="사각형: 둥근 모서리 11">
-            <a:extLst>
-              <a:ext uri="{FF2B5EF4-FFF2-40B4-BE49-F238E27FC236}">
-                <a16:creationId xmlns:a16="http://schemas.microsoft.com/office/drawing/2014/main" id="{A9D9FE70-43C7-07F2-562F-6CF0176E1C9C}"/>
-              </a:ext>
-            </a:extLst>
-          </p:cNvPr>
-          <p:cNvSpPr/>
-          <p:nvPr/>
-        </p:nvSpPr>
-        <p:spPr>
-          <a:xfrm>
-            <a:off x="1298555" y="2247385"/>
-            <a:ext cx="5987384" cy="1515394"/>
-          </a:xfrm>
-          <a:prstGeom prst="roundRect">
-            <a:avLst/>
-          </a:prstGeom>
-        </p:spPr>
-        <p:style>
-          <a:lnRef idx="2">
-            <a:schemeClr val="accent2">
-              <a:shade val="15000"/>
-            </a:schemeClr>
-          </a:lnRef>
-          <a:fillRef idx="1">
-            <a:schemeClr val="accent2"/>
-          </a:fillRef>
-          <a:effectRef idx="0">
-            <a:schemeClr val="accent2"/>
-          </a:effectRef>
-          <a:fontRef idx="minor">
-            <a:schemeClr val="lt1"/>
-          </a:fontRef>
-        </p:style>
-        <p:txBody>
-          <a:bodyPr rtlCol="0" anchor="ctr"/>
-          <a:lstStyle/>
-          <a:p>
-            <a:pPr marL="736600">
-              <a:lnSpc>
-                <a:spcPct val="107000"/>
-              </a:lnSpc>
-              <a:spcAft>
-                <a:spcPts val="800"/>
-              </a:spcAft>
-            </a:pPr>
-            <a:r>
-              <a:rPr lang="en-US" altLang="ko-KR" sz="1800">
-                <a:latin typeface="굴림" panose="020B0600000101010101" pitchFamily="50" charset="-127"/>
-                <a:ea typeface="굴림" panose="020B0600000101010101" pitchFamily="50" charset="-127"/>
-                <a:cs typeface="KoPubWorld돋움체 Light" panose="00000300000000000000" pitchFamily="2" charset="-127"/>
-              </a:rPr>
-              <a:t> </a:t>
-            </a:r>
-            <a:r>
-              <a:rPr lang="ko-KR" altLang="en-US" sz="1800">
-                <a:latin typeface="굴림" panose="020B0600000101010101" pitchFamily="50" charset="-127"/>
-                <a:ea typeface="굴림" panose="020B0600000101010101" pitchFamily="50" charset="-127"/>
-                <a:cs typeface="KoPubWorld돋움체 Light" panose="00000300000000000000" pitchFamily="2" charset="-127"/>
-              </a:rPr>
-              <a:t>웨이브당 생성되어 몰려오는 적들을 죽인다</a:t>
-            </a:r>
-            <a:r>
-              <a:rPr lang="en-US" altLang="ko-KR" sz="1800">
-                <a:latin typeface="굴림" panose="020B0600000101010101" pitchFamily="50" charset="-127"/>
-                <a:ea typeface="굴림" panose="020B0600000101010101" pitchFamily="50" charset="-127"/>
-                <a:cs typeface="KoPubWorld돋움체 Light" panose="00000300000000000000" pitchFamily="2" charset="-127"/>
-              </a:rPr>
-              <a:t>.</a:t>
-            </a:r>
-            <a:endParaRPr lang="en-US" altLang="ko-KR" sz="1800" dirty="0">
-              <a:latin typeface="굴림" panose="020B0600000101010101" pitchFamily="50" charset="-127"/>
-              <a:ea typeface="굴림" panose="020B0600000101010101" pitchFamily="50" charset="-127"/>
-              <a:cs typeface="KoPubWorld돋움체 Light" panose="00000300000000000000" pitchFamily="2" charset="-127"/>
-            </a:endParaRPr>
+            <a:r>
+              <a:rPr lang="ko-KR" altLang="en-US" sz="1400" dirty="0"/>
+              <a:t>플레이어 생존</a:t>
+            </a:r>
           </a:p>
         </p:txBody>
       </p:sp>
@@ -13523,276 +13321,20 @@
       </p:sp>
       <p:sp>
         <p:nvSpPr>
-          <p:cNvPr id="8" name="TextBox 7">
-            <a:extLst>
-              <a:ext uri="{FF2B5EF4-FFF2-40B4-BE49-F238E27FC236}">
-                <a16:creationId xmlns:a16="http://schemas.microsoft.com/office/drawing/2014/main" id="{BEAC3D7C-F3DF-F8D9-3E25-110030C3F556}"/>
-              </a:ext>
-            </a:extLst>
-          </p:cNvPr>
-          <p:cNvSpPr txBox="1"/>
+          <p:cNvPr id="19" name="화살표: 아래쪽 18">
+            <a:extLst>
+              <a:ext uri="{FF2B5EF4-FFF2-40B4-BE49-F238E27FC236}">
+                <a16:creationId xmlns:a16="http://schemas.microsoft.com/office/drawing/2014/main" id="{AD5DE181-9177-CBAE-044E-6F48A410AA1E}"/>
+              </a:ext>
+            </a:extLst>
+          </p:cNvPr>
+          <p:cNvSpPr/>
           <p:nvPr/>
         </p:nvSpPr>
         <p:spPr>
           <a:xfrm>
-            <a:off x="3311634" y="4573610"/>
-            <a:ext cx="2431312" cy="499176"/>
-          </a:xfrm>
-          <a:prstGeom prst="rect">
-            <a:avLst/>
-          </a:prstGeom>
-          <a:noFill/>
-        </p:spPr>
-        <p:txBody>
-          <a:bodyPr wrap="square" rtlCol="0">
-            <a:spAutoFit/>
-          </a:bodyPr>
-          <a:lstStyle/>
-          <a:p>
-            <a:pPr marL="736600">
-              <a:lnSpc>
-                <a:spcPct val="107000"/>
-              </a:lnSpc>
-              <a:spcAft>
-                <a:spcPts val="800"/>
-              </a:spcAft>
-            </a:pPr>
-            <a:r>
-              <a:rPr lang="ko-KR" altLang="en-US" sz="2800" dirty="0">
-                <a:latin typeface="굴림" panose="020B0600000101010101" pitchFamily="50" charset="-127"/>
-                <a:ea typeface="굴림" panose="020B0600000101010101" pitchFamily="50" charset="-127"/>
-                <a:cs typeface="KoPubWorld돋움체 Light" panose="00000300000000000000" pitchFamily="2" charset="-127"/>
-              </a:rPr>
-              <a:t>승리판정</a:t>
-            </a:r>
-            <a:endParaRPr lang="en-US" altLang="ko-KR" sz="2800" dirty="0">
-              <a:latin typeface="굴림" panose="020B0600000101010101" pitchFamily="50" charset="-127"/>
-              <a:ea typeface="굴림" panose="020B0600000101010101" pitchFamily="50" charset="-127"/>
-              <a:cs typeface="KoPubWorld돋움체 Light" panose="00000300000000000000" pitchFamily="2" charset="-127"/>
-            </a:endParaRPr>
-          </a:p>
-        </p:txBody>
-      </p:sp>
-      <p:sp>
-        <p:nvSpPr>
-          <p:cNvPr id="10" name="TextBox 9">
-            <a:extLst>
-              <a:ext uri="{FF2B5EF4-FFF2-40B4-BE49-F238E27FC236}">
-                <a16:creationId xmlns:a16="http://schemas.microsoft.com/office/drawing/2014/main" id="{20E7D4D2-1616-470A-D557-446A388728D1}"/>
-              </a:ext>
-            </a:extLst>
-          </p:cNvPr>
-          <p:cNvSpPr txBox="1"/>
-          <p:nvPr/>
-        </p:nvSpPr>
-        <p:spPr>
-          <a:xfrm>
-            <a:off x="2048539" y="5999747"/>
-            <a:ext cx="6365382" cy="752835"/>
-          </a:xfrm>
-          <a:prstGeom prst="rect">
-            <a:avLst/>
-          </a:prstGeom>
-        </p:spPr>
-        <p:style>
-          <a:lnRef idx="2">
-            <a:schemeClr val="accent2">
-              <a:shade val="15000"/>
-            </a:schemeClr>
-          </a:lnRef>
-          <a:fillRef idx="1">
-            <a:schemeClr val="accent2"/>
-          </a:fillRef>
-          <a:effectRef idx="0">
-            <a:schemeClr val="accent2"/>
-          </a:effectRef>
-          <a:fontRef idx="minor">
-            <a:schemeClr val="lt1"/>
-          </a:fontRef>
-        </p:style>
-        <p:txBody>
-          <a:bodyPr wrap="square" rtlCol="0">
-            <a:spAutoFit/>
-          </a:bodyPr>
-          <a:lstStyle/>
-          <a:p>
-            <a:pPr marL="736600">
-              <a:lnSpc>
-                <a:spcPct val="107000"/>
-              </a:lnSpc>
-              <a:spcAft>
-                <a:spcPts val="800"/>
-              </a:spcAft>
-            </a:pPr>
-            <a:r>
-              <a:rPr lang="ko-KR" altLang="en-US" dirty="0">
-                <a:latin typeface="굴림" panose="020B0600000101010101" pitchFamily="50" charset="-127"/>
-                <a:ea typeface="굴림" panose="020B0600000101010101" pitchFamily="50" charset="-127"/>
-                <a:cs typeface="KoPubWorld돋움체 Light" panose="00000300000000000000" pitchFamily="2" charset="-127"/>
-              </a:rPr>
-              <a:t>승리</a:t>
-            </a:r>
-            <a:r>
-              <a:rPr lang="en-US" altLang="ko-KR" dirty="0">
-                <a:latin typeface="굴림" panose="020B0600000101010101" pitchFamily="50" charset="-127"/>
-                <a:ea typeface="굴림" panose="020B0600000101010101" pitchFamily="50" charset="-127"/>
-                <a:cs typeface="KoPubWorld돋움체 Light" panose="00000300000000000000" pitchFamily="2" charset="-127"/>
-              </a:rPr>
-              <a:t>: </a:t>
-            </a:r>
-            <a:r>
-              <a:rPr lang="ko-KR" altLang="en-US" dirty="0">
-                <a:latin typeface="굴림" panose="020B0600000101010101" pitchFamily="50" charset="-127"/>
-                <a:ea typeface="굴림" panose="020B0600000101010101" pitchFamily="50" charset="-127"/>
-                <a:cs typeface="KoPubWorld돋움체 Light" panose="00000300000000000000" pitchFamily="2" charset="-127"/>
-              </a:rPr>
-              <a:t>우주선이 도착하기까지 </a:t>
-            </a:r>
-            <a:r>
-              <a:rPr lang="en-US" altLang="ko-KR" dirty="0">
-                <a:latin typeface="굴림" panose="020B0600000101010101" pitchFamily="50" charset="-127"/>
-                <a:ea typeface="굴림" panose="020B0600000101010101" pitchFamily="50" charset="-127"/>
-                <a:cs typeface="KoPubWorld돋움체 Light" panose="00000300000000000000" pitchFamily="2" charset="-127"/>
-              </a:rPr>
-              <a:t>10</a:t>
-            </a:r>
-            <a:r>
-              <a:rPr lang="ko-KR" altLang="en-US" dirty="0">
-                <a:latin typeface="굴림" panose="020B0600000101010101" pitchFamily="50" charset="-127"/>
-                <a:ea typeface="굴림" panose="020B0600000101010101" pitchFamily="50" charset="-127"/>
-                <a:cs typeface="KoPubWorld돋움체 Light" panose="00000300000000000000" pitchFamily="2" charset="-127"/>
-              </a:rPr>
-              <a:t>분을 버티면 승리</a:t>
-            </a:r>
-            <a:endParaRPr lang="en-US" altLang="ko-KR" dirty="0">
-              <a:latin typeface="굴림" panose="020B0600000101010101" pitchFamily="50" charset="-127"/>
-              <a:ea typeface="굴림" panose="020B0600000101010101" pitchFamily="50" charset="-127"/>
-              <a:cs typeface="KoPubWorld돋움체 Light" panose="00000300000000000000" pitchFamily="2" charset="-127"/>
-            </a:endParaRPr>
-          </a:p>
-          <a:p>
-            <a:pPr marL="736600">
-              <a:lnSpc>
-                <a:spcPct val="107000"/>
-              </a:lnSpc>
-              <a:spcAft>
-                <a:spcPts val="800"/>
-              </a:spcAft>
-            </a:pPr>
-            <a:r>
-              <a:rPr lang="ko-KR" altLang="en-US" dirty="0">
-                <a:latin typeface="굴림" panose="020B0600000101010101" pitchFamily="50" charset="-127"/>
-                <a:ea typeface="굴림" panose="020B0600000101010101" pitchFamily="50" charset="-127"/>
-                <a:cs typeface="KoPubWorld돋움체 Light" panose="00000300000000000000" pitchFamily="2" charset="-127"/>
-              </a:rPr>
-              <a:t>패배</a:t>
-            </a:r>
-            <a:r>
-              <a:rPr lang="en-US" altLang="ko-KR" dirty="0">
-                <a:latin typeface="굴림" panose="020B0600000101010101" pitchFamily="50" charset="-127"/>
-                <a:ea typeface="굴림" panose="020B0600000101010101" pitchFamily="50" charset="-127"/>
-                <a:cs typeface="KoPubWorld돋움체 Light" panose="00000300000000000000" pitchFamily="2" charset="-127"/>
-              </a:rPr>
-              <a:t>: PLAYER </a:t>
-            </a:r>
-            <a:r>
-              <a:rPr lang="ko-KR" altLang="en-US" dirty="0">
-                <a:latin typeface="굴림" panose="020B0600000101010101" pitchFamily="50" charset="-127"/>
-                <a:ea typeface="굴림" panose="020B0600000101010101" pitchFamily="50" charset="-127"/>
-                <a:cs typeface="KoPubWorld돋움체 Light" panose="00000300000000000000" pitchFamily="2" charset="-127"/>
-              </a:rPr>
-              <a:t>사망 시 패배</a:t>
-            </a:r>
-            <a:endParaRPr lang="en-US" altLang="ko-KR" dirty="0">
-              <a:latin typeface="굴림" panose="020B0600000101010101" pitchFamily="50" charset="-127"/>
-              <a:ea typeface="굴림" panose="020B0600000101010101" pitchFamily="50" charset="-127"/>
-              <a:cs typeface="KoPubWorld돋움체 Light" panose="00000300000000000000" pitchFamily="2" charset="-127"/>
-            </a:endParaRPr>
-          </a:p>
-        </p:txBody>
-      </p:sp>
-      <p:sp>
-        <p:nvSpPr>
-          <p:cNvPr id="13" name="폭발: 14pt 12">
-            <a:extLst>
-              <a:ext uri="{FF2B5EF4-FFF2-40B4-BE49-F238E27FC236}">
-                <a16:creationId xmlns:a16="http://schemas.microsoft.com/office/drawing/2014/main" id="{23026B5F-91C2-CA69-6D11-D59A7035572F}"/>
-              </a:ext>
-            </a:extLst>
-          </p:cNvPr>
-          <p:cNvSpPr/>
-          <p:nvPr/>
-        </p:nvSpPr>
-        <p:spPr>
-          <a:xfrm>
-            <a:off x="110439" y="3077884"/>
-            <a:ext cx="2500943" cy="1479394"/>
-          </a:xfrm>
-          <a:prstGeom prst="irregularSeal2">
-            <a:avLst/>
-          </a:prstGeom>
-        </p:spPr>
-        <p:style>
-          <a:lnRef idx="2">
-            <a:schemeClr val="accent6">
-              <a:shade val="15000"/>
-            </a:schemeClr>
-          </a:lnRef>
-          <a:fillRef idx="1">
-            <a:schemeClr val="accent6"/>
-          </a:fillRef>
-          <a:effectRef idx="0">
-            <a:schemeClr val="accent6"/>
-          </a:effectRef>
-          <a:fontRef idx="minor">
-            <a:schemeClr val="lt1"/>
-          </a:fontRef>
-        </p:style>
-        <p:txBody>
-          <a:bodyPr rtlCol="0" anchor="ctr"/>
-          <a:lstStyle/>
-          <a:p>
-            <a:pPr algn="ctr"/>
-            <a:r>
-              <a:rPr lang="ko-KR" altLang="en-US" dirty="0">
-                <a:solidFill>
-                  <a:schemeClr val="tx1"/>
-                </a:solidFill>
-              </a:rPr>
-              <a:t>방사능 </a:t>
-            </a:r>
-            <a:r>
-              <a:rPr lang="en-US" altLang="ko-KR" dirty="0">
-                <a:solidFill>
-                  <a:schemeClr val="tx1"/>
-                </a:solidFill>
-              </a:rPr>
-              <a:t>EVENT</a:t>
-            </a:r>
-            <a:endParaRPr lang="ko-KR" altLang="en-US" dirty="0">
-              <a:solidFill>
-                <a:schemeClr val="tx1"/>
-              </a:solidFill>
-            </a:endParaRPr>
-          </a:p>
-        </p:txBody>
-      </p:sp>
-      <p:sp>
-        <p:nvSpPr>
-          <p:cNvPr id="19" name="화살표: 아래쪽 18">
-            <a:extLst>
-              <a:ext uri="{FF2B5EF4-FFF2-40B4-BE49-F238E27FC236}">
-                <a16:creationId xmlns:a16="http://schemas.microsoft.com/office/drawing/2014/main" id="{AD5DE181-9177-CBAE-044E-6F48A410AA1E}"/>
-              </a:ext>
-            </a:extLst>
-          </p:cNvPr>
-          <p:cNvSpPr/>
-          <p:nvPr/>
-        </p:nvSpPr>
-        <p:spPr>
-          <a:xfrm>
-            <a:off x="4411719" y="3760988"/>
-            <a:ext cx="647636" cy="593492"/>
+            <a:off x="3815844" y="2756796"/>
+            <a:ext cx="327502" cy="409580"/>
           </a:xfrm>
           <a:prstGeom prst="downArrow">
             <a:avLst/>
@@ -13825,10 +13367,10 @@
       </p:sp>
       <p:sp>
         <p:nvSpPr>
-          <p:cNvPr id="20" name="화살표: 위로 굽음 19">
-            <a:extLst>
-              <a:ext uri="{FF2B5EF4-FFF2-40B4-BE49-F238E27FC236}">
-                <a16:creationId xmlns:a16="http://schemas.microsoft.com/office/drawing/2014/main" id="{ADBA8698-829F-5C64-06EC-8EDB7831A655}"/>
+          <p:cNvPr id="3" name="타원 2">
+            <a:extLst>
+              <a:ext uri="{FF2B5EF4-FFF2-40B4-BE49-F238E27FC236}">
+                <a16:creationId xmlns:a16="http://schemas.microsoft.com/office/drawing/2014/main" id="{5DEB18D5-993E-AFC0-D952-97363A9DF8B1}"/>
               </a:ext>
             </a:extLst>
           </p:cNvPr>
@@ -13837,27 +13379,25 @@
         </p:nvSpPr>
         <p:spPr>
           <a:xfrm>
-            <a:off x="6346361" y="3864901"/>
-            <a:ext cx="3168502" cy="1385999"/>
-          </a:xfrm>
-          <a:prstGeom prst="bentUpArrow">
+            <a:off x="3373013" y="1992089"/>
+            <a:ext cx="1213164" cy="646331"/>
+          </a:xfrm>
+          <a:prstGeom prst="ellipse">
             <a:avLst/>
           </a:prstGeom>
         </p:spPr>
         <p:style>
-          <a:lnRef idx="2">
-            <a:schemeClr val="accent6">
-              <a:shade val="15000"/>
-            </a:schemeClr>
+          <a:lnRef idx="1">
+            <a:schemeClr val="accent1"/>
           </a:lnRef>
-          <a:fillRef idx="1">
-            <a:schemeClr val="accent6"/>
+          <a:fillRef idx="2">
+            <a:schemeClr val="accent1"/>
           </a:fillRef>
-          <a:effectRef idx="0">
-            <a:schemeClr val="accent6"/>
+          <a:effectRef idx="1">
+            <a:schemeClr val="accent1"/>
           </a:effectRef>
           <a:fontRef idx="minor">
-            <a:schemeClr val="lt1"/>
+            <a:schemeClr val="dk1"/>
           </a:fontRef>
         </p:style>
         <p:txBody>
@@ -13865,16 +13405,19 @@
           <a:lstStyle/>
           <a:p>
             <a:pPr algn="ctr"/>
-            <a:endParaRPr lang="ko-KR" altLang="en-US"/>
-          </a:p>
-        </p:txBody>
-      </p:sp>
-      <p:sp>
-        <p:nvSpPr>
-          <p:cNvPr id="21" name="화살표: 아래쪽 20">
-            <a:extLst>
-              <a:ext uri="{FF2B5EF4-FFF2-40B4-BE49-F238E27FC236}">
-                <a16:creationId xmlns:a16="http://schemas.microsoft.com/office/drawing/2014/main" id="{1D68E1AE-A6A4-5D37-9C00-8AEE2702B7BB}"/>
+            <a:r>
+              <a:rPr lang="ko-KR" altLang="en-US"/>
+              <a:t>게임 시작</a:t>
+            </a:r>
+          </a:p>
+        </p:txBody>
+      </p:sp>
+      <p:sp>
+        <p:nvSpPr>
+          <p:cNvPr id="4" name="화살표: 아래쪽 3">
+            <a:extLst>
+              <a:ext uri="{FF2B5EF4-FFF2-40B4-BE49-F238E27FC236}">
+                <a16:creationId xmlns:a16="http://schemas.microsoft.com/office/drawing/2014/main" id="{012BE72C-0783-78EB-68B8-E44D635B9CB8}"/>
               </a:ext>
             </a:extLst>
           </p:cNvPr>
@@ -13882,9 +13425,9 @@
           <p:nvPr/>
         </p:nvSpPr>
         <p:spPr>
-          <a:xfrm>
-            <a:off x="4437005" y="5406255"/>
-            <a:ext cx="647636" cy="593492"/>
+          <a:xfrm rot="16200000">
+            <a:off x="5151622" y="3476787"/>
+            <a:ext cx="327502" cy="515462"/>
           </a:xfrm>
           <a:prstGeom prst="downArrow">
             <a:avLst/>
@@ -13911,26 +13454,26 @@
           <a:lstStyle/>
           <a:p>
             <a:pPr algn="ctr"/>
-            <a:endParaRPr lang="ko-KR" altLang="en-US"/>
-          </a:p>
-        </p:txBody>
-      </p:sp>
-      <p:sp>
-        <p:nvSpPr>
-          <p:cNvPr id="25" name="직사각형 24">
-            <a:extLst>
-              <a:ext uri="{FF2B5EF4-FFF2-40B4-BE49-F238E27FC236}">
-                <a16:creationId xmlns:a16="http://schemas.microsoft.com/office/drawing/2014/main" id="{F9650303-D39C-8734-F998-5AC59993F463}"/>
-              </a:ext>
-            </a:extLst>
-          </p:cNvPr>
-          <p:cNvSpPr/>
+            <a:endParaRPr lang="ko-KR" altLang="en-US" dirty="0"/>
+          </a:p>
+        </p:txBody>
+      </p:sp>
+      <p:sp>
+        <p:nvSpPr>
+          <p:cNvPr id="9" name="TextBox 8">
+            <a:extLst>
+              <a:ext uri="{FF2B5EF4-FFF2-40B4-BE49-F238E27FC236}">
+                <a16:creationId xmlns:a16="http://schemas.microsoft.com/office/drawing/2014/main" id="{438A9668-FCA2-5703-87F9-B5C959401B4D}"/>
+              </a:ext>
+            </a:extLst>
+          </p:cNvPr>
+          <p:cNvSpPr txBox="1"/>
           <p:nvPr/>
         </p:nvSpPr>
         <p:spPr>
           <a:xfrm>
-            <a:off x="8057722" y="1926524"/>
-            <a:ext cx="2941674" cy="646331"/>
+            <a:off x="5005593" y="3260914"/>
+            <a:ext cx="515462" cy="369332"/>
           </a:xfrm>
           <a:prstGeom prst="rect">
             <a:avLst/>
@@ -13938,66 +13481,25 @@
           <a:noFill/>
         </p:spPr>
         <p:txBody>
-          <a:bodyPr wrap="square" lIns="91440" tIns="45720" rIns="91440" bIns="45720">
+          <a:bodyPr wrap="none" rtlCol="0">
             <a:spAutoFit/>
           </a:bodyPr>
           <a:lstStyle/>
           <a:p>
-            <a:pPr algn="ctr"/>
-            <a:r>
-              <a:rPr lang="en-US" altLang="ko-KR" sz="3600" dirty="0">
-                <a:ln w="0"/>
-                <a:solidFill>
-                  <a:schemeClr val="accent6"/>
-                </a:solidFill>
-                <a:effectLst>
-                  <a:outerShdw blurRad="38100" dist="19050" dir="2700000" algn="tl" rotWithShape="0">
-                    <a:schemeClr val="dk1">
-                      <a:alpha val="40000"/>
-                    </a:schemeClr>
-                  </a:outerShdw>
-                </a:effectLst>
-              </a:rPr>
-              <a:t>5</a:t>
-            </a:r>
-            <a:r>
-              <a:rPr lang="ko-KR" altLang="en-US" sz="3600" dirty="0">
-                <a:ln w="0"/>
-                <a:solidFill>
-                  <a:schemeClr val="accent6"/>
-                </a:solidFill>
-                <a:effectLst>
-                  <a:outerShdw blurRad="38100" dist="19050" dir="2700000" algn="tl" rotWithShape="0">
-                    <a:schemeClr val="dk1">
-                      <a:alpha val="40000"/>
-                    </a:schemeClr>
-                  </a:outerShdw>
-                </a:effectLst>
-              </a:rPr>
-              <a:t>번 반복</a:t>
-            </a:r>
-            <a:endParaRPr lang="en-US" altLang="ko-KR" sz="3600" dirty="0">
-              <a:ln w="0"/>
-              <a:solidFill>
-                <a:schemeClr val="accent6"/>
-              </a:solidFill>
-              <a:effectLst>
-                <a:outerShdw blurRad="38100" dist="19050" dir="2700000" algn="tl" rotWithShape="0">
-                  <a:schemeClr val="dk1">
-                    <a:alpha val="40000"/>
-                  </a:schemeClr>
-                </a:outerShdw>
-              </a:effectLst>
-            </a:endParaRPr>
-          </a:p>
-        </p:txBody>
-      </p:sp>
-      <p:sp>
-        <p:nvSpPr>
-          <p:cNvPr id="26" name="폭발: 14pt 25">
-            <a:extLst>
-              <a:ext uri="{FF2B5EF4-FFF2-40B4-BE49-F238E27FC236}">
-                <a16:creationId xmlns:a16="http://schemas.microsoft.com/office/drawing/2014/main" id="{2C5D63CA-6433-5EC5-BB8F-4C25DC5EC507}"/>
+            <a:r>
+              <a:rPr lang="en-US" altLang="ko-KR" dirty="0"/>
+              <a:t>Yes</a:t>
+            </a:r>
+            <a:endParaRPr lang="ko-KR" altLang="en-US" dirty="0"/>
+          </a:p>
+        </p:txBody>
+      </p:sp>
+      <p:sp>
+        <p:nvSpPr>
+          <p:cNvPr id="11" name="다이아몬드 10">
+            <a:extLst>
+              <a:ext uri="{FF2B5EF4-FFF2-40B4-BE49-F238E27FC236}">
+                <a16:creationId xmlns:a16="http://schemas.microsoft.com/office/drawing/2014/main" id="{24DC2C08-CF23-F356-45EE-5140814765D0}"/>
               </a:ext>
             </a:extLst>
           </p:cNvPr>
@@ -14006,10 +13508,76 @@
         </p:nvSpPr>
         <p:spPr>
           <a:xfrm>
-            <a:off x="-88497" y="1849661"/>
-            <a:ext cx="2941674" cy="1479394"/>
-          </a:xfrm>
-          <a:prstGeom prst="irregularSeal2">
+            <a:off x="5703125" y="3260914"/>
+            <a:ext cx="1896053" cy="947205"/>
+          </a:xfrm>
+          <a:prstGeom prst="diamond">
+            <a:avLst/>
+          </a:prstGeom>
+        </p:spPr>
+        <p:style>
+          <a:lnRef idx="2">
+            <a:schemeClr val="accent1">
+              <a:shade val="15000"/>
+            </a:schemeClr>
+          </a:lnRef>
+          <a:fillRef idx="1">
+            <a:schemeClr val="accent1"/>
+          </a:fillRef>
+          <a:effectRef idx="0">
+            <a:schemeClr val="accent1"/>
+          </a:effectRef>
+          <a:fontRef idx="minor">
+            <a:schemeClr val="lt1"/>
+          </a:fontRef>
+        </p:style>
+        <p:txBody>
+          <a:bodyPr rtlCol="0" anchor="ctr"/>
+          <a:lstStyle/>
+          <a:p>
+            <a:pPr algn="ctr"/>
+            <a:r>
+              <a:rPr lang="en-US" altLang="ko-KR" sz="1400" dirty="0"/>
+              <a:t>5</a:t>
+            </a:r>
+            <a:r>
+              <a:rPr lang="ko-KR" altLang="en-US" sz="1400" dirty="0"/>
+              <a:t> </a:t>
+            </a:r>
+            <a:r>
+              <a:rPr lang="en-US" altLang="ko-KR" sz="1400" dirty="0"/>
+              <a:t>Wave</a:t>
+            </a:r>
+            <a:r>
+              <a:rPr lang="ko-KR" altLang="en-US" sz="1400" dirty="0"/>
+              <a:t>인가</a:t>
+            </a:r>
+            <a:r>
+              <a:rPr lang="en-US" altLang="ko-KR" sz="1400" dirty="0"/>
+              <a:t>?</a:t>
+            </a:r>
+            <a:endParaRPr lang="ko-KR" altLang="en-US" sz="1400" dirty="0"/>
+          </a:p>
+        </p:txBody>
+      </p:sp>
+      <p:sp>
+        <p:nvSpPr>
+          <p:cNvPr id="14" name="화살표: 아래쪽 13">
+            <a:extLst>
+              <a:ext uri="{FF2B5EF4-FFF2-40B4-BE49-F238E27FC236}">
+                <a16:creationId xmlns:a16="http://schemas.microsoft.com/office/drawing/2014/main" id="{D3B3AD8E-D0DA-B265-AA47-6A5E523332D9}"/>
+              </a:ext>
+            </a:extLst>
+          </p:cNvPr>
+          <p:cNvSpPr/>
+          <p:nvPr/>
+        </p:nvSpPr>
+        <p:spPr>
+          <a:xfrm>
+            <a:off x="3803968" y="4369833"/>
+            <a:ext cx="327502" cy="515462"/>
+          </a:xfrm>
+          <a:prstGeom prst="downArrow">
             <a:avLst/>
           </a:prstGeom>
         </p:spPr>
@@ -14034,27 +13602,309 @@
           <a:lstStyle/>
           <a:p>
             <a:pPr algn="ctr"/>
-            <a:r>
-              <a:rPr lang="ko-KR" altLang="en-US" dirty="0">
-                <a:solidFill>
-                  <a:schemeClr val="tx1"/>
-                </a:solidFill>
-              </a:rPr>
-              <a:t>투명한 적 </a:t>
-            </a:r>
-            <a:r>
-              <a:rPr lang="en-US" altLang="ko-KR" dirty="0">
-                <a:solidFill>
-                  <a:schemeClr val="tx1"/>
-                </a:solidFill>
-              </a:rPr>
-              <a:t>EVENT</a:t>
-            </a:r>
-            <a:endParaRPr lang="ko-KR" altLang="en-US" dirty="0">
+            <a:endParaRPr lang="ko-KR" altLang="en-US" dirty="0"/>
+          </a:p>
+        </p:txBody>
+      </p:sp>
+      <p:sp>
+        <p:nvSpPr>
+          <p:cNvPr id="15" name="TextBox 14">
+            <a:extLst>
+              <a:ext uri="{FF2B5EF4-FFF2-40B4-BE49-F238E27FC236}">
+                <a16:creationId xmlns:a16="http://schemas.microsoft.com/office/drawing/2014/main" id="{9C3B333C-438C-8F37-FF0D-FEDA3A14A095}"/>
+              </a:ext>
+            </a:extLst>
+          </p:cNvPr>
+          <p:cNvSpPr txBox="1"/>
+          <p:nvPr/>
+        </p:nvSpPr>
+        <p:spPr>
+          <a:xfrm>
+            <a:off x="4089860" y="4377679"/>
+            <a:ext cx="498855" cy="369332"/>
+          </a:xfrm>
+          <a:prstGeom prst="rect">
+            <a:avLst/>
+          </a:prstGeom>
+          <a:noFill/>
+        </p:spPr>
+        <p:txBody>
+          <a:bodyPr wrap="none" rtlCol="0">
+            <a:spAutoFit/>
+          </a:bodyPr>
+          <a:lstStyle/>
+          <a:p>
+            <a:r>
+              <a:rPr lang="en-US" altLang="ko-KR" dirty="0"/>
+              <a:t>No</a:t>
+            </a:r>
+            <a:endParaRPr lang="ko-KR" altLang="en-US" dirty="0"/>
+          </a:p>
+        </p:txBody>
+      </p:sp>
+      <p:sp>
+        <p:nvSpPr>
+          <p:cNvPr id="29" name="화살표: 아래쪽 28">
+            <a:extLst>
+              <a:ext uri="{FF2B5EF4-FFF2-40B4-BE49-F238E27FC236}">
+                <a16:creationId xmlns:a16="http://schemas.microsoft.com/office/drawing/2014/main" id="{A3DFDA87-0572-C4B3-2594-43AFBC1D9D43}"/>
+              </a:ext>
+            </a:extLst>
+          </p:cNvPr>
+          <p:cNvSpPr/>
+          <p:nvPr/>
+        </p:nvSpPr>
+        <p:spPr>
+          <a:xfrm>
+            <a:off x="6492771" y="4304614"/>
+            <a:ext cx="327502" cy="515462"/>
+          </a:xfrm>
+          <a:prstGeom prst="downArrow">
+            <a:avLst/>
+          </a:prstGeom>
+        </p:spPr>
+        <p:style>
+          <a:lnRef idx="2">
+            <a:schemeClr val="accent6">
+              <a:shade val="15000"/>
+            </a:schemeClr>
+          </a:lnRef>
+          <a:fillRef idx="1">
+            <a:schemeClr val="accent6"/>
+          </a:fillRef>
+          <a:effectRef idx="0">
+            <a:schemeClr val="accent6"/>
+          </a:effectRef>
+          <a:fontRef idx="minor">
+            <a:schemeClr val="lt1"/>
+          </a:fontRef>
+        </p:style>
+        <p:txBody>
+          <a:bodyPr rtlCol="0" anchor="ctr"/>
+          <a:lstStyle/>
+          <a:p>
+            <a:pPr algn="ctr"/>
+            <a:endParaRPr lang="ko-KR" altLang="en-US" dirty="0"/>
+          </a:p>
+        </p:txBody>
+      </p:sp>
+      <p:sp>
+        <p:nvSpPr>
+          <p:cNvPr id="30" name="화살표: U자형 29">
+            <a:extLst>
+              <a:ext uri="{FF2B5EF4-FFF2-40B4-BE49-F238E27FC236}">
+                <a16:creationId xmlns:a16="http://schemas.microsoft.com/office/drawing/2014/main" id="{58C6B7D8-9F04-04E3-3081-81675D96BF49}"/>
+              </a:ext>
+            </a:extLst>
+          </p:cNvPr>
+          <p:cNvSpPr/>
+          <p:nvPr/>
+        </p:nvSpPr>
+        <p:spPr>
+          <a:xfrm flipH="1">
+            <a:off x="4148956" y="2837851"/>
+            <a:ext cx="2502195" cy="395750"/>
+          </a:xfrm>
+          <a:prstGeom prst="uturnArrow">
+            <a:avLst/>
+          </a:prstGeom>
+        </p:spPr>
+        <p:style>
+          <a:lnRef idx="2">
+            <a:schemeClr val="accent6">
+              <a:shade val="15000"/>
+            </a:schemeClr>
+          </a:lnRef>
+          <a:fillRef idx="1">
+            <a:schemeClr val="accent6"/>
+          </a:fillRef>
+          <a:effectRef idx="0">
+            <a:schemeClr val="accent6"/>
+          </a:effectRef>
+          <a:fontRef idx="minor">
+            <a:schemeClr val="lt1"/>
+          </a:fontRef>
+        </p:style>
+        <p:txBody>
+          <a:bodyPr rtlCol="0" anchor="ctr"/>
+          <a:lstStyle/>
+          <a:p>
+            <a:pPr algn="ctr"/>
+            <a:endParaRPr lang="ko-KR" altLang="en-US">
               <a:solidFill>
                 <a:schemeClr val="tx1"/>
               </a:solidFill>
             </a:endParaRPr>
+          </a:p>
+        </p:txBody>
+      </p:sp>
+      <p:sp>
+        <p:nvSpPr>
+          <p:cNvPr id="32" name="TextBox 31">
+            <a:extLst>
+              <a:ext uri="{FF2B5EF4-FFF2-40B4-BE49-F238E27FC236}">
+                <a16:creationId xmlns:a16="http://schemas.microsoft.com/office/drawing/2014/main" id="{7E8D5846-6F2E-AA29-F907-CE0AD2BECA23}"/>
+              </a:ext>
+            </a:extLst>
+          </p:cNvPr>
+          <p:cNvSpPr txBox="1"/>
+          <p:nvPr/>
+        </p:nvSpPr>
+        <p:spPr>
+          <a:xfrm>
+            <a:off x="5076799" y="2441206"/>
+            <a:ext cx="498855" cy="369332"/>
+          </a:xfrm>
+          <a:prstGeom prst="rect">
+            <a:avLst/>
+          </a:prstGeom>
+          <a:noFill/>
+        </p:spPr>
+        <p:txBody>
+          <a:bodyPr wrap="none" rtlCol="0">
+            <a:spAutoFit/>
+          </a:bodyPr>
+          <a:lstStyle/>
+          <a:p>
+            <a:r>
+              <a:rPr lang="en-US" altLang="ko-KR" dirty="0"/>
+              <a:t>No</a:t>
+            </a:r>
+            <a:endParaRPr lang="ko-KR" altLang="en-US" dirty="0"/>
+          </a:p>
+        </p:txBody>
+      </p:sp>
+      <p:sp>
+        <p:nvSpPr>
+          <p:cNvPr id="33" name="TextBox 32">
+            <a:extLst>
+              <a:ext uri="{FF2B5EF4-FFF2-40B4-BE49-F238E27FC236}">
+                <a16:creationId xmlns:a16="http://schemas.microsoft.com/office/drawing/2014/main" id="{2BCEA728-DE75-3947-2205-D19F3E96601D}"/>
+              </a:ext>
+            </a:extLst>
+          </p:cNvPr>
+          <p:cNvSpPr txBox="1"/>
+          <p:nvPr/>
+        </p:nvSpPr>
+        <p:spPr>
+          <a:xfrm>
+            <a:off x="6826456" y="4377679"/>
+            <a:ext cx="515462" cy="369332"/>
+          </a:xfrm>
+          <a:prstGeom prst="rect">
+            <a:avLst/>
+          </a:prstGeom>
+          <a:noFill/>
+        </p:spPr>
+        <p:txBody>
+          <a:bodyPr wrap="none" rtlCol="0">
+            <a:spAutoFit/>
+          </a:bodyPr>
+          <a:lstStyle/>
+          <a:p>
+            <a:r>
+              <a:rPr lang="en-US" altLang="ko-KR" dirty="0"/>
+              <a:t>Yes</a:t>
+            </a:r>
+            <a:endParaRPr lang="ko-KR" altLang="en-US" dirty="0"/>
+          </a:p>
+        </p:txBody>
+      </p:sp>
+      <p:sp>
+        <p:nvSpPr>
+          <p:cNvPr id="34" name="직사각형 33">
+            <a:extLst>
+              <a:ext uri="{FF2B5EF4-FFF2-40B4-BE49-F238E27FC236}">
+                <a16:creationId xmlns:a16="http://schemas.microsoft.com/office/drawing/2014/main" id="{0DE004AE-7E2B-F7C4-86DE-E22990FA6EF4}"/>
+              </a:ext>
+            </a:extLst>
+          </p:cNvPr>
+          <p:cNvSpPr/>
+          <p:nvPr/>
+        </p:nvSpPr>
+        <p:spPr>
+          <a:xfrm>
+            <a:off x="2838366" y="5047951"/>
+            <a:ext cx="2282456" cy="947205"/>
+          </a:xfrm>
+          <a:prstGeom prst="rect">
+            <a:avLst/>
+          </a:prstGeom>
+        </p:spPr>
+        <p:style>
+          <a:lnRef idx="2">
+            <a:schemeClr val="accent1">
+              <a:shade val="15000"/>
+            </a:schemeClr>
+          </a:lnRef>
+          <a:fillRef idx="1">
+            <a:schemeClr val="accent1"/>
+          </a:fillRef>
+          <a:effectRef idx="0">
+            <a:schemeClr val="accent1"/>
+          </a:effectRef>
+          <a:fontRef idx="minor">
+            <a:schemeClr val="lt1"/>
+          </a:fontRef>
+        </p:style>
+        <p:txBody>
+          <a:bodyPr rtlCol="0" anchor="ctr"/>
+          <a:lstStyle/>
+          <a:p>
+            <a:pPr algn="ctr"/>
+            <a:r>
+              <a:rPr lang="ko-KR" altLang="en-US" dirty="0"/>
+              <a:t>패배</a:t>
+            </a:r>
+          </a:p>
+        </p:txBody>
+      </p:sp>
+      <p:sp>
+        <p:nvSpPr>
+          <p:cNvPr id="35" name="직사각형 34">
+            <a:extLst>
+              <a:ext uri="{FF2B5EF4-FFF2-40B4-BE49-F238E27FC236}">
+                <a16:creationId xmlns:a16="http://schemas.microsoft.com/office/drawing/2014/main" id="{82D7F433-2655-F641-1681-830E7470AA7F}"/>
+              </a:ext>
+            </a:extLst>
+          </p:cNvPr>
+          <p:cNvSpPr/>
+          <p:nvPr/>
+        </p:nvSpPr>
+        <p:spPr>
+          <a:xfrm>
+            <a:off x="5703125" y="5047951"/>
+            <a:ext cx="2282456" cy="947205"/>
+          </a:xfrm>
+          <a:prstGeom prst="rect">
+            <a:avLst/>
+          </a:prstGeom>
+        </p:spPr>
+        <p:style>
+          <a:lnRef idx="2">
+            <a:schemeClr val="accent1">
+              <a:shade val="15000"/>
+            </a:schemeClr>
+          </a:lnRef>
+          <a:fillRef idx="1">
+            <a:schemeClr val="accent1"/>
+          </a:fillRef>
+          <a:effectRef idx="0">
+            <a:schemeClr val="accent1"/>
+          </a:effectRef>
+          <a:fontRef idx="minor">
+            <a:schemeClr val="lt1"/>
+          </a:fontRef>
+        </p:style>
+        <p:txBody>
+          <a:bodyPr rtlCol="0" anchor="ctr"/>
+          <a:lstStyle/>
+          <a:p>
+            <a:pPr algn="ctr"/>
+            <a:r>
+              <a:rPr lang="ko-KR" altLang="en-US"/>
+              <a:t>승리</a:t>
+            </a:r>
           </a:p>
         </p:txBody>
       </p:sp>

--- a/기획서/Colony_ppt발표.pptx
+++ b/기획서/Colony_ppt발표.pptx
@@ -11,19 +11,18 @@
     <p:sldId id="262" r:id="rId5"/>
     <p:sldId id="277" r:id="rId6"/>
     <p:sldId id="269" r:id="rId7"/>
-    <p:sldId id="279" r:id="rId8"/>
-    <p:sldId id="263" r:id="rId9"/>
-    <p:sldId id="270" r:id="rId10"/>
-    <p:sldId id="280" r:id="rId11"/>
+    <p:sldId id="263" r:id="rId8"/>
+    <p:sldId id="270" r:id="rId9"/>
+    <p:sldId id="280" r:id="rId10"/>
+    <p:sldId id="265" r:id="rId11"/>
     <p:sldId id="266" r:id="rId12"/>
-    <p:sldId id="265" r:id="rId13"/>
-    <p:sldId id="267" r:id="rId14"/>
-    <p:sldId id="264" r:id="rId15"/>
-    <p:sldId id="271" r:id="rId16"/>
-    <p:sldId id="272" r:id="rId17"/>
-    <p:sldId id="273" r:id="rId18"/>
-    <p:sldId id="274" r:id="rId19"/>
-    <p:sldId id="275" r:id="rId20"/>
+    <p:sldId id="267" r:id="rId13"/>
+    <p:sldId id="264" r:id="rId14"/>
+    <p:sldId id="271" r:id="rId15"/>
+    <p:sldId id="272" r:id="rId16"/>
+    <p:sldId id="273" r:id="rId17"/>
+    <p:sldId id="274" r:id="rId18"/>
+    <p:sldId id="275" r:id="rId19"/>
   </p:sldIdLst>
   <p:sldSz cx="12192000" cy="6858000"/>
   <p:notesSz cx="6858000" cy="9144000"/>
@@ -277,7 +276,7 @@
           <a:p>
             <a:fld id="{62EA41C9-8537-435D-8D05-D269E4409129}" type="datetimeFigureOut">
               <a:rPr lang="ko-KR" altLang="en-US" smtClean="0"/>
-              <a:t>2023-12-04</a:t>
+              <a:t>2023-12-05</a:t>
             </a:fld>
             <a:endParaRPr lang="ko-KR" altLang="en-US"/>
           </a:p>
@@ -475,7 +474,7 @@
           <a:p>
             <a:fld id="{62EA41C9-8537-435D-8D05-D269E4409129}" type="datetimeFigureOut">
               <a:rPr lang="ko-KR" altLang="en-US" smtClean="0"/>
-              <a:t>2023-12-04</a:t>
+              <a:t>2023-12-05</a:t>
             </a:fld>
             <a:endParaRPr lang="ko-KR" altLang="en-US"/>
           </a:p>
@@ -683,7 +682,7 @@
           <a:p>
             <a:fld id="{62EA41C9-8537-435D-8D05-D269E4409129}" type="datetimeFigureOut">
               <a:rPr lang="ko-KR" altLang="en-US" smtClean="0"/>
-              <a:t>2023-12-04</a:t>
+              <a:t>2023-12-05</a:t>
             </a:fld>
             <a:endParaRPr lang="ko-KR" altLang="en-US"/>
           </a:p>
@@ -881,7 +880,7 @@
           <a:p>
             <a:fld id="{62EA41C9-8537-435D-8D05-D269E4409129}" type="datetimeFigureOut">
               <a:rPr lang="ko-KR" altLang="en-US" smtClean="0"/>
-              <a:t>2023-12-04</a:t>
+              <a:t>2023-12-05</a:t>
             </a:fld>
             <a:endParaRPr lang="ko-KR" altLang="en-US"/>
           </a:p>
@@ -1156,7 +1155,7 @@
           <a:p>
             <a:fld id="{62EA41C9-8537-435D-8D05-D269E4409129}" type="datetimeFigureOut">
               <a:rPr lang="ko-KR" altLang="en-US" smtClean="0"/>
-              <a:t>2023-12-04</a:t>
+              <a:t>2023-12-05</a:t>
             </a:fld>
             <a:endParaRPr lang="ko-KR" altLang="en-US"/>
           </a:p>
@@ -1421,7 +1420,7 @@
           <a:p>
             <a:fld id="{62EA41C9-8537-435D-8D05-D269E4409129}" type="datetimeFigureOut">
               <a:rPr lang="ko-KR" altLang="en-US" smtClean="0"/>
-              <a:t>2023-12-04</a:t>
+              <a:t>2023-12-05</a:t>
             </a:fld>
             <a:endParaRPr lang="ko-KR" altLang="en-US"/>
           </a:p>
@@ -1833,7 +1832,7 @@
           <a:p>
             <a:fld id="{62EA41C9-8537-435D-8D05-D269E4409129}" type="datetimeFigureOut">
               <a:rPr lang="ko-KR" altLang="en-US" smtClean="0"/>
-              <a:t>2023-12-04</a:t>
+              <a:t>2023-12-05</a:t>
             </a:fld>
             <a:endParaRPr lang="ko-KR" altLang="en-US"/>
           </a:p>
@@ -1974,7 +1973,7 @@
           <a:p>
             <a:fld id="{62EA41C9-8537-435D-8D05-D269E4409129}" type="datetimeFigureOut">
               <a:rPr lang="ko-KR" altLang="en-US" smtClean="0"/>
-              <a:t>2023-12-04</a:t>
+              <a:t>2023-12-05</a:t>
             </a:fld>
             <a:endParaRPr lang="ko-KR" altLang="en-US"/>
           </a:p>
@@ -2087,7 +2086,7 @@
           <a:p>
             <a:fld id="{62EA41C9-8537-435D-8D05-D269E4409129}" type="datetimeFigureOut">
               <a:rPr lang="ko-KR" altLang="en-US" smtClean="0"/>
-              <a:t>2023-12-04</a:t>
+              <a:t>2023-12-05</a:t>
             </a:fld>
             <a:endParaRPr lang="ko-KR" altLang="en-US"/>
           </a:p>
@@ -2398,7 +2397,7 @@
           <a:p>
             <a:fld id="{62EA41C9-8537-435D-8D05-D269E4409129}" type="datetimeFigureOut">
               <a:rPr lang="ko-KR" altLang="en-US" smtClean="0"/>
-              <a:t>2023-12-04</a:t>
+              <a:t>2023-12-05</a:t>
             </a:fld>
             <a:endParaRPr lang="ko-KR" altLang="en-US"/>
           </a:p>
@@ -2686,7 +2685,7 @@
           <a:p>
             <a:fld id="{62EA41C9-8537-435D-8D05-D269E4409129}" type="datetimeFigureOut">
               <a:rPr lang="ko-KR" altLang="en-US" smtClean="0"/>
-              <a:t>2023-12-04</a:t>
+              <a:t>2023-12-05</a:t>
             </a:fld>
             <a:endParaRPr lang="ko-KR" altLang="en-US"/>
           </a:p>
@@ -2927,7 +2926,7 @@
           <a:p>
             <a:fld id="{62EA41C9-8537-435D-8D05-D269E4409129}" type="datetimeFigureOut">
               <a:rPr lang="ko-KR" altLang="en-US" smtClean="0"/>
-              <a:t>2023-12-04</a:t>
+              <a:t>2023-12-05</a:t>
             </a:fld>
             <a:endParaRPr lang="ko-KR" altLang="en-US"/>
           </a:p>
@@ -4093,7 +4092,7 @@
           <p:spPr>
             <a:xfrm>
               <a:off x="3819245" y="188165"/>
-              <a:ext cx="653182" cy="830997"/>
+              <a:ext cx="768159" cy="830997"/>
             </a:xfrm>
             <a:prstGeom prst="rect">
               <a:avLst/>
@@ -4111,8 +4110,8 @@
                   <a:solidFill>
                     <a:srgbClr val="64DECF"/>
                   </a:solidFill>
-                  <a:latin typeface="조선가는고딕" panose="02030504000101010101" pitchFamily="18" charset="-127"/>
-                  <a:ea typeface="조선가는고딕" panose="02030504000101010101" pitchFamily="18" charset="-127"/>
+                  <a:latin typeface="KoPubWorld돋움체 Bold" panose="00000800000000000000" pitchFamily="2" charset="-127"/>
+                  <a:ea typeface="KoPubWorld돋움체 Bold" panose="00000800000000000000" pitchFamily="2" charset="-127"/>
                   <a:cs typeface="KoPubWorld돋움체 Bold" panose="00000800000000000000" pitchFamily="2" charset="-127"/>
                 </a:rPr>
                 <a:t>02</a:t>
@@ -4121,8 +4120,8 @@
                 <a:solidFill>
                   <a:srgbClr val="64DECF"/>
                 </a:solidFill>
-                <a:latin typeface="조선가는고딕" panose="02030504000101010101" pitchFamily="18" charset="-127"/>
-                <a:ea typeface="조선가는고딕" panose="02030504000101010101" pitchFamily="18" charset="-127"/>
+                <a:latin typeface="KoPubWorld돋움체 Bold" panose="00000800000000000000" pitchFamily="2" charset="-127"/>
+                <a:ea typeface="KoPubWorld돋움체 Bold" panose="00000800000000000000" pitchFamily="2" charset="-127"/>
                 <a:cs typeface="KoPubWorld돋움체 Bold" panose="00000800000000000000" pitchFamily="2" charset="-127"/>
               </a:endParaRPr>
             </a:p>
@@ -4143,8 +4142,8 @@
         </p:nvSpPr>
         <p:spPr>
           <a:xfrm>
-            <a:off x="557400" y="1136632"/>
-            <a:ext cx="2727030" cy="769441"/>
+            <a:off x="557400" y="1085959"/>
+            <a:ext cx="1893467" cy="769441"/>
           </a:xfrm>
           <a:prstGeom prst="rect">
             <a:avLst/>
@@ -4159,7 +4158,7 @@
           <a:p>
             <a:pPr algn="ctr"/>
             <a:r>
-              <a:rPr lang="en-US" altLang="ko-KR" sz="4400">
+              <a:rPr lang="ko-KR" altLang="en-US" sz="4400">
                 <a:highlight>
                   <a:srgbClr val="00FFFF"/>
                 </a:highlight>
@@ -4167,7 +4166,7 @@
                 <a:ea typeface="조선가는고딕" panose="02030504000101010101" pitchFamily="18" charset="-127"/>
                 <a:cs typeface="KoPubWorld돋움체 Light" panose="00000300000000000000" pitchFamily="2" charset="-127"/>
               </a:rPr>
-              <a:t>Player </a:t>
+              <a:t>총 </a:t>
             </a:r>
             <a:r>
               <a:rPr lang="ko-KR" altLang="en-US" sz="4400" dirty="0">
@@ -4193,10 +4192,10 @@
       </p:sp>
       <p:sp>
         <p:nvSpPr>
-          <p:cNvPr id="19" name="TextBox 18">
-            <a:extLst>
-              <a:ext uri="{FF2B5EF4-FFF2-40B4-BE49-F238E27FC236}">
-                <a16:creationId xmlns:a16="http://schemas.microsoft.com/office/drawing/2014/main" id="{B031CF28-57D0-870B-E78A-882EB3069F62}"/>
+          <p:cNvPr id="13" name="TextBox 12">
+            <a:extLst>
+              <a:ext uri="{FF2B5EF4-FFF2-40B4-BE49-F238E27FC236}">
+                <a16:creationId xmlns:a16="http://schemas.microsoft.com/office/drawing/2014/main" id="{94B39D9E-41AA-3B34-F4B1-EB0FD179D47A}"/>
               </a:ext>
             </a:extLst>
           </p:cNvPr>
@@ -4205,8 +4204,8 @@
         </p:nvSpPr>
         <p:spPr>
           <a:xfrm>
-            <a:off x="6380270" y="3429000"/>
-            <a:ext cx="4690708" cy="1015663"/>
+            <a:off x="1902931" y="3642671"/>
+            <a:ext cx="931665" cy="584775"/>
           </a:xfrm>
           <a:prstGeom prst="rect">
             <a:avLst/>
@@ -4219,23 +4218,81 @@
           </a:bodyPr>
           <a:lstStyle/>
           <a:p>
+            <a:pPr algn="ctr"/>
+            <a:r>
+              <a:rPr lang="ko-KR" altLang="en-US" sz="3200" dirty="0" err="1">
+                <a:highlight>
+                  <a:srgbClr val="00FFFF"/>
+                </a:highlight>
+                <a:latin typeface="조선가는고딕" panose="02030504000101010101" pitchFamily="18" charset="-127"/>
+                <a:ea typeface="조선가는고딕" panose="02030504000101010101" pitchFamily="18" charset="-127"/>
+                <a:cs typeface="KoPubWorld돋움체 Light" panose="00000300000000000000" pitchFamily="2" charset="-127"/>
+              </a:rPr>
+              <a:t>샷건</a:t>
+            </a:r>
+            <a:endParaRPr lang="en-US" altLang="ko-KR" sz="3200" dirty="0">
+              <a:highlight>
+                <a:srgbClr val="00FFFF"/>
+              </a:highlight>
+              <a:latin typeface="조선가는고딕" panose="02030504000101010101" pitchFamily="18" charset="-127"/>
+              <a:ea typeface="조선가는고딕" panose="02030504000101010101" pitchFamily="18" charset="-127"/>
+              <a:cs typeface="KoPubWorld돋움체 Light" panose="00000300000000000000" pitchFamily="2" charset="-127"/>
+            </a:endParaRPr>
+          </a:p>
+        </p:txBody>
+      </p:sp>
+      <p:sp>
+        <p:nvSpPr>
+          <p:cNvPr id="14" name="TextBox 13">
+            <a:extLst>
+              <a:ext uri="{FF2B5EF4-FFF2-40B4-BE49-F238E27FC236}">
+                <a16:creationId xmlns:a16="http://schemas.microsoft.com/office/drawing/2014/main" id="{296D4A7D-D2DE-38D1-908F-1176B15B31A9}"/>
+              </a:ext>
+            </a:extLst>
+          </p:cNvPr>
+          <p:cNvSpPr txBox="1"/>
+          <p:nvPr/>
+        </p:nvSpPr>
+        <p:spPr>
+          <a:xfrm>
+            <a:off x="2214714" y="4224525"/>
+            <a:ext cx="6774611" cy="400110"/>
+          </a:xfrm>
+          <a:prstGeom prst="rect">
+            <a:avLst/>
+          </a:prstGeom>
+          <a:noFill/>
+        </p:spPr>
+        <p:txBody>
+          <a:bodyPr wrap="none" rtlCol="0">
+            <a:spAutoFit/>
+          </a:bodyPr>
+          <a:lstStyle/>
+          <a:p>
+            <a:pPr algn="ctr"/>
+            <a:r>
+              <a:rPr lang="ko-KR" altLang="en-US" sz="2000" dirty="0" err="1">
+                <a:latin typeface="조선가는고딕" panose="02030504000101010101" pitchFamily="18" charset="-127"/>
+                <a:ea typeface="조선가는고딕" panose="02030504000101010101" pitchFamily="18" charset="-127"/>
+                <a:cs typeface="KoPubWorld돋움체 Light" panose="00000300000000000000" pitchFamily="2" charset="-127"/>
+              </a:rPr>
+              <a:t>샷건</a:t>
+            </a:r>
             <a:r>
               <a:rPr lang="en-US" altLang="ko-KR" sz="2000" dirty="0">
                 <a:latin typeface="조선가는고딕" panose="02030504000101010101" pitchFamily="18" charset="-127"/>
                 <a:ea typeface="조선가는고딕" panose="02030504000101010101" pitchFamily="18" charset="-127"/>
                 <a:cs typeface="KoPubWorld돋움체 Light" panose="00000300000000000000" pitchFamily="2" charset="-127"/>
               </a:rPr>
-              <a:t>HP:100</a:t>
-            </a:r>
-          </a:p>
-          <a:p>
+              <a:t>: 1</a:t>
+            </a:r>
             <a:r>
               <a:rPr lang="ko-KR" altLang="en-US" sz="2000" dirty="0">
                 <a:latin typeface="조선가는고딕" panose="02030504000101010101" pitchFamily="18" charset="-127"/>
                 <a:ea typeface="조선가는고딕" panose="02030504000101010101" pitchFamily="18" charset="-127"/>
                 <a:cs typeface="KoPubWorld돋움체 Light" panose="00000300000000000000" pitchFamily="2" charset="-127"/>
               </a:rPr>
-              <a:t>키</a:t>
+              <a:t>초에 </a:t>
             </a:r>
             <a:r>
               <a:rPr lang="en-US" altLang="ko-KR" sz="2000" dirty="0">
@@ -4243,17 +4300,15 @@
                 <a:ea typeface="조선가는고딕" panose="02030504000101010101" pitchFamily="18" charset="-127"/>
                 <a:cs typeface="KoPubWorld돋움체 Light" panose="00000300000000000000" pitchFamily="2" charset="-127"/>
               </a:rPr>
-              <a:t>: 180cm</a:t>
-            </a:r>
-          </a:p>
-          <a:p>
+              <a:t>1</a:t>
+            </a:r>
             <a:r>
               <a:rPr lang="ko-KR" altLang="en-US" sz="2000" dirty="0">
                 <a:latin typeface="조선가는고딕" panose="02030504000101010101" pitchFamily="18" charset="-127"/>
                 <a:ea typeface="조선가는고딕" panose="02030504000101010101" pitchFamily="18" charset="-127"/>
                 <a:cs typeface="KoPubWorld돋움체 Light" panose="00000300000000000000" pitchFamily="2" charset="-127"/>
               </a:rPr>
-              <a:t>애니메이션</a:t>
+              <a:t>발</a:t>
             </a:r>
             <a:r>
               <a:rPr lang="en-US" altLang="ko-KR" sz="2000" dirty="0">
@@ -4261,7 +4316,7 @@
                 <a:ea typeface="조선가는고딕" panose="02030504000101010101" pitchFamily="18" charset="-127"/>
                 <a:cs typeface="KoPubWorld돋움체 Light" panose="00000300000000000000" pitchFamily="2" charset="-127"/>
               </a:rPr>
-              <a:t>: </a:t>
+              <a:t>, </a:t>
             </a:r>
             <a:r>
               <a:rPr lang="ko-KR" altLang="en-US" sz="2000" dirty="0">
@@ -4269,7 +4324,7 @@
                 <a:ea typeface="조선가는고딕" panose="02030504000101010101" pitchFamily="18" charset="-127"/>
                 <a:cs typeface="KoPubWorld돋움체 Light" panose="00000300000000000000" pitchFamily="2" charset="-127"/>
               </a:rPr>
-              <a:t>걷기</a:t>
+              <a:t>한발 당 데미지</a:t>
             </a:r>
             <a:r>
               <a:rPr lang="en-US" altLang="ko-KR" sz="2000" dirty="0">
@@ -4277,7 +4332,7 @@
                 <a:ea typeface="조선가는고딕" panose="02030504000101010101" pitchFamily="18" charset="-127"/>
                 <a:cs typeface="KoPubWorld돋움체 Light" panose="00000300000000000000" pitchFamily="2" charset="-127"/>
               </a:rPr>
-              <a:t>, </a:t>
+              <a:t>: 100 (</a:t>
             </a:r>
             <a:r>
               <a:rPr lang="ko-KR" altLang="en-US" sz="2000" dirty="0">
@@ -4285,7 +4340,7 @@
                 <a:ea typeface="조선가는고딕" panose="02030504000101010101" pitchFamily="18" charset="-127"/>
                 <a:cs typeface="KoPubWorld돋움체 Light" panose="00000300000000000000" pitchFamily="2" charset="-127"/>
               </a:rPr>
-              <a:t>뛰기</a:t>
+              <a:t>장전 한 번당 </a:t>
             </a:r>
             <a:r>
               <a:rPr lang="en-US" altLang="ko-KR" sz="2000" dirty="0">
@@ -4293,7 +4348,7 @@
                 <a:ea typeface="조선가는고딕" panose="02030504000101010101" pitchFamily="18" charset="-127"/>
                 <a:cs typeface="KoPubWorld돋움체 Light" panose="00000300000000000000" pitchFamily="2" charset="-127"/>
               </a:rPr>
-              <a:t>, </a:t>
+              <a:t>20</a:t>
             </a:r>
             <a:r>
               <a:rPr lang="ko-KR" altLang="en-US" sz="2000" dirty="0">
@@ -4301,23 +4356,7 @@
                 <a:ea typeface="조선가는고딕" panose="02030504000101010101" pitchFamily="18" charset="-127"/>
                 <a:cs typeface="KoPubWorld돋움체 Light" panose="00000300000000000000" pitchFamily="2" charset="-127"/>
               </a:rPr>
-              <a:t>총 쏘기 </a:t>
-            </a:r>
-            <a:r>
-              <a:rPr lang="en-US" altLang="ko-KR" sz="2000" dirty="0">
-                <a:latin typeface="조선가는고딕" panose="02030504000101010101" pitchFamily="18" charset="-127"/>
-                <a:ea typeface="조선가는고딕" panose="02030504000101010101" pitchFamily="18" charset="-127"/>
-                <a:cs typeface="KoPubWorld돋움체 Light" panose="00000300000000000000" pitchFamily="2" charset="-127"/>
-              </a:rPr>
-              <a:t>(3</a:t>
-            </a:r>
-            <a:r>
-              <a:rPr lang="ko-KR" altLang="en-US" sz="2000" dirty="0">
-                <a:latin typeface="조선가는고딕" panose="02030504000101010101" pitchFamily="18" charset="-127"/>
-                <a:ea typeface="조선가는고딕" panose="02030504000101010101" pitchFamily="18" charset="-127"/>
-                <a:cs typeface="KoPubWorld돋움체 Light" panose="00000300000000000000" pitchFamily="2" charset="-127"/>
-              </a:rPr>
-              <a:t>가지</a:t>
+              <a:t>발 장전</a:t>
             </a:r>
             <a:r>
               <a:rPr lang="en-US" altLang="ko-KR" sz="2000" dirty="0">
@@ -4332,10 +4371,10 @@
       </p:sp>
       <p:pic>
         <p:nvPicPr>
-          <p:cNvPr id="11" name="그림 10">
-            <a:extLst>
-              <a:ext uri="{FF2B5EF4-FFF2-40B4-BE49-F238E27FC236}">
-                <a16:creationId xmlns:a16="http://schemas.microsoft.com/office/drawing/2014/main" id="{40E8B1AA-45FE-E1F0-73E9-C66E3FC08B53}"/>
+          <p:cNvPr id="35" name="그림 34">
+            <a:extLst>
+              <a:ext uri="{FF2B5EF4-FFF2-40B4-BE49-F238E27FC236}">
+                <a16:creationId xmlns:a16="http://schemas.microsoft.com/office/drawing/2014/main" id="{DBC360D1-9C1E-1D49-CAFA-16A53237D63B}"/>
               </a:ext>
             </a:extLst>
           </p:cNvPr>
@@ -4352,18 +4391,436 @@
         </p:blipFill>
         <p:spPr>
           <a:xfrm>
-            <a:off x="557400" y="2103811"/>
-            <a:ext cx="4909391" cy="4356220"/>
+            <a:off x="738832" y="3628515"/>
+            <a:ext cx="996120" cy="996120"/>
           </a:xfrm>
           <a:prstGeom prst="rect">
             <a:avLst/>
           </a:prstGeom>
         </p:spPr>
       </p:pic>
+      <p:sp>
+        <p:nvSpPr>
+          <p:cNvPr id="3" name="TextBox 2">
+            <a:extLst>
+              <a:ext uri="{FF2B5EF4-FFF2-40B4-BE49-F238E27FC236}">
+                <a16:creationId xmlns:a16="http://schemas.microsoft.com/office/drawing/2014/main" id="{3E045A13-1879-7039-46F1-9A4EC96481CC}"/>
+              </a:ext>
+            </a:extLst>
+          </p:cNvPr>
+          <p:cNvSpPr txBox="1"/>
+          <p:nvPr/>
+        </p:nvSpPr>
+        <p:spPr>
+          <a:xfrm>
+            <a:off x="1914953" y="2421001"/>
+            <a:ext cx="931665" cy="584775"/>
+          </a:xfrm>
+          <a:prstGeom prst="rect">
+            <a:avLst/>
+          </a:prstGeom>
+          <a:noFill/>
+        </p:spPr>
+        <p:txBody>
+          <a:bodyPr wrap="none" rtlCol="0">
+            <a:spAutoFit/>
+          </a:bodyPr>
+          <a:lstStyle/>
+          <a:p>
+            <a:pPr algn="ctr"/>
+            <a:r>
+              <a:rPr lang="ko-KR" altLang="en-US" sz="3200" dirty="0">
+                <a:highlight>
+                  <a:srgbClr val="00FFFF"/>
+                </a:highlight>
+                <a:latin typeface="조선가는고딕" panose="02030504000101010101" pitchFamily="18" charset="-127"/>
+                <a:ea typeface="조선가는고딕" panose="02030504000101010101" pitchFamily="18" charset="-127"/>
+                <a:cs typeface="KoPubWorld돋움체 Light" panose="00000300000000000000" pitchFamily="2" charset="-127"/>
+              </a:rPr>
+              <a:t>소총</a:t>
+            </a:r>
+            <a:endParaRPr lang="en-US" altLang="ko-KR" sz="3200" dirty="0">
+              <a:highlight>
+                <a:srgbClr val="00FFFF"/>
+              </a:highlight>
+              <a:latin typeface="조선가는고딕" panose="02030504000101010101" pitchFamily="18" charset="-127"/>
+              <a:ea typeface="조선가는고딕" panose="02030504000101010101" pitchFamily="18" charset="-127"/>
+              <a:cs typeface="KoPubWorld돋움체 Light" panose="00000300000000000000" pitchFamily="2" charset="-127"/>
+            </a:endParaRPr>
+          </a:p>
+        </p:txBody>
+      </p:sp>
+      <p:sp>
+        <p:nvSpPr>
+          <p:cNvPr id="15" name="TextBox 14">
+            <a:extLst>
+              <a:ext uri="{FF2B5EF4-FFF2-40B4-BE49-F238E27FC236}">
+                <a16:creationId xmlns:a16="http://schemas.microsoft.com/office/drawing/2014/main" id="{384B0B1B-036E-E0C9-7B10-489273B8D4B5}"/>
+              </a:ext>
+            </a:extLst>
+          </p:cNvPr>
+          <p:cNvSpPr txBox="1"/>
+          <p:nvPr/>
+        </p:nvSpPr>
+        <p:spPr>
+          <a:xfrm>
+            <a:off x="1921365" y="4802545"/>
+            <a:ext cx="1305165" cy="584775"/>
+          </a:xfrm>
+          <a:prstGeom prst="rect">
+            <a:avLst/>
+          </a:prstGeom>
+          <a:noFill/>
+        </p:spPr>
+        <p:txBody>
+          <a:bodyPr wrap="none" rtlCol="0">
+            <a:spAutoFit/>
+          </a:bodyPr>
+          <a:lstStyle/>
+          <a:p>
+            <a:pPr algn="ctr"/>
+            <a:r>
+              <a:rPr lang="ko-KR" altLang="en-US" sz="3200">
+                <a:highlight>
+                  <a:srgbClr val="00FFFF"/>
+                </a:highlight>
+                <a:latin typeface="조선가는고딕" panose="02030504000101010101" pitchFamily="18" charset="-127"/>
+                <a:ea typeface="조선가는고딕" panose="02030504000101010101" pitchFamily="18" charset="-127"/>
+                <a:cs typeface="KoPubWorld돋움체 Light" panose="00000300000000000000" pitchFamily="2" charset="-127"/>
+              </a:rPr>
+              <a:t>기관총</a:t>
+            </a:r>
+            <a:endParaRPr lang="en-US" altLang="ko-KR" sz="3200" dirty="0">
+              <a:highlight>
+                <a:srgbClr val="00FFFF"/>
+              </a:highlight>
+              <a:latin typeface="조선가는고딕" panose="02030504000101010101" pitchFamily="18" charset="-127"/>
+              <a:ea typeface="조선가는고딕" panose="02030504000101010101" pitchFamily="18" charset="-127"/>
+              <a:cs typeface="KoPubWorld돋움체 Light" panose="00000300000000000000" pitchFamily="2" charset="-127"/>
+            </a:endParaRPr>
+          </a:p>
+        </p:txBody>
+      </p:sp>
+      <p:pic>
+        <p:nvPicPr>
+          <p:cNvPr id="20" name="그림 19">
+            <a:extLst>
+              <a:ext uri="{FF2B5EF4-FFF2-40B4-BE49-F238E27FC236}">
+                <a16:creationId xmlns:a16="http://schemas.microsoft.com/office/drawing/2014/main" id="{3BDE1B60-EA31-13B6-9A82-6E88766CE764}"/>
+              </a:ext>
+            </a:extLst>
+          </p:cNvPr>
+          <p:cNvPicPr>
+            <a:picLocks noChangeAspect="1"/>
+          </p:cNvPicPr>
+          <p:nvPr/>
+        </p:nvPicPr>
+        <p:blipFill>
+          <a:blip r:embed="rId3"/>
+          <a:stretch>
+            <a:fillRect/>
+          </a:stretch>
+        </p:blipFill>
+        <p:spPr>
+          <a:xfrm>
+            <a:off x="673423" y="2433443"/>
+            <a:ext cx="1073552" cy="1073552"/>
+          </a:xfrm>
+          <a:prstGeom prst="rect">
+            <a:avLst/>
+          </a:prstGeom>
+        </p:spPr>
+      </p:pic>
+      <p:pic>
+        <p:nvPicPr>
+          <p:cNvPr id="27" name="그림 26">
+            <a:extLst>
+              <a:ext uri="{FF2B5EF4-FFF2-40B4-BE49-F238E27FC236}">
+                <a16:creationId xmlns:a16="http://schemas.microsoft.com/office/drawing/2014/main" id="{85468F8D-19FC-FE6B-7E86-F310E9336B8C}"/>
+              </a:ext>
+            </a:extLst>
+          </p:cNvPr>
+          <p:cNvPicPr>
+            <a:picLocks noChangeAspect="1"/>
+          </p:cNvPicPr>
+          <p:nvPr/>
+        </p:nvPicPr>
+        <p:blipFill>
+          <a:blip r:embed="rId4"/>
+          <a:stretch>
+            <a:fillRect/>
+          </a:stretch>
+        </p:blipFill>
+        <p:spPr>
+          <a:xfrm>
+            <a:off x="557400" y="4718712"/>
+            <a:ext cx="1281551" cy="1053329"/>
+          </a:xfrm>
+          <a:prstGeom prst="rect">
+            <a:avLst/>
+          </a:prstGeom>
+        </p:spPr>
+      </p:pic>
+      <p:sp>
+        <p:nvSpPr>
+          <p:cNvPr id="28" name="TextBox 27">
+            <a:extLst>
+              <a:ext uri="{FF2B5EF4-FFF2-40B4-BE49-F238E27FC236}">
+                <a16:creationId xmlns:a16="http://schemas.microsoft.com/office/drawing/2014/main" id="{4B1D2F51-733D-92E9-C8A1-F70ADBE56D3C}"/>
+              </a:ext>
+            </a:extLst>
+          </p:cNvPr>
+          <p:cNvSpPr txBox="1"/>
+          <p:nvPr/>
+        </p:nvSpPr>
+        <p:spPr>
+          <a:xfrm>
+            <a:off x="2214714" y="3031271"/>
+            <a:ext cx="6651180" cy="707886"/>
+          </a:xfrm>
+          <a:prstGeom prst="rect">
+            <a:avLst/>
+          </a:prstGeom>
+          <a:noFill/>
+        </p:spPr>
+        <p:txBody>
+          <a:bodyPr wrap="square" rtlCol="0">
+            <a:spAutoFit/>
+          </a:bodyPr>
+          <a:lstStyle/>
+          <a:p>
+            <a:pPr algn="ctr"/>
+            <a:r>
+              <a:rPr lang="ko-KR" altLang="en-US" sz="2000" dirty="0">
+                <a:latin typeface="조선가는고딕" panose="02030504000101010101" pitchFamily="18" charset="-127"/>
+                <a:ea typeface="조선가는고딕" panose="02030504000101010101" pitchFamily="18" charset="-127"/>
+                <a:cs typeface="KoPubWorld돋움체 Light" panose="00000300000000000000" pitchFamily="2" charset="-127"/>
+              </a:rPr>
+              <a:t>소총</a:t>
+            </a:r>
+            <a:r>
+              <a:rPr lang="en-US" altLang="ko-KR" sz="2000" dirty="0">
+                <a:latin typeface="조선가는고딕" panose="02030504000101010101" pitchFamily="18" charset="-127"/>
+                <a:ea typeface="조선가는고딕" panose="02030504000101010101" pitchFamily="18" charset="-127"/>
+                <a:cs typeface="KoPubWorld돋움체 Light" panose="00000300000000000000" pitchFamily="2" charset="-127"/>
+              </a:rPr>
+              <a:t>: 1</a:t>
+            </a:r>
+            <a:r>
+              <a:rPr lang="ko-KR" altLang="en-US" sz="2000" dirty="0">
+                <a:latin typeface="조선가는고딕" panose="02030504000101010101" pitchFamily="18" charset="-127"/>
+                <a:ea typeface="조선가는고딕" panose="02030504000101010101" pitchFamily="18" charset="-127"/>
+                <a:cs typeface="KoPubWorld돋움체 Light" panose="00000300000000000000" pitchFamily="2" charset="-127"/>
+              </a:rPr>
+              <a:t>초에 </a:t>
+            </a:r>
+            <a:r>
+              <a:rPr lang="en-US" altLang="ko-KR" sz="2000" dirty="0">
+                <a:latin typeface="조선가는고딕" panose="02030504000101010101" pitchFamily="18" charset="-127"/>
+                <a:ea typeface="조선가는고딕" panose="02030504000101010101" pitchFamily="18" charset="-127"/>
+                <a:cs typeface="KoPubWorld돋움체 Light" panose="00000300000000000000" pitchFamily="2" charset="-127"/>
+              </a:rPr>
+              <a:t>3</a:t>
+            </a:r>
+            <a:r>
+              <a:rPr lang="ko-KR" altLang="en-US" sz="2000" dirty="0">
+                <a:latin typeface="조선가는고딕" panose="02030504000101010101" pitchFamily="18" charset="-127"/>
+                <a:ea typeface="조선가는고딕" panose="02030504000101010101" pitchFamily="18" charset="-127"/>
+                <a:cs typeface="KoPubWorld돋움체 Light" panose="00000300000000000000" pitchFamily="2" charset="-127"/>
+              </a:rPr>
+              <a:t>발</a:t>
+            </a:r>
+            <a:r>
+              <a:rPr lang="en-US" altLang="ko-KR" sz="2000" dirty="0">
+                <a:latin typeface="조선가는고딕" panose="02030504000101010101" pitchFamily="18" charset="-127"/>
+                <a:ea typeface="조선가는고딕" panose="02030504000101010101" pitchFamily="18" charset="-127"/>
+                <a:cs typeface="KoPubWorld돋움체 Light" panose="00000300000000000000" pitchFamily="2" charset="-127"/>
+              </a:rPr>
+              <a:t>, </a:t>
+            </a:r>
+            <a:r>
+              <a:rPr lang="ko-KR" altLang="en-US" sz="2000" dirty="0">
+                <a:latin typeface="조선가는고딕" panose="02030504000101010101" pitchFamily="18" charset="-127"/>
+                <a:ea typeface="조선가는고딕" panose="02030504000101010101" pitchFamily="18" charset="-127"/>
+                <a:cs typeface="KoPubWorld돋움체 Light" panose="00000300000000000000" pitchFamily="2" charset="-127"/>
+              </a:rPr>
+              <a:t>한발 당 데미지</a:t>
+            </a:r>
+            <a:r>
+              <a:rPr lang="en-US" altLang="ko-KR" sz="2000" dirty="0">
+                <a:latin typeface="조선가는고딕" panose="02030504000101010101" pitchFamily="18" charset="-127"/>
+                <a:ea typeface="조선가는고딕" panose="02030504000101010101" pitchFamily="18" charset="-127"/>
+                <a:cs typeface="KoPubWorld돋움체 Light" panose="00000300000000000000" pitchFamily="2" charset="-127"/>
+              </a:rPr>
+              <a:t>: 40 (</a:t>
+            </a:r>
+            <a:r>
+              <a:rPr lang="ko-KR" altLang="en-US" sz="2000" dirty="0">
+                <a:latin typeface="조선가는고딕" panose="02030504000101010101" pitchFamily="18" charset="-127"/>
+                <a:ea typeface="조선가는고딕" panose="02030504000101010101" pitchFamily="18" charset="-127"/>
+                <a:cs typeface="KoPubWorld돋움체 Light" panose="00000300000000000000" pitchFamily="2" charset="-127"/>
+              </a:rPr>
+              <a:t>장전 한 번당 </a:t>
+            </a:r>
+            <a:r>
+              <a:rPr lang="en-US" altLang="ko-KR" sz="2000" dirty="0">
+                <a:latin typeface="조선가는고딕" panose="02030504000101010101" pitchFamily="18" charset="-127"/>
+                <a:ea typeface="조선가는고딕" panose="02030504000101010101" pitchFamily="18" charset="-127"/>
+                <a:cs typeface="KoPubWorld돋움체 Light" panose="00000300000000000000" pitchFamily="2" charset="-127"/>
+              </a:rPr>
+              <a:t>40</a:t>
+            </a:r>
+            <a:r>
+              <a:rPr lang="ko-KR" altLang="en-US" sz="2000" dirty="0">
+                <a:latin typeface="조선가는고딕" panose="02030504000101010101" pitchFamily="18" charset="-127"/>
+                <a:ea typeface="조선가는고딕" panose="02030504000101010101" pitchFamily="18" charset="-127"/>
+                <a:cs typeface="KoPubWorld돋움체 Light" panose="00000300000000000000" pitchFamily="2" charset="-127"/>
+              </a:rPr>
+              <a:t>발 장전</a:t>
+            </a:r>
+            <a:r>
+              <a:rPr lang="en-US" altLang="ko-KR" sz="2000" dirty="0">
+                <a:latin typeface="조선가는고딕" panose="02030504000101010101" pitchFamily="18" charset="-127"/>
+                <a:ea typeface="조선가는고딕" panose="02030504000101010101" pitchFamily="18" charset="-127"/>
+                <a:cs typeface="KoPubWorld돋움체 Light" panose="00000300000000000000" pitchFamily="2" charset="-127"/>
+              </a:rPr>
+              <a:t>)</a:t>
+            </a:r>
+          </a:p>
+        </p:txBody>
+      </p:sp>
+      <p:sp>
+        <p:nvSpPr>
+          <p:cNvPr id="29" name="TextBox 28">
+            <a:extLst>
+              <a:ext uri="{FF2B5EF4-FFF2-40B4-BE49-F238E27FC236}">
+                <a16:creationId xmlns:a16="http://schemas.microsoft.com/office/drawing/2014/main" id="{68AE1986-4092-94E2-C22B-9035738EC013}"/>
+              </a:ext>
+            </a:extLst>
+          </p:cNvPr>
+          <p:cNvSpPr txBox="1"/>
+          <p:nvPr/>
+        </p:nvSpPr>
+        <p:spPr>
+          <a:xfrm>
+            <a:off x="2279384" y="5372539"/>
+            <a:ext cx="7132081" cy="400110"/>
+          </a:xfrm>
+          <a:prstGeom prst="rect">
+            <a:avLst/>
+          </a:prstGeom>
+          <a:noFill/>
+        </p:spPr>
+        <p:txBody>
+          <a:bodyPr wrap="none" rtlCol="0">
+            <a:spAutoFit/>
+          </a:bodyPr>
+          <a:lstStyle/>
+          <a:p>
+            <a:pPr algn="ctr"/>
+            <a:r>
+              <a:rPr lang="ko-KR" altLang="en-US" sz="2000" dirty="0">
+                <a:latin typeface="조선가는고딕" panose="02030504000101010101" pitchFamily="18" charset="-127"/>
+                <a:ea typeface="조선가는고딕" panose="02030504000101010101" pitchFamily="18" charset="-127"/>
+                <a:cs typeface="KoPubWorld돋움체 Light" panose="00000300000000000000" pitchFamily="2" charset="-127"/>
+              </a:rPr>
+              <a:t>기관총</a:t>
+            </a:r>
+            <a:r>
+              <a:rPr lang="en-US" altLang="ko-KR" sz="2000" dirty="0">
+                <a:latin typeface="조선가는고딕" panose="02030504000101010101" pitchFamily="18" charset="-127"/>
+                <a:ea typeface="조선가는고딕" panose="02030504000101010101" pitchFamily="18" charset="-127"/>
+                <a:cs typeface="KoPubWorld돋움체 Light" panose="00000300000000000000" pitchFamily="2" charset="-127"/>
+              </a:rPr>
+              <a:t>: 1</a:t>
+            </a:r>
+            <a:r>
+              <a:rPr lang="ko-KR" altLang="en-US" sz="2000" dirty="0">
+                <a:latin typeface="조선가는고딕" panose="02030504000101010101" pitchFamily="18" charset="-127"/>
+                <a:ea typeface="조선가는고딕" panose="02030504000101010101" pitchFamily="18" charset="-127"/>
+                <a:cs typeface="KoPubWorld돋움체 Light" panose="00000300000000000000" pitchFamily="2" charset="-127"/>
+              </a:rPr>
+              <a:t>초에 </a:t>
+            </a:r>
+            <a:r>
+              <a:rPr lang="en-US" altLang="ko-KR" sz="2000" dirty="0">
+                <a:latin typeface="조선가는고딕" panose="02030504000101010101" pitchFamily="18" charset="-127"/>
+                <a:ea typeface="조선가는고딕" panose="02030504000101010101" pitchFamily="18" charset="-127"/>
+                <a:cs typeface="KoPubWorld돋움체 Light" panose="00000300000000000000" pitchFamily="2" charset="-127"/>
+              </a:rPr>
+              <a:t>10</a:t>
+            </a:r>
+            <a:r>
+              <a:rPr lang="ko-KR" altLang="en-US" sz="2000" dirty="0">
+                <a:latin typeface="조선가는고딕" panose="02030504000101010101" pitchFamily="18" charset="-127"/>
+                <a:ea typeface="조선가는고딕" panose="02030504000101010101" pitchFamily="18" charset="-127"/>
+                <a:cs typeface="KoPubWorld돋움체 Light" panose="00000300000000000000" pitchFamily="2" charset="-127"/>
+              </a:rPr>
+              <a:t>발</a:t>
+            </a:r>
+            <a:r>
+              <a:rPr lang="en-US" altLang="ko-KR" sz="2000" dirty="0">
+                <a:latin typeface="조선가는고딕" panose="02030504000101010101" pitchFamily="18" charset="-127"/>
+                <a:ea typeface="조선가는고딕" panose="02030504000101010101" pitchFamily="18" charset="-127"/>
+                <a:cs typeface="KoPubWorld돋움체 Light" panose="00000300000000000000" pitchFamily="2" charset="-127"/>
+              </a:rPr>
+              <a:t>, </a:t>
+            </a:r>
+            <a:r>
+              <a:rPr lang="ko-KR" altLang="en-US" sz="2000" dirty="0">
+                <a:latin typeface="조선가는고딕" panose="02030504000101010101" pitchFamily="18" charset="-127"/>
+                <a:ea typeface="조선가는고딕" panose="02030504000101010101" pitchFamily="18" charset="-127"/>
+                <a:cs typeface="KoPubWorld돋움체 Light" panose="00000300000000000000" pitchFamily="2" charset="-127"/>
+              </a:rPr>
+              <a:t>한발 당 데미지</a:t>
+            </a:r>
+            <a:r>
+              <a:rPr lang="en-US" altLang="ko-KR" sz="2000" dirty="0">
+                <a:latin typeface="조선가는고딕" panose="02030504000101010101" pitchFamily="18" charset="-127"/>
+                <a:ea typeface="조선가는고딕" panose="02030504000101010101" pitchFamily="18" charset="-127"/>
+                <a:cs typeface="KoPubWorld돋움체 Light" panose="00000300000000000000" pitchFamily="2" charset="-127"/>
+              </a:rPr>
+              <a:t>: 30 (</a:t>
+            </a:r>
+            <a:r>
+              <a:rPr lang="ko-KR" altLang="en-US" sz="2000" dirty="0">
+                <a:latin typeface="조선가는고딕" panose="02030504000101010101" pitchFamily="18" charset="-127"/>
+                <a:ea typeface="조선가는고딕" panose="02030504000101010101" pitchFamily="18" charset="-127"/>
+                <a:cs typeface="KoPubWorld돋움체 Light" panose="00000300000000000000" pitchFamily="2" charset="-127"/>
+              </a:rPr>
+              <a:t>장전 한 번당 </a:t>
+            </a:r>
+            <a:r>
+              <a:rPr lang="en-US" altLang="ko-KR" sz="2000" dirty="0">
+                <a:latin typeface="조선가는고딕" panose="02030504000101010101" pitchFamily="18" charset="-127"/>
+                <a:ea typeface="조선가는고딕" panose="02030504000101010101" pitchFamily="18" charset="-127"/>
+                <a:cs typeface="KoPubWorld돋움체 Light" panose="00000300000000000000" pitchFamily="2" charset="-127"/>
+              </a:rPr>
+              <a:t>150</a:t>
+            </a:r>
+            <a:r>
+              <a:rPr lang="ko-KR" altLang="en-US" sz="2000" dirty="0">
+                <a:latin typeface="조선가는고딕" panose="02030504000101010101" pitchFamily="18" charset="-127"/>
+                <a:ea typeface="조선가는고딕" panose="02030504000101010101" pitchFamily="18" charset="-127"/>
+                <a:cs typeface="KoPubWorld돋움체 Light" panose="00000300000000000000" pitchFamily="2" charset="-127"/>
+              </a:rPr>
+              <a:t>발 장전</a:t>
+            </a:r>
+            <a:r>
+              <a:rPr lang="en-US" altLang="ko-KR" sz="2000" dirty="0">
+                <a:latin typeface="조선가는고딕" panose="02030504000101010101" pitchFamily="18" charset="-127"/>
+                <a:ea typeface="조선가는고딕" panose="02030504000101010101" pitchFamily="18" charset="-127"/>
+                <a:cs typeface="KoPubWorld돋움체 Light" panose="00000300000000000000" pitchFamily="2" charset="-127"/>
+              </a:rPr>
+              <a:t>)</a:t>
+            </a:r>
+          </a:p>
+        </p:txBody>
+      </p:sp>
     </p:spTree>
     <p:extLst>
       <p:ext uri="{BB962C8B-B14F-4D97-AF65-F5344CB8AC3E}">
-        <p14:creationId xmlns:p14="http://schemas.microsoft.com/office/powerpoint/2010/main" val="1312021578"/>
+        <p14:creationId xmlns:p14="http://schemas.microsoft.com/office/powerpoint/2010/main" val="2755375091"/>
       </p:ext>
     </p:extLst>
   </p:cSld>
@@ -4647,7 +5104,7 @@
         <p:spPr>
           <a:xfrm>
             <a:off x="5059355" y="2778670"/>
-            <a:ext cx="6827845" cy="2862322"/>
+            <a:ext cx="6827845" cy="2554545"/>
           </a:xfrm>
           <a:prstGeom prst="rect">
             <a:avLst/>
@@ -4971,7 +5428,7 @@
                 <a:ea typeface="조선가는고딕" panose="02030504000101010101" pitchFamily="18" charset="-127"/>
                 <a:cs typeface="KoPubWorld돋움체 Light" panose="00000300000000000000" pitchFamily="2" charset="-127"/>
               </a:rPr>
-              <a:t>쫒아가</a:t>
+              <a:t>쫒아가서</a:t>
             </a:r>
             <a:r>
               <a:rPr lang="ko-KR" altLang="en-US" sz="2000" dirty="0">
@@ -5229,8 +5686,8 @@
         </p:nvSpPr>
         <p:spPr>
           <a:xfrm>
-            <a:off x="557400" y="1085959"/>
-            <a:ext cx="1893467" cy="769441"/>
+            <a:off x="583048" y="1062718"/>
+            <a:ext cx="697627" cy="769441"/>
           </a:xfrm>
           <a:prstGeom prst="rect">
             <a:avLst/>
@@ -5245,17 +5702,6 @@
           <a:p>
             <a:pPr algn="ctr"/>
             <a:r>
-              <a:rPr lang="ko-KR" altLang="en-US" sz="4400">
-                <a:highlight>
-                  <a:srgbClr val="00FFFF"/>
-                </a:highlight>
-                <a:latin typeface="조선가는고딕" panose="02030504000101010101" pitchFamily="18" charset="-127"/>
-                <a:ea typeface="조선가는고딕" panose="02030504000101010101" pitchFamily="18" charset="-127"/>
-                <a:cs typeface="KoPubWorld돋움체 Light" panose="00000300000000000000" pitchFamily="2" charset="-127"/>
-              </a:rPr>
-              <a:t>총 </a:t>
-            </a:r>
-            <a:r>
               <a:rPr lang="ko-KR" altLang="en-US" sz="4400" dirty="0">
                 <a:highlight>
                   <a:srgbClr val="00FFFF"/>
@@ -5264,7 +5710,7 @@
                 <a:ea typeface="조선가는고딕" panose="02030504000101010101" pitchFamily="18" charset="-127"/>
                 <a:cs typeface="KoPubWorld돋움체 Light" panose="00000300000000000000" pitchFamily="2" charset="-127"/>
               </a:rPr>
-              <a:t>소개</a:t>
+              <a:t>맵</a:t>
             </a:r>
             <a:endParaRPr lang="en-US" altLang="ko-KR" sz="4400" dirty="0">
               <a:highlight>
@@ -5272,880 +5718,6 @@
               </a:highlight>
               <a:latin typeface="조선가는고딕" panose="02030504000101010101" pitchFamily="18" charset="-127"/>
               <a:ea typeface="조선가는고딕" panose="02030504000101010101" pitchFamily="18" charset="-127"/>
-              <a:cs typeface="KoPubWorld돋움체 Light" panose="00000300000000000000" pitchFamily="2" charset="-127"/>
-            </a:endParaRPr>
-          </a:p>
-        </p:txBody>
-      </p:sp>
-      <p:sp>
-        <p:nvSpPr>
-          <p:cNvPr id="13" name="TextBox 12">
-            <a:extLst>
-              <a:ext uri="{FF2B5EF4-FFF2-40B4-BE49-F238E27FC236}">
-                <a16:creationId xmlns:a16="http://schemas.microsoft.com/office/drawing/2014/main" id="{94B39D9E-41AA-3B34-F4B1-EB0FD179D47A}"/>
-              </a:ext>
-            </a:extLst>
-          </p:cNvPr>
-          <p:cNvSpPr txBox="1"/>
-          <p:nvPr/>
-        </p:nvSpPr>
-        <p:spPr>
-          <a:xfrm>
-            <a:off x="1902931" y="3642671"/>
-            <a:ext cx="931665" cy="584775"/>
-          </a:xfrm>
-          <a:prstGeom prst="rect">
-            <a:avLst/>
-          </a:prstGeom>
-          <a:noFill/>
-        </p:spPr>
-        <p:txBody>
-          <a:bodyPr wrap="none" rtlCol="0">
-            <a:spAutoFit/>
-          </a:bodyPr>
-          <a:lstStyle/>
-          <a:p>
-            <a:pPr algn="ctr"/>
-            <a:r>
-              <a:rPr lang="ko-KR" altLang="en-US" sz="3200" dirty="0" err="1">
-                <a:highlight>
-                  <a:srgbClr val="00FFFF"/>
-                </a:highlight>
-                <a:latin typeface="조선가는고딕" panose="02030504000101010101" pitchFamily="18" charset="-127"/>
-                <a:ea typeface="조선가는고딕" panose="02030504000101010101" pitchFamily="18" charset="-127"/>
-                <a:cs typeface="KoPubWorld돋움체 Light" panose="00000300000000000000" pitchFamily="2" charset="-127"/>
-              </a:rPr>
-              <a:t>샷건</a:t>
-            </a:r>
-            <a:endParaRPr lang="en-US" altLang="ko-KR" sz="3200" dirty="0">
-              <a:highlight>
-                <a:srgbClr val="00FFFF"/>
-              </a:highlight>
-              <a:latin typeface="조선가는고딕" panose="02030504000101010101" pitchFamily="18" charset="-127"/>
-              <a:ea typeface="조선가는고딕" panose="02030504000101010101" pitchFamily="18" charset="-127"/>
-              <a:cs typeface="KoPubWorld돋움체 Light" panose="00000300000000000000" pitchFamily="2" charset="-127"/>
-            </a:endParaRPr>
-          </a:p>
-        </p:txBody>
-      </p:sp>
-      <p:sp>
-        <p:nvSpPr>
-          <p:cNvPr id="14" name="TextBox 13">
-            <a:extLst>
-              <a:ext uri="{FF2B5EF4-FFF2-40B4-BE49-F238E27FC236}">
-                <a16:creationId xmlns:a16="http://schemas.microsoft.com/office/drawing/2014/main" id="{296D4A7D-D2DE-38D1-908F-1176B15B31A9}"/>
-              </a:ext>
-            </a:extLst>
-          </p:cNvPr>
-          <p:cNvSpPr txBox="1"/>
-          <p:nvPr/>
-        </p:nvSpPr>
-        <p:spPr>
-          <a:xfrm>
-            <a:off x="2214714" y="4224525"/>
-            <a:ext cx="6774611" cy="400110"/>
-          </a:xfrm>
-          <a:prstGeom prst="rect">
-            <a:avLst/>
-          </a:prstGeom>
-          <a:noFill/>
-        </p:spPr>
-        <p:txBody>
-          <a:bodyPr wrap="none" rtlCol="0">
-            <a:spAutoFit/>
-          </a:bodyPr>
-          <a:lstStyle/>
-          <a:p>
-            <a:pPr algn="ctr"/>
-            <a:r>
-              <a:rPr lang="ko-KR" altLang="en-US" sz="2000" dirty="0" err="1">
-                <a:latin typeface="조선가는고딕" panose="02030504000101010101" pitchFamily="18" charset="-127"/>
-                <a:ea typeface="조선가는고딕" panose="02030504000101010101" pitchFamily="18" charset="-127"/>
-                <a:cs typeface="KoPubWorld돋움체 Light" panose="00000300000000000000" pitchFamily="2" charset="-127"/>
-              </a:rPr>
-              <a:t>샷건</a:t>
-            </a:r>
-            <a:r>
-              <a:rPr lang="en-US" altLang="ko-KR" sz="2000" dirty="0">
-                <a:latin typeface="조선가는고딕" panose="02030504000101010101" pitchFamily="18" charset="-127"/>
-                <a:ea typeface="조선가는고딕" panose="02030504000101010101" pitchFamily="18" charset="-127"/>
-                <a:cs typeface="KoPubWorld돋움체 Light" panose="00000300000000000000" pitchFamily="2" charset="-127"/>
-              </a:rPr>
-              <a:t>: 1</a:t>
-            </a:r>
-            <a:r>
-              <a:rPr lang="ko-KR" altLang="en-US" sz="2000" dirty="0">
-                <a:latin typeface="조선가는고딕" panose="02030504000101010101" pitchFamily="18" charset="-127"/>
-                <a:ea typeface="조선가는고딕" panose="02030504000101010101" pitchFamily="18" charset="-127"/>
-                <a:cs typeface="KoPubWorld돋움체 Light" panose="00000300000000000000" pitchFamily="2" charset="-127"/>
-              </a:rPr>
-              <a:t>초에 </a:t>
-            </a:r>
-            <a:r>
-              <a:rPr lang="en-US" altLang="ko-KR" sz="2000" dirty="0">
-                <a:latin typeface="조선가는고딕" panose="02030504000101010101" pitchFamily="18" charset="-127"/>
-                <a:ea typeface="조선가는고딕" panose="02030504000101010101" pitchFamily="18" charset="-127"/>
-                <a:cs typeface="KoPubWorld돋움체 Light" panose="00000300000000000000" pitchFamily="2" charset="-127"/>
-              </a:rPr>
-              <a:t>1</a:t>
-            </a:r>
-            <a:r>
-              <a:rPr lang="ko-KR" altLang="en-US" sz="2000" dirty="0">
-                <a:latin typeface="조선가는고딕" panose="02030504000101010101" pitchFamily="18" charset="-127"/>
-                <a:ea typeface="조선가는고딕" panose="02030504000101010101" pitchFamily="18" charset="-127"/>
-                <a:cs typeface="KoPubWorld돋움체 Light" panose="00000300000000000000" pitchFamily="2" charset="-127"/>
-              </a:rPr>
-              <a:t>발</a:t>
-            </a:r>
-            <a:r>
-              <a:rPr lang="en-US" altLang="ko-KR" sz="2000" dirty="0">
-                <a:latin typeface="조선가는고딕" panose="02030504000101010101" pitchFamily="18" charset="-127"/>
-                <a:ea typeface="조선가는고딕" panose="02030504000101010101" pitchFamily="18" charset="-127"/>
-                <a:cs typeface="KoPubWorld돋움체 Light" panose="00000300000000000000" pitchFamily="2" charset="-127"/>
-              </a:rPr>
-              <a:t>, </a:t>
-            </a:r>
-            <a:r>
-              <a:rPr lang="ko-KR" altLang="en-US" sz="2000" dirty="0">
-                <a:latin typeface="조선가는고딕" panose="02030504000101010101" pitchFamily="18" charset="-127"/>
-                <a:ea typeface="조선가는고딕" panose="02030504000101010101" pitchFamily="18" charset="-127"/>
-                <a:cs typeface="KoPubWorld돋움체 Light" panose="00000300000000000000" pitchFamily="2" charset="-127"/>
-              </a:rPr>
-              <a:t>한발 당 데미지</a:t>
-            </a:r>
-            <a:r>
-              <a:rPr lang="en-US" altLang="ko-KR" sz="2000" dirty="0">
-                <a:latin typeface="조선가는고딕" panose="02030504000101010101" pitchFamily="18" charset="-127"/>
-                <a:ea typeface="조선가는고딕" panose="02030504000101010101" pitchFamily="18" charset="-127"/>
-                <a:cs typeface="KoPubWorld돋움체 Light" panose="00000300000000000000" pitchFamily="2" charset="-127"/>
-              </a:rPr>
-              <a:t>: 100 (</a:t>
-            </a:r>
-            <a:r>
-              <a:rPr lang="ko-KR" altLang="en-US" sz="2000" dirty="0">
-                <a:latin typeface="조선가는고딕" panose="02030504000101010101" pitchFamily="18" charset="-127"/>
-                <a:ea typeface="조선가는고딕" panose="02030504000101010101" pitchFamily="18" charset="-127"/>
-                <a:cs typeface="KoPubWorld돋움체 Light" panose="00000300000000000000" pitchFamily="2" charset="-127"/>
-              </a:rPr>
-              <a:t>장전 한 번당 </a:t>
-            </a:r>
-            <a:r>
-              <a:rPr lang="en-US" altLang="ko-KR" sz="2000" dirty="0">
-                <a:latin typeface="조선가는고딕" panose="02030504000101010101" pitchFamily="18" charset="-127"/>
-                <a:ea typeface="조선가는고딕" panose="02030504000101010101" pitchFamily="18" charset="-127"/>
-                <a:cs typeface="KoPubWorld돋움체 Light" panose="00000300000000000000" pitchFamily="2" charset="-127"/>
-              </a:rPr>
-              <a:t>20</a:t>
-            </a:r>
-            <a:r>
-              <a:rPr lang="ko-KR" altLang="en-US" sz="2000" dirty="0">
-                <a:latin typeface="조선가는고딕" panose="02030504000101010101" pitchFamily="18" charset="-127"/>
-                <a:ea typeface="조선가는고딕" panose="02030504000101010101" pitchFamily="18" charset="-127"/>
-                <a:cs typeface="KoPubWorld돋움체 Light" panose="00000300000000000000" pitchFamily="2" charset="-127"/>
-              </a:rPr>
-              <a:t>발 장전</a:t>
-            </a:r>
-            <a:r>
-              <a:rPr lang="en-US" altLang="ko-KR" sz="2000" dirty="0">
-                <a:latin typeface="조선가는고딕" panose="02030504000101010101" pitchFamily="18" charset="-127"/>
-                <a:ea typeface="조선가는고딕" panose="02030504000101010101" pitchFamily="18" charset="-127"/>
-                <a:cs typeface="KoPubWorld돋움체 Light" panose="00000300000000000000" pitchFamily="2" charset="-127"/>
-              </a:rPr>
-              <a:t>)</a:t>
-            </a:r>
-          </a:p>
-        </p:txBody>
-      </p:sp>
-      <p:pic>
-        <p:nvPicPr>
-          <p:cNvPr id="35" name="그림 34">
-            <a:extLst>
-              <a:ext uri="{FF2B5EF4-FFF2-40B4-BE49-F238E27FC236}">
-                <a16:creationId xmlns:a16="http://schemas.microsoft.com/office/drawing/2014/main" id="{DBC360D1-9C1E-1D49-CAFA-16A53237D63B}"/>
-              </a:ext>
-            </a:extLst>
-          </p:cNvPr>
-          <p:cNvPicPr>
-            <a:picLocks noChangeAspect="1"/>
-          </p:cNvPicPr>
-          <p:nvPr/>
-        </p:nvPicPr>
-        <p:blipFill>
-          <a:blip r:embed="rId2"/>
-          <a:stretch>
-            <a:fillRect/>
-          </a:stretch>
-        </p:blipFill>
-        <p:spPr>
-          <a:xfrm>
-            <a:off x="738832" y="3628515"/>
-            <a:ext cx="996120" cy="996120"/>
-          </a:xfrm>
-          <a:prstGeom prst="rect">
-            <a:avLst/>
-          </a:prstGeom>
-        </p:spPr>
-      </p:pic>
-      <p:sp>
-        <p:nvSpPr>
-          <p:cNvPr id="3" name="TextBox 2">
-            <a:extLst>
-              <a:ext uri="{FF2B5EF4-FFF2-40B4-BE49-F238E27FC236}">
-                <a16:creationId xmlns:a16="http://schemas.microsoft.com/office/drawing/2014/main" id="{3E045A13-1879-7039-46F1-9A4EC96481CC}"/>
-              </a:ext>
-            </a:extLst>
-          </p:cNvPr>
-          <p:cNvSpPr txBox="1"/>
-          <p:nvPr/>
-        </p:nvSpPr>
-        <p:spPr>
-          <a:xfrm>
-            <a:off x="1914953" y="2421001"/>
-            <a:ext cx="931665" cy="584775"/>
-          </a:xfrm>
-          <a:prstGeom prst="rect">
-            <a:avLst/>
-          </a:prstGeom>
-          <a:noFill/>
-        </p:spPr>
-        <p:txBody>
-          <a:bodyPr wrap="none" rtlCol="0">
-            <a:spAutoFit/>
-          </a:bodyPr>
-          <a:lstStyle/>
-          <a:p>
-            <a:pPr algn="ctr"/>
-            <a:r>
-              <a:rPr lang="ko-KR" altLang="en-US" sz="3200" dirty="0">
-                <a:highlight>
-                  <a:srgbClr val="00FFFF"/>
-                </a:highlight>
-                <a:latin typeface="조선가는고딕" panose="02030504000101010101" pitchFamily="18" charset="-127"/>
-                <a:ea typeface="조선가는고딕" panose="02030504000101010101" pitchFamily="18" charset="-127"/>
-                <a:cs typeface="KoPubWorld돋움체 Light" panose="00000300000000000000" pitchFamily="2" charset="-127"/>
-              </a:rPr>
-              <a:t>소총</a:t>
-            </a:r>
-            <a:endParaRPr lang="en-US" altLang="ko-KR" sz="3200" dirty="0">
-              <a:highlight>
-                <a:srgbClr val="00FFFF"/>
-              </a:highlight>
-              <a:latin typeface="조선가는고딕" panose="02030504000101010101" pitchFamily="18" charset="-127"/>
-              <a:ea typeface="조선가는고딕" panose="02030504000101010101" pitchFamily="18" charset="-127"/>
-              <a:cs typeface="KoPubWorld돋움체 Light" panose="00000300000000000000" pitchFamily="2" charset="-127"/>
-            </a:endParaRPr>
-          </a:p>
-        </p:txBody>
-      </p:sp>
-      <p:sp>
-        <p:nvSpPr>
-          <p:cNvPr id="15" name="TextBox 14">
-            <a:extLst>
-              <a:ext uri="{FF2B5EF4-FFF2-40B4-BE49-F238E27FC236}">
-                <a16:creationId xmlns:a16="http://schemas.microsoft.com/office/drawing/2014/main" id="{384B0B1B-036E-E0C9-7B10-489273B8D4B5}"/>
-              </a:ext>
-            </a:extLst>
-          </p:cNvPr>
-          <p:cNvSpPr txBox="1"/>
-          <p:nvPr/>
-        </p:nvSpPr>
-        <p:spPr>
-          <a:xfrm>
-            <a:off x="1921365" y="4802545"/>
-            <a:ext cx="1305165" cy="584775"/>
-          </a:xfrm>
-          <a:prstGeom prst="rect">
-            <a:avLst/>
-          </a:prstGeom>
-          <a:noFill/>
-        </p:spPr>
-        <p:txBody>
-          <a:bodyPr wrap="none" rtlCol="0">
-            <a:spAutoFit/>
-          </a:bodyPr>
-          <a:lstStyle/>
-          <a:p>
-            <a:pPr algn="ctr"/>
-            <a:r>
-              <a:rPr lang="ko-KR" altLang="en-US" sz="3200">
-                <a:highlight>
-                  <a:srgbClr val="00FFFF"/>
-                </a:highlight>
-                <a:latin typeface="조선가는고딕" panose="02030504000101010101" pitchFamily="18" charset="-127"/>
-                <a:ea typeface="조선가는고딕" panose="02030504000101010101" pitchFamily="18" charset="-127"/>
-                <a:cs typeface="KoPubWorld돋움체 Light" panose="00000300000000000000" pitchFamily="2" charset="-127"/>
-              </a:rPr>
-              <a:t>기관총</a:t>
-            </a:r>
-            <a:endParaRPr lang="en-US" altLang="ko-KR" sz="3200" dirty="0">
-              <a:highlight>
-                <a:srgbClr val="00FFFF"/>
-              </a:highlight>
-              <a:latin typeface="조선가는고딕" panose="02030504000101010101" pitchFamily="18" charset="-127"/>
-              <a:ea typeface="조선가는고딕" panose="02030504000101010101" pitchFamily="18" charset="-127"/>
-              <a:cs typeface="KoPubWorld돋움체 Light" panose="00000300000000000000" pitchFamily="2" charset="-127"/>
-            </a:endParaRPr>
-          </a:p>
-        </p:txBody>
-      </p:sp>
-      <p:pic>
-        <p:nvPicPr>
-          <p:cNvPr id="20" name="그림 19">
-            <a:extLst>
-              <a:ext uri="{FF2B5EF4-FFF2-40B4-BE49-F238E27FC236}">
-                <a16:creationId xmlns:a16="http://schemas.microsoft.com/office/drawing/2014/main" id="{3BDE1B60-EA31-13B6-9A82-6E88766CE764}"/>
-              </a:ext>
-            </a:extLst>
-          </p:cNvPr>
-          <p:cNvPicPr>
-            <a:picLocks noChangeAspect="1"/>
-          </p:cNvPicPr>
-          <p:nvPr/>
-        </p:nvPicPr>
-        <p:blipFill>
-          <a:blip r:embed="rId3"/>
-          <a:stretch>
-            <a:fillRect/>
-          </a:stretch>
-        </p:blipFill>
-        <p:spPr>
-          <a:xfrm>
-            <a:off x="673423" y="2433443"/>
-            <a:ext cx="1073552" cy="1073552"/>
-          </a:xfrm>
-          <a:prstGeom prst="rect">
-            <a:avLst/>
-          </a:prstGeom>
-        </p:spPr>
-      </p:pic>
-      <p:pic>
-        <p:nvPicPr>
-          <p:cNvPr id="27" name="그림 26">
-            <a:extLst>
-              <a:ext uri="{FF2B5EF4-FFF2-40B4-BE49-F238E27FC236}">
-                <a16:creationId xmlns:a16="http://schemas.microsoft.com/office/drawing/2014/main" id="{85468F8D-19FC-FE6B-7E86-F310E9336B8C}"/>
-              </a:ext>
-            </a:extLst>
-          </p:cNvPr>
-          <p:cNvPicPr>
-            <a:picLocks noChangeAspect="1"/>
-          </p:cNvPicPr>
-          <p:nvPr/>
-        </p:nvPicPr>
-        <p:blipFill>
-          <a:blip r:embed="rId4"/>
-          <a:stretch>
-            <a:fillRect/>
-          </a:stretch>
-        </p:blipFill>
-        <p:spPr>
-          <a:xfrm>
-            <a:off x="557400" y="4718712"/>
-            <a:ext cx="1281551" cy="1053329"/>
-          </a:xfrm>
-          <a:prstGeom prst="rect">
-            <a:avLst/>
-          </a:prstGeom>
-        </p:spPr>
-      </p:pic>
-      <p:sp>
-        <p:nvSpPr>
-          <p:cNvPr id="28" name="TextBox 27">
-            <a:extLst>
-              <a:ext uri="{FF2B5EF4-FFF2-40B4-BE49-F238E27FC236}">
-                <a16:creationId xmlns:a16="http://schemas.microsoft.com/office/drawing/2014/main" id="{4B1D2F51-733D-92E9-C8A1-F70ADBE56D3C}"/>
-              </a:ext>
-            </a:extLst>
-          </p:cNvPr>
-          <p:cNvSpPr txBox="1"/>
-          <p:nvPr/>
-        </p:nvSpPr>
-        <p:spPr>
-          <a:xfrm>
-            <a:off x="2214714" y="3031271"/>
-            <a:ext cx="6651180" cy="707886"/>
-          </a:xfrm>
-          <a:prstGeom prst="rect">
-            <a:avLst/>
-          </a:prstGeom>
-          <a:noFill/>
-        </p:spPr>
-        <p:txBody>
-          <a:bodyPr wrap="square" rtlCol="0">
-            <a:spAutoFit/>
-          </a:bodyPr>
-          <a:lstStyle/>
-          <a:p>
-            <a:pPr algn="ctr"/>
-            <a:r>
-              <a:rPr lang="ko-KR" altLang="en-US" sz="2000" dirty="0">
-                <a:latin typeface="조선가는고딕" panose="02030504000101010101" pitchFamily="18" charset="-127"/>
-                <a:ea typeface="조선가는고딕" panose="02030504000101010101" pitchFamily="18" charset="-127"/>
-                <a:cs typeface="KoPubWorld돋움체 Light" panose="00000300000000000000" pitchFamily="2" charset="-127"/>
-              </a:rPr>
-              <a:t>소총</a:t>
-            </a:r>
-            <a:r>
-              <a:rPr lang="en-US" altLang="ko-KR" sz="2000" dirty="0">
-                <a:latin typeface="조선가는고딕" panose="02030504000101010101" pitchFamily="18" charset="-127"/>
-                <a:ea typeface="조선가는고딕" panose="02030504000101010101" pitchFamily="18" charset="-127"/>
-                <a:cs typeface="KoPubWorld돋움체 Light" panose="00000300000000000000" pitchFamily="2" charset="-127"/>
-              </a:rPr>
-              <a:t>: 1</a:t>
-            </a:r>
-            <a:r>
-              <a:rPr lang="ko-KR" altLang="en-US" sz="2000" dirty="0">
-                <a:latin typeface="조선가는고딕" panose="02030504000101010101" pitchFamily="18" charset="-127"/>
-                <a:ea typeface="조선가는고딕" panose="02030504000101010101" pitchFamily="18" charset="-127"/>
-                <a:cs typeface="KoPubWorld돋움체 Light" panose="00000300000000000000" pitchFamily="2" charset="-127"/>
-              </a:rPr>
-              <a:t>초에 </a:t>
-            </a:r>
-            <a:r>
-              <a:rPr lang="en-US" altLang="ko-KR" sz="2000" dirty="0">
-                <a:latin typeface="조선가는고딕" panose="02030504000101010101" pitchFamily="18" charset="-127"/>
-                <a:ea typeface="조선가는고딕" panose="02030504000101010101" pitchFamily="18" charset="-127"/>
-                <a:cs typeface="KoPubWorld돋움체 Light" panose="00000300000000000000" pitchFamily="2" charset="-127"/>
-              </a:rPr>
-              <a:t>3</a:t>
-            </a:r>
-            <a:r>
-              <a:rPr lang="ko-KR" altLang="en-US" sz="2000" dirty="0">
-                <a:latin typeface="조선가는고딕" panose="02030504000101010101" pitchFamily="18" charset="-127"/>
-                <a:ea typeface="조선가는고딕" panose="02030504000101010101" pitchFamily="18" charset="-127"/>
-                <a:cs typeface="KoPubWorld돋움체 Light" panose="00000300000000000000" pitchFamily="2" charset="-127"/>
-              </a:rPr>
-              <a:t>발</a:t>
-            </a:r>
-            <a:r>
-              <a:rPr lang="en-US" altLang="ko-KR" sz="2000" dirty="0">
-                <a:latin typeface="조선가는고딕" panose="02030504000101010101" pitchFamily="18" charset="-127"/>
-                <a:ea typeface="조선가는고딕" panose="02030504000101010101" pitchFamily="18" charset="-127"/>
-                <a:cs typeface="KoPubWorld돋움체 Light" panose="00000300000000000000" pitchFamily="2" charset="-127"/>
-              </a:rPr>
-              <a:t>, </a:t>
-            </a:r>
-            <a:r>
-              <a:rPr lang="ko-KR" altLang="en-US" sz="2000" dirty="0">
-                <a:latin typeface="조선가는고딕" panose="02030504000101010101" pitchFamily="18" charset="-127"/>
-                <a:ea typeface="조선가는고딕" panose="02030504000101010101" pitchFamily="18" charset="-127"/>
-                <a:cs typeface="KoPubWorld돋움체 Light" panose="00000300000000000000" pitchFamily="2" charset="-127"/>
-              </a:rPr>
-              <a:t>한발 당 데미지</a:t>
-            </a:r>
-            <a:r>
-              <a:rPr lang="en-US" altLang="ko-KR" sz="2000" dirty="0">
-                <a:latin typeface="조선가는고딕" panose="02030504000101010101" pitchFamily="18" charset="-127"/>
-                <a:ea typeface="조선가는고딕" panose="02030504000101010101" pitchFamily="18" charset="-127"/>
-                <a:cs typeface="KoPubWorld돋움체 Light" panose="00000300000000000000" pitchFamily="2" charset="-127"/>
-              </a:rPr>
-              <a:t>: 40 (</a:t>
-            </a:r>
-            <a:r>
-              <a:rPr lang="ko-KR" altLang="en-US" sz="2000" dirty="0">
-                <a:latin typeface="조선가는고딕" panose="02030504000101010101" pitchFamily="18" charset="-127"/>
-                <a:ea typeface="조선가는고딕" panose="02030504000101010101" pitchFamily="18" charset="-127"/>
-                <a:cs typeface="KoPubWorld돋움체 Light" panose="00000300000000000000" pitchFamily="2" charset="-127"/>
-              </a:rPr>
-              <a:t>장전 한 번당 </a:t>
-            </a:r>
-            <a:r>
-              <a:rPr lang="en-US" altLang="ko-KR" sz="2000" dirty="0">
-                <a:latin typeface="조선가는고딕" panose="02030504000101010101" pitchFamily="18" charset="-127"/>
-                <a:ea typeface="조선가는고딕" panose="02030504000101010101" pitchFamily="18" charset="-127"/>
-                <a:cs typeface="KoPubWorld돋움체 Light" panose="00000300000000000000" pitchFamily="2" charset="-127"/>
-              </a:rPr>
-              <a:t>40</a:t>
-            </a:r>
-            <a:r>
-              <a:rPr lang="ko-KR" altLang="en-US" sz="2000" dirty="0">
-                <a:latin typeface="조선가는고딕" panose="02030504000101010101" pitchFamily="18" charset="-127"/>
-                <a:ea typeface="조선가는고딕" panose="02030504000101010101" pitchFamily="18" charset="-127"/>
-                <a:cs typeface="KoPubWorld돋움체 Light" panose="00000300000000000000" pitchFamily="2" charset="-127"/>
-              </a:rPr>
-              <a:t>발 장전</a:t>
-            </a:r>
-            <a:r>
-              <a:rPr lang="en-US" altLang="ko-KR" sz="2000" dirty="0">
-                <a:latin typeface="조선가는고딕" panose="02030504000101010101" pitchFamily="18" charset="-127"/>
-                <a:ea typeface="조선가는고딕" panose="02030504000101010101" pitchFamily="18" charset="-127"/>
-                <a:cs typeface="KoPubWorld돋움체 Light" panose="00000300000000000000" pitchFamily="2" charset="-127"/>
-              </a:rPr>
-              <a:t>)</a:t>
-            </a:r>
-          </a:p>
-        </p:txBody>
-      </p:sp>
-      <p:sp>
-        <p:nvSpPr>
-          <p:cNvPr id="29" name="TextBox 28">
-            <a:extLst>
-              <a:ext uri="{FF2B5EF4-FFF2-40B4-BE49-F238E27FC236}">
-                <a16:creationId xmlns:a16="http://schemas.microsoft.com/office/drawing/2014/main" id="{68AE1986-4092-94E2-C22B-9035738EC013}"/>
-              </a:ext>
-            </a:extLst>
-          </p:cNvPr>
-          <p:cNvSpPr txBox="1"/>
-          <p:nvPr/>
-        </p:nvSpPr>
-        <p:spPr>
-          <a:xfrm>
-            <a:off x="2279384" y="5372539"/>
-            <a:ext cx="7132081" cy="400110"/>
-          </a:xfrm>
-          <a:prstGeom prst="rect">
-            <a:avLst/>
-          </a:prstGeom>
-          <a:noFill/>
-        </p:spPr>
-        <p:txBody>
-          <a:bodyPr wrap="none" rtlCol="0">
-            <a:spAutoFit/>
-          </a:bodyPr>
-          <a:lstStyle/>
-          <a:p>
-            <a:pPr algn="ctr"/>
-            <a:r>
-              <a:rPr lang="ko-KR" altLang="en-US" sz="2000" dirty="0">
-                <a:latin typeface="조선가는고딕" panose="02030504000101010101" pitchFamily="18" charset="-127"/>
-                <a:ea typeface="조선가는고딕" panose="02030504000101010101" pitchFamily="18" charset="-127"/>
-                <a:cs typeface="KoPubWorld돋움체 Light" panose="00000300000000000000" pitchFamily="2" charset="-127"/>
-              </a:rPr>
-              <a:t>기관총</a:t>
-            </a:r>
-            <a:r>
-              <a:rPr lang="en-US" altLang="ko-KR" sz="2000" dirty="0">
-                <a:latin typeface="조선가는고딕" panose="02030504000101010101" pitchFamily="18" charset="-127"/>
-                <a:ea typeface="조선가는고딕" panose="02030504000101010101" pitchFamily="18" charset="-127"/>
-                <a:cs typeface="KoPubWorld돋움체 Light" panose="00000300000000000000" pitchFamily="2" charset="-127"/>
-              </a:rPr>
-              <a:t>: 1</a:t>
-            </a:r>
-            <a:r>
-              <a:rPr lang="ko-KR" altLang="en-US" sz="2000" dirty="0">
-                <a:latin typeface="조선가는고딕" panose="02030504000101010101" pitchFamily="18" charset="-127"/>
-                <a:ea typeface="조선가는고딕" panose="02030504000101010101" pitchFamily="18" charset="-127"/>
-                <a:cs typeface="KoPubWorld돋움체 Light" panose="00000300000000000000" pitchFamily="2" charset="-127"/>
-              </a:rPr>
-              <a:t>초에 </a:t>
-            </a:r>
-            <a:r>
-              <a:rPr lang="en-US" altLang="ko-KR" sz="2000" dirty="0">
-                <a:latin typeface="조선가는고딕" panose="02030504000101010101" pitchFamily="18" charset="-127"/>
-                <a:ea typeface="조선가는고딕" panose="02030504000101010101" pitchFamily="18" charset="-127"/>
-                <a:cs typeface="KoPubWorld돋움체 Light" panose="00000300000000000000" pitchFamily="2" charset="-127"/>
-              </a:rPr>
-              <a:t>10</a:t>
-            </a:r>
-            <a:r>
-              <a:rPr lang="ko-KR" altLang="en-US" sz="2000" dirty="0">
-                <a:latin typeface="조선가는고딕" panose="02030504000101010101" pitchFamily="18" charset="-127"/>
-                <a:ea typeface="조선가는고딕" panose="02030504000101010101" pitchFamily="18" charset="-127"/>
-                <a:cs typeface="KoPubWorld돋움체 Light" panose="00000300000000000000" pitchFamily="2" charset="-127"/>
-              </a:rPr>
-              <a:t>발</a:t>
-            </a:r>
-            <a:r>
-              <a:rPr lang="en-US" altLang="ko-KR" sz="2000" dirty="0">
-                <a:latin typeface="조선가는고딕" panose="02030504000101010101" pitchFamily="18" charset="-127"/>
-                <a:ea typeface="조선가는고딕" panose="02030504000101010101" pitchFamily="18" charset="-127"/>
-                <a:cs typeface="KoPubWorld돋움체 Light" panose="00000300000000000000" pitchFamily="2" charset="-127"/>
-              </a:rPr>
-              <a:t>, </a:t>
-            </a:r>
-            <a:r>
-              <a:rPr lang="ko-KR" altLang="en-US" sz="2000" dirty="0">
-                <a:latin typeface="조선가는고딕" panose="02030504000101010101" pitchFamily="18" charset="-127"/>
-                <a:ea typeface="조선가는고딕" panose="02030504000101010101" pitchFamily="18" charset="-127"/>
-                <a:cs typeface="KoPubWorld돋움체 Light" panose="00000300000000000000" pitchFamily="2" charset="-127"/>
-              </a:rPr>
-              <a:t>한발 당 데미지</a:t>
-            </a:r>
-            <a:r>
-              <a:rPr lang="en-US" altLang="ko-KR" sz="2000" dirty="0">
-                <a:latin typeface="조선가는고딕" panose="02030504000101010101" pitchFamily="18" charset="-127"/>
-                <a:ea typeface="조선가는고딕" panose="02030504000101010101" pitchFamily="18" charset="-127"/>
-                <a:cs typeface="KoPubWorld돋움체 Light" panose="00000300000000000000" pitchFamily="2" charset="-127"/>
-              </a:rPr>
-              <a:t>: 30 (</a:t>
-            </a:r>
-            <a:r>
-              <a:rPr lang="ko-KR" altLang="en-US" sz="2000" dirty="0">
-                <a:latin typeface="조선가는고딕" panose="02030504000101010101" pitchFamily="18" charset="-127"/>
-                <a:ea typeface="조선가는고딕" panose="02030504000101010101" pitchFamily="18" charset="-127"/>
-                <a:cs typeface="KoPubWorld돋움체 Light" panose="00000300000000000000" pitchFamily="2" charset="-127"/>
-              </a:rPr>
-              <a:t>장전 한 번당 </a:t>
-            </a:r>
-            <a:r>
-              <a:rPr lang="en-US" altLang="ko-KR" sz="2000" dirty="0">
-                <a:latin typeface="조선가는고딕" panose="02030504000101010101" pitchFamily="18" charset="-127"/>
-                <a:ea typeface="조선가는고딕" panose="02030504000101010101" pitchFamily="18" charset="-127"/>
-                <a:cs typeface="KoPubWorld돋움체 Light" panose="00000300000000000000" pitchFamily="2" charset="-127"/>
-              </a:rPr>
-              <a:t>150</a:t>
-            </a:r>
-            <a:r>
-              <a:rPr lang="ko-KR" altLang="en-US" sz="2000" dirty="0">
-                <a:latin typeface="조선가는고딕" panose="02030504000101010101" pitchFamily="18" charset="-127"/>
-                <a:ea typeface="조선가는고딕" panose="02030504000101010101" pitchFamily="18" charset="-127"/>
-                <a:cs typeface="KoPubWorld돋움체 Light" panose="00000300000000000000" pitchFamily="2" charset="-127"/>
-              </a:rPr>
-              <a:t>발 장전</a:t>
-            </a:r>
-            <a:r>
-              <a:rPr lang="en-US" altLang="ko-KR" sz="2000" dirty="0">
-                <a:latin typeface="조선가는고딕" panose="02030504000101010101" pitchFamily="18" charset="-127"/>
-                <a:ea typeface="조선가는고딕" panose="02030504000101010101" pitchFamily="18" charset="-127"/>
-                <a:cs typeface="KoPubWorld돋움체 Light" panose="00000300000000000000" pitchFamily="2" charset="-127"/>
-              </a:rPr>
-              <a:t>)</a:t>
-            </a:r>
-          </a:p>
-        </p:txBody>
-      </p:sp>
-    </p:spTree>
-    <p:extLst>
-      <p:ext uri="{BB962C8B-B14F-4D97-AF65-F5344CB8AC3E}">
-        <p14:creationId xmlns:p14="http://schemas.microsoft.com/office/powerpoint/2010/main" val="2755375091"/>
-      </p:ext>
-    </p:extLst>
-  </p:cSld>
-  <p:clrMapOvr>
-    <a:masterClrMapping/>
-  </p:clrMapOvr>
-</p:sld>
-</file>
-
-<file path=ppt/slides/slide13.xml><?xml version="1.0" encoding="utf-8"?>
-<p:sld xmlns:a="http://schemas.openxmlformats.org/drawingml/2006/main" xmlns:r="http://schemas.openxmlformats.org/officeDocument/2006/relationships" xmlns:p="http://schemas.openxmlformats.org/presentationml/2006/main">
-  <p:cSld>
-    <p:spTree>
-      <p:nvGrpSpPr>
-        <p:cNvPr id="1" name=""/>
-        <p:cNvGrpSpPr/>
-        <p:nvPr/>
-      </p:nvGrpSpPr>
-      <p:grpSpPr>
-        <a:xfrm>
-          <a:off x="0" y="0"/>
-          <a:ext cx="0" cy="0"/>
-          <a:chOff x="0" y="0"/>
-          <a:chExt cx="0" cy="0"/>
-        </a:xfrm>
-      </p:grpSpPr>
-      <p:sp>
-        <p:nvSpPr>
-          <p:cNvPr id="23" name="직사각형 22">
-            <a:extLst>
-              <a:ext uri="{FF2B5EF4-FFF2-40B4-BE49-F238E27FC236}">
-                <a16:creationId xmlns:a16="http://schemas.microsoft.com/office/drawing/2014/main" id="{505D9C9E-8325-4A59-BEFC-3BC22C85BDAD}"/>
-              </a:ext>
-            </a:extLst>
-          </p:cNvPr>
-          <p:cNvSpPr/>
-          <p:nvPr/>
-        </p:nvSpPr>
-        <p:spPr>
-          <a:xfrm flipV="1">
-            <a:off x="557400" y="1001162"/>
-            <a:ext cx="11077200" cy="18000"/>
-          </a:xfrm>
-          <a:prstGeom prst="rect">
-            <a:avLst/>
-          </a:prstGeom>
-          <a:solidFill>
-            <a:srgbClr val="64DECF"/>
-          </a:solidFill>
-          <a:ln>
-            <a:noFill/>
-          </a:ln>
-        </p:spPr>
-        <p:style>
-          <a:lnRef idx="2">
-            <a:schemeClr val="accent1">
-              <a:shade val="50000"/>
-            </a:schemeClr>
-          </a:lnRef>
-          <a:fillRef idx="1">
-            <a:schemeClr val="accent1"/>
-          </a:fillRef>
-          <a:effectRef idx="0">
-            <a:schemeClr val="accent1"/>
-          </a:effectRef>
-          <a:fontRef idx="minor">
-            <a:schemeClr val="lt1"/>
-          </a:fontRef>
-        </p:style>
-        <p:txBody>
-          <a:bodyPr rtlCol="0" anchor="ctr"/>
-          <a:lstStyle/>
-          <a:p>
-            <a:pPr algn="ctr"/>
-            <a:endParaRPr lang="ko-KR" altLang="en-US"/>
-          </a:p>
-        </p:txBody>
-      </p:sp>
-      <p:grpSp>
-        <p:nvGrpSpPr>
-          <p:cNvPr id="6" name="그룹 5">
-            <a:extLst>
-              <a:ext uri="{FF2B5EF4-FFF2-40B4-BE49-F238E27FC236}">
-                <a16:creationId xmlns:a16="http://schemas.microsoft.com/office/drawing/2014/main" id="{1B0813F0-0608-43A3-9E53-0BA015EDE231}"/>
-              </a:ext>
-            </a:extLst>
-          </p:cNvPr>
-          <p:cNvGrpSpPr/>
-          <p:nvPr/>
-        </p:nvGrpSpPr>
-        <p:grpSpPr>
-          <a:xfrm>
-            <a:off x="4105427" y="188165"/>
-            <a:ext cx="4698331" cy="830997"/>
-            <a:chOff x="3819245" y="188165"/>
-            <a:chExt cx="4011835" cy="830997"/>
-          </a:xfrm>
-        </p:grpSpPr>
-        <p:sp>
-          <p:nvSpPr>
-            <p:cNvPr id="5" name="직사각형 4">
-              <a:extLst>
-                <a:ext uri="{FF2B5EF4-FFF2-40B4-BE49-F238E27FC236}">
-                  <a16:creationId xmlns:a16="http://schemas.microsoft.com/office/drawing/2014/main" id="{7D0033C3-456D-4151-9AAB-F0A2E961A5B6}"/>
-                </a:ext>
-              </a:extLst>
-            </p:cNvPr>
-            <p:cNvSpPr/>
-            <p:nvPr/>
-          </p:nvSpPr>
-          <p:spPr>
-            <a:xfrm>
-              <a:off x="4633790" y="302276"/>
-              <a:ext cx="3197290" cy="584775"/>
-            </a:xfrm>
-            <a:prstGeom prst="rect">
-              <a:avLst/>
-            </a:prstGeom>
-          </p:spPr>
-          <p:txBody>
-            <a:bodyPr wrap="square">
-              <a:spAutoFit/>
-            </a:bodyPr>
-            <a:lstStyle/>
-            <a:p>
-              <a:r>
-                <a:rPr lang="ko-KR" altLang="en-US" sz="3200" dirty="0">
-                  <a:latin typeface="굴림" panose="020B0600000101010101" pitchFamily="50" charset="-127"/>
-                  <a:ea typeface="굴림" panose="020B0600000101010101" pitchFamily="50" charset="-127"/>
-                  <a:cs typeface="KoPubWorld돋움체 Bold" panose="00000800000000000000" pitchFamily="2" charset="-127"/>
-                </a:rPr>
-                <a:t>게임소개</a:t>
-              </a:r>
-              <a:endParaRPr lang="en-US" altLang="ko-KR" sz="3200" dirty="0">
-                <a:latin typeface="굴림" panose="020B0600000101010101" pitchFamily="50" charset="-127"/>
-                <a:ea typeface="굴림" panose="020B0600000101010101" pitchFamily="50" charset="-127"/>
-                <a:cs typeface="KoPubWorld돋움체 Bold" panose="00000800000000000000" pitchFamily="2" charset="-127"/>
-              </a:endParaRPr>
-            </a:p>
-          </p:txBody>
-        </p:sp>
-        <p:sp>
-          <p:nvSpPr>
-            <p:cNvPr id="24" name="TextBox 23">
-              <a:extLst>
-                <a:ext uri="{FF2B5EF4-FFF2-40B4-BE49-F238E27FC236}">
-                  <a16:creationId xmlns:a16="http://schemas.microsoft.com/office/drawing/2014/main" id="{1841637C-F02D-4ED4-9B17-10A92FFC6619}"/>
-                </a:ext>
-              </a:extLst>
-            </p:cNvPr>
-            <p:cNvSpPr txBox="1"/>
-            <p:nvPr/>
-          </p:nvSpPr>
-          <p:spPr>
-            <a:xfrm>
-              <a:off x="3819245" y="188165"/>
-              <a:ext cx="768159" cy="830997"/>
-            </a:xfrm>
-            <a:prstGeom prst="rect">
-              <a:avLst/>
-            </a:prstGeom>
-            <a:noFill/>
-          </p:spPr>
-          <p:txBody>
-            <a:bodyPr wrap="none" rtlCol="0">
-              <a:spAutoFit/>
-            </a:bodyPr>
-            <a:lstStyle/>
-            <a:p>
-              <a:r>
-                <a:rPr lang="en-US" altLang="ko-KR" sz="4800" b="1" dirty="0">
-                  <a:solidFill>
-                    <a:srgbClr val="64DECF"/>
-                  </a:solidFill>
-                  <a:latin typeface="KoPubWorld돋움체 Bold" panose="00000800000000000000" pitchFamily="2" charset="-127"/>
-                  <a:ea typeface="KoPubWorld돋움체 Bold" panose="00000800000000000000" pitchFamily="2" charset="-127"/>
-                  <a:cs typeface="KoPubWorld돋움체 Bold" panose="00000800000000000000" pitchFamily="2" charset="-127"/>
-                </a:rPr>
-                <a:t>02</a:t>
-              </a:r>
-              <a:endParaRPr lang="ko-KR" altLang="en-US" sz="4800" b="1" dirty="0">
-                <a:solidFill>
-                  <a:srgbClr val="64DECF"/>
-                </a:solidFill>
-                <a:latin typeface="KoPubWorld돋움체 Bold" panose="00000800000000000000" pitchFamily="2" charset="-127"/>
-                <a:ea typeface="KoPubWorld돋움체 Bold" panose="00000800000000000000" pitchFamily="2" charset="-127"/>
-                <a:cs typeface="KoPubWorld돋움체 Bold" panose="00000800000000000000" pitchFamily="2" charset="-127"/>
-              </a:endParaRPr>
-            </a:p>
-          </p:txBody>
-        </p:sp>
-      </p:grpSp>
-      <p:sp>
-        <p:nvSpPr>
-          <p:cNvPr id="37" name="TextBox 36">
-            <a:extLst>
-              <a:ext uri="{FF2B5EF4-FFF2-40B4-BE49-F238E27FC236}">
-                <a16:creationId xmlns:a16="http://schemas.microsoft.com/office/drawing/2014/main" id="{C3CAB183-DEA4-4560-B11D-01DCD66BDF6D}"/>
-              </a:ext>
-            </a:extLst>
-          </p:cNvPr>
-          <p:cNvSpPr txBox="1"/>
-          <p:nvPr/>
-        </p:nvSpPr>
-        <p:spPr>
-          <a:xfrm>
-            <a:off x="557400" y="1062718"/>
-            <a:ext cx="748923" cy="769441"/>
-          </a:xfrm>
-          <a:prstGeom prst="rect">
-            <a:avLst/>
-          </a:prstGeom>
-          <a:noFill/>
-        </p:spPr>
-        <p:txBody>
-          <a:bodyPr wrap="none" rtlCol="0">
-            <a:spAutoFit/>
-          </a:bodyPr>
-          <a:lstStyle/>
-          <a:p>
-            <a:pPr algn="ctr"/>
-            <a:r>
-              <a:rPr lang="ko-KR" altLang="en-US" sz="4400" dirty="0">
-                <a:highlight>
-                  <a:srgbClr val="00FFFF"/>
-                </a:highlight>
-                <a:latin typeface="굴림" panose="020B0600000101010101" pitchFamily="50" charset="-127"/>
-                <a:ea typeface="굴림" panose="020B0600000101010101" pitchFamily="50" charset="-127"/>
-                <a:cs typeface="KoPubWorld돋움체 Light" panose="00000300000000000000" pitchFamily="2" charset="-127"/>
-              </a:rPr>
-              <a:t>맵</a:t>
-            </a:r>
-            <a:endParaRPr lang="en-US" altLang="ko-KR" sz="4400" dirty="0">
-              <a:highlight>
-                <a:srgbClr val="00FFFF"/>
-              </a:highlight>
-              <a:latin typeface="굴림" panose="020B0600000101010101" pitchFamily="50" charset="-127"/>
-              <a:ea typeface="굴림" panose="020B0600000101010101" pitchFamily="50" charset="-127"/>
               <a:cs typeface="KoPubWorld돋움체 Light" panose="00000300000000000000" pitchFamily="2" charset="-127"/>
             </a:endParaRPr>
           </a:p>
@@ -6357,7 +5929,7 @@
                 <a:ea typeface="조선가는고딕" panose="02030504000101010101" pitchFamily="18" charset="-127"/>
                 <a:cs typeface="KoPubWorld돋움체 Light" panose="00000300000000000000" pitchFamily="2" charset="-127"/>
               </a:rPr>
-              <a:t>은엄폐가</a:t>
+              <a:t>은엄폐</a:t>
             </a:r>
             <a:r>
               <a:rPr lang="ko-KR" altLang="en-US" sz="2800" dirty="0">
@@ -6365,8 +5937,18 @@
                 <a:ea typeface="조선가는고딕" panose="02030504000101010101" pitchFamily="18" charset="-127"/>
                 <a:cs typeface="KoPubWorld돋움체 Light" panose="00000300000000000000" pitchFamily="2" charset="-127"/>
               </a:rPr>
-              <a:t> 됩니다</a:t>
-            </a:r>
+              <a:t> 됨</a:t>
+            </a:r>
+            <a:r>
+              <a:rPr lang="en-US" altLang="ko-KR" sz="2800" dirty="0">
+                <a:latin typeface="조선가는고딕" panose="02030504000101010101" pitchFamily="18" charset="-127"/>
+                <a:ea typeface="조선가는고딕" panose="02030504000101010101" pitchFamily="18" charset="-127"/>
+                <a:cs typeface="KoPubWorld돋움체 Light" panose="00000300000000000000" pitchFamily="2" charset="-127"/>
+              </a:rPr>
+              <a:t>.</a:t>
+            </a:r>
+          </a:p>
+          <a:p>
             <a:endParaRPr lang="en-US" altLang="ko-KR" sz="2800" dirty="0">
               <a:latin typeface="조선가는고딕" panose="02030504000101010101" pitchFamily="18" charset="-127"/>
               <a:ea typeface="조선가는고딕" panose="02030504000101010101" pitchFamily="18" charset="-127"/>
@@ -6374,13 +5956,6 @@
             </a:endParaRPr>
           </a:p>
           <a:p>
-            <a:endParaRPr lang="en-US" altLang="ko-KR" sz="2800" dirty="0">
-              <a:latin typeface="조선가는고딕" panose="02030504000101010101" pitchFamily="18" charset="-127"/>
-              <a:ea typeface="조선가는고딕" panose="02030504000101010101" pitchFamily="18" charset="-127"/>
-              <a:cs typeface="KoPubWorld돋움체 Light" panose="00000300000000000000" pitchFamily="2" charset="-127"/>
-            </a:endParaRPr>
-          </a:p>
-          <a:p>
             <a:r>
               <a:rPr lang="ko-KR" altLang="en-US" sz="2800" dirty="0">
                 <a:latin typeface="조선가는고딕" panose="02030504000101010101" pitchFamily="18" charset="-127"/>
@@ -6411,7 +5986,7 @@
                 <a:ea typeface="조선가는고딕" panose="02030504000101010101" pitchFamily="18" charset="-127"/>
                 <a:cs typeface="KoPubWorld돋움체 Light" panose="00000300000000000000" pitchFamily="2" charset="-127"/>
               </a:rPr>
-              <a:t> 곳에서 한 개 생깁니다</a:t>
+              <a:t> 곳에서 한 개 생성</a:t>
             </a:r>
             <a:r>
               <a:rPr lang="en-US" altLang="ko-KR" sz="2800" dirty="0">
@@ -6473,7 +6048,7 @@
                 <a:ea typeface="조선가는고딕" panose="02030504000101010101" pitchFamily="18" charset="-127"/>
                 <a:cs typeface="KoPubWorld돋움체 Light" panose="00000300000000000000" pitchFamily="2" charset="-127"/>
               </a:rPr>
-              <a:t>:1</a:t>
+              <a:t>:2</a:t>
             </a:r>
             <a:r>
               <a:rPr lang="ko-KR" altLang="en-US" sz="2000" dirty="0">
@@ -6651,7 +6226,7 @@
 </p:sld>
 </file>
 
-<file path=ppt/slides/slide14.xml><?xml version="1.0" encoding="utf-8"?>
+<file path=ppt/slides/slide13.xml><?xml version="1.0" encoding="utf-8"?>
 <p:sld xmlns:a="http://schemas.openxmlformats.org/drawingml/2006/main" xmlns:r="http://schemas.openxmlformats.org/officeDocument/2006/relationships" xmlns:p="http://schemas.openxmlformats.org/presentationml/2006/main">
   <p:cSld>
     <p:spTree>
@@ -7259,7 +6834,7 @@
 </p:sld>
 </file>
 
-<file path=ppt/slides/slide15.xml><?xml version="1.0" encoding="utf-8"?>
+<file path=ppt/slides/slide14.xml><?xml version="1.0" encoding="utf-8"?>
 <p:sld xmlns:a="http://schemas.openxmlformats.org/drawingml/2006/main" xmlns:r="http://schemas.openxmlformats.org/officeDocument/2006/relationships" xmlns:p="http://schemas.openxmlformats.org/presentationml/2006/main">
   <p:cSld>
     <p:spTree>
@@ -7834,7 +7409,7 @@
 </p:sld>
 </file>
 
-<file path=ppt/slides/slide16.xml><?xml version="1.0" encoding="utf-8"?>
+<file path=ppt/slides/slide15.xml><?xml version="1.0" encoding="utf-8"?>
 <p:sld xmlns:a="http://schemas.openxmlformats.org/drawingml/2006/main" xmlns:r="http://schemas.openxmlformats.org/officeDocument/2006/relationships" xmlns:p="http://schemas.openxmlformats.org/presentationml/2006/main">
   <p:cSld>
     <p:spTree>
@@ -8567,8 +8142,8 @@
         </p:nvSpPr>
         <p:spPr>
           <a:xfrm>
-            <a:off x="6311960" y="2211090"/>
-            <a:ext cx="3920960" cy="649927"/>
+            <a:off x="6311960" y="2045488"/>
+            <a:ext cx="4448189" cy="2811132"/>
           </a:xfrm>
           <a:prstGeom prst="rect">
             <a:avLst/>
@@ -8611,39 +8186,40 @@
               <a:t>Ghost Trailer Effect</a:t>
             </a:r>
           </a:p>
-        </p:txBody>
-      </p:sp>
-      <p:sp>
-        <p:nvSpPr>
-          <p:cNvPr id="7" name="TextBox 6">
-            <a:extLst>
-              <a:ext uri="{FF2B5EF4-FFF2-40B4-BE49-F238E27FC236}">
-                <a16:creationId xmlns:a16="http://schemas.microsoft.com/office/drawing/2014/main" id="{9CB72115-EA35-8F2D-EE0A-E29311D11F95}"/>
-              </a:ext>
-            </a:extLst>
-          </p:cNvPr>
-          <p:cNvSpPr txBox="1"/>
-          <p:nvPr/>
-        </p:nvSpPr>
-        <p:spPr>
-          <a:xfrm>
-            <a:off x="6336802" y="3989332"/>
-            <a:ext cx="2906468" cy="584775"/>
-          </a:xfrm>
-          <a:prstGeom prst="rect">
-            <a:avLst/>
-          </a:prstGeom>
-          <a:noFill/>
-        </p:spPr>
-        <p:txBody>
-          <a:bodyPr wrap="square">
-            <a:spAutoFit/>
-          </a:bodyPr>
-          <a:lstStyle/>
-          <a:p>
-            <a:pPr marL="0" indent="0">
-              <a:buNone/>
-            </a:pPr>
+          <a:p>
+            <a:pPr algn="l"/>
+            <a:r>
+              <a:rPr lang="en-US" altLang="ko-KR" sz="2000" dirty="0">
+                <a:latin typeface="조선가는고딕" panose="02030504000101010101" pitchFamily="18" charset="-127"/>
+                <a:ea typeface="조선가는고딕" panose="02030504000101010101" pitchFamily="18" charset="-127"/>
+                <a:cs typeface="Times New Roman" panose="02020603050405020304" pitchFamily="18" charset="0"/>
+              </a:rPr>
+              <a:t>- </a:t>
+            </a:r>
+            <a:r>
+              <a:rPr lang="ko-KR" altLang="en-US" sz="2000" dirty="0">
+                <a:latin typeface="조선가는고딕" panose="02030504000101010101" pitchFamily="18" charset="-127"/>
+                <a:ea typeface="조선가는고딕" panose="02030504000101010101" pitchFamily="18" charset="-127"/>
+                <a:cs typeface="Times New Roman" panose="02020603050405020304" pitchFamily="18" charset="0"/>
+              </a:rPr>
+              <a:t>투명한 적의 잔영을 표현</a:t>
+            </a:r>
+            <a:endParaRPr lang="en-US" altLang="ko-KR" sz="2000" dirty="0">
+              <a:latin typeface="조선가는고딕" panose="02030504000101010101" pitchFamily="18" charset="-127"/>
+              <a:ea typeface="조선가는고딕" panose="02030504000101010101" pitchFamily="18" charset="-127"/>
+              <a:cs typeface="Times New Roman" panose="02020603050405020304" pitchFamily="18" charset="0"/>
+            </a:endParaRPr>
+          </a:p>
+          <a:p>
+            <a:pPr algn="l"/>
+            <a:endParaRPr lang="en-US" altLang="ko-KR" sz="2000" dirty="0">
+              <a:latin typeface="조선가는고딕" panose="02030504000101010101" pitchFamily="18" charset="-127"/>
+              <a:ea typeface="조선가는고딕" panose="02030504000101010101" pitchFamily="18" charset="-127"/>
+              <a:cs typeface="Times New Roman" panose="02020603050405020304" pitchFamily="18" charset="0"/>
+            </a:endParaRPr>
+          </a:p>
+          <a:p>
+            <a:pPr algn="l"/>
             <a:r>
               <a:rPr lang="ko-KR" altLang="en-US" sz="3200" dirty="0" err="1">
                 <a:highlight>
@@ -8651,18 +8227,9 @@
                 </a:highlight>
                 <a:latin typeface="조선가는고딕" panose="02030504000101010101" pitchFamily="18" charset="-127"/>
                 <a:ea typeface="조선가는고딕" panose="02030504000101010101" pitchFamily="18" charset="-127"/>
-              </a:rPr>
-              <a:t>파티클</a:t>
-            </a:r>
-            <a:r>
-              <a:rPr lang="ko-KR" altLang="en-US" sz="3200" dirty="0">
-                <a:highlight>
-                  <a:srgbClr val="00FFFF"/>
-                </a:highlight>
-                <a:latin typeface="조선가는고딕" panose="02030504000101010101" pitchFamily="18" charset="-127"/>
-                <a:ea typeface="조선가는고딕" panose="02030504000101010101" pitchFamily="18" charset="-127"/>
-              </a:rPr>
-              <a:t> 렌더링</a:t>
+                <a:cs typeface="Times New Roman" panose="02020603050405020304" pitchFamily="18" charset="0"/>
+              </a:rPr>
+              <a:t>멀티쓰레딩</a:t>
             </a:r>
             <a:endParaRPr lang="en-US" altLang="ko-KR" sz="3200" dirty="0">
               <a:highlight>
@@ -8670,6 +8237,93 @@
               </a:highlight>
               <a:latin typeface="조선가는고딕" panose="02030504000101010101" pitchFamily="18" charset="-127"/>
               <a:ea typeface="조선가는고딕" panose="02030504000101010101" pitchFamily="18" charset="-127"/>
+              <a:cs typeface="Times New Roman" panose="02020603050405020304" pitchFamily="18" charset="0"/>
+            </a:endParaRPr>
+          </a:p>
+          <a:p>
+            <a:pPr algn="l"/>
+            <a:r>
+              <a:rPr lang="en-US" altLang="ko-KR" sz="2000" dirty="0">
+                <a:latin typeface="조선가는고딕" panose="02030504000101010101" pitchFamily="18" charset="-127"/>
+                <a:ea typeface="조선가는고딕" panose="02030504000101010101" pitchFamily="18" charset="-127"/>
+                <a:cs typeface="Times New Roman" panose="02020603050405020304" pitchFamily="18" charset="0"/>
+              </a:rPr>
+              <a:t>- </a:t>
+            </a:r>
+            <a:r>
+              <a:rPr lang="ko-KR" altLang="en-US" sz="2000" dirty="0">
+                <a:latin typeface="조선가는고딕" panose="02030504000101010101" pitchFamily="18" charset="-127"/>
+                <a:ea typeface="조선가는고딕" panose="02030504000101010101" pitchFamily="18" charset="-127"/>
+                <a:cs typeface="Times New Roman" panose="02020603050405020304" pitchFamily="18" charset="0"/>
+              </a:rPr>
+              <a:t>성능 개선</a:t>
+            </a:r>
+            <a:endParaRPr lang="en-US" altLang="ko-KR" sz="2000" dirty="0">
+              <a:latin typeface="조선가는고딕" panose="02030504000101010101" pitchFamily="18" charset="-127"/>
+              <a:ea typeface="조선가는고딕" panose="02030504000101010101" pitchFamily="18" charset="-127"/>
+              <a:cs typeface="Times New Roman" panose="02020603050405020304" pitchFamily="18" charset="0"/>
+            </a:endParaRPr>
+          </a:p>
+          <a:p>
+            <a:pPr algn="l"/>
+            <a:endParaRPr lang="en-US" altLang="ko-KR" sz="2000" dirty="0">
+              <a:latin typeface="조선가는고딕" panose="02030504000101010101" pitchFamily="18" charset="-127"/>
+              <a:ea typeface="조선가는고딕" panose="02030504000101010101" pitchFamily="18" charset="-127"/>
+              <a:cs typeface="Times New Roman" panose="02020603050405020304" pitchFamily="18" charset="0"/>
+            </a:endParaRPr>
+          </a:p>
+          <a:p>
+            <a:pPr algn="l"/>
+            <a:r>
+              <a:rPr lang="ko-KR" altLang="en-US" sz="3200" dirty="0" err="1">
+                <a:highlight>
+                  <a:srgbClr val="00FFFF"/>
+                </a:highlight>
+                <a:latin typeface="조선가는고딕" panose="02030504000101010101" pitchFamily="18" charset="-127"/>
+                <a:ea typeface="조선가는고딕" panose="02030504000101010101" pitchFamily="18" charset="-127"/>
+              </a:rPr>
+              <a:t>파티클</a:t>
+            </a:r>
+            <a:r>
+              <a:rPr lang="ko-KR" altLang="en-US" sz="3200" dirty="0">
+                <a:highlight>
+                  <a:srgbClr val="00FFFF"/>
+                </a:highlight>
+                <a:latin typeface="조선가는고딕" panose="02030504000101010101" pitchFamily="18" charset="-127"/>
+                <a:ea typeface="조선가는고딕" panose="02030504000101010101" pitchFamily="18" charset="-127"/>
+              </a:rPr>
+              <a:t> 렌더링</a:t>
+            </a:r>
+            <a:endParaRPr lang="en-US" altLang="ko-KR" sz="3200" dirty="0">
+              <a:highlight>
+                <a:srgbClr val="00FFFF"/>
+              </a:highlight>
+              <a:latin typeface="조선가는고딕" panose="02030504000101010101" pitchFamily="18" charset="-127"/>
+              <a:ea typeface="조선가는고딕" panose="02030504000101010101" pitchFamily="18" charset="-127"/>
+            </a:endParaRPr>
+          </a:p>
+          <a:p>
+            <a:pPr algn="l"/>
+            <a:r>
+              <a:rPr lang="en-US" altLang="ko-KR" sz="2000" dirty="0">
+                <a:latin typeface="조선가는고딕" panose="02030504000101010101" pitchFamily="18" charset="-127"/>
+                <a:ea typeface="조선가는고딕" panose="02030504000101010101" pitchFamily="18" charset="-127"/>
+                <a:cs typeface="Times New Roman" panose="02020603050405020304" pitchFamily="18" charset="0"/>
+              </a:rPr>
+              <a:t>- </a:t>
+            </a:r>
+            <a:r>
+              <a:rPr lang="ko-KR" altLang="en-US" sz="2000" dirty="0">
+                <a:latin typeface="조선가는고딕" panose="02030504000101010101" pitchFamily="18" charset="-127"/>
+                <a:ea typeface="조선가는고딕" panose="02030504000101010101" pitchFamily="18" charset="-127"/>
+                <a:cs typeface="Times New Roman" panose="02020603050405020304" pitchFamily="18" charset="0"/>
+              </a:rPr>
+              <a:t>몬스터와 플레이어가 죽을 때 이펙트</a:t>
+            </a:r>
+            <a:endParaRPr lang="en-US" altLang="ko-KR" sz="2000" dirty="0">
+              <a:latin typeface="조선가는고딕" panose="02030504000101010101" pitchFamily="18" charset="-127"/>
+              <a:ea typeface="조선가는고딕" panose="02030504000101010101" pitchFamily="18" charset="-127"/>
+              <a:cs typeface="Times New Roman" panose="02020603050405020304" pitchFamily="18" charset="0"/>
             </a:endParaRPr>
           </a:p>
         </p:txBody>
@@ -8722,17 +8376,6 @@
           </a:lstStyle>
           <a:p>
             <a:pPr algn="l"/>
-            <a:r>
-              <a:rPr lang="ko-KR" altLang="en-US" sz="3200" dirty="0" err="1">
-                <a:highlight>
-                  <a:srgbClr val="00FFFF"/>
-                </a:highlight>
-                <a:latin typeface="조선가는고딕" panose="02030504000101010101" pitchFamily="18" charset="-127"/>
-                <a:ea typeface="조선가는고딕" panose="02030504000101010101" pitchFamily="18" charset="-127"/>
-                <a:cs typeface="Times New Roman" panose="02020603050405020304" pitchFamily="18" charset="0"/>
-              </a:rPr>
-              <a:t>멀티쓰레딩</a:t>
-            </a:r>
             <a:endParaRPr lang="en-US" altLang="ko-KR" sz="3200" dirty="0">
               <a:highlight>
                 <a:srgbClr val="00FFFF"/>
@@ -8757,7 +8400,7 @@
 </p:sld>
 </file>
 
-<file path=ppt/slides/slide17.xml><?xml version="1.0" encoding="utf-8"?>
+<file path=ppt/slides/slide16.xml><?xml version="1.0" encoding="utf-8"?>
 <p:sld xmlns:a="http://schemas.openxmlformats.org/drawingml/2006/main" xmlns:r="http://schemas.openxmlformats.org/officeDocument/2006/relationships" xmlns:p="http://schemas.openxmlformats.org/presentationml/2006/main">
   <p:cSld>
     <p:spTree>
@@ -9363,7 +9006,7 @@
 </p:sld>
 </file>
 
-<file path=ppt/slides/slide18.xml><?xml version="1.0" encoding="utf-8"?>
+<file path=ppt/slides/slide17.xml><?xml version="1.0" encoding="utf-8"?>
 <p:sld xmlns:a="http://schemas.openxmlformats.org/drawingml/2006/main" xmlns:r="http://schemas.openxmlformats.org/officeDocument/2006/relationships" xmlns:p="http://schemas.openxmlformats.org/presentationml/2006/main">
   <p:cSld>
     <p:spTree>
@@ -9950,7 +9593,7 @@
 </p:sld>
 </file>
 
-<file path=ppt/slides/slide19.xml><?xml version="1.0" encoding="utf-8"?>
+<file path=ppt/slides/slide18.xml><?xml version="1.0" encoding="utf-8"?>
 <p:sld xmlns:a="http://schemas.openxmlformats.org/drawingml/2006/main" xmlns:r="http://schemas.openxmlformats.org/officeDocument/2006/relationships" xmlns:p="http://schemas.openxmlformats.org/presentationml/2006/main">
   <p:cSld>
     <p:spTree>
@@ -14673,7 +14316,7 @@
         </p:nvSpPr>
         <p:spPr>
           <a:xfrm>
-            <a:off x="461707" y="1133273"/>
+            <a:off x="0" y="1062718"/>
             <a:ext cx="3975614" cy="769441"/>
           </a:xfrm>
           <a:prstGeom prst="rect">
@@ -16426,891 +16069,6 @@
       </p:grpSpPr>
       <p:sp>
         <p:nvSpPr>
-          <p:cNvPr id="18" name="다이아몬드 17">
-            <a:extLst>
-              <a:ext uri="{FF2B5EF4-FFF2-40B4-BE49-F238E27FC236}">
-                <a16:creationId xmlns:a16="http://schemas.microsoft.com/office/drawing/2014/main" id="{BFB74852-0F03-9401-CEF5-04575F29F94B}"/>
-              </a:ext>
-            </a:extLst>
-          </p:cNvPr>
-          <p:cNvSpPr/>
-          <p:nvPr/>
-        </p:nvSpPr>
-        <p:spPr>
-          <a:xfrm>
-            <a:off x="3031568" y="3237524"/>
-            <a:ext cx="1896053" cy="947205"/>
-          </a:xfrm>
-          <a:prstGeom prst="diamond">
-            <a:avLst/>
-          </a:prstGeom>
-        </p:spPr>
-        <p:style>
-          <a:lnRef idx="2">
-            <a:schemeClr val="accent1">
-              <a:shade val="15000"/>
-            </a:schemeClr>
-          </a:lnRef>
-          <a:fillRef idx="1">
-            <a:schemeClr val="accent1"/>
-          </a:fillRef>
-          <a:effectRef idx="0">
-            <a:schemeClr val="accent1"/>
-          </a:effectRef>
-          <a:fontRef idx="minor">
-            <a:schemeClr val="lt1"/>
-          </a:fontRef>
-        </p:style>
-        <p:txBody>
-          <a:bodyPr rtlCol="0" anchor="ctr"/>
-          <a:lstStyle/>
-          <a:p>
-            <a:pPr algn="ctr"/>
-            <a:r>
-              <a:rPr lang="ko-KR" altLang="en-US" sz="1400" dirty="0"/>
-              <a:t>플레이어 생존</a:t>
-            </a:r>
-          </a:p>
-        </p:txBody>
-      </p:sp>
-      <p:sp>
-        <p:nvSpPr>
-          <p:cNvPr id="23" name="직사각형 22">
-            <a:extLst>
-              <a:ext uri="{FF2B5EF4-FFF2-40B4-BE49-F238E27FC236}">
-                <a16:creationId xmlns:a16="http://schemas.microsoft.com/office/drawing/2014/main" id="{505D9C9E-8325-4A59-BEFC-3BC22C85BDAD}"/>
-              </a:ext>
-            </a:extLst>
-          </p:cNvPr>
-          <p:cNvSpPr/>
-          <p:nvPr/>
-        </p:nvSpPr>
-        <p:spPr>
-          <a:xfrm flipV="1">
-            <a:off x="557400" y="1001162"/>
-            <a:ext cx="11077200" cy="18000"/>
-          </a:xfrm>
-          <a:prstGeom prst="rect">
-            <a:avLst/>
-          </a:prstGeom>
-          <a:solidFill>
-            <a:srgbClr val="64DECF"/>
-          </a:solidFill>
-          <a:ln>
-            <a:noFill/>
-          </a:ln>
-        </p:spPr>
-        <p:style>
-          <a:lnRef idx="2">
-            <a:schemeClr val="accent1">
-              <a:shade val="50000"/>
-            </a:schemeClr>
-          </a:lnRef>
-          <a:fillRef idx="1">
-            <a:schemeClr val="accent1"/>
-          </a:fillRef>
-          <a:effectRef idx="0">
-            <a:schemeClr val="accent1"/>
-          </a:effectRef>
-          <a:fontRef idx="minor">
-            <a:schemeClr val="lt1"/>
-          </a:fontRef>
-        </p:style>
-        <p:txBody>
-          <a:bodyPr rtlCol="0" anchor="ctr"/>
-          <a:lstStyle/>
-          <a:p>
-            <a:pPr algn="ctr"/>
-            <a:endParaRPr lang="ko-KR" altLang="en-US"/>
-          </a:p>
-        </p:txBody>
-      </p:sp>
-      <p:grpSp>
-        <p:nvGrpSpPr>
-          <p:cNvPr id="6" name="그룹 5">
-            <a:extLst>
-              <a:ext uri="{FF2B5EF4-FFF2-40B4-BE49-F238E27FC236}">
-                <a16:creationId xmlns:a16="http://schemas.microsoft.com/office/drawing/2014/main" id="{1B0813F0-0608-43A3-9E53-0BA015EDE231}"/>
-              </a:ext>
-            </a:extLst>
-          </p:cNvPr>
-          <p:cNvGrpSpPr/>
-          <p:nvPr/>
-        </p:nvGrpSpPr>
-        <p:grpSpPr>
-          <a:xfrm>
-            <a:off x="4105427" y="188165"/>
-            <a:ext cx="4698331" cy="830997"/>
-            <a:chOff x="3819245" y="188165"/>
-            <a:chExt cx="4011835" cy="830997"/>
-          </a:xfrm>
-        </p:grpSpPr>
-        <p:sp>
-          <p:nvSpPr>
-            <p:cNvPr id="5" name="직사각형 4">
-              <a:extLst>
-                <a:ext uri="{FF2B5EF4-FFF2-40B4-BE49-F238E27FC236}">
-                  <a16:creationId xmlns:a16="http://schemas.microsoft.com/office/drawing/2014/main" id="{7D0033C3-456D-4151-9AAB-F0A2E961A5B6}"/>
-                </a:ext>
-              </a:extLst>
-            </p:cNvPr>
-            <p:cNvSpPr/>
-            <p:nvPr/>
-          </p:nvSpPr>
-          <p:spPr>
-            <a:xfrm>
-              <a:off x="4633790" y="302276"/>
-              <a:ext cx="3197290" cy="584775"/>
-            </a:xfrm>
-            <a:prstGeom prst="rect">
-              <a:avLst/>
-            </a:prstGeom>
-          </p:spPr>
-          <p:txBody>
-            <a:bodyPr wrap="square">
-              <a:spAutoFit/>
-            </a:bodyPr>
-            <a:lstStyle/>
-            <a:p>
-              <a:r>
-                <a:rPr lang="ko-KR" altLang="en-US" sz="3200" dirty="0">
-                  <a:latin typeface="굴림" panose="020B0600000101010101" pitchFamily="50" charset="-127"/>
-                  <a:ea typeface="굴림" panose="020B0600000101010101" pitchFamily="50" charset="-127"/>
-                  <a:cs typeface="KoPubWorld돋움체 Bold" panose="00000800000000000000" pitchFamily="2" charset="-127"/>
-                </a:rPr>
-                <a:t>게임소개</a:t>
-              </a:r>
-              <a:endParaRPr lang="en-US" altLang="ko-KR" sz="3200" dirty="0">
-                <a:latin typeface="굴림" panose="020B0600000101010101" pitchFamily="50" charset="-127"/>
-                <a:ea typeface="굴림" panose="020B0600000101010101" pitchFamily="50" charset="-127"/>
-                <a:cs typeface="KoPubWorld돋움체 Bold" panose="00000800000000000000" pitchFamily="2" charset="-127"/>
-              </a:endParaRPr>
-            </a:p>
-          </p:txBody>
-        </p:sp>
-        <p:sp>
-          <p:nvSpPr>
-            <p:cNvPr id="24" name="TextBox 23">
-              <a:extLst>
-                <a:ext uri="{FF2B5EF4-FFF2-40B4-BE49-F238E27FC236}">
-                  <a16:creationId xmlns:a16="http://schemas.microsoft.com/office/drawing/2014/main" id="{1841637C-F02D-4ED4-9B17-10A92FFC6619}"/>
-                </a:ext>
-              </a:extLst>
-            </p:cNvPr>
-            <p:cNvSpPr txBox="1"/>
-            <p:nvPr/>
-          </p:nvSpPr>
-          <p:spPr>
-            <a:xfrm>
-              <a:off x="3819245" y="188165"/>
-              <a:ext cx="768159" cy="830997"/>
-            </a:xfrm>
-            <a:prstGeom prst="rect">
-              <a:avLst/>
-            </a:prstGeom>
-            <a:noFill/>
-          </p:spPr>
-          <p:txBody>
-            <a:bodyPr wrap="none" rtlCol="0">
-              <a:spAutoFit/>
-            </a:bodyPr>
-            <a:lstStyle/>
-            <a:p>
-              <a:r>
-                <a:rPr lang="en-US" altLang="ko-KR" sz="4800" b="1" dirty="0">
-                  <a:solidFill>
-                    <a:srgbClr val="64DECF"/>
-                  </a:solidFill>
-                  <a:latin typeface="KoPubWorld돋움체 Bold" panose="00000800000000000000" pitchFamily="2" charset="-127"/>
-                  <a:ea typeface="KoPubWorld돋움체 Bold" panose="00000800000000000000" pitchFamily="2" charset="-127"/>
-                  <a:cs typeface="KoPubWorld돋움체 Bold" panose="00000800000000000000" pitchFamily="2" charset="-127"/>
-                </a:rPr>
-                <a:t>02</a:t>
-              </a:r>
-              <a:endParaRPr lang="ko-KR" altLang="en-US" sz="4800" b="1" dirty="0">
-                <a:solidFill>
-                  <a:srgbClr val="64DECF"/>
-                </a:solidFill>
-                <a:latin typeface="KoPubWorld돋움체 Bold" panose="00000800000000000000" pitchFamily="2" charset="-127"/>
-                <a:ea typeface="KoPubWorld돋움체 Bold" panose="00000800000000000000" pitchFamily="2" charset="-127"/>
-                <a:cs typeface="KoPubWorld돋움체 Bold" panose="00000800000000000000" pitchFamily="2" charset="-127"/>
-              </a:endParaRPr>
-            </a:p>
-          </p:txBody>
-        </p:sp>
-      </p:grpSp>
-      <p:sp>
-        <p:nvSpPr>
-          <p:cNvPr id="37" name="TextBox 36">
-            <a:extLst>
-              <a:ext uri="{FF2B5EF4-FFF2-40B4-BE49-F238E27FC236}">
-                <a16:creationId xmlns:a16="http://schemas.microsoft.com/office/drawing/2014/main" id="{C3CAB183-DEA4-4560-B11D-01DCD66BDF6D}"/>
-              </a:ext>
-            </a:extLst>
-          </p:cNvPr>
-          <p:cNvSpPr txBox="1"/>
-          <p:nvPr/>
-        </p:nvSpPr>
-        <p:spPr>
-          <a:xfrm>
-            <a:off x="704594" y="1054882"/>
-            <a:ext cx="2919389" cy="769441"/>
-          </a:xfrm>
-          <a:prstGeom prst="rect">
-            <a:avLst/>
-          </a:prstGeom>
-          <a:noFill/>
-        </p:spPr>
-        <p:txBody>
-          <a:bodyPr wrap="none" rtlCol="0">
-            <a:spAutoFit/>
-          </a:bodyPr>
-          <a:lstStyle/>
-          <a:p>
-            <a:pPr algn="ctr"/>
-            <a:r>
-              <a:rPr lang="ko-KR" altLang="en-US" sz="4400" dirty="0">
-                <a:highlight>
-                  <a:srgbClr val="00FFFF"/>
-                </a:highlight>
-                <a:latin typeface="조선가는고딕" panose="02030504000101010101" pitchFamily="18" charset="-127"/>
-                <a:ea typeface="조선가는고딕" panose="02030504000101010101" pitchFamily="18" charset="-127"/>
-                <a:cs typeface="KoPubWorld돋움체 Light" panose="00000300000000000000" pitchFamily="2" charset="-127"/>
-              </a:rPr>
-              <a:t>플로우 차트</a:t>
-            </a:r>
-            <a:endParaRPr lang="en-US" altLang="ko-KR" sz="4400" dirty="0">
-              <a:highlight>
-                <a:srgbClr val="00FFFF"/>
-              </a:highlight>
-              <a:latin typeface="조선가는고딕" panose="02030504000101010101" pitchFamily="18" charset="-127"/>
-              <a:ea typeface="조선가는고딕" panose="02030504000101010101" pitchFamily="18" charset="-127"/>
-              <a:cs typeface="KoPubWorld돋움체 Light" panose="00000300000000000000" pitchFamily="2" charset="-127"/>
-            </a:endParaRPr>
-          </a:p>
-        </p:txBody>
-      </p:sp>
-      <p:sp>
-        <p:nvSpPr>
-          <p:cNvPr id="19" name="화살표: 아래쪽 18">
-            <a:extLst>
-              <a:ext uri="{FF2B5EF4-FFF2-40B4-BE49-F238E27FC236}">
-                <a16:creationId xmlns:a16="http://schemas.microsoft.com/office/drawing/2014/main" id="{AD5DE181-9177-CBAE-044E-6F48A410AA1E}"/>
-              </a:ext>
-            </a:extLst>
-          </p:cNvPr>
-          <p:cNvSpPr/>
-          <p:nvPr/>
-        </p:nvSpPr>
-        <p:spPr>
-          <a:xfrm>
-            <a:off x="3815844" y="2756796"/>
-            <a:ext cx="327502" cy="409580"/>
-          </a:xfrm>
-          <a:prstGeom prst="downArrow">
-            <a:avLst/>
-          </a:prstGeom>
-        </p:spPr>
-        <p:style>
-          <a:lnRef idx="2">
-            <a:schemeClr val="accent6">
-              <a:shade val="15000"/>
-            </a:schemeClr>
-          </a:lnRef>
-          <a:fillRef idx="1">
-            <a:schemeClr val="accent6"/>
-          </a:fillRef>
-          <a:effectRef idx="0">
-            <a:schemeClr val="accent6"/>
-          </a:effectRef>
-          <a:fontRef idx="minor">
-            <a:schemeClr val="lt1"/>
-          </a:fontRef>
-        </p:style>
-        <p:txBody>
-          <a:bodyPr rtlCol="0" anchor="ctr"/>
-          <a:lstStyle/>
-          <a:p>
-            <a:pPr algn="ctr"/>
-            <a:endParaRPr lang="ko-KR" altLang="en-US"/>
-          </a:p>
-        </p:txBody>
-      </p:sp>
-      <p:sp>
-        <p:nvSpPr>
-          <p:cNvPr id="3" name="타원 2">
-            <a:extLst>
-              <a:ext uri="{FF2B5EF4-FFF2-40B4-BE49-F238E27FC236}">
-                <a16:creationId xmlns:a16="http://schemas.microsoft.com/office/drawing/2014/main" id="{5DEB18D5-993E-AFC0-D952-97363A9DF8B1}"/>
-              </a:ext>
-            </a:extLst>
-          </p:cNvPr>
-          <p:cNvSpPr/>
-          <p:nvPr/>
-        </p:nvSpPr>
-        <p:spPr>
-          <a:xfrm>
-            <a:off x="3373013" y="1992089"/>
-            <a:ext cx="1213164" cy="646331"/>
-          </a:xfrm>
-          <a:prstGeom prst="ellipse">
-            <a:avLst/>
-          </a:prstGeom>
-        </p:spPr>
-        <p:style>
-          <a:lnRef idx="1">
-            <a:schemeClr val="accent1"/>
-          </a:lnRef>
-          <a:fillRef idx="2">
-            <a:schemeClr val="accent1"/>
-          </a:fillRef>
-          <a:effectRef idx="1">
-            <a:schemeClr val="accent1"/>
-          </a:effectRef>
-          <a:fontRef idx="minor">
-            <a:schemeClr val="dk1"/>
-          </a:fontRef>
-        </p:style>
-        <p:txBody>
-          <a:bodyPr rtlCol="0" anchor="ctr"/>
-          <a:lstStyle/>
-          <a:p>
-            <a:pPr algn="ctr"/>
-            <a:r>
-              <a:rPr lang="ko-KR" altLang="en-US"/>
-              <a:t>게임 시작</a:t>
-            </a:r>
-          </a:p>
-        </p:txBody>
-      </p:sp>
-      <p:sp>
-        <p:nvSpPr>
-          <p:cNvPr id="4" name="화살표: 아래쪽 3">
-            <a:extLst>
-              <a:ext uri="{FF2B5EF4-FFF2-40B4-BE49-F238E27FC236}">
-                <a16:creationId xmlns:a16="http://schemas.microsoft.com/office/drawing/2014/main" id="{012BE72C-0783-78EB-68B8-E44D635B9CB8}"/>
-              </a:ext>
-            </a:extLst>
-          </p:cNvPr>
-          <p:cNvSpPr/>
-          <p:nvPr/>
-        </p:nvSpPr>
-        <p:spPr>
-          <a:xfrm rot="16200000">
-            <a:off x="5151622" y="3476787"/>
-            <a:ext cx="327502" cy="515462"/>
-          </a:xfrm>
-          <a:prstGeom prst="downArrow">
-            <a:avLst/>
-          </a:prstGeom>
-        </p:spPr>
-        <p:style>
-          <a:lnRef idx="2">
-            <a:schemeClr val="accent6">
-              <a:shade val="15000"/>
-            </a:schemeClr>
-          </a:lnRef>
-          <a:fillRef idx="1">
-            <a:schemeClr val="accent6"/>
-          </a:fillRef>
-          <a:effectRef idx="0">
-            <a:schemeClr val="accent6"/>
-          </a:effectRef>
-          <a:fontRef idx="minor">
-            <a:schemeClr val="lt1"/>
-          </a:fontRef>
-        </p:style>
-        <p:txBody>
-          <a:bodyPr rtlCol="0" anchor="ctr"/>
-          <a:lstStyle/>
-          <a:p>
-            <a:pPr algn="ctr"/>
-            <a:endParaRPr lang="ko-KR" altLang="en-US" dirty="0"/>
-          </a:p>
-        </p:txBody>
-      </p:sp>
-      <p:sp>
-        <p:nvSpPr>
-          <p:cNvPr id="9" name="TextBox 8">
-            <a:extLst>
-              <a:ext uri="{FF2B5EF4-FFF2-40B4-BE49-F238E27FC236}">
-                <a16:creationId xmlns:a16="http://schemas.microsoft.com/office/drawing/2014/main" id="{438A9668-FCA2-5703-87F9-B5C959401B4D}"/>
-              </a:ext>
-            </a:extLst>
-          </p:cNvPr>
-          <p:cNvSpPr txBox="1"/>
-          <p:nvPr/>
-        </p:nvSpPr>
-        <p:spPr>
-          <a:xfrm>
-            <a:off x="5005593" y="3260914"/>
-            <a:ext cx="515462" cy="369332"/>
-          </a:xfrm>
-          <a:prstGeom prst="rect">
-            <a:avLst/>
-          </a:prstGeom>
-          <a:noFill/>
-        </p:spPr>
-        <p:txBody>
-          <a:bodyPr wrap="none" rtlCol="0">
-            <a:spAutoFit/>
-          </a:bodyPr>
-          <a:lstStyle/>
-          <a:p>
-            <a:r>
-              <a:rPr lang="en-US" altLang="ko-KR" dirty="0"/>
-              <a:t>Yes</a:t>
-            </a:r>
-            <a:endParaRPr lang="ko-KR" altLang="en-US" dirty="0"/>
-          </a:p>
-        </p:txBody>
-      </p:sp>
-      <p:sp>
-        <p:nvSpPr>
-          <p:cNvPr id="11" name="다이아몬드 10">
-            <a:extLst>
-              <a:ext uri="{FF2B5EF4-FFF2-40B4-BE49-F238E27FC236}">
-                <a16:creationId xmlns:a16="http://schemas.microsoft.com/office/drawing/2014/main" id="{24DC2C08-CF23-F356-45EE-5140814765D0}"/>
-              </a:ext>
-            </a:extLst>
-          </p:cNvPr>
-          <p:cNvSpPr/>
-          <p:nvPr/>
-        </p:nvSpPr>
-        <p:spPr>
-          <a:xfrm>
-            <a:off x="5703125" y="3260914"/>
-            <a:ext cx="1896053" cy="947205"/>
-          </a:xfrm>
-          <a:prstGeom prst="diamond">
-            <a:avLst/>
-          </a:prstGeom>
-        </p:spPr>
-        <p:style>
-          <a:lnRef idx="2">
-            <a:schemeClr val="accent1">
-              <a:shade val="15000"/>
-            </a:schemeClr>
-          </a:lnRef>
-          <a:fillRef idx="1">
-            <a:schemeClr val="accent1"/>
-          </a:fillRef>
-          <a:effectRef idx="0">
-            <a:schemeClr val="accent1"/>
-          </a:effectRef>
-          <a:fontRef idx="minor">
-            <a:schemeClr val="lt1"/>
-          </a:fontRef>
-        </p:style>
-        <p:txBody>
-          <a:bodyPr rtlCol="0" anchor="ctr"/>
-          <a:lstStyle/>
-          <a:p>
-            <a:pPr algn="ctr"/>
-            <a:r>
-              <a:rPr lang="en-US" altLang="ko-KR" sz="1400" dirty="0"/>
-              <a:t>5</a:t>
-            </a:r>
-            <a:r>
-              <a:rPr lang="ko-KR" altLang="en-US" sz="1400" dirty="0"/>
-              <a:t> </a:t>
-            </a:r>
-            <a:r>
-              <a:rPr lang="en-US" altLang="ko-KR" sz="1400" dirty="0"/>
-              <a:t>Wave</a:t>
-            </a:r>
-            <a:r>
-              <a:rPr lang="ko-KR" altLang="en-US" sz="1400" dirty="0"/>
-              <a:t>인가</a:t>
-            </a:r>
-            <a:r>
-              <a:rPr lang="en-US" altLang="ko-KR" sz="1400" dirty="0"/>
-              <a:t>?</a:t>
-            </a:r>
-            <a:endParaRPr lang="ko-KR" altLang="en-US" sz="1400" dirty="0"/>
-          </a:p>
-        </p:txBody>
-      </p:sp>
-      <p:sp>
-        <p:nvSpPr>
-          <p:cNvPr id="14" name="화살표: 아래쪽 13">
-            <a:extLst>
-              <a:ext uri="{FF2B5EF4-FFF2-40B4-BE49-F238E27FC236}">
-                <a16:creationId xmlns:a16="http://schemas.microsoft.com/office/drawing/2014/main" id="{D3B3AD8E-D0DA-B265-AA47-6A5E523332D9}"/>
-              </a:ext>
-            </a:extLst>
-          </p:cNvPr>
-          <p:cNvSpPr/>
-          <p:nvPr/>
-        </p:nvSpPr>
-        <p:spPr>
-          <a:xfrm>
-            <a:off x="3803968" y="4369833"/>
-            <a:ext cx="327502" cy="515462"/>
-          </a:xfrm>
-          <a:prstGeom prst="downArrow">
-            <a:avLst/>
-          </a:prstGeom>
-        </p:spPr>
-        <p:style>
-          <a:lnRef idx="2">
-            <a:schemeClr val="accent6">
-              <a:shade val="15000"/>
-            </a:schemeClr>
-          </a:lnRef>
-          <a:fillRef idx="1">
-            <a:schemeClr val="accent6"/>
-          </a:fillRef>
-          <a:effectRef idx="0">
-            <a:schemeClr val="accent6"/>
-          </a:effectRef>
-          <a:fontRef idx="minor">
-            <a:schemeClr val="lt1"/>
-          </a:fontRef>
-        </p:style>
-        <p:txBody>
-          <a:bodyPr rtlCol="0" anchor="ctr"/>
-          <a:lstStyle/>
-          <a:p>
-            <a:pPr algn="ctr"/>
-            <a:endParaRPr lang="ko-KR" altLang="en-US" dirty="0"/>
-          </a:p>
-        </p:txBody>
-      </p:sp>
-      <p:sp>
-        <p:nvSpPr>
-          <p:cNvPr id="15" name="TextBox 14">
-            <a:extLst>
-              <a:ext uri="{FF2B5EF4-FFF2-40B4-BE49-F238E27FC236}">
-                <a16:creationId xmlns:a16="http://schemas.microsoft.com/office/drawing/2014/main" id="{9C3B333C-438C-8F37-FF0D-FEDA3A14A095}"/>
-              </a:ext>
-            </a:extLst>
-          </p:cNvPr>
-          <p:cNvSpPr txBox="1"/>
-          <p:nvPr/>
-        </p:nvSpPr>
-        <p:spPr>
-          <a:xfrm>
-            <a:off x="4089860" y="4377679"/>
-            <a:ext cx="498855" cy="369332"/>
-          </a:xfrm>
-          <a:prstGeom prst="rect">
-            <a:avLst/>
-          </a:prstGeom>
-          <a:noFill/>
-        </p:spPr>
-        <p:txBody>
-          <a:bodyPr wrap="none" rtlCol="0">
-            <a:spAutoFit/>
-          </a:bodyPr>
-          <a:lstStyle/>
-          <a:p>
-            <a:r>
-              <a:rPr lang="en-US" altLang="ko-KR" dirty="0"/>
-              <a:t>No</a:t>
-            </a:r>
-            <a:endParaRPr lang="ko-KR" altLang="en-US" dirty="0"/>
-          </a:p>
-        </p:txBody>
-      </p:sp>
-      <p:sp>
-        <p:nvSpPr>
-          <p:cNvPr id="29" name="화살표: 아래쪽 28">
-            <a:extLst>
-              <a:ext uri="{FF2B5EF4-FFF2-40B4-BE49-F238E27FC236}">
-                <a16:creationId xmlns:a16="http://schemas.microsoft.com/office/drawing/2014/main" id="{A3DFDA87-0572-C4B3-2594-43AFBC1D9D43}"/>
-              </a:ext>
-            </a:extLst>
-          </p:cNvPr>
-          <p:cNvSpPr/>
-          <p:nvPr/>
-        </p:nvSpPr>
-        <p:spPr>
-          <a:xfrm>
-            <a:off x="6492771" y="4304614"/>
-            <a:ext cx="327502" cy="515462"/>
-          </a:xfrm>
-          <a:prstGeom prst="downArrow">
-            <a:avLst/>
-          </a:prstGeom>
-        </p:spPr>
-        <p:style>
-          <a:lnRef idx="2">
-            <a:schemeClr val="accent6">
-              <a:shade val="15000"/>
-            </a:schemeClr>
-          </a:lnRef>
-          <a:fillRef idx="1">
-            <a:schemeClr val="accent6"/>
-          </a:fillRef>
-          <a:effectRef idx="0">
-            <a:schemeClr val="accent6"/>
-          </a:effectRef>
-          <a:fontRef idx="minor">
-            <a:schemeClr val="lt1"/>
-          </a:fontRef>
-        </p:style>
-        <p:txBody>
-          <a:bodyPr rtlCol="0" anchor="ctr"/>
-          <a:lstStyle/>
-          <a:p>
-            <a:pPr algn="ctr"/>
-            <a:endParaRPr lang="ko-KR" altLang="en-US" dirty="0"/>
-          </a:p>
-        </p:txBody>
-      </p:sp>
-      <p:sp>
-        <p:nvSpPr>
-          <p:cNvPr id="30" name="화살표: U자형 29">
-            <a:extLst>
-              <a:ext uri="{FF2B5EF4-FFF2-40B4-BE49-F238E27FC236}">
-                <a16:creationId xmlns:a16="http://schemas.microsoft.com/office/drawing/2014/main" id="{58C6B7D8-9F04-04E3-3081-81675D96BF49}"/>
-              </a:ext>
-            </a:extLst>
-          </p:cNvPr>
-          <p:cNvSpPr/>
-          <p:nvPr/>
-        </p:nvSpPr>
-        <p:spPr>
-          <a:xfrm flipH="1">
-            <a:off x="4148956" y="2837851"/>
-            <a:ext cx="2502195" cy="395750"/>
-          </a:xfrm>
-          <a:prstGeom prst="uturnArrow">
-            <a:avLst/>
-          </a:prstGeom>
-        </p:spPr>
-        <p:style>
-          <a:lnRef idx="2">
-            <a:schemeClr val="accent6">
-              <a:shade val="15000"/>
-            </a:schemeClr>
-          </a:lnRef>
-          <a:fillRef idx="1">
-            <a:schemeClr val="accent6"/>
-          </a:fillRef>
-          <a:effectRef idx="0">
-            <a:schemeClr val="accent6"/>
-          </a:effectRef>
-          <a:fontRef idx="minor">
-            <a:schemeClr val="lt1"/>
-          </a:fontRef>
-        </p:style>
-        <p:txBody>
-          <a:bodyPr rtlCol="0" anchor="ctr"/>
-          <a:lstStyle/>
-          <a:p>
-            <a:pPr algn="ctr"/>
-            <a:endParaRPr lang="ko-KR" altLang="en-US">
-              <a:solidFill>
-                <a:schemeClr val="tx1"/>
-              </a:solidFill>
-            </a:endParaRPr>
-          </a:p>
-        </p:txBody>
-      </p:sp>
-      <p:sp>
-        <p:nvSpPr>
-          <p:cNvPr id="32" name="TextBox 31">
-            <a:extLst>
-              <a:ext uri="{FF2B5EF4-FFF2-40B4-BE49-F238E27FC236}">
-                <a16:creationId xmlns:a16="http://schemas.microsoft.com/office/drawing/2014/main" id="{7E8D5846-6F2E-AA29-F907-CE0AD2BECA23}"/>
-              </a:ext>
-            </a:extLst>
-          </p:cNvPr>
-          <p:cNvSpPr txBox="1"/>
-          <p:nvPr/>
-        </p:nvSpPr>
-        <p:spPr>
-          <a:xfrm>
-            <a:off x="5076799" y="2441206"/>
-            <a:ext cx="498855" cy="369332"/>
-          </a:xfrm>
-          <a:prstGeom prst="rect">
-            <a:avLst/>
-          </a:prstGeom>
-          <a:noFill/>
-        </p:spPr>
-        <p:txBody>
-          <a:bodyPr wrap="none" rtlCol="0">
-            <a:spAutoFit/>
-          </a:bodyPr>
-          <a:lstStyle/>
-          <a:p>
-            <a:r>
-              <a:rPr lang="en-US" altLang="ko-KR" dirty="0"/>
-              <a:t>No</a:t>
-            </a:r>
-            <a:endParaRPr lang="ko-KR" altLang="en-US" dirty="0"/>
-          </a:p>
-        </p:txBody>
-      </p:sp>
-      <p:sp>
-        <p:nvSpPr>
-          <p:cNvPr id="33" name="TextBox 32">
-            <a:extLst>
-              <a:ext uri="{FF2B5EF4-FFF2-40B4-BE49-F238E27FC236}">
-                <a16:creationId xmlns:a16="http://schemas.microsoft.com/office/drawing/2014/main" id="{2BCEA728-DE75-3947-2205-D19F3E96601D}"/>
-              </a:ext>
-            </a:extLst>
-          </p:cNvPr>
-          <p:cNvSpPr txBox="1"/>
-          <p:nvPr/>
-        </p:nvSpPr>
-        <p:spPr>
-          <a:xfrm>
-            <a:off x="6826456" y="4377679"/>
-            <a:ext cx="515462" cy="369332"/>
-          </a:xfrm>
-          <a:prstGeom prst="rect">
-            <a:avLst/>
-          </a:prstGeom>
-          <a:noFill/>
-        </p:spPr>
-        <p:txBody>
-          <a:bodyPr wrap="none" rtlCol="0">
-            <a:spAutoFit/>
-          </a:bodyPr>
-          <a:lstStyle/>
-          <a:p>
-            <a:r>
-              <a:rPr lang="en-US" altLang="ko-KR" dirty="0"/>
-              <a:t>Yes</a:t>
-            </a:r>
-            <a:endParaRPr lang="ko-KR" altLang="en-US" dirty="0"/>
-          </a:p>
-        </p:txBody>
-      </p:sp>
-      <p:sp>
-        <p:nvSpPr>
-          <p:cNvPr id="34" name="직사각형 33">
-            <a:extLst>
-              <a:ext uri="{FF2B5EF4-FFF2-40B4-BE49-F238E27FC236}">
-                <a16:creationId xmlns:a16="http://schemas.microsoft.com/office/drawing/2014/main" id="{0DE004AE-7E2B-F7C4-86DE-E22990FA6EF4}"/>
-              </a:ext>
-            </a:extLst>
-          </p:cNvPr>
-          <p:cNvSpPr/>
-          <p:nvPr/>
-        </p:nvSpPr>
-        <p:spPr>
-          <a:xfrm>
-            <a:off x="2838366" y="5047951"/>
-            <a:ext cx="2282456" cy="947205"/>
-          </a:xfrm>
-          <a:prstGeom prst="rect">
-            <a:avLst/>
-          </a:prstGeom>
-        </p:spPr>
-        <p:style>
-          <a:lnRef idx="2">
-            <a:schemeClr val="accent1">
-              <a:shade val="15000"/>
-            </a:schemeClr>
-          </a:lnRef>
-          <a:fillRef idx="1">
-            <a:schemeClr val="accent1"/>
-          </a:fillRef>
-          <a:effectRef idx="0">
-            <a:schemeClr val="accent1"/>
-          </a:effectRef>
-          <a:fontRef idx="minor">
-            <a:schemeClr val="lt1"/>
-          </a:fontRef>
-        </p:style>
-        <p:txBody>
-          <a:bodyPr rtlCol="0" anchor="ctr"/>
-          <a:lstStyle/>
-          <a:p>
-            <a:pPr algn="ctr"/>
-            <a:r>
-              <a:rPr lang="ko-KR" altLang="en-US" dirty="0"/>
-              <a:t>패배</a:t>
-            </a:r>
-          </a:p>
-        </p:txBody>
-      </p:sp>
-      <p:sp>
-        <p:nvSpPr>
-          <p:cNvPr id="35" name="직사각형 34">
-            <a:extLst>
-              <a:ext uri="{FF2B5EF4-FFF2-40B4-BE49-F238E27FC236}">
-                <a16:creationId xmlns:a16="http://schemas.microsoft.com/office/drawing/2014/main" id="{82D7F433-2655-F641-1681-830E7470AA7F}"/>
-              </a:ext>
-            </a:extLst>
-          </p:cNvPr>
-          <p:cNvSpPr/>
-          <p:nvPr/>
-        </p:nvSpPr>
-        <p:spPr>
-          <a:xfrm>
-            <a:off x="5703125" y="5047951"/>
-            <a:ext cx="2282456" cy="947205"/>
-          </a:xfrm>
-          <a:prstGeom prst="rect">
-            <a:avLst/>
-          </a:prstGeom>
-        </p:spPr>
-        <p:style>
-          <a:lnRef idx="2">
-            <a:schemeClr val="accent1">
-              <a:shade val="15000"/>
-            </a:schemeClr>
-          </a:lnRef>
-          <a:fillRef idx="1">
-            <a:schemeClr val="accent1"/>
-          </a:fillRef>
-          <a:effectRef idx="0">
-            <a:schemeClr val="accent1"/>
-          </a:effectRef>
-          <a:fontRef idx="minor">
-            <a:schemeClr val="lt1"/>
-          </a:fontRef>
-        </p:style>
-        <p:txBody>
-          <a:bodyPr rtlCol="0" anchor="ctr"/>
-          <a:lstStyle/>
-          <a:p>
-            <a:pPr algn="ctr"/>
-            <a:r>
-              <a:rPr lang="ko-KR" altLang="en-US"/>
-              <a:t>승리</a:t>
-            </a:r>
-          </a:p>
-        </p:txBody>
-      </p:sp>
-    </p:spTree>
-    <p:extLst>
-      <p:ext uri="{BB962C8B-B14F-4D97-AF65-F5344CB8AC3E}">
-        <p14:creationId xmlns:p14="http://schemas.microsoft.com/office/powerpoint/2010/main" val="1639510758"/>
-      </p:ext>
-    </p:extLst>
-  </p:cSld>
-  <p:clrMapOvr>
-    <a:masterClrMapping/>
-  </p:clrMapOvr>
-</p:sld>
-</file>
-
-<file path=ppt/slides/slide8.xml><?xml version="1.0" encoding="utf-8"?>
-<p:sld xmlns:a="http://schemas.openxmlformats.org/drawingml/2006/main" xmlns:r="http://schemas.openxmlformats.org/officeDocument/2006/relationships" xmlns:p="http://schemas.openxmlformats.org/presentationml/2006/main">
-  <p:cSld>
-    <p:spTree>
-      <p:nvGrpSpPr>
-        <p:cNvPr id="1" name=""/>
-        <p:cNvGrpSpPr/>
-        <p:nvPr/>
-      </p:nvGrpSpPr>
-      <p:grpSpPr>
-        <a:xfrm>
-          <a:off x="0" y="0"/>
-          <a:ext cx="0" cy="0"/>
-          <a:chOff x="0" y="0"/>
-          <a:chExt cx="0" cy="0"/>
-        </a:xfrm>
-      </p:grpSpPr>
-      <p:sp>
-        <p:nvSpPr>
           <p:cNvPr id="23" name="직사각형 22">
             <a:extLst>
               <a:ext uri="{FF2B5EF4-FFF2-40B4-BE49-F238E27FC236}">
@@ -18077,7 +16835,7 @@
 </p:sld>
 </file>
 
-<file path=ppt/slides/slide9.xml><?xml version="1.0" encoding="utf-8"?>
+<file path=ppt/slides/slide8.xml><?xml version="1.0" encoding="utf-8"?>
 <p:sld xmlns:a="http://schemas.openxmlformats.org/drawingml/2006/main" xmlns:r="http://schemas.openxmlformats.org/officeDocument/2006/relationships" xmlns:p="http://schemas.openxmlformats.org/presentationml/2006/main">
   <p:cSld>
     <p:spTree>
@@ -18953,10 +17711,582 @@
           </a:ln>
         </p:spPr>
       </p:pic>
+      <p:pic>
+        <p:nvPicPr>
+          <p:cNvPr id="7" name="Google Shape;153;p22">
+            <a:extLst>
+              <a:ext uri="{FF2B5EF4-FFF2-40B4-BE49-F238E27FC236}">
+                <a16:creationId xmlns:a16="http://schemas.microsoft.com/office/drawing/2014/main" id="{27C0E3AB-BEA6-0BBF-DFAC-616D0925FDEA}"/>
+              </a:ext>
+            </a:extLst>
+          </p:cNvPr>
+          <p:cNvPicPr preferRelativeResize="0"/>
+          <p:nvPr/>
+        </p:nvPicPr>
+        <p:blipFill>
+          <a:blip r:embed="rId4">
+            <a:alphaModFix amt="50000"/>
+          </a:blip>
+          <a:stretch>
+            <a:fillRect/>
+          </a:stretch>
+        </p:blipFill>
+        <p:spPr>
+          <a:xfrm>
+            <a:off x="3363960" y="4529862"/>
+            <a:ext cx="550323" cy="453139"/>
+          </a:xfrm>
+          <a:prstGeom prst="rect">
+            <a:avLst/>
+          </a:prstGeom>
+          <a:noFill/>
+          <a:ln>
+            <a:noFill/>
+          </a:ln>
+        </p:spPr>
+      </p:pic>
+      <p:sp>
+        <p:nvSpPr>
+          <p:cNvPr id="9" name="Google Shape;161;p22">
+            <a:extLst>
+              <a:ext uri="{FF2B5EF4-FFF2-40B4-BE49-F238E27FC236}">
+                <a16:creationId xmlns:a16="http://schemas.microsoft.com/office/drawing/2014/main" id="{DC7A0E56-E296-6A58-7F45-16A0DAC541D1}"/>
+              </a:ext>
+            </a:extLst>
+          </p:cNvPr>
+          <p:cNvSpPr/>
+          <p:nvPr/>
+        </p:nvSpPr>
+        <p:spPr>
+          <a:xfrm>
+            <a:off x="3519271" y="5047139"/>
+            <a:ext cx="239700" cy="1207691"/>
+          </a:xfrm>
+          <a:prstGeom prst="downArrow">
+            <a:avLst>
+              <a:gd name="adj1" fmla="val 50000"/>
+              <a:gd name="adj2" fmla="val 50000"/>
+            </a:avLst>
+          </a:prstGeom>
+          <a:solidFill>
+            <a:srgbClr val="D15C5C"/>
+          </a:solidFill>
+          <a:ln w="9525" cap="flat" cmpd="sng">
+            <a:solidFill>
+              <a:schemeClr val="dk2"/>
+            </a:solidFill>
+            <a:prstDash val="solid"/>
+            <a:round/>
+            <a:headEnd type="none" w="sm" len="sm"/>
+            <a:tailEnd type="none" w="sm" len="sm"/>
+          </a:ln>
+          <a:effectLst>
+            <a:outerShdw blurRad="57150" dist="19050" dir="5400000" algn="bl" rotWithShape="0">
+              <a:srgbClr val="000000">
+                <a:alpha val="50000"/>
+              </a:srgbClr>
+            </a:outerShdw>
+          </a:effectLst>
+        </p:spPr>
+        <p:txBody>
+          <a:bodyPr spcFirstLastPara="1" wrap="square" lIns="91425" tIns="91425" rIns="91425" bIns="91425" anchor="ctr" anchorCtr="0">
+            <a:noAutofit/>
+          </a:bodyPr>
+          <a:lstStyle/>
+          <a:p>
+            <a:pPr marL="0" lvl="0" indent="0" algn="l" rtl="0">
+              <a:spcBef>
+                <a:spcPts val="0"/>
+              </a:spcBef>
+              <a:spcAft>
+                <a:spcPts val="0"/>
+              </a:spcAft>
+              <a:buNone/>
+            </a:pPr>
+            <a:endParaRPr>
+              <a:solidFill>
+                <a:srgbClr val="FF0000"/>
+              </a:solidFill>
+            </a:endParaRPr>
+          </a:p>
+        </p:txBody>
+      </p:sp>
+      <p:sp>
+        <p:nvSpPr>
+          <p:cNvPr id="11" name="TextBox 10">
+            <a:extLst>
+              <a:ext uri="{FF2B5EF4-FFF2-40B4-BE49-F238E27FC236}">
+                <a16:creationId xmlns:a16="http://schemas.microsoft.com/office/drawing/2014/main" id="{E84C59A3-0B71-3522-93F8-E97DF10B55C2}"/>
+              </a:ext>
+            </a:extLst>
+          </p:cNvPr>
+          <p:cNvSpPr txBox="1"/>
+          <p:nvPr/>
+        </p:nvSpPr>
+        <p:spPr>
+          <a:xfrm>
+            <a:off x="2974414" y="6328741"/>
+            <a:ext cx="1277914" cy="369332"/>
+          </a:xfrm>
+          <a:prstGeom prst="rect">
+            <a:avLst/>
+          </a:prstGeom>
+          <a:noFill/>
+        </p:spPr>
+        <p:txBody>
+          <a:bodyPr wrap="none" rtlCol="0">
+            <a:spAutoFit/>
+          </a:bodyPr>
+          <a:lstStyle/>
+          <a:p>
+            <a:r>
+              <a:rPr lang="en-US" altLang="ko-KR" b="1" dirty="0">
+                <a:latin typeface="조선가는고딕" panose="02030504000101010101" pitchFamily="18" charset="-127"/>
+                <a:ea typeface="조선가는고딕" panose="02030504000101010101" pitchFamily="18" charset="-127"/>
+              </a:rPr>
+              <a:t>F: </a:t>
+            </a:r>
+            <a:r>
+              <a:rPr lang="ko-KR" altLang="en-US" b="1" dirty="0">
+                <a:latin typeface="조선가는고딕" panose="02030504000101010101" pitchFamily="18" charset="-127"/>
+                <a:ea typeface="조선가는고딕" panose="02030504000101010101" pitchFamily="18" charset="-127"/>
+              </a:rPr>
+              <a:t>상호작용</a:t>
+            </a:r>
+          </a:p>
+        </p:txBody>
+      </p:sp>
     </p:spTree>
     <p:extLst>
       <p:ext uri="{BB962C8B-B14F-4D97-AF65-F5344CB8AC3E}">
         <p14:creationId xmlns:p14="http://schemas.microsoft.com/office/powerpoint/2010/main" val="3738429566"/>
+      </p:ext>
+    </p:extLst>
+  </p:cSld>
+  <p:clrMapOvr>
+    <a:masterClrMapping/>
+  </p:clrMapOvr>
+</p:sld>
+</file>
+
+<file path=ppt/slides/slide9.xml><?xml version="1.0" encoding="utf-8"?>
+<p:sld xmlns:a="http://schemas.openxmlformats.org/drawingml/2006/main" xmlns:r="http://schemas.openxmlformats.org/officeDocument/2006/relationships" xmlns:p="http://schemas.openxmlformats.org/presentationml/2006/main">
+  <p:cSld>
+    <p:spTree>
+      <p:nvGrpSpPr>
+        <p:cNvPr id="1" name=""/>
+        <p:cNvGrpSpPr/>
+        <p:nvPr/>
+      </p:nvGrpSpPr>
+      <p:grpSpPr>
+        <a:xfrm>
+          <a:off x="0" y="0"/>
+          <a:ext cx="0" cy="0"/>
+          <a:chOff x="0" y="0"/>
+          <a:chExt cx="0" cy="0"/>
+        </a:xfrm>
+      </p:grpSpPr>
+      <p:sp>
+        <p:nvSpPr>
+          <p:cNvPr id="23" name="직사각형 22">
+            <a:extLst>
+              <a:ext uri="{FF2B5EF4-FFF2-40B4-BE49-F238E27FC236}">
+                <a16:creationId xmlns:a16="http://schemas.microsoft.com/office/drawing/2014/main" id="{505D9C9E-8325-4A59-BEFC-3BC22C85BDAD}"/>
+              </a:ext>
+            </a:extLst>
+          </p:cNvPr>
+          <p:cNvSpPr/>
+          <p:nvPr/>
+        </p:nvSpPr>
+        <p:spPr>
+          <a:xfrm flipV="1">
+            <a:off x="557400" y="1001162"/>
+            <a:ext cx="11077200" cy="18000"/>
+          </a:xfrm>
+          <a:prstGeom prst="rect">
+            <a:avLst/>
+          </a:prstGeom>
+          <a:solidFill>
+            <a:srgbClr val="64DECF"/>
+          </a:solidFill>
+          <a:ln>
+            <a:noFill/>
+          </a:ln>
+        </p:spPr>
+        <p:style>
+          <a:lnRef idx="2">
+            <a:schemeClr val="accent1">
+              <a:shade val="50000"/>
+            </a:schemeClr>
+          </a:lnRef>
+          <a:fillRef idx="1">
+            <a:schemeClr val="accent1"/>
+          </a:fillRef>
+          <a:effectRef idx="0">
+            <a:schemeClr val="accent1"/>
+          </a:effectRef>
+          <a:fontRef idx="minor">
+            <a:schemeClr val="lt1"/>
+          </a:fontRef>
+        </p:style>
+        <p:txBody>
+          <a:bodyPr rtlCol="0" anchor="ctr"/>
+          <a:lstStyle/>
+          <a:p>
+            <a:pPr algn="ctr"/>
+            <a:endParaRPr lang="ko-KR" altLang="en-US"/>
+          </a:p>
+        </p:txBody>
+      </p:sp>
+      <p:grpSp>
+        <p:nvGrpSpPr>
+          <p:cNvPr id="6" name="그룹 5">
+            <a:extLst>
+              <a:ext uri="{FF2B5EF4-FFF2-40B4-BE49-F238E27FC236}">
+                <a16:creationId xmlns:a16="http://schemas.microsoft.com/office/drawing/2014/main" id="{1B0813F0-0608-43A3-9E53-0BA015EDE231}"/>
+              </a:ext>
+            </a:extLst>
+          </p:cNvPr>
+          <p:cNvGrpSpPr/>
+          <p:nvPr/>
+        </p:nvGrpSpPr>
+        <p:grpSpPr>
+          <a:xfrm>
+            <a:off x="4105427" y="188165"/>
+            <a:ext cx="4698331" cy="830997"/>
+            <a:chOff x="3819245" y="188165"/>
+            <a:chExt cx="4011835" cy="830997"/>
+          </a:xfrm>
+        </p:grpSpPr>
+        <p:sp>
+          <p:nvSpPr>
+            <p:cNvPr id="5" name="직사각형 4">
+              <a:extLst>
+                <a:ext uri="{FF2B5EF4-FFF2-40B4-BE49-F238E27FC236}">
+                  <a16:creationId xmlns:a16="http://schemas.microsoft.com/office/drawing/2014/main" id="{7D0033C3-456D-4151-9AAB-F0A2E961A5B6}"/>
+                </a:ext>
+              </a:extLst>
+            </p:cNvPr>
+            <p:cNvSpPr/>
+            <p:nvPr/>
+          </p:nvSpPr>
+          <p:spPr>
+            <a:xfrm>
+              <a:off x="4633790" y="302276"/>
+              <a:ext cx="3197290" cy="584775"/>
+            </a:xfrm>
+            <a:prstGeom prst="rect">
+              <a:avLst/>
+            </a:prstGeom>
+          </p:spPr>
+          <p:txBody>
+            <a:bodyPr wrap="square">
+              <a:spAutoFit/>
+            </a:bodyPr>
+            <a:lstStyle/>
+            <a:p>
+              <a:r>
+                <a:rPr lang="ko-KR" altLang="en-US" sz="3200" dirty="0">
+                  <a:latin typeface="조선가는고딕" panose="02030504000101010101" pitchFamily="18" charset="-127"/>
+                  <a:ea typeface="조선가는고딕" panose="02030504000101010101" pitchFamily="18" charset="-127"/>
+                  <a:cs typeface="KoPubWorld돋움체 Bold" panose="00000800000000000000" pitchFamily="2" charset="-127"/>
+                </a:rPr>
+                <a:t>게임소개</a:t>
+              </a:r>
+              <a:endParaRPr lang="en-US" altLang="ko-KR" sz="3200" dirty="0">
+                <a:latin typeface="조선가는고딕" panose="02030504000101010101" pitchFamily="18" charset="-127"/>
+                <a:ea typeface="조선가는고딕" panose="02030504000101010101" pitchFamily="18" charset="-127"/>
+                <a:cs typeface="KoPubWorld돋움체 Bold" panose="00000800000000000000" pitchFamily="2" charset="-127"/>
+              </a:endParaRPr>
+            </a:p>
+          </p:txBody>
+        </p:sp>
+        <p:sp>
+          <p:nvSpPr>
+            <p:cNvPr id="24" name="TextBox 23">
+              <a:extLst>
+                <a:ext uri="{FF2B5EF4-FFF2-40B4-BE49-F238E27FC236}">
+                  <a16:creationId xmlns:a16="http://schemas.microsoft.com/office/drawing/2014/main" id="{1841637C-F02D-4ED4-9B17-10A92FFC6619}"/>
+                </a:ext>
+              </a:extLst>
+            </p:cNvPr>
+            <p:cNvSpPr txBox="1"/>
+            <p:nvPr/>
+          </p:nvSpPr>
+          <p:spPr>
+            <a:xfrm>
+              <a:off x="3819245" y="188165"/>
+              <a:ext cx="653182" cy="830997"/>
+            </a:xfrm>
+            <a:prstGeom prst="rect">
+              <a:avLst/>
+            </a:prstGeom>
+            <a:noFill/>
+          </p:spPr>
+          <p:txBody>
+            <a:bodyPr wrap="none" rtlCol="0">
+              <a:spAutoFit/>
+            </a:bodyPr>
+            <a:lstStyle/>
+            <a:p>
+              <a:r>
+                <a:rPr lang="en-US" altLang="ko-KR" sz="4800" b="1" dirty="0">
+                  <a:solidFill>
+                    <a:srgbClr val="64DECF"/>
+                  </a:solidFill>
+                  <a:latin typeface="조선가는고딕" panose="02030504000101010101" pitchFamily="18" charset="-127"/>
+                  <a:ea typeface="조선가는고딕" panose="02030504000101010101" pitchFamily="18" charset="-127"/>
+                  <a:cs typeface="KoPubWorld돋움체 Bold" panose="00000800000000000000" pitchFamily="2" charset="-127"/>
+                </a:rPr>
+                <a:t>02</a:t>
+              </a:r>
+              <a:endParaRPr lang="ko-KR" altLang="en-US" sz="4800" b="1" dirty="0">
+                <a:solidFill>
+                  <a:srgbClr val="64DECF"/>
+                </a:solidFill>
+                <a:latin typeface="조선가는고딕" panose="02030504000101010101" pitchFamily="18" charset="-127"/>
+                <a:ea typeface="조선가는고딕" panose="02030504000101010101" pitchFamily="18" charset="-127"/>
+                <a:cs typeface="KoPubWorld돋움체 Bold" panose="00000800000000000000" pitchFamily="2" charset="-127"/>
+              </a:endParaRPr>
+            </a:p>
+          </p:txBody>
+        </p:sp>
+      </p:grpSp>
+      <p:sp>
+        <p:nvSpPr>
+          <p:cNvPr id="37" name="TextBox 36">
+            <a:extLst>
+              <a:ext uri="{FF2B5EF4-FFF2-40B4-BE49-F238E27FC236}">
+                <a16:creationId xmlns:a16="http://schemas.microsoft.com/office/drawing/2014/main" id="{C3CAB183-DEA4-4560-B11D-01DCD66BDF6D}"/>
+              </a:ext>
+            </a:extLst>
+          </p:cNvPr>
+          <p:cNvSpPr txBox="1"/>
+          <p:nvPr/>
+        </p:nvSpPr>
+        <p:spPr>
+          <a:xfrm>
+            <a:off x="557400" y="1136632"/>
+            <a:ext cx="2727030" cy="769441"/>
+          </a:xfrm>
+          <a:prstGeom prst="rect">
+            <a:avLst/>
+          </a:prstGeom>
+          <a:noFill/>
+        </p:spPr>
+        <p:txBody>
+          <a:bodyPr wrap="none" rtlCol="0">
+            <a:spAutoFit/>
+          </a:bodyPr>
+          <a:lstStyle/>
+          <a:p>
+            <a:pPr algn="ctr"/>
+            <a:r>
+              <a:rPr lang="en-US" altLang="ko-KR" sz="4400">
+                <a:highlight>
+                  <a:srgbClr val="00FFFF"/>
+                </a:highlight>
+                <a:latin typeface="조선가는고딕" panose="02030504000101010101" pitchFamily="18" charset="-127"/>
+                <a:ea typeface="조선가는고딕" panose="02030504000101010101" pitchFamily="18" charset="-127"/>
+                <a:cs typeface="KoPubWorld돋움체 Light" panose="00000300000000000000" pitchFamily="2" charset="-127"/>
+              </a:rPr>
+              <a:t>Player </a:t>
+            </a:r>
+            <a:r>
+              <a:rPr lang="ko-KR" altLang="en-US" sz="4400" dirty="0">
+                <a:highlight>
+                  <a:srgbClr val="00FFFF"/>
+                </a:highlight>
+                <a:latin typeface="조선가는고딕" panose="02030504000101010101" pitchFamily="18" charset="-127"/>
+                <a:ea typeface="조선가는고딕" panose="02030504000101010101" pitchFamily="18" charset="-127"/>
+                <a:cs typeface="KoPubWorld돋움체 Light" panose="00000300000000000000" pitchFamily="2" charset="-127"/>
+              </a:rPr>
+              <a:t>소개</a:t>
+            </a:r>
+            <a:endParaRPr lang="en-US" altLang="ko-KR" sz="4400" dirty="0">
+              <a:highlight>
+                <a:srgbClr val="00FFFF"/>
+              </a:highlight>
+              <a:latin typeface="조선가는고딕" panose="02030504000101010101" pitchFamily="18" charset="-127"/>
+              <a:ea typeface="조선가는고딕" panose="02030504000101010101" pitchFamily="18" charset="-127"/>
+              <a:cs typeface="KoPubWorld돋움체 Light" panose="00000300000000000000" pitchFamily="2" charset="-127"/>
+            </a:endParaRPr>
+          </a:p>
+        </p:txBody>
+      </p:sp>
+      <p:sp>
+        <p:nvSpPr>
+          <p:cNvPr id="19" name="TextBox 18">
+            <a:extLst>
+              <a:ext uri="{FF2B5EF4-FFF2-40B4-BE49-F238E27FC236}">
+                <a16:creationId xmlns:a16="http://schemas.microsoft.com/office/drawing/2014/main" id="{B031CF28-57D0-870B-E78A-882EB3069F62}"/>
+              </a:ext>
+            </a:extLst>
+          </p:cNvPr>
+          <p:cNvSpPr txBox="1"/>
+          <p:nvPr/>
+        </p:nvSpPr>
+        <p:spPr>
+          <a:xfrm>
+            <a:off x="6096000" y="3418621"/>
+            <a:ext cx="4690708" cy="1015663"/>
+          </a:xfrm>
+          <a:prstGeom prst="rect">
+            <a:avLst/>
+          </a:prstGeom>
+          <a:noFill/>
+        </p:spPr>
+        <p:txBody>
+          <a:bodyPr wrap="none" rtlCol="0">
+            <a:spAutoFit/>
+          </a:bodyPr>
+          <a:lstStyle/>
+          <a:p>
+            <a:r>
+              <a:rPr lang="en-US" altLang="ko-KR" sz="2000" dirty="0">
+                <a:latin typeface="조선가는고딕" panose="02030504000101010101" pitchFamily="18" charset="-127"/>
+                <a:ea typeface="조선가는고딕" panose="02030504000101010101" pitchFamily="18" charset="-127"/>
+                <a:cs typeface="KoPubWorld돋움체 Light" panose="00000300000000000000" pitchFamily="2" charset="-127"/>
+              </a:rPr>
+              <a:t>HP:100</a:t>
+            </a:r>
+          </a:p>
+          <a:p>
+            <a:r>
+              <a:rPr lang="ko-KR" altLang="en-US" sz="2000" dirty="0">
+                <a:latin typeface="조선가는고딕" panose="02030504000101010101" pitchFamily="18" charset="-127"/>
+                <a:ea typeface="조선가는고딕" panose="02030504000101010101" pitchFamily="18" charset="-127"/>
+                <a:cs typeface="KoPubWorld돋움체 Light" panose="00000300000000000000" pitchFamily="2" charset="-127"/>
+              </a:rPr>
+              <a:t>키</a:t>
+            </a:r>
+            <a:r>
+              <a:rPr lang="en-US" altLang="ko-KR" sz="2000" dirty="0">
+                <a:latin typeface="조선가는고딕" panose="02030504000101010101" pitchFamily="18" charset="-127"/>
+                <a:ea typeface="조선가는고딕" panose="02030504000101010101" pitchFamily="18" charset="-127"/>
+                <a:cs typeface="KoPubWorld돋움체 Light" panose="00000300000000000000" pitchFamily="2" charset="-127"/>
+              </a:rPr>
+              <a:t>: 180cm</a:t>
+            </a:r>
+          </a:p>
+          <a:p>
+            <a:r>
+              <a:rPr lang="ko-KR" altLang="en-US" sz="2000" dirty="0">
+                <a:latin typeface="조선가는고딕" panose="02030504000101010101" pitchFamily="18" charset="-127"/>
+                <a:ea typeface="조선가는고딕" panose="02030504000101010101" pitchFamily="18" charset="-127"/>
+                <a:cs typeface="KoPubWorld돋움체 Light" panose="00000300000000000000" pitchFamily="2" charset="-127"/>
+              </a:rPr>
+              <a:t>애니메이션</a:t>
+            </a:r>
+            <a:r>
+              <a:rPr lang="en-US" altLang="ko-KR" sz="2000" dirty="0">
+                <a:latin typeface="조선가는고딕" panose="02030504000101010101" pitchFamily="18" charset="-127"/>
+                <a:ea typeface="조선가는고딕" panose="02030504000101010101" pitchFamily="18" charset="-127"/>
+                <a:cs typeface="KoPubWorld돋움체 Light" panose="00000300000000000000" pitchFamily="2" charset="-127"/>
+              </a:rPr>
+              <a:t>: </a:t>
+            </a:r>
+            <a:r>
+              <a:rPr lang="ko-KR" altLang="en-US" sz="2000" dirty="0">
+                <a:latin typeface="조선가는고딕" panose="02030504000101010101" pitchFamily="18" charset="-127"/>
+                <a:ea typeface="조선가는고딕" panose="02030504000101010101" pitchFamily="18" charset="-127"/>
+                <a:cs typeface="KoPubWorld돋움체 Light" panose="00000300000000000000" pitchFamily="2" charset="-127"/>
+              </a:rPr>
+              <a:t>걷기</a:t>
+            </a:r>
+            <a:r>
+              <a:rPr lang="en-US" altLang="ko-KR" sz="2000" dirty="0">
+                <a:latin typeface="조선가는고딕" panose="02030504000101010101" pitchFamily="18" charset="-127"/>
+                <a:ea typeface="조선가는고딕" panose="02030504000101010101" pitchFamily="18" charset="-127"/>
+                <a:cs typeface="KoPubWorld돋움체 Light" panose="00000300000000000000" pitchFamily="2" charset="-127"/>
+              </a:rPr>
+              <a:t>, </a:t>
+            </a:r>
+            <a:r>
+              <a:rPr lang="ko-KR" altLang="en-US" sz="2000" dirty="0">
+                <a:latin typeface="조선가는고딕" panose="02030504000101010101" pitchFamily="18" charset="-127"/>
+                <a:ea typeface="조선가는고딕" panose="02030504000101010101" pitchFamily="18" charset="-127"/>
+                <a:cs typeface="KoPubWorld돋움체 Light" panose="00000300000000000000" pitchFamily="2" charset="-127"/>
+              </a:rPr>
+              <a:t>뛰기</a:t>
+            </a:r>
+            <a:r>
+              <a:rPr lang="en-US" altLang="ko-KR" sz="2000" dirty="0">
+                <a:latin typeface="조선가는고딕" panose="02030504000101010101" pitchFamily="18" charset="-127"/>
+                <a:ea typeface="조선가는고딕" panose="02030504000101010101" pitchFamily="18" charset="-127"/>
+                <a:cs typeface="KoPubWorld돋움체 Light" panose="00000300000000000000" pitchFamily="2" charset="-127"/>
+              </a:rPr>
+              <a:t>, </a:t>
+            </a:r>
+            <a:r>
+              <a:rPr lang="ko-KR" altLang="en-US" sz="2000" dirty="0">
+                <a:latin typeface="조선가는고딕" panose="02030504000101010101" pitchFamily="18" charset="-127"/>
+                <a:ea typeface="조선가는고딕" panose="02030504000101010101" pitchFamily="18" charset="-127"/>
+                <a:cs typeface="KoPubWorld돋움체 Light" panose="00000300000000000000" pitchFamily="2" charset="-127"/>
+              </a:rPr>
+              <a:t>총 쏘기 </a:t>
+            </a:r>
+            <a:r>
+              <a:rPr lang="en-US" altLang="ko-KR" sz="2000" dirty="0">
+                <a:latin typeface="조선가는고딕" panose="02030504000101010101" pitchFamily="18" charset="-127"/>
+                <a:ea typeface="조선가는고딕" panose="02030504000101010101" pitchFamily="18" charset="-127"/>
+                <a:cs typeface="KoPubWorld돋움체 Light" panose="00000300000000000000" pitchFamily="2" charset="-127"/>
+              </a:rPr>
+              <a:t>(3</a:t>
+            </a:r>
+            <a:r>
+              <a:rPr lang="ko-KR" altLang="en-US" sz="2000" dirty="0">
+                <a:latin typeface="조선가는고딕" panose="02030504000101010101" pitchFamily="18" charset="-127"/>
+                <a:ea typeface="조선가는고딕" panose="02030504000101010101" pitchFamily="18" charset="-127"/>
+                <a:cs typeface="KoPubWorld돋움체 Light" panose="00000300000000000000" pitchFamily="2" charset="-127"/>
+              </a:rPr>
+              <a:t>가지</a:t>
+            </a:r>
+            <a:r>
+              <a:rPr lang="en-US" altLang="ko-KR" sz="2000" dirty="0">
+                <a:latin typeface="조선가는고딕" panose="02030504000101010101" pitchFamily="18" charset="-127"/>
+                <a:ea typeface="조선가는고딕" panose="02030504000101010101" pitchFamily="18" charset="-127"/>
+                <a:cs typeface="KoPubWorld돋움체 Light" panose="00000300000000000000" pitchFamily="2" charset="-127"/>
+              </a:rPr>
+              <a:t>)</a:t>
+            </a:r>
+          </a:p>
+        </p:txBody>
+      </p:sp>
+      <p:pic>
+        <p:nvPicPr>
+          <p:cNvPr id="11" name="그림 10">
+            <a:extLst>
+              <a:ext uri="{FF2B5EF4-FFF2-40B4-BE49-F238E27FC236}">
+                <a16:creationId xmlns:a16="http://schemas.microsoft.com/office/drawing/2014/main" id="{40E8B1AA-45FE-E1F0-73E9-C66E3FC08B53}"/>
+              </a:ext>
+            </a:extLst>
+          </p:cNvPr>
+          <p:cNvPicPr>
+            <a:picLocks noChangeAspect="1"/>
+          </p:cNvPicPr>
+          <p:nvPr/>
+        </p:nvPicPr>
+        <p:blipFill>
+          <a:blip r:embed="rId2"/>
+          <a:stretch>
+            <a:fillRect/>
+          </a:stretch>
+        </p:blipFill>
+        <p:spPr>
+          <a:xfrm>
+            <a:off x="557400" y="2103811"/>
+            <a:ext cx="4909391" cy="4356220"/>
+          </a:xfrm>
+          <a:prstGeom prst="rect">
+            <a:avLst/>
+          </a:prstGeom>
+        </p:spPr>
+      </p:pic>
+    </p:spTree>
+    <p:extLst>
+      <p:ext uri="{BB962C8B-B14F-4D97-AF65-F5344CB8AC3E}">
+        <p14:creationId xmlns:p14="http://schemas.microsoft.com/office/powerpoint/2010/main" val="1312021578"/>
       </p:ext>
     </p:extLst>
   </p:cSld>

--- a/기획서/Colony_ppt발표.pptx
+++ b/기획서/Colony_ppt발표.pptx
@@ -15,11 +15,11 @@
     <p:sldId id="262" r:id="rId6"/>
     <p:sldId id="269" r:id="rId7"/>
     <p:sldId id="267" r:id="rId8"/>
-    <p:sldId id="280" r:id="rId9"/>
-    <p:sldId id="281" r:id="rId10"/>
-    <p:sldId id="282" r:id="rId11"/>
-    <p:sldId id="264" r:id="rId12"/>
-    <p:sldId id="265" r:id="rId13"/>
+    <p:sldId id="281" r:id="rId9"/>
+    <p:sldId id="282" r:id="rId10"/>
+    <p:sldId id="280" r:id="rId11"/>
+    <p:sldId id="265" r:id="rId12"/>
+    <p:sldId id="264" r:id="rId13"/>
     <p:sldId id="263" r:id="rId14"/>
     <p:sldId id="270" r:id="rId15"/>
     <p:sldId id="271" r:id="rId16"/>
@@ -214,7 +214,7 @@
           <a:p>
             <a:fld id="{46CE1AE1-EE81-441C-9C55-08E83CF86C5B}" type="datetimeFigureOut">
               <a:rPr lang="ko-KR" altLang="en-US" smtClean="0"/>
-              <a:t>2023-12-06</a:t>
+              <a:t>2023-12-07</a:t>
             </a:fld>
             <a:endParaRPr lang="ko-KR" altLang="en-US"/>
           </a:p>
@@ -546,6 +546,90 @@
           <a:p>
             <a:fld id="{FC33AD2C-CCD5-4D51-AA06-8AA5DD868304}" type="slidenum">
               <a:rPr lang="ko-KR" altLang="en-US" smtClean="0"/>
+              <a:t>16</a:t>
+            </a:fld>
+            <a:endParaRPr lang="ko-KR" altLang="en-US"/>
+          </a:p>
+        </p:txBody>
+      </p:sp>
+    </p:spTree>
+    <p:extLst>
+      <p:ext uri="{BB962C8B-B14F-4D97-AF65-F5344CB8AC3E}">
+        <p14:creationId xmlns:p14="http://schemas.microsoft.com/office/powerpoint/2010/main" val="883967352"/>
+      </p:ext>
+    </p:extLst>
+  </p:cSld>
+  <p:clrMapOvr>
+    <a:masterClrMapping/>
+  </p:clrMapOvr>
+</p:notes>
+</file>
+
+<file path=ppt/notesSlides/notesSlide2.xml><?xml version="1.0" encoding="utf-8"?>
+<p:notes xmlns:a="http://schemas.openxmlformats.org/drawingml/2006/main" xmlns:r="http://schemas.openxmlformats.org/officeDocument/2006/relationships" xmlns:p="http://schemas.openxmlformats.org/presentationml/2006/main">
+  <p:cSld>
+    <p:spTree>
+      <p:nvGrpSpPr>
+        <p:cNvPr id="1" name=""/>
+        <p:cNvGrpSpPr/>
+        <p:nvPr/>
+      </p:nvGrpSpPr>
+      <p:grpSpPr>
+        <a:xfrm>
+          <a:off x="0" y="0"/>
+          <a:ext cx="0" cy="0"/>
+          <a:chOff x="0" y="0"/>
+          <a:chExt cx="0" cy="0"/>
+        </a:xfrm>
+      </p:grpSpPr>
+      <p:sp>
+        <p:nvSpPr>
+          <p:cNvPr id="2" name="슬라이드 이미지 개체 틀 1"/>
+          <p:cNvSpPr>
+            <a:spLocks noGrp="1" noRot="1" noChangeAspect="1"/>
+          </p:cNvSpPr>
+          <p:nvPr>
+            <p:ph type="sldImg"/>
+          </p:nvPr>
+        </p:nvSpPr>
+        <p:spPr/>
+      </p:sp>
+      <p:sp>
+        <p:nvSpPr>
+          <p:cNvPr id="3" name="슬라이드 노트 개체 틀 2"/>
+          <p:cNvSpPr>
+            <a:spLocks noGrp="1"/>
+          </p:cNvSpPr>
+          <p:nvPr>
+            <p:ph type="body" idx="1"/>
+          </p:nvPr>
+        </p:nvSpPr>
+        <p:spPr/>
+        <p:txBody>
+          <a:bodyPr/>
+          <a:lstStyle/>
+          <a:p>
+            <a:endParaRPr lang="ko-KR" altLang="en-US" dirty="0"/>
+          </a:p>
+        </p:txBody>
+      </p:sp>
+      <p:sp>
+        <p:nvSpPr>
+          <p:cNvPr id="4" name="슬라이드 번호 개체 틀 3"/>
+          <p:cNvSpPr>
+            <a:spLocks noGrp="1"/>
+          </p:cNvSpPr>
+          <p:nvPr>
+            <p:ph type="sldNum" sz="quarter" idx="5"/>
+          </p:nvPr>
+        </p:nvSpPr>
+        <p:spPr/>
+        <p:txBody>
+          <a:bodyPr/>
+          <a:lstStyle/>
+          <a:p>
+            <a:fld id="{FC33AD2C-CCD5-4D51-AA06-8AA5DD868304}" type="slidenum">
+              <a:rPr lang="ko-KR" altLang="en-US" smtClean="0"/>
               <a:t>18</a:t>
             </a:fld>
             <a:endParaRPr lang="ko-KR" altLang="en-US"/>
@@ -712,7 +796,7 @@
           <a:p>
             <a:fld id="{62EA41C9-8537-435D-8D05-D269E4409129}" type="datetimeFigureOut">
               <a:rPr lang="ko-KR" altLang="en-US" smtClean="0"/>
-              <a:t>2023-12-06</a:t>
+              <a:t>2023-12-07</a:t>
             </a:fld>
             <a:endParaRPr lang="ko-KR" altLang="en-US"/>
           </a:p>
@@ -910,7 +994,7 @@
           <a:p>
             <a:fld id="{62EA41C9-8537-435D-8D05-D269E4409129}" type="datetimeFigureOut">
               <a:rPr lang="ko-KR" altLang="en-US" smtClean="0"/>
-              <a:t>2023-12-06</a:t>
+              <a:t>2023-12-07</a:t>
             </a:fld>
             <a:endParaRPr lang="ko-KR" altLang="en-US"/>
           </a:p>
@@ -1118,7 +1202,7 @@
           <a:p>
             <a:fld id="{62EA41C9-8537-435D-8D05-D269E4409129}" type="datetimeFigureOut">
               <a:rPr lang="ko-KR" altLang="en-US" smtClean="0"/>
-              <a:t>2023-12-06</a:t>
+              <a:t>2023-12-07</a:t>
             </a:fld>
             <a:endParaRPr lang="ko-KR" altLang="en-US"/>
           </a:p>
@@ -1316,7 +1400,7 @@
           <a:p>
             <a:fld id="{62EA41C9-8537-435D-8D05-D269E4409129}" type="datetimeFigureOut">
               <a:rPr lang="ko-KR" altLang="en-US" smtClean="0"/>
-              <a:t>2023-12-06</a:t>
+              <a:t>2023-12-07</a:t>
             </a:fld>
             <a:endParaRPr lang="ko-KR" altLang="en-US"/>
           </a:p>
@@ -1591,7 +1675,7 @@
           <a:p>
             <a:fld id="{62EA41C9-8537-435D-8D05-D269E4409129}" type="datetimeFigureOut">
               <a:rPr lang="ko-KR" altLang="en-US" smtClean="0"/>
-              <a:t>2023-12-06</a:t>
+              <a:t>2023-12-07</a:t>
             </a:fld>
             <a:endParaRPr lang="ko-KR" altLang="en-US"/>
           </a:p>
@@ -1856,7 +1940,7 @@
           <a:p>
             <a:fld id="{62EA41C9-8537-435D-8D05-D269E4409129}" type="datetimeFigureOut">
               <a:rPr lang="ko-KR" altLang="en-US" smtClean="0"/>
-              <a:t>2023-12-06</a:t>
+              <a:t>2023-12-07</a:t>
             </a:fld>
             <a:endParaRPr lang="ko-KR" altLang="en-US"/>
           </a:p>
@@ -2268,7 +2352,7 @@
           <a:p>
             <a:fld id="{62EA41C9-8537-435D-8D05-D269E4409129}" type="datetimeFigureOut">
               <a:rPr lang="ko-KR" altLang="en-US" smtClean="0"/>
-              <a:t>2023-12-06</a:t>
+              <a:t>2023-12-07</a:t>
             </a:fld>
             <a:endParaRPr lang="ko-KR" altLang="en-US"/>
           </a:p>
@@ -2409,7 +2493,7 @@
           <a:p>
             <a:fld id="{62EA41C9-8537-435D-8D05-D269E4409129}" type="datetimeFigureOut">
               <a:rPr lang="ko-KR" altLang="en-US" smtClean="0"/>
-              <a:t>2023-12-06</a:t>
+              <a:t>2023-12-07</a:t>
             </a:fld>
             <a:endParaRPr lang="ko-KR" altLang="en-US"/>
           </a:p>
@@ -2522,7 +2606,7 @@
           <a:p>
             <a:fld id="{62EA41C9-8537-435D-8D05-D269E4409129}" type="datetimeFigureOut">
               <a:rPr lang="ko-KR" altLang="en-US" smtClean="0"/>
-              <a:t>2023-12-06</a:t>
+              <a:t>2023-12-07</a:t>
             </a:fld>
             <a:endParaRPr lang="ko-KR" altLang="en-US"/>
           </a:p>
@@ -2833,7 +2917,7 @@
           <a:p>
             <a:fld id="{62EA41C9-8537-435D-8D05-D269E4409129}" type="datetimeFigureOut">
               <a:rPr lang="ko-KR" altLang="en-US" smtClean="0"/>
-              <a:t>2023-12-06</a:t>
+              <a:t>2023-12-07</a:t>
             </a:fld>
             <a:endParaRPr lang="ko-KR" altLang="en-US"/>
           </a:p>
@@ -3121,7 +3205,7 @@
           <a:p>
             <a:fld id="{62EA41C9-8537-435D-8D05-D269E4409129}" type="datetimeFigureOut">
               <a:rPr lang="ko-KR" altLang="en-US" smtClean="0"/>
-              <a:t>2023-12-06</a:t>
+              <a:t>2023-12-07</a:t>
             </a:fld>
             <a:endParaRPr lang="ko-KR" altLang="en-US"/>
           </a:p>
@@ -3362,7 +3446,7 @@
           <a:p>
             <a:fld id="{62EA41C9-8537-435D-8D05-D269E4409129}" type="datetimeFigureOut">
               <a:rPr lang="ko-KR" altLang="en-US" smtClean="0"/>
-              <a:t>2023-12-06</a:t>
+              <a:t>2023-12-07</a:t>
             </a:fld>
             <a:endParaRPr lang="ko-KR" altLang="en-US"/>
           </a:p>
@@ -4528,1341 +4612,6 @@
           <p:spPr>
             <a:xfrm>
               <a:off x="3819245" y="188165"/>
-              <a:ext cx="768159" cy="830997"/>
-            </a:xfrm>
-            <a:prstGeom prst="rect">
-              <a:avLst/>
-            </a:prstGeom>
-            <a:noFill/>
-          </p:spPr>
-          <p:txBody>
-            <a:bodyPr wrap="none" rtlCol="0">
-              <a:spAutoFit/>
-            </a:bodyPr>
-            <a:lstStyle/>
-            <a:p>
-              <a:r>
-                <a:rPr lang="en-US" altLang="ko-KR" sz="4800" b="1" dirty="0">
-                  <a:solidFill>
-                    <a:srgbClr val="64DECF"/>
-                  </a:solidFill>
-                  <a:latin typeface="KoPubWorld돋움체 Bold" panose="00000800000000000000" pitchFamily="2" charset="-127"/>
-                  <a:ea typeface="KoPubWorld돋움체 Bold" panose="00000800000000000000" pitchFamily="2" charset="-127"/>
-                  <a:cs typeface="KoPubWorld돋움체 Bold" panose="00000800000000000000" pitchFamily="2" charset="-127"/>
-                </a:rPr>
-                <a:t>02</a:t>
-              </a:r>
-              <a:endParaRPr lang="ko-KR" altLang="en-US" sz="4800" b="1" dirty="0">
-                <a:solidFill>
-                  <a:srgbClr val="64DECF"/>
-                </a:solidFill>
-                <a:latin typeface="KoPubWorld돋움체 Bold" panose="00000800000000000000" pitchFamily="2" charset="-127"/>
-                <a:ea typeface="KoPubWorld돋움체 Bold" panose="00000800000000000000" pitchFamily="2" charset="-127"/>
-                <a:cs typeface="KoPubWorld돋움체 Bold" panose="00000800000000000000" pitchFamily="2" charset="-127"/>
-              </a:endParaRPr>
-            </a:p>
-          </p:txBody>
-        </p:sp>
-      </p:grpSp>
-      <p:sp>
-        <p:nvSpPr>
-          <p:cNvPr id="37" name="TextBox 36">
-            <a:extLst>
-              <a:ext uri="{FF2B5EF4-FFF2-40B4-BE49-F238E27FC236}">
-                <a16:creationId xmlns:a16="http://schemas.microsoft.com/office/drawing/2014/main" id="{C3CAB183-DEA4-4560-B11D-01DCD66BDF6D}"/>
-              </a:ext>
-            </a:extLst>
-          </p:cNvPr>
-          <p:cNvSpPr txBox="1"/>
-          <p:nvPr/>
-        </p:nvSpPr>
-        <p:spPr>
-          <a:xfrm>
-            <a:off x="280600" y="1202720"/>
-            <a:ext cx="1877437" cy="769441"/>
-          </a:xfrm>
-          <a:prstGeom prst="rect">
-            <a:avLst/>
-          </a:prstGeom>
-          <a:noFill/>
-        </p:spPr>
-        <p:txBody>
-          <a:bodyPr wrap="none" rtlCol="0">
-            <a:spAutoFit/>
-          </a:bodyPr>
-          <a:lstStyle/>
-          <a:p>
-            <a:pPr algn="ctr"/>
-            <a:r>
-              <a:rPr lang="ko-KR" altLang="en-US" sz="4400" b="1" dirty="0">
-                <a:latin typeface="조선가는고딕" panose="02030504000101010101" pitchFamily="18" charset="-127"/>
-                <a:ea typeface="조선가는고딕" panose="02030504000101010101" pitchFamily="18" charset="-127"/>
-                <a:cs typeface="KoPubWorld돋움체 Light" panose="00000300000000000000" pitchFamily="2" charset="-127"/>
-              </a:rPr>
-              <a:t>웨이브</a:t>
-            </a:r>
-            <a:endParaRPr lang="en-US" altLang="ko-KR" sz="4400" b="1" dirty="0">
-              <a:latin typeface="조선가는고딕" panose="02030504000101010101" pitchFamily="18" charset="-127"/>
-              <a:ea typeface="조선가는고딕" panose="02030504000101010101" pitchFamily="18" charset="-127"/>
-              <a:cs typeface="KoPubWorld돋움체 Light" panose="00000300000000000000" pitchFamily="2" charset="-127"/>
-            </a:endParaRPr>
-          </a:p>
-        </p:txBody>
-      </p:sp>
-      <p:sp>
-        <p:nvSpPr>
-          <p:cNvPr id="7" name="TextBox 6">
-            <a:extLst>
-              <a:ext uri="{FF2B5EF4-FFF2-40B4-BE49-F238E27FC236}">
-                <a16:creationId xmlns:a16="http://schemas.microsoft.com/office/drawing/2014/main" id="{3F6EAAAD-B03F-3D54-F3B2-E583FAF7A25D}"/>
-              </a:ext>
-            </a:extLst>
-          </p:cNvPr>
-          <p:cNvSpPr txBox="1"/>
-          <p:nvPr/>
-        </p:nvSpPr>
-        <p:spPr>
-          <a:xfrm>
-            <a:off x="1057427" y="2331902"/>
-            <a:ext cx="6096000" cy="523220"/>
-          </a:xfrm>
-          <a:prstGeom prst="rect">
-            <a:avLst/>
-          </a:prstGeom>
-          <a:noFill/>
-        </p:spPr>
-        <p:txBody>
-          <a:bodyPr wrap="square">
-            <a:spAutoFit/>
-          </a:bodyPr>
-          <a:lstStyle/>
-          <a:p>
-            <a:r>
-              <a:rPr lang="en-US" altLang="ko-KR" sz="2800" b="1" dirty="0">
-                <a:latin typeface="조선가는고딕" panose="02030504000101010101" pitchFamily="18" charset="-127"/>
-                <a:ea typeface="조선가는고딕" panose="02030504000101010101" pitchFamily="18" charset="-127"/>
-                <a:cs typeface="KoPubWorld돋움체 Light" panose="00000300000000000000" pitchFamily="2" charset="-127"/>
-              </a:rPr>
-              <a:t>1</a:t>
-            </a:r>
-            <a:r>
-              <a:rPr lang="ko-KR" altLang="en-US" sz="2800" b="1" dirty="0">
-                <a:latin typeface="조선가는고딕" panose="02030504000101010101" pitchFamily="18" charset="-127"/>
-                <a:ea typeface="조선가는고딕" panose="02030504000101010101" pitchFamily="18" charset="-127"/>
-                <a:cs typeface="KoPubWorld돋움체 Light" panose="00000300000000000000" pitchFamily="2" charset="-127"/>
-              </a:rPr>
-              <a:t>번째</a:t>
-            </a:r>
-            <a:r>
-              <a:rPr lang="en-US" altLang="ko-KR" sz="2800" b="1" dirty="0">
-                <a:latin typeface="조선가는고딕" panose="02030504000101010101" pitchFamily="18" charset="-127"/>
-                <a:ea typeface="조선가는고딕" panose="02030504000101010101" pitchFamily="18" charset="-127"/>
-                <a:cs typeface="KoPubWorld돋움체 Light" panose="00000300000000000000" pitchFamily="2" charset="-127"/>
-              </a:rPr>
-              <a:t> </a:t>
-            </a:r>
-            <a:r>
-              <a:rPr lang="ko-KR" altLang="en-US" sz="2800" b="1" dirty="0">
-                <a:latin typeface="조선가는고딕" panose="02030504000101010101" pitchFamily="18" charset="-127"/>
-                <a:ea typeface="조선가는고딕" panose="02030504000101010101" pitchFamily="18" charset="-127"/>
-                <a:cs typeface="KoPubWorld돋움체 Light" panose="00000300000000000000" pitchFamily="2" charset="-127"/>
-              </a:rPr>
-              <a:t>웨이브</a:t>
-            </a:r>
-            <a:r>
-              <a:rPr lang="en-US" altLang="ko-KR" sz="2800" b="1" dirty="0">
-                <a:latin typeface="조선가는고딕" panose="02030504000101010101" pitchFamily="18" charset="-127"/>
-                <a:ea typeface="조선가는고딕" panose="02030504000101010101" pitchFamily="18" charset="-127"/>
-                <a:cs typeface="KoPubWorld돋움체 Light" panose="00000300000000000000" pitchFamily="2" charset="-127"/>
-              </a:rPr>
-              <a:t>: 200</a:t>
-            </a:r>
-            <a:r>
-              <a:rPr lang="ko-KR" altLang="en-US" sz="2800" b="1" dirty="0">
-                <a:latin typeface="조선가는고딕" panose="02030504000101010101" pitchFamily="18" charset="-127"/>
-                <a:ea typeface="조선가는고딕" panose="02030504000101010101" pitchFamily="18" charset="-127"/>
-                <a:cs typeface="KoPubWorld돋움체 Light" panose="00000300000000000000" pitchFamily="2" charset="-127"/>
-              </a:rPr>
-              <a:t>마리</a:t>
-            </a:r>
-            <a:endParaRPr lang="en-US" altLang="ko-KR" sz="2800" b="1" dirty="0">
-              <a:latin typeface="조선가는고딕" panose="02030504000101010101" pitchFamily="18" charset="-127"/>
-              <a:ea typeface="조선가는고딕" panose="02030504000101010101" pitchFamily="18" charset="-127"/>
-              <a:cs typeface="KoPubWorld돋움체 Light" panose="00000300000000000000" pitchFamily="2" charset="-127"/>
-            </a:endParaRPr>
-          </a:p>
-        </p:txBody>
-      </p:sp>
-      <p:sp>
-        <p:nvSpPr>
-          <p:cNvPr id="2" name="TextBox 1">
-            <a:extLst>
-              <a:ext uri="{FF2B5EF4-FFF2-40B4-BE49-F238E27FC236}">
-                <a16:creationId xmlns:a16="http://schemas.microsoft.com/office/drawing/2014/main" id="{1244ED5F-291A-222B-65B7-BB0313AD1C62}"/>
-              </a:ext>
-            </a:extLst>
-          </p:cNvPr>
-          <p:cNvSpPr txBox="1"/>
-          <p:nvPr/>
-        </p:nvSpPr>
-        <p:spPr>
-          <a:xfrm>
-            <a:off x="1057427" y="3066331"/>
-            <a:ext cx="6096000" cy="523220"/>
-          </a:xfrm>
-          <a:prstGeom prst="rect">
-            <a:avLst/>
-          </a:prstGeom>
-          <a:noFill/>
-        </p:spPr>
-        <p:txBody>
-          <a:bodyPr wrap="square">
-            <a:spAutoFit/>
-          </a:bodyPr>
-          <a:lstStyle/>
-          <a:p>
-            <a:r>
-              <a:rPr lang="en-US" altLang="ko-KR" sz="2800" b="1" dirty="0">
-                <a:latin typeface="조선가는고딕" panose="02030504000101010101" pitchFamily="18" charset="-127"/>
-                <a:ea typeface="조선가는고딕" panose="02030504000101010101" pitchFamily="18" charset="-127"/>
-                <a:cs typeface="KoPubWorld돋움체 Light" panose="00000300000000000000" pitchFamily="2" charset="-127"/>
-              </a:rPr>
-              <a:t>2</a:t>
-            </a:r>
-            <a:r>
-              <a:rPr lang="ko-KR" altLang="en-US" sz="2800" b="1" dirty="0">
-                <a:latin typeface="조선가는고딕" panose="02030504000101010101" pitchFamily="18" charset="-127"/>
-                <a:ea typeface="조선가는고딕" panose="02030504000101010101" pitchFamily="18" charset="-127"/>
-                <a:cs typeface="KoPubWorld돋움체 Light" panose="00000300000000000000" pitchFamily="2" charset="-127"/>
-              </a:rPr>
-              <a:t>번째</a:t>
-            </a:r>
-            <a:r>
-              <a:rPr lang="en-US" altLang="ko-KR" sz="2800" b="1" dirty="0">
-                <a:latin typeface="조선가는고딕" panose="02030504000101010101" pitchFamily="18" charset="-127"/>
-                <a:ea typeface="조선가는고딕" panose="02030504000101010101" pitchFamily="18" charset="-127"/>
-                <a:cs typeface="KoPubWorld돋움체 Light" panose="00000300000000000000" pitchFamily="2" charset="-127"/>
-              </a:rPr>
-              <a:t> </a:t>
-            </a:r>
-            <a:r>
-              <a:rPr lang="ko-KR" altLang="en-US" sz="2800" b="1" dirty="0">
-                <a:latin typeface="조선가는고딕" panose="02030504000101010101" pitchFamily="18" charset="-127"/>
-                <a:ea typeface="조선가는고딕" panose="02030504000101010101" pitchFamily="18" charset="-127"/>
-                <a:cs typeface="KoPubWorld돋움체 Light" panose="00000300000000000000" pitchFamily="2" charset="-127"/>
-              </a:rPr>
-              <a:t>웨이브</a:t>
-            </a:r>
-            <a:r>
-              <a:rPr lang="en-US" altLang="ko-KR" sz="2800" b="1" dirty="0">
-                <a:latin typeface="조선가는고딕" panose="02030504000101010101" pitchFamily="18" charset="-127"/>
-                <a:ea typeface="조선가는고딕" panose="02030504000101010101" pitchFamily="18" charset="-127"/>
-                <a:cs typeface="KoPubWorld돋움체 Light" panose="00000300000000000000" pitchFamily="2" charset="-127"/>
-              </a:rPr>
-              <a:t>: 400</a:t>
-            </a:r>
-            <a:r>
-              <a:rPr lang="ko-KR" altLang="en-US" sz="2800" b="1" dirty="0">
-                <a:latin typeface="조선가는고딕" panose="02030504000101010101" pitchFamily="18" charset="-127"/>
-                <a:ea typeface="조선가는고딕" panose="02030504000101010101" pitchFamily="18" charset="-127"/>
-                <a:cs typeface="KoPubWorld돋움체 Light" panose="00000300000000000000" pitchFamily="2" charset="-127"/>
-              </a:rPr>
-              <a:t>마리</a:t>
-            </a:r>
-            <a:endParaRPr lang="en-US" altLang="ko-KR" sz="2800" b="1" dirty="0">
-              <a:latin typeface="조선가는고딕" panose="02030504000101010101" pitchFamily="18" charset="-127"/>
-              <a:ea typeface="조선가는고딕" panose="02030504000101010101" pitchFamily="18" charset="-127"/>
-              <a:cs typeface="KoPubWorld돋움체 Light" panose="00000300000000000000" pitchFamily="2" charset="-127"/>
-            </a:endParaRPr>
-          </a:p>
-        </p:txBody>
-      </p:sp>
-      <p:sp>
-        <p:nvSpPr>
-          <p:cNvPr id="9" name="TextBox 8">
-            <a:extLst>
-              <a:ext uri="{FF2B5EF4-FFF2-40B4-BE49-F238E27FC236}">
-                <a16:creationId xmlns:a16="http://schemas.microsoft.com/office/drawing/2014/main" id="{94D4D8B3-8FF6-B4FE-905C-32647A6F2357}"/>
-              </a:ext>
-            </a:extLst>
-          </p:cNvPr>
-          <p:cNvSpPr txBox="1"/>
-          <p:nvPr/>
-        </p:nvSpPr>
-        <p:spPr>
-          <a:xfrm>
-            <a:off x="1057427" y="3800760"/>
-            <a:ext cx="6096000" cy="523220"/>
-          </a:xfrm>
-          <a:prstGeom prst="rect">
-            <a:avLst/>
-          </a:prstGeom>
-          <a:noFill/>
-        </p:spPr>
-        <p:txBody>
-          <a:bodyPr wrap="square">
-            <a:spAutoFit/>
-          </a:bodyPr>
-          <a:lstStyle/>
-          <a:p>
-            <a:r>
-              <a:rPr lang="en-US" altLang="ko-KR" sz="2800" b="1" dirty="0">
-                <a:latin typeface="조선가는고딕" panose="02030504000101010101" pitchFamily="18" charset="-127"/>
-                <a:ea typeface="조선가는고딕" panose="02030504000101010101" pitchFamily="18" charset="-127"/>
-                <a:cs typeface="KoPubWorld돋움체 Light" panose="00000300000000000000" pitchFamily="2" charset="-127"/>
-              </a:rPr>
-              <a:t>3</a:t>
-            </a:r>
-            <a:r>
-              <a:rPr lang="ko-KR" altLang="en-US" sz="2800" b="1" dirty="0">
-                <a:latin typeface="조선가는고딕" panose="02030504000101010101" pitchFamily="18" charset="-127"/>
-                <a:ea typeface="조선가는고딕" panose="02030504000101010101" pitchFamily="18" charset="-127"/>
-                <a:cs typeface="KoPubWorld돋움체 Light" panose="00000300000000000000" pitchFamily="2" charset="-127"/>
-              </a:rPr>
-              <a:t>번째</a:t>
-            </a:r>
-            <a:r>
-              <a:rPr lang="en-US" altLang="ko-KR" sz="2800" b="1" dirty="0">
-                <a:latin typeface="조선가는고딕" panose="02030504000101010101" pitchFamily="18" charset="-127"/>
-                <a:ea typeface="조선가는고딕" panose="02030504000101010101" pitchFamily="18" charset="-127"/>
-                <a:cs typeface="KoPubWorld돋움체 Light" panose="00000300000000000000" pitchFamily="2" charset="-127"/>
-              </a:rPr>
-              <a:t> </a:t>
-            </a:r>
-            <a:r>
-              <a:rPr lang="ko-KR" altLang="en-US" sz="2800" b="1" dirty="0">
-                <a:latin typeface="조선가는고딕" panose="02030504000101010101" pitchFamily="18" charset="-127"/>
-                <a:ea typeface="조선가는고딕" panose="02030504000101010101" pitchFamily="18" charset="-127"/>
-                <a:cs typeface="KoPubWorld돋움체 Light" panose="00000300000000000000" pitchFamily="2" charset="-127"/>
-              </a:rPr>
-              <a:t>웨이브</a:t>
-            </a:r>
-            <a:r>
-              <a:rPr lang="en-US" altLang="ko-KR" sz="2800" b="1" dirty="0">
-                <a:latin typeface="조선가는고딕" panose="02030504000101010101" pitchFamily="18" charset="-127"/>
-                <a:ea typeface="조선가는고딕" panose="02030504000101010101" pitchFamily="18" charset="-127"/>
-                <a:cs typeface="KoPubWorld돋움체 Light" panose="00000300000000000000" pitchFamily="2" charset="-127"/>
-              </a:rPr>
-              <a:t>: 600</a:t>
-            </a:r>
-            <a:r>
-              <a:rPr lang="ko-KR" altLang="en-US" sz="2800" b="1" dirty="0">
-                <a:latin typeface="조선가는고딕" panose="02030504000101010101" pitchFamily="18" charset="-127"/>
-                <a:ea typeface="조선가는고딕" panose="02030504000101010101" pitchFamily="18" charset="-127"/>
-                <a:cs typeface="KoPubWorld돋움체 Light" panose="00000300000000000000" pitchFamily="2" charset="-127"/>
-              </a:rPr>
-              <a:t>마리</a:t>
-            </a:r>
-            <a:endParaRPr lang="en-US" altLang="ko-KR" sz="2800" b="1" dirty="0">
-              <a:latin typeface="조선가는고딕" panose="02030504000101010101" pitchFamily="18" charset="-127"/>
-              <a:ea typeface="조선가는고딕" panose="02030504000101010101" pitchFamily="18" charset="-127"/>
-              <a:cs typeface="KoPubWorld돋움체 Light" panose="00000300000000000000" pitchFamily="2" charset="-127"/>
-            </a:endParaRPr>
-          </a:p>
-        </p:txBody>
-      </p:sp>
-      <p:sp>
-        <p:nvSpPr>
-          <p:cNvPr id="11" name="TextBox 10">
-            <a:extLst>
-              <a:ext uri="{FF2B5EF4-FFF2-40B4-BE49-F238E27FC236}">
-                <a16:creationId xmlns:a16="http://schemas.microsoft.com/office/drawing/2014/main" id="{6328FB1C-78A5-5789-5E33-F41528FF10FD}"/>
-              </a:ext>
-            </a:extLst>
-          </p:cNvPr>
-          <p:cNvSpPr txBox="1"/>
-          <p:nvPr/>
-        </p:nvSpPr>
-        <p:spPr>
-          <a:xfrm>
-            <a:off x="1057427" y="4566917"/>
-            <a:ext cx="6096000" cy="523220"/>
-          </a:xfrm>
-          <a:prstGeom prst="rect">
-            <a:avLst/>
-          </a:prstGeom>
-          <a:noFill/>
-        </p:spPr>
-        <p:txBody>
-          <a:bodyPr wrap="square">
-            <a:spAutoFit/>
-          </a:bodyPr>
-          <a:lstStyle/>
-          <a:p>
-            <a:r>
-              <a:rPr lang="en-US" altLang="ko-KR" sz="2800" b="1" dirty="0">
-                <a:latin typeface="조선가는고딕" panose="02030504000101010101" pitchFamily="18" charset="-127"/>
-                <a:ea typeface="조선가는고딕" panose="02030504000101010101" pitchFamily="18" charset="-127"/>
-                <a:cs typeface="KoPubWorld돋움체 Light" panose="00000300000000000000" pitchFamily="2" charset="-127"/>
-              </a:rPr>
-              <a:t>4</a:t>
-            </a:r>
-            <a:r>
-              <a:rPr lang="ko-KR" altLang="en-US" sz="2800" b="1" dirty="0">
-                <a:latin typeface="조선가는고딕" panose="02030504000101010101" pitchFamily="18" charset="-127"/>
-                <a:ea typeface="조선가는고딕" panose="02030504000101010101" pitchFamily="18" charset="-127"/>
-                <a:cs typeface="KoPubWorld돋움체 Light" panose="00000300000000000000" pitchFamily="2" charset="-127"/>
-              </a:rPr>
-              <a:t>번째</a:t>
-            </a:r>
-            <a:r>
-              <a:rPr lang="en-US" altLang="ko-KR" sz="2800" b="1" dirty="0">
-                <a:latin typeface="조선가는고딕" panose="02030504000101010101" pitchFamily="18" charset="-127"/>
-                <a:ea typeface="조선가는고딕" panose="02030504000101010101" pitchFamily="18" charset="-127"/>
-                <a:cs typeface="KoPubWorld돋움체 Light" panose="00000300000000000000" pitchFamily="2" charset="-127"/>
-              </a:rPr>
-              <a:t> </a:t>
-            </a:r>
-            <a:r>
-              <a:rPr lang="ko-KR" altLang="en-US" sz="2800" b="1" dirty="0">
-                <a:latin typeface="조선가는고딕" panose="02030504000101010101" pitchFamily="18" charset="-127"/>
-                <a:ea typeface="조선가는고딕" panose="02030504000101010101" pitchFamily="18" charset="-127"/>
-                <a:cs typeface="KoPubWorld돋움체 Light" panose="00000300000000000000" pitchFamily="2" charset="-127"/>
-              </a:rPr>
-              <a:t>웨이브</a:t>
-            </a:r>
-            <a:r>
-              <a:rPr lang="en-US" altLang="ko-KR" sz="2800" b="1" dirty="0">
-                <a:latin typeface="조선가는고딕" panose="02030504000101010101" pitchFamily="18" charset="-127"/>
-                <a:ea typeface="조선가는고딕" panose="02030504000101010101" pitchFamily="18" charset="-127"/>
-                <a:cs typeface="KoPubWorld돋움체 Light" panose="00000300000000000000" pitchFamily="2" charset="-127"/>
-              </a:rPr>
-              <a:t>: 800</a:t>
-            </a:r>
-            <a:r>
-              <a:rPr lang="ko-KR" altLang="en-US" sz="2800" b="1" dirty="0">
-                <a:latin typeface="조선가는고딕" panose="02030504000101010101" pitchFamily="18" charset="-127"/>
-                <a:ea typeface="조선가는고딕" panose="02030504000101010101" pitchFamily="18" charset="-127"/>
-                <a:cs typeface="KoPubWorld돋움체 Light" panose="00000300000000000000" pitchFamily="2" charset="-127"/>
-              </a:rPr>
-              <a:t>마리</a:t>
-            </a:r>
-            <a:endParaRPr lang="en-US" altLang="ko-KR" sz="2800" b="1" dirty="0">
-              <a:latin typeface="조선가는고딕" panose="02030504000101010101" pitchFamily="18" charset="-127"/>
-              <a:ea typeface="조선가는고딕" panose="02030504000101010101" pitchFamily="18" charset="-127"/>
-              <a:cs typeface="KoPubWorld돋움체 Light" panose="00000300000000000000" pitchFamily="2" charset="-127"/>
-            </a:endParaRPr>
-          </a:p>
-        </p:txBody>
-      </p:sp>
-      <p:sp>
-        <p:nvSpPr>
-          <p:cNvPr id="12" name="TextBox 11">
-            <a:extLst>
-              <a:ext uri="{FF2B5EF4-FFF2-40B4-BE49-F238E27FC236}">
-                <a16:creationId xmlns:a16="http://schemas.microsoft.com/office/drawing/2014/main" id="{2C81FF78-14DE-ADB1-25A7-C90407028ABD}"/>
-              </a:ext>
-            </a:extLst>
-          </p:cNvPr>
-          <p:cNvSpPr txBox="1"/>
-          <p:nvPr/>
-        </p:nvSpPr>
-        <p:spPr>
-          <a:xfrm>
-            <a:off x="1057427" y="5393670"/>
-            <a:ext cx="6096000" cy="523220"/>
-          </a:xfrm>
-          <a:prstGeom prst="rect">
-            <a:avLst/>
-          </a:prstGeom>
-          <a:noFill/>
-        </p:spPr>
-        <p:txBody>
-          <a:bodyPr wrap="square">
-            <a:spAutoFit/>
-          </a:bodyPr>
-          <a:lstStyle/>
-          <a:p>
-            <a:r>
-              <a:rPr lang="en-US" altLang="ko-KR" sz="2800" b="1" dirty="0">
-                <a:latin typeface="조선가는고딕" panose="02030504000101010101" pitchFamily="18" charset="-127"/>
-                <a:ea typeface="조선가는고딕" panose="02030504000101010101" pitchFamily="18" charset="-127"/>
-                <a:cs typeface="KoPubWorld돋움체 Light" panose="00000300000000000000" pitchFamily="2" charset="-127"/>
-              </a:rPr>
-              <a:t>5</a:t>
-            </a:r>
-            <a:r>
-              <a:rPr lang="ko-KR" altLang="en-US" sz="2800" b="1" dirty="0">
-                <a:latin typeface="조선가는고딕" panose="02030504000101010101" pitchFamily="18" charset="-127"/>
-                <a:ea typeface="조선가는고딕" panose="02030504000101010101" pitchFamily="18" charset="-127"/>
-                <a:cs typeface="KoPubWorld돋움체 Light" panose="00000300000000000000" pitchFamily="2" charset="-127"/>
-              </a:rPr>
-              <a:t>번째</a:t>
-            </a:r>
-            <a:r>
-              <a:rPr lang="en-US" altLang="ko-KR" sz="2800" b="1" dirty="0">
-                <a:latin typeface="조선가는고딕" panose="02030504000101010101" pitchFamily="18" charset="-127"/>
-                <a:ea typeface="조선가는고딕" panose="02030504000101010101" pitchFamily="18" charset="-127"/>
-                <a:cs typeface="KoPubWorld돋움체 Light" panose="00000300000000000000" pitchFamily="2" charset="-127"/>
-              </a:rPr>
-              <a:t> </a:t>
-            </a:r>
-            <a:r>
-              <a:rPr lang="ko-KR" altLang="en-US" sz="2800" b="1" dirty="0">
-                <a:latin typeface="조선가는고딕" panose="02030504000101010101" pitchFamily="18" charset="-127"/>
-                <a:ea typeface="조선가는고딕" panose="02030504000101010101" pitchFamily="18" charset="-127"/>
-                <a:cs typeface="KoPubWorld돋움체 Light" panose="00000300000000000000" pitchFamily="2" charset="-127"/>
-              </a:rPr>
-              <a:t>웨이브</a:t>
-            </a:r>
-            <a:r>
-              <a:rPr lang="en-US" altLang="ko-KR" sz="2800" b="1" dirty="0">
-                <a:latin typeface="조선가는고딕" panose="02030504000101010101" pitchFamily="18" charset="-127"/>
-                <a:ea typeface="조선가는고딕" panose="02030504000101010101" pitchFamily="18" charset="-127"/>
-                <a:cs typeface="KoPubWorld돋움체 Light" panose="00000300000000000000" pitchFamily="2" charset="-127"/>
-              </a:rPr>
-              <a:t>: 1000</a:t>
-            </a:r>
-            <a:r>
-              <a:rPr lang="ko-KR" altLang="en-US" sz="2800" b="1" dirty="0">
-                <a:latin typeface="조선가는고딕" panose="02030504000101010101" pitchFamily="18" charset="-127"/>
-                <a:ea typeface="조선가는고딕" panose="02030504000101010101" pitchFamily="18" charset="-127"/>
-                <a:cs typeface="KoPubWorld돋움체 Light" panose="00000300000000000000" pitchFamily="2" charset="-127"/>
-              </a:rPr>
-              <a:t>마리</a:t>
-            </a:r>
-            <a:endParaRPr lang="en-US" altLang="ko-KR" sz="2800" b="1" dirty="0">
-              <a:latin typeface="조선가는고딕" panose="02030504000101010101" pitchFamily="18" charset="-127"/>
-              <a:ea typeface="조선가는고딕" panose="02030504000101010101" pitchFamily="18" charset="-127"/>
-              <a:cs typeface="KoPubWorld돋움체 Light" panose="00000300000000000000" pitchFamily="2" charset="-127"/>
-            </a:endParaRPr>
-          </a:p>
-        </p:txBody>
-      </p:sp>
-      <p:sp>
-        <p:nvSpPr>
-          <p:cNvPr id="14" name="화살표: 오른쪽 13">
-            <a:extLst>
-              <a:ext uri="{FF2B5EF4-FFF2-40B4-BE49-F238E27FC236}">
-                <a16:creationId xmlns:a16="http://schemas.microsoft.com/office/drawing/2014/main" id="{8689E97D-495D-EE4A-BF13-C1205A881B21}"/>
-              </a:ext>
-            </a:extLst>
-          </p:cNvPr>
-          <p:cNvSpPr/>
-          <p:nvPr/>
-        </p:nvSpPr>
-        <p:spPr>
-          <a:xfrm>
-            <a:off x="4971392" y="3998574"/>
-            <a:ext cx="1424121" cy="127591"/>
-          </a:xfrm>
-          <a:prstGeom prst="rightArrow">
-            <a:avLst/>
-          </a:prstGeom>
-        </p:spPr>
-        <p:style>
-          <a:lnRef idx="2">
-            <a:schemeClr val="dk1">
-              <a:shade val="15000"/>
-            </a:schemeClr>
-          </a:lnRef>
-          <a:fillRef idx="1">
-            <a:schemeClr val="dk1"/>
-          </a:fillRef>
-          <a:effectRef idx="0">
-            <a:schemeClr val="dk1"/>
-          </a:effectRef>
-          <a:fontRef idx="minor">
-            <a:schemeClr val="lt1"/>
-          </a:fontRef>
-        </p:style>
-        <p:txBody>
-          <a:bodyPr rtlCol="0" anchor="ctr"/>
-          <a:lstStyle/>
-          <a:p>
-            <a:pPr algn="ctr"/>
-            <a:endParaRPr lang="ko-KR" altLang="en-US" dirty="0"/>
-          </a:p>
-        </p:txBody>
-      </p:sp>
-      <p:sp>
-        <p:nvSpPr>
-          <p:cNvPr id="15" name="TextBox 14">
-            <a:extLst>
-              <a:ext uri="{FF2B5EF4-FFF2-40B4-BE49-F238E27FC236}">
-                <a16:creationId xmlns:a16="http://schemas.microsoft.com/office/drawing/2014/main" id="{0537441A-8623-832D-9F43-E3BE3F376C1C}"/>
-              </a:ext>
-            </a:extLst>
-          </p:cNvPr>
-          <p:cNvSpPr txBox="1"/>
-          <p:nvPr/>
-        </p:nvSpPr>
-        <p:spPr>
-          <a:xfrm>
-            <a:off x="6518516" y="3792713"/>
-            <a:ext cx="3724182" cy="523220"/>
-          </a:xfrm>
-          <a:prstGeom prst="rect">
-            <a:avLst/>
-          </a:prstGeom>
-          <a:noFill/>
-        </p:spPr>
-        <p:txBody>
-          <a:bodyPr wrap="square">
-            <a:spAutoFit/>
-          </a:bodyPr>
-          <a:lstStyle/>
-          <a:p>
-            <a:r>
-              <a:rPr lang="ko-KR" altLang="en-US" sz="2800" b="1" dirty="0">
-                <a:latin typeface="조선가는고딕" panose="02030504000101010101" pitchFamily="18" charset="-127"/>
-                <a:ea typeface="조선가는고딕" panose="02030504000101010101" pitchFamily="18" charset="-127"/>
-                <a:cs typeface="KoPubWorld돋움체 Light" panose="00000300000000000000" pitchFamily="2" charset="-127"/>
-              </a:rPr>
-              <a:t>투명한 적 등장 시작</a:t>
-            </a:r>
-            <a:endParaRPr lang="en-US" altLang="ko-KR" sz="2800" b="1" dirty="0">
-              <a:latin typeface="조선가는고딕" panose="02030504000101010101" pitchFamily="18" charset="-127"/>
-              <a:ea typeface="조선가는고딕" panose="02030504000101010101" pitchFamily="18" charset="-127"/>
-              <a:cs typeface="KoPubWorld돋움체 Light" panose="00000300000000000000" pitchFamily="2" charset="-127"/>
-            </a:endParaRPr>
-          </a:p>
-        </p:txBody>
-      </p:sp>
-      <p:sp>
-        <p:nvSpPr>
-          <p:cNvPr id="22" name="화살표: U자형 21">
-            <a:extLst>
-              <a:ext uri="{FF2B5EF4-FFF2-40B4-BE49-F238E27FC236}">
-                <a16:creationId xmlns:a16="http://schemas.microsoft.com/office/drawing/2014/main" id="{51967078-3BAA-4704-2B11-B783D7B15B52}"/>
-              </a:ext>
-            </a:extLst>
-          </p:cNvPr>
-          <p:cNvSpPr/>
-          <p:nvPr/>
-        </p:nvSpPr>
-        <p:spPr>
-          <a:xfrm rot="5400000" flipV="1">
-            <a:off x="497825" y="2736318"/>
-            <a:ext cx="769441" cy="349763"/>
-          </a:xfrm>
-          <a:prstGeom prst="uturnArrow">
-            <a:avLst>
-              <a:gd name="adj1" fmla="val 25000"/>
-              <a:gd name="adj2" fmla="val 25000"/>
-              <a:gd name="adj3" fmla="val 25000"/>
-              <a:gd name="adj4" fmla="val 43750"/>
-              <a:gd name="adj5" fmla="val 100000"/>
-            </a:avLst>
-          </a:prstGeom>
-        </p:spPr>
-        <p:style>
-          <a:lnRef idx="2">
-            <a:schemeClr val="dk1">
-              <a:shade val="15000"/>
-            </a:schemeClr>
-          </a:lnRef>
-          <a:fillRef idx="1">
-            <a:schemeClr val="dk1"/>
-          </a:fillRef>
-          <a:effectRef idx="0">
-            <a:schemeClr val="dk1"/>
-          </a:effectRef>
-          <a:fontRef idx="minor">
-            <a:schemeClr val="lt1"/>
-          </a:fontRef>
-        </p:style>
-        <p:txBody>
-          <a:bodyPr rtlCol="0" anchor="ctr"/>
-          <a:lstStyle/>
-          <a:p>
-            <a:pPr algn="ctr"/>
-            <a:endParaRPr lang="ko-KR" altLang="en-US">
-              <a:solidFill>
-                <a:schemeClr val="tx1"/>
-              </a:solidFill>
-            </a:endParaRPr>
-          </a:p>
-        </p:txBody>
-      </p:sp>
-      <p:sp>
-        <p:nvSpPr>
-          <p:cNvPr id="26" name="화살표: U자형 25">
-            <a:extLst>
-              <a:ext uri="{FF2B5EF4-FFF2-40B4-BE49-F238E27FC236}">
-                <a16:creationId xmlns:a16="http://schemas.microsoft.com/office/drawing/2014/main" id="{5D65DE44-4801-9332-272D-9995234DCB29}"/>
-              </a:ext>
-            </a:extLst>
-          </p:cNvPr>
-          <p:cNvSpPr/>
-          <p:nvPr/>
-        </p:nvSpPr>
-        <p:spPr>
-          <a:xfrm rot="5400000" flipV="1">
-            <a:off x="497825" y="3572645"/>
-            <a:ext cx="769441" cy="349763"/>
-          </a:xfrm>
-          <a:prstGeom prst="uturnArrow">
-            <a:avLst>
-              <a:gd name="adj1" fmla="val 25000"/>
-              <a:gd name="adj2" fmla="val 25000"/>
-              <a:gd name="adj3" fmla="val 25000"/>
-              <a:gd name="adj4" fmla="val 43750"/>
-              <a:gd name="adj5" fmla="val 100000"/>
-            </a:avLst>
-          </a:prstGeom>
-        </p:spPr>
-        <p:style>
-          <a:lnRef idx="2">
-            <a:schemeClr val="dk1">
-              <a:shade val="15000"/>
-            </a:schemeClr>
-          </a:lnRef>
-          <a:fillRef idx="1">
-            <a:schemeClr val="dk1"/>
-          </a:fillRef>
-          <a:effectRef idx="0">
-            <a:schemeClr val="dk1"/>
-          </a:effectRef>
-          <a:fontRef idx="minor">
-            <a:schemeClr val="lt1"/>
-          </a:fontRef>
-        </p:style>
-        <p:txBody>
-          <a:bodyPr rtlCol="0" anchor="ctr"/>
-          <a:lstStyle/>
-          <a:p>
-            <a:pPr algn="ctr"/>
-            <a:endParaRPr lang="ko-KR" altLang="en-US">
-              <a:solidFill>
-                <a:schemeClr val="tx1"/>
-              </a:solidFill>
-            </a:endParaRPr>
-          </a:p>
-        </p:txBody>
-      </p:sp>
-      <p:sp>
-        <p:nvSpPr>
-          <p:cNvPr id="27" name="화살표: U자형 26">
-            <a:extLst>
-              <a:ext uri="{FF2B5EF4-FFF2-40B4-BE49-F238E27FC236}">
-                <a16:creationId xmlns:a16="http://schemas.microsoft.com/office/drawing/2014/main" id="{78014BA0-B0DB-9CC0-27FD-7603D2677164}"/>
-              </a:ext>
-            </a:extLst>
-          </p:cNvPr>
-          <p:cNvSpPr/>
-          <p:nvPr/>
-        </p:nvSpPr>
-        <p:spPr>
-          <a:xfrm rot="5400000" flipV="1">
-            <a:off x="509834" y="4409327"/>
-            <a:ext cx="769441" cy="349763"/>
-          </a:xfrm>
-          <a:prstGeom prst="uturnArrow">
-            <a:avLst>
-              <a:gd name="adj1" fmla="val 25000"/>
-              <a:gd name="adj2" fmla="val 25000"/>
-              <a:gd name="adj3" fmla="val 25000"/>
-              <a:gd name="adj4" fmla="val 43750"/>
-              <a:gd name="adj5" fmla="val 100000"/>
-            </a:avLst>
-          </a:prstGeom>
-        </p:spPr>
-        <p:style>
-          <a:lnRef idx="2">
-            <a:schemeClr val="dk1">
-              <a:shade val="15000"/>
-            </a:schemeClr>
-          </a:lnRef>
-          <a:fillRef idx="1">
-            <a:schemeClr val="dk1"/>
-          </a:fillRef>
-          <a:effectRef idx="0">
-            <a:schemeClr val="dk1"/>
-          </a:effectRef>
-          <a:fontRef idx="minor">
-            <a:schemeClr val="lt1"/>
-          </a:fontRef>
-        </p:style>
-        <p:txBody>
-          <a:bodyPr rtlCol="0" anchor="ctr"/>
-          <a:lstStyle/>
-          <a:p>
-            <a:pPr algn="ctr"/>
-            <a:endParaRPr lang="ko-KR" altLang="en-US">
-              <a:solidFill>
-                <a:schemeClr val="tx1"/>
-              </a:solidFill>
-            </a:endParaRPr>
-          </a:p>
-        </p:txBody>
-      </p:sp>
-      <p:sp>
-        <p:nvSpPr>
-          <p:cNvPr id="28" name="화살표: U자형 27">
-            <a:extLst>
-              <a:ext uri="{FF2B5EF4-FFF2-40B4-BE49-F238E27FC236}">
-                <a16:creationId xmlns:a16="http://schemas.microsoft.com/office/drawing/2014/main" id="{6B0E4FD5-9000-F41C-DB52-D35024C55167}"/>
-              </a:ext>
-            </a:extLst>
-          </p:cNvPr>
-          <p:cNvSpPr/>
-          <p:nvPr/>
-        </p:nvSpPr>
-        <p:spPr>
-          <a:xfrm rot="5400000" flipV="1">
-            <a:off x="515749" y="5219695"/>
-            <a:ext cx="769441" cy="349763"/>
-          </a:xfrm>
-          <a:prstGeom prst="uturnArrow">
-            <a:avLst>
-              <a:gd name="adj1" fmla="val 25000"/>
-              <a:gd name="adj2" fmla="val 25000"/>
-              <a:gd name="adj3" fmla="val 25000"/>
-              <a:gd name="adj4" fmla="val 43750"/>
-              <a:gd name="adj5" fmla="val 100000"/>
-            </a:avLst>
-          </a:prstGeom>
-        </p:spPr>
-        <p:style>
-          <a:lnRef idx="2">
-            <a:schemeClr val="dk1">
-              <a:shade val="15000"/>
-            </a:schemeClr>
-          </a:lnRef>
-          <a:fillRef idx="1">
-            <a:schemeClr val="dk1"/>
-          </a:fillRef>
-          <a:effectRef idx="0">
-            <a:schemeClr val="dk1"/>
-          </a:effectRef>
-          <a:fontRef idx="minor">
-            <a:schemeClr val="lt1"/>
-          </a:fontRef>
-        </p:style>
-        <p:txBody>
-          <a:bodyPr rtlCol="0" anchor="ctr"/>
-          <a:lstStyle/>
-          <a:p>
-            <a:pPr algn="ctr"/>
-            <a:endParaRPr lang="ko-KR" altLang="en-US">
-              <a:solidFill>
-                <a:schemeClr val="tx1"/>
-              </a:solidFill>
-            </a:endParaRPr>
-          </a:p>
-        </p:txBody>
-      </p:sp>
-      <p:sp>
-        <p:nvSpPr>
-          <p:cNvPr id="29" name="TextBox 28">
-            <a:extLst>
-              <a:ext uri="{FF2B5EF4-FFF2-40B4-BE49-F238E27FC236}">
-                <a16:creationId xmlns:a16="http://schemas.microsoft.com/office/drawing/2014/main" id="{0B090EBD-4D56-C8B5-C856-D3194CF536DC}"/>
-              </a:ext>
-            </a:extLst>
-          </p:cNvPr>
-          <p:cNvSpPr txBox="1"/>
-          <p:nvPr/>
-        </p:nvSpPr>
-        <p:spPr>
-          <a:xfrm>
-            <a:off x="0" y="2640222"/>
-            <a:ext cx="789094" cy="523220"/>
-          </a:xfrm>
-          <a:prstGeom prst="rect">
-            <a:avLst/>
-          </a:prstGeom>
-          <a:noFill/>
-        </p:spPr>
-        <p:txBody>
-          <a:bodyPr wrap="square">
-            <a:spAutoFit/>
-          </a:bodyPr>
-          <a:lstStyle/>
-          <a:p>
-            <a:r>
-              <a:rPr lang="en-US" altLang="ko-KR" sz="2800" b="1">
-                <a:latin typeface="조선가는고딕" panose="02030504000101010101" pitchFamily="18" charset="-127"/>
-                <a:ea typeface="조선가는고딕" panose="02030504000101010101" pitchFamily="18" charset="-127"/>
-                <a:cs typeface="KoPubWorld돋움체 Light" panose="00000300000000000000" pitchFamily="2" charset="-127"/>
-              </a:rPr>
-              <a:t>2</a:t>
-            </a:r>
-            <a:r>
-              <a:rPr lang="ko-KR" altLang="en-US" sz="2800" b="1" dirty="0">
-                <a:latin typeface="조선가는고딕" panose="02030504000101010101" pitchFamily="18" charset="-127"/>
-                <a:ea typeface="조선가는고딕" panose="02030504000101010101" pitchFamily="18" charset="-127"/>
-                <a:cs typeface="KoPubWorld돋움체 Light" panose="00000300000000000000" pitchFamily="2" charset="-127"/>
-              </a:rPr>
-              <a:t>분</a:t>
-            </a:r>
-            <a:endParaRPr lang="en-US" altLang="ko-KR" sz="2800" b="1" dirty="0">
-              <a:latin typeface="조선가는고딕" panose="02030504000101010101" pitchFamily="18" charset="-127"/>
-              <a:ea typeface="조선가는고딕" panose="02030504000101010101" pitchFamily="18" charset="-127"/>
-              <a:cs typeface="KoPubWorld돋움체 Light" panose="00000300000000000000" pitchFamily="2" charset="-127"/>
-            </a:endParaRPr>
-          </a:p>
-        </p:txBody>
-      </p:sp>
-      <p:sp>
-        <p:nvSpPr>
-          <p:cNvPr id="30" name="TextBox 29">
-            <a:extLst>
-              <a:ext uri="{FF2B5EF4-FFF2-40B4-BE49-F238E27FC236}">
-                <a16:creationId xmlns:a16="http://schemas.microsoft.com/office/drawing/2014/main" id="{8723CE27-22C0-9F4B-231B-69C51DF1DB4F}"/>
-              </a:ext>
-            </a:extLst>
-          </p:cNvPr>
-          <p:cNvSpPr txBox="1"/>
-          <p:nvPr/>
-        </p:nvSpPr>
-        <p:spPr>
-          <a:xfrm>
-            <a:off x="-23811" y="3459910"/>
-            <a:ext cx="789094" cy="523220"/>
-          </a:xfrm>
-          <a:prstGeom prst="rect">
-            <a:avLst/>
-          </a:prstGeom>
-          <a:noFill/>
-        </p:spPr>
-        <p:txBody>
-          <a:bodyPr wrap="square">
-            <a:spAutoFit/>
-          </a:bodyPr>
-          <a:lstStyle/>
-          <a:p>
-            <a:r>
-              <a:rPr lang="en-US" altLang="ko-KR" sz="2800" b="1">
-                <a:latin typeface="조선가는고딕" panose="02030504000101010101" pitchFamily="18" charset="-127"/>
-                <a:ea typeface="조선가는고딕" panose="02030504000101010101" pitchFamily="18" charset="-127"/>
-                <a:cs typeface="KoPubWorld돋움체 Light" panose="00000300000000000000" pitchFamily="2" charset="-127"/>
-              </a:rPr>
-              <a:t>2</a:t>
-            </a:r>
-            <a:r>
-              <a:rPr lang="ko-KR" altLang="en-US" sz="2800" b="1" dirty="0">
-                <a:latin typeface="조선가는고딕" panose="02030504000101010101" pitchFamily="18" charset="-127"/>
-                <a:ea typeface="조선가는고딕" panose="02030504000101010101" pitchFamily="18" charset="-127"/>
-                <a:cs typeface="KoPubWorld돋움체 Light" panose="00000300000000000000" pitchFamily="2" charset="-127"/>
-              </a:rPr>
-              <a:t>분</a:t>
-            </a:r>
-            <a:endParaRPr lang="en-US" altLang="ko-KR" sz="2800" b="1" dirty="0">
-              <a:latin typeface="조선가는고딕" panose="02030504000101010101" pitchFamily="18" charset="-127"/>
-              <a:ea typeface="조선가는고딕" panose="02030504000101010101" pitchFamily="18" charset="-127"/>
-              <a:cs typeface="KoPubWorld돋움체 Light" panose="00000300000000000000" pitchFamily="2" charset="-127"/>
-            </a:endParaRPr>
-          </a:p>
-        </p:txBody>
-      </p:sp>
-      <p:sp>
-        <p:nvSpPr>
-          <p:cNvPr id="31" name="TextBox 30">
-            <a:extLst>
-              <a:ext uri="{FF2B5EF4-FFF2-40B4-BE49-F238E27FC236}">
-                <a16:creationId xmlns:a16="http://schemas.microsoft.com/office/drawing/2014/main" id="{6B044AB9-2E42-87A9-D083-9DAB360098F0}"/>
-              </a:ext>
-            </a:extLst>
-          </p:cNvPr>
-          <p:cNvSpPr txBox="1"/>
-          <p:nvPr/>
-        </p:nvSpPr>
-        <p:spPr>
-          <a:xfrm>
-            <a:off x="-18319" y="4341420"/>
-            <a:ext cx="789094" cy="523220"/>
-          </a:xfrm>
-          <a:prstGeom prst="rect">
-            <a:avLst/>
-          </a:prstGeom>
-          <a:noFill/>
-        </p:spPr>
-        <p:txBody>
-          <a:bodyPr wrap="square">
-            <a:spAutoFit/>
-          </a:bodyPr>
-          <a:lstStyle/>
-          <a:p>
-            <a:r>
-              <a:rPr lang="en-US" altLang="ko-KR" sz="2800" b="1">
-                <a:latin typeface="조선가는고딕" panose="02030504000101010101" pitchFamily="18" charset="-127"/>
-                <a:ea typeface="조선가는고딕" panose="02030504000101010101" pitchFamily="18" charset="-127"/>
-                <a:cs typeface="KoPubWorld돋움체 Light" panose="00000300000000000000" pitchFamily="2" charset="-127"/>
-              </a:rPr>
-              <a:t>2</a:t>
-            </a:r>
-            <a:r>
-              <a:rPr lang="ko-KR" altLang="en-US" sz="2800" b="1" dirty="0">
-                <a:latin typeface="조선가는고딕" panose="02030504000101010101" pitchFamily="18" charset="-127"/>
-                <a:ea typeface="조선가는고딕" panose="02030504000101010101" pitchFamily="18" charset="-127"/>
-                <a:cs typeface="KoPubWorld돋움체 Light" panose="00000300000000000000" pitchFamily="2" charset="-127"/>
-              </a:rPr>
-              <a:t>분</a:t>
-            </a:r>
-            <a:endParaRPr lang="en-US" altLang="ko-KR" sz="2800" b="1" dirty="0">
-              <a:latin typeface="조선가는고딕" panose="02030504000101010101" pitchFamily="18" charset="-127"/>
-              <a:ea typeface="조선가는고딕" panose="02030504000101010101" pitchFamily="18" charset="-127"/>
-              <a:cs typeface="KoPubWorld돋움체 Light" panose="00000300000000000000" pitchFamily="2" charset="-127"/>
-            </a:endParaRPr>
-          </a:p>
-        </p:txBody>
-      </p:sp>
-      <p:sp>
-        <p:nvSpPr>
-          <p:cNvPr id="32" name="TextBox 31">
-            <a:extLst>
-              <a:ext uri="{FF2B5EF4-FFF2-40B4-BE49-F238E27FC236}">
-                <a16:creationId xmlns:a16="http://schemas.microsoft.com/office/drawing/2014/main" id="{32011811-2416-947A-5664-CCFCD752A9CF}"/>
-              </a:ext>
-            </a:extLst>
-          </p:cNvPr>
-          <p:cNvSpPr txBox="1"/>
-          <p:nvPr/>
-        </p:nvSpPr>
-        <p:spPr>
-          <a:xfrm>
-            <a:off x="-23811" y="5132060"/>
-            <a:ext cx="789094" cy="523220"/>
-          </a:xfrm>
-          <a:prstGeom prst="rect">
-            <a:avLst/>
-          </a:prstGeom>
-          <a:noFill/>
-        </p:spPr>
-        <p:txBody>
-          <a:bodyPr wrap="square">
-            <a:spAutoFit/>
-          </a:bodyPr>
-          <a:lstStyle/>
-          <a:p>
-            <a:r>
-              <a:rPr lang="en-US" altLang="ko-KR" sz="2800" b="1" dirty="0">
-                <a:latin typeface="조선가는고딕" panose="02030504000101010101" pitchFamily="18" charset="-127"/>
-                <a:ea typeface="조선가는고딕" panose="02030504000101010101" pitchFamily="18" charset="-127"/>
-                <a:cs typeface="KoPubWorld돋움체 Light" panose="00000300000000000000" pitchFamily="2" charset="-127"/>
-              </a:rPr>
-              <a:t>2</a:t>
-            </a:r>
-            <a:r>
-              <a:rPr lang="ko-KR" altLang="en-US" sz="2800" b="1" dirty="0">
-                <a:latin typeface="조선가는고딕" panose="02030504000101010101" pitchFamily="18" charset="-127"/>
-                <a:ea typeface="조선가는고딕" panose="02030504000101010101" pitchFamily="18" charset="-127"/>
-                <a:cs typeface="KoPubWorld돋움체 Light" panose="00000300000000000000" pitchFamily="2" charset="-127"/>
-              </a:rPr>
-              <a:t>분</a:t>
-            </a:r>
-            <a:endParaRPr lang="en-US" altLang="ko-KR" sz="2800" b="1" dirty="0">
-              <a:latin typeface="조선가는고딕" panose="02030504000101010101" pitchFamily="18" charset="-127"/>
-              <a:ea typeface="조선가는고딕" panose="02030504000101010101" pitchFamily="18" charset="-127"/>
-              <a:cs typeface="KoPubWorld돋움체 Light" panose="00000300000000000000" pitchFamily="2" charset="-127"/>
-            </a:endParaRPr>
-          </a:p>
-        </p:txBody>
-      </p:sp>
-      <p:sp>
-        <p:nvSpPr>
-          <p:cNvPr id="33" name="화살표: U자형 32">
-            <a:extLst>
-              <a:ext uri="{FF2B5EF4-FFF2-40B4-BE49-F238E27FC236}">
-                <a16:creationId xmlns:a16="http://schemas.microsoft.com/office/drawing/2014/main" id="{6188ADEF-E541-B43B-A980-65C209012A9E}"/>
-              </a:ext>
-            </a:extLst>
-          </p:cNvPr>
-          <p:cNvSpPr/>
-          <p:nvPr/>
-        </p:nvSpPr>
-        <p:spPr>
-          <a:xfrm rot="5400000" flipV="1">
-            <a:off x="505228" y="6020847"/>
-            <a:ext cx="754634" cy="349763"/>
-          </a:xfrm>
-          <a:prstGeom prst="uturnArrow">
-            <a:avLst>
-              <a:gd name="adj1" fmla="val 25000"/>
-              <a:gd name="adj2" fmla="val 25000"/>
-              <a:gd name="adj3" fmla="val 25000"/>
-              <a:gd name="adj4" fmla="val 43750"/>
-              <a:gd name="adj5" fmla="val 100000"/>
-            </a:avLst>
-          </a:prstGeom>
-        </p:spPr>
-        <p:style>
-          <a:lnRef idx="2">
-            <a:schemeClr val="dk1">
-              <a:shade val="15000"/>
-            </a:schemeClr>
-          </a:lnRef>
-          <a:fillRef idx="1">
-            <a:schemeClr val="dk1"/>
-          </a:fillRef>
-          <a:effectRef idx="0">
-            <a:schemeClr val="dk1"/>
-          </a:effectRef>
-          <a:fontRef idx="minor">
-            <a:schemeClr val="lt1"/>
-          </a:fontRef>
-        </p:style>
-        <p:txBody>
-          <a:bodyPr rtlCol="0" anchor="ctr"/>
-          <a:lstStyle/>
-          <a:p>
-            <a:pPr algn="ctr"/>
-            <a:endParaRPr lang="ko-KR" altLang="en-US">
-              <a:solidFill>
-                <a:schemeClr val="tx1"/>
-              </a:solidFill>
-            </a:endParaRPr>
-          </a:p>
-        </p:txBody>
-      </p:sp>
-      <p:sp>
-        <p:nvSpPr>
-          <p:cNvPr id="34" name="TextBox 33">
-            <a:extLst>
-              <a:ext uri="{FF2B5EF4-FFF2-40B4-BE49-F238E27FC236}">
-                <a16:creationId xmlns:a16="http://schemas.microsoft.com/office/drawing/2014/main" id="{94A9721B-9D6A-E042-3009-387ABAAD87F4}"/>
-              </a:ext>
-            </a:extLst>
-          </p:cNvPr>
-          <p:cNvSpPr txBox="1"/>
-          <p:nvPr/>
-        </p:nvSpPr>
-        <p:spPr>
-          <a:xfrm>
-            <a:off x="1131855" y="6195178"/>
-            <a:ext cx="1958675" cy="523220"/>
-          </a:xfrm>
-          <a:prstGeom prst="rect">
-            <a:avLst/>
-          </a:prstGeom>
-          <a:noFill/>
-        </p:spPr>
-        <p:txBody>
-          <a:bodyPr wrap="square">
-            <a:spAutoFit/>
-          </a:bodyPr>
-          <a:lstStyle/>
-          <a:p>
-            <a:r>
-              <a:rPr lang="ko-KR" altLang="en-US" sz="2800" b="1">
-                <a:latin typeface="조선가는고딕" panose="02030504000101010101" pitchFamily="18" charset="-127"/>
-                <a:ea typeface="조선가는고딕" panose="02030504000101010101" pitchFamily="18" charset="-127"/>
-                <a:cs typeface="KoPubWorld돋움체 Light" panose="00000300000000000000" pitchFamily="2" charset="-127"/>
-              </a:rPr>
-              <a:t>게임 끝</a:t>
-            </a:r>
-            <a:endParaRPr lang="en-US" altLang="ko-KR" sz="2800" b="1" dirty="0">
-              <a:latin typeface="조선가는고딕" panose="02030504000101010101" pitchFamily="18" charset="-127"/>
-              <a:ea typeface="조선가는고딕" panose="02030504000101010101" pitchFamily="18" charset="-127"/>
-              <a:cs typeface="KoPubWorld돋움체 Light" panose="00000300000000000000" pitchFamily="2" charset="-127"/>
-            </a:endParaRPr>
-          </a:p>
-        </p:txBody>
-      </p:sp>
-      <p:sp>
-        <p:nvSpPr>
-          <p:cNvPr id="35" name="TextBox 34">
-            <a:extLst>
-              <a:ext uri="{FF2B5EF4-FFF2-40B4-BE49-F238E27FC236}">
-                <a16:creationId xmlns:a16="http://schemas.microsoft.com/office/drawing/2014/main" id="{8CCA16BC-454D-205A-DBFA-BE443976F121}"/>
-              </a:ext>
-            </a:extLst>
-          </p:cNvPr>
-          <p:cNvSpPr txBox="1"/>
-          <p:nvPr/>
-        </p:nvSpPr>
-        <p:spPr>
-          <a:xfrm>
-            <a:off x="-23811" y="5960626"/>
-            <a:ext cx="789094" cy="523220"/>
-          </a:xfrm>
-          <a:prstGeom prst="rect">
-            <a:avLst/>
-          </a:prstGeom>
-          <a:noFill/>
-        </p:spPr>
-        <p:txBody>
-          <a:bodyPr wrap="square">
-            <a:spAutoFit/>
-          </a:bodyPr>
-          <a:lstStyle/>
-          <a:p>
-            <a:r>
-              <a:rPr lang="en-US" altLang="ko-KR" sz="2800" b="1" dirty="0">
-                <a:latin typeface="조선가는고딕" panose="02030504000101010101" pitchFamily="18" charset="-127"/>
-                <a:ea typeface="조선가는고딕" panose="02030504000101010101" pitchFamily="18" charset="-127"/>
-                <a:cs typeface="KoPubWorld돋움체 Light" panose="00000300000000000000" pitchFamily="2" charset="-127"/>
-              </a:rPr>
-              <a:t>2</a:t>
-            </a:r>
-            <a:r>
-              <a:rPr lang="ko-KR" altLang="en-US" sz="2800" b="1" dirty="0">
-                <a:latin typeface="조선가는고딕" panose="02030504000101010101" pitchFamily="18" charset="-127"/>
-                <a:ea typeface="조선가는고딕" panose="02030504000101010101" pitchFamily="18" charset="-127"/>
-                <a:cs typeface="KoPubWorld돋움체 Light" panose="00000300000000000000" pitchFamily="2" charset="-127"/>
-              </a:rPr>
-              <a:t>분</a:t>
-            </a:r>
-            <a:endParaRPr lang="en-US" altLang="ko-KR" sz="2800" b="1" dirty="0">
-              <a:latin typeface="조선가는고딕" panose="02030504000101010101" pitchFamily="18" charset="-127"/>
-              <a:ea typeface="조선가는고딕" panose="02030504000101010101" pitchFamily="18" charset="-127"/>
-              <a:cs typeface="KoPubWorld돋움체 Light" panose="00000300000000000000" pitchFamily="2" charset="-127"/>
-            </a:endParaRPr>
-          </a:p>
-        </p:txBody>
-      </p:sp>
-    </p:spTree>
-    <p:extLst>
-      <p:ext uri="{BB962C8B-B14F-4D97-AF65-F5344CB8AC3E}">
-        <p14:creationId xmlns:p14="http://schemas.microsoft.com/office/powerpoint/2010/main" val="843330213"/>
-      </p:ext>
-    </p:extLst>
-  </p:cSld>
-  <p:clrMapOvr>
-    <a:masterClrMapping/>
-  </p:clrMapOvr>
-</p:sld>
-</file>
-
-<file path=ppt/slides/slide11.xml><?xml version="1.0" encoding="utf-8"?>
-<p:sld xmlns:a="http://schemas.openxmlformats.org/drawingml/2006/main" xmlns:r="http://schemas.openxmlformats.org/officeDocument/2006/relationships" xmlns:p="http://schemas.openxmlformats.org/presentationml/2006/main">
-  <p:cSld>
-    <p:spTree>
-      <p:nvGrpSpPr>
-        <p:cNvPr id="1" name=""/>
-        <p:cNvGrpSpPr/>
-        <p:nvPr/>
-      </p:nvGrpSpPr>
-      <p:grpSpPr>
-        <a:xfrm>
-          <a:off x="0" y="0"/>
-          <a:ext cx="0" cy="0"/>
-          <a:chOff x="0" y="0"/>
-          <a:chExt cx="0" cy="0"/>
-        </a:xfrm>
-      </p:grpSpPr>
-      <p:sp>
-        <p:nvSpPr>
-          <p:cNvPr id="23" name="직사각형 22">
-            <a:extLst>
-              <a:ext uri="{FF2B5EF4-FFF2-40B4-BE49-F238E27FC236}">
-                <a16:creationId xmlns:a16="http://schemas.microsoft.com/office/drawing/2014/main" id="{505D9C9E-8325-4A59-BEFC-3BC22C85BDAD}"/>
-              </a:ext>
-            </a:extLst>
-          </p:cNvPr>
-          <p:cNvSpPr/>
-          <p:nvPr/>
-        </p:nvSpPr>
-        <p:spPr>
-          <a:xfrm flipV="1">
-            <a:off x="557400" y="1001162"/>
-            <a:ext cx="11077200" cy="18000"/>
-          </a:xfrm>
-          <a:prstGeom prst="rect">
-            <a:avLst/>
-          </a:prstGeom>
-          <a:solidFill>
-            <a:srgbClr val="64DECF"/>
-          </a:solidFill>
-          <a:ln>
-            <a:noFill/>
-          </a:ln>
-        </p:spPr>
-        <p:style>
-          <a:lnRef idx="2">
-            <a:schemeClr val="accent1">
-              <a:shade val="50000"/>
-            </a:schemeClr>
-          </a:lnRef>
-          <a:fillRef idx="1">
-            <a:schemeClr val="accent1"/>
-          </a:fillRef>
-          <a:effectRef idx="0">
-            <a:schemeClr val="accent1"/>
-          </a:effectRef>
-          <a:fontRef idx="minor">
-            <a:schemeClr val="lt1"/>
-          </a:fontRef>
-        </p:style>
-        <p:txBody>
-          <a:bodyPr rtlCol="0" anchor="ctr"/>
-          <a:lstStyle/>
-          <a:p>
-            <a:pPr algn="ctr"/>
-            <a:endParaRPr lang="ko-KR" altLang="en-US"/>
-          </a:p>
-        </p:txBody>
-      </p:sp>
-      <p:grpSp>
-        <p:nvGrpSpPr>
-          <p:cNvPr id="6" name="그룹 5">
-            <a:extLst>
-              <a:ext uri="{FF2B5EF4-FFF2-40B4-BE49-F238E27FC236}">
-                <a16:creationId xmlns:a16="http://schemas.microsoft.com/office/drawing/2014/main" id="{1B0813F0-0608-43A3-9E53-0BA015EDE231}"/>
-              </a:ext>
-            </a:extLst>
-          </p:cNvPr>
-          <p:cNvGrpSpPr/>
-          <p:nvPr/>
-        </p:nvGrpSpPr>
-        <p:grpSpPr>
-          <a:xfrm>
-            <a:off x="4105427" y="188165"/>
-            <a:ext cx="4698331" cy="830997"/>
-            <a:chOff x="3819245" y="188165"/>
-            <a:chExt cx="4011835" cy="830997"/>
-          </a:xfrm>
-        </p:grpSpPr>
-        <p:sp>
-          <p:nvSpPr>
-            <p:cNvPr id="5" name="직사각형 4">
-              <a:extLst>
-                <a:ext uri="{FF2B5EF4-FFF2-40B4-BE49-F238E27FC236}">
-                  <a16:creationId xmlns:a16="http://schemas.microsoft.com/office/drawing/2014/main" id="{7D0033C3-456D-4151-9AAB-F0A2E961A5B6}"/>
-                </a:ext>
-              </a:extLst>
-            </p:cNvPr>
-            <p:cNvSpPr/>
-            <p:nvPr/>
-          </p:nvSpPr>
-          <p:spPr>
-            <a:xfrm>
-              <a:off x="4633790" y="302276"/>
-              <a:ext cx="3197290" cy="584775"/>
-            </a:xfrm>
-            <a:prstGeom prst="rect">
-              <a:avLst/>
-            </a:prstGeom>
-          </p:spPr>
-          <p:txBody>
-            <a:bodyPr wrap="square">
-              <a:spAutoFit/>
-            </a:bodyPr>
-            <a:lstStyle/>
-            <a:p>
-              <a:r>
-                <a:rPr lang="ko-KR" altLang="en-US" sz="3200" dirty="0">
-                  <a:latin typeface="조선가는고딕" panose="02030504000101010101" pitchFamily="18" charset="-127"/>
-                  <a:ea typeface="조선가는고딕" panose="02030504000101010101" pitchFamily="18" charset="-127"/>
-                  <a:cs typeface="KoPubWorld돋움체 Bold" panose="00000800000000000000" pitchFamily="2" charset="-127"/>
-                </a:rPr>
-                <a:t>게임소개</a:t>
-              </a:r>
-              <a:endParaRPr lang="en-US" altLang="ko-KR" sz="3200" dirty="0">
-                <a:latin typeface="조선가는고딕" panose="02030504000101010101" pitchFamily="18" charset="-127"/>
-                <a:ea typeface="조선가는고딕" panose="02030504000101010101" pitchFamily="18" charset="-127"/>
-                <a:cs typeface="KoPubWorld돋움체 Bold" panose="00000800000000000000" pitchFamily="2" charset="-127"/>
-              </a:endParaRPr>
-            </a:p>
-          </p:txBody>
-        </p:sp>
-        <p:sp>
-          <p:nvSpPr>
-            <p:cNvPr id="24" name="TextBox 23">
-              <a:extLst>
-                <a:ext uri="{FF2B5EF4-FFF2-40B4-BE49-F238E27FC236}">
-                  <a16:creationId xmlns:a16="http://schemas.microsoft.com/office/drawing/2014/main" id="{1841637C-F02D-4ED4-9B17-10A92FFC6619}"/>
-                </a:ext>
-              </a:extLst>
-            </p:cNvPr>
-            <p:cNvSpPr txBox="1"/>
-            <p:nvPr/>
-          </p:nvSpPr>
-          <p:spPr>
-            <a:xfrm>
-              <a:off x="3819245" y="188165"/>
               <a:ext cx="653182" cy="830997"/>
             </a:xfrm>
             <a:prstGeom prst="rect">
@@ -5899,12 +4648,298 @@
           </p:txBody>
         </p:sp>
       </p:grpSp>
+      <p:sp>
+        <p:nvSpPr>
+          <p:cNvPr id="37" name="TextBox 36">
+            <a:extLst>
+              <a:ext uri="{FF2B5EF4-FFF2-40B4-BE49-F238E27FC236}">
+                <a16:creationId xmlns:a16="http://schemas.microsoft.com/office/drawing/2014/main" id="{C3CAB183-DEA4-4560-B11D-01DCD66BDF6D}"/>
+              </a:ext>
+            </a:extLst>
+          </p:cNvPr>
+          <p:cNvSpPr txBox="1"/>
+          <p:nvPr/>
+        </p:nvSpPr>
+        <p:spPr>
+          <a:xfrm>
+            <a:off x="345644" y="1136632"/>
+            <a:ext cx="3150542" cy="769441"/>
+          </a:xfrm>
+          <a:prstGeom prst="rect">
+            <a:avLst/>
+          </a:prstGeom>
+          <a:noFill/>
+        </p:spPr>
+        <p:txBody>
+          <a:bodyPr wrap="none" rtlCol="0">
+            <a:spAutoFit/>
+          </a:bodyPr>
+          <a:lstStyle/>
+          <a:p>
+            <a:pPr algn="ctr"/>
+            <a:r>
+              <a:rPr lang="en-US" altLang="ko-KR" sz="4400" b="1" dirty="0">
+                <a:latin typeface="조선가는고딕" panose="02030504000101010101" pitchFamily="18" charset="-127"/>
+                <a:ea typeface="조선가는고딕" panose="02030504000101010101" pitchFamily="18" charset="-127"/>
+                <a:cs typeface="KoPubWorld돋움체 Light" panose="00000300000000000000" pitchFamily="2" charset="-127"/>
+              </a:rPr>
+              <a:t>Player </a:t>
+            </a:r>
+            <a:r>
+              <a:rPr lang="ko-KR" altLang="en-US" sz="4400" b="1" dirty="0">
+                <a:latin typeface="조선가는고딕" panose="02030504000101010101" pitchFamily="18" charset="-127"/>
+                <a:ea typeface="조선가는고딕" panose="02030504000101010101" pitchFamily="18" charset="-127"/>
+                <a:cs typeface="KoPubWorld돋움체 Light" panose="00000300000000000000" pitchFamily="2" charset="-127"/>
+              </a:rPr>
+              <a:t>소개</a:t>
+            </a:r>
+            <a:endParaRPr lang="en-US" altLang="ko-KR" sz="4400" b="1" dirty="0">
+              <a:latin typeface="조선가는고딕" panose="02030504000101010101" pitchFamily="18" charset="-127"/>
+              <a:ea typeface="조선가는고딕" panose="02030504000101010101" pitchFamily="18" charset="-127"/>
+              <a:cs typeface="KoPubWorld돋움체 Light" panose="00000300000000000000" pitchFamily="2" charset="-127"/>
+            </a:endParaRPr>
+          </a:p>
+        </p:txBody>
+      </p:sp>
+      <p:sp>
+        <p:nvSpPr>
+          <p:cNvPr id="19" name="TextBox 18">
+            <a:extLst>
+              <a:ext uri="{FF2B5EF4-FFF2-40B4-BE49-F238E27FC236}">
+                <a16:creationId xmlns:a16="http://schemas.microsoft.com/office/drawing/2014/main" id="{B031CF28-57D0-870B-E78A-882EB3069F62}"/>
+              </a:ext>
+            </a:extLst>
+          </p:cNvPr>
+          <p:cNvSpPr txBox="1"/>
+          <p:nvPr/>
+        </p:nvSpPr>
+        <p:spPr>
+          <a:xfrm>
+            <a:off x="345644" y="4951928"/>
+            <a:ext cx="4730782" cy="1015663"/>
+          </a:xfrm>
+          <a:prstGeom prst="rect">
+            <a:avLst/>
+          </a:prstGeom>
+          <a:noFill/>
+        </p:spPr>
+        <p:txBody>
+          <a:bodyPr wrap="none" rtlCol="0">
+            <a:spAutoFit/>
+          </a:bodyPr>
+          <a:lstStyle/>
+          <a:p>
+            <a:pPr marL="342900" indent="-342900">
+              <a:buFont typeface="Arial" panose="020B0604020202020204" pitchFamily="34" charset="0"/>
+              <a:buChar char="•"/>
+            </a:pPr>
+            <a:r>
+              <a:rPr lang="ko-KR" altLang="en-US" sz="2000" dirty="0">
+                <a:latin typeface="조선가는고딕" panose="02030504000101010101" pitchFamily="18" charset="-127"/>
+                <a:ea typeface="조선가는고딕" panose="02030504000101010101" pitchFamily="18" charset="-127"/>
+                <a:cs typeface="KoPubWorld돋움체 Light" panose="00000300000000000000" pitchFamily="2" charset="-127"/>
+              </a:rPr>
+              <a:t>키</a:t>
+            </a:r>
+            <a:r>
+              <a:rPr lang="en-US" altLang="ko-KR" sz="2000" dirty="0">
+                <a:latin typeface="조선가는고딕" panose="02030504000101010101" pitchFamily="18" charset="-127"/>
+                <a:ea typeface="조선가는고딕" panose="02030504000101010101" pitchFamily="18" charset="-127"/>
+                <a:cs typeface="KoPubWorld돋움체 Light" panose="00000300000000000000" pitchFamily="2" charset="-127"/>
+              </a:rPr>
+              <a:t>: 180cm</a:t>
+            </a:r>
+          </a:p>
+          <a:p>
+            <a:pPr marL="342900" indent="-342900">
+              <a:buFont typeface="Arial" panose="020B0604020202020204" pitchFamily="34" charset="0"/>
+              <a:buChar char="•"/>
+            </a:pPr>
+            <a:r>
+              <a:rPr lang="ko-KR" altLang="en-US" sz="2000" dirty="0">
+                <a:latin typeface="조선가는고딕" panose="02030504000101010101" pitchFamily="18" charset="-127"/>
+                <a:ea typeface="조선가는고딕" panose="02030504000101010101" pitchFamily="18" charset="-127"/>
+                <a:cs typeface="KoPubWorld돋움체 Light" panose="00000300000000000000" pitchFamily="2" charset="-127"/>
+              </a:rPr>
+              <a:t>공격</a:t>
+            </a:r>
+            <a:r>
+              <a:rPr lang="en-US" altLang="ko-KR" sz="2000" dirty="0">
+                <a:latin typeface="조선가는고딕" panose="02030504000101010101" pitchFamily="18" charset="-127"/>
+                <a:ea typeface="조선가는고딕" panose="02030504000101010101" pitchFamily="18" charset="-127"/>
+                <a:cs typeface="KoPubWorld돋움체 Light" panose="00000300000000000000" pitchFamily="2" charset="-127"/>
+              </a:rPr>
+              <a:t>: </a:t>
+            </a:r>
+            <a:r>
+              <a:rPr lang="ko-KR" altLang="en-US" sz="2000" dirty="0">
+                <a:latin typeface="조선가는고딕" panose="02030504000101010101" pitchFamily="18" charset="-127"/>
+                <a:ea typeface="조선가는고딕" panose="02030504000101010101" pitchFamily="18" charset="-127"/>
+                <a:cs typeface="KoPubWorld돋움체 Light" panose="00000300000000000000" pitchFamily="2" charset="-127"/>
+              </a:rPr>
+              <a:t>총으로 공격</a:t>
+            </a:r>
+            <a:endParaRPr lang="en-US" altLang="ko-KR" sz="2000" dirty="0">
+              <a:latin typeface="조선가는고딕" panose="02030504000101010101" pitchFamily="18" charset="-127"/>
+              <a:ea typeface="조선가는고딕" panose="02030504000101010101" pitchFamily="18" charset="-127"/>
+              <a:cs typeface="KoPubWorld돋움체 Light" panose="00000300000000000000" pitchFamily="2" charset="-127"/>
+            </a:endParaRPr>
+          </a:p>
+          <a:p>
+            <a:pPr marL="342900" indent="-342900">
+              <a:buFont typeface="Arial" panose="020B0604020202020204" pitchFamily="34" charset="0"/>
+              <a:buChar char="•"/>
+            </a:pPr>
+            <a:r>
+              <a:rPr lang="ko-KR" altLang="en-US" sz="2000" dirty="0">
+                <a:latin typeface="조선가는고딕" panose="02030504000101010101" pitchFamily="18" charset="-127"/>
+                <a:ea typeface="조선가는고딕" panose="02030504000101010101" pitchFamily="18" charset="-127"/>
+                <a:cs typeface="KoPubWorld돋움체 Light" panose="00000300000000000000" pitchFamily="2" charset="-127"/>
+              </a:rPr>
+              <a:t>애니메이션</a:t>
+            </a:r>
+            <a:r>
+              <a:rPr lang="en-US" altLang="ko-KR" sz="2000" dirty="0">
+                <a:latin typeface="조선가는고딕" panose="02030504000101010101" pitchFamily="18" charset="-127"/>
+                <a:ea typeface="조선가는고딕" panose="02030504000101010101" pitchFamily="18" charset="-127"/>
+                <a:cs typeface="KoPubWorld돋움체 Light" panose="00000300000000000000" pitchFamily="2" charset="-127"/>
+              </a:rPr>
+              <a:t>: </a:t>
+            </a:r>
+            <a:r>
+              <a:rPr lang="ko-KR" altLang="en-US" sz="2000" dirty="0">
+                <a:latin typeface="조선가는고딕" panose="02030504000101010101" pitchFamily="18" charset="-127"/>
+                <a:ea typeface="조선가는고딕" panose="02030504000101010101" pitchFamily="18" charset="-127"/>
+                <a:cs typeface="KoPubWorld돋움체 Light" panose="00000300000000000000" pitchFamily="2" charset="-127"/>
+              </a:rPr>
+              <a:t>걷기</a:t>
+            </a:r>
+            <a:r>
+              <a:rPr lang="en-US" altLang="ko-KR" sz="2000" dirty="0">
+                <a:latin typeface="조선가는고딕" panose="02030504000101010101" pitchFamily="18" charset="-127"/>
+                <a:ea typeface="조선가는고딕" panose="02030504000101010101" pitchFamily="18" charset="-127"/>
+                <a:cs typeface="KoPubWorld돋움체 Light" panose="00000300000000000000" pitchFamily="2" charset="-127"/>
+              </a:rPr>
+              <a:t>, </a:t>
+            </a:r>
+            <a:r>
+              <a:rPr lang="ko-KR" altLang="en-US" sz="2000" dirty="0">
+                <a:latin typeface="조선가는고딕" panose="02030504000101010101" pitchFamily="18" charset="-127"/>
+                <a:ea typeface="조선가는고딕" panose="02030504000101010101" pitchFamily="18" charset="-127"/>
+                <a:cs typeface="KoPubWorld돋움체 Light" panose="00000300000000000000" pitchFamily="2" charset="-127"/>
+              </a:rPr>
+              <a:t>뛰기</a:t>
+            </a:r>
+            <a:r>
+              <a:rPr lang="en-US" altLang="ko-KR" sz="2000" dirty="0">
+                <a:latin typeface="조선가는고딕" panose="02030504000101010101" pitchFamily="18" charset="-127"/>
+                <a:ea typeface="조선가는고딕" panose="02030504000101010101" pitchFamily="18" charset="-127"/>
+                <a:cs typeface="KoPubWorld돋움체 Light" panose="00000300000000000000" pitchFamily="2" charset="-127"/>
+              </a:rPr>
+              <a:t>, </a:t>
+            </a:r>
+            <a:r>
+              <a:rPr lang="ko-KR" altLang="en-US" sz="2000" dirty="0">
+                <a:latin typeface="조선가는고딕" panose="02030504000101010101" pitchFamily="18" charset="-127"/>
+                <a:ea typeface="조선가는고딕" panose="02030504000101010101" pitchFamily="18" charset="-127"/>
+                <a:cs typeface="KoPubWorld돋움체 Light" panose="00000300000000000000" pitchFamily="2" charset="-127"/>
+              </a:rPr>
+              <a:t>총 쏘기</a:t>
+            </a:r>
+            <a:r>
+              <a:rPr lang="en-US" altLang="ko-KR" sz="2000" dirty="0">
+                <a:latin typeface="조선가는고딕" panose="02030504000101010101" pitchFamily="18" charset="-127"/>
+                <a:ea typeface="조선가는고딕" panose="02030504000101010101" pitchFamily="18" charset="-127"/>
+                <a:cs typeface="KoPubWorld돋움체 Light" panose="00000300000000000000" pitchFamily="2" charset="-127"/>
+              </a:rPr>
+              <a:t>, </a:t>
+            </a:r>
+            <a:r>
+              <a:rPr lang="en-US" altLang="ko-KR" sz="2000" dirty="0" err="1">
+                <a:latin typeface="조선가는고딕" panose="02030504000101010101" pitchFamily="18" charset="-127"/>
+                <a:ea typeface="조선가는고딕" panose="02030504000101010101" pitchFamily="18" charset="-127"/>
+                <a:cs typeface="KoPubWorld돋움체 Light" panose="00000300000000000000" pitchFamily="2" charset="-127"/>
+              </a:rPr>
+              <a:t>IDlE</a:t>
+            </a:r>
+            <a:endParaRPr lang="en-US" altLang="ko-KR" sz="2000" dirty="0">
+              <a:latin typeface="조선가는고딕" panose="02030504000101010101" pitchFamily="18" charset="-127"/>
+              <a:ea typeface="조선가는고딕" panose="02030504000101010101" pitchFamily="18" charset="-127"/>
+              <a:cs typeface="KoPubWorld돋움체 Light" panose="00000300000000000000" pitchFamily="2" charset="-127"/>
+            </a:endParaRPr>
+          </a:p>
+        </p:txBody>
+      </p:sp>
+      <p:sp>
+        <p:nvSpPr>
+          <p:cNvPr id="2" name="TextBox 1">
+            <a:extLst>
+              <a:ext uri="{FF2B5EF4-FFF2-40B4-BE49-F238E27FC236}">
+                <a16:creationId xmlns:a16="http://schemas.microsoft.com/office/drawing/2014/main" id="{5A4C25BA-1E62-F0B0-A9A5-C10FE8C2A8E4}"/>
+              </a:ext>
+            </a:extLst>
+          </p:cNvPr>
+          <p:cNvSpPr txBox="1"/>
+          <p:nvPr/>
+        </p:nvSpPr>
+        <p:spPr>
+          <a:xfrm>
+            <a:off x="6021901" y="1171455"/>
+            <a:ext cx="2845652" cy="769441"/>
+          </a:xfrm>
+          <a:prstGeom prst="rect">
+            <a:avLst/>
+          </a:prstGeom>
+          <a:noFill/>
+        </p:spPr>
+        <p:txBody>
+          <a:bodyPr wrap="none" rtlCol="0">
+            <a:spAutoFit/>
+          </a:bodyPr>
+          <a:lstStyle/>
+          <a:p>
+            <a:pPr algn="ctr"/>
+            <a:r>
+              <a:rPr lang="ko-KR" altLang="en-US" sz="4400" b="1" dirty="0">
+                <a:latin typeface="조선가는고딕" panose="02030504000101010101" pitchFamily="18" charset="-127"/>
+                <a:ea typeface="조선가는고딕" panose="02030504000101010101" pitchFamily="18" charset="-127"/>
+                <a:cs typeface="KoPubWorld돋움체 Light" panose="00000300000000000000" pitchFamily="2" charset="-127"/>
+              </a:rPr>
+              <a:t>적</a:t>
+            </a:r>
+            <a:r>
+              <a:rPr lang="en-US" altLang="ko-KR" sz="4400" b="1" dirty="0">
+                <a:latin typeface="조선가는고딕" panose="02030504000101010101" pitchFamily="18" charset="-127"/>
+                <a:ea typeface="조선가는고딕" panose="02030504000101010101" pitchFamily="18" charset="-127"/>
+                <a:cs typeface="KoPubWorld돋움체 Light" panose="00000300000000000000" pitchFamily="2" charset="-127"/>
+              </a:rPr>
+              <a:t>(</a:t>
+            </a:r>
+            <a:r>
+              <a:rPr lang="ko-KR" altLang="en-US" sz="4400" b="1" dirty="0">
+                <a:latin typeface="조선가는고딕" panose="02030504000101010101" pitchFamily="18" charset="-127"/>
+                <a:ea typeface="조선가는고딕" panose="02030504000101010101" pitchFamily="18" charset="-127"/>
+                <a:cs typeface="KoPubWorld돋움체 Light" panose="00000300000000000000" pitchFamily="2" charset="-127"/>
+              </a:rPr>
+              <a:t>몬스터</a:t>
+            </a:r>
+            <a:r>
+              <a:rPr lang="en-US" altLang="ko-KR" sz="4400" b="1" dirty="0">
+                <a:latin typeface="조선가는고딕" panose="02030504000101010101" pitchFamily="18" charset="-127"/>
+                <a:ea typeface="조선가는고딕" panose="02030504000101010101" pitchFamily="18" charset="-127"/>
+                <a:cs typeface="KoPubWorld돋움체 Light" panose="00000300000000000000" pitchFamily="2" charset="-127"/>
+              </a:rPr>
+              <a:t>)</a:t>
+            </a:r>
+          </a:p>
+        </p:txBody>
+      </p:sp>
       <p:pic>
         <p:nvPicPr>
-          <p:cNvPr id="10" name="그림 9">
-            <a:extLst>
-              <a:ext uri="{FF2B5EF4-FFF2-40B4-BE49-F238E27FC236}">
-                <a16:creationId xmlns:a16="http://schemas.microsoft.com/office/drawing/2014/main" id="{4C08FDEB-A590-1929-E812-67695D890E3D}"/>
+          <p:cNvPr id="3" name="그림 2" descr="만화 영화, 스크린샷이(가) 표시된 사진&#10;&#10;자동 생성된 설명">
+            <a:extLst>
+              <a:ext uri="{FF2B5EF4-FFF2-40B4-BE49-F238E27FC236}">
+                <a16:creationId xmlns:a16="http://schemas.microsoft.com/office/drawing/2014/main" id="{4C8D2D37-CF5E-B0D4-457B-0544EC57F4AD}"/>
               </a:ext>
             </a:extLst>
           </p:cNvPr>
@@ -5921,8 +4956,8 @@
         </p:blipFill>
         <p:spPr>
           <a:xfrm>
-            <a:off x="744217" y="2828276"/>
-            <a:ext cx="1013637" cy="1013637"/>
+            <a:off x="6199518" y="2093189"/>
+            <a:ext cx="2604240" cy="2553249"/>
           </a:xfrm>
           <a:prstGeom prst="rect">
             <a:avLst/>
@@ -5931,10 +4966,10 @@
       </p:pic>
       <p:sp>
         <p:nvSpPr>
-          <p:cNvPr id="13" name="TextBox 12">
-            <a:extLst>
-              <a:ext uri="{FF2B5EF4-FFF2-40B4-BE49-F238E27FC236}">
-                <a16:creationId xmlns:a16="http://schemas.microsoft.com/office/drawing/2014/main" id="{94B39D9E-41AA-3B34-F4B1-EB0FD179D47A}"/>
+          <p:cNvPr id="4" name="TextBox 3">
+            <a:extLst>
+              <a:ext uri="{FF2B5EF4-FFF2-40B4-BE49-F238E27FC236}">
+                <a16:creationId xmlns:a16="http://schemas.microsoft.com/office/drawing/2014/main" id="{7F124E2F-2A47-C259-EA7B-DC1649091969}"/>
               </a:ext>
             </a:extLst>
           </p:cNvPr>
@@ -5943,8 +4978,8 @@
         </p:nvSpPr>
         <p:spPr>
           <a:xfrm>
-            <a:off x="1757854" y="2857028"/>
-            <a:ext cx="6686446" cy="584775"/>
+            <a:off x="6312195" y="4970803"/>
+            <a:ext cx="5110716" cy="1015663"/>
           </a:xfrm>
           <a:prstGeom prst="rect">
             <a:avLst/>
@@ -5952,207 +4987,197 @@
           <a:noFill/>
         </p:spPr>
         <p:txBody>
-          <a:bodyPr wrap="none" rtlCol="0">
+          <a:bodyPr wrap="square" rtlCol="0">
             <a:spAutoFit/>
           </a:bodyPr>
           <a:lstStyle/>
           <a:p>
-            <a:pPr algn="ctr"/>
-            <a:r>
-              <a:rPr lang="ko-KR" altLang="en-US" sz="3200" dirty="0">
+            <a:pPr marL="342900" indent="-342900">
+              <a:buFont typeface="Arial" panose="020B0604020202020204" pitchFamily="34" charset="0"/>
+              <a:buChar char="•"/>
+            </a:pPr>
+            <a:r>
+              <a:rPr lang="ko-KR" altLang="en-US" sz="2000" dirty="0">
                 <a:latin typeface="조선가는고딕" panose="02030504000101010101" pitchFamily="18" charset="-127"/>
                 <a:ea typeface="조선가는고딕" panose="02030504000101010101" pitchFamily="18" charset="-127"/>
                 <a:cs typeface="KoPubWorld돋움체 Light" panose="00000300000000000000" pitchFamily="2" charset="-127"/>
               </a:rPr>
-              <a:t>투시경</a:t>
-            </a:r>
-            <a:r>
-              <a:rPr lang="en-US" altLang="ko-KR" sz="3200" dirty="0">
+              <a:t>키</a:t>
+            </a:r>
+            <a:r>
+              <a:rPr lang="en-US" altLang="ko-KR" sz="2000" dirty="0">
                 <a:latin typeface="조선가는고딕" panose="02030504000101010101" pitchFamily="18" charset="-127"/>
                 <a:ea typeface="조선가는고딕" panose="02030504000101010101" pitchFamily="18" charset="-127"/>
                 <a:cs typeface="KoPubWorld돋움체 Light" panose="00000300000000000000" pitchFamily="2" charset="-127"/>
               </a:rPr>
+              <a:t>: 150cm</a:t>
+            </a:r>
+          </a:p>
+          <a:p>
+            <a:pPr marL="342900" indent="-342900">
+              <a:buFont typeface="Arial" panose="020B0604020202020204" pitchFamily="34" charset="0"/>
+              <a:buChar char="•"/>
+            </a:pPr>
+            <a:r>
+              <a:rPr lang="ko-KR" altLang="en-US" sz="2000" dirty="0">
+                <a:latin typeface="조선가는고딕" panose="02030504000101010101" pitchFamily="18" charset="-127"/>
+                <a:ea typeface="조선가는고딕" panose="02030504000101010101" pitchFamily="18" charset="-127"/>
+                <a:cs typeface="KoPubWorld돋움체 Light" panose="00000300000000000000" pitchFamily="2" charset="-127"/>
+              </a:rPr>
+              <a:t>공격</a:t>
+            </a:r>
+            <a:r>
+              <a:rPr lang="en-US" altLang="ko-KR" sz="2000" dirty="0">
+                <a:latin typeface="조선가는고딕" panose="02030504000101010101" pitchFamily="18" charset="-127"/>
+                <a:ea typeface="조선가는고딕" panose="02030504000101010101" pitchFamily="18" charset="-127"/>
+                <a:cs typeface="KoPubWorld돋움체 Light" panose="00000300000000000000" pitchFamily="2" charset="-127"/>
+              </a:rPr>
               <a:t>: </a:t>
             </a:r>
             <a:r>
-              <a:rPr lang="ko-KR" altLang="en-US" sz="3200" dirty="0">
+              <a:rPr lang="ko-KR" altLang="en-US" sz="2000" dirty="0">
                 <a:latin typeface="조선가는고딕" panose="02030504000101010101" pitchFamily="18" charset="-127"/>
                 <a:ea typeface="조선가는고딕" panose="02030504000101010101" pitchFamily="18" charset="-127"/>
                 <a:cs typeface="KoPubWorld돋움체 Light" panose="00000300000000000000" pitchFamily="2" charset="-127"/>
               </a:rPr>
-              <a:t>투명한 적을 보이게 해준다</a:t>
-            </a:r>
-            <a:r>
-              <a:rPr lang="en-US" altLang="ko-KR" sz="3200" dirty="0">
+              <a:t>근접공격</a:t>
+            </a:r>
+            <a:r>
+              <a:rPr lang="en-US" altLang="ko-KR" sz="2000" dirty="0">
                 <a:latin typeface="조선가는고딕" panose="02030504000101010101" pitchFamily="18" charset="-127"/>
                 <a:ea typeface="조선가는고딕" panose="02030504000101010101" pitchFamily="18" charset="-127"/>
                 <a:cs typeface="KoPubWorld돋움체 Light" panose="00000300000000000000" pitchFamily="2" charset="-127"/>
               </a:rPr>
-              <a:t>.</a:t>
-            </a:r>
-          </a:p>
-        </p:txBody>
-      </p:sp>
-      <p:sp>
-        <p:nvSpPr>
-          <p:cNvPr id="14" name="TextBox 13">
-            <a:extLst>
-              <a:ext uri="{FF2B5EF4-FFF2-40B4-BE49-F238E27FC236}">
-                <a16:creationId xmlns:a16="http://schemas.microsoft.com/office/drawing/2014/main" id="{296D4A7D-D2DE-38D1-908F-1176B15B31A9}"/>
-              </a:ext>
-            </a:extLst>
-          </p:cNvPr>
-          <p:cNvSpPr txBox="1"/>
+              <a:t>(</a:t>
+            </a:r>
+            <a:r>
+              <a:rPr lang="ko-KR" altLang="en-US" sz="2000" dirty="0">
+                <a:latin typeface="조선가는고딕" panose="02030504000101010101" pitchFamily="18" charset="-127"/>
+                <a:ea typeface="조선가는고딕" panose="02030504000101010101" pitchFamily="18" charset="-127"/>
+                <a:cs typeface="KoPubWorld돋움체 Light" panose="00000300000000000000" pitchFamily="2" charset="-127"/>
+              </a:rPr>
+              <a:t>타격 데미지 </a:t>
+            </a:r>
+            <a:r>
+              <a:rPr lang="en-US" altLang="ko-KR" sz="2000" dirty="0">
+                <a:latin typeface="조선가는고딕" panose="02030504000101010101" pitchFamily="18" charset="-127"/>
+                <a:ea typeface="조선가는고딕" panose="02030504000101010101" pitchFamily="18" charset="-127"/>
+                <a:cs typeface="KoPubWorld돋움체 Light" panose="00000300000000000000" pitchFamily="2" charset="-127"/>
+              </a:rPr>
+              <a:t>1)</a:t>
+            </a:r>
+          </a:p>
+          <a:p>
+            <a:pPr marL="342900" indent="-342900">
+              <a:buFont typeface="Arial" panose="020B0604020202020204" pitchFamily="34" charset="0"/>
+              <a:buChar char="•"/>
+            </a:pPr>
+            <a:r>
+              <a:rPr lang="ko-KR" altLang="en-US" sz="2000" dirty="0">
+                <a:latin typeface="조선가는고딕" panose="02030504000101010101" pitchFamily="18" charset="-127"/>
+                <a:ea typeface="조선가는고딕" panose="02030504000101010101" pitchFamily="18" charset="-127"/>
+                <a:cs typeface="KoPubWorld돋움체 Light" panose="00000300000000000000" pitchFamily="2" charset="-127"/>
+              </a:rPr>
+              <a:t>애니메이션</a:t>
+            </a:r>
+            <a:r>
+              <a:rPr lang="en-US" altLang="ko-KR" sz="2000" dirty="0">
+                <a:latin typeface="조선가는고딕" panose="02030504000101010101" pitchFamily="18" charset="-127"/>
+                <a:ea typeface="조선가는고딕" panose="02030504000101010101" pitchFamily="18" charset="-127"/>
+                <a:cs typeface="KoPubWorld돋움체 Light" panose="00000300000000000000" pitchFamily="2" charset="-127"/>
+              </a:rPr>
+              <a:t>: </a:t>
+            </a:r>
+            <a:r>
+              <a:rPr lang="ko-KR" altLang="en-US" sz="2000" dirty="0">
+                <a:latin typeface="조선가는고딕" panose="02030504000101010101" pitchFamily="18" charset="-127"/>
+                <a:ea typeface="조선가는고딕" panose="02030504000101010101" pitchFamily="18" charset="-127"/>
+                <a:cs typeface="KoPubWorld돋움체 Light" panose="00000300000000000000" pitchFamily="2" charset="-127"/>
+              </a:rPr>
+              <a:t>걷기</a:t>
+            </a:r>
+            <a:r>
+              <a:rPr lang="en-US" altLang="ko-KR" sz="2000" dirty="0">
+                <a:latin typeface="조선가는고딕" panose="02030504000101010101" pitchFamily="18" charset="-127"/>
+                <a:ea typeface="조선가는고딕" panose="02030504000101010101" pitchFamily="18" charset="-127"/>
+                <a:cs typeface="KoPubWorld돋움체 Light" panose="00000300000000000000" pitchFamily="2" charset="-127"/>
+              </a:rPr>
+              <a:t>, </a:t>
+            </a:r>
+            <a:r>
+              <a:rPr lang="ko-KR" altLang="en-US" sz="2000" dirty="0">
+                <a:latin typeface="조선가는고딕" panose="02030504000101010101" pitchFamily="18" charset="-127"/>
+                <a:ea typeface="조선가는고딕" panose="02030504000101010101" pitchFamily="18" charset="-127"/>
+                <a:cs typeface="KoPubWorld돋움체 Light" panose="00000300000000000000" pitchFamily="2" charset="-127"/>
+              </a:rPr>
+              <a:t>공격</a:t>
+            </a:r>
+            <a:r>
+              <a:rPr lang="en-US" altLang="ko-KR" sz="2000" dirty="0">
+                <a:latin typeface="조선가는고딕" panose="02030504000101010101" pitchFamily="18" charset="-127"/>
+                <a:ea typeface="조선가는고딕" panose="02030504000101010101" pitchFamily="18" charset="-127"/>
+                <a:cs typeface="KoPubWorld돋움체 Light" panose="00000300000000000000" pitchFamily="2" charset="-127"/>
+              </a:rPr>
+              <a:t>, IDLE</a:t>
+            </a:r>
+          </a:p>
+        </p:txBody>
+      </p:sp>
+      <p:sp>
+        <p:nvSpPr>
+          <p:cNvPr id="7" name="직사각형 6">
+            <a:extLst>
+              <a:ext uri="{FF2B5EF4-FFF2-40B4-BE49-F238E27FC236}">
+                <a16:creationId xmlns:a16="http://schemas.microsoft.com/office/drawing/2014/main" id="{13A14623-9C28-9FD7-3AD8-CC8C36E357A0}"/>
+              </a:ext>
+            </a:extLst>
+          </p:cNvPr>
+          <p:cNvSpPr/>
           <p:nvPr/>
         </p:nvSpPr>
         <p:spPr>
           <a:xfrm>
-            <a:off x="2694552" y="3441803"/>
-            <a:ext cx="7350089" cy="400110"/>
+            <a:off x="5762846" y="1129544"/>
+            <a:ext cx="49619" cy="5535770"/>
           </a:xfrm>
           <a:prstGeom prst="rect">
             <a:avLst/>
           </a:prstGeom>
-          <a:noFill/>
+          <a:ln/>
         </p:spPr>
-        <p:txBody>
-          <a:bodyPr wrap="none" rtlCol="0">
-            <a:spAutoFit/>
-          </a:bodyPr>
+        <p:style>
+          <a:lnRef idx="1">
+            <a:schemeClr val="dk1"/>
+          </a:lnRef>
+          <a:fillRef idx="3">
+            <a:schemeClr val="dk1"/>
+          </a:fillRef>
+          <a:effectRef idx="2">
+            <a:schemeClr val="dk1"/>
+          </a:effectRef>
+          <a:fontRef idx="minor">
+            <a:schemeClr val="lt1"/>
+          </a:fontRef>
+        </p:style>
+        <p:txBody>
+          <a:bodyPr rtlCol="0" anchor="ctr"/>
           <a:lstStyle/>
           <a:p>
             <a:pPr algn="ctr"/>
-            <a:r>
-              <a:rPr lang="ko-KR" altLang="en-US" sz="2000" dirty="0">
-                <a:latin typeface="조선가는고딕" panose="02030504000101010101" pitchFamily="18" charset="-127"/>
-                <a:ea typeface="조선가는고딕" panose="02030504000101010101" pitchFamily="18" charset="-127"/>
-                <a:cs typeface="KoPubWorld돋움체 Light" panose="00000300000000000000" pitchFamily="2" charset="-127"/>
-              </a:rPr>
-              <a:t>획득 방법</a:t>
-            </a:r>
-            <a:r>
-              <a:rPr lang="en-US" altLang="ko-KR" sz="2000" dirty="0">
-                <a:latin typeface="조선가는고딕" panose="02030504000101010101" pitchFamily="18" charset="-127"/>
-                <a:ea typeface="조선가는고딕" panose="02030504000101010101" pitchFamily="18" charset="-127"/>
-                <a:cs typeface="KoPubWorld돋움체 Light" panose="00000300000000000000" pitchFamily="2" charset="-127"/>
-              </a:rPr>
-              <a:t>: </a:t>
-            </a:r>
-            <a:r>
-              <a:rPr lang="ko-KR" altLang="en-US" sz="2000" dirty="0">
-                <a:latin typeface="조선가는고딕" panose="02030504000101010101" pitchFamily="18" charset="-127"/>
-                <a:ea typeface="조선가는고딕" panose="02030504000101010101" pitchFamily="18" charset="-127"/>
-                <a:cs typeface="KoPubWorld돋움체 Light" panose="00000300000000000000" pitchFamily="2" charset="-127"/>
-              </a:rPr>
-              <a:t>바닥에 랜덤하게 떨어져 있고</a:t>
-            </a:r>
-            <a:r>
-              <a:rPr lang="en-US" altLang="ko-KR" sz="2000" dirty="0">
-                <a:latin typeface="조선가는고딕" panose="02030504000101010101" pitchFamily="18" charset="-127"/>
-                <a:ea typeface="조선가는고딕" panose="02030504000101010101" pitchFamily="18" charset="-127"/>
-                <a:cs typeface="KoPubWorld돋움체 Light" panose="00000300000000000000" pitchFamily="2" charset="-127"/>
-              </a:rPr>
-              <a:t>, </a:t>
-            </a:r>
-            <a:r>
-              <a:rPr lang="ko-KR" altLang="en-US" sz="2000" dirty="0">
-                <a:latin typeface="조선가는고딕" panose="02030504000101010101" pitchFamily="18" charset="-127"/>
-                <a:ea typeface="조선가는고딕" panose="02030504000101010101" pitchFamily="18" charset="-127"/>
-                <a:cs typeface="KoPubWorld돋움체 Light" panose="00000300000000000000" pitchFamily="2" charset="-127"/>
-              </a:rPr>
-              <a:t>특정 키 입력 시 줍기</a:t>
-            </a:r>
-            <a:endParaRPr lang="en-US" altLang="ko-KR" sz="2000" dirty="0">
-              <a:latin typeface="조선가는고딕" panose="02030504000101010101" pitchFamily="18" charset="-127"/>
-              <a:ea typeface="조선가는고딕" panose="02030504000101010101" pitchFamily="18" charset="-127"/>
-              <a:cs typeface="KoPubWorld돋움체 Light" panose="00000300000000000000" pitchFamily="2" charset="-127"/>
-            </a:endParaRPr>
-          </a:p>
-        </p:txBody>
-      </p:sp>
-      <p:sp>
-        <p:nvSpPr>
-          <p:cNvPr id="21" name="TextBox 20">
-            <a:extLst>
-              <a:ext uri="{FF2B5EF4-FFF2-40B4-BE49-F238E27FC236}">
-                <a16:creationId xmlns:a16="http://schemas.microsoft.com/office/drawing/2014/main" id="{E12B03CA-4E5A-A0B3-2454-16DB0273F19A}"/>
-              </a:ext>
-            </a:extLst>
-          </p:cNvPr>
-          <p:cNvSpPr txBox="1"/>
-          <p:nvPr/>
-        </p:nvSpPr>
-        <p:spPr>
-          <a:xfrm>
-            <a:off x="1762932" y="4887442"/>
-            <a:ext cx="10443885" cy="584775"/>
-          </a:xfrm>
-          <a:prstGeom prst="rect">
-            <a:avLst/>
-          </a:prstGeom>
-          <a:noFill/>
-        </p:spPr>
-        <p:txBody>
-          <a:bodyPr wrap="none" rtlCol="0">
-            <a:spAutoFit/>
-          </a:bodyPr>
-          <a:lstStyle/>
-          <a:p>
-            <a:pPr algn="ctr"/>
-            <a:r>
-              <a:rPr lang="ko-KR" altLang="en-US" sz="3200" dirty="0">
-                <a:latin typeface="조선가는고딕" panose="02030504000101010101" pitchFamily="18" charset="-127"/>
-                <a:ea typeface="조선가는고딕" panose="02030504000101010101" pitchFamily="18" charset="-127"/>
-                <a:cs typeface="KoPubWorld돋움체 Light" panose="00000300000000000000" pitchFamily="2" charset="-127"/>
-              </a:rPr>
-              <a:t>주사기</a:t>
-            </a:r>
-            <a:r>
-              <a:rPr lang="en-US" altLang="ko-KR" sz="3200" dirty="0">
-                <a:latin typeface="조선가는고딕" panose="02030504000101010101" pitchFamily="18" charset="-127"/>
-                <a:ea typeface="조선가는고딕" panose="02030504000101010101" pitchFamily="18" charset="-127"/>
-                <a:cs typeface="KoPubWorld돋움체 Light" panose="00000300000000000000" pitchFamily="2" charset="-127"/>
-              </a:rPr>
-              <a:t>: 30</a:t>
-            </a:r>
-            <a:r>
-              <a:rPr lang="ko-KR" altLang="en-US" sz="3200" dirty="0">
-                <a:latin typeface="조선가는고딕" panose="02030504000101010101" pitchFamily="18" charset="-127"/>
-                <a:ea typeface="조선가는고딕" panose="02030504000101010101" pitchFamily="18" charset="-127"/>
-                <a:cs typeface="KoPubWorld돋움체 Light" panose="00000300000000000000" pitchFamily="2" charset="-127"/>
-              </a:rPr>
-              <a:t>초 동안 방사능으로 인한 체력 감소를 </a:t>
-            </a:r>
-            <a:r>
-              <a:rPr lang="ko-KR" altLang="en-US" sz="3200" dirty="0" err="1">
-                <a:latin typeface="조선가는고딕" panose="02030504000101010101" pitchFamily="18" charset="-127"/>
-                <a:ea typeface="조선가는고딕" panose="02030504000101010101" pitchFamily="18" charset="-127"/>
-                <a:cs typeface="KoPubWorld돋움체 Light" panose="00000300000000000000" pitchFamily="2" charset="-127"/>
-              </a:rPr>
-              <a:t>막아줌</a:t>
-            </a:r>
-            <a:r>
-              <a:rPr lang="en-US" altLang="ko-KR" sz="3200" dirty="0">
-                <a:latin typeface="조선가는고딕" panose="02030504000101010101" pitchFamily="18" charset="-127"/>
-                <a:ea typeface="조선가는고딕" panose="02030504000101010101" pitchFamily="18" charset="-127"/>
-                <a:cs typeface="KoPubWorld돋움체 Light" panose="00000300000000000000" pitchFamily="2" charset="-127"/>
-              </a:rPr>
-              <a:t>.</a:t>
-            </a:r>
-            <a:endParaRPr lang="en-US" altLang="ko-KR" sz="4400" dirty="0">
-              <a:latin typeface="조선가는고딕" panose="02030504000101010101" pitchFamily="18" charset="-127"/>
-              <a:ea typeface="조선가는고딕" panose="02030504000101010101" pitchFamily="18" charset="-127"/>
-              <a:cs typeface="KoPubWorld돋움체 Light" panose="00000300000000000000" pitchFamily="2" charset="-127"/>
+            <a:endParaRPr lang="ko-KR" altLang="en-US">
+              <a:solidFill>
+                <a:srgbClr val="00B0F0"/>
+              </a:solidFill>
             </a:endParaRPr>
           </a:p>
         </p:txBody>
       </p:sp>
       <p:pic>
         <p:nvPicPr>
-          <p:cNvPr id="26" name="그림 25">
-            <a:extLst>
-              <a:ext uri="{FF2B5EF4-FFF2-40B4-BE49-F238E27FC236}">
-                <a16:creationId xmlns:a16="http://schemas.microsoft.com/office/drawing/2014/main" id="{31AD1A0D-03C7-4BDC-00D8-03185EAFB98E}"/>
+          <p:cNvPr id="9" name="그림 8">
+            <a:extLst>
+              <a:ext uri="{FF2B5EF4-FFF2-40B4-BE49-F238E27FC236}">
+                <a16:creationId xmlns:a16="http://schemas.microsoft.com/office/drawing/2014/main" id="{716C3588-75B4-B70B-796A-4CF8BB1DF085}"/>
               </a:ext>
             </a:extLst>
           </p:cNvPr>
@@ -6169,140 +5194,18 @@
         </p:blipFill>
         <p:spPr>
           <a:xfrm>
-            <a:off x="802220" y="4942679"/>
-            <a:ext cx="897629" cy="897629"/>
+            <a:off x="557400" y="1940896"/>
+            <a:ext cx="2025854" cy="2520670"/>
           </a:xfrm>
           <a:prstGeom prst="rect">
             <a:avLst/>
           </a:prstGeom>
         </p:spPr>
       </p:pic>
-      <p:sp>
-        <p:nvSpPr>
-          <p:cNvPr id="2" name="TextBox 1">
-            <a:extLst>
-              <a:ext uri="{FF2B5EF4-FFF2-40B4-BE49-F238E27FC236}">
-                <a16:creationId xmlns:a16="http://schemas.microsoft.com/office/drawing/2014/main" id="{288BAED9-65C7-4140-7ED8-2BDFCE3A7F57}"/>
-              </a:ext>
-            </a:extLst>
-          </p:cNvPr>
-          <p:cNvSpPr txBox="1"/>
-          <p:nvPr/>
-        </p:nvSpPr>
-        <p:spPr>
-          <a:xfrm>
-            <a:off x="2747181" y="5510595"/>
-            <a:ext cx="7350089" cy="400110"/>
-          </a:xfrm>
-          <a:prstGeom prst="rect">
-            <a:avLst/>
-          </a:prstGeom>
-          <a:noFill/>
-        </p:spPr>
-        <p:txBody>
-          <a:bodyPr wrap="none" rtlCol="0">
-            <a:spAutoFit/>
-          </a:bodyPr>
-          <a:lstStyle/>
-          <a:p>
-            <a:pPr algn="ctr"/>
-            <a:r>
-              <a:rPr lang="ko-KR" altLang="en-US" sz="2000" dirty="0">
-                <a:latin typeface="조선가는고딕" panose="02030504000101010101" pitchFamily="18" charset="-127"/>
-                <a:ea typeface="조선가는고딕" panose="02030504000101010101" pitchFamily="18" charset="-127"/>
-                <a:cs typeface="KoPubWorld돋움체 Light" panose="00000300000000000000" pitchFamily="2" charset="-127"/>
-              </a:rPr>
-              <a:t>획득 방법</a:t>
-            </a:r>
-            <a:r>
-              <a:rPr lang="en-US" altLang="ko-KR" sz="2000" dirty="0">
-                <a:latin typeface="조선가는고딕" panose="02030504000101010101" pitchFamily="18" charset="-127"/>
-                <a:ea typeface="조선가는고딕" panose="02030504000101010101" pitchFamily="18" charset="-127"/>
-                <a:cs typeface="KoPubWorld돋움체 Light" panose="00000300000000000000" pitchFamily="2" charset="-127"/>
-              </a:rPr>
-              <a:t>: </a:t>
-            </a:r>
-            <a:r>
-              <a:rPr lang="ko-KR" altLang="en-US" sz="2000" dirty="0">
-                <a:latin typeface="조선가는고딕" panose="02030504000101010101" pitchFamily="18" charset="-127"/>
-                <a:ea typeface="조선가는고딕" panose="02030504000101010101" pitchFamily="18" charset="-127"/>
-                <a:cs typeface="KoPubWorld돋움체 Light" panose="00000300000000000000" pitchFamily="2" charset="-127"/>
-              </a:rPr>
-              <a:t>바닥에 랜덤하게 떨어져 있고</a:t>
-            </a:r>
-            <a:r>
-              <a:rPr lang="en-US" altLang="ko-KR" sz="2000" dirty="0">
-                <a:latin typeface="조선가는고딕" panose="02030504000101010101" pitchFamily="18" charset="-127"/>
-                <a:ea typeface="조선가는고딕" panose="02030504000101010101" pitchFamily="18" charset="-127"/>
-                <a:cs typeface="KoPubWorld돋움체 Light" panose="00000300000000000000" pitchFamily="2" charset="-127"/>
-              </a:rPr>
-              <a:t>, </a:t>
-            </a:r>
-            <a:r>
-              <a:rPr lang="ko-KR" altLang="en-US" sz="2000" dirty="0">
-                <a:latin typeface="조선가는고딕" panose="02030504000101010101" pitchFamily="18" charset="-127"/>
-                <a:ea typeface="조선가는고딕" panose="02030504000101010101" pitchFamily="18" charset="-127"/>
-                <a:cs typeface="KoPubWorld돋움체 Light" panose="00000300000000000000" pitchFamily="2" charset="-127"/>
-              </a:rPr>
-              <a:t>특정 키 입력 시 줍기</a:t>
-            </a:r>
-            <a:endParaRPr lang="en-US" altLang="ko-KR" sz="2000" dirty="0">
-              <a:latin typeface="조선가는고딕" panose="02030504000101010101" pitchFamily="18" charset="-127"/>
-              <a:ea typeface="조선가는고딕" panose="02030504000101010101" pitchFamily="18" charset="-127"/>
-              <a:cs typeface="KoPubWorld돋움체 Light" panose="00000300000000000000" pitchFamily="2" charset="-127"/>
-            </a:endParaRPr>
-          </a:p>
-        </p:txBody>
-      </p:sp>
-      <p:sp>
-        <p:nvSpPr>
-          <p:cNvPr id="3" name="TextBox 2">
-            <a:extLst>
-              <a:ext uri="{FF2B5EF4-FFF2-40B4-BE49-F238E27FC236}">
-                <a16:creationId xmlns:a16="http://schemas.microsoft.com/office/drawing/2014/main" id="{2227414E-13AF-1113-C66D-81BA78417E6E}"/>
-              </a:ext>
-            </a:extLst>
-          </p:cNvPr>
-          <p:cNvSpPr txBox="1"/>
-          <p:nvPr/>
-        </p:nvSpPr>
-        <p:spPr>
-          <a:xfrm>
-            <a:off x="190064" y="1151350"/>
-            <a:ext cx="1877438" cy="769441"/>
-          </a:xfrm>
-          <a:prstGeom prst="rect">
-            <a:avLst/>
-          </a:prstGeom>
-          <a:noFill/>
-        </p:spPr>
-        <p:txBody>
-          <a:bodyPr wrap="none" rtlCol="0">
-            <a:spAutoFit/>
-          </a:bodyPr>
-          <a:lstStyle/>
-          <a:p>
-            <a:pPr algn="ctr"/>
-            <a:r>
-              <a:rPr lang="ko-KR" altLang="en-US" sz="4400" b="1" dirty="0">
-                <a:latin typeface="조선가는고딕" panose="02030504000101010101" pitchFamily="18" charset="-127"/>
-                <a:ea typeface="조선가는고딕" panose="02030504000101010101" pitchFamily="18" charset="-127"/>
-                <a:cs typeface="KoPubWorld돋움체 Light" panose="00000300000000000000" pitchFamily="2" charset="-127"/>
-              </a:rPr>
-              <a:t>아이템</a:t>
-            </a:r>
-            <a:endParaRPr lang="en-US" altLang="ko-KR" sz="4400" b="1" dirty="0">
-              <a:latin typeface="조선가는고딕" panose="02030504000101010101" pitchFamily="18" charset="-127"/>
-              <a:ea typeface="조선가는고딕" panose="02030504000101010101" pitchFamily="18" charset="-127"/>
-              <a:cs typeface="KoPubWorld돋움체 Light" panose="00000300000000000000" pitchFamily="2" charset="-127"/>
-            </a:endParaRPr>
-          </a:p>
-        </p:txBody>
-      </p:sp>
     </p:spTree>
     <p:extLst>
       <p:ext uri="{BB962C8B-B14F-4D97-AF65-F5344CB8AC3E}">
-        <p14:creationId xmlns:p14="http://schemas.microsoft.com/office/powerpoint/2010/main" val="1281936010"/>
+        <p14:creationId xmlns:p14="http://schemas.microsoft.com/office/powerpoint/2010/main" val="1312021578"/>
       </p:ext>
     </p:extLst>
   </p:cSld>
@@ -6312,7 +5215,7 @@
 </p:sld>
 </file>
 
-<file path=ppt/slides/slide12.xml><?xml version="1.0" encoding="utf-8"?>
+<file path=ppt/slides/slide11.xml><?xml version="1.0" encoding="utf-8"?>
 <p:sld xmlns:a="http://schemas.openxmlformats.org/drawingml/2006/main" xmlns:r="http://schemas.openxmlformats.org/officeDocument/2006/relationships" xmlns:p="http://schemas.openxmlformats.org/presentationml/2006/main">
   <p:cSld>
     <p:spTree>
@@ -7153,6 +6056,602 @@
     <p:extLst>
       <p:ext uri="{BB962C8B-B14F-4D97-AF65-F5344CB8AC3E}">
         <p14:creationId xmlns:p14="http://schemas.microsoft.com/office/powerpoint/2010/main" val="2755375091"/>
+      </p:ext>
+    </p:extLst>
+  </p:cSld>
+  <p:clrMapOvr>
+    <a:masterClrMapping/>
+  </p:clrMapOvr>
+</p:sld>
+</file>
+
+<file path=ppt/slides/slide12.xml><?xml version="1.0" encoding="utf-8"?>
+<p:sld xmlns:a="http://schemas.openxmlformats.org/drawingml/2006/main" xmlns:r="http://schemas.openxmlformats.org/officeDocument/2006/relationships" xmlns:p="http://schemas.openxmlformats.org/presentationml/2006/main">
+  <p:cSld>
+    <p:spTree>
+      <p:nvGrpSpPr>
+        <p:cNvPr id="1" name=""/>
+        <p:cNvGrpSpPr/>
+        <p:nvPr/>
+      </p:nvGrpSpPr>
+      <p:grpSpPr>
+        <a:xfrm>
+          <a:off x="0" y="0"/>
+          <a:ext cx="0" cy="0"/>
+          <a:chOff x="0" y="0"/>
+          <a:chExt cx="0" cy="0"/>
+        </a:xfrm>
+      </p:grpSpPr>
+      <p:sp>
+        <p:nvSpPr>
+          <p:cNvPr id="23" name="직사각형 22">
+            <a:extLst>
+              <a:ext uri="{FF2B5EF4-FFF2-40B4-BE49-F238E27FC236}">
+                <a16:creationId xmlns:a16="http://schemas.microsoft.com/office/drawing/2014/main" id="{505D9C9E-8325-4A59-BEFC-3BC22C85BDAD}"/>
+              </a:ext>
+            </a:extLst>
+          </p:cNvPr>
+          <p:cNvSpPr/>
+          <p:nvPr/>
+        </p:nvSpPr>
+        <p:spPr>
+          <a:xfrm flipV="1">
+            <a:off x="557400" y="1001162"/>
+            <a:ext cx="11077200" cy="18000"/>
+          </a:xfrm>
+          <a:prstGeom prst="rect">
+            <a:avLst/>
+          </a:prstGeom>
+          <a:solidFill>
+            <a:srgbClr val="64DECF"/>
+          </a:solidFill>
+          <a:ln>
+            <a:noFill/>
+          </a:ln>
+        </p:spPr>
+        <p:style>
+          <a:lnRef idx="2">
+            <a:schemeClr val="accent1">
+              <a:shade val="50000"/>
+            </a:schemeClr>
+          </a:lnRef>
+          <a:fillRef idx="1">
+            <a:schemeClr val="accent1"/>
+          </a:fillRef>
+          <a:effectRef idx="0">
+            <a:schemeClr val="accent1"/>
+          </a:effectRef>
+          <a:fontRef idx="minor">
+            <a:schemeClr val="lt1"/>
+          </a:fontRef>
+        </p:style>
+        <p:txBody>
+          <a:bodyPr rtlCol="0" anchor="ctr"/>
+          <a:lstStyle/>
+          <a:p>
+            <a:pPr algn="ctr"/>
+            <a:endParaRPr lang="ko-KR" altLang="en-US"/>
+          </a:p>
+        </p:txBody>
+      </p:sp>
+      <p:grpSp>
+        <p:nvGrpSpPr>
+          <p:cNvPr id="6" name="그룹 5">
+            <a:extLst>
+              <a:ext uri="{FF2B5EF4-FFF2-40B4-BE49-F238E27FC236}">
+                <a16:creationId xmlns:a16="http://schemas.microsoft.com/office/drawing/2014/main" id="{1B0813F0-0608-43A3-9E53-0BA015EDE231}"/>
+              </a:ext>
+            </a:extLst>
+          </p:cNvPr>
+          <p:cNvGrpSpPr/>
+          <p:nvPr/>
+        </p:nvGrpSpPr>
+        <p:grpSpPr>
+          <a:xfrm>
+            <a:off x="4105427" y="188165"/>
+            <a:ext cx="4698331" cy="830997"/>
+            <a:chOff x="3819245" y="188165"/>
+            <a:chExt cx="4011835" cy="830997"/>
+          </a:xfrm>
+        </p:grpSpPr>
+        <p:sp>
+          <p:nvSpPr>
+            <p:cNvPr id="5" name="직사각형 4">
+              <a:extLst>
+                <a:ext uri="{FF2B5EF4-FFF2-40B4-BE49-F238E27FC236}">
+                  <a16:creationId xmlns:a16="http://schemas.microsoft.com/office/drawing/2014/main" id="{7D0033C3-456D-4151-9AAB-F0A2E961A5B6}"/>
+                </a:ext>
+              </a:extLst>
+            </p:cNvPr>
+            <p:cNvSpPr/>
+            <p:nvPr/>
+          </p:nvSpPr>
+          <p:spPr>
+            <a:xfrm>
+              <a:off x="4633790" y="302276"/>
+              <a:ext cx="3197290" cy="584775"/>
+            </a:xfrm>
+            <a:prstGeom prst="rect">
+              <a:avLst/>
+            </a:prstGeom>
+          </p:spPr>
+          <p:txBody>
+            <a:bodyPr wrap="square">
+              <a:spAutoFit/>
+            </a:bodyPr>
+            <a:lstStyle/>
+            <a:p>
+              <a:r>
+                <a:rPr lang="ko-KR" altLang="en-US" sz="3200" dirty="0">
+                  <a:latin typeface="조선가는고딕" panose="02030504000101010101" pitchFamily="18" charset="-127"/>
+                  <a:ea typeface="조선가는고딕" panose="02030504000101010101" pitchFamily="18" charset="-127"/>
+                  <a:cs typeface="KoPubWorld돋움체 Bold" panose="00000800000000000000" pitchFamily="2" charset="-127"/>
+                </a:rPr>
+                <a:t>게임소개</a:t>
+              </a:r>
+              <a:endParaRPr lang="en-US" altLang="ko-KR" sz="3200" dirty="0">
+                <a:latin typeface="조선가는고딕" panose="02030504000101010101" pitchFamily="18" charset="-127"/>
+                <a:ea typeface="조선가는고딕" panose="02030504000101010101" pitchFamily="18" charset="-127"/>
+                <a:cs typeface="KoPubWorld돋움체 Bold" panose="00000800000000000000" pitchFamily="2" charset="-127"/>
+              </a:endParaRPr>
+            </a:p>
+          </p:txBody>
+        </p:sp>
+        <p:sp>
+          <p:nvSpPr>
+            <p:cNvPr id="24" name="TextBox 23">
+              <a:extLst>
+                <a:ext uri="{FF2B5EF4-FFF2-40B4-BE49-F238E27FC236}">
+                  <a16:creationId xmlns:a16="http://schemas.microsoft.com/office/drawing/2014/main" id="{1841637C-F02D-4ED4-9B17-10A92FFC6619}"/>
+                </a:ext>
+              </a:extLst>
+            </p:cNvPr>
+            <p:cNvSpPr txBox="1"/>
+            <p:nvPr/>
+          </p:nvSpPr>
+          <p:spPr>
+            <a:xfrm>
+              <a:off x="3819245" y="188165"/>
+              <a:ext cx="653182" cy="830997"/>
+            </a:xfrm>
+            <a:prstGeom prst="rect">
+              <a:avLst/>
+            </a:prstGeom>
+            <a:noFill/>
+          </p:spPr>
+          <p:txBody>
+            <a:bodyPr wrap="none" rtlCol="0">
+              <a:spAutoFit/>
+            </a:bodyPr>
+            <a:lstStyle/>
+            <a:p>
+              <a:r>
+                <a:rPr lang="en-US" altLang="ko-KR" sz="4800" b="1" dirty="0">
+                  <a:solidFill>
+                    <a:srgbClr val="64DECF"/>
+                  </a:solidFill>
+                  <a:latin typeface="조선가는고딕" panose="02030504000101010101" pitchFamily="18" charset="-127"/>
+                  <a:ea typeface="조선가는고딕" panose="02030504000101010101" pitchFamily="18" charset="-127"/>
+                  <a:cs typeface="KoPubWorld돋움체 Bold" panose="00000800000000000000" pitchFamily="2" charset="-127"/>
+                </a:rPr>
+                <a:t>02</a:t>
+              </a:r>
+              <a:endParaRPr lang="ko-KR" altLang="en-US" sz="4800" b="1" dirty="0">
+                <a:solidFill>
+                  <a:srgbClr val="64DECF"/>
+                </a:solidFill>
+                <a:latin typeface="조선가는고딕" panose="02030504000101010101" pitchFamily="18" charset="-127"/>
+                <a:ea typeface="조선가는고딕" panose="02030504000101010101" pitchFamily="18" charset="-127"/>
+                <a:cs typeface="KoPubWorld돋움체 Bold" panose="00000800000000000000" pitchFamily="2" charset="-127"/>
+              </a:endParaRPr>
+            </a:p>
+          </p:txBody>
+        </p:sp>
+      </p:grpSp>
+      <p:pic>
+        <p:nvPicPr>
+          <p:cNvPr id="10" name="그림 9">
+            <a:extLst>
+              <a:ext uri="{FF2B5EF4-FFF2-40B4-BE49-F238E27FC236}">
+                <a16:creationId xmlns:a16="http://schemas.microsoft.com/office/drawing/2014/main" id="{4C08FDEB-A590-1929-E812-67695D890E3D}"/>
+              </a:ext>
+            </a:extLst>
+          </p:cNvPr>
+          <p:cNvPicPr>
+            <a:picLocks noChangeAspect="1"/>
+          </p:cNvPicPr>
+          <p:nvPr/>
+        </p:nvPicPr>
+        <p:blipFill>
+          <a:blip r:embed="rId2"/>
+          <a:stretch>
+            <a:fillRect/>
+          </a:stretch>
+        </p:blipFill>
+        <p:spPr>
+          <a:xfrm>
+            <a:off x="744217" y="2828276"/>
+            <a:ext cx="1013637" cy="1013637"/>
+          </a:xfrm>
+          <a:prstGeom prst="rect">
+            <a:avLst/>
+          </a:prstGeom>
+        </p:spPr>
+      </p:pic>
+      <p:sp>
+        <p:nvSpPr>
+          <p:cNvPr id="13" name="TextBox 12">
+            <a:extLst>
+              <a:ext uri="{FF2B5EF4-FFF2-40B4-BE49-F238E27FC236}">
+                <a16:creationId xmlns:a16="http://schemas.microsoft.com/office/drawing/2014/main" id="{94B39D9E-41AA-3B34-F4B1-EB0FD179D47A}"/>
+              </a:ext>
+            </a:extLst>
+          </p:cNvPr>
+          <p:cNvSpPr txBox="1"/>
+          <p:nvPr/>
+        </p:nvSpPr>
+        <p:spPr>
+          <a:xfrm>
+            <a:off x="1757854" y="2857028"/>
+            <a:ext cx="6686446" cy="584775"/>
+          </a:xfrm>
+          <a:prstGeom prst="rect">
+            <a:avLst/>
+          </a:prstGeom>
+          <a:noFill/>
+        </p:spPr>
+        <p:txBody>
+          <a:bodyPr wrap="none" rtlCol="0">
+            <a:spAutoFit/>
+          </a:bodyPr>
+          <a:lstStyle/>
+          <a:p>
+            <a:pPr algn="ctr"/>
+            <a:r>
+              <a:rPr lang="ko-KR" altLang="en-US" sz="3200" dirty="0">
+                <a:latin typeface="조선가는고딕" panose="02030504000101010101" pitchFamily="18" charset="-127"/>
+                <a:ea typeface="조선가는고딕" panose="02030504000101010101" pitchFamily="18" charset="-127"/>
+                <a:cs typeface="KoPubWorld돋움체 Light" panose="00000300000000000000" pitchFamily="2" charset="-127"/>
+              </a:rPr>
+              <a:t>투시경</a:t>
+            </a:r>
+            <a:r>
+              <a:rPr lang="en-US" altLang="ko-KR" sz="3200" dirty="0">
+                <a:latin typeface="조선가는고딕" panose="02030504000101010101" pitchFamily="18" charset="-127"/>
+                <a:ea typeface="조선가는고딕" panose="02030504000101010101" pitchFamily="18" charset="-127"/>
+                <a:cs typeface="KoPubWorld돋움체 Light" panose="00000300000000000000" pitchFamily="2" charset="-127"/>
+              </a:rPr>
+              <a:t>: </a:t>
+            </a:r>
+            <a:r>
+              <a:rPr lang="ko-KR" altLang="en-US" sz="3200" dirty="0">
+                <a:latin typeface="조선가는고딕" panose="02030504000101010101" pitchFamily="18" charset="-127"/>
+                <a:ea typeface="조선가는고딕" panose="02030504000101010101" pitchFamily="18" charset="-127"/>
+                <a:cs typeface="KoPubWorld돋움체 Light" panose="00000300000000000000" pitchFamily="2" charset="-127"/>
+              </a:rPr>
+              <a:t>투명한 적을 보이게 해준다</a:t>
+            </a:r>
+            <a:r>
+              <a:rPr lang="en-US" altLang="ko-KR" sz="3200" dirty="0">
+                <a:latin typeface="조선가는고딕" panose="02030504000101010101" pitchFamily="18" charset="-127"/>
+                <a:ea typeface="조선가는고딕" panose="02030504000101010101" pitchFamily="18" charset="-127"/>
+                <a:cs typeface="KoPubWorld돋움체 Light" panose="00000300000000000000" pitchFamily="2" charset="-127"/>
+              </a:rPr>
+              <a:t>.</a:t>
+            </a:r>
+          </a:p>
+        </p:txBody>
+      </p:sp>
+      <p:sp>
+        <p:nvSpPr>
+          <p:cNvPr id="14" name="TextBox 13">
+            <a:extLst>
+              <a:ext uri="{FF2B5EF4-FFF2-40B4-BE49-F238E27FC236}">
+                <a16:creationId xmlns:a16="http://schemas.microsoft.com/office/drawing/2014/main" id="{296D4A7D-D2DE-38D1-908F-1176B15B31A9}"/>
+              </a:ext>
+            </a:extLst>
+          </p:cNvPr>
+          <p:cNvSpPr txBox="1"/>
+          <p:nvPr/>
+        </p:nvSpPr>
+        <p:spPr>
+          <a:xfrm>
+            <a:off x="2694552" y="3441803"/>
+            <a:ext cx="7350089" cy="400110"/>
+          </a:xfrm>
+          <a:prstGeom prst="rect">
+            <a:avLst/>
+          </a:prstGeom>
+          <a:noFill/>
+        </p:spPr>
+        <p:txBody>
+          <a:bodyPr wrap="none" rtlCol="0">
+            <a:spAutoFit/>
+          </a:bodyPr>
+          <a:lstStyle/>
+          <a:p>
+            <a:pPr algn="ctr"/>
+            <a:r>
+              <a:rPr lang="ko-KR" altLang="en-US" sz="2000" dirty="0">
+                <a:latin typeface="조선가는고딕" panose="02030504000101010101" pitchFamily="18" charset="-127"/>
+                <a:ea typeface="조선가는고딕" panose="02030504000101010101" pitchFamily="18" charset="-127"/>
+                <a:cs typeface="KoPubWorld돋움체 Light" panose="00000300000000000000" pitchFamily="2" charset="-127"/>
+              </a:rPr>
+              <a:t>획득 방법</a:t>
+            </a:r>
+            <a:r>
+              <a:rPr lang="en-US" altLang="ko-KR" sz="2000" dirty="0">
+                <a:latin typeface="조선가는고딕" panose="02030504000101010101" pitchFamily="18" charset="-127"/>
+                <a:ea typeface="조선가는고딕" panose="02030504000101010101" pitchFamily="18" charset="-127"/>
+                <a:cs typeface="KoPubWorld돋움체 Light" panose="00000300000000000000" pitchFamily="2" charset="-127"/>
+              </a:rPr>
+              <a:t>: </a:t>
+            </a:r>
+            <a:r>
+              <a:rPr lang="ko-KR" altLang="en-US" sz="2000" dirty="0">
+                <a:latin typeface="조선가는고딕" panose="02030504000101010101" pitchFamily="18" charset="-127"/>
+                <a:ea typeface="조선가는고딕" panose="02030504000101010101" pitchFamily="18" charset="-127"/>
+                <a:cs typeface="KoPubWorld돋움체 Light" panose="00000300000000000000" pitchFamily="2" charset="-127"/>
+              </a:rPr>
+              <a:t>바닥에 랜덤하게 떨어져 있고</a:t>
+            </a:r>
+            <a:r>
+              <a:rPr lang="en-US" altLang="ko-KR" sz="2000" dirty="0">
+                <a:latin typeface="조선가는고딕" panose="02030504000101010101" pitchFamily="18" charset="-127"/>
+                <a:ea typeface="조선가는고딕" panose="02030504000101010101" pitchFamily="18" charset="-127"/>
+                <a:cs typeface="KoPubWorld돋움체 Light" panose="00000300000000000000" pitchFamily="2" charset="-127"/>
+              </a:rPr>
+              <a:t>, </a:t>
+            </a:r>
+            <a:r>
+              <a:rPr lang="ko-KR" altLang="en-US" sz="2000" dirty="0">
+                <a:latin typeface="조선가는고딕" panose="02030504000101010101" pitchFamily="18" charset="-127"/>
+                <a:ea typeface="조선가는고딕" panose="02030504000101010101" pitchFamily="18" charset="-127"/>
+                <a:cs typeface="KoPubWorld돋움체 Light" panose="00000300000000000000" pitchFamily="2" charset="-127"/>
+              </a:rPr>
+              <a:t>특정 키 입력 시 줍기</a:t>
+            </a:r>
+            <a:endParaRPr lang="en-US" altLang="ko-KR" sz="2000" dirty="0">
+              <a:latin typeface="조선가는고딕" panose="02030504000101010101" pitchFamily="18" charset="-127"/>
+              <a:ea typeface="조선가는고딕" panose="02030504000101010101" pitchFamily="18" charset="-127"/>
+              <a:cs typeface="KoPubWorld돋움체 Light" panose="00000300000000000000" pitchFamily="2" charset="-127"/>
+            </a:endParaRPr>
+          </a:p>
+        </p:txBody>
+      </p:sp>
+      <p:sp>
+        <p:nvSpPr>
+          <p:cNvPr id="21" name="TextBox 20">
+            <a:extLst>
+              <a:ext uri="{FF2B5EF4-FFF2-40B4-BE49-F238E27FC236}">
+                <a16:creationId xmlns:a16="http://schemas.microsoft.com/office/drawing/2014/main" id="{E12B03CA-4E5A-A0B3-2454-16DB0273F19A}"/>
+              </a:ext>
+            </a:extLst>
+          </p:cNvPr>
+          <p:cNvSpPr txBox="1"/>
+          <p:nvPr/>
+        </p:nvSpPr>
+        <p:spPr>
+          <a:xfrm>
+            <a:off x="1762932" y="4887442"/>
+            <a:ext cx="10443885" cy="584775"/>
+          </a:xfrm>
+          <a:prstGeom prst="rect">
+            <a:avLst/>
+          </a:prstGeom>
+          <a:noFill/>
+        </p:spPr>
+        <p:txBody>
+          <a:bodyPr wrap="none" rtlCol="0">
+            <a:spAutoFit/>
+          </a:bodyPr>
+          <a:lstStyle/>
+          <a:p>
+            <a:pPr algn="ctr"/>
+            <a:r>
+              <a:rPr lang="ko-KR" altLang="en-US" sz="3200" dirty="0">
+                <a:latin typeface="조선가는고딕" panose="02030504000101010101" pitchFamily="18" charset="-127"/>
+                <a:ea typeface="조선가는고딕" panose="02030504000101010101" pitchFamily="18" charset="-127"/>
+                <a:cs typeface="KoPubWorld돋움체 Light" panose="00000300000000000000" pitchFamily="2" charset="-127"/>
+              </a:rPr>
+              <a:t>주사기</a:t>
+            </a:r>
+            <a:r>
+              <a:rPr lang="en-US" altLang="ko-KR" sz="3200" dirty="0">
+                <a:latin typeface="조선가는고딕" panose="02030504000101010101" pitchFamily="18" charset="-127"/>
+                <a:ea typeface="조선가는고딕" panose="02030504000101010101" pitchFamily="18" charset="-127"/>
+                <a:cs typeface="KoPubWorld돋움체 Light" panose="00000300000000000000" pitchFamily="2" charset="-127"/>
+              </a:rPr>
+              <a:t>: 30</a:t>
+            </a:r>
+            <a:r>
+              <a:rPr lang="ko-KR" altLang="en-US" sz="3200" dirty="0">
+                <a:latin typeface="조선가는고딕" panose="02030504000101010101" pitchFamily="18" charset="-127"/>
+                <a:ea typeface="조선가는고딕" panose="02030504000101010101" pitchFamily="18" charset="-127"/>
+                <a:cs typeface="KoPubWorld돋움체 Light" panose="00000300000000000000" pitchFamily="2" charset="-127"/>
+              </a:rPr>
+              <a:t>초 동안 방사능으로 인한 체력 감소를 </a:t>
+            </a:r>
+            <a:r>
+              <a:rPr lang="ko-KR" altLang="en-US" sz="3200" dirty="0" err="1">
+                <a:latin typeface="조선가는고딕" panose="02030504000101010101" pitchFamily="18" charset="-127"/>
+                <a:ea typeface="조선가는고딕" panose="02030504000101010101" pitchFamily="18" charset="-127"/>
+                <a:cs typeface="KoPubWorld돋움체 Light" panose="00000300000000000000" pitchFamily="2" charset="-127"/>
+              </a:rPr>
+              <a:t>막아줌</a:t>
+            </a:r>
+            <a:r>
+              <a:rPr lang="en-US" altLang="ko-KR" sz="3200" dirty="0">
+                <a:latin typeface="조선가는고딕" panose="02030504000101010101" pitchFamily="18" charset="-127"/>
+                <a:ea typeface="조선가는고딕" panose="02030504000101010101" pitchFamily="18" charset="-127"/>
+                <a:cs typeface="KoPubWorld돋움체 Light" panose="00000300000000000000" pitchFamily="2" charset="-127"/>
+              </a:rPr>
+              <a:t>.</a:t>
+            </a:r>
+            <a:endParaRPr lang="en-US" altLang="ko-KR" sz="4400" dirty="0">
+              <a:latin typeface="조선가는고딕" panose="02030504000101010101" pitchFamily="18" charset="-127"/>
+              <a:ea typeface="조선가는고딕" panose="02030504000101010101" pitchFamily="18" charset="-127"/>
+              <a:cs typeface="KoPubWorld돋움체 Light" panose="00000300000000000000" pitchFamily="2" charset="-127"/>
+            </a:endParaRPr>
+          </a:p>
+        </p:txBody>
+      </p:sp>
+      <p:pic>
+        <p:nvPicPr>
+          <p:cNvPr id="26" name="그림 25">
+            <a:extLst>
+              <a:ext uri="{FF2B5EF4-FFF2-40B4-BE49-F238E27FC236}">
+                <a16:creationId xmlns:a16="http://schemas.microsoft.com/office/drawing/2014/main" id="{31AD1A0D-03C7-4BDC-00D8-03185EAFB98E}"/>
+              </a:ext>
+            </a:extLst>
+          </p:cNvPr>
+          <p:cNvPicPr>
+            <a:picLocks noChangeAspect="1"/>
+          </p:cNvPicPr>
+          <p:nvPr/>
+        </p:nvPicPr>
+        <p:blipFill>
+          <a:blip r:embed="rId3"/>
+          <a:stretch>
+            <a:fillRect/>
+          </a:stretch>
+        </p:blipFill>
+        <p:spPr>
+          <a:xfrm>
+            <a:off x="802220" y="4942679"/>
+            <a:ext cx="897629" cy="897629"/>
+          </a:xfrm>
+          <a:prstGeom prst="rect">
+            <a:avLst/>
+          </a:prstGeom>
+        </p:spPr>
+      </p:pic>
+      <p:sp>
+        <p:nvSpPr>
+          <p:cNvPr id="2" name="TextBox 1">
+            <a:extLst>
+              <a:ext uri="{FF2B5EF4-FFF2-40B4-BE49-F238E27FC236}">
+                <a16:creationId xmlns:a16="http://schemas.microsoft.com/office/drawing/2014/main" id="{288BAED9-65C7-4140-7ED8-2BDFCE3A7F57}"/>
+              </a:ext>
+            </a:extLst>
+          </p:cNvPr>
+          <p:cNvSpPr txBox="1"/>
+          <p:nvPr/>
+        </p:nvSpPr>
+        <p:spPr>
+          <a:xfrm>
+            <a:off x="2747181" y="5510595"/>
+            <a:ext cx="7350089" cy="400110"/>
+          </a:xfrm>
+          <a:prstGeom prst="rect">
+            <a:avLst/>
+          </a:prstGeom>
+          <a:noFill/>
+        </p:spPr>
+        <p:txBody>
+          <a:bodyPr wrap="none" rtlCol="0">
+            <a:spAutoFit/>
+          </a:bodyPr>
+          <a:lstStyle/>
+          <a:p>
+            <a:pPr algn="ctr"/>
+            <a:r>
+              <a:rPr lang="ko-KR" altLang="en-US" sz="2000" dirty="0">
+                <a:latin typeface="조선가는고딕" panose="02030504000101010101" pitchFamily="18" charset="-127"/>
+                <a:ea typeface="조선가는고딕" panose="02030504000101010101" pitchFamily="18" charset="-127"/>
+                <a:cs typeface="KoPubWorld돋움체 Light" panose="00000300000000000000" pitchFamily="2" charset="-127"/>
+              </a:rPr>
+              <a:t>획득 방법</a:t>
+            </a:r>
+            <a:r>
+              <a:rPr lang="en-US" altLang="ko-KR" sz="2000" dirty="0">
+                <a:latin typeface="조선가는고딕" panose="02030504000101010101" pitchFamily="18" charset="-127"/>
+                <a:ea typeface="조선가는고딕" panose="02030504000101010101" pitchFamily="18" charset="-127"/>
+                <a:cs typeface="KoPubWorld돋움체 Light" panose="00000300000000000000" pitchFamily="2" charset="-127"/>
+              </a:rPr>
+              <a:t>: </a:t>
+            </a:r>
+            <a:r>
+              <a:rPr lang="ko-KR" altLang="en-US" sz="2000" dirty="0">
+                <a:latin typeface="조선가는고딕" panose="02030504000101010101" pitchFamily="18" charset="-127"/>
+                <a:ea typeface="조선가는고딕" panose="02030504000101010101" pitchFamily="18" charset="-127"/>
+                <a:cs typeface="KoPubWorld돋움체 Light" panose="00000300000000000000" pitchFamily="2" charset="-127"/>
+              </a:rPr>
+              <a:t>바닥에 랜덤하게 떨어져 있고</a:t>
+            </a:r>
+            <a:r>
+              <a:rPr lang="en-US" altLang="ko-KR" sz="2000" dirty="0">
+                <a:latin typeface="조선가는고딕" panose="02030504000101010101" pitchFamily="18" charset="-127"/>
+                <a:ea typeface="조선가는고딕" panose="02030504000101010101" pitchFamily="18" charset="-127"/>
+                <a:cs typeface="KoPubWorld돋움체 Light" panose="00000300000000000000" pitchFamily="2" charset="-127"/>
+              </a:rPr>
+              <a:t>, </a:t>
+            </a:r>
+            <a:r>
+              <a:rPr lang="ko-KR" altLang="en-US" sz="2000" dirty="0">
+                <a:latin typeface="조선가는고딕" panose="02030504000101010101" pitchFamily="18" charset="-127"/>
+                <a:ea typeface="조선가는고딕" panose="02030504000101010101" pitchFamily="18" charset="-127"/>
+                <a:cs typeface="KoPubWorld돋움체 Light" panose="00000300000000000000" pitchFamily="2" charset="-127"/>
+              </a:rPr>
+              <a:t>특정 키 입력 시 줍기</a:t>
+            </a:r>
+            <a:endParaRPr lang="en-US" altLang="ko-KR" sz="2000" dirty="0">
+              <a:latin typeface="조선가는고딕" panose="02030504000101010101" pitchFamily="18" charset="-127"/>
+              <a:ea typeface="조선가는고딕" panose="02030504000101010101" pitchFamily="18" charset="-127"/>
+              <a:cs typeface="KoPubWorld돋움체 Light" panose="00000300000000000000" pitchFamily="2" charset="-127"/>
+            </a:endParaRPr>
+          </a:p>
+        </p:txBody>
+      </p:sp>
+      <p:sp>
+        <p:nvSpPr>
+          <p:cNvPr id="3" name="TextBox 2">
+            <a:extLst>
+              <a:ext uri="{FF2B5EF4-FFF2-40B4-BE49-F238E27FC236}">
+                <a16:creationId xmlns:a16="http://schemas.microsoft.com/office/drawing/2014/main" id="{2227414E-13AF-1113-C66D-81BA78417E6E}"/>
+              </a:ext>
+            </a:extLst>
+          </p:cNvPr>
+          <p:cNvSpPr txBox="1"/>
+          <p:nvPr/>
+        </p:nvSpPr>
+        <p:spPr>
+          <a:xfrm>
+            <a:off x="190064" y="1151350"/>
+            <a:ext cx="1877438" cy="769441"/>
+          </a:xfrm>
+          <a:prstGeom prst="rect">
+            <a:avLst/>
+          </a:prstGeom>
+          <a:noFill/>
+        </p:spPr>
+        <p:txBody>
+          <a:bodyPr wrap="none" rtlCol="0">
+            <a:spAutoFit/>
+          </a:bodyPr>
+          <a:lstStyle/>
+          <a:p>
+            <a:pPr algn="ctr"/>
+            <a:r>
+              <a:rPr lang="ko-KR" altLang="en-US" sz="4400" b="1" dirty="0">
+                <a:latin typeface="조선가는고딕" panose="02030504000101010101" pitchFamily="18" charset="-127"/>
+                <a:ea typeface="조선가는고딕" panose="02030504000101010101" pitchFamily="18" charset="-127"/>
+                <a:cs typeface="KoPubWorld돋움체 Light" panose="00000300000000000000" pitchFamily="2" charset="-127"/>
+              </a:rPr>
+              <a:t>아이템</a:t>
+            </a:r>
+            <a:endParaRPr lang="en-US" altLang="ko-KR" sz="4400" b="1" dirty="0">
+              <a:latin typeface="조선가는고딕" panose="02030504000101010101" pitchFamily="18" charset="-127"/>
+              <a:ea typeface="조선가는고딕" panose="02030504000101010101" pitchFamily="18" charset="-127"/>
+              <a:cs typeface="KoPubWorld돋움체 Light" panose="00000300000000000000" pitchFamily="2" charset="-127"/>
+            </a:endParaRPr>
+          </a:p>
+        </p:txBody>
+      </p:sp>
+    </p:spTree>
+    <p:extLst>
+      <p:ext uri="{BB962C8B-B14F-4D97-AF65-F5344CB8AC3E}">
+        <p14:creationId xmlns:p14="http://schemas.microsoft.com/office/powerpoint/2010/main" val="1281936010"/>
       </p:ext>
     </p:extLst>
   </p:cSld>
@@ -9561,6 +9060,194 @@
           </a:p>
         </p:txBody>
       </p:sp>
+      <p:sp>
+        <p:nvSpPr>
+          <p:cNvPr id="7" name="직사각형 6">
+            <a:extLst>
+              <a:ext uri="{FF2B5EF4-FFF2-40B4-BE49-F238E27FC236}">
+                <a16:creationId xmlns:a16="http://schemas.microsoft.com/office/drawing/2014/main" id="{49F3A0CB-6CB3-2B97-425B-73C0AA873ED4}"/>
+              </a:ext>
+            </a:extLst>
+          </p:cNvPr>
+          <p:cNvSpPr/>
+          <p:nvPr/>
+        </p:nvSpPr>
+        <p:spPr>
+          <a:xfrm>
+            <a:off x="3258687" y="4015446"/>
+            <a:ext cx="500079" cy="453139"/>
+          </a:xfrm>
+          <a:prstGeom prst="rect">
+            <a:avLst/>
+          </a:prstGeom>
+          <a:solidFill>
+            <a:schemeClr val="tx1">
+              <a:lumMod val="95000"/>
+              <a:lumOff val="5000"/>
+              <a:alpha val="50000"/>
+            </a:schemeClr>
+          </a:solidFill>
+          <a:ln>
+            <a:noFill/>
+          </a:ln>
+        </p:spPr>
+        <p:style>
+          <a:lnRef idx="0">
+            <a:scrgbClr r="0" g="0" b="0"/>
+          </a:lnRef>
+          <a:fillRef idx="0">
+            <a:scrgbClr r="0" g="0" b="0"/>
+          </a:fillRef>
+          <a:effectRef idx="0">
+            <a:scrgbClr r="0" g="0" b="0"/>
+          </a:effectRef>
+          <a:fontRef idx="minor">
+            <a:schemeClr val="lt1"/>
+          </a:fontRef>
+        </p:style>
+        <p:txBody>
+          <a:bodyPr rtlCol="0" anchor="ctr"/>
+          <a:lstStyle/>
+          <a:p>
+            <a:pPr algn="ctr"/>
+            <a:endParaRPr lang="ko-KR" altLang="en-US" dirty="0"/>
+          </a:p>
+        </p:txBody>
+      </p:sp>
+      <p:sp>
+        <p:nvSpPr>
+          <p:cNvPr id="8" name="Google Shape;156;p22">
+            <a:extLst>
+              <a:ext uri="{FF2B5EF4-FFF2-40B4-BE49-F238E27FC236}">
+                <a16:creationId xmlns:a16="http://schemas.microsoft.com/office/drawing/2014/main" id="{FCF8518E-75BB-5801-E734-F5BF76732948}"/>
+              </a:ext>
+            </a:extLst>
+          </p:cNvPr>
+          <p:cNvSpPr/>
+          <p:nvPr/>
+        </p:nvSpPr>
+        <p:spPr>
+          <a:xfrm rot="12580432" flipH="1">
+            <a:off x="3949407" y="2690300"/>
+            <a:ext cx="312040" cy="1477400"/>
+          </a:xfrm>
+          <a:prstGeom prst="downArrow">
+            <a:avLst>
+              <a:gd name="adj1" fmla="val 50000"/>
+              <a:gd name="adj2" fmla="val 50000"/>
+            </a:avLst>
+          </a:prstGeom>
+          <a:solidFill>
+            <a:schemeClr val="tx1">
+              <a:lumMod val="75000"/>
+              <a:lumOff val="25000"/>
+            </a:schemeClr>
+          </a:solidFill>
+          <a:ln>
+            <a:headEnd type="none" w="sm" len="sm"/>
+            <a:tailEnd type="none" w="sm" len="sm"/>
+          </a:ln>
+        </p:spPr>
+        <p:style>
+          <a:lnRef idx="2">
+            <a:schemeClr val="accent5">
+              <a:shade val="15000"/>
+            </a:schemeClr>
+          </a:lnRef>
+          <a:fillRef idx="1">
+            <a:schemeClr val="accent5"/>
+          </a:fillRef>
+          <a:effectRef idx="0">
+            <a:schemeClr val="accent5"/>
+          </a:effectRef>
+          <a:fontRef idx="minor">
+            <a:schemeClr val="lt1"/>
+          </a:fontRef>
+        </p:style>
+        <p:txBody>
+          <a:bodyPr spcFirstLastPara="1" wrap="square" lIns="91425" tIns="91425" rIns="91425" bIns="91425" anchor="ctr" anchorCtr="0">
+            <a:noAutofit/>
+          </a:bodyPr>
+          <a:lstStyle/>
+          <a:p>
+            <a:pPr marL="0" lvl="0" indent="0" algn="l" rtl="0">
+              <a:spcBef>
+                <a:spcPts val="0"/>
+              </a:spcBef>
+              <a:spcAft>
+                <a:spcPts val="0"/>
+              </a:spcAft>
+              <a:buNone/>
+            </a:pPr>
+            <a:endParaRPr>
+              <a:solidFill>
+                <a:srgbClr val="FF0000"/>
+              </a:solidFill>
+            </a:endParaRPr>
+          </a:p>
+        </p:txBody>
+      </p:sp>
+      <p:sp>
+        <p:nvSpPr>
+          <p:cNvPr id="12" name="Google Shape;157;p22">
+            <a:extLst>
+              <a:ext uri="{FF2B5EF4-FFF2-40B4-BE49-F238E27FC236}">
+                <a16:creationId xmlns:a16="http://schemas.microsoft.com/office/drawing/2014/main" id="{C0E9ADA1-19F3-3558-7F54-5F0C71751159}"/>
+              </a:ext>
+            </a:extLst>
+          </p:cNvPr>
+          <p:cNvSpPr txBox="1"/>
+          <p:nvPr/>
+        </p:nvSpPr>
+        <p:spPr>
+          <a:xfrm>
+            <a:off x="4378813" y="2279249"/>
+            <a:ext cx="2032584" cy="428554"/>
+          </a:xfrm>
+          <a:prstGeom prst="rect">
+            <a:avLst/>
+          </a:prstGeom>
+          <a:noFill/>
+          <a:ln>
+            <a:noFill/>
+          </a:ln>
+        </p:spPr>
+        <p:txBody>
+          <a:bodyPr spcFirstLastPara="1" wrap="square" lIns="91425" tIns="91425" rIns="91425" bIns="91425" anchor="t" anchorCtr="0">
+            <a:noAutofit/>
+          </a:bodyPr>
+          <a:lstStyle/>
+          <a:p>
+            <a:pPr marL="0" lvl="0" indent="0" algn="l" rtl="0">
+              <a:spcBef>
+                <a:spcPts val="0"/>
+              </a:spcBef>
+              <a:spcAft>
+                <a:spcPts val="0"/>
+              </a:spcAft>
+              <a:buNone/>
+            </a:pPr>
+            <a:r>
+              <a:rPr lang="en-US" b="1" dirty="0">
+                <a:latin typeface="조선가는고딕" panose="02030504000101010101" pitchFamily="18" charset="-127"/>
+                <a:ea typeface="조선가는고딕" panose="02030504000101010101" pitchFamily="18" charset="-127"/>
+              </a:rPr>
+              <a:t>R:</a:t>
+            </a:r>
+            <a:r>
+              <a:rPr lang="ko-KR" altLang="en-US" b="1" dirty="0">
+                <a:latin typeface="조선가는고딕" panose="02030504000101010101" pitchFamily="18" charset="-127"/>
+                <a:ea typeface="조선가는고딕" panose="02030504000101010101" pitchFamily="18" charset="-127"/>
+              </a:rPr>
+              <a:t>장전</a:t>
+            </a:r>
+            <a:endParaRPr b="1" dirty="0">
+              <a:latin typeface="조선가는고딕" panose="02030504000101010101" pitchFamily="18" charset="-127"/>
+              <a:ea typeface="조선가는고딕" panose="02030504000101010101" pitchFamily="18" charset="-127"/>
+            </a:endParaRPr>
+          </a:p>
+        </p:txBody>
+      </p:sp>
     </p:spTree>
     <p:extLst>
       <p:ext uri="{BB962C8B-B14F-4D97-AF65-F5344CB8AC3E}">
@@ -10619,7 +10306,7 @@
         </p:nvSpPr>
         <p:spPr>
           <a:xfrm>
-            <a:off x="6276591" y="3818620"/>
+            <a:off x="6262142" y="3908729"/>
             <a:ext cx="4315454" cy="584775"/>
           </a:xfrm>
           <a:prstGeom prst="rect">
@@ -10730,15 +10417,7 @@
                 <a:ea typeface="조선가는고딕" panose="02030504000101010101" pitchFamily="18" charset="-127"/>
                 <a:cs typeface="KoPubWorld돋움체 Light" panose="00000300000000000000" pitchFamily="2" charset="-127"/>
               </a:rPr>
-              <a:t> </a:t>
-            </a:r>
-            <a:r>
-              <a:rPr lang="ko-KR" altLang="en-US" sz="3200" dirty="0" err="1">
-                <a:latin typeface="조선가는고딕" panose="02030504000101010101" pitchFamily="18" charset="-127"/>
-                <a:ea typeface="조선가는고딕" panose="02030504000101010101" pitchFamily="18" charset="-127"/>
-                <a:cs typeface="KoPubWorld돋움체 Light" panose="00000300000000000000" pitchFamily="2" charset="-127"/>
-              </a:rPr>
-              <a:t>랜더링</a:t>
+              <a:t> 렌더링</a:t>
             </a:r>
             <a:endParaRPr lang="en-US" altLang="ko-KR" sz="3200" dirty="0">
               <a:latin typeface="조선가는고딕" panose="02030504000101010101" pitchFamily="18" charset="-127"/>
@@ -10763,15 +10442,15 @@
           <p:nvPr/>
         </p:nvPicPr>
         <p:blipFill>
-          <a:blip r:embed="rId2"/>
+          <a:blip r:embed="rId3"/>
           <a:stretch>
             <a:fillRect/>
           </a:stretch>
         </p:blipFill>
         <p:spPr>
           <a:xfrm>
-            <a:off x="10207679" y="3862173"/>
-            <a:ext cx="1316387" cy="1196429"/>
+            <a:off x="10297038" y="3735829"/>
+            <a:ext cx="1450061" cy="1317922"/>
           </a:xfrm>
           <a:prstGeom prst="rect">
             <a:avLst/>
@@ -10794,8 +10473,8 @@
         </p:nvSpPr>
         <p:spPr>
           <a:xfrm>
-            <a:off x="10060428" y="5017619"/>
-            <a:ext cx="2211958" cy="442482"/>
+            <a:off x="10297038" y="4975011"/>
+            <a:ext cx="1653957" cy="442482"/>
           </a:xfrm>
           <a:prstGeom prst="rect">
             <a:avLst/>
@@ -11369,6 +11048,11 @@
             <a:pPr algn="l"/>
             <a:r>
               <a:rPr lang="ko-KR" altLang="en-US" sz="3600" b="1" dirty="0">
+                <a:solidFill>
+                  <a:schemeClr val="accent1">
+                    <a:lumMod val="75000"/>
+                  </a:schemeClr>
+                </a:solidFill>
                 <a:latin typeface="조선가는고딕" panose="02030504000101010101" pitchFamily="18" charset="-127"/>
                 <a:ea typeface="조선가는고딕" panose="02030504000101010101" pitchFamily="18" charset="-127"/>
                 <a:cs typeface="Times New Roman" panose="02020603050405020304" pitchFamily="18" charset="0"/>
@@ -11376,6 +11060,11 @@
               <a:t>김도한</a:t>
             </a:r>
             <a:endParaRPr lang="en-US" altLang="ko-KR" sz="3600" b="1" dirty="0">
+              <a:solidFill>
+                <a:schemeClr val="accent1">
+                  <a:lumMod val="75000"/>
+                </a:schemeClr>
+              </a:solidFill>
               <a:latin typeface="조선가는고딕" panose="02030504000101010101" pitchFamily="18" charset="-127"/>
               <a:ea typeface="조선가는고딕" panose="02030504000101010101" pitchFamily="18" charset="-127"/>
               <a:cs typeface="Times New Roman" panose="02020603050405020304" pitchFamily="18" charset="0"/>
@@ -11433,6 +11122,11 @@
             <a:pPr algn="l"/>
             <a:r>
               <a:rPr lang="ko-KR" altLang="en-US" sz="3600" b="1" dirty="0" err="1">
+                <a:solidFill>
+                  <a:schemeClr val="accent1">
+                    <a:lumMod val="75000"/>
+                  </a:schemeClr>
+                </a:solidFill>
                 <a:latin typeface="조선가는고딕" panose="02030504000101010101" pitchFamily="18" charset="-127"/>
                 <a:ea typeface="조선가는고딕" panose="02030504000101010101" pitchFamily="18" charset="-127"/>
                 <a:cs typeface="Times New Roman" panose="02020603050405020304" pitchFamily="18" charset="0"/>
@@ -11440,6 +11134,11 @@
               <a:t>홍서진</a:t>
             </a:r>
             <a:endParaRPr lang="en-US" altLang="ko-KR" sz="3600" b="1" dirty="0">
+              <a:solidFill>
+                <a:schemeClr val="accent1">
+                  <a:lumMod val="75000"/>
+                </a:schemeClr>
+              </a:solidFill>
               <a:latin typeface="조선가는고딕" panose="02030504000101010101" pitchFamily="18" charset="-127"/>
               <a:ea typeface="조선가는고딕" panose="02030504000101010101" pitchFamily="18" charset="-127"/>
               <a:cs typeface="Times New Roman" panose="02020603050405020304" pitchFamily="18" charset="0"/>
@@ -12041,7 +11740,7 @@
         </p:nvGrpSpPr>
         <p:grpSpPr>
           <a:xfrm>
-            <a:off x="3570256" y="68581"/>
+            <a:off x="3740377" y="88395"/>
             <a:ext cx="6938258" cy="830997"/>
             <a:chOff x="3819245" y="188165"/>
             <a:chExt cx="5924475" cy="830997"/>
@@ -12080,7 +11779,7 @@
                   <a:ea typeface="조선가는고딕" panose="02030504000101010101" pitchFamily="18" charset="-127"/>
                   <a:cs typeface="KoPubWorld돋움체 Light" panose="00000300000000000000" pitchFamily="2" charset="-127"/>
                 </a:rPr>
-                <a:t>게임 개발 일정</a:t>
+                <a:t>역할 분담 및 일정</a:t>
               </a:r>
             </a:p>
           </p:txBody>
@@ -12151,7 +11850,7 @@
           <p:nvPr>
             <p:extLst>
               <p:ext uri="{D42A27DB-BD31-4B8C-83A1-F6EECF244321}">
-                <p14:modId xmlns:p14="http://schemas.microsoft.com/office/powerpoint/2010/main" val="2145730199"/>
+                <p14:modId xmlns:p14="http://schemas.microsoft.com/office/powerpoint/2010/main" val="950853173"/>
               </p:ext>
             </p:extLst>
           </p:nvPr>
@@ -12795,6 +12494,26 @@
                         </a:rPr>
                         <a:t>게임 객체</a:t>
                       </a:r>
+                      <a:endParaRPr lang="en-US" altLang="ko-KR" sz="1300" b="1" baseline="0" dirty="0">
+                        <a:solidFill>
+                          <a:schemeClr val="bg1"/>
+                        </a:solidFill>
+                        <a:latin typeface="굴림" panose="020B0600000101010101" pitchFamily="50" charset="-127"/>
+                        <a:ea typeface="조선가는고딕" panose="02030504000101010101"/>
+                      </a:endParaRPr>
+                    </a:p>
+                    <a:p>
+                      <a:pPr algn="ctr" latinLnBrk="1"/>
+                      <a:r>
+                        <a:rPr lang="ko-KR" altLang="en-US" sz="1300" b="1" baseline="0" dirty="0">
+                          <a:solidFill>
+                            <a:schemeClr val="bg1"/>
+                          </a:solidFill>
+                          <a:latin typeface="굴림" panose="020B0600000101010101" pitchFamily="50" charset="-127"/>
+                          <a:ea typeface="조선가는고딕" panose="02030504000101010101"/>
+                        </a:rPr>
+                        <a:t>띄우기</a:t>
+                      </a:r>
                     </a:p>
                   </a:txBody>
                   <a:tcPr>
@@ -13124,7 +12843,25 @@
                           </a:solidFill>
                           <a:ea typeface="조선가는고딕" panose="02030504000101010101"/>
                         </a:rPr>
-                        <a:t>파티클랜더링</a:t>
+                        <a:t>파티클</a:t>
+                      </a:r>
+                      <a:r>
+                        <a:rPr lang="ko-KR" altLang="en-US" sz="1300" b="1" baseline="0" dirty="0">
+                          <a:solidFill>
+                            <a:schemeClr val="bg1"/>
+                          </a:solidFill>
+                          <a:ea typeface="조선가는고딕" panose="02030504000101010101"/>
+                        </a:rPr>
+                        <a:t> </a:t>
+                      </a:r>
+                      <a:r>
+                        <a:rPr lang="ko-KR" altLang="en-US" sz="1300" b="1" baseline="0" dirty="0" err="1">
+                          <a:solidFill>
+                            <a:schemeClr val="bg1"/>
+                          </a:solidFill>
+                          <a:ea typeface="조선가는고딕" panose="02030504000101010101"/>
+                        </a:rPr>
+                        <a:t>랜더링</a:t>
                       </a:r>
                       <a:endParaRPr lang="ko-KR" altLang="en-US" sz="1300" b="1" baseline="0" dirty="0">
                         <a:solidFill>
@@ -16145,8 +15882,8 @@
         </p:nvSpPr>
         <p:spPr>
           <a:xfrm>
-            <a:off x="2396006" y="5372765"/>
-            <a:ext cx="6922088" cy="461665"/>
+            <a:off x="2837617" y="5261908"/>
+            <a:ext cx="4990469" cy="461665"/>
           </a:xfrm>
           <a:prstGeom prst="rect">
             <a:avLst/>
@@ -16166,18 +15903,7 @@
                 <a:ea typeface="조선가는고딕" panose="02030504000101010101" pitchFamily="18" charset="-127"/>
                 <a:cs typeface="KoPubWorld돋움체 Light" panose="00000300000000000000" pitchFamily="2" charset="-127"/>
               </a:rPr>
-              <a:t>웨이브마다 적이 몰려오는 </a:t>
-            </a:r>
-            <a:r>
-              <a:rPr lang="ko-KR" altLang="en-US" sz="2400" b="1" dirty="0">
-                <a:solidFill>
-                  <a:srgbClr val="00B0F0"/>
-                </a:solidFill>
-                <a:latin typeface="조선가는고딕" panose="02030504000101010101" pitchFamily="18" charset="-127"/>
-                <a:ea typeface="조선가는고딕" panose="02030504000101010101" pitchFamily="18" charset="-127"/>
-                <a:cs typeface="KoPubWorld돋움체 Light" panose="00000300000000000000" pitchFamily="2" charset="-127"/>
-              </a:rPr>
-              <a:t>생존형 </a:t>
+              <a:t>적이 대량으로 몰려오는 </a:t>
             </a:r>
             <a:r>
               <a:rPr lang="en-US" altLang="ko-KR" sz="2400" b="1" dirty="0">
@@ -16468,7 +16194,7 @@
         <p:spPr>
           <a:xfrm>
             <a:off x="-178172" y="2004590"/>
-            <a:ext cx="11812772" cy="3735061"/>
+            <a:ext cx="12033474" cy="3324372"/>
           </a:xfrm>
           <a:prstGeom prst="rect">
             <a:avLst/>
@@ -17116,7 +16842,7 @@
                 <a:latin typeface="조선가는고딕" panose="02030504000101010101" pitchFamily="18" charset="-127"/>
                 <a:ea typeface="조선가는고딕" panose="02030504000101010101" pitchFamily="18" charset="-127"/>
               </a:rPr>
-              <a:t>웨이브마다 </a:t>
+              <a:t>대량으로 </a:t>
             </a:r>
             <a:r>
               <a:rPr lang="ko-KR" altLang="en-US" sz="2400" dirty="0">
@@ -17317,7 +17043,7 @@
         </p:nvSpPr>
         <p:spPr>
           <a:xfrm rot="16200000" flipH="1">
-            <a:off x="2112719" y="655672"/>
+            <a:off x="2101937" y="778718"/>
             <a:ext cx="45719" cy="4078949"/>
           </a:xfrm>
           <a:prstGeom prst="rect">
@@ -18967,7 +18693,7 @@
         </p:nvSpPr>
         <p:spPr>
           <a:xfrm>
-            <a:off x="-91645" y="2426679"/>
+            <a:off x="0" y="2447944"/>
             <a:ext cx="9817397" cy="840038"/>
           </a:xfrm>
           <a:prstGeom prst="rect">
@@ -19027,7 +18753,7 @@
         </p:nvSpPr>
         <p:spPr>
           <a:xfrm>
-            <a:off x="7003312" y="2182057"/>
+            <a:off x="6931556" y="1831081"/>
             <a:ext cx="4784651" cy="3477875"/>
           </a:xfrm>
           <a:prstGeom prst="rect">
@@ -19232,8 +18958,8 @@
         </p:nvSpPr>
         <p:spPr>
           <a:xfrm>
-            <a:off x="71150" y="2654520"/>
-            <a:ext cx="6177516" cy="3108543"/>
+            <a:off x="283801" y="2704242"/>
+            <a:ext cx="6177516" cy="3539430"/>
           </a:xfrm>
           <a:prstGeom prst="rect">
             <a:avLst/>
@@ -19256,7 +18982,7 @@
                 <a:ea typeface="조선가는고딕" panose="02030504000101010101" pitchFamily="18" charset="-127"/>
                 <a:cs typeface="KoPubWorld돋움체 Light" panose="00000300000000000000" pitchFamily="2" charset="-127"/>
               </a:rPr>
-              <a:t>플레이어</a:t>
+              <a:t>맵 사이즈</a:t>
             </a:r>
             <a:r>
               <a:rPr lang="en-US" altLang="ko-KR" sz="2800" dirty="0">
@@ -19264,71 +18990,8 @@
                 <a:ea typeface="조선가는고딕" panose="02030504000101010101" pitchFamily="18" charset="-127"/>
                 <a:cs typeface="KoPubWorld돋움체 Light" panose="00000300000000000000" pitchFamily="2" charset="-127"/>
               </a:rPr>
-              <a:t>: 1</a:t>
-            </a:r>
-            <a:r>
-              <a:rPr lang="ko-KR" altLang="en-US" sz="2800" dirty="0">
-                <a:latin typeface="조선가는고딕" panose="02030504000101010101" pitchFamily="18" charset="-127"/>
-                <a:ea typeface="조선가는고딕" panose="02030504000101010101" pitchFamily="18" charset="-127"/>
-                <a:cs typeface="KoPubWorld돋움체 Light" panose="00000300000000000000" pitchFamily="2" charset="-127"/>
-              </a:rPr>
-              <a:t>종류</a:t>
-            </a:r>
-            <a:endParaRPr lang="en-US" altLang="ko-KR" sz="2800" dirty="0">
-              <a:latin typeface="조선가는고딕" panose="02030504000101010101" pitchFamily="18" charset="-127"/>
-              <a:ea typeface="조선가는고딕" panose="02030504000101010101" pitchFamily="18" charset="-127"/>
-              <a:cs typeface="KoPubWorld돋움체 Light" panose="00000300000000000000" pitchFamily="2" charset="-127"/>
-            </a:endParaRPr>
-          </a:p>
-          <a:p>
-            <a:endParaRPr lang="en-US" altLang="ko-KR" sz="2800" dirty="0">
-              <a:latin typeface="조선가는고딕" panose="02030504000101010101" pitchFamily="18" charset="-127"/>
-              <a:ea typeface="조선가는고딕" panose="02030504000101010101" pitchFamily="18" charset="-127"/>
-              <a:cs typeface="KoPubWorld돋움체 Light" panose="00000300000000000000" pitchFamily="2" charset="-127"/>
-            </a:endParaRPr>
-          </a:p>
-          <a:p>
-            <a:pPr marL="457200" indent="-457200">
-              <a:buFont typeface="Arial" panose="020B0604020202020204" pitchFamily="34" charset="0"/>
-              <a:buChar char="•"/>
-            </a:pPr>
-            <a:r>
-              <a:rPr lang="ko-KR" altLang="en-US" sz="2800" b="1" dirty="0">
-                <a:latin typeface="조선가는고딕" panose="02030504000101010101" pitchFamily="18" charset="-127"/>
-                <a:ea typeface="조선가는고딕" panose="02030504000101010101" pitchFamily="18" charset="-127"/>
-                <a:cs typeface="KoPubWorld돋움체 Light" panose="00000300000000000000" pitchFamily="2" charset="-127"/>
-              </a:rPr>
-              <a:t>적 </a:t>
-            </a:r>
-            <a:r>
-              <a:rPr lang="en-US" altLang="ko-KR" sz="2800" b="1" dirty="0">
-                <a:latin typeface="조선가는고딕" panose="02030504000101010101" pitchFamily="18" charset="-127"/>
-                <a:ea typeface="조선가는고딕" panose="02030504000101010101" pitchFamily="18" charset="-127"/>
-                <a:cs typeface="KoPubWorld돋움체 Light" panose="00000300000000000000" pitchFamily="2" charset="-127"/>
-              </a:rPr>
-              <a:t>: </a:t>
-            </a:r>
-            <a:r>
-              <a:rPr lang="en-US" altLang="ko-KR" sz="2800" dirty="0">
-                <a:latin typeface="조선가는고딕" panose="02030504000101010101" pitchFamily="18" charset="-127"/>
-                <a:ea typeface="조선가는고딕" panose="02030504000101010101" pitchFamily="18" charset="-127"/>
-                <a:cs typeface="KoPubWorld돋움체 Light" panose="00000300000000000000" pitchFamily="2" charset="-127"/>
-              </a:rPr>
-              <a:t>2 </a:t>
-            </a:r>
-            <a:r>
-              <a:rPr lang="ko-KR" altLang="en-US" sz="2800" dirty="0">
-                <a:latin typeface="조선가는고딕" panose="02030504000101010101" pitchFamily="18" charset="-127"/>
-                <a:ea typeface="조선가는고딕" panose="02030504000101010101" pitchFamily="18" charset="-127"/>
-                <a:cs typeface="KoPubWorld돋움체 Light" panose="00000300000000000000" pitchFamily="2" charset="-127"/>
-              </a:rPr>
-              <a:t>종류</a:t>
-            </a:r>
-            <a:endParaRPr lang="en-US" altLang="ko-KR" sz="2800" dirty="0">
-              <a:latin typeface="조선가는고딕" panose="02030504000101010101" pitchFamily="18" charset="-127"/>
-              <a:ea typeface="조선가는고딕" panose="02030504000101010101" pitchFamily="18" charset="-127"/>
-              <a:cs typeface="KoPubWorld돋움체 Light" panose="00000300000000000000" pitchFamily="2" charset="-127"/>
-            </a:endParaRPr>
+              <a:t>:1000(UNIT) *1000(UNIT)</a:t>
+            </a:r>
           </a:p>
           <a:p>
             <a:pPr marL="457200" indent="-457200">
@@ -19352,7 +19015,15 @@
                 <a:ea typeface="조선가는고딕" panose="02030504000101010101" pitchFamily="18" charset="-127"/>
                 <a:cs typeface="KoPubWorld돋움체 Light" panose="00000300000000000000" pitchFamily="2" charset="-127"/>
               </a:rPr>
-              <a:t>맵 사이즈</a:t>
+              <a:t>웨이브</a:t>
+            </a:r>
+            <a:r>
+              <a:rPr lang="en-US" altLang="ko-KR" sz="2800" b="1" dirty="0">
+                <a:latin typeface="조선가는고딕" panose="02030504000101010101" pitchFamily="18" charset="-127"/>
+                <a:ea typeface="조선가는고딕" panose="02030504000101010101" pitchFamily="18" charset="-127"/>
+                <a:cs typeface="KoPubWorld돋움체 Light" panose="00000300000000000000" pitchFamily="2" charset="-127"/>
+              </a:rPr>
+              <a:t>: </a:t>
             </a:r>
             <a:r>
               <a:rPr lang="en-US" altLang="ko-KR" sz="2800" dirty="0">
@@ -19360,8 +19031,132 @@
                 <a:ea typeface="조선가는고딕" panose="02030504000101010101" pitchFamily="18" charset="-127"/>
                 <a:cs typeface="KoPubWorld돋움체 Light" panose="00000300000000000000" pitchFamily="2" charset="-127"/>
               </a:rPr>
-              <a:t>:1000(UNIT) *1000(UNIT)</a:t>
-            </a:r>
+              <a:t>5Wave (</a:t>
+            </a:r>
+            <a:r>
+              <a:rPr lang="ko-KR" altLang="en-US" sz="2800" dirty="0">
+                <a:latin typeface="조선가는고딕" panose="02030504000101010101" pitchFamily="18" charset="-127"/>
+                <a:ea typeface="조선가는고딕" panose="02030504000101010101" pitchFamily="18" charset="-127"/>
+                <a:cs typeface="KoPubWorld돋움체 Light" panose="00000300000000000000" pitchFamily="2" charset="-127"/>
+              </a:rPr>
+              <a:t>플레이 시간</a:t>
+            </a:r>
+            <a:r>
+              <a:rPr lang="en-US" altLang="ko-KR" sz="2800" dirty="0">
+                <a:latin typeface="조선가는고딕" panose="02030504000101010101" pitchFamily="18" charset="-127"/>
+                <a:ea typeface="조선가는고딕" panose="02030504000101010101" pitchFamily="18" charset="-127"/>
+                <a:cs typeface="KoPubWorld돋움체 Light" panose="00000300000000000000" pitchFamily="2" charset="-127"/>
+              </a:rPr>
+              <a:t> 10</a:t>
+            </a:r>
+            <a:r>
+              <a:rPr lang="ko-KR" altLang="en-US" sz="2800" dirty="0">
+                <a:latin typeface="조선가는고딕" panose="02030504000101010101" pitchFamily="18" charset="-127"/>
+                <a:ea typeface="조선가는고딕" panose="02030504000101010101" pitchFamily="18" charset="-127"/>
+                <a:cs typeface="KoPubWorld돋움체 Light" panose="00000300000000000000" pitchFamily="2" charset="-127"/>
+              </a:rPr>
+              <a:t>분</a:t>
+            </a:r>
+            <a:r>
+              <a:rPr lang="en-US" altLang="ko-KR" sz="2800" dirty="0">
+                <a:latin typeface="조선가는고딕" panose="02030504000101010101" pitchFamily="18" charset="-127"/>
+                <a:ea typeface="조선가는고딕" panose="02030504000101010101" pitchFamily="18" charset="-127"/>
+                <a:cs typeface="KoPubWorld돋움체 Light" panose="00000300000000000000" pitchFamily="2" charset="-127"/>
+              </a:rPr>
+              <a:t>)</a:t>
+            </a:r>
+          </a:p>
+          <a:p>
+            <a:endParaRPr lang="en-US" altLang="ko-KR" sz="2800" b="1" dirty="0">
+              <a:latin typeface="조선가는고딕" panose="02030504000101010101" pitchFamily="18" charset="-127"/>
+              <a:ea typeface="조선가는고딕" panose="02030504000101010101" pitchFamily="18" charset="-127"/>
+              <a:cs typeface="KoPubWorld돋움체 Light" panose="00000300000000000000" pitchFamily="2" charset="-127"/>
+            </a:endParaRPr>
+          </a:p>
+          <a:p>
+            <a:pPr marL="457200" indent="-457200">
+              <a:buFont typeface="Arial" panose="020B0604020202020204" pitchFamily="34" charset="0"/>
+              <a:buChar char="•"/>
+            </a:pPr>
+            <a:r>
+              <a:rPr lang="ko-KR" altLang="en-US" sz="2800" b="1" dirty="0">
+                <a:latin typeface="조선가는고딕" panose="02030504000101010101" pitchFamily="18" charset="-127"/>
+                <a:ea typeface="조선가는고딕" panose="02030504000101010101" pitchFamily="18" charset="-127"/>
+                <a:cs typeface="KoPubWorld돋움체 Light" panose="00000300000000000000" pitchFamily="2" charset="-127"/>
+              </a:rPr>
+              <a:t>플레이어</a:t>
+            </a:r>
+            <a:r>
+              <a:rPr lang="en-US" altLang="ko-KR" sz="2800" dirty="0">
+                <a:latin typeface="조선가는고딕" panose="02030504000101010101" pitchFamily="18" charset="-127"/>
+                <a:ea typeface="조선가는고딕" panose="02030504000101010101" pitchFamily="18" charset="-127"/>
+                <a:cs typeface="KoPubWorld돋움체 Light" panose="00000300000000000000" pitchFamily="2" charset="-127"/>
+              </a:rPr>
+              <a:t>: 1</a:t>
+            </a:r>
+            <a:r>
+              <a:rPr lang="ko-KR" altLang="en-US" sz="2800" dirty="0">
+                <a:latin typeface="조선가는고딕" panose="02030504000101010101" pitchFamily="18" charset="-127"/>
+                <a:ea typeface="조선가는고딕" panose="02030504000101010101" pitchFamily="18" charset="-127"/>
+                <a:cs typeface="KoPubWorld돋움체 Light" panose="00000300000000000000" pitchFamily="2" charset="-127"/>
+              </a:rPr>
+              <a:t>종류</a:t>
+            </a:r>
+            <a:endParaRPr lang="en-US" altLang="ko-KR" sz="2800" dirty="0">
+              <a:latin typeface="조선가는고딕" panose="02030504000101010101" pitchFamily="18" charset="-127"/>
+              <a:ea typeface="조선가는고딕" panose="02030504000101010101" pitchFamily="18" charset="-127"/>
+              <a:cs typeface="KoPubWorld돋움체 Light" panose="00000300000000000000" pitchFamily="2" charset="-127"/>
+            </a:endParaRPr>
+          </a:p>
+          <a:p>
+            <a:endParaRPr lang="en-US" altLang="ko-KR" sz="2800" dirty="0">
+              <a:latin typeface="조선가는고딕" panose="02030504000101010101" pitchFamily="18" charset="-127"/>
+              <a:ea typeface="조선가는고딕" panose="02030504000101010101" pitchFamily="18" charset="-127"/>
+              <a:cs typeface="KoPubWorld돋움체 Light" panose="00000300000000000000" pitchFamily="2" charset="-127"/>
+            </a:endParaRPr>
+          </a:p>
+          <a:p>
+            <a:pPr marL="457200" indent="-457200">
+              <a:buFont typeface="Arial" panose="020B0604020202020204" pitchFamily="34" charset="0"/>
+              <a:buChar char="•"/>
+            </a:pPr>
+            <a:r>
+              <a:rPr lang="ko-KR" altLang="en-US" sz="2800" b="1" dirty="0">
+                <a:latin typeface="조선가는고딕" panose="02030504000101010101" pitchFamily="18" charset="-127"/>
+                <a:ea typeface="조선가는고딕" panose="02030504000101010101" pitchFamily="18" charset="-127"/>
+                <a:cs typeface="KoPubWorld돋움체 Light" panose="00000300000000000000" pitchFamily="2" charset="-127"/>
+              </a:rPr>
+              <a:t>적 </a:t>
+            </a:r>
+            <a:r>
+              <a:rPr lang="en-US" altLang="ko-KR" sz="2800" b="1" dirty="0">
+                <a:latin typeface="조선가는고딕" panose="02030504000101010101" pitchFamily="18" charset="-127"/>
+                <a:ea typeface="조선가는고딕" panose="02030504000101010101" pitchFamily="18" charset="-127"/>
+                <a:cs typeface="KoPubWorld돋움체 Light" panose="00000300000000000000" pitchFamily="2" charset="-127"/>
+              </a:rPr>
+              <a:t>: </a:t>
+            </a:r>
+            <a:r>
+              <a:rPr lang="en-US" altLang="ko-KR" sz="2800" dirty="0">
+                <a:latin typeface="조선가는고딕" panose="02030504000101010101" pitchFamily="18" charset="-127"/>
+                <a:ea typeface="조선가는고딕" panose="02030504000101010101" pitchFamily="18" charset="-127"/>
+                <a:cs typeface="KoPubWorld돋움체 Light" panose="00000300000000000000" pitchFamily="2" charset="-127"/>
+              </a:rPr>
+              <a:t>2 </a:t>
+            </a:r>
+            <a:r>
+              <a:rPr lang="ko-KR" altLang="en-US" sz="2800" dirty="0">
+                <a:latin typeface="조선가는고딕" panose="02030504000101010101" pitchFamily="18" charset="-127"/>
+                <a:ea typeface="조선가는고딕" panose="02030504000101010101" pitchFamily="18" charset="-127"/>
+                <a:cs typeface="KoPubWorld돋움체 Light" panose="00000300000000000000" pitchFamily="2" charset="-127"/>
+              </a:rPr>
+              <a:t>종류</a:t>
+            </a:r>
+            <a:endParaRPr lang="en-US" altLang="ko-KR" sz="2800" dirty="0">
+              <a:latin typeface="조선가는고딕" panose="02030504000101010101" pitchFamily="18" charset="-127"/>
+              <a:ea typeface="조선가는고딕" panose="02030504000101010101" pitchFamily="18" charset="-127"/>
+              <a:cs typeface="KoPubWorld돋움체 Light" panose="00000300000000000000" pitchFamily="2" charset="-127"/>
+            </a:endParaRPr>
           </a:p>
           <a:p>
             <a:pPr marL="457200" indent="-457200">
@@ -19373,68 +19168,6 @@
               <a:ea typeface="조선가는고딕" panose="02030504000101010101" pitchFamily="18" charset="-127"/>
               <a:cs typeface="KoPubWorld돋움체 Light" panose="00000300000000000000" pitchFamily="2" charset="-127"/>
             </a:endParaRPr>
-          </a:p>
-          <a:p>
-            <a:pPr marL="457200" indent="-457200">
-              <a:buFont typeface="Arial" panose="020B0604020202020204" pitchFamily="34" charset="0"/>
-              <a:buChar char="•"/>
-            </a:pPr>
-            <a:r>
-              <a:rPr lang="ko-KR" altLang="en-US" sz="2800" b="1" dirty="0">
-                <a:latin typeface="조선가는고딕" panose="02030504000101010101" pitchFamily="18" charset="-127"/>
-                <a:ea typeface="조선가는고딕" panose="02030504000101010101" pitchFamily="18" charset="-127"/>
-                <a:cs typeface="KoPubWorld돋움체 Light" panose="00000300000000000000" pitchFamily="2" charset="-127"/>
-              </a:rPr>
-              <a:t>웨이브</a:t>
-            </a:r>
-            <a:r>
-              <a:rPr lang="en-US" altLang="ko-KR" sz="2800" b="1" dirty="0">
-                <a:latin typeface="조선가는고딕" panose="02030504000101010101" pitchFamily="18" charset="-127"/>
-                <a:ea typeface="조선가는고딕" panose="02030504000101010101" pitchFamily="18" charset="-127"/>
-                <a:cs typeface="KoPubWorld돋움체 Light" panose="00000300000000000000" pitchFamily="2" charset="-127"/>
-              </a:rPr>
-              <a:t>: </a:t>
-            </a:r>
-            <a:r>
-              <a:rPr lang="en-US" altLang="ko-KR" sz="2800" dirty="0">
-                <a:latin typeface="조선가는고딕" panose="02030504000101010101" pitchFamily="18" charset="-127"/>
-                <a:ea typeface="조선가는고딕" panose="02030504000101010101" pitchFamily="18" charset="-127"/>
-                <a:cs typeface="KoPubWorld돋움체 Light" panose="00000300000000000000" pitchFamily="2" charset="-127"/>
-              </a:rPr>
-              <a:t>5Wave (</a:t>
-            </a:r>
-            <a:r>
-              <a:rPr lang="ko-KR" altLang="en-US" sz="2800" dirty="0">
-                <a:latin typeface="조선가는고딕" panose="02030504000101010101" pitchFamily="18" charset="-127"/>
-                <a:ea typeface="조선가는고딕" panose="02030504000101010101" pitchFamily="18" charset="-127"/>
-                <a:cs typeface="KoPubWorld돋움체 Light" panose="00000300000000000000" pitchFamily="2" charset="-127"/>
-              </a:rPr>
-              <a:t>플레이 시간</a:t>
-            </a:r>
-            <a:r>
-              <a:rPr lang="en-US" altLang="ko-KR" sz="2800" dirty="0">
-                <a:latin typeface="조선가는고딕" panose="02030504000101010101" pitchFamily="18" charset="-127"/>
-                <a:ea typeface="조선가는고딕" panose="02030504000101010101" pitchFamily="18" charset="-127"/>
-                <a:cs typeface="KoPubWorld돋움체 Light" panose="00000300000000000000" pitchFamily="2" charset="-127"/>
-              </a:rPr>
-              <a:t> 10</a:t>
-            </a:r>
-            <a:r>
-              <a:rPr lang="ko-KR" altLang="en-US" sz="2800" dirty="0">
-                <a:latin typeface="조선가는고딕" panose="02030504000101010101" pitchFamily="18" charset="-127"/>
-                <a:ea typeface="조선가는고딕" panose="02030504000101010101" pitchFamily="18" charset="-127"/>
-                <a:cs typeface="KoPubWorld돋움체 Light" panose="00000300000000000000" pitchFamily="2" charset="-127"/>
-              </a:rPr>
-              <a:t>분</a:t>
-            </a:r>
-            <a:r>
-              <a:rPr lang="en-US" altLang="ko-KR" sz="2800" dirty="0">
-                <a:latin typeface="조선가는고딕" panose="02030504000101010101" pitchFamily="18" charset="-127"/>
-                <a:ea typeface="조선가는고딕" panose="02030504000101010101" pitchFamily="18" charset="-127"/>
-                <a:cs typeface="KoPubWorld돋움체 Light" panose="00000300000000000000" pitchFamily="2" charset="-127"/>
-              </a:rPr>
-              <a:t>)</a:t>
-            </a:r>
           </a:p>
         </p:txBody>
       </p:sp>
@@ -19452,756 +19185,6 @@
 </file>
 
 <file path=ppt/slides/slide8.xml><?xml version="1.0" encoding="utf-8"?>
-<p:sld xmlns:a="http://schemas.openxmlformats.org/drawingml/2006/main" xmlns:r="http://schemas.openxmlformats.org/officeDocument/2006/relationships" xmlns:p="http://schemas.openxmlformats.org/presentationml/2006/main">
-  <p:cSld>
-    <p:spTree>
-      <p:nvGrpSpPr>
-        <p:cNvPr id="1" name=""/>
-        <p:cNvGrpSpPr/>
-        <p:nvPr/>
-      </p:nvGrpSpPr>
-      <p:grpSpPr>
-        <a:xfrm>
-          <a:off x="0" y="0"/>
-          <a:ext cx="0" cy="0"/>
-          <a:chOff x="0" y="0"/>
-          <a:chExt cx="0" cy="0"/>
-        </a:xfrm>
-      </p:grpSpPr>
-      <p:sp>
-        <p:nvSpPr>
-          <p:cNvPr id="23" name="직사각형 22">
-            <a:extLst>
-              <a:ext uri="{FF2B5EF4-FFF2-40B4-BE49-F238E27FC236}">
-                <a16:creationId xmlns:a16="http://schemas.microsoft.com/office/drawing/2014/main" id="{505D9C9E-8325-4A59-BEFC-3BC22C85BDAD}"/>
-              </a:ext>
-            </a:extLst>
-          </p:cNvPr>
-          <p:cNvSpPr/>
-          <p:nvPr/>
-        </p:nvSpPr>
-        <p:spPr>
-          <a:xfrm flipV="1">
-            <a:off x="557400" y="1001162"/>
-            <a:ext cx="11077200" cy="18000"/>
-          </a:xfrm>
-          <a:prstGeom prst="rect">
-            <a:avLst/>
-          </a:prstGeom>
-          <a:solidFill>
-            <a:srgbClr val="64DECF"/>
-          </a:solidFill>
-          <a:ln>
-            <a:noFill/>
-          </a:ln>
-        </p:spPr>
-        <p:style>
-          <a:lnRef idx="2">
-            <a:schemeClr val="accent1">
-              <a:shade val="50000"/>
-            </a:schemeClr>
-          </a:lnRef>
-          <a:fillRef idx="1">
-            <a:schemeClr val="accent1"/>
-          </a:fillRef>
-          <a:effectRef idx="0">
-            <a:schemeClr val="accent1"/>
-          </a:effectRef>
-          <a:fontRef idx="minor">
-            <a:schemeClr val="lt1"/>
-          </a:fontRef>
-        </p:style>
-        <p:txBody>
-          <a:bodyPr rtlCol="0" anchor="ctr"/>
-          <a:lstStyle/>
-          <a:p>
-            <a:pPr algn="ctr"/>
-            <a:endParaRPr lang="ko-KR" altLang="en-US"/>
-          </a:p>
-        </p:txBody>
-      </p:sp>
-      <p:grpSp>
-        <p:nvGrpSpPr>
-          <p:cNvPr id="6" name="그룹 5">
-            <a:extLst>
-              <a:ext uri="{FF2B5EF4-FFF2-40B4-BE49-F238E27FC236}">
-                <a16:creationId xmlns:a16="http://schemas.microsoft.com/office/drawing/2014/main" id="{1B0813F0-0608-43A3-9E53-0BA015EDE231}"/>
-              </a:ext>
-            </a:extLst>
-          </p:cNvPr>
-          <p:cNvGrpSpPr/>
-          <p:nvPr/>
-        </p:nvGrpSpPr>
-        <p:grpSpPr>
-          <a:xfrm>
-            <a:off x="4105427" y="188165"/>
-            <a:ext cx="4698331" cy="830997"/>
-            <a:chOff x="3819245" y="188165"/>
-            <a:chExt cx="4011835" cy="830997"/>
-          </a:xfrm>
-        </p:grpSpPr>
-        <p:sp>
-          <p:nvSpPr>
-            <p:cNvPr id="5" name="직사각형 4">
-              <a:extLst>
-                <a:ext uri="{FF2B5EF4-FFF2-40B4-BE49-F238E27FC236}">
-                  <a16:creationId xmlns:a16="http://schemas.microsoft.com/office/drawing/2014/main" id="{7D0033C3-456D-4151-9AAB-F0A2E961A5B6}"/>
-                </a:ext>
-              </a:extLst>
-            </p:cNvPr>
-            <p:cNvSpPr/>
-            <p:nvPr/>
-          </p:nvSpPr>
-          <p:spPr>
-            <a:xfrm>
-              <a:off x="4633790" y="302276"/>
-              <a:ext cx="3197290" cy="584775"/>
-            </a:xfrm>
-            <a:prstGeom prst="rect">
-              <a:avLst/>
-            </a:prstGeom>
-          </p:spPr>
-          <p:txBody>
-            <a:bodyPr wrap="square">
-              <a:spAutoFit/>
-            </a:bodyPr>
-            <a:lstStyle/>
-            <a:p>
-              <a:r>
-                <a:rPr lang="ko-KR" altLang="en-US" sz="3200" dirty="0">
-                  <a:latin typeface="조선가는고딕" panose="02030504000101010101" pitchFamily="18" charset="-127"/>
-                  <a:ea typeface="조선가는고딕" panose="02030504000101010101" pitchFamily="18" charset="-127"/>
-                  <a:cs typeface="KoPubWorld돋움체 Bold" panose="00000800000000000000" pitchFamily="2" charset="-127"/>
-                </a:rPr>
-                <a:t>게임소개</a:t>
-              </a:r>
-              <a:endParaRPr lang="en-US" altLang="ko-KR" sz="3200" dirty="0">
-                <a:latin typeface="조선가는고딕" panose="02030504000101010101" pitchFamily="18" charset="-127"/>
-                <a:ea typeface="조선가는고딕" panose="02030504000101010101" pitchFamily="18" charset="-127"/>
-                <a:cs typeface="KoPubWorld돋움체 Bold" panose="00000800000000000000" pitchFamily="2" charset="-127"/>
-              </a:endParaRPr>
-            </a:p>
-          </p:txBody>
-        </p:sp>
-        <p:sp>
-          <p:nvSpPr>
-            <p:cNvPr id="24" name="TextBox 23">
-              <a:extLst>
-                <a:ext uri="{FF2B5EF4-FFF2-40B4-BE49-F238E27FC236}">
-                  <a16:creationId xmlns:a16="http://schemas.microsoft.com/office/drawing/2014/main" id="{1841637C-F02D-4ED4-9B17-10A92FFC6619}"/>
-                </a:ext>
-              </a:extLst>
-            </p:cNvPr>
-            <p:cNvSpPr txBox="1"/>
-            <p:nvPr/>
-          </p:nvSpPr>
-          <p:spPr>
-            <a:xfrm>
-              <a:off x="3819245" y="188165"/>
-              <a:ext cx="653182" cy="830997"/>
-            </a:xfrm>
-            <a:prstGeom prst="rect">
-              <a:avLst/>
-            </a:prstGeom>
-            <a:noFill/>
-          </p:spPr>
-          <p:txBody>
-            <a:bodyPr wrap="none" rtlCol="0">
-              <a:spAutoFit/>
-            </a:bodyPr>
-            <a:lstStyle/>
-            <a:p>
-              <a:r>
-                <a:rPr lang="en-US" altLang="ko-KR" sz="4800" b="1" dirty="0">
-                  <a:solidFill>
-                    <a:srgbClr val="64DECF"/>
-                  </a:solidFill>
-                  <a:latin typeface="조선가는고딕" panose="02030504000101010101" pitchFamily="18" charset="-127"/>
-                  <a:ea typeface="조선가는고딕" panose="02030504000101010101" pitchFamily="18" charset="-127"/>
-                  <a:cs typeface="KoPubWorld돋움체 Bold" panose="00000800000000000000" pitchFamily="2" charset="-127"/>
-                </a:rPr>
-                <a:t>02</a:t>
-              </a:r>
-              <a:endParaRPr lang="ko-KR" altLang="en-US" sz="4800" b="1" dirty="0">
-                <a:solidFill>
-                  <a:srgbClr val="64DECF"/>
-                </a:solidFill>
-                <a:latin typeface="조선가는고딕" panose="02030504000101010101" pitchFamily="18" charset="-127"/>
-                <a:ea typeface="조선가는고딕" panose="02030504000101010101" pitchFamily="18" charset="-127"/>
-                <a:cs typeface="KoPubWorld돋움체 Bold" panose="00000800000000000000" pitchFamily="2" charset="-127"/>
-              </a:endParaRPr>
-            </a:p>
-          </p:txBody>
-        </p:sp>
-      </p:grpSp>
-      <p:sp>
-        <p:nvSpPr>
-          <p:cNvPr id="37" name="TextBox 36">
-            <a:extLst>
-              <a:ext uri="{FF2B5EF4-FFF2-40B4-BE49-F238E27FC236}">
-                <a16:creationId xmlns:a16="http://schemas.microsoft.com/office/drawing/2014/main" id="{C3CAB183-DEA4-4560-B11D-01DCD66BDF6D}"/>
-              </a:ext>
-            </a:extLst>
-          </p:cNvPr>
-          <p:cNvSpPr txBox="1"/>
-          <p:nvPr/>
-        </p:nvSpPr>
-        <p:spPr>
-          <a:xfrm>
-            <a:off x="345644" y="1136632"/>
-            <a:ext cx="3150542" cy="769441"/>
-          </a:xfrm>
-          <a:prstGeom prst="rect">
-            <a:avLst/>
-          </a:prstGeom>
-          <a:noFill/>
-        </p:spPr>
-        <p:txBody>
-          <a:bodyPr wrap="none" rtlCol="0">
-            <a:spAutoFit/>
-          </a:bodyPr>
-          <a:lstStyle/>
-          <a:p>
-            <a:pPr algn="ctr"/>
-            <a:r>
-              <a:rPr lang="en-US" altLang="ko-KR" sz="4400" b="1" dirty="0">
-                <a:latin typeface="조선가는고딕" panose="02030504000101010101" pitchFamily="18" charset="-127"/>
-                <a:ea typeface="조선가는고딕" panose="02030504000101010101" pitchFamily="18" charset="-127"/>
-                <a:cs typeface="KoPubWorld돋움체 Light" panose="00000300000000000000" pitchFamily="2" charset="-127"/>
-              </a:rPr>
-              <a:t>Player </a:t>
-            </a:r>
-            <a:r>
-              <a:rPr lang="ko-KR" altLang="en-US" sz="4400" b="1" dirty="0">
-                <a:latin typeface="조선가는고딕" panose="02030504000101010101" pitchFamily="18" charset="-127"/>
-                <a:ea typeface="조선가는고딕" panose="02030504000101010101" pitchFamily="18" charset="-127"/>
-                <a:cs typeface="KoPubWorld돋움체 Light" panose="00000300000000000000" pitchFamily="2" charset="-127"/>
-              </a:rPr>
-              <a:t>소개</a:t>
-            </a:r>
-            <a:endParaRPr lang="en-US" altLang="ko-KR" sz="4400" b="1" dirty="0">
-              <a:latin typeface="조선가는고딕" panose="02030504000101010101" pitchFamily="18" charset="-127"/>
-              <a:ea typeface="조선가는고딕" panose="02030504000101010101" pitchFamily="18" charset="-127"/>
-              <a:cs typeface="KoPubWorld돋움체 Light" panose="00000300000000000000" pitchFamily="2" charset="-127"/>
-            </a:endParaRPr>
-          </a:p>
-        </p:txBody>
-      </p:sp>
-      <p:sp>
-        <p:nvSpPr>
-          <p:cNvPr id="19" name="TextBox 18">
-            <a:extLst>
-              <a:ext uri="{FF2B5EF4-FFF2-40B4-BE49-F238E27FC236}">
-                <a16:creationId xmlns:a16="http://schemas.microsoft.com/office/drawing/2014/main" id="{B031CF28-57D0-870B-E78A-882EB3069F62}"/>
-              </a:ext>
-            </a:extLst>
-          </p:cNvPr>
-          <p:cNvSpPr txBox="1"/>
-          <p:nvPr/>
-        </p:nvSpPr>
-        <p:spPr>
-          <a:xfrm>
-            <a:off x="313308" y="5069215"/>
-            <a:ext cx="4730782" cy="1015663"/>
-          </a:xfrm>
-          <a:prstGeom prst="rect">
-            <a:avLst/>
-          </a:prstGeom>
-          <a:noFill/>
-        </p:spPr>
-        <p:txBody>
-          <a:bodyPr wrap="none" rtlCol="0">
-            <a:spAutoFit/>
-          </a:bodyPr>
-          <a:lstStyle/>
-          <a:p>
-            <a:pPr marL="342900" indent="-342900">
-              <a:buFont typeface="Arial" panose="020B0604020202020204" pitchFamily="34" charset="0"/>
-              <a:buChar char="•"/>
-            </a:pPr>
-            <a:r>
-              <a:rPr lang="ko-KR" altLang="en-US" sz="2000" dirty="0">
-                <a:latin typeface="조선가는고딕" panose="02030504000101010101" pitchFamily="18" charset="-127"/>
-                <a:ea typeface="조선가는고딕" panose="02030504000101010101" pitchFamily="18" charset="-127"/>
-                <a:cs typeface="KoPubWorld돋움체 Light" panose="00000300000000000000" pitchFamily="2" charset="-127"/>
-              </a:rPr>
-              <a:t>키</a:t>
-            </a:r>
-            <a:r>
-              <a:rPr lang="en-US" altLang="ko-KR" sz="2000" dirty="0">
-                <a:latin typeface="조선가는고딕" panose="02030504000101010101" pitchFamily="18" charset="-127"/>
-                <a:ea typeface="조선가는고딕" panose="02030504000101010101" pitchFamily="18" charset="-127"/>
-                <a:cs typeface="KoPubWorld돋움체 Light" panose="00000300000000000000" pitchFamily="2" charset="-127"/>
-              </a:rPr>
-              <a:t>: 180cm</a:t>
-            </a:r>
-          </a:p>
-          <a:p>
-            <a:pPr marL="342900" indent="-342900">
-              <a:buFont typeface="Arial" panose="020B0604020202020204" pitchFamily="34" charset="0"/>
-              <a:buChar char="•"/>
-            </a:pPr>
-            <a:r>
-              <a:rPr lang="ko-KR" altLang="en-US" sz="2000" dirty="0">
-                <a:latin typeface="조선가는고딕" panose="02030504000101010101" pitchFamily="18" charset="-127"/>
-                <a:ea typeface="조선가는고딕" panose="02030504000101010101" pitchFamily="18" charset="-127"/>
-                <a:cs typeface="KoPubWorld돋움체 Light" panose="00000300000000000000" pitchFamily="2" charset="-127"/>
-              </a:rPr>
-              <a:t>공격</a:t>
-            </a:r>
-            <a:r>
-              <a:rPr lang="en-US" altLang="ko-KR" sz="2000" dirty="0">
-                <a:latin typeface="조선가는고딕" panose="02030504000101010101" pitchFamily="18" charset="-127"/>
-                <a:ea typeface="조선가는고딕" panose="02030504000101010101" pitchFamily="18" charset="-127"/>
-                <a:cs typeface="KoPubWorld돋움체 Light" panose="00000300000000000000" pitchFamily="2" charset="-127"/>
-              </a:rPr>
-              <a:t>: </a:t>
-            </a:r>
-            <a:r>
-              <a:rPr lang="ko-KR" altLang="en-US" sz="2000" dirty="0">
-                <a:latin typeface="조선가는고딕" panose="02030504000101010101" pitchFamily="18" charset="-127"/>
-                <a:ea typeface="조선가는고딕" panose="02030504000101010101" pitchFamily="18" charset="-127"/>
-                <a:cs typeface="KoPubWorld돋움체 Light" panose="00000300000000000000" pitchFamily="2" charset="-127"/>
-              </a:rPr>
-              <a:t>총으로 공격</a:t>
-            </a:r>
-            <a:endParaRPr lang="en-US" altLang="ko-KR" sz="2000" dirty="0">
-              <a:latin typeface="조선가는고딕" panose="02030504000101010101" pitchFamily="18" charset="-127"/>
-              <a:ea typeface="조선가는고딕" panose="02030504000101010101" pitchFamily="18" charset="-127"/>
-              <a:cs typeface="KoPubWorld돋움체 Light" panose="00000300000000000000" pitchFamily="2" charset="-127"/>
-            </a:endParaRPr>
-          </a:p>
-          <a:p>
-            <a:pPr marL="342900" indent="-342900">
-              <a:buFont typeface="Arial" panose="020B0604020202020204" pitchFamily="34" charset="0"/>
-              <a:buChar char="•"/>
-            </a:pPr>
-            <a:r>
-              <a:rPr lang="ko-KR" altLang="en-US" sz="2000" dirty="0">
-                <a:latin typeface="조선가는고딕" panose="02030504000101010101" pitchFamily="18" charset="-127"/>
-                <a:ea typeface="조선가는고딕" panose="02030504000101010101" pitchFamily="18" charset="-127"/>
-                <a:cs typeface="KoPubWorld돋움체 Light" panose="00000300000000000000" pitchFamily="2" charset="-127"/>
-              </a:rPr>
-              <a:t>애니메이션</a:t>
-            </a:r>
-            <a:r>
-              <a:rPr lang="en-US" altLang="ko-KR" sz="2000" dirty="0">
-                <a:latin typeface="조선가는고딕" panose="02030504000101010101" pitchFamily="18" charset="-127"/>
-                <a:ea typeface="조선가는고딕" panose="02030504000101010101" pitchFamily="18" charset="-127"/>
-                <a:cs typeface="KoPubWorld돋움체 Light" panose="00000300000000000000" pitchFamily="2" charset="-127"/>
-              </a:rPr>
-              <a:t>: </a:t>
-            </a:r>
-            <a:r>
-              <a:rPr lang="ko-KR" altLang="en-US" sz="2000" dirty="0">
-                <a:latin typeface="조선가는고딕" panose="02030504000101010101" pitchFamily="18" charset="-127"/>
-                <a:ea typeface="조선가는고딕" panose="02030504000101010101" pitchFamily="18" charset="-127"/>
-                <a:cs typeface="KoPubWorld돋움체 Light" panose="00000300000000000000" pitchFamily="2" charset="-127"/>
-              </a:rPr>
-              <a:t>걷기</a:t>
-            </a:r>
-            <a:r>
-              <a:rPr lang="en-US" altLang="ko-KR" sz="2000" dirty="0">
-                <a:latin typeface="조선가는고딕" panose="02030504000101010101" pitchFamily="18" charset="-127"/>
-                <a:ea typeface="조선가는고딕" panose="02030504000101010101" pitchFamily="18" charset="-127"/>
-                <a:cs typeface="KoPubWorld돋움체 Light" panose="00000300000000000000" pitchFamily="2" charset="-127"/>
-              </a:rPr>
-              <a:t>, </a:t>
-            </a:r>
-            <a:r>
-              <a:rPr lang="ko-KR" altLang="en-US" sz="2000" dirty="0">
-                <a:latin typeface="조선가는고딕" panose="02030504000101010101" pitchFamily="18" charset="-127"/>
-                <a:ea typeface="조선가는고딕" panose="02030504000101010101" pitchFamily="18" charset="-127"/>
-                <a:cs typeface="KoPubWorld돋움체 Light" panose="00000300000000000000" pitchFamily="2" charset="-127"/>
-              </a:rPr>
-              <a:t>뛰기</a:t>
-            </a:r>
-            <a:r>
-              <a:rPr lang="en-US" altLang="ko-KR" sz="2000" dirty="0">
-                <a:latin typeface="조선가는고딕" panose="02030504000101010101" pitchFamily="18" charset="-127"/>
-                <a:ea typeface="조선가는고딕" panose="02030504000101010101" pitchFamily="18" charset="-127"/>
-                <a:cs typeface="KoPubWorld돋움체 Light" panose="00000300000000000000" pitchFamily="2" charset="-127"/>
-              </a:rPr>
-              <a:t>, </a:t>
-            </a:r>
-            <a:r>
-              <a:rPr lang="ko-KR" altLang="en-US" sz="2000" dirty="0">
-                <a:latin typeface="조선가는고딕" panose="02030504000101010101" pitchFamily="18" charset="-127"/>
-                <a:ea typeface="조선가는고딕" panose="02030504000101010101" pitchFamily="18" charset="-127"/>
-                <a:cs typeface="KoPubWorld돋움체 Light" panose="00000300000000000000" pitchFamily="2" charset="-127"/>
-              </a:rPr>
-              <a:t>총 쏘기</a:t>
-            </a:r>
-            <a:r>
-              <a:rPr lang="en-US" altLang="ko-KR" sz="2000" dirty="0">
-                <a:latin typeface="조선가는고딕" panose="02030504000101010101" pitchFamily="18" charset="-127"/>
-                <a:ea typeface="조선가는고딕" panose="02030504000101010101" pitchFamily="18" charset="-127"/>
-                <a:cs typeface="KoPubWorld돋움체 Light" panose="00000300000000000000" pitchFamily="2" charset="-127"/>
-              </a:rPr>
-              <a:t>, </a:t>
-            </a:r>
-            <a:r>
-              <a:rPr lang="en-US" altLang="ko-KR" sz="2000" dirty="0" err="1">
-                <a:latin typeface="조선가는고딕" panose="02030504000101010101" pitchFamily="18" charset="-127"/>
-                <a:ea typeface="조선가는고딕" panose="02030504000101010101" pitchFamily="18" charset="-127"/>
-                <a:cs typeface="KoPubWorld돋움체 Light" panose="00000300000000000000" pitchFamily="2" charset="-127"/>
-              </a:rPr>
-              <a:t>IDlE</a:t>
-            </a:r>
-            <a:endParaRPr lang="en-US" altLang="ko-KR" sz="2000" dirty="0">
-              <a:latin typeface="조선가는고딕" panose="02030504000101010101" pitchFamily="18" charset="-127"/>
-              <a:ea typeface="조선가는고딕" panose="02030504000101010101" pitchFamily="18" charset="-127"/>
-              <a:cs typeface="KoPubWorld돋움체 Light" panose="00000300000000000000" pitchFamily="2" charset="-127"/>
-            </a:endParaRPr>
-          </a:p>
-        </p:txBody>
-      </p:sp>
-      <p:sp>
-        <p:nvSpPr>
-          <p:cNvPr id="2" name="TextBox 1">
-            <a:extLst>
-              <a:ext uri="{FF2B5EF4-FFF2-40B4-BE49-F238E27FC236}">
-                <a16:creationId xmlns:a16="http://schemas.microsoft.com/office/drawing/2014/main" id="{5A4C25BA-1E62-F0B0-A9A5-C10FE8C2A8E4}"/>
-              </a:ext>
-            </a:extLst>
-          </p:cNvPr>
-          <p:cNvSpPr txBox="1"/>
-          <p:nvPr/>
-        </p:nvSpPr>
-        <p:spPr>
-          <a:xfrm>
-            <a:off x="6021901" y="1171455"/>
-            <a:ext cx="2845652" cy="769441"/>
-          </a:xfrm>
-          <a:prstGeom prst="rect">
-            <a:avLst/>
-          </a:prstGeom>
-          <a:noFill/>
-        </p:spPr>
-        <p:txBody>
-          <a:bodyPr wrap="none" rtlCol="0">
-            <a:spAutoFit/>
-          </a:bodyPr>
-          <a:lstStyle/>
-          <a:p>
-            <a:pPr algn="ctr"/>
-            <a:r>
-              <a:rPr lang="ko-KR" altLang="en-US" sz="4400" b="1" dirty="0">
-                <a:latin typeface="조선가는고딕" panose="02030504000101010101" pitchFamily="18" charset="-127"/>
-                <a:ea typeface="조선가는고딕" panose="02030504000101010101" pitchFamily="18" charset="-127"/>
-                <a:cs typeface="KoPubWorld돋움체 Light" panose="00000300000000000000" pitchFamily="2" charset="-127"/>
-              </a:rPr>
-              <a:t>적</a:t>
-            </a:r>
-            <a:r>
-              <a:rPr lang="en-US" altLang="ko-KR" sz="4400" b="1" dirty="0">
-                <a:latin typeface="조선가는고딕" panose="02030504000101010101" pitchFamily="18" charset="-127"/>
-                <a:ea typeface="조선가는고딕" panose="02030504000101010101" pitchFamily="18" charset="-127"/>
-                <a:cs typeface="KoPubWorld돋움체 Light" panose="00000300000000000000" pitchFamily="2" charset="-127"/>
-              </a:rPr>
-              <a:t>(</a:t>
-            </a:r>
-            <a:r>
-              <a:rPr lang="ko-KR" altLang="en-US" sz="4400" b="1" dirty="0">
-                <a:latin typeface="조선가는고딕" panose="02030504000101010101" pitchFamily="18" charset="-127"/>
-                <a:ea typeface="조선가는고딕" panose="02030504000101010101" pitchFamily="18" charset="-127"/>
-                <a:cs typeface="KoPubWorld돋움체 Light" panose="00000300000000000000" pitchFamily="2" charset="-127"/>
-              </a:rPr>
-              <a:t>몬스터</a:t>
-            </a:r>
-            <a:r>
-              <a:rPr lang="en-US" altLang="ko-KR" sz="4400" b="1" dirty="0">
-                <a:latin typeface="조선가는고딕" panose="02030504000101010101" pitchFamily="18" charset="-127"/>
-                <a:ea typeface="조선가는고딕" panose="02030504000101010101" pitchFamily="18" charset="-127"/>
-                <a:cs typeface="KoPubWorld돋움체 Light" panose="00000300000000000000" pitchFamily="2" charset="-127"/>
-              </a:rPr>
-              <a:t>)</a:t>
-            </a:r>
-          </a:p>
-        </p:txBody>
-      </p:sp>
-      <p:pic>
-        <p:nvPicPr>
-          <p:cNvPr id="3" name="그림 2" descr="만화 영화, 스크린샷이(가) 표시된 사진&#10;&#10;자동 생성된 설명">
-            <a:extLst>
-              <a:ext uri="{FF2B5EF4-FFF2-40B4-BE49-F238E27FC236}">
-                <a16:creationId xmlns:a16="http://schemas.microsoft.com/office/drawing/2014/main" id="{4C8D2D37-CF5E-B0D4-457B-0544EC57F4AD}"/>
-              </a:ext>
-            </a:extLst>
-          </p:cNvPr>
-          <p:cNvPicPr>
-            <a:picLocks noChangeAspect="1"/>
-          </p:cNvPicPr>
-          <p:nvPr/>
-        </p:nvPicPr>
-        <p:blipFill>
-          <a:blip r:embed="rId2"/>
-          <a:stretch>
-            <a:fillRect/>
-          </a:stretch>
-        </p:blipFill>
-        <p:spPr>
-          <a:xfrm>
-            <a:off x="6199518" y="1972274"/>
-            <a:ext cx="2877471" cy="2553249"/>
-          </a:xfrm>
-          <a:prstGeom prst="rect">
-            <a:avLst/>
-          </a:prstGeom>
-        </p:spPr>
-      </p:pic>
-      <p:sp>
-        <p:nvSpPr>
-          <p:cNvPr id="4" name="TextBox 3">
-            <a:extLst>
-              <a:ext uri="{FF2B5EF4-FFF2-40B4-BE49-F238E27FC236}">
-                <a16:creationId xmlns:a16="http://schemas.microsoft.com/office/drawing/2014/main" id="{7F124E2F-2A47-C259-EA7B-DC1649091969}"/>
-              </a:ext>
-            </a:extLst>
-          </p:cNvPr>
-          <p:cNvSpPr txBox="1"/>
-          <p:nvPr/>
-        </p:nvSpPr>
-        <p:spPr>
-          <a:xfrm>
-            <a:off x="6312195" y="4970803"/>
-            <a:ext cx="5110716" cy="1015663"/>
-          </a:xfrm>
-          <a:prstGeom prst="rect">
-            <a:avLst/>
-          </a:prstGeom>
-          <a:noFill/>
-        </p:spPr>
-        <p:txBody>
-          <a:bodyPr wrap="square" rtlCol="0">
-            <a:spAutoFit/>
-          </a:bodyPr>
-          <a:lstStyle/>
-          <a:p>
-            <a:pPr marL="342900" indent="-342900">
-              <a:buFont typeface="Arial" panose="020B0604020202020204" pitchFamily="34" charset="0"/>
-              <a:buChar char="•"/>
-            </a:pPr>
-            <a:r>
-              <a:rPr lang="ko-KR" altLang="en-US" sz="2000" dirty="0">
-                <a:latin typeface="조선가는고딕" panose="02030504000101010101" pitchFamily="18" charset="-127"/>
-                <a:ea typeface="조선가는고딕" panose="02030504000101010101" pitchFamily="18" charset="-127"/>
-                <a:cs typeface="KoPubWorld돋움체 Light" panose="00000300000000000000" pitchFamily="2" charset="-127"/>
-              </a:rPr>
-              <a:t>키</a:t>
-            </a:r>
-            <a:r>
-              <a:rPr lang="en-US" altLang="ko-KR" sz="2000" dirty="0">
-                <a:latin typeface="조선가는고딕" panose="02030504000101010101" pitchFamily="18" charset="-127"/>
-                <a:ea typeface="조선가는고딕" panose="02030504000101010101" pitchFamily="18" charset="-127"/>
-                <a:cs typeface="KoPubWorld돋움체 Light" panose="00000300000000000000" pitchFamily="2" charset="-127"/>
-              </a:rPr>
-              <a:t>: 150cm</a:t>
-            </a:r>
-          </a:p>
-          <a:p>
-            <a:pPr marL="342900" indent="-342900">
-              <a:buFont typeface="Arial" panose="020B0604020202020204" pitchFamily="34" charset="0"/>
-              <a:buChar char="•"/>
-            </a:pPr>
-            <a:r>
-              <a:rPr lang="ko-KR" altLang="en-US" sz="2000" dirty="0">
-                <a:latin typeface="조선가는고딕" panose="02030504000101010101" pitchFamily="18" charset="-127"/>
-                <a:ea typeface="조선가는고딕" panose="02030504000101010101" pitchFamily="18" charset="-127"/>
-                <a:cs typeface="KoPubWorld돋움체 Light" panose="00000300000000000000" pitchFamily="2" charset="-127"/>
-              </a:rPr>
-              <a:t>공격</a:t>
-            </a:r>
-            <a:r>
-              <a:rPr lang="en-US" altLang="ko-KR" sz="2000" dirty="0">
-                <a:latin typeface="조선가는고딕" panose="02030504000101010101" pitchFamily="18" charset="-127"/>
-                <a:ea typeface="조선가는고딕" panose="02030504000101010101" pitchFamily="18" charset="-127"/>
-                <a:cs typeface="KoPubWorld돋움체 Light" panose="00000300000000000000" pitchFamily="2" charset="-127"/>
-              </a:rPr>
-              <a:t>: </a:t>
-            </a:r>
-            <a:r>
-              <a:rPr lang="ko-KR" altLang="en-US" sz="2000" dirty="0">
-                <a:latin typeface="조선가는고딕" panose="02030504000101010101" pitchFamily="18" charset="-127"/>
-                <a:ea typeface="조선가는고딕" panose="02030504000101010101" pitchFamily="18" charset="-127"/>
-                <a:cs typeface="KoPubWorld돋움체 Light" panose="00000300000000000000" pitchFamily="2" charset="-127"/>
-              </a:rPr>
-              <a:t>근접공격</a:t>
-            </a:r>
-            <a:r>
-              <a:rPr lang="en-US" altLang="ko-KR" sz="2000" dirty="0">
-                <a:latin typeface="조선가는고딕" panose="02030504000101010101" pitchFamily="18" charset="-127"/>
-                <a:ea typeface="조선가는고딕" panose="02030504000101010101" pitchFamily="18" charset="-127"/>
-                <a:cs typeface="KoPubWorld돋움체 Light" panose="00000300000000000000" pitchFamily="2" charset="-127"/>
-              </a:rPr>
-              <a:t>(</a:t>
-            </a:r>
-            <a:r>
-              <a:rPr lang="ko-KR" altLang="en-US" sz="2000" dirty="0">
-                <a:latin typeface="조선가는고딕" panose="02030504000101010101" pitchFamily="18" charset="-127"/>
-                <a:ea typeface="조선가는고딕" panose="02030504000101010101" pitchFamily="18" charset="-127"/>
-                <a:cs typeface="KoPubWorld돋움체 Light" panose="00000300000000000000" pitchFamily="2" charset="-127"/>
-              </a:rPr>
-              <a:t>타격 데미지 </a:t>
-            </a:r>
-            <a:r>
-              <a:rPr lang="en-US" altLang="ko-KR" sz="2000" dirty="0">
-                <a:latin typeface="조선가는고딕" panose="02030504000101010101" pitchFamily="18" charset="-127"/>
-                <a:ea typeface="조선가는고딕" panose="02030504000101010101" pitchFamily="18" charset="-127"/>
-                <a:cs typeface="KoPubWorld돋움체 Light" panose="00000300000000000000" pitchFamily="2" charset="-127"/>
-              </a:rPr>
-              <a:t>1)</a:t>
-            </a:r>
-          </a:p>
-          <a:p>
-            <a:pPr marL="342900" indent="-342900">
-              <a:buFont typeface="Arial" panose="020B0604020202020204" pitchFamily="34" charset="0"/>
-              <a:buChar char="•"/>
-            </a:pPr>
-            <a:r>
-              <a:rPr lang="ko-KR" altLang="en-US" sz="2000" dirty="0">
-                <a:latin typeface="조선가는고딕" panose="02030504000101010101" pitchFamily="18" charset="-127"/>
-                <a:ea typeface="조선가는고딕" panose="02030504000101010101" pitchFamily="18" charset="-127"/>
-                <a:cs typeface="KoPubWorld돋움체 Light" panose="00000300000000000000" pitchFamily="2" charset="-127"/>
-              </a:rPr>
-              <a:t>애니메이션</a:t>
-            </a:r>
-            <a:r>
-              <a:rPr lang="en-US" altLang="ko-KR" sz="2000" dirty="0">
-                <a:latin typeface="조선가는고딕" panose="02030504000101010101" pitchFamily="18" charset="-127"/>
-                <a:ea typeface="조선가는고딕" panose="02030504000101010101" pitchFamily="18" charset="-127"/>
-                <a:cs typeface="KoPubWorld돋움체 Light" panose="00000300000000000000" pitchFamily="2" charset="-127"/>
-              </a:rPr>
-              <a:t>: </a:t>
-            </a:r>
-            <a:r>
-              <a:rPr lang="ko-KR" altLang="en-US" sz="2000" dirty="0">
-                <a:latin typeface="조선가는고딕" panose="02030504000101010101" pitchFamily="18" charset="-127"/>
-                <a:ea typeface="조선가는고딕" panose="02030504000101010101" pitchFamily="18" charset="-127"/>
-                <a:cs typeface="KoPubWorld돋움체 Light" panose="00000300000000000000" pitchFamily="2" charset="-127"/>
-              </a:rPr>
-              <a:t>걷기</a:t>
-            </a:r>
-            <a:r>
-              <a:rPr lang="en-US" altLang="ko-KR" sz="2000" dirty="0">
-                <a:latin typeface="조선가는고딕" panose="02030504000101010101" pitchFamily="18" charset="-127"/>
-                <a:ea typeface="조선가는고딕" panose="02030504000101010101" pitchFamily="18" charset="-127"/>
-                <a:cs typeface="KoPubWorld돋움체 Light" panose="00000300000000000000" pitchFamily="2" charset="-127"/>
-              </a:rPr>
-              <a:t>, </a:t>
-            </a:r>
-            <a:r>
-              <a:rPr lang="ko-KR" altLang="en-US" sz="2000" dirty="0">
-                <a:latin typeface="조선가는고딕" panose="02030504000101010101" pitchFamily="18" charset="-127"/>
-                <a:ea typeface="조선가는고딕" panose="02030504000101010101" pitchFamily="18" charset="-127"/>
-                <a:cs typeface="KoPubWorld돋움체 Light" panose="00000300000000000000" pitchFamily="2" charset="-127"/>
-              </a:rPr>
-              <a:t>공격</a:t>
-            </a:r>
-            <a:r>
-              <a:rPr lang="en-US" altLang="ko-KR" sz="2000" dirty="0">
-                <a:latin typeface="조선가는고딕" panose="02030504000101010101" pitchFamily="18" charset="-127"/>
-                <a:ea typeface="조선가는고딕" panose="02030504000101010101" pitchFamily="18" charset="-127"/>
-                <a:cs typeface="KoPubWorld돋움체 Light" panose="00000300000000000000" pitchFamily="2" charset="-127"/>
-              </a:rPr>
-              <a:t>, IDLE</a:t>
-            </a:r>
-          </a:p>
-        </p:txBody>
-      </p:sp>
-      <p:sp>
-        <p:nvSpPr>
-          <p:cNvPr id="7" name="직사각형 6">
-            <a:extLst>
-              <a:ext uri="{FF2B5EF4-FFF2-40B4-BE49-F238E27FC236}">
-                <a16:creationId xmlns:a16="http://schemas.microsoft.com/office/drawing/2014/main" id="{13A14623-9C28-9FD7-3AD8-CC8C36E357A0}"/>
-              </a:ext>
-            </a:extLst>
-          </p:cNvPr>
-          <p:cNvSpPr/>
-          <p:nvPr/>
-        </p:nvSpPr>
-        <p:spPr>
-          <a:xfrm>
-            <a:off x="5762846" y="1129544"/>
-            <a:ext cx="49619" cy="5535770"/>
-          </a:xfrm>
-          <a:prstGeom prst="rect">
-            <a:avLst/>
-          </a:prstGeom>
-          <a:ln/>
-        </p:spPr>
-        <p:style>
-          <a:lnRef idx="1">
-            <a:schemeClr val="dk1"/>
-          </a:lnRef>
-          <a:fillRef idx="3">
-            <a:schemeClr val="dk1"/>
-          </a:fillRef>
-          <a:effectRef idx="2">
-            <a:schemeClr val="dk1"/>
-          </a:effectRef>
-          <a:fontRef idx="minor">
-            <a:schemeClr val="lt1"/>
-          </a:fontRef>
-        </p:style>
-        <p:txBody>
-          <a:bodyPr rtlCol="0" anchor="ctr"/>
-          <a:lstStyle/>
-          <a:p>
-            <a:pPr algn="ctr"/>
-            <a:endParaRPr lang="ko-KR" altLang="en-US">
-              <a:solidFill>
-                <a:srgbClr val="00B0F0"/>
-              </a:solidFill>
-            </a:endParaRPr>
-          </a:p>
-        </p:txBody>
-      </p:sp>
-      <p:pic>
-        <p:nvPicPr>
-          <p:cNvPr id="9" name="그림 8">
-            <a:extLst>
-              <a:ext uri="{FF2B5EF4-FFF2-40B4-BE49-F238E27FC236}">
-                <a16:creationId xmlns:a16="http://schemas.microsoft.com/office/drawing/2014/main" id="{716C3588-75B4-B70B-796A-4CF8BB1DF085}"/>
-              </a:ext>
-            </a:extLst>
-          </p:cNvPr>
-          <p:cNvPicPr>
-            <a:picLocks noChangeAspect="1"/>
-          </p:cNvPicPr>
-          <p:nvPr/>
-        </p:nvPicPr>
-        <p:blipFill>
-          <a:blip r:embed="rId3"/>
-          <a:stretch>
-            <a:fillRect/>
-          </a:stretch>
-        </p:blipFill>
-        <p:spPr>
-          <a:xfrm>
-            <a:off x="313308" y="2023543"/>
-            <a:ext cx="2877472" cy="2520670"/>
-          </a:xfrm>
-          <a:prstGeom prst="rect">
-            <a:avLst/>
-          </a:prstGeom>
-        </p:spPr>
-      </p:pic>
-    </p:spTree>
-    <p:extLst>
-      <p:ext uri="{BB962C8B-B14F-4D97-AF65-F5344CB8AC3E}">
-        <p14:creationId xmlns:p14="http://schemas.microsoft.com/office/powerpoint/2010/main" val="1312021578"/>
-      </p:ext>
-    </p:extLst>
-  </p:cSld>
-  <p:clrMapOvr>
-    <a:masterClrMapping/>
-  </p:clrMapOvr>
-</p:sld>
-</file>
-
-<file path=ppt/slides/slide9.xml><?xml version="1.0" encoding="utf-8"?>
 <p:sld xmlns:a="http://schemas.openxmlformats.org/drawingml/2006/main" xmlns:r="http://schemas.openxmlformats.org/officeDocument/2006/relationships" xmlns:p="http://schemas.openxmlformats.org/presentationml/2006/main">
   <p:cSld>
     <p:spTree>
@@ -20945,6 +19928,1696 @@
     <p:extLst>
       <p:ext uri="{BB962C8B-B14F-4D97-AF65-F5344CB8AC3E}">
         <p14:creationId xmlns:p14="http://schemas.microsoft.com/office/powerpoint/2010/main" val="1215042341"/>
+      </p:ext>
+    </p:extLst>
+  </p:cSld>
+  <p:clrMapOvr>
+    <a:masterClrMapping/>
+  </p:clrMapOvr>
+</p:sld>
+</file>
+
+<file path=ppt/slides/slide9.xml><?xml version="1.0" encoding="utf-8"?>
+<p:sld xmlns:a="http://schemas.openxmlformats.org/drawingml/2006/main" xmlns:r="http://schemas.openxmlformats.org/officeDocument/2006/relationships" xmlns:p="http://schemas.openxmlformats.org/presentationml/2006/main">
+  <p:cSld>
+    <p:spTree>
+      <p:nvGrpSpPr>
+        <p:cNvPr id="1" name=""/>
+        <p:cNvGrpSpPr/>
+        <p:nvPr/>
+      </p:nvGrpSpPr>
+      <p:grpSpPr>
+        <a:xfrm>
+          <a:off x="0" y="0"/>
+          <a:ext cx="0" cy="0"/>
+          <a:chOff x="0" y="0"/>
+          <a:chExt cx="0" cy="0"/>
+        </a:xfrm>
+      </p:grpSpPr>
+      <p:sp>
+        <p:nvSpPr>
+          <p:cNvPr id="23" name="직사각형 22">
+            <a:extLst>
+              <a:ext uri="{FF2B5EF4-FFF2-40B4-BE49-F238E27FC236}">
+                <a16:creationId xmlns:a16="http://schemas.microsoft.com/office/drawing/2014/main" id="{505D9C9E-8325-4A59-BEFC-3BC22C85BDAD}"/>
+              </a:ext>
+            </a:extLst>
+          </p:cNvPr>
+          <p:cNvSpPr/>
+          <p:nvPr/>
+        </p:nvSpPr>
+        <p:spPr>
+          <a:xfrm flipV="1">
+            <a:off x="557400" y="1001162"/>
+            <a:ext cx="11077200" cy="18000"/>
+          </a:xfrm>
+          <a:prstGeom prst="rect">
+            <a:avLst/>
+          </a:prstGeom>
+          <a:solidFill>
+            <a:srgbClr val="64DECF"/>
+          </a:solidFill>
+          <a:ln>
+            <a:noFill/>
+          </a:ln>
+        </p:spPr>
+        <p:style>
+          <a:lnRef idx="2">
+            <a:schemeClr val="accent1">
+              <a:shade val="50000"/>
+            </a:schemeClr>
+          </a:lnRef>
+          <a:fillRef idx="1">
+            <a:schemeClr val="accent1"/>
+          </a:fillRef>
+          <a:effectRef idx="0">
+            <a:schemeClr val="accent1"/>
+          </a:effectRef>
+          <a:fontRef idx="minor">
+            <a:schemeClr val="lt1"/>
+          </a:fontRef>
+        </p:style>
+        <p:txBody>
+          <a:bodyPr rtlCol="0" anchor="ctr"/>
+          <a:lstStyle/>
+          <a:p>
+            <a:pPr algn="ctr"/>
+            <a:endParaRPr lang="ko-KR" altLang="en-US"/>
+          </a:p>
+        </p:txBody>
+      </p:sp>
+      <p:grpSp>
+        <p:nvGrpSpPr>
+          <p:cNvPr id="6" name="그룹 5">
+            <a:extLst>
+              <a:ext uri="{FF2B5EF4-FFF2-40B4-BE49-F238E27FC236}">
+                <a16:creationId xmlns:a16="http://schemas.microsoft.com/office/drawing/2014/main" id="{1B0813F0-0608-43A3-9E53-0BA015EDE231}"/>
+              </a:ext>
+            </a:extLst>
+          </p:cNvPr>
+          <p:cNvGrpSpPr/>
+          <p:nvPr/>
+        </p:nvGrpSpPr>
+        <p:grpSpPr>
+          <a:xfrm>
+            <a:off x="4105427" y="188165"/>
+            <a:ext cx="4698331" cy="830997"/>
+            <a:chOff x="3819245" y="188165"/>
+            <a:chExt cx="4011835" cy="830997"/>
+          </a:xfrm>
+        </p:grpSpPr>
+        <p:sp>
+          <p:nvSpPr>
+            <p:cNvPr id="5" name="직사각형 4">
+              <a:extLst>
+                <a:ext uri="{FF2B5EF4-FFF2-40B4-BE49-F238E27FC236}">
+                  <a16:creationId xmlns:a16="http://schemas.microsoft.com/office/drawing/2014/main" id="{7D0033C3-456D-4151-9AAB-F0A2E961A5B6}"/>
+                </a:ext>
+              </a:extLst>
+            </p:cNvPr>
+            <p:cNvSpPr/>
+            <p:nvPr/>
+          </p:nvSpPr>
+          <p:spPr>
+            <a:xfrm>
+              <a:off x="4633790" y="302276"/>
+              <a:ext cx="3197290" cy="584775"/>
+            </a:xfrm>
+            <a:prstGeom prst="rect">
+              <a:avLst/>
+            </a:prstGeom>
+          </p:spPr>
+          <p:txBody>
+            <a:bodyPr wrap="square">
+              <a:spAutoFit/>
+            </a:bodyPr>
+            <a:lstStyle/>
+            <a:p>
+              <a:r>
+                <a:rPr lang="ko-KR" altLang="en-US" sz="3200" dirty="0">
+                  <a:latin typeface="조선가는고딕" panose="02030504000101010101" pitchFamily="18" charset="-127"/>
+                  <a:ea typeface="조선가는고딕" panose="02030504000101010101" pitchFamily="18" charset="-127"/>
+                  <a:cs typeface="KoPubWorld돋움체 Bold" panose="00000800000000000000" pitchFamily="2" charset="-127"/>
+                </a:rPr>
+                <a:t>게임소개</a:t>
+              </a:r>
+              <a:endParaRPr lang="en-US" altLang="ko-KR" sz="3200" dirty="0">
+                <a:latin typeface="조선가는고딕" panose="02030504000101010101" pitchFamily="18" charset="-127"/>
+                <a:ea typeface="조선가는고딕" panose="02030504000101010101" pitchFamily="18" charset="-127"/>
+                <a:cs typeface="KoPubWorld돋움체 Bold" panose="00000800000000000000" pitchFamily="2" charset="-127"/>
+              </a:endParaRPr>
+            </a:p>
+          </p:txBody>
+        </p:sp>
+        <p:sp>
+          <p:nvSpPr>
+            <p:cNvPr id="24" name="TextBox 23">
+              <a:extLst>
+                <a:ext uri="{FF2B5EF4-FFF2-40B4-BE49-F238E27FC236}">
+                  <a16:creationId xmlns:a16="http://schemas.microsoft.com/office/drawing/2014/main" id="{1841637C-F02D-4ED4-9B17-10A92FFC6619}"/>
+                </a:ext>
+              </a:extLst>
+            </p:cNvPr>
+            <p:cNvSpPr txBox="1"/>
+            <p:nvPr/>
+          </p:nvSpPr>
+          <p:spPr>
+            <a:xfrm>
+              <a:off x="3819245" y="188165"/>
+              <a:ext cx="768159" cy="830997"/>
+            </a:xfrm>
+            <a:prstGeom prst="rect">
+              <a:avLst/>
+            </a:prstGeom>
+            <a:noFill/>
+          </p:spPr>
+          <p:txBody>
+            <a:bodyPr wrap="none" rtlCol="0">
+              <a:spAutoFit/>
+            </a:bodyPr>
+            <a:lstStyle/>
+            <a:p>
+              <a:r>
+                <a:rPr lang="en-US" altLang="ko-KR" sz="4800" b="1" dirty="0">
+                  <a:solidFill>
+                    <a:srgbClr val="64DECF"/>
+                  </a:solidFill>
+                  <a:latin typeface="KoPubWorld돋움체 Bold" panose="00000800000000000000" pitchFamily="2" charset="-127"/>
+                  <a:ea typeface="KoPubWorld돋움체 Bold" panose="00000800000000000000" pitchFamily="2" charset="-127"/>
+                  <a:cs typeface="KoPubWorld돋움체 Bold" panose="00000800000000000000" pitchFamily="2" charset="-127"/>
+                </a:rPr>
+                <a:t>02</a:t>
+              </a:r>
+              <a:endParaRPr lang="ko-KR" altLang="en-US" sz="4800" b="1" dirty="0">
+                <a:solidFill>
+                  <a:srgbClr val="64DECF"/>
+                </a:solidFill>
+                <a:latin typeface="KoPubWorld돋움체 Bold" panose="00000800000000000000" pitchFamily="2" charset="-127"/>
+                <a:ea typeface="KoPubWorld돋움체 Bold" panose="00000800000000000000" pitchFamily="2" charset="-127"/>
+                <a:cs typeface="KoPubWorld돋움체 Bold" panose="00000800000000000000" pitchFamily="2" charset="-127"/>
+              </a:endParaRPr>
+            </a:p>
+          </p:txBody>
+        </p:sp>
+      </p:grpSp>
+      <p:sp>
+        <p:nvSpPr>
+          <p:cNvPr id="37" name="TextBox 36">
+            <a:extLst>
+              <a:ext uri="{FF2B5EF4-FFF2-40B4-BE49-F238E27FC236}">
+                <a16:creationId xmlns:a16="http://schemas.microsoft.com/office/drawing/2014/main" id="{C3CAB183-DEA4-4560-B11D-01DCD66BDF6D}"/>
+              </a:ext>
+            </a:extLst>
+          </p:cNvPr>
+          <p:cNvSpPr txBox="1"/>
+          <p:nvPr/>
+        </p:nvSpPr>
+        <p:spPr>
+          <a:xfrm>
+            <a:off x="280600" y="1202720"/>
+            <a:ext cx="1877437" cy="769441"/>
+          </a:xfrm>
+          <a:prstGeom prst="rect">
+            <a:avLst/>
+          </a:prstGeom>
+          <a:noFill/>
+        </p:spPr>
+        <p:txBody>
+          <a:bodyPr wrap="none" rtlCol="0">
+            <a:spAutoFit/>
+          </a:bodyPr>
+          <a:lstStyle/>
+          <a:p>
+            <a:pPr algn="ctr"/>
+            <a:r>
+              <a:rPr lang="ko-KR" altLang="en-US" sz="4400" b="1" dirty="0">
+                <a:latin typeface="조선가는고딕" panose="02030504000101010101" pitchFamily="18" charset="-127"/>
+                <a:ea typeface="조선가는고딕" panose="02030504000101010101" pitchFamily="18" charset="-127"/>
+                <a:cs typeface="KoPubWorld돋움체 Light" panose="00000300000000000000" pitchFamily="2" charset="-127"/>
+              </a:rPr>
+              <a:t>웨이브</a:t>
+            </a:r>
+            <a:endParaRPr lang="en-US" altLang="ko-KR" sz="4400" b="1" dirty="0">
+              <a:latin typeface="조선가는고딕" panose="02030504000101010101" pitchFamily="18" charset="-127"/>
+              <a:ea typeface="조선가는고딕" panose="02030504000101010101" pitchFamily="18" charset="-127"/>
+              <a:cs typeface="KoPubWorld돋움체 Light" panose="00000300000000000000" pitchFamily="2" charset="-127"/>
+            </a:endParaRPr>
+          </a:p>
+        </p:txBody>
+      </p:sp>
+      <p:graphicFrame>
+        <p:nvGraphicFramePr>
+          <p:cNvPr id="4" name="표 3">
+            <a:extLst>
+              <a:ext uri="{FF2B5EF4-FFF2-40B4-BE49-F238E27FC236}">
+                <a16:creationId xmlns:a16="http://schemas.microsoft.com/office/drawing/2014/main" id="{03EF38D2-6D1F-D1E0-7E74-37E8A154AA19}"/>
+              </a:ext>
+            </a:extLst>
+          </p:cNvPr>
+          <p:cNvGraphicFramePr>
+            <a:graphicFrameLocks noGrp="1"/>
+          </p:cNvGraphicFramePr>
+          <p:nvPr>
+            <p:extLst>
+              <p:ext uri="{D42A27DB-BD31-4B8C-83A1-F6EECF244321}">
+                <p14:modId xmlns:p14="http://schemas.microsoft.com/office/powerpoint/2010/main" val="1732933778"/>
+              </p:ext>
+            </p:extLst>
+          </p:nvPr>
+        </p:nvGraphicFramePr>
+        <p:xfrm>
+          <a:off x="280599" y="2509284"/>
+          <a:ext cx="11776722" cy="3869884"/>
+        </p:xfrm>
+        <a:graphic>
+          <a:graphicData uri="http://schemas.openxmlformats.org/drawingml/2006/table">
+            <a:tbl>
+              <a:tblPr firstRow="1" bandRow="1">
+                <a:tableStyleId>{E8034E78-7F5D-4C2E-B375-FC64B27BC917}</a:tableStyleId>
+              </a:tblPr>
+              <a:tblGrid>
+                <a:gridCol w="3925574">
+                  <a:extLst>
+                    <a:ext uri="{9D8B030D-6E8A-4147-A177-3AD203B41FA5}">
+                      <a16:colId xmlns:a16="http://schemas.microsoft.com/office/drawing/2014/main" val="1153405783"/>
+                    </a:ext>
+                  </a:extLst>
+                </a:gridCol>
+                <a:gridCol w="3925574">
+                  <a:extLst>
+                    <a:ext uri="{9D8B030D-6E8A-4147-A177-3AD203B41FA5}">
+                      <a16:colId xmlns:a16="http://schemas.microsoft.com/office/drawing/2014/main" val="2410754307"/>
+                    </a:ext>
+                  </a:extLst>
+                </a:gridCol>
+                <a:gridCol w="3925574">
+                  <a:extLst>
+                    <a:ext uri="{9D8B030D-6E8A-4147-A177-3AD203B41FA5}">
+                      <a16:colId xmlns:a16="http://schemas.microsoft.com/office/drawing/2014/main" val="3354809049"/>
+                    </a:ext>
+                  </a:extLst>
+                </a:gridCol>
+              </a:tblGrid>
+              <a:tr h="360265">
+                <a:tc>
+                  <a:txBody>
+                    <a:bodyPr/>
+                    <a:lstStyle/>
+                    <a:p>
+                      <a:pPr algn="ctr" latinLnBrk="1"/>
+                      <a:r>
+                        <a:rPr lang="en-US" altLang="ko-KR" dirty="0"/>
+                        <a:t>Wave</a:t>
+                      </a:r>
+                      <a:endParaRPr lang="ko-KR" altLang="en-US" dirty="0"/>
+                    </a:p>
+                  </a:txBody>
+                  <a:tcPr>
+                    <a:lnL w="12700" cap="flat" cmpd="sng" algn="ctr">
+                      <a:solidFill>
+                        <a:schemeClr val="tx1"/>
+                      </a:solidFill>
+                      <a:prstDash val="solid"/>
+                      <a:round/>
+                      <a:headEnd type="none" w="med" len="med"/>
+                      <a:tailEnd type="none" w="med" len="med"/>
+                    </a:lnL>
+                    <a:lnR w="12700" cap="flat" cmpd="sng" algn="ctr">
+                      <a:solidFill>
+                        <a:schemeClr val="tx1"/>
+                      </a:solidFill>
+                      <a:prstDash val="solid"/>
+                      <a:round/>
+                      <a:headEnd type="none" w="med" len="med"/>
+                      <a:tailEnd type="none" w="med" len="med"/>
+                    </a:lnR>
+                    <a:lnT w="12700" cap="flat" cmpd="sng" algn="ctr">
+                      <a:solidFill>
+                        <a:schemeClr val="tx1"/>
+                      </a:solidFill>
+                      <a:prstDash val="solid"/>
+                      <a:round/>
+                      <a:headEnd type="none" w="med" len="med"/>
+                      <a:tailEnd type="none" w="med" len="med"/>
+                    </a:lnT>
+                    <a:lnB w="12700" cap="flat" cmpd="sng" algn="ctr">
+                      <a:solidFill>
+                        <a:schemeClr val="tx1"/>
+                      </a:solidFill>
+                      <a:prstDash val="solid"/>
+                      <a:round/>
+                      <a:headEnd type="none" w="med" len="med"/>
+                      <a:tailEnd type="none" w="med" len="med"/>
+                    </a:lnB>
+                  </a:tcPr>
+                </a:tc>
+                <a:tc>
+                  <a:txBody>
+                    <a:bodyPr/>
+                    <a:lstStyle/>
+                    <a:p>
+                      <a:pPr algn="ctr" latinLnBrk="1"/>
+                      <a:r>
+                        <a:rPr lang="ko-KR" altLang="en-US" dirty="0"/>
+                        <a:t>몬스터 생성 수</a:t>
+                      </a:r>
+                    </a:p>
+                  </a:txBody>
+                  <a:tcPr>
+                    <a:lnL w="12700" cap="flat" cmpd="sng" algn="ctr">
+                      <a:solidFill>
+                        <a:schemeClr val="tx1"/>
+                      </a:solidFill>
+                      <a:prstDash val="solid"/>
+                      <a:round/>
+                      <a:headEnd type="none" w="med" len="med"/>
+                      <a:tailEnd type="none" w="med" len="med"/>
+                    </a:lnL>
+                    <a:lnR w="12700" cap="flat" cmpd="sng" algn="ctr">
+                      <a:solidFill>
+                        <a:schemeClr val="tx1"/>
+                      </a:solidFill>
+                      <a:prstDash val="solid"/>
+                      <a:round/>
+                      <a:headEnd type="none" w="med" len="med"/>
+                      <a:tailEnd type="none" w="med" len="med"/>
+                    </a:lnR>
+                    <a:lnT w="12700" cap="flat" cmpd="sng" algn="ctr">
+                      <a:solidFill>
+                        <a:schemeClr val="tx1"/>
+                      </a:solidFill>
+                      <a:prstDash val="solid"/>
+                      <a:round/>
+                      <a:headEnd type="none" w="med" len="med"/>
+                      <a:tailEnd type="none" w="med" len="med"/>
+                    </a:lnT>
+                    <a:lnB w="12700" cap="flat" cmpd="sng" algn="ctr">
+                      <a:solidFill>
+                        <a:schemeClr val="tx1"/>
+                      </a:solidFill>
+                      <a:prstDash val="solid"/>
+                      <a:round/>
+                      <a:headEnd type="none" w="med" len="med"/>
+                      <a:tailEnd type="none" w="med" len="med"/>
+                    </a:lnB>
+                  </a:tcPr>
+                </a:tc>
+                <a:tc>
+                  <a:txBody>
+                    <a:bodyPr/>
+                    <a:lstStyle/>
+                    <a:p>
+                      <a:pPr algn="ctr" latinLnBrk="1"/>
+                      <a:r>
+                        <a:rPr lang="ko-KR" altLang="en-US" dirty="0"/>
+                        <a:t>기타 이벤트</a:t>
+                      </a:r>
+                    </a:p>
+                  </a:txBody>
+                  <a:tcPr>
+                    <a:lnL w="12700" cap="flat" cmpd="sng" algn="ctr">
+                      <a:solidFill>
+                        <a:schemeClr val="tx1"/>
+                      </a:solidFill>
+                      <a:prstDash val="solid"/>
+                      <a:round/>
+                      <a:headEnd type="none" w="med" len="med"/>
+                      <a:tailEnd type="none" w="med" len="med"/>
+                    </a:lnL>
+                    <a:lnR w="12700" cap="flat" cmpd="sng" algn="ctr">
+                      <a:solidFill>
+                        <a:schemeClr val="tx1"/>
+                      </a:solidFill>
+                      <a:prstDash val="solid"/>
+                      <a:round/>
+                      <a:headEnd type="none" w="med" len="med"/>
+                      <a:tailEnd type="none" w="med" len="med"/>
+                    </a:lnR>
+                    <a:lnT w="12700" cap="flat" cmpd="sng" algn="ctr">
+                      <a:solidFill>
+                        <a:schemeClr val="tx1"/>
+                      </a:solidFill>
+                      <a:prstDash val="solid"/>
+                      <a:round/>
+                      <a:headEnd type="none" w="med" len="med"/>
+                      <a:tailEnd type="none" w="med" len="med"/>
+                    </a:lnT>
+                    <a:lnB w="12700" cap="flat" cmpd="sng" algn="ctr">
+                      <a:solidFill>
+                        <a:schemeClr val="tx1"/>
+                      </a:solidFill>
+                      <a:prstDash val="solid"/>
+                      <a:round/>
+                      <a:headEnd type="none" w="med" len="med"/>
+                      <a:tailEnd type="none" w="med" len="med"/>
+                    </a:lnB>
+                  </a:tcPr>
+                </a:tc>
+                <a:extLst>
+                  <a:ext uri="{0D108BD9-81ED-4DB2-BD59-A6C34878D82A}">
+                    <a16:rowId xmlns:a16="http://schemas.microsoft.com/office/drawing/2014/main" val="3258312946"/>
+                  </a:ext>
+                </a:extLst>
+              </a:tr>
+              <a:tr h="380462">
+                <a:tc>
+                  <a:txBody>
+                    <a:bodyPr/>
+                    <a:lstStyle/>
+                    <a:p>
+                      <a:pPr algn="ctr" latinLnBrk="1"/>
+                      <a:r>
+                        <a:rPr lang="en-US" altLang="ko-KR" dirty="0">
+                          <a:solidFill>
+                            <a:schemeClr val="tx1"/>
+                          </a:solidFill>
+                        </a:rPr>
+                        <a:t>1</a:t>
+                      </a:r>
+                      <a:endParaRPr lang="ko-KR" altLang="en-US" dirty="0">
+                        <a:solidFill>
+                          <a:schemeClr val="tx1"/>
+                        </a:solidFill>
+                      </a:endParaRPr>
+                    </a:p>
+                  </a:txBody>
+                  <a:tcPr>
+                    <a:lnL w="12700" cap="flat" cmpd="sng" algn="ctr">
+                      <a:solidFill>
+                        <a:schemeClr val="tx1"/>
+                      </a:solidFill>
+                      <a:prstDash val="solid"/>
+                      <a:round/>
+                      <a:headEnd type="none" w="med" len="med"/>
+                      <a:tailEnd type="none" w="med" len="med"/>
+                    </a:lnL>
+                    <a:lnR w="12700" cap="flat" cmpd="sng" algn="ctr">
+                      <a:solidFill>
+                        <a:schemeClr val="tx1"/>
+                      </a:solidFill>
+                      <a:prstDash val="solid"/>
+                      <a:round/>
+                      <a:headEnd type="none" w="med" len="med"/>
+                      <a:tailEnd type="none" w="med" len="med"/>
+                    </a:lnR>
+                    <a:lnT w="12700" cap="flat" cmpd="sng" algn="ctr">
+                      <a:solidFill>
+                        <a:schemeClr val="tx1"/>
+                      </a:solidFill>
+                      <a:prstDash val="solid"/>
+                      <a:round/>
+                      <a:headEnd type="none" w="med" len="med"/>
+                      <a:tailEnd type="none" w="med" len="med"/>
+                    </a:lnT>
+                    <a:lnB w="12700" cap="flat" cmpd="sng" algn="ctr">
+                      <a:solidFill>
+                        <a:schemeClr val="tx1"/>
+                      </a:solidFill>
+                      <a:prstDash val="solid"/>
+                      <a:round/>
+                      <a:headEnd type="none" w="med" len="med"/>
+                      <a:tailEnd type="none" w="med" len="med"/>
+                    </a:lnB>
+                  </a:tcPr>
+                </a:tc>
+                <a:tc>
+                  <a:txBody>
+                    <a:bodyPr/>
+                    <a:lstStyle/>
+                    <a:p>
+                      <a:pPr algn="ctr" latinLnBrk="1"/>
+                      <a:r>
+                        <a:rPr lang="en-US" altLang="ko-KR" dirty="0">
+                          <a:solidFill>
+                            <a:schemeClr val="tx1"/>
+                          </a:solidFill>
+                        </a:rPr>
+                        <a:t>50</a:t>
+                      </a:r>
+                      <a:endParaRPr lang="ko-KR" altLang="en-US" dirty="0">
+                        <a:solidFill>
+                          <a:schemeClr val="tx1"/>
+                        </a:solidFill>
+                      </a:endParaRPr>
+                    </a:p>
+                  </a:txBody>
+                  <a:tcPr>
+                    <a:lnL w="12700" cap="flat" cmpd="sng" algn="ctr">
+                      <a:solidFill>
+                        <a:schemeClr val="tx1"/>
+                      </a:solidFill>
+                      <a:prstDash val="solid"/>
+                      <a:round/>
+                      <a:headEnd type="none" w="med" len="med"/>
+                      <a:tailEnd type="none" w="med" len="med"/>
+                    </a:lnL>
+                    <a:lnR w="12700" cap="flat" cmpd="sng" algn="ctr">
+                      <a:solidFill>
+                        <a:schemeClr val="tx1"/>
+                      </a:solidFill>
+                      <a:prstDash val="solid"/>
+                      <a:round/>
+                      <a:headEnd type="none" w="med" len="med"/>
+                      <a:tailEnd type="none" w="med" len="med"/>
+                    </a:lnR>
+                    <a:lnT w="12700" cap="flat" cmpd="sng" algn="ctr">
+                      <a:solidFill>
+                        <a:schemeClr val="tx1"/>
+                      </a:solidFill>
+                      <a:prstDash val="solid"/>
+                      <a:round/>
+                      <a:headEnd type="none" w="med" len="med"/>
+                      <a:tailEnd type="none" w="med" len="med"/>
+                    </a:lnT>
+                    <a:lnB w="12700" cap="flat" cmpd="sng" algn="ctr">
+                      <a:solidFill>
+                        <a:schemeClr val="tx1"/>
+                      </a:solidFill>
+                      <a:prstDash val="solid"/>
+                      <a:round/>
+                      <a:headEnd type="none" w="med" len="med"/>
+                      <a:tailEnd type="none" w="med" len="med"/>
+                    </a:lnB>
+                  </a:tcPr>
+                </a:tc>
+                <a:tc>
+                  <a:txBody>
+                    <a:bodyPr/>
+                    <a:lstStyle/>
+                    <a:p>
+                      <a:pPr algn="ctr" latinLnBrk="1"/>
+                      <a:endParaRPr lang="ko-KR" altLang="en-US" dirty="0">
+                        <a:solidFill>
+                          <a:schemeClr val="tx1"/>
+                        </a:solidFill>
+                      </a:endParaRPr>
+                    </a:p>
+                  </a:txBody>
+                  <a:tcPr>
+                    <a:lnL w="12700" cap="flat" cmpd="sng" algn="ctr">
+                      <a:solidFill>
+                        <a:schemeClr val="tx1"/>
+                      </a:solidFill>
+                      <a:prstDash val="solid"/>
+                      <a:round/>
+                      <a:headEnd type="none" w="med" len="med"/>
+                      <a:tailEnd type="none" w="med" len="med"/>
+                    </a:lnL>
+                    <a:lnR w="12700" cap="flat" cmpd="sng" algn="ctr">
+                      <a:solidFill>
+                        <a:schemeClr val="tx1"/>
+                      </a:solidFill>
+                      <a:prstDash val="solid"/>
+                      <a:round/>
+                      <a:headEnd type="none" w="med" len="med"/>
+                      <a:tailEnd type="none" w="med" len="med"/>
+                    </a:lnR>
+                    <a:lnT w="12700" cap="flat" cmpd="sng" algn="ctr">
+                      <a:solidFill>
+                        <a:schemeClr val="tx1"/>
+                      </a:solidFill>
+                      <a:prstDash val="solid"/>
+                      <a:round/>
+                      <a:headEnd type="none" w="med" len="med"/>
+                      <a:tailEnd type="none" w="med" len="med"/>
+                    </a:lnT>
+                    <a:lnB w="12700" cap="flat" cmpd="sng" algn="ctr">
+                      <a:solidFill>
+                        <a:schemeClr val="tx1"/>
+                      </a:solidFill>
+                      <a:prstDash val="solid"/>
+                      <a:round/>
+                      <a:headEnd type="none" w="med" len="med"/>
+                      <a:tailEnd type="none" w="med" len="med"/>
+                    </a:lnB>
+                  </a:tcPr>
+                </a:tc>
+                <a:extLst>
+                  <a:ext uri="{0D108BD9-81ED-4DB2-BD59-A6C34878D82A}">
+                    <a16:rowId xmlns:a16="http://schemas.microsoft.com/office/drawing/2014/main" val="293237047"/>
+                  </a:ext>
+                </a:extLst>
+              </a:tr>
+              <a:tr h="380462">
+                <a:tc>
+                  <a:txBody>
+                    <a:bodyPr/>
+                    <a:lstStyle/>
+                    <a:p>
+                      <a:pPr algn="ctr" latinLnBrk="1"/>
+                      <a:r>
+                        <a:rPr lang="en-US" altLang="ko-KR" dirty="0">
+                          <a:solidFill>
+                            <a:schemeClr val="tx1"/>
+                          </a:solidFill>
+                        </a:rPr>
+                        <a:t>2</a:t>
+                      </a:r>
+                      <a:endParaRPr lang="ko-KR" altLang="en-US" dirty="0">
+                        <a:solidFill>
+                          <a:schemeClr val="tx1"/>
+                        </a:solidFill>
+                      </a:endParaRPr>
+                    </a:p>
+                  </a:txBody>
+                  <a:tcPr>
+                    <a:lnL w="12700" cap="flat" cmpd="sng" algn="ctr">
+                      <a:solidFill>
+                        <a:schemeClr val="tx1"/>
+                      </a:solidFill>
+                      <a:prstDash val="solid"/>
+                      <a:round/>
+                      <a:headEnd type="none" w="med" len="med"/>
+                      <a:tailEnd type="none" w="med" len="med"/>
+                    </a:lnL>
+                    <a:lnR w="12700" cap="flat" cmpd="sng" algn="ctr">
+                      <a:solidFill>
+                        <a:schemeClr val="tx1"/>
+                      </a:solidFill>
+                      <a:prstDash val="solid"/>
+                      <a:round/>
+                      <a:headEnd type="none" w="med" len="med"/>
+                      <a:tailEnd type="none" w="med" len="med"/>
+                    </a:lnR>
+                    <a:lnT w="12700" cap="flat" cmpd="sng" algn="ctr">
+                      <a:solidFill>
+                        <a:schemeClr val="tx1"/>
+                      </a:solidFill>
+                      <a:prstDash val="solid"/>
+                      <a:round/>
+                      <a:headEnd type="none" w="med" len="med"/>
+                      <a:tailEnd type="none" w="med" len="med"/>
+                    </a:lnT>
+                    <a:lnB w="12700" cap="flat" cmpd="sng" algn="ctr">
+                      <a:solidFill>
+                        <a:schemeClr val="tx1"/>
+                      </a:solidFill>
+                      <a:prstDash val="solid"/>
+                      <a:round/>
+                      <a:headEnd type="none" w="med" len="med"/>
+                      <a:tailEnd type="none" w="med" len="med"/>
+                    </a:lnB>
+                  </a:tcPr>
+                </a:tc>
+                <a:tc>
+                  <a:txBody>
+                    <a:bodyPr/>
+                    <a:lstStyle/>
+                    <a:p>
+                      <a:pPr algn="ctr" latinLnBrk="1"/>
+                      <a:r>
+                        <a:rPr lang="en-US" altLang="ko-KR" dirty="0">
+                          <a:solidFill>
+                            <a:schemeClr val="tx1"/>
+                          </a:solidFill>
+                        </a:rPr>
+                        <a:t>100</a:t>
+                      </a:r>
+                      <a:endParaRPr lang="ko-KR" altLang="en-US" dirty="0">
+                        <a:solidFill>
+                          <a:schemeClr val="tx1"/>
+                        </a:solidFill>
+                      </a:endParaRPr>
+                    </a:p>
+                  </a:txBody>
+                  <a:tcPr>
+                    <a:lnL w="12700" cap="flat" cmpd="sng" algn="ctr">
+                      <a:solidFill>
+                        <a:schemeClr val="tx1"/>
+                      </a:solidFill>
+                      <a:prstDash val="solid"/>
+                      <a:round/>
+                      <a:headEnd type="none" w="med" len="med"/>
+                      <a:tailEnd type="none" w="med" len="med"/>
+                    </a:lnL>
+                    <a:lnR w="12700" cap="flat" cmpd="sng" algn="ctr">
+                      <a:solidFill>
+                        <a:schemeClr val="tx1"/>
+                      </a:solidFill>
+                      <a:prstDash val="solid"/>
+                      <a:round/>
+                      <a:headEnd type="none" w="med" len="med"/>
+                      <a:tailEnd type="none" w="med" len="med"/>
+                    </a:lnR>
+                    <a:lnT w="12700" cap="flat" cmpd="sng" algn="ctr">
+                      <a:solidFill>
+                        <a:schemeClr val="tx1"/>
+                      </a:solidFill>
+                      <a:prstDash val="solid"/>
+                      <a:round/>
+                      <a:headEnd type="none" w="med" len="med"/>
+                      <a:tailEnd type="none" w="med" len="med"/>
+                    </a:lnT>
+                    <a:lnB w="12700" cap="flat" cmpd="sng" algn="ctr">
+                      <a:solidFill>
+                        <a:schemeClr val="tx1"/>
+                      </a:solidFill>
+                      <a:prstDash val="solid"/>
+                      <a:round/>
+                      <a:headEnd type="none" w="med" len="med"/>
+                      <a:tailEnd type="none" w="med" len="med"/>
+                    </a:lnB>
+                  </a:tcPr>
+                </a:tc>
+                <a:tc>
+                  <a:txBody>
+                    <a:bodyPr/>
+                    <a:lstStyle/>
+                    <a:p>
+                      <a:pPr algn="ctr" latinLnBrk="1"/>
+                      <a:endParaRPr lang="ko-KR" altLang="en-US" dirty="0">
+                        <a:solidFill>
+                          <a:schemeClr val="tx1"/>
+                        </a:solidFill>
+                      </a:endParaRPr>
+                    </a:p>
+                  </a:txBody>
+                  <a:tcPr>
+                    <a:lnL w="12700" cap="flat" cmpd="sng" algn="ctr">
+                      <a:solidFill>
+                        <a:schemeClr val="tx1"/>
+                      </a:solidFill>
+                      <a:prstDash val="solid"/>
+                      <a:round/>
+                      <a:headEnd type="none" w="med" len="med"/>
+                      <a:tailEnd type="none" w="med" len="med"/>
+                    </a:lnL>
+                    <a:lnR w="12700" cap="flat" cmpd="sng" algn="ctr">
+                      <a:solidFill>
+                        <a:schemeClr val="tx1"/>
+                      </a:solidFill>
+                      <a:prstDash val="solid"/>
+                      <a:round/>
+                      <a:headEnd type="none" w="med" len="med"/>
+                      <a:tailEnd type="none" w="med" len="med"/>
+                    </a:lnR>
+                    <a:lnT w="12700" cap="flat" cmpd="sng" algn="ctr">
+                      <a:solidFill>
+                        <a:schemeClr val="tx1"/>
+                      </a:solidFill>
+                      <a:prstDash val="solid"/>
+                      <a:round/>
+                      <a:headEnd type="none" w="med" len="med"/>
+                      <a:tailEnd type="none" w="med" len="med"/>
+                    </a:lnT>
+                    <a:lnB w="12700" cap="flat" cmpd="sng" algn="ctr">
+                      <a:solidFill>
+                        <a:schemeClr val="tx1"/>
+                      </a:solidFill>
+                      <a:prstDash val="solid"/>
+                      <a:round/>
+                      <a:headEnd type="none" w="med" len="med"/>
+                      <a:tailEnd type="none" w="med" len="med"/>
+                    </a:lnB>
+                  </a:tcPr>
+                </a:tc>
+                <a:extLst>
+                  <a:ext uri="{0D108BD9-81ED-4DB2-BD59-A6C34878D82A}">
+                    <a16:rowId xmlns:a16="http://schemas.microsoft.com/office/drawing/2014/main" val="1450564219"/>
+                  </a:ext>
+                </a:extLst>
+              </a:tr>
+              <a:tr h="856468">
+                <a:tc>
+                  <a:txBody>
+                    <a:bodyPr/>
+                    <a:lstStyle/>
+                    <a:p>
+                      <a:pPr algn="ctr" latinLnBrk="1"/>
+                      <a:endParaRPr lang="en-US" altLang="ko-KR" dirty="0">
+                        <a:solidFill>
+                          <a:schemeClr val="tx1"/>
+                        </a:solidFill>
+                      </a:endParaRPr>
+                    </a:p>
+                    <a:p>
+                      <a:pPr algn="ctr" latinLnBrk="1"/>
+                      <a:r>
+                        <a:rPr lang="en-US" altLang="ko-KR" dirty="0">
+                          <a:solidFill>
+                            <a:schemeClr val="tx1"/>
+                          </a:solidFill>
+                        </a:rPr>
+                        <a:t>3</a:t>
+                      </a:r>
+                      <a:endParaRPr lang="ko-KR" altLang="en-US" dirty="0">
+                        <a:solidFill>
+                          <a:schemeClr val="tx1"/>
+                        </a:solidFill>
+                      </a:endParaRPr>
+                    </a:p>
+                  </a:txBody>
+                  <a:tcPr>
+                    <a:lnL w="12700" cap="flat" cmpd="sng" algn="ctr">
+                      <a:solidFill>
+                        <a:schemeClr val="tx1"/>
+                      </a:solidFill>
+                      <a:prstDash val="solid"/>
+                      <a:round/>
+                      <a:headEnd type="none" w="med" len="med"/>
+                      <a:tailEnd type="none" w="med" len="med"/>
+                    </a:lnL>
+                    <a:lnR w="12700" cap="flat" cmpd="sng" algn="ctr">
+                      <a:solidFill>
+                        <a:schemeClr val="tx1"/>
+                      </a:solidFill>
+                      <a:prstDash val="solid"/>
+                      <a:round/>
+                      <a:headEnd type="none" w="med" len="med"/>
+                      <a:tailEnd type="none" w="med" len="med"/>
+                    </a:lnR>
+                    <a:lnT w="12700" cap="flat" cmpd="sng" algn="ctr">
+                      <a:solidFill>
+                        <a:schemeClr val="tx1"/>
+                      </a:solidFill>
+                      <a:prstDash val="solid"/>
+                      <a:round/>
+                      <a:headEnd type="none" w="med" len="med"/>
+                      <a:tailEnd type="none" w="med" len="med"/>
+                    </a:lnT>
+                    <a:lnB w="12700" cap="flat" cmpd="sng" algn="ctr">
+                      <a:solidFill>
+                        <a:schemeClr val="tx1"/>
+                      </a:solidFill>
+                      <a:prstDash val="solid"/>
+                      <a:round/>
+                      <a:headEnd type="none" w="med" len="med"/>
+                      <a:tailEnd type="none" w="med" len="med"/>
+                    </a:lnB>
+                  </a:tcPr>
+                </a:tc>
+                <a:tc>
+                  <a:txBody>
+                    <a:bodyPr/>
+                    <a:lstStyle/>
+                    <a:p>
+                      <a:pPr algn="ctr" latinLnBrk="1"/>
+                      <a:endParaRPr lang="en-US" altLang="ko-KR" dirty="0">
+                        <a:solidFill>
+                          <a:schemeClr val="tx1"/>
+                        </a:solidFill>
+                      </a:endParaRPr>
+                    </a:p>
+                    <a:p>
+                      <a:pPr algn="ctr" latinLnBrk="1"/>
+                      <a:r>
+                        <a:rPr lang="en-US" altLang="ko-KR" dirty="0">
+                          <a:solidFill>
+                            <a:schemeClr val="tx1"/>
+                          </a:solidFill>
+                        </a:rPr>
+                        <a:t>100</a:t>
+                      </a:r>
+                      <a:endParaRPr lang="ko-KR" altLang="en-US" dirty="0">
+                        <a:solidFill>
+                          <a:schemeClr val="tx1"/>
+                        </a:solidFill>
+                      </a:endParaRPr>
+                    </a:p>
+                  </a:txBody>
+                  <a:tcPr>
+                    <a:lnL w="12700" cap="flat" cmpd="sng" algn="ctr">
+                      <a:solidFill>
+                        <a:schemeClr val="tx1"/>
+                      </a:solidFill>
+                      <a:prstDash val="solid"/>
+                      <a:round/>
+                      <a:headEnd type="none" w="med" len="med"/>
+                      <a:tailEnd type="none" w="med" len="med"/>
+                    </a:lnL>
+                    <a:lnR w="12700" cap="flat" cmpd="sng" algn="ctr">
+                      <a:solidFill>
+                        <a:schemeClr val="tx1"/>
+                      </a:solidFill>
+                      <a:prstDash val="solid"/>
+                      <a:round/>
+                      <a:headEnd type="none" w="med" len="med"/>
+                      <a:tailEnd type="none" w="med" len="med"/>
+                    </a:lnR>
+                    <a:lnT w="12700" cap="flat" cmpd="sng" algn="ctr">
+                      <a:solidFill>
+                        <a:schemeClr val="tx1"/>
+                      </a:solidFill>
+                      <a:prstDash val="solid"/>
+                      <a:round/>
+                      <a:headEnd type="none" w="med" len="med"/>
+                      <a:tailEnd type="none" w="med" len="med"/>
+                    </a:lnT>
+                    <a:lnB w="12700" cap="flat" cmpd="sng" algn="ctr">
+                      <a:solidFill>
+                        <a:schemeClr val="tx1"/>
+                      </a:solidFill>
+                      <a:prstDash val="solid"/>
+                      <a:round/>
+                      <a:headEnd type="none" w="med" len="med"/>
+                      <a:tailEnd type="none" w="med" len="med"/>
+                    </a:lnB>
+                  </a:tcPr>
+                </a:tc>
+                <a:tc>
+                  <a:txBody>
+                    <a:bodyPr/>
+                    <a:lstStyle/>
+                    <a:p>
+                      <a:pPr algn="ctr" latinLnBrk="1"/>
+                      <a:r>
+                        <a:rPr lang="ko-KR" altLang="en-US" dirty="0">
+                          <a:solidFill>
+                            <a:srgbClr val="FF0000"/>
+                          </a:solidFill>
+                        </a:rPr>
+                        <a:t>투명한 적 생성 </a:t>
+                      </a:r>
+                      <a:endParaRPr lang="en-US" altLang="ko-KR" dirty="0">
+                        <a:solidFill>
+                          <a:srgbClr val="FF0000"/>
+                        </a:solidFill>
+                      </a:endParaRPr>
+                    </a:p>
+                    <a:p>
+                      <a:pPr algn="ctr" latinLnBrk="1"/>
+                      <a:r>
+                        <a:rPr lang="ko-KR" altLang="en-US" dirty="0">
+                          <a:solidFill>
+                            <a:schemeClr val="tx1"/>
+                          </a:solidFill>
+                        </a:rPr>
+                        <a:t>일반 적</a:t>
+                      </a:r>
+                      <a:r>
+                        <a:rPr lang="en-US" altLang="ko-KR" dirty="0">
+                          <a:solidFill>
+                            <a:schemeClr val="tx1"/>
+                          </a:solidFill>
+                        </a:rPr>
+                        <a:t>: 90 </a:t>
+                      </a:r>
+                      <a:r>
+                        <a:rPr lang="ko-KR" altLang="en-US" dirty="0">
+                          <a:solidFill>
+                            <a:schemeClr val="tx1"/>
+                          </a:solidFill>
+                        </a:rPr>
+                        <a:t>마리 </a:t>
+                      </a:r>
+                      <a:endParaRPr lang="en-US" altLang="ko-KR" dirty="0">
+                        <a:solidFill>
+                          <a:schemeClr val="tx1"/>
+                        </a:solidFill>
+                      </a:endParaRPr>
+                    </a:p>
+                    <a:p>
+                      <a:pPr algn="ctr" latinLnBrk="1"/>
+                      <a:r>
+                        <a:rPr lang="ko-KR" altLang="en-US" dirty="0">
+                          <a:solidFill>
+                            <a:schemeClr val="tx1"/>
+                          </a:solidFill>
+                        </a:rPr>
+                        <a:t>투명한 적</a:t>
+                      </a:r>
+                      <a:r>
+                        <a:rPr lang="en-US" altLang="ko-KR" dirty="0">
+                          <a:solidFill>
+                            <a:schemeClr val="tx1"/>
+                          </a:solidFill>
+                        </a:rPr>
+                        <a:t>:10</a:t>
+                      </a:r>
+                      <a:r>
+                        <a:rPr lang="ko-KR" altLang="en-US" dirty="0">
+                          <a:solidFill>
+                            <a:schemeClr val="tx1"/>
+                          </a:solidFill>
+                        </a:rPr>
+                        <a:t>마리</a:t>
+                      </a:r>
+                    </a:p>
+                  </a:txBody>
+                  <a:tcPr>
+                    <a:lnL w="12700" cap="flat" cmpd="sng" algn="ctr">
+                      <a:solidFill>
+                        <a:schemeClr val="tx1"/>
+                      </a:solidFill>
+                      <a:prstDash val="solid"/>
+                      <a:round/>
+                      <a:headEnd type="none" w="med" len="med"/>
+                      <a:tailEnd type="none" w="med" len="med"/>
+                    </a:lnL>
+                    <a:lnR w="12700" cap="flat" cmpd="sng" algn="ctr">
+                      <a:solidFill>
+                        <a:schemeClr val="tx1"/>
+                      </a:solidFill>
+                      <a:prstDash val="solid"/>
+                      <a:round/>
+                      <a:headEnd type="none" w="med" len="med"/>
+                      <a:tailEnd type="none" w="med" len="med"/>
+                    </a:lnR>
+                    <a:lnT w="12700" cap="flat" cmpd="sng" algn="ctr">
+                      <a:solidFill>
+                        <a:schemeClr val="tx1"/>
+                      </a:solidFill>
+                      <a:prstDash val="solid"/>
+                      <a:round/>
+                      <a:headEnd type="none" w="med" len="med"/>
+                      <a:tailEnd type="none" w="med" len="med"/>
+                    </a:lnT>
+                    <a:lnB w="12700" cap="flat" cmpd="sng" algn="ctr">
+                      <a:solidFill>
+                        <a:schemeClr val="tx1"/>
+                      </a:solidFill>
+                      <a:prstDash val="solid"/>
+                      <a:round/>
+                      <a:headEnd type="none" w="med" len="med"/>
+                      <a:tailEnd type="none" w="med" len="med"/>
+                    </a:lnB>
+                  </a:tcPr>
+                </a:tc>
+                <a:extLst>
+                  <a:ext uri="{0D108BD9-81ED-4DB2-BD59-A6C34878D82A}">
+                    <a16:rowId xmlns:a16="http://schemas.microsoft.com/office/drawing/2014/main" val="3652526743"/>
+                  </a:ext>
+                </a:extLst>
+              </a:tr>
+              <a:tr h="837373">
+                <a:tc>
+                  <a:txBody>
+                    <a:bodyPr/>
+                    <a:lstStyle/>
+                    <a:p>
+                      <a:pPr algn="ctr" latinLnBrk="1"/>
+                      <a:endParaRPr lang="en-US" altLang="ko-KR" dirty="0">
+                        <a:solidFill>
+                          <a:schemeClr val="tx1"/>
+                        </a:solidFill>
+                      </a:endParaRPr>
+                    </a:p>
+                    <a:p>
+                      <a:pPr algn="ctr" latinLnBrk="1"/>
+                      <a:r>
+                        <a:rPr lang="en-US" altLang="ko-KR" dirty="0">
+                          <a:solidFill>
+                            <a:schemeClr val="tx1"/>
+                          </a:solidFill>
+                        </a:rPr>
+                        <a:t>4</a:t>
+                      </a:r>
+                      <a:endParaRPr lang="ko-KR" altLang="en-US" dirty="0">
+                        <a:solidFill>
+                          <a:schemeClr val="tx1"/>
+                        </a:solidFill>
+                      </a:endParaRPr>
+                    </a:p>
+                  </a:txBody>
+                  <a:tcPr>
+                    <a:lnL w="12700" cap="flat" cmpd="sng" algn="ctr">
+                      <a:solidFill>
+                        <a:schemeClr val="tx1"/>
+                      </a:solidFill>
+                      <a:prstDash val="solid"/>
+                      <a:round/>
+                      <a:headEnd type="none" w="med" len="med"/>
+                      <a:tailEnd type="none" w="med" len="med"/>
+                    </a:lnL>
+                    <a:lnR w="12700" cap="flat" cmpd="sng" algn="ctr">
+                      <a:solidFill>
+                        <a:schemeClr val="tx1"/>
+                      </a:solidFill>
+                      <a:prstDash val="solid"/>
+                      <a:round/>
+                      <a:headEnd type="none" w="med" len="med"/>
+                      <a:tailEnd type="none" w="med" len="med"/>
+                    </a:lnR>
+                    <a:lnT w="12700" cap="flat" cmpd="sng" algn="ctr">
+                      <a:solidFill>
+                        <a:schemeClr val="tx1"/>
+                      </a:solidFill>
+                      <a:prstDash val="solid"/>
+                      <a:round/>
+                      <a:headEnd type="none" w="med" len="med"/>
+                      <a:tailEnd type="none" w="med" len="med"/>
+                    </a:lnT>
+                    <a:lnB w="12700" cap="flat" cmpd="sng" algn="ctr">
+                      <a:solidFill>
+                        <a:schemeClr val="tx1"/>
+                      </a:solidFill>
+                      <a:prstDash val="solid"/>
+                      <a:round/>
+                      <a:headEnd type="none" w="med" len="med"/>
+                      <a:tailEnd type="none" w="med" len="med"/>
+                    </a:lnB>
+                  </a:tcPr>
+                </a:tc>
+                <a:tc>
+                  <a:txBody>
+                    <a:bodyPr/>
+                    <a:lstStyle/>
+                    <a:p>
+                      <a:pPr algn="ctr" latinLnBrk="1"/>
+                      <a:endParaRPr lang="en-US" altLang="ko-KR" dirty="0">
+                        <a:solidFill>
+                          <a:schemeClr val="tx1"/>
+                        </a:solidFill>
+                      </a:endParaRPr>
+                    </a:p>
+                    <a:p>
+                      <a:pPr algn="ctr" latinLnBrk="1"/>
+                      <a:r>
+                        <a:rPr lang="en-US" altLang="ko-KR" dirty="0">
+                          <a:solidFill>
+                            <a:schemeClr val="tx1"/>
+                          </a:solidFill>
+                        </a:rPr>
+                        <a:t>100</a:t>
+                      </a:r>
+                      <a:endParaRPr lang="ko-KR" altLang="en-US" dirty="0">
+                        <a:solidFill>
+                          <a:schemeClr val="tx1"/>
+                        </a:solidFill>
+                      </a:endParaRPr>
+                    </a:p>
+                  </a:txBody>
+                  <a:tcPr>
+                    <a:lnL w="12700" cap="flat" cmpd="sng" algn="ctr">
+                      <a:solidFill>
+                        <a:schemeClr val="tx1"/>
+                      </a:solidFill>
+                      <a:prstDash val="solid"/>
+                      <a:round/>
+                      <a:headEnd type="none" w="med" len="med"/>
+                      <a:tailEnd type="none" w="med" len="med"/>
+                    </a:lnL>
+                    <a:lnR w="12700" cap="flat" cmpd="sng" algn="ctr">
+                      <a:solidFill>
+                        <a:schemeClr val="tx1"/>
+                      </a:solidFill>
+                      <a:prstDash val="solid"/>
+                      <a:round/>
+                      <a:headEnd type="none" w="med" len="med"/>
+                      <a:tailEnd type="none" w="med" len="med"/>
+                    </a:lnR>
+                    <a:lnT w="12700" cap="flat" cmpd="sng" algn="ctr">
+                      <a:solidFill>
+                        <a:schemeClr val="tx1"/>
+                      </a:solidFill>
+                      <a:prstDash val="solid"/>
+                      <a:round/>
+                      <a:headEnd type="none" w="med" len="med"/>
+                      <a:tailEnd type="none" w="med" len="med"/>
+                    </a:lnT>
+                    <a:lnB w="12700" cap="flat" cmpd="sng" algn="ctr">
+                      <a:solidFill>
+                        <a:schemeClr val="tx1"/>
+                      </a:solidFill>
+                      <a:prstDash val="solid"/>
+                      <a:round/>
+                      <a:headEnd type="none" w="med" len="med"/>
+                      <a:tailEnd type="none" w="med" len="med"/>
+                    </a:lnB>
+                  </a:tcPr>
+                </a:tc>
+                <a:tc>
+                  <a:txBody>
+                    <a:bodyPr/>
+                    <a:lstStyle/>
+                    <a:p>
+                      <a:pPr marL="0" marR="0" lvl="0" indent="0" algn="ctr" defTabSz="914400" rtl="0" eaLnBrk="1" fontAlgn="auto" latinLnBrk="1" hangingPunct="1">
+                        <a:lnSpc>
+                          <a:spcPct val="100000"/>
+                        </a:lnSpc>
+                        <a:spcBef>
+                          <a:spcPts val="0"/>
+                        </a:spcBef>
+                        <a:spcAft>
+                          <a:spcPts val="0"/>
+                        </a:spcAft>
+                        <a:buClrTx/>
+                        <a:buSzTx/>
+                        <a:buFontTx/>
+                        <a:buNone/>
+                        <a:tabLst/>
+                        <a:defRPr/>
+                      </a:pPr>
+                      <a:r>
+                        <a:rPr lang="ko-KR" altLang="en-US" dirty="0">
+                          <a:solidFill>
+                            <a:schemeClr val="tx1"/>
+                          </a:solidFill>
+                        </a:rPr>
+                        <a:t>일반 적</a:t>
+                      </a:r>
+                      <a:r>
+                        <a:rPr lang="en-US" altLang="ko-KR" dirty="0">
+                          <a:solidFill>
+                            <a:schemeClr val="tx1"/>
+                          </a:solidFill>
+                        </a:rPr>
+                        <a:t>: 70 </a:t>
+                      </a:r>
+                      <a:r>
+                        <a:rPr lang="ko-KR" altLang="en-US" dirty="0">
+                          <a:solidFill>
+                            <a:schemeClr val="tx1"/>
+                          </a:solidFill>
+                        </a:rPr>
+                        <a:t>마리</a:t>
+                      </a:r>
+                      <a:endParaRPr lang="en-US" altLang="ko-KR" dirty="0">
+                        <a:solidFill>
+                          <a:schemeClr val="tx1"/>
+                        </a:solidFill>
+                      </a:endParaRPr>
+                    </a:p>
+                    <a:p>
+                      <a:pPr marL="0" marR="0" lvl="0" indent="0" algn="ctr" defTabSz="914400" rtl="0" eaLnBrk="1" fontAlgn="auto" latinLnBrk="1" hangingPunct="1">
+                        <a:lnSpc>
+                          <a:spcPct val="100000"/>
+                        </a:lnSpc>
+                        <a:spcBef>
+                          <a:spcPts val="0"/>
+                        </a:spcBef>
+                        <a:spcAft>
+                          <a:spcPts val="0"/>
+                        </a:spcAft>
+                        <a:buClrTx/>
+                        <a:buSzTx/>
+                        <a:buFontTx/>
+                        <a:buNone/>
+                        <a:tabLst/>
+                        <a:defRPr/>
+                      </a:pPr>
+                      <a:r>
+                        <a:rPr lang="ko-KR" altLang="en-US" dirty="0">
+                          <a:solidFill>
+                            <a:schemeClr val="tx1"/>
+                          </a:solidFill>
+                        </a:rPr>
+                        <a:t>투명한 적</a:t>
+                      </a:r>
+                      <a:r>
+                        <a:rPr lang="en-US" altLang="ko-KR" dirty="0">
+                          <a:solidFill>
+                            <a:schemeClr val="tx1"/>
+                          </a:solidFill>
+                        </a:rPr>
+                        <a:t>:30</a:t>
+                      </a:r>
+                      <a:r>
+                        <a:rPr lang="ko-KR" altLang="en-US" dirty="0">
+                          <a:solidFill>
+                            <a:schemeClr val="tx1"/>
+                          </a:solidFill>
+                        </a:rPr>
+                        <a:t>마리</a:t>
+                      </a:r>
+                    </a:p>
+                    <a:p>
+                      <a:pPr algn="ctr" latinLnBrk="1"/>
+                      <a:endParaRPr lang="ko-KR" altLang="en-US" dirty="0">
+                        <a:solidFill>
+                          <a:schemeClr val="tx1"/>
+                        </a:solidFill>
+                      </a:endParaRPr>
+                    </a:p>
+                  </a:txBody>
+                  <a:tcPr>
+                    <a:lnL w="12700" cap="flat" cmpd="sng" algn="ctr">
+                      <a:solidFill>
+                        <a:schemeClr val="tx1"/>
+                      </a:solidFill>
+                      <a:prstDash val="solid"/>
+                      <a:round/>
+                      <a:headEnd type="none" w="med" len="med"/>
+                      <a:tailEnd type="none" w="med" len="med"/>
+                    </a:lnL>
+                    <a:lnR w="12700" cap="flat" cmpd="sng" algn="ctr">
+                      <a:solidFill>
+                        <a:schemeClr val="tx1"/>
+                      </a:solidFill>
+                      <a:prstDash val="solid"/>
+                      <a:round/>
+                      <a:headEnd type="none" w="med" len="med"/>
+                      <a:tailEnd type="none" w="med" len="med"/>
+                    </a:lnR>
+                    <a:lnT w="12700" cap="flat" cmpd="sng" algn="ctr">
+                      <a:solidFill>
+                        <a:schemeClr val="tx1"/>
+                      </a:solidFill>
+                      <a:prstDash val="solid"/>
+                      <a:round/>
+                      <a:headEnd type="none" w="med" len="med"/>
+                      <a:tailEnd type="none" w="med" len="med"/>
+                    </a:lnT>
+                    <a:lnB w="12700" cap="flat" cmpd="sng" algn="ctr">
+                      <a:solidFill>
+                        <a:schemeClr val="tx1"/>
+                      </a:solidFill>
+                      <a:prstDash val="solid"/>
+                      <a:round/>
+                      <a:headEnd type="none" w="med" len="med"/>
+                      <a:tailEnd type="none" w="med" len="med"/>
+                    </a:lnB>
+                  </a:tcPr>
+                </a:tc>
+                <a:extLst>
+                  <a:ext uri="{0D108BD9-81ED-4DB2-BD59-A6C34878D82A}">
+                    <a16:rowId xmlns:a16="http://schemas.microsoft.com/office/drawing/2014/main" val="2543652294"/>
+                  </a:ext>
+                </a:extLst>
+              </a:tr>
+              <a:tr h="856468">
+                <a:tc>
+                  <a:txBody>
+                    <a:bodyPr/>
+                    <a:lstStyle/>
+                    <a:p>
+                      <a:pPr algn="ctr" latinLnBrk="1"/>
+                      <a:endParaRPr lang="en-US" altLang="ko-KR" dirty="0">
+                        <a:solidFill>
+                          <a:schemeClr val="tx1"/>
+                        </a:solidFill>
+                      </a:endParaRPr>
+                    </a:p>
+                    <a:p>
+                      <a:pPr algn="ctr" latinLnBrk="1"/>
+                      <a:r>
+                        <a:rPr lang="en-US" altLang="ko-KR" dirty="0">
+                          <a:solidFill>
+                            <a:schemeClr val="tx1"/>
+                          </a:solidFill>
+                        </a:rPr>
+                        <a:t>5</a:t>
+                      </a:r>
+                      <a:endParaRPr lang="ko-KR" altLang="en-US" dirty="0">
+                        <a:solidFill>
+                          <a:schemeClr val="tx1"/>
+                        </a:solidFill>
+                      </a:endParaRPr>
+                    </a:p>
+                  </a:txBody>
+                  <a:tcPr>
+                    <a:lnL w="12700" cap="flat" cmpd="sng" algn="ctr">
+                      <a:solidFill>
+                        <a:schemeClr val="tx1"/>
+                      </a:solidFill>
+                      <a:prstDash val="solid"/>
+                      <a:round/>
+                      <a:headEnd type="none" w="med" len="med"/>
+                      <a:tailEnd type="none" w="med" len="med"/>
+                    </a:lnL>
+                    <a:lnR w="12700" cap="flat" cmpd="sng" algn="ctr">
+                      <a:solidFill>
+                        <a:schemeClr val="tx1"/>
+                      </a:solidFill>
+                      <a:prstDash val="solid"/>
+                      <a:round/>
+                      <a:headEnd type="none" w="med" len="med"/>
+                      <a:tailEnd type="none" w="med" len="med"/>
+                    </a:lnR>
+                    <a:lnT w="12700" cap="flat" cmpd="sng" algn="ctr">
+                      <a:solidFill>
+                        <a:schemeClr val="tx1"/>
+                      </a:solidFill>
+                      <a:prstDash val="solid"/>
+                      <a:round/>
+                      <a:headEnd type="none" w="med" len="med"/>
+                      <a:tailEnd type="none" w="med" len="med"/>
+                    </a:lnT>
+                    <a:lnB w="12700" cap="flat" cmpd="sng" algn="ctr">
+                      <a:solidFill>
+                        <a:schemeClr val="tx1"/>
+                      </a:solidFill>
+                      <a:prstDash val="solid"/>
+                      <a:round/>
+                      <a:headEnd type="none" w="med" len="med"/>
+                      <a:tailEnd type="none" w="med" len="med"/>
+                    </a:lnB>
+                  </a:tcPr>
+                </a:tc>
+                <a:tc>
+                  <a:txBody>
+                    <a:bodyPr/>
+                    <a:lstStyle/>
+                    <a:p>
+                      <a:pPr algn="ctr" latinLnBrk="1"/>
+                      <a:endParaRPr lang="en-US" altLang="ko-KR" dirty="0">
+                        <a:solidFill>
+                          <a:schemeClr val="tx1"/>
+                        </a:solidFill>
+                      </a:endParaRPr>
+                    </a:p>
+                    <a:p>
+                      <a:pPr algn="ctr" latinLnBrk="1"/>
+                      <a:r>
+                        <a:rPr lang="en-US" altLang="ko-KR" dirty="0">
+                          <a:solidFill>
+                            <a:schemeClr val="tx1"/>
+                          </a:solidFill>
+                        </a:rPr>
+                        <a:t>200</a:t>
+                      </a:r>
+                      <a:endParaRPr lang="ko-KR" altLang="en-US" dirty="0">
+                        <a:solidFill>
+                          <a:schemeClr val="tx1"/>
+                        </a:solidFill>
+                      </a:endParaRPr>
+                    </a:p>
+                  </a:txBody>
+                  <a:tcPr>
+                    <a:lnL w="12700" cap="flat" cmpd="sng" algn="ctr">
+                      <a:solidFill>
+                        <a:schemeClr val="tx1"/>
+                      </a:solidFill>
+                      <a:prstDash val="solid"/>
+                      <a:round/>
+                      <a:headEnd type="none" w="med" len="med"/>
+                      <a:tailEnd type="none" w="med" len="med"/>
+                    </a:lnL>
+                    <a:lnR w="12700" cap="flat" cmpd="sng" algn="ctr">
+                      <a:solidFill>
+                        <a:schemeClr val="tx1"/>
+                      </a:solidFill>
+                      <a:prstDash val="solid"/>
+                      <a:round/>
+                      <a:headEnd type="none" w="med" len="med"/>
+                      <a:tailEnd type="none" w="med" len="med"/>
+                    </a:lnR>
+                    <a:lnT w="12700" cap="flat" cmpd="sng" algn="ctr">
+                      <a:solidFill>
+                        <a:schemeClr val="tx1"/>
+                      </a:solidFill>
+                      <a:prstDash val="solid"/>
+                      <a:round/>
+                      <a:headEnd type="none" w="med" len="med"/>
+                      <a:tailEnd type="none" w="med" len="med"/>
+                    </a:lnT>
+                    <a:lnB w="12700" cap="flat" cmpd="sng" algn="ctr">
+                      <a:solidFill>
+                        <a:schemeClr val="tx1"/>
+                      </a:solidFill>
+                      <a:prstDash val="solid"/>
+                      <a:round/>
+                      <a:headEnd type="none" w="med" len="med"/>
+                      <a:tailEnd type="none" w="med" len="med"/>
+                    </a:lnB>
+                  </a:tcPr>
+                </a:tc>
+                <a:tc>
+                  <a:txBody>
+                    <a:bodyPr/>
+                    <a:lstStyle/>
+                    <a:p>
+                      <a:pPr marL="0" marR="0" lvl="0" indent="0" algn="ctr" defTabSz="914400" rtl="0" eaLnBrk="1" fontAlgn="auto" latinLnBrk="1" hangingPunct="1">
+                        <a:lnSpc>
+                          <a:spcPct val="100000"/>
+                        </a:lnSpc>
+                        <a:spcBef>
+                          <a:spcPts val="0"/>
+                        </a:spcBef>
+                        <a:spcAft>
+                          <a:spcPts val="0"/>
+                        </a:spcAft>
+                        <a:buClrTx/>
+                        <a:buSzTx/>
+                        <a:buFontTx/>
+                        <a:buNone/>
+                        <a:tabLst/>
+                        <a:defRPr/>
+                      </a:pPr>
+                      <a:r>
+                        <a:rPr lang="ko-KR" altLang="en-US" dirty="0">
+                          <a:solidFill>
+                            <a:schemeClr val="tx1"/>
+                          </a:solidFill>
+                        </a:rPr>
+                        <a:t>일반 적</a:t>
+                      </a:r>
+                      <a:r>
+                        <a:rPr lang="en-US" altLang="ko-KR" dirty="0">
+                          <a:solidFill>
+                            <a:schemeClr val="tx1"/>
+                          </a:solidFill>
+                        </a:rPr>
+                        <a:t>: 100 </a:t>
+                      </a:r>
+                      <a:r>
+                        <a:rPr lang="ko-KR" altLang="en-US" dirty="0">
+                          <a:solidFill>
+                            <a:schemeClr val="tx1"/>
+                          </a:solidFill>
+                        </a:rPr>
+                        <a:t>마리 </a:t>
+                      </a:r>
+                      <a:endParaRPr lang="en-US" altLang="ko-KR" dirty="0">
+                        <a:solidFill>
+                          <a:schemeClr val="tx1"/>
+                        </a:solidFill>
+                      </a:endParaRPr>
+                    </a:p>
+                    <a:p>
+                      <a:pPr marL="0" marR="0" lvl="0" indent="0" algn="ctr" defTabSz="914400" rtl="0" eaLnBrk="1" fontAlgn="auto" latinLnBrk="1" hangingPunct="1">
+                        <a:lnSpc>
+                          <a:spcPct val="100000"/>
+                        </a:lnSpc>
+                        <a:spcBef>
+                          <a:spcPts val="0"/>
+                        </a:spcBef>
+                        <a:spcAft>
+                          <a:spcPts val="0"/>
+                        </a:spcAft>
+                        <a:buClrTx/>
+                        <a:buSzTx/>
+                        <a:buFontTx/>
+                        <a:buNone/>
+                        <a:tabLst/>
+                        <a:defRPr/>
+                      </a:pPr>
+                      <a:r>
+                        <a:rPr lang="ko-KR" altLang="en-US" dirty="0">
+                          <a:solidFill>
+                            <a:schemeClr val="tx1"/>
+                          </a:solidFill>
+                        </a:rPr>
+                        <a:t>투명한 적</a:t>
+                      </a:r>
+                      <a:r>
+                        <a:rPr lang="en-US" altLang="ko-KR" dirty="0">
+                          <a:solidFill>
+                            <a:schemeClr val="tx1"/>
+                          </a:solidFill>
+                        </a:rPr>
+                        <a:t>:100</a:t>
+                      </a:r>
+                      <a:r>
+                        <a:rPr lang="ko-KR" altLang="en-US" dirty="0">
+                          <a:solidFill>
+                            <a:schemeClr val="tx1"/>
+                          </a:solidFill>
+                        </a:rPr>
+                        <a:t>마리</a:t>
+                      </a:r>
+                    </a:p>
+                    <a:p>
+                      <a:pPr algn="ctr" latinLnBrk="1"/>
+                      <a:endParaRPr lang="ko-KR" altLang="en-US" dirty="0">
+                        <a:solidFill>
+                          <a:schemeClr val="tx1"/>
+                        </a:solidFill>
+                      </a:endParaRPr>
+                    </a:p>
+                  </a:txBody>
+                  <a:tcPr>
+                    <a:lnL w="12700" cap="flat" cmpd="sng" algn="ctr">
+                      <a:solidFill>
+                        <a:schemeClr val="tx1"/>
+                      </a:solidFill>
+                      <a:prstDash val="solid"/>
+                      <a:round/>
+                      <a:headEnd type="none" w="med" len="med"/>
+                      <a:tailEnd type="none" w="med" len="med"/>
+                    </a:lnL>
+                    <a:lnR w="12700" cap="flat" cmpd="sng" algn="ctr">
+                      <a:solidFill>
+                        <a:schemeClr val="tx1"/>
+                      </a:solidFill>
+                      <a:prstDash val="solid"/>
+                      <a:round/>
+                      <a:headEnd type="none" w="med" len="med"/>
+                      <a:tailEnd type="none" w="med" len="med"/>
+                    </a:lnR>
+                    <a:lnT w="12700" cap="flat" cmpd="sng" algn="ctr">
+                      <a:solidFill>
+                        <a:schemeClr val="tx1"/>
+                      </a:solidFill>
+                      <a:prstDash val="solid"/>
+                      <a:round/>
+                      <a:headEnd type="none" w="med" len="med"/>
+                      <a:tailEnd type="none" w="med" len="med"/>
+                    </a:lnT>
+                    <a:lnB w="12700" cap="flat" cmpd="sng" algn="ctr">
+                      <a:solidFill>
+                        <a:schemeClr val="tx1"/>
+                      </a:solidFill>
+                      <a:prstDash val="solid"/>
+                      <a:round/>
+                      <a:headEnd type="none" w="med" len="med"/>
+                      <a:tailEnd type="none" w="med" len="med"/>
+                    </a:lnB>
+                  </a:tcPr>
+                </a:tc>
+                <a:extLst>
+                  <a:ext uri="{0D108BD9-81ED-4DB2-BD59-A6C34878D82A}">
+                    <a16:rowId xmlns:a16="http://schemas.microsoft.com/office/drawing/2014/main" val="3258854862"/>
+                  </a:ext>
+                </a:extLst>
+              </a:tr>
+            </a:tbl>
+          </a:graphicData>
+        </a:graphic>
+      </p:graphicFrame>
+      <p:sp>
+        <p:nvSpPr>
+          <p:cNvPr id="8" name="TextBox 7">
+            <a:extLst>
+              <a:ext uri="{FF2B5EF4-FFF2-40B4-BE49-F238E27FC236}">
+                <a16:creationId xmlns:a16="http://schemas.microsoft.com/office/drawing/2014/main" id="{3AAAF055-A774-BE1B-8DC9-886545AD8E0E}"/>
+              </a:ext>
+            </a:extLst>
+          </p:cNvPr>
+          <p:cNvSpPr txBox="1"/>
+          <p:nvPr/>
+        </p:nvSpPr>
+        <p:spPr>
+          <a:xfrm>
+            <a:off x="482090" y="1972161"/>
+            <a:ext cx="1966885" cy="461665"/>
+          </a:xfrm>
+          <a:prstGeom prst="rect">
+            <a:avLst/>
+          </a:prstGeom>
+          <a:noFill/>
+        </p:spPr>
+        <p:txBody>
+          <a:bodyPr wrap="none" rtlCol="0">
+            <a:spAutoFit/>
+          </a:bodyPr>
+          <a:lstStyle/>
+          <a:p>
+            <a:r>
+              <a:rPr lang="en-US" altLang="ko-KR" sz="2400" u="sng" dirty="0"/>
+              <a:t>1wave = 2</a:t>
+            </a:r>
+            <a:r>
+              <a:rPr lang="ko-KR" altLang="en-US" sz="2400" u="sng" dirty="0"/>
+              <a:t>분</a:t>
+            </a:r>
+          </a:p>
+        </p:txBody>
+      </p:sp>
+    </p:spTree>
+    <p:extLst>
+      <p:ext uri="{BB962C8B-B14F-4D97-AF65-F5344CB8AC3E}">
+        <p14:creationId xmlns:p14="http://schemas.microsoft.com/office/powerpoint/2010/main" val="843330213"/>
       </p:ext>
     </p:extLst>
   </p:cSld>

--- a/기획서/Colony_ppt발표.pptx
+++ b/기획서/Colony_ppt발표.pptx
@@ -4934,51 +4934,21 @@
           </a:p>
         </p:txBody>
       </p:sp>
-      <p:pic>
-        <p:nvPicPr>
-          <p:cNvPr id="3" name="그림 2" descr="만화 영화, 스크린샷이(가) 표시된 사진&#10;&#10;자동 생성된 설명">
-            <a:extLst>
-              <a:ext uri="{FF2B5EF4-FFF2-40B4-BE49-F238E27FC236}">
-                <a16:creationId xmlns:a16="http://schemas.microsoft.com/office/drawing/2014/main" id="{4C8D2D37-CF5E-B0D4-457B-0544EC57F4AD}"/>
-              </a:ext>
-            </a:extLst>
-          </p:cNvPr>
-          <p:cNvPicPr>
-            <a:picLocks noChangeAspect="1"/>
-          </p:cNvPicPr>
+      <p:sp>
+        <p:nvSpPr>
+          <p:cNvPr id="4" name="TextBox 3">
+            <a:extLst>
+              <a:ext uri="{FF2B5EF4-FFF2-40B4-BE49-F238E27FC236}">
+                <a16:creationId xmlns:a16="http://schemas.microsoft.com/office/drawing/2014/main" id="{7F124E2F-2A47-C259-EA7B-DC1649091969}"/>
+              </a:ext>
+            </a:extLst>
+          </p:cNvPr>
+          <p:cNvSpPr txBox="1"/>
           <p:nvPr/>
-        </p:nvPicPr>
-        <p:blipFill>
-          <a:blip r:embed="rId2"/>
-          <a:stretch>
-            <a:fillRect/>
-          </a:stretch>
-        </p:blipFill>
+        </p:nvSpPr>
         <p:spPr>
           <a:xfrm>
-            <a:off x="6199518" y="2093189"/>
-            <a:ext cx="2604240" cy="2553249"/>
-          </a:xfrm>
-          <a:prstGeom prst="rect">
-            <a:avLst/>
-          </a:prstGeom>
-        </p:spPr>
-      </p:pic>
-      <p:sp>
-        <p:nvSpPr>
-          <p:cNvPr id="4" name="TextBox 3">
-            <a:extLst>
-              <a:ext uri="{FF2B5EF4-FFF2-40B4-BE49-F238E27FC236}">
-                <a16:creationId xmlns:a16="http://schemas.microsoft.com/office/drawing/2014/main" id="{7F124E2F-2A47-C259-EA7B-DC1649091969}"/>
-              </a:ext>
-            </a:extLst>
-          </p:cNvPr>
-          <p:cNvSpPr txBox="1"/>
-          <p:nvPr/>
-        </p:nvSpPr>
-        <p:spPr>
-          <a:xfrm>
-            <a:off x="6312195" y="4970803"/>
+            <a:off x="6931556" y="5107829"/>
             <a:ext cx="5110716" cy="1015663"/>
           </a:xfrm>
           <a:prstGeom prst="rect">
@@ -5187,7 +5157,7 @@
           <p:nvPr/>
         </p:nvPicPr>
         <p:blipFill>
-          <a:blip r:embed="rId3"/>
+          <a:blip r:embed="rId2"/>
           <a:stretch>
             <a:fillRect/>
           </a:stretch>
@@ -5202,6 +5172,216 @@
           </a:prstGeom>
         </p:spPr>
       </p:pic>
+      <p:pic>
+        <p:nvPicPr>
+          <p:cNvPr id="17" name="그림 16" descr="스케치, 그림, 만화 영화, 예술이(가) 표시된 사진&#10;&#10;자동 생성된 설명">
+            <a:extLst>
+              <a:ext uri="{FF2B5EF4-FFF2-40B4-BE49-F238E27FC236}">
+                <a16:creationId xmlns:a16="http://schemas.microsoft.com/office/drawing/2014/main" id="{51E7F1C3-7650-DDE2-C5E1-5F9431C84B6F}"/>
+              </a:ext>
+            </a:extLst>
+          </p:cNvPr>
+          <p:cNvPicPr>
+            <a:picLocks noChangeAspect="1"/>
+          </p:cNvPicPr>
+          <p:nvPr/>
+        </p:nvPicPr>
+        <p:blipFill>
+          <a:blip r:embed="rId3">
+            <a:extLst>
+              <a:ext uri="{28A0092B-C50C-407E-A947-70E740481C1C}">
+                <a14:useLocalDpi xmlns:a14="http://schemas.microsoft.com/office/drawing/2010/main" val="0"/>
+              </a:ext>
+            </a:extLst>
+          </a:blip>
+          <a:stretch>
+            <a:fillRect/>
+          </a:stretch>
+        </p:blipFill>
+        <p:spPr>
+          <a:xfrm>
+            <a:off x="6021901" y="2093189"/>
+            <a:ext cx="2535683" cy="2535683"/>
+          </a:xfrm>
+          <a:prstGeom prst="rect">
+            <a:avLst/>
+          </a:prstGeom>
+        </p:spPr>
+      </p:pic>
+      <p:pic>
+        <p:nvPicPr>
+          <p:cNvPr id="20" name="그림 19" descr="만화 영화, 스케치, 용, 예술이(가) 표시된 사진&#10;&#10;자동 생성된 설명">
+            <a:extLst>
+              <a:ext uri="{FF2B5EF4-FFF2-40B4-BE49-F238E27FC236}">
+                <a16:creationId xmlns:a16="http://schemas.microsoft.com/office/drawing/2014/main" id="{58A74819-F8A3-5C12-3E99-196879F62C2C}"/>
+              </a:ext>
+            </a:extLst>
+          </p:cNvPr>
+          <p:cNvPicPr>
+            <a:picLocks noChangeAspect="1"/>
+          </p:cNvPicPr>
+          <p:nvPr/>
+        </p:nvPicPr>
+        <p:blipFill>
+          <a:blip r:embed="rId4">
+            <a:alphaModFix amt="24000"/>
+            <a:extLst>
+              <a:ext uri="{28A0092B-C50C-407E-A947-70E740481C1C}">
+                <a14:useLocalDpi xmlns:a14="http://schemas.microsoft.com/office/drawing/2010/main" val="0"/>
+              </a:ext>
+            </a:extLst>
+          </a:blip>
+          <a:stretch>
+            <a:fillRect/>
+          </a:stretch>
+        </p:blipFill>
+        <p:spPr>
+          <a:xfrm>
+            <a:off x="9201633" y="1992711"/>
+            <a:ext cx="2636161" cy="2636161"/>
+          </a:xfrm>
+          <a:prstGeom prst="rect">
+            <a:avLst/>
+          </a:prstGeom>
+        </p:spPr>
+      </p:pic>
+      <p:sp>
+        <p:nvSpPr>
+          <p:cNvPr id="21" name="TextBox 20">
+            <a:extLst>
+              <a:ext uri="{FF2B5EF4-FFF2-40B4-BE49-F238E27FC236}">
+                <a16:creationId xmlns:a16="http://schemas.microsoft.com/office/drawing/2014/main" id="{36D94A7E-D3C9-83E6-BBEC-57709B717CD6}"/>
+              </a:ext>
+            </a:extLst>
+          </p:cNvPr>
+          <p:cNvSpPr txBox="1"/>
+          <p:nvPr/>
+        </p:nvSpPr>
+        <p:spPr>
+          <a:xfrm>
+            <a:off x="5910077" y="1933950"/>
+            <a:ext cx="1646127" cy="400110"/>
+          </a:xfrm>
+          <a:prstGeom prst="rect">
+            <a:avLst/>
+          </a:prstGeom>
+          <a:noFill/>
+        </p:spPr>
+        <p:txBody>
+          <a:bodyPr wrap="square" rtlCol="0">
+            <a:spAutoFit/>
+          </a:bodyPr>
+          <a:lstStyle/>
+          <a:p>
+            <a:r>
+              <a:rPr lang="ko-KR" altLang="en-US" sz="2000" dirty="0">
+                <a:latin typeface="조선가는고딕" panose="02030504000101010101" pitchFamily="18" charset="-127"/>
+                <a:ea typeface="조선가는고딕" panose="02030504000101010101" pitchFamily="18" charset="-127"/>
+                <a:cs typeface="KoPubWorld돋움체 Light" panose="00000300000000000000" pitchFamily="2" charset="-127"/>
+              </a:rPr>
+              <a:t>일반 몬스터</a:t>
+            </a:r>
+            <a:endParaRPr lang="en-US" altLang="ko-KR" sz="2000" dirty="0">
+              <a:latin typeface="조선가는고딕" panose="02030504000101010101" pitchFamily="18" charset="-127"/>
+              <a:ea typeface="조선가는고딕" panose="02030504000101010101" pitchFamily="18" charset="-127"/>
+              <a:cs typeface="KoPubWorld돋움체 Light" panose="00000300000000000000" pitchFamily="2" charset="-127"/>
+            </a:endParaRPr>
+          </a:p>
+        </p:txBody>
+      </p:sp>
+      <p:sp>
+        <p:nvSpPr>
+          <p:cNvPr id="25" name="TextBox 24">
+            <a:extLst>
+              <a:ext uri="{FF2B5EF4-FFF2-40B4-BE49-F238E27FC236}">
+                <a16:creationId xmlns:a16="http://schemas.microsoft.com/office/drawing/2014/main" id="{8DCEE532-105F-E9D5-0808-FAE9C6742C26}"/>
+              </a:ext>
+            </a:extLst>
+          </p:cNvPr>
+          <p:cNvSpPr txBox="1"/>
+          <p:nvPr/>
+        </p:nvSpPr>
+        <p:spPr>
+          <a:xfrm>
+            <a:off x="9099487" y="1933950"/>
+            <a:ext cx="1646127" cy="400110"/>
+          </a:xfrm>
+          <a:prstGeom prst="rect">
+            <a:avLst/>
+          </a:prstGeom>
+          <a:noFill/>
+        </p:spPr>
+        <p:txBody>
+          <a:bodyPr wrap="square" rtlCol="0">
+            <a:spAutoFit/>
+          </a:bodyPr>
+          <a:lstStyle/>
+          <a:p>
+            <a:r>
+              <a:rPr lang="ko-KR" altLang="en-US" sz="2000" dirty="0">
+                <a:latin typeface="조선가는고딕" panose="02030504000101010101" pitchFamily="18" charset="-127"/>
+                <a:ea typeface="조선가는고딕" panose="02030504000101010101" pitchFamily="18" charset="-127"/>
+                <a:cs typeface="KoPubWorld돋움체 Light" panose="00000300000000000000" pitchFamily="2" charset="-127"/>
+              </a:rPr>
+              <a:t>투명 몬스터</a:t>
+            </a:r>
+            <a:endParaRPr lang="en-US" altLang="ko-KR" sz="2000" dirty="0">
+              <a:latin typeface="조선가는고딕" panose="02030504000101010101" pitchFamily="18" charset="-127"/>
+              <a:ea typeface="조선가는고딕" panose="02030504000101010101" pitchFamily="18" charset="-127"/>
+              <a:cs typeface="KoPubWorld돋움체 Light" panose="00000300000000000000" pitchFamily="2" charset="-127"/>
+            </a:endParaRPr>
+          </a:p>
+        </p:txBody>
+      </p:sp>
+      <p:sp>
+        <p:nvSpPr>
+          <p:cNvPr id="26" name="직사각형 25">
+            <a:extLst>
+              <a:ext uri="{FF2B5EF4-FFF2-40B4-BE49-F238E27FC236}">
+                <a16:creationId xmlns:a16="http://schemas.microsoft.com/office/drawing/2014/main" id="{EF01DD68-1C1E-4FBC-206F-D7CCD5B61692}"/>
+              </a:ext>
+            </a:extLst>
+          </p:cNvPr>
+          <p:cNvSpPr/>
+          <p:nvPr/>
+        </p:nvSpPr>
+        <p:spPr>
+          <a:xfrm>
+            <a:off x="8923980" y="1940896"/>
+            <a:ext cx="45719" cy="2595345"/>
+          </a:xfrm>
+          <a:prstGeom prst="rect">
+            <a:avLst/>
+          </a:prstGeom>
+          <a:ln/>
+        </p:spPr>
+        <p:style>
+          <a:lnRef idx="1">
+            <a:schemeClr val="dk1"/>
+          </a:lnRef>
+          <a:fillRef idx="3">
+            <a:schemeClr val="dk1"/>
+          </a:fillRef>
+          <a:effectRef idx="2">
+            <a:schemeClr val="dk1"/>
+          </a:effectRef>
+          <a:fontRef idx="minor">
+            <a:schemeClr val="lt1"/>
+          </a:fontRef>
+        </p:style>
+        <p:txBody>
+          <a:bodyPr rtlCol="0" anchor="ctr"/>
+          <a:lstStyle/>
+          <a:p>
+            <a:pPr algn="ctr"/>
+            <a:endParaRPr lang="ko-KR" altLang="en-US">
+              <a:solidFill>
+                <a:srgbClr val="00B0F0"/>
+              </a:solidFill>
+            </a:endParaRPr>
+          </a:p>
+        </p:txBody>
+      </p:sp>
     </p:spTree>
     <p:extLst>
       <p:ext uri="{BB962C8B-B14F-4D97-AF65-F5344CB8AC3E}">
@@ -11850,7 +12030,7 @@
           <p:nvPr>
             <p:extLst>
               <p:ext uri="{D42A27DB-BD31-4B8C-83A1-F6EECF244321}">
-                <p14:modId xmlns:p14="http://schemas.microsoft.com/office/powerpoint/2010/main" val="950853173"/>
+                <p14:modId xmlns:p14="http://schemas.microsoft.com/office/powerpoint/2010/main" val="2399676844"/>
               </p:ext>
             </p:extLst>
           </p:nvPr>
@@ -12407,7 +12587,7 @@
                     <a:lstStyle/>
                     <a:p>
                       <a:pPr latinLnBrk="1"/>
-                      <a:endParaRPr lang="ko-KR" altLang="en-US" sz="1000">
+                      <a:endParaRPr lang="ko-KR" altLang="en-US" sz="1000" dirty="0">
                         <a:latin typeface="굴림" panose="020B0600000101010101" pitchFamily="50" charset="-127"/>
                         <a:ea typeface="굴림" panose="020B0600000101010101" pitchFamily="50" charset="-127"/>
                       </a:endParaRPr>
@@ -12492,7 +12672,7 @@
                           <a:latin typeface="굴림" panose="020B0600000101010101" pitchFamily="50" charset="-127"/>
                           <a:ea typeface="조선가는고딕" panose="02030504000101010101"/>
                         </a:rPr>
-                        <a:t>게임 객체</a:t>
+                        <a:t>모델 띄우기 </a:t>
                       </a:r>
                       <a:endParaRPr lang="en-US" altLang="ko-KR" sz="1300" b="1" baseline="0" dirty="0">
                         <a:solidFill>
@@ -12512,7 +12692,7 @@
                           <a:latin typeface="굴림" panose="020B0600000101010101" pitchFamily="50" charset="-127"/>
                           <a:ea typeface="조선가는고딕" panose="02030504000101010101"/>
                         </a:rPr>
-                        <a:t>띄우기</a:t>
+                        <a:t>및 애니메이션</a:t>
                       </a:r>
                     </a:p>
                   </a:txBody>
@@ -12672,9 +12852,30 @@
                           <a:solidFill>
                             <a:schemeClr val="bg1"/>
                           </a:solidFill>
+                          <a:latin typeface="굴림" panose="020B0600000101010101" pitchFamily="50" charset="-127"/>
                           <a:ea typeface="조선가는고딕" panose="02030504000101010101"/>
                         </a:rPr>
-                        <a:t>애니메이션</a:t>
+                        <a:t>플레이어 및 </a:t>
+                      </a:r>
+                      <a:r>
+                        <a:rPr lang="ko-KR" altLang="en-US" sz="1300" b="1" baseline="0" dirty="0" err="1">
+                          <a:solidFill>
+                            <a:schemeClr val="bg1"/>
+                          </a:solidFill>
+                          <a:latin typeface="굴림" panose="020B0600000101010101" pitchFamily="50" charset="-127"/>
+                          <a:ea typeface="조선가는고딕" panose="02030504000101010101"/>
+                        </a:rPr>
+                        <a:t>인게임</a:t>
+                      </a:r>
+                      <a:r>
+                        <a:rPr lang="ko-KR" altLang="en-US" sz="1300" b="1" baseline="0" dirty="0">
+                          <a:solidFill>
+                            <a:schemeClr val="bg1"/>
+                          </a:solidFill>
+                          <a:latin typeface="굴림" panose="020B0600000101010101" pitchFamily="50" charset="-127"/>
+                          <a:ea typeface="조선가는고딕" panose="02030504000101010101"/>
+                        </a:rPr>
+                        <a:t> 오브젝트 구현</a:t>
                       </a:r>
                       <a:endParaRPr lang="en-US" altLang="ko-KR" sz="1300" b="1" baseline="0" dirty="0">
                         <a:solidFill>
@@ -12837,39 +13038,25 @@
                     <a:p>
                       <a:pPr algn="ctr" latinLnBrk="1"/>
                       <a:r>
-                        <a:rPr lang="ko-KR" altLang="en-US" sz="1300" b="1" baseline="0" dirty="0" err="1">
+                        <a:rPr lang="en-US" altLang="ko-KR" sz="1300" b="1" baseline="0" dirty="0">
                           <a:solidFill>
                             <a:schemeClr val="bg1"/>
                           </a:solidFill>
+                          <a:latin typeface="굴림" panose="020B0600000101010101" pitchFamily="50" charset="-127"/>
                           <a:ea typeface="조선가는고딕" panose="02030504000101010101"/>
                         </a:rPr>
-                        <a:t>파티클</a:t>
+                        <a:t>UI, </a:t>
                       </a:r>
                       <a:r>
                         <a:rPr lang="ko-KR" altLang="en-US" sz="1300" b="1" baseline="0" dirty="0">
                           <a:solidFill>
                             <a:schemeClr val="bg1"/>
                           </a:solidFill>
+                          <a:latin typeface="굴림" panose="020B0600000101010101" pitchFamily="50" charset="-127"/>
                           <a:ea typeface="조선가는고딕" panose="02030504000101010101"/>
                         </a:rPr>
-                        <a:t> </a:t>
+                        <a:t>이펙트 적용</a:t>
                       </a:r>
-                      <a:r>
-                        <a:rPr lang="ko-KR" altLang="en-US" sz="1300" b="1" baseline="0" dirty="0" err="1">
-                          <a:solidFill>
-                            <a:schemeClr val="bg1"/>
-                          </a:solidFill>
-                          <a:ea typeface="조선가는고딕" panose="02030504000101010101"/>
-                        </a:rPr>
-                        <a:t>랜더링</a:t>
-                      </a:r>
-                      <a:endParaRPr lang="ko-KR" altLang="en-US" sz="1300" b="1" baseline="0" dirty="0">
-                        <a:solidFill>
-                          <a:schemeClr val="bg1"/>
-                        </a:solidFill>
-                        <a:latin typeface="굴림" panose="020B0600000101010101" pitchFamily="50" charset="-127"/>
-                        <a:ea typeface="조선가는고딕" panose="02030504000101010101"/>
-                      </a:endParaRPr>
                     </a:p>
                   </a:txBody>
                   <a:tcPr>
@@ -13002,7 +13189,23 @@
                     <a:bodyPr/>
                     <a:lstStyle/>
                     <a:p>
-                      <a:pPr algn="ctr" latinLnBrk="1"/>
+                      <a:pPr marL="0" marR="0" lvl="0" indent="0" algn="ctr" defTabSz="914400" rtl="0" eaLnBrk="1" fontAlgn="auto" latinLnBrk="1" hangingPunct="1">
+                        <a:lnSpc>
+                          <a:spcPct val="100000"/>
+                        </a:lnSpc>
+                        <a:spcBef>
+                          <a:spcPts val="0"/>
+                        </a:spcBef>
+                        <a:spcAft>
+                          <a:spcPts val="0"/>
+                        </a:spcAft>
+                        <a:buClrTx/>
+                        <a:buSzTx/>
+                        <a:buFontTx/>
+                        <a:buNone/>
+                        <a:tabLst/>
+                        <a:defRPr/>
+                      </a:pPr>
                       <a:r>
                         <a:rPr lang="ko-KR" altLang="en-US" sz="1300" b="1" baseline="0" dirty="0">
                           <a:solidFill>
@@ -13011,8 +13214,18 @@
                           <a:latin typeface="굴림" panose="020B0600000101010101" pitchFamily="50" charset="-127"/>
                           <a:ea typeface="조선가는고딕" panose="02030504000101010101"/>
                         </a:rPr>
-                        <a:t>그림자</a:t>
+                        <a:t>그림자 구현</a:t>
                       </a:r>
+                    </a:p>
+                    <a:p>
+                      <a:pPr algn="ctr" latinLnBrk="1"/>
+                      <a:endParaRPr lang="ko-KR" altLang="en-US" sz="1300" b="1" baseline="0" dirty="0">
+                        <a:solidFill>
+                          <a:schemeClr val="bg1"/>
+                        </a:solidFill>
+                        <a:latin typeface="굴림" panose="020B0600000101010101" pitchFamily="50" charset="-127"/>
+                        <a:ea typeface="조선가는고딕" panose="02030504000101010101"/>
+                      </a:endParaRPr>
                     </a:p>
                   </a:txBody>
                   <a:tcPr>
@@ -13147,6 +13360,16 @@
                     <a:p>
                       <a:pPr algn="ctr" latinLnBrk="1"/>
                       <a:r>
+                        <a:rPr lang="ko-KR" altLang="en-US" sz="1300" b="1" baseline="0" dirty="0">
+                          <a:solidFill>
+                            <a:schemeClr val="bg1"/>
+                          </a:solidFill>
+                          <a:latin typeface="굴림" panose="020B0600000101010101" pitchFamily="50" charset="-127"/>
+                          <a:ea typeface="조선가는고딕" panose="02030504000101010101"/>
+                        </a:rPr>
+                        <a:t>볼륨효과</a:t>
+                      </a:r>
+                      <a:r>
                         <a:rPr lang="en-US" altLang="ko-KR" sz="1300" b="1" baseline="0" dirty="0">
                           <a:solidFill>
                             <a:schemeClr val="bg1"/>
@@ -13154,9 +13377,19 @@
                           <a:latin typeface="굴림" panose="020B0600000101010101" pitchFamily="50" charset="-127"/>
                           <a:ea typeface="조선가는고딕" panose="02030504000101010101"/>
                         </a:rPr>
-                        <a:t>Ghost Trailer Effect</a:t>
+                        <a:t> </a:t>
                       </a:r>
-                      <a:endParaRPr lang="ko-KR" altLang="en-US" sz="1300" b="1" baseline="0" dirty="0">
+                      <a:r>
+                        <a:rPr lang="ko-KR" altLang="en-US" sz="1300" b="1" baseline="0" dirty="0">
+                          <a:solidFill>
+                            <a:schemeClr val="bg1"/>
+                          </a:solidFill>
+                          <a:latin typeface="굴림" panose="020B0600000101010101" pitchFamily="50" charset="-127"/>
+                          <a:ea typeface="조선가는고딕" panose="02030504000101010101"/>
+                        </a:rPr>
+                        <a:t>구현 </a:t>
+                      </a:r>
+                      <a:endParaRPr lang="en-US" altLang="ko-KR" sz="1300" b="1" baseline="0" dirty="0">
                         <a:solidFill>
                           <a:schemeClr val="bg1"/>
                         </a:solidFill>
@@ -13304,7 +13537,7 @@
                           <a:latin typeface="굴림" panose="020B0600000101010101" pitchFamily="50" charset="-127"/>
                           <a:ea typeface="조선가는고딕" panose="02030504000101010101"/>
                         </a:rPr>
-                        <a:t>멀티쓰레드</a:t>
+                        <a:t>파티클</a:t>
                       </a:r>
                       <a:r>
                         <a:rPr lang="ko-KR" altLang="en-US" sz="1300" b="1" baseline="0" dirty="0">
@@ -13314,8 +13547,25 @@
                           <a:latin typeface="굴림" panose="020B0600000101010101" pitchFamily="50" charset="-127"/>
                           <a:ea typeface="조선가는고딕" panose="02030504000101010101"/>
                         </a:rPr>
-                        <a:t> 구현</a:t>
+                        <a:t> </a:t>
                       </a:r>
+                      <a:r>
+                        <a:rPr lang="ko-KR" altLang="en-US" sz="1300" b="1" baseline="0" dirty="0" err="1">
+                          <a:solidFill>
+                            <a:schemeClr val="bg1"/>
+                          </a:solidFill>
+                          <a:latin typeface="굴림" panose="020B0600000101010101" pitchFamily="50" charset="-127"/>
+                          <a:ea typeface="조선가는고딕" panose="02030504000101010101"/>
+                        </a:rPr>
+                        <a:t>랜더링</a:t>
+                      </a:r>
+                      <a:endParaRPr lang="ko-KR" altLang="en-US" sz="1300" b="1" baseline="0" dirty="0">
+                        <a:solidFill>
+                          <a:schemeClr val="bg1"/>
+                        </a:solidFill>
+                        <a:latin typeface="굴림" panose="020B0600000101010101" pitchFamily="50" charset="-127"/>
+                        <a:ea typeface="조선가는고딕" panose="02030504000101010101"/>
+                      </a:endParaRPr>
                     </a:p>
                   </a:txBody>
                   <a:tcPr>
@@ -13457,7 +13707,27 @@
                           <a:latin typeface="굴림" panose="020B0600000101010101" pitchFamily="50" charset="-127"/>
                           <a:ea typeface="조선가는고딕" panose="02030504000101010101"/>
                         </a:rPr>
-                        <a:t>볼륨 효과</a:t>
+                        <a:t>고스트 </a:t>
+                      </a:r>
+                      <a:endParaRPr lang="en-US" altLang="ko-KR" sz="1300" b="1" baseline="0" dirty="0">
+                        <a:solidFill>
+                          <a:schemeClr val="bg1"/>
+                        </a:solidFill>
+                        <a:latin typeface="굴림" panose="020B0600000101010101" pitchFamily="50" charset="-127"/>
+                        <a:ea typeface="조선가는고딕" panose="02030504000101010101"/>
+                      </a:endParaRPr>
+                    </a:p>
+                    <a:p>
+                      <a:pPr algn="ctr" latinLnBrk="1"/>
+                      <a:r>
+                        <a:rPr lang="ko-KR" altLang="en-US" sz="1300" b="1" baseline="0" dirty="0">
+                          <a:solidFill>
+                            <a:schemeClr val="bg1"/>
+                          </a:solidFill>
+                          <a:latin typeface="굴림" panose="020B0600000101010101" pitchFamily="50" charset="-127"/>
+                          <a:ea typeface="조선가는고딕" panose="02030504000101010101"/>
+                        </a:rPr>
+                        <a:t>트레일 이펙트</a:t>
                       </a:r>
                     </a:p>
                   </a:txBody>
@@ -13593,15 +13863,22 @@
                     <a:p>
                       <a:pPr algn="ctr" latinLnBrk="1"/>
                       <a:r>
-                        <a:rPr lang="ko-KR" altLang="en-US" sz="1300" b="1" baseline="0" dirty="0">
+                        <a:rPr lang="ko-KR" altLang="en-US" sz="1300" b="1" baseline="0" dirty="0" err="1">
                           <a:solidFill>
                             <a:schemeClr val="bg1"/>
                           </a:solidFill>
                           <a:latin typeface="굴림" panose="020B0600000101010101" pitchFamily="50" charset="-127"/>
                           <a:ea typeface="조선가는고딕" panose="02030504000101010101"/>
                         </a:rPr>
-                        <a:t>디버깅 및 오류 수정</a:t>
+                        <a:t>멀티쓰레딩</a:t>
                       </a:r>
+                      <a:endParaRPr lang="ko-KR" altLang="en-US" sz="1300" b="1" baseline="0" dirty="0">
+                        <a:solidFill>
+                          <a:schemeClr val="bg1"/>
+                        </a:solidFill>
+                        <a:latin typeface="굴림" panose="020B0600000101010101" pitchFamily="50" charset="-127"/>
+                        <a:ea typeface="조선가는고딕" panose="02030504000101010101"/>
+                      </a:endParaRPr>
                     </a:p>
                   </a:txBody>
                   <a:tcPr>
@@ -14019,10 +14296,10 @@
       </p:sp>
       <p:sp>
         <p:nvSpPr>
-          <p:cNvPr id="8" name="사각형: 둥근 모서리 7">
-            <a:extLst>
-              <a:ext uri="{FF2B5EF4-FFF2-40B4-BE49-F238E27FC236}">
-                <a16:creationId xmlns:a16="http://schemas.microsoft.com/office/drawing/2014/main" id="{5AB2C340-B2A8-3CD2-0D3B-73838970A916}"/>
+          <p:cNvPr id="2" name="사각형: 둥근 모서리 1">
+            <a:extLst>
+              <a:ext uri="{FF2B5EF4-FFF2-40B4-BE49-F238E27FC236}">
+                <a16:creationId xmlns:a16="http://schemas.microsoft.com/office/drawing/2014/main" id="{85C01036-819D-949B-2DB1-90AE29A0BF48}"/>
               </a:ext>
             </a:extLst>
           </p:cNvPr>
@@ -14031,8 +14308,8 @@
         </p:nvSpPr>
         <p:spPr>
           <a:xfrm>
-            <a:off x="3913846" y="1810011"/>
-            <a:ext cx="732541" cy="381609"/>
+            <a:off x="3952717" y="1792173"/>
+            <a:ext cx="1675449" cy="381609"/>
           </a:xfrm>
           <a:prstGeom prst="roundRect">
             <a:avLst/>
@@ -14068,10 +14345,10 @@
       </p:sp>
       <p:sp>
         <p:nvSpPr>
-          <p:cNvPr id="9" name="사각형: 둥근 모서리 8">
-            <a:extLst>
-              <a:ext uri="{FF2B5EF4-FFF2-40B4-BE49-F238E27FC236}">
-                <a16:creationId xmlns:a16="http://schemas.microsoft.com/office/drawing/2014/main" id="{F5AE7D0C-B85B-8C93-B41C-2347F7B2DF61}"/>
+          <p:cNvPr id="3" name="사각형: 둥근 모서리 2">
+            <a:extLst>
+              <a:ext uri="{FF2B5EF4-FFF2-40B4-BE49-F238E27FC236}">
+                <a16:creationId xmlns:a16="http://schemas.microsoft.com/office/drawing/2014/main" id="{B967915E-DC09-4763-8850-AE01E33DA761}"/>
               </a:ext>
             </a:extLst>
           </p:cNvPr>
@@ -14080,8 +14357,8 @@
         </p:nvSpPr>
         <p:spPr>
           <a:xfrm>
-            <a:off x="3913846" y="2323009"/>
-            <a:ext cx="1680058" cy="381609"/>
+            <a:off x="3988160" y="2302823"/>
+            <a:ext cx="1228882" cy="381609"/>
           </a:xfrm>
           <a:prstGeom prst="roundRect">
             <a:avLst/>
@@ -14117,10 +14394,10 @@
       </p:sp>
       <p:sp>
         <p:nvSpPr>
-          <p:cNvPr id="19" name="사각형: 둥근 모서리 18">
-            <a:extLst>
-              <a:ext uri="{FF2B5EF4-FFF2-40B4-BE49-F238E27FC236}">
-                <a16:creationId xmlns:a16="http://schemas.microsoft.com/office/drawing/2014/main" id="{D989E63B-F77E-F2A8-CEBB-AC3D9113659C}"/>
+          <p:cNvPr id="4" name="사각형: 둥근 모서리 3">
+            <a:extLst>
+              <a:ext uri="{FF2B5EF4-FFF2-40B4-BE49-F238E27FC236}">
+                <a16:creationId xmlns:a16="http://schemas.microsoft.com/office/drawing/2014/main" id="{19DB9098-86EB-CF91-5E8D-F5C4BEE35BA4}"/>
               </a:ext>
             </a:extLst>
           </p:cNvPr>
@@ -14129,8 +14406,57 @@
         </p:nvSpPr>
         <p:spPr>
           <a:xfrm>
-            <a:off x="4746787" y="2836007"/>
-            <a:ext cx="1792196" cy="381609"/>
+            <a:off x="5186209" y="2813473"/>
+            <a:ext cx="1384711" cy="381609"/>
+          </a:xfrm>
+          <a:prstGeom prst="roundRect">
+            <a:avLst/>
+          </a:prstGeom>
+          <a:solidFill>
+            <a:srgbClr val="002060"/>
+          </a:solidFill>
+        </p:spPr>
+        <p:style>
+          <a:lnRef idx="2">
+            <a:schemeClr val="accent1">
+              <a:shade val="15000"/>
+            </a:schemeClr>
+          </a:lnRef>
+          <a:fillRef idx="1">
+            <a:schemeClr val="accent1"/>
+          </a:fillRef>
+          <a:effectRef idx="0">
+            <a:schemeClr val="accent1"/>
+          </a:effectRef>
+          <a:fontRef idx="minor">
+            <a:schemeClr val="lt1"/>
+          </a:fontRef>
+        </p:style>
+        <p:txBody>
+          <a:bodyPr rtlCol="0" anchor="ctr"/>
+          <a:lstStyle/>
+          <a:p>
+            <a:pPr algn="ctr"/>
+            <a:endParaRPr lang="ko-KR" altLang="en-US"/>
+          </a:p>
+        </p:txBody>
+      </p:sp>
+      <p:sp>
+        <p:nvSpPr>
+          <p:cNvPr id="17" name="사각형: 둥근 모서리 16">
+            <a:extLst>
+              <a:ext uri="{FF2B5EF4-FFF2-40B4-BE49-F238E27FC236}">
+                <a16:creationId xmlns:a16="http://schemas.microsoft.com/office/drawing/2014/main" id="{E550344B-A1B6-8A4D-BE3B-2E23008D1A07}"/>
+              </a:ext>
+            </a:extLst>
+          </p:cNvPr>
+          <p:cNvSpPr/>
+          <p:nvPr/>
+        </p:nvSpPr>
+        <p:spPr>
+          <a:xfrm>
+            <a:off x="5186209" y="3328580"/>
+            <a:ext cx="1384710" cy="381609"/>
           </a:xfrm>
           <a:prstGeom prst="roundRect">
             <a:avLst/>
@@ -14172,10 +14498,10 @@
       </p:sp>
       <p:sp>
         <p:nvSpPr>
-          <p:cNvPr id="21" name="사각형: 둥근 모서리 20">
-            <a:extLst>
-              <a:ext uri="{FF2B5EF4-FFF2-40B4-BE49-F238E27FC236}">
-                <a16:creationId xmlns:a16="http://schemas.microsoft.com/office/drawing/2014/main" id="{DC530652-070C-A2D7-5F73-2FAD283D4256}"/>
+          <p:cNvPr id="18" name="사각형: 둥근 모서리 17">
+            <a:extLst>
+              <a:ext uri="{FF2B5EF4-FFF2-40B4-BE49-F238E27FC236}">
+                <a16:creationId xmlns:a16="http://schemas.microsoft.com/office/drawing/2014/main" id="{DEBACF49-BF76-A37E-B6EE-5D665386BE94}"/>
               </a:ext>
             </a:extLst>
           </p:cNvPr>
@@ -14184,8 +14510,8 @@
         </p:nvSpPr>
         <p:spPr>
           <a:xfrm>
-            <a:off x="5699302" y="3299386"/>
-            <a:ext cx="1785108" cy="381609"/>
+            <a:off x="6624474" y="3829007"/>
+            <a:ext cx="513517" cy="381609"/>
           </a:xfrm>
           <a:prstGeom prst="roundRect">
             <a:avLst/>
@@ -14221,10 +14547,10 @@
       </p:sp>
       <p:sp>
         <p:nvSpPr>
-          <p:cNvPr id="25" name="사각형: 둥근 모서리 24">
-            <a:extLst>
-              <a:ext uri="{FF2B5EF4-FFF2-40B4-BE49-F238E27FC236}">
-                <a16:creationId xmlns:a16="http://schemas.microsoft.com/office/drawing/2014/main" id="{5BD5B3F7-746F-1792-8EB7-2CB019F0BF8C}"/>
+          <p:cNvPr id="20" name="사각형: 둥근 모서리 19">
+            <a:extLst>
+              <a:ext uri="{FF2B5EF4-FFF2-40B4-BE49-F238E27FC236}">
+                <a16:creationId xmlns:a16="http://schemas.microsoft.com/office/drawing/2014/main" id="{892A8DC1-E539-06F0-1D65-02CCDBD0A4B6}"/>
               </a:ext>
             </a:extLst>
           </p:cNvPr>
@@ -14233,8 +14559,8 @@
         </p:nvSpPr>
         <p:spPr>
           <a:xfrm>
-            <a:off x="6662887" y="3833649"/>
-            <a:ext cx="1792196" cy="381609"/>
+            <a:off x="6618781" y="4329938"/>
+            <a:ext cx="901982" cy="381609"/>
           </a:xfrm>
           <a:prstGeom prst="roundRect">
             <a:avLst/>
@@ -14276,10 +14602,10 @@
       </p:sp>
       <p:sp>
         <p:nvSpPr>
-          <p:cNvPr id="26" name="사각형: 둥근 모서리 25">
-            <a:extLst>
-              <a:ext uri="{FF2B5EF4-FFF2-40B4-BE49-F238E27FC236}">
-                <a16:creationId xmlns:a16="http://schemas.microsoft.com/office/drawing/2014/main" id="{B3429CA8-B046-6E57-FC05-F7A396CA7DBF}"/>
+          <p:cNvPr id="22" name="사각형: 둥근 모서리 21">
+            <a:extLst>
+              <a:ext uri="{FF2B5EF4-FFF2-40B4-BE49-F238E27FC236}">
+                <a16:creationId xmlns:a16="http://schemas.microsoft.com/office/drawing/2014/main" id="{B46ACF30-FCBC-1F7F-9F8D-8B47C1DE84C6}"/>
               </a:ext>
             </a:extLst>
           </p:cNvPr>
@@ -14288,8 +14614,8 @@
         </p:nvSpPr>
         <p:spPr>
           <a:xfrm>
-            <a:off x="8587815" y="4318526"/>
-            <a:ext cx="857400" cy="381609"/>
+            <a:off x="5684874" y="4830869"/>
+            <a:ext cx="1835889" cy="381609"/>
           </a:xfrm>
           <a:prstGeom prst="roundRect">
             <a:avLst/>
@@ -14331,10 +14657,10 @@
       </p:sp>
       <p:sp>
         <p:nvSpPr>
-          <p:cNvPr id="27" name="사각형: 둥근 모서리 26">
-            <a:extLst>
-              <a:ext uri="{FF2B5EF4-FFF2-40B4-BE49-F238E27FC236}">
-                <a16:creationId xmlns:a16="http://schemas.microsoft.com/office/drawing/2014/main" id="{53CB1BCD-68CA-F388-AD2C-A118BC725562}"/>
+          <p:cNvPr id="31" name="사각형: 둥근 모서리 30">
+            <a:extLst>
+              <a:ext uri="{FF2B5EF4-FFF2-40B4-BE49-F238E27FC236}">
+                <a16:creationId xmlns:a16="http://schemas.microsoft.com/office/drawing/2014/main" id="{E1711BC2-5658-35E4-81F6-819DB3DDD151}"/>
               </a:ext>
             </a:extLst>
           </p:cNvPr>
@@ -14343,8 +14669,63 @@
         </p:nvSpPr>
         <p:spPr>
           <a:xfrm>
-            <a:off x="7597683" y="4832730"/>
-            <a:ext cx="857400" cy="381609"/>
+            <a:off x="6618780" y="5309213"/>
+            <a:ext cx="1731321" cy="381609"/>
+          </a:xfrm>
+          <a:prstGeom prst="roundRect">
+            <a:avLst/>
+          </a:prstGeom>
+          <a:solidFill>
+            <a:srgbClr val="7030A0"/>
+          </a:solidFill>
+        </p:spPr>
+        <p:style>
+          <a:lnRef idx="2">
+            <a:schemeClr val="accent6">
+              <a:shade val="15000"/>
+            </a:schemeClr>
+          </a:lnRef>
+          <a:fillRef idx="1">
+            <a:schemeClr val="accent6"/>
+          </a:fillRef>
+          <a:effectRef idx="0">
+            <a:schemeClr val="accent6"/>
+          </a:effectRef>
+          <a:fontRef idx="minor">
+            <a:schemeClr val="lt1"/>
+          </a:fontRef>
+        </p:style>
+        <p:txBody>
+          <a:bodyPr rtlCol="0" anchor="ctr"/>
+          <a:lstStyle/>
+          <a:p>
+            <a:pPr algn="ctr"/>
+            <a:endParaRPr lang="ko-KR" altLang="en-US">
+              <a:solidFill>
+                <a:srgbClr val="7030A0"/>
+              </a:solidFill>
+              <a:latin typeface="조선가는고딕" panose="02030504000101010101" pitchFamily="18" charset="-127"/>
+              <a:ea typeface="조선가는고딕" panose="02030504000101010101" pitchFamily="18" charset="-127"/>
+            </a:endParaRPr>
+          </a:p>
+        </p:txBody>
+      </p:sp>
+      <p:sp>
+        <p:nvSpPr>
+          <p:cNvPr id="32" name="사각형: 둥근 모서리 31">
+            <a:extLst>
+              <a:ext uri="{FF2B5EF4-FFF2-40B4-BE49-F238E27FC236}">
+                <a16:creationId xmlns:a16="http://schemas.microsoft.com/office/drawing/2014/main" id="{971225FB-CC13-C083-D5E9-2D093F68B0F7}"/>
+              </a:ext>
+            </a:extLst>
+          </p:cNvPr>
+          <p:cNvSpPr/>
+          <p:nvPr/>
+        </p:nvSpPr>
+        <p:spPr>
+          <a:xfrm>
+            <a:off x="6624474" y="5807023"/>
+            <a:ext cx="1392475" cy="381609"/>
           </a:xfrm>
           <a:prstGeom prst="roundRect">
             <a:avLst/>
@@ -14380,10 +14761,10 @@
       </p:sp>
       <p:sp>
         <p:nvSpPr>
-          <p:cNvPr id="28" name="사각형: 둥근 모서리 27">
-            <a:extLst>
-              <a:ext uri="{FF2B5EF4-FFF2-40B4-BE49-F238E27FC236}">
-                <a16:creationId xmlns:a16="http://schemas.microsoft.com/office/drawing/2014/main" id="{B853A03F-7688-107C-069C-076E13EECDDC}"/>
+          <p:cNvPr id="33" name="사각형: 둥근 모서리 32">
+            <a:extLst>
+              <a:ext uri="{FF2B5EF4-FFF2-40B4-BE49-F238E27FC236}">
+                <a16:creationId xmlns:a16="http://schemas.microsoft.com/office/drawing/2014/main" id="{F23B93D8-1EFC-B669-754C-34F97E5142D2}"/>
               </a:ext>
             </a:extLst>
           </p:cNvPr>
@@ -14392,112 +14773,8 @@
         </p:nvSpPr>
         <p:spPr>
           <a:xfrm>
-            <a:off x="8587815" y="5316786"/>
-            <a:ext cx="1814330" cy="381609"/>
-          </a:xfrm>
-          <a:prstGeom prst="roundRect">
-            <a:avLst/>
-          </a:prstGeom>
-          <a:solidFill>
-            <a:srgbClr val="002060"/>
-          </a:solidFill>
-        </p:spPr>
-        <p:style>
-          <a:lnRef idx="2">
-            <a:schemeClr val="accent1">
-              <a:shade val="15000"/>
-            </a:schemeClr>
-          </a:lnRef>
-          <a:fillRef idx="1">
-            <a:schemeClr val="accent1"/>
-          </a:fillRef>
-          <a:effectRef idx="0">
-            <a:schemeClr val="accent1"/>
-          </a:effectRef>
-          <a:fontRef idx="minor">
-            <a:schemeClr val="lt1"/>
-          </a:fontRef>
-        </p:style>
-        <p:txBody>
-          <a:bodyPr rtlCol="0" anchor="ctr"/>
-          <a:lstStyle/>
-          <a:p>
-            <a:pPr algn="ctr"/>
-            <a:endParaRPr lang="ko-KR" altLang="en-US"/>
-          </a:p>
-        </p:txBody>
-      </p:sp>
-      <p:sp>
-        <p:nvSpPr>
-          <p:cNvPr id="29" name="사각형: 둥근 모서리 28">
-            <a:extLst>
-              <a:ext uri="{FF2B5EF4-FFF2-40B4-BE49-F238E27FC236}">
-                <a16:creationId xmlns:a16="http://schemas.microsoft.com/office/drawing/2014/main" id="{9B337321-1384-E4A1-66CE-4CB999C8A7D6}"/>
-              </a:ext>
-            </a:extLst>
-          </p:cNvPr>
-          <p:cNvSpPr/>
-          <p:nvPr/>
-        </p:nvSpPr>
-        <p:spPr>
-          <a:xfrm>
-            <a:off x="9590673" y="5834324"/>
-            <a:ext cx="857400" cy="381609"/>
-          </a:xfrm>
-          <a:prstGeom prst="roundRect">
-            <a:avLst/>
-          </a:prstGeom>
-          <a:solidFill>
-            <a:srgbClr val="7030A0"/>
-          </a:solidFill>
-        </p:spPr>
-        <p:style>
-          <a:lnRef idx="2">
-            <a:schemeClr val="accent6">
-              <a:shade val="15000"/>
-            </a:schemeClr>
-          </a:lnRef>
-          <a:fillRef idx="1">
-            <a:schemeClr val="accent6"/>
-          </a:fillRef>
-          <a:effectRef idx="0">
-            <a:schemeClr val="accent6"/>
-          </a:effectRef>
-          <a:fontRef idx="minor">
-            <a:schemeClr val="lt1"/>
-          </a:fontRef>
-        </p:style>
-        <p:txBody>
-          <a:bodyPr rtlCol="0" anchor="ctr"/>
-          <a:lstStyle/>
-          <a:p>
-            <a:pPr algn="ctr"/>
-            <a:endParaRPr lang="ko-KR" altLang="en-US">
-              <a:solidFill>
-                <a:srgbClr val="7030A0"/>
-              </a:solidFill>
-              <a:latin typeface="조선가는고딕" panose="02030504000101010101" pitchFamily="18" charset="-127"/>
-              <a:ea typeface="조선가는고딕" panose="02030504000101010101" pitchFamily="18" charset="-127"/>
-            </a:endParaRPr>
-          </a:p>
-        </p:txBody>
-      </p:sp>
-      <p:sp>
-        <p:nvSpPr>
-          <p:cNvPr id="30" name="사각형: 둥근 모서리 29">
-            <a:extLst>
-              <a:ext uri="{FF2B5EF4-FFF2-40B4-BE49-F238E27FC236}">
-                <a16:creationId xmlns:a16="http://schemas.microsoft.com/office/drawing/2014/main" id="{84365215-FFF3-B74D-C673-D3ED8F8CD07F}"/>
-              </a:ext>
-            </a:extLst>
-          </p:cNvPr>
-          <p:cNvSpPr/>
-          <p:nvPr/>
-        </p:nvSpPr>
-        <p:spPr>
-          <a:xfrm>
-            <a:off x="8587815" y="6367233"/>
-            <a:ext cx="2779639" cy="381609"/>
+            <a:off x="3952717" y="6353964"/>
+            <a:ext cx="6453014" cy="381609"/>
           </a:xfrm>
           <a:prstGeom prst="roundRect">
             <a:avLst/>
@@ -15968,6 +16245,57 @@
           <a:chExt cx="0" cy="0"/>
         </a:xfrm>
       </p:grpSpPr>
+      <p:pic>
+        <p:nvPicPr>
+          <p:cNvPr id="3074" name="Picture 2">
+            <a:extLst>
+              <a:ext uri="{FF2B5EF4-FFF2-40B4-BE49-F238E27FC236}">
+                <a16:creationId xmlns:a16="http://schemas.microsoft.com/office/drawing/2014/main" id="{155084CF-ADC5-90A6-EFDD-811BF087E171}"/>
+              </a:ext>
+            </a:extLst>
+          </p:cNvPr>
+          <p:cNvPicPr>
+            <a:picLocks noChangeAspect="1" noChangeArrowheads="1"/>
+          </p:cNvPicPr>
+          <p:nvPr/>
+        </p:nvPicPr>
+        <p:blipFill>
+          <a:blip r:embed="rId2">
+            <a:alphaModFix amt="44000"/>
+            <a:extLst>
+              <a:ext uri="{28A0092B-C50C-407E-A947-70E740481C1C}">
+                <a14:useLocalDpi xmlns:a14="http://schemas.microsoft.com/office/drawing/2010/main" val="0"/>
+              </a:ext>
+            </a:extLst>
+          </a:blip>
+          <a:srcRect/>
+          <a:stretch>
+            <a:fillRect/>
+          </a:stretch>
+        </p:blipFill>
+        <p:spPr bwMode="auto">
+          <a:xfrm>
+            <a:off x="1263502" y="1473396"/>
+            <a:ext cx="9664995" cy="4976166"/>
+          </a:xfrm>
+          <a:prstGeom prst="rect">
+            <a:avLst/>
+          </a:prstGeom>
+          <a:noFill/>
+          <a:effectLst>
+            <a:softEdge rad="647700"/>
+          </a:effectLst>
+          <a:extLst>
+            <a:ext uri="{909E8E84-426E-40DD-AFC4-6F175D3DCCD1}">
+              <a14:hiddenFill xmlns:a14="http://schemas.microsoft.com/office/drawing/2010/main">
+                <a:solidFill>
+                  <a:srgbClr val="FFFFFF"/>
+                </a:solidFill>
+              </a14:hiddenFill>
+            </a:ext>
+          </a:extLst>
+        </p:spPr>
+      </p:pic>
       <p:sp>
         <p:nvSpPr>
           <p:cNvPr id="23" name="직사각형 22">
@@ -16193,7 +16521,7 @@
         </p:nvSpPr>
         <p:spPr>
           <a:xfrm>
-            <a:off x="-178172" y="2004590"/>
+            <a:off x="-206526" y="2661031"/>
             <a:ext cx="12033474" cy="3324372"/>
           </a:xfrm>
           <a:prstGeom prst="rect">
@@ -16709,19 +17037,7 @@
                 <a:ea typeface="조선가는고딕" panose="02030504000101010101" pitchFamily="18" charset="-127"/>
                 <a:cs typeface="Times New Roman" panose="02020603050405020304" pitchFamily="18" charset="0"/>
               </a:rPr>
-              <a:t>TPS</a:t>
-            </a:r>
-            <a:r>
-              <a:rPr lang="en-US" altLang="ko-KR" sz="2400">
-                <a:solidFill>
-                  <a:srgbClr val="00B0F0"/>
-                </a:solidFill>
-                <a:effectLst/>
-                <a:latin typeface="조선가는고딕" panose="02030504000101010101" pitchFamily="18" charset="-127"/>
-                <a:ea typeface="조선가는고딕" panose="02030504000101010101" pitchFamily="18" charset="-127"/>
-                <a:cs typeface="Times New Roman" panose="02020603050405020304" pitchFamily="18" charset="0"/>
-              </a:rPr>
-              <a:t>, </a:t>
+              <a:t>TPS, </a:t>
             </a:r>
             <a:r>
               <a:rPr lang="ko-KR" altLang="en-US" sz="2400" dirty="0">
@@ -17074,6 +17390,372 @@
           </a:p>
         </p:txBody>
       </p:sp>
+      <p:pic>
+        <p:nvPicPr>
+          <p:cNvPr id="8" name="그림 7">
+            <a:extLst>
+              <a:ext uri="{FF2B5EF4-FFF2-40B4-BE49-F238E27FC236}">
+                <a16:creationId xmlns:a16="http://schemas.microsoft.com/office/drawing/2014/main" id="{80D89699-295D-C19A-38B2-98B849F320FB}"/>
+              </a:ext>
+            </a:extLst>
+          </p:cNvPr>
+          <p:cNvPicPr>
+            <a:picLocks noChangeAspect="1"/>
+          </p:cNvPicPr>
+          <p:nvPr/>
+        </p:nvPicPr>
+        <p:blipFill>
+          <a:blip r:embed="rId2"/>
+          <a:stretch>
+            <a:fillRect/>
+          </a:stretch>
+        </p:blipFill>
+        <p:spPr>
+          <a:xfrm>
+            <a:off x="6191632" y="2591286"/>
+            <a:ext cx="2374709" cy="2169968"/>
+          </a:xfrm>
+          <a:prstGeom prst="rect">
+            <a:avLst/>
+          </a:prstGeom>
+        </p:spPr>
+      </p:pic>
+      <p:sp>
+        <p:nvSpPr>
+          <p:cNvPr id="11" name="TextBox 10">
+            <a:extLst>
+              <a:ext uri="{FF2B5EF4-FFF2-40B4-BE49-F238E27FC236}">
+                <a16:creationId xmlns:a16="http://schemas.microsoft.com/office/drawing/2014/main" id="{DCCBDD86-CBD4-C0B0-DFD7-7B1464D8968B}"/>
+              </a:ext>
+            </a:extLst>
+          </p:cNvPr>
+          <p:cNvSpPr txBox="1"/>
+          <p:nvPr/>
+        </p:nvSpPr>
+        <p:spPr>
+          <a:xfrm>
+            <a:off x="7902188" y="2075852"/>
+            <a:ext cx="2135623" cy="461665"/>
+          </a:xfrm>
+          <a:prstGeom prst="rect">
+            <a:avLst/>
+          </a:prstGeom>
+          <a:noFill/>
+        </p:spPr>
+        <p:txBody>
+          <a:bodyPr wrap="square">
+            <a:spAutoFit/>
+          </a:bodyPr>
+          <a:lstStyle/>
+          <a:p>
+            <a:pPr algn="ctr"/>
+            <a:r>
+              <a:rPr lang="ko-KR" altLang="en-US" sz="1200" b="1" dirty="0">
+                <a:effectLst/>
+                <a:latin typeface="조선가는고딕" panose="02030504000101010101" pitchFamily="18" charset="-127"/>
+                <a:ea typeface="조선가는고딕" panose="02030504000101010101" pitchFamily="18" charset="-127"/>
+                <a:cs typeface="Times New Roman" panose="02020603050405020304" pitchFamily="18" charset="0"/>
+              </a:rPr>
+              <a:t>유사</a:t>
+            </a:r>
+            <a:r>
+              <a:rPr lang="ko-KR" altLang="en-US" sz="1200" b="1" dirty="0">
+                <a:latin typeface="조선가는고딕" panose="02030504000101010101" pitchFamily="18" charset="-127"/>
+                <a:ea typeface="조선가는고딕" panose="02030504000101010101" pitchFamily="18" charset="-127"/>
+                <a:cs typeface="Times New Roman" panose="02020603050405020304" pitchFamily="18" charset="0"/>
+              </a:rPr>
+              <a:t>한 </a:t>
+            </a:r>
+            <a:r>
+              <a:rPr lang="ko-KR" altLang="en-US" sz="1200" b="1" dirty="0">
+                <a:effectLst/>
+                <a:latin typeface="조선가는고딕" panose="02030504000101010101" pitchFamily="18" charset="-127"/>
+                <a:ea typeface="조선가는고딕" panose="02030504000101010101" pitchFamily="18" charset="-127"/>
+                <a:cs typeface="Times New Roman" panose="02020603050405020304" pitchFamily="18" charset="0"/>
+              </a:rPr>
+              <a:t>게임</a:t>
+            </a:r>
+            <a:endParaRPr lang="en-US" altLang="ko-KR" sz="1200" b="1" dirty="0">
+              <a:effectLst/>
+              <a:latin typeface="조선가는고딕" panose="02030504000101010101" pitchFamily="18" charset="-127"/>
+              <a:ea typeface="조선가는고딕" panose="02030504000101010101" pitchFamily="18" charset="-127"/>
+              <a:cs typeface="Times New Roman" panose="02020603050405020304" pitchFamily="18" charset="0"/>
+            </a:endParaRPr>
+          </a:p>
+          <a:p>
+            <a:pPr algn="ctr"/>
+            <a:r>
+              <a:rPr lang="en-US" altLang="ko-KR" sz="1200" b="1" dirty="0">
+                <a:latin typeface="조선가는고딕" panose="02030504000101010101" pitchFamily="18" charset="-127"/>
+                <a:ea typeface="조선가는고딕" panose="02030504000101010101" pitchFamily="18" charset="-127"/>
+                <a:cs typeface="Times New Roman" panose="02020603050405020304" pitchFamily="18" charset="0"/>
+              </a:rPr>
+              <a:t>&lt;</a:t>
+            </a:r>
+            <a:r>
+              <a:rPr lang="ko-KR" altLang="en-US" sz="1200" b="1" dirty="0">
+                <a:latin typeface="조선가는고딕" panose="02030504000101010101" pitchFamily="18" charset="-127"/>
+                <a:ea typeface="조선가는고딕" panose="02030504000101010101" pitchFamily="18" charset="-127"/>
+                <a:cs typeface="Times New Roman" panose="02020603050405020304" pitchFamily="18" charset="0"/>
+              </a:rPr>
+              <a:t>에일리언</a:t>
+            </a:r>
+            <a:r>
+              <a:rPr lang="en-US" altLang="ko-KR" sz="1200" b="1" dirty="0">
+                <a:latin typeface="조선가는고딕" panose="02030504000101010101" pitchFamily="18" charset="-127"/>
+                <a:ea typeface="조선가는고딕" panose="02030504000101010101" pitchFamily="18" charset="-127"/>
+                <a:cs typeface="Times New Roman" panose="02020603050405020304" pitchFamily="18" charset="0"/>
+              </a:rPr>
+              <a:t>:</a:t>
+            </a:r>
+            <a:r>
+              <a:rPr lang="ko-KR" altLang="en-US" sz="1200" b="1" dirty="0" err="1">
+                <a:latin typeface="조선가는고딕" panose="02030504000101010101" pitchFamily="18" charset="-127"/>
+                <a:ea typeface="조선가는고딕" panose="02030504000101010101" pitchFamily="18" charset="-127"/>
+                <a:cs typeface="Times New Roman" panose="02020603050405020304" pitchFamily="18" charset="0"/>
+              </a:rPr>
+              <a:t>파이어팀엘리트</a:t>
+            </a:r>
+            <a:r>
+              <a:rPr lang="en-US" altLang="ko-KR" sz="1200" b="1" dirty="0">
+                <a:latin typeface="조선가는고딕" panose="02030504000101010101" pitchFamily="18" charset="-127"/>
+                <a:ea typeface="조선가는고딕" panose="02030504000101010101" pitchFamily="18" charset="-127"/>
+                <a:cs typeface="Times New Roman" panose="02020603050405020304" pitchFamily="18" charset="0"/>
+              </a:rPr>
+              <a:t>&gt;</a:t>
+            </a:r>
+            <a:endParaRPr lang="ko-KR" altLang="en-US" sz="1200" b="1" dirty="0">
+              <a:latin typeface="조선가는고딕" panose="02030504000101010101" pitchFamily="18" charset="-127"/>
+              <a:ea typeface="조선가는고딕" panose="02030504000101010101" pitchFamily="18" charset="-127"/>
+            </a:endParaRPr>
+          </a:p>
+        </p:txBody>
+      </p:sp>
+      <p:sp>
+        <p:nvSpPr>
+          <p:cNvPr id="14" name="TextBox 13">
+            <a:extLst>
+              <a:ext uri="{FF2B5EF4-FFF2-40B4-BE49-F238E27FC236}">
+                <a16:creationId xmlns:a16="http://schemas.microsoft.com/office/drawing/2014/main" id="{AC3E45C7-F2DC-1B9A-29F9-5F5CAA0A00FC}"/>
+              </a:ext>
+            </a:extLst>
+          </p:cNvPr>
+          <p:cNvSpPr txBox="1"/>
+          <p:nvPr/>
+        </p:nvSpPr>
+        <p:spPr>
+          <a:xfrm>
+            <a:off x="6319304" y="5376221"/>
+            <a:ext cx="5461569" cy="1077218"/>
+          </a:xfrm>
+          <a:prstGeom prst="rect">
+            <a:avLst/>
+          </a:prstGeom>
+          <a:noFill/>
+        </p:spPr>
+        <p:txBody>
+          <a:bodyPr wrap="square">
+            <a:spAutoFit/>
+          </a:bodyPr>
+          <a:lstStyle/>
+          <a:p>
+            <a:pPr marL="285750" indent="-285750">
+              <a:buFont typeface="Arial" panose="020B0604020202020204" pitchFamily="34" charset="0"/>
+              <a:buChar char="•"/>
+            </a:pPr>
+            <a:r>
+              <a:rPr lang="ko-KR" altLang="en-US" sz="1600" dirty="0">
+                <a:latin typeface="조선가는고딕" panose="02030504000101010101" pitchFamily="18" charset="-127"/>
+                <a:ea typeface="조선가는고딕" panose="02030504000101010101" pitchFamily="18" charset="-127"/>
+              </a:rPr>
+              <a:t> </a:t>
+            </a:r>
+            <a:r>
+              <a:rPr lang="ko-KR" altLang="en-US" sz="1600" dirty="0">
+                <a:solidFill>
+                  <a:srgbClr val="FF0000"/>
+                </a:solidFill>
+                <a:latin typeface="조선가는고딕" panose="02030504000101010101" pitchFamily="18" charset="-127"/>
+                <a:ea typeface="조선가는고딕" panose="02030504000101010101" pitchFamily="18" charset="-127"/>
+              </a:rPr>
+              <a:t>자기장 이벤트</a:t>
+            </a:r>
+            <a:r>
+              <a:rPr lang="ko-KR" altLang="en-US" sz="1600" dirty="0">
+                <a:latin typeface="조선가는고딕" panose="02030504000101010101" pitchFamily="18" charset="-127"/>
+                <a:ea typeface="조선가는고딕" panose="02030504000101010101" pitchFamily="18" charset="-127"/>
+              </a:rPr>
+              <a:t>와</a:t>
+            </a:r>
+            <a:r>
+              <a:rPr lang="ko-KR" altLang="en-US" sz="1600" dirty="0">
+                <a:solidFill>
+                  <a:srgbClr val="00B0F0"/>
+                </a:solidFill>
+                <a:latin typeface="조선가는고딕" panose="02030504000101010101" pitchFamily="18" charset="-127"/>
+                <a:ea typeface="조선가는고딕" panose="02030504000101010101" pitchFamily="18" charset="-127"/>
+              </a:rPr>
+              <a:t> </a:t>
+            </a:r>
+            <a:r>
+              <a:rPr lang="ko-KR" altLang="en-US" sz="1600" dirty="0">
+                <a:solidFill>
+                  <a:srgbClr val="FF0000"/>
+                </a:solidFill>
+                <a:latin typeface="조선가는고딕" panose="02030504000101010101" pitchFamily="18" charset="-127"/>
+                <a:ea typeface="조선가는고딕" panose="02030504000101010101" pitchFamily="18" charset="-127"/>
+              </a:rPr>
+              <a:t>투명한 적</a:t>
+            </a:r>
+            <a:r>
+              <a:rPr lang="ko-KR" altLang="en-US" sz="1600" dirty="0">
+                <a:latin typeface="조선가는고딕" panose="02030504000101010101" pitchFamily="18" charset="-127"/>
+                <a:ea typeface="조선가는고딕" panose="02030504000101010101" pitchFamily="18" charset="-127"/>
+              </a:rPr>
+              <a:t>으로 인한 다양한 플레이</a:t>
+            </a:r>
+            <a:endParaRPr lang="en-US" altLang="ko-KR" sz="1600" dirty="0">
+              <a:latin typeface="조선가는고딕" panose="02030504000101010101" pitchFamily="18" charset="-127"/>
+              <a:ea typeface="조선가는고딕" panose="02030504000101010101" pitchFamily="18" charset="-127"/>
+            </a:endParaRPr>
+          </a:p>
+          <a:p>
+            <a:pPr marL="285750" indent="-285750">
+              <a:buFont typeface="Arial" panose="020B0604020202020204" pitchFamily="34" charset="0"/>
+              <a:buChar char="•"/>
+            </a:pPr>
+            <a:r>
+              <a:rPr lang="ko-KR" altLang="en-US" sz="1600" dirty="0">
+                <a:latin typeface="조선가는고딕" panose="02030504000101010101" pitchFamily="18" charset="-127"/>
+                <a:ea typeface="조선가는고딕" panose="02030504000101010101" pitchFamily="18" charset="-127"/>
+              </a:rPr>
+              <a:t> 투명한 적의 이펙트로 인해 시각적 즐거움</a:t>
+            </a:r>
+            <a:endParaRPr lang="en-US" altLang="ko-KR" sz="1600" dirty="0">
+              <a:latin typeface="조선가는고딕" panose="02030504000101010101" pitchFamily="18" charset="-127"/>
+              <a:ea typeface="조선가는고딕" panose="02030504000101010101" pitchFamily="18" charset="-127"/>
+            </a:endParaRPr>
+          </a:p>
+          <a:p>
+            <a:pPr marL="285750" indent="-285750">
+              <a:buFont typeface="Arial" panose="020B0604020202020204" pitchFamily="34" charset="0"/>
+              <a:buChar char="•"/>
+            </a:pPr>
+            <a:endParaRPr lang="en-US" altLang="ko-KR" sz="1600" dirty="0">
+              <a:latin typeface="조선가는고딕" panose="02030504000101010101" pitchFamily="18" charset="-127"/>
+              <a:ea typeface="조선가는고딕" panose="02030504000101010101" pitchFamily="18" charset="-127"/>
+            </a:endParaRPr>
+          </a:p>
+          <a:p>
+            <a:pPr marL="285750" indent="-285750" algn="ctr">
+              <a:buFont typeface="Arial" panose="020B0604020202020204" pitchFamily="34" charset="0"/>
+              <a:buChar char="•"/>
+            </a:pPr>
+            <a:endParaRPr lang="en-US" altLang="ko-KR" sz="1600" dirty="0">
+              <a:latin typeface="조선가는고딕" panose="02030504000101010101" pitchFamily="18" charset="-127"/>
+              <a:ea typeface="조선가는고딕" panose="02030504000101010101" pitchFamily="18" charset="-127"/>
+            </a:endParaRPr>
+          </a:p>
+        </p:txBody>
+      </p:sp>
+      <p:sp>
+        <p:nvSpPr>
+          <p:cNvPr id="15" name="TextBox 14">
+            <a:extLst>
+              <a:ext uri="{FF2B5EF4-FFF2-40B4-BE49-F238E27FC236}">
+                <a16:creationId xmlns:a16="http://schemas.microsoft.com/office/drawing/2014/main" id="{08CF6E02-281F-3944-F888-76FF8EDC33B8}"/>
+              </a:ext>
+            </a:extLst>
+          </p:cNvPr>
+          <p:cNvSpPr txBox="1"/>
+          <p:nvPr/>
+        </p:nvSpPr>
+        <p:spPr>
+          <a:xfrm>
+            <a:off x="7902189" y="4807019"/>
+            <a:ext cx="2135623" cy="461665"/>
+          </a:xfrm>
+          <a:prstGeom prst="rect">
+            <a:avLst/>
+          </a:prstGeom>
+          <a:noFill/>
+        </p:spPr>
+        <p:txBody>
+          <a:bodyPr wrap="square">
+            <a:spAutoFit/>
+          </a:bodyPr>
+          <a:lstStyle/>
+          <a:p>
+            <a:pPr algn="ctr"/>
+            <a:r>
+              <a:rPr lang="ko-KR" altLang="en-US" sz="2400" b="1" dirty="0">
+                <a:solidFill>
+                  <a:srgbClr val="FF0000"/>
+                </a:solidFill>
+                <a:effectLst/>
+                <a:latin typeface="조선가는고딕" panose="02030504000101010101" pitchFamily="18" charset="-127"/>
+                <a:ea typeface="조선가는고딕" panose="02030504000101010101" pitchFamily="18" charset="-127"/>
+                <a:cs typeface="Times New Roman" panose="02020603050405020304" pitchFamily="18" charset="0"/>
+              </a:rPr>
+              <a:t>차별성</a:t>
+            </a:r>
+            <a:endParaRPr lang="ko-KR" altLang="en-US" sz="2400" b="1" dirty="0">
+              <a:solidFill>
+                <a:srgbClr val="FF0000"/>
+              </a:solidFill>
+              <a:latin typeface="조선가는고딕" panose="02030504000101010101" pitchFamily="18" charset="-127"/>
+              <a:ea typeface="조선가는고딕" panose="02030504000101010101" pitchFamily="18" charset="-127"/>
+            </a:endParaRPr>
+          </a:p>
+        </p:txBody>
+      </p:sp>
+      <p:pic>
+        <p:nvPicPr>
+          <p:cNvPr id="1026" name="Picture 2" descr="에이리언: 파이어팀 엘리트, '아직은 이른' 코옵 슈터">
+            <a:extLst>
+              <a:ext uri="{FF2B5EF4-FFF2-40B4-BE49-F238E27FC236}">
+                <a16:creationId xmlns:a16="http://schemas.microsoft.com/office/drawing/2014/main" id="{7814912A-D333-A5EE-095D-6FDE0C7140CF}"/>
+              </a:ext>
+            </a:extLst>
+          </p:cNvPr>
+          <p:cNvPicPr>
+            <a:picLocks noChangeAspect="1" noChangeArrowheads="1"/>
+          </p:cNvPicPr>
+          <p:nvPr/>
+        </p:nvPicPr>
+        <p:blipFill>
+          <a:blip r:embed="rId3">
+            <a:extLst>
+              <a:ext uri="{28A0092B-C50C-407E-A947-70E740481C1C}">
+                <a14:useLocalDpi xmlns:a14="http://schemas.microsoft.com/office/drawing/2010/main" val="0"/>
+              </a:ext>
+            </a:extLst>
+          </a:blip>
+          <a:srcRect/>
+          <a:stretch>
+            <a:fillRect/>
+          </a:stretch>
+        </p:blipFill>
+        <p:spPr bwMode="auto">
+          <a:xfrm>
+            <a:off x="9341899" y="2593216"/>
+            <a:ext cx="2292701" cy="2174354"/>
+          </a:xfrm>
+          <a:prstGeom prst="rect">
+            <a:avLst/>
+          </a:prstGeom>
+          <a:noFill/>
+          <a:extLst>
+            <a:ext uri="{909E8E84-426E-40DD-AFC4-6F175D3DCCD1}">
+              <a14:hiddenFill xmlns:a14="http://schemas.microsoft.com/office/drawing/2010/main">
+                <a:solidFill>
+                  <a:srgbClr val="FFFFFF"/>
+                </a:solidFill>
+              </a14:hiddenFill>
+            </a:ext>
+          </a:extLst>
+        </p:spPr>
+      </p:pic>
     </p:spTree>
     <p:extLst>
       <p:ext uri="{BB962C8B-B14F-4D97-AF65-F5344CB8AC3E}">
@@ -17104,6 +17786,57 @@
           <a:chExt cx="0" cy="0"/>
         </a:xfrm>
       </p:grpSpPr>
+      <p:pic>
+        <p:nvPicPr>
+          <p:cNvPr id="4098" name="Picture 2" descr="사무실이 원하는 '마음의 소리'는 폭포수 쏟아지는 소리 : 동아사이언스">
+            <a:extLst>
+              <a:ext uri="{FF2B5EF4-FFF2-40B4-BE49-F238E27FC236}">
+                <a16:creationId xmlns:a16="http://schemas.microsoft.com/office/drawing/2014/main" id="{CBC0DF9B-38DB-4303-0AD3-18403A74B2FA}"/>
+              </a:ext>
+            </a:extLst>
+          </p:cNvPr>
+          <p:cNvPicPr>
+            <a:picLocks noChangeAspect="1" noChangeArrowheads="1"/>
+          </p:cNvPicPr>
+          <p:nvPr/>
+        </p:nvPicPr>
+        <p:blipFill>
+          <a:blip r:embed="rId2">
+            <a:alphaModFix amt="52000"/>
+            <a:extLst>
+              <a:ext uri="{28A0092B-C50C-407E-A947-70E740481C1C}">
+                <a14:useLocalDpi xmlns:a14="http://schemas.microsoft.com/office/drawing/2010/main" val="0"/>
+              </a:ext>
+            </a:extLst>
+          </a:blip>
+          <a:srcRect/>
+          <a:stretch>
+            <a:fillRect/>
+          </a:stretch>
+        </p:blipFill>
+        <p:spPr bwMode="auto">
+          <a:xfrm>
+            <a:off x="411522" y="1832159"/>
+            <a:ext cx="11077200" cy="4877442"/>
+          </a:xfrm>
+          <a:prstGeom prst="rect">
+            <a:avLst/>
+          </a:prstGeom>
+          <a:noFill/>
+          <a:effectLst>
+            <a:softEdge rad="533400"/>
+          </a:effectLst>
+          <a:extLst>
+            <a:ext uri="{909E8E84-426E-40DD-AFC4-6F175D3DCCD1}">
+              <a14:hiddenFill xmlns:a14="http://schemas.microsoft.com/office/drawing/2010/main">
+                <a:solidFill>
+                  <a:srgbClr val="FFFFFF"/>
+                </a:solidFill>
+              </a14:hiddenFill>
+            </a:ext>
+          </a:extLst>
+        </p:spPr>
+      </p:pic>
       <p:sp>
         <p:nvSpPr>
           <p:cNvPr id="18" name="다이아몬드 17">

--- a/기획서/Colony_ppt발표.pptx
+++ b/기획서/Colony_ppt발표.pptx
@@ -5333,55 +5333,42 @@
           </a:p>
         </p:txBody>
       </p:sp>
-      <p:sp>
-        <p:nvSpPr>
-          <p:cNvPr id="26" name="직사각형 25">
-            <a:extLst>
-              <a:ext uri="{FF2B5EF4-FFF2-40B4-BE49-F238E27FC236}">
-                <a16:creationId xmlns:a16="http://schemas.microsoft.com/office/drawing/2014/main" id="{EF01DD68-1C1E-4FBC-206F-D7CCD5B61692}"/>
-              </a:ext>
-            </a:extLst>
-          </p:cNvPr>
-          <p:cNvSpPr/>
+      <p:cxnSp>
+        <p:nvCxnSpPr>
+          <p:cNvPr id="8" name="직선 연결선 7">
+            <a:extLst>
+              <a:ext uri="{FF2B5EF4-FFF2-40B4-BE49-F238E27FC236}">
+                <a16:creationId xmlns:a16="http://schemas.microsoft.com/office/drawing/2014/main" id="{2E361328-9A82-91DF-DE1B-75A54F4C50F4}"/>
+              </a:ext>
+            </a:extLst>
+          </p:cNvPr>
+          <p:cNvCxnSpPr/>
           <p:nvPr/>
-        </p:nvSpPr>
+        </p:nvCxnSpPr>
         <p:spPr>
           <a:xfrm>
-            <a:off x="8923980" y="1940896"/>
-            <a:ext cx="45719" cy="2595345"/>
-          </a:xfrm>
-          <a:prstGeom prst="rect">
+            <a:off x="8846288" y="1940896"/>
+            <a:ext cx="0" cy="2692703"/>
+          </a:xfrm>
+          <a:prstGeom prst="line">
             <a:avLst/>
           </a:prstGeom>
-          <a:ln/>
         </p:spPr>
         <p:style>
           <a:lnRef idx="1">
-            <a:schemeClr val="dk1"/>
+            <a:schemeClr val="accent3"/>
           </a:lnRef>
-          <a:fillRef idx="3">
-            <a:schemeClr val="dk1"/>
+          <a:fillRef idx="0">
+            <a:schemeClr val="accent3"/>
           </a:fillRef>
-          <a:effectRef idx="2">
-            <a:schemeClr val="dk1"/>
+          <a:effectRef idx="0">
+            <a:schemeClr val="accent3"/>
           </a:effectRef>
           <a:fontRef idx="minor">
-            <a:schemeClr val="lt1"/>
+            <a:schemeClr val="tx1"/>
           </a:fontRef>
         </p:style>
-        <p:txBody>
-          <a:bodyPr rtlCol="0" anchor="ctr"/>
-          <a:lstStyle/>
-          <a:p>
-            <a:pPr algn="ctr"/>
-            <a:endParaRPr lang="ko-KR" altLang="en-US">
-              <a:solidFill>
-                <a:srgbClr val="00B0F0"/>
-              </a:solidFill>
-            </a:endParaRPr>
-          </a:p>
-        </p:txBody>
-      </p:sp>
+      </p:cxnSp>
     </p:spTree>
     <p:extLst>
       <p:ext uri="{BB962C8B-B14F-4D97-AF65-F5344CB8AC3E}">
@@ -12030,7 +12017,7 @@
           <p:nvPr>
             <p:extLst>
               <p:ext uri="{D42A27DB-BD31-4B8C-83A1-F6EECF244321}">
-                <p14:modId xmlns:p14="http://schemas.microsoft.com/office/powerpoint/2010/main" val="2399676844"/>
+                <p14:modId xmlns:p14="http://schemas.microsoft.com/office/powerpoint/2010/main" val="3105075889"/>
               </p:ext>
             </p:extLst>
           </p:nvPr>
@@ -14774,7 +14761,7 @@
         <p:spPr>
           <a:xfrm>
             <a:off x="3952717" y="6353964"/>
-            <a:ext cx="6453014" cy="381609"/>
+            <a:ext cx="5496083" cy="381609"/>
           </a:xfrm>
           <a:prstGeom prst="roundRect">
             <a:avLst/>
@@ -17392,7 +17379,7 @@
       </p:sp>
       <p:pic>
         <p:nvPicPr>
-          <p:cNvPr id="8" name="그림 7">
+          <p:cNvPr id="26" name="그림 25">
             <a:extLst>
               <a:ext uri="{FF2B5EF4-FFF2-40B4-BE49-F238E27FC236}">
                 <a16:creationId xmlns:a16="http://schemas.microsoft.com/office/drawing/2014/main" id="{80D89699-295D-C19A-38B2-98B849F320FB}"/>
@@ -17412,7 +17399,7 @@
         </p:blipFill>
         <p:spPr>
           <a:xfrm>
-            <a:off x="6191632" y="2591286"/>
+            <a:off x="8930336" y="3805090"/>
             <a:ext cx="2374709" cy="2169968"/>
           </a:xfrm>
           <a:prstGeom prst="rect">
@@ -17422,7 +17409,7 @@
       </p:pic>
       <p:sp>
         <p:nvSpPr>
-          <p:cNvPr id="11" name="TextBox 10">
+          <p:cNvPr id="27" name="TextBox 10">
             <a:extLst>
               <a:ext uri="{FF2B5EF4-FFF2-40B4-BE49-F238E27FC236}">
                 <a16:creationId xmlns:a16="http://schemas.microsoft.com/office/drawing/2014/main" id="{DCCBDD86-CBD4-C0B0-DFD7-7B1464D8968B}"/>
@@ -17434,7 +17421,7 @@
         </p:nvSpPr>
         <p:spPr>
           <a:xfrm>
-            <a:off x="7902188" y="2075852"/>
+            <a:off x="7701714" y="6094059"/>
             <a:ext cx="2135623" cy="461665"/>
           </a:xfrm>
           <a:prstGeom prst="rect">
@@ -17446,7 +17433,101 @@
           <a:bodyPr wrap="square">
             <a:spAutoFit/>
           </a:bodyPr>
-          <a:lstStyle/>
+          <a:lstStyle>
+            <a:defPPr>
+              <a:defRPr lang="ko-KR"/>
+            </a:defPPr>
+            <a:lvl1pPr marL="0" algn="l" defTabSz="914400" rtl="0" eaLnBrk="1" latinLnBrk="1" hangingPunct="1">
+              <a:defRPr sz="1800" kern="1200">
+                <a:solidFill>
+                  <a:schemeClr val="tx1"/>
+                </a:solidFill>
+                <a:latin typeface="+mn-lt"/>
+                <a:ea typeface="+mn-ea"/>
+                <a:cs typeface="+mn-cs"/>
+              </a:defRPr>
+            </a:lvl1pPr>
+            <a:lvl2pPr marL="457200" algn="l" defTabSz="914400" rtl="0" eaLnBrk="1" latinLnBrk="1" hangingPunct="1">
+              <a:defRPr sz="1800" kern="1200">
+                <a:solidFill>
+                  <a:schemeClr val="tx1"/>
+                </a:solidFill>
+                <a:latin typeface="+mn-lt"/>
+                <a:ea typeface="+mn-ea"/>
+                <a:cs typeface="+mn-cs"/>
+              </a:defRPr>
+            </a:lvl2pPr>
+            <a:lvl3pPr marL="914400" algn="l" defTabSz="914400" rtl="0" eaLnBrk="1" latinLnBrk="1" hangingPunct="1">
+              <a:defRPr sz="1800" kern="1200">
+                <a:solidFill>
+                  <a:schemeClr val="tx1"/>
+                </a:solidFill>
+                <a:latin typeface="+mn-lt"/>
+                <a:ea typeface="+mn-ea"/>
+                <a:cs typeface="+mn-cs"/>
+              </a:defRPr>
+            </a:lvl3pPr>
+            <a:lvl4pPr marL="1371600" algn="l" defTabSz="914400" rtl="0" eaLnBrk="1" latinLnBrk="1" hangingPunct="1">
+              <a:defRPr sz="1800" kern="1200">
+                <a:solidFill>
+                  <a:schemeClr val="tx1"/>
+                </a:solidFill>
+                <a:latin typeface="+mn-lt"/>
+                <a:ea typeface="+mn-ea"/>
+                <a:cs typeface="+mn-cs"/>
+              </a:defRPr>
+            </a:lvl4pPr>
+            <a:lvl5pPr marL="1828800" algn="l" defTabSz="914400" rtl="0" eaLnBrk="1" latinLnBrk="1" hangingPunct="1">
+              <a:defRPr sz="1800" kern="1200">
+                <a:solidFill>
+                  <a:schemeClr val="tx1"/>
+                </a:solidFill>
+                <a:latin typeface="+mn-lt"/>
+                <a:ea typeface="+mn-ea"/>
+                <a:cs typeface="+mn-cs"/>
+              </a:defRPr>
+            </a:lvl5pPr>
+            <a:lvl6pPr marL="2286000" algn="l" defTabSz="914400" rtl="0" eaLnBrk="1" latinLnBrk="1" hangingPunct="1">
+              <a:defRPr sz="1800" kern="1200">
+                <a:solidFill>
+                  <a:schemeClr val="tx1"/>
+                </a:solidFill>
+                <a:latin typeface="+mn-lt"/>
+                <a:ea typeface="+mn-ea"/>
+                <a:cs typeface="+mn-cs"/>
+              </a:defRPr>
+            </a:lvl6pPr>
+            <a:lvl7pPr marL="2743200" algn="l" defTabSz="914400" rtl="0" eaLnBrk="1" latinLnBrk="1" hangingPunct="1">
+              <a:defRPr sz="1800" kern="1200">
+                <a:solidFill>
+                  <a:schemeClr val="tx1"/>
+                </a:solidFill>
+                <a:latin typeface="+mn-lt"/>
+                <a:ea typeface="+mn-ea"/>
+                <a:cs typeface="+mn-cs"/>
+              </a:defRPr>
+            </a:lvl7pPr>
+            <a:lvl8pPr marL="3200400" algn="l" defTabSz="914400" rtl="0" eaLnBrk="1" latinLnBrk="1" hangingPunct="1">
+              <a:defRPr sz="1800" kern="1200">
+                <a:solidFill>
+                  <a:schemeClr val="tx1"/>
+                </a:solidFill>
+                <a:latin typeface="+mn-lt"/>
+                <a:ea typeface="+mn-ea"/>
+                <a:cs typeface="+mn-cs"/>
+              </a:defRPr>
+            </a:lvl8pPr>
+            <a:lvl9pPr marL="3657600" algn="l" defTabSz="914400" rtl="0" eaLnBrk="1" latinLnBrk="1" hangingPunct="1">
+              <a:defRPr sz="1800" kern="1200">
+                <a:solidFill>
+                  <a:schemeClr val="tx1"/>
+                </a:solidFill>
+                <a:latin typeface="+mn-lt"/>
+                <a:ea typeface="+mn-ea"/>
+                <a:cs typeface="+mn-cs"/>
+              </a:defRPr>
+            </a:lvl9pPr>
+          </a:lstStyle>
           <a:p>
             <a:pPr algn="ctr"/>
             <a:r>
@@ -17533,7 +17614,7 @@
       </p:sp>
       <p:sp>
         <p:nvSpPr>
-          <p:cNvPr id="14" name="TextBox 13">
+          <p:cNvPr id="28" name="TextBox 13">
             <a:extLst>
               <a:ext uri="{FF2B5EF4-FFF2-40B4-BE49-F238E27FC236}">
                 <a16:creationId xmlns:a16="http://schemas.microsoft.com/office/drawing/2014/main" id="{AC3E45C7-F2DC-1B9A-29F9-5F5CAA0A00FC}"/>
@@ -17545,7 +17626,7 @@
         </p:nvSpPr>
         <p:spPr>
           <a:xfrm>
-            <a:off x="6319304" y="5376221"/>
+            <a:off x="5942777" y="3028973"/>
             <a:ext cx="5461569" cy="1077218"/>
           </a:xfrm>
           <a:prstGeom prst="rect">
@@ -17557,7 +17638,101 @@
           <a:bodyPr wrap="square">
             <a:spAutoFit/>
           </a:bodyPr>
-          <a:lstStyle/>
+          <a:lstStyle>
+            <a:defPPr>
+              <a:defRPr lang="ko-KR"/>
+            </a:defPPr>
+            <a:lvl1pPr marL="0" algn="l" defTabSz="914400" rtl="0" eaLnBrk="1" latinLnBrk="1" hangingPunct="1">
+              <a:defRPr sz="1800" kern="1200">
+                <a:solidFill>
+                  <a:schemeClr val="tx1"/>
+                </a:solidFill>
+                <a:latin typeface="+mn-lt"/>
+                <a:ea typeface="+mn-ea"/>
+                <a:cs typeface="+mn-cs"/>
+              </a:defRPr>
+            </a:lvl1pPr>
+            <a:lvl2pPr marL="457200" algn="l" defTabSz="914400" rtl="0" eaLnBrk="1" latinLnBrk="1" hangingPunct="1">
+              <a:defRPr sz="1800" kern="1200">
+                <a:solidFill>
+                  <a:schemeClr val="tx1"/>
+                </a:solidFill>
+                <a:latin typeface="+mn-lt"/>
+                <a:ea typeface="+mn-ea"/>
+                <a:cs typeface="+mn-cs"/>
+              </a:defRPr>
+            </a:lvl2pPr>
+            <a:lvl3pPr marL="914400" algn="l" defTabSz="914400" rtl="0" eaLnBrk="1" latinLnBrk="1" hangingPunct="1">
+              <a:defRPr sz="1800" kern="1200">
+                <a:solidFill>
+                  <a:schemeClr val="tx1"/>
+                </a:solidFill>
+                <a:latin typeface="+mn-lt"/>
+                <a:ea typeface="+mn-ea"/>
+                <a:cs typeface="+mn-cs"/>
+              </a:defRPr>
+            </a:lvl3pPr>
+            <a:lvl4pPr marL="1371600" algn="l" defTabSz="914400" rtl="0" eaLnBrk="1" latinLnBrk="1" hangingPunct="1">
+              <a:defRPr sz="1800" kern="1200">
+                <a:solidFill>
+                  <a:schemeClr val="tx1"/>
+                </a:solidFill>
+                <a:latin typeface="+mn-lt"/>
+                <a:ea typeface="+mn-ea"/>
+                <a:cs typeface="+mn-cs"/>
+              </a:defRPr>
+            </a:lvl4pPr>
+            <a:lvl5pPr marL="1828800" algn="l" defTabSz="914400" rtl="0" eaLnBrk="1" latinLnBrk="1" hangingPunct="1">
+              <a:defRPr sz="1800" kern="1200">
+                <a:solidFill>
+                  <a:schemeClr val="tx1"/>
+                </a:solidFill>
+                <a:latin typeface="+mn-lt"/>
+                <a:ea typeface="+mn-ea"/>
+                <a:cs typeface="+mn-cs"/>
+              </a:defRPr>
+            </a:lvl5pPr>
+            <a:lvl6pPr marL="2286000" algn="l" defTabSz="914400" rtl="0" eaLnBrk="1" latinLnBrk="1" hangingPunct="1">
+              <a:defRPr sz="1800" kern="1200">
+                <a:solidFill>
+                  <a:schemeClr val="tx1"/>
+                </a:solidFill>
+                <a:latin typeface="+mn-lt"/>
+                <a:ea typeface="+mn-ea"/>
+                <a:cs typeface="+mn-cs"/>
+              </a:defRPr>
+            </a:lvl6pPr>
+            <a:lvl7pPr marL="2743200" algn="l" defTabSz="914400" rtl="0" eaLnBrk="1" latinLnBrk="1" hangingPunct="1">
+              <a:defRPr sz="1800" kern="1200">
+                <a:solidFill>
+                  <a:schemeClr val="tx1"/>
+                </a:solidFill>
+                <a:latin typeface="+mn-lt"/>
+                <a:ea typeface="+mn-ea"/>
+                <a:cs typeface="+mn-cs"/>
+              </a:defRPr>
+            </a:lvl7pPr>
+            <a:lvl8pPr marL="3200400" algn="l" defTabSz="914400" rtl="0" eaLnBrk="1" latinLnBrk="1" hangingPunct="1">
+              <a:defRPr sz="1800" kern="1200">
+                <a:solidFill>
+                  <a:schemeClr val="tx1"/>
+                </a:solidFill>
+                <a:latin typeface="+mn-lt"/>
+                <a:ea typeface="+mn-ea"/>
+                <a:cs typeface="+mn-cs"/>
+              </a:defRPr>
+            </a:lvl8pPr>
+            <a:lvl9pPr marL="3657600" algn="l" defTabSz="914400" rtl="0" eaLnBrk="1" latinLnBrk="1" hangingPunct="1">
+              <a:defRPr sz="1800" kern="1200">
+                <a:solidFill>
+                  <a:schemeClr val="tx1"/>
+                </a:solidFill>
+                <a:latin typeface="+mn-lt"/>
+                <a:ea typeface="+mn-ea"/>
+                <a:cs typeface="+mn-cs"/>
+              </a:defRPr>
+            </a:lvl9pPr>
+          </a:lstStyle>
           <a:p>
             <a:pPr marL="285750" indent="-285750">
               <a:buFont typeface="Arial" panose="020B0604020202020204" pitchFamily="34" charset="0"/>
@@ -17660,7 +17835,7 @@
       </p:sp>
       <p:sp>
         <p:nvSpPr>
-          <p:cNvPr id="15" name="TextBox 14">
+          <p:cNvPr id="29" name="TextBox 14">
             <a:extLst>
               <a:ext uri="{FF2B5EF4-FFF2-40B4-BE49-F238E27FC236}">
                 <a16:creationId xmlns:a16="http://schemas.microsoft.com/office/drawing/2014/main" id="{08CF6E02-281F-3944-F888-76FF8EDC33B8}"/>
@@ -17672,7 +17847,7 @@
         </p:nvSpPr>
         <p:spPr>
           <a:xfrm>
-            <a:off x="7902189" y="4807019"/>
+            <a:off x="5621925" y="2127778"/>
             <a:ext cx="2135623" cy="461665"/>
           </a:xfrm>
           <a:prstGeom prst="rect">
@@ -17684,7 +17859,101 @@
           <a:bodyPr wrap="square">
             <a:spAutoFit/>
           </a:bodyPr>
-          <a:lstStyle/>
+          <a:lstStyle>
+            <a:defPPr>
+              <a:defRPr lang="ko-KR"/>
+            </a:defPPr>
+            <a:lvl1pPr marL="0" algn="l" defTabSz="914400" rtl="0" eaLnBrk="1" latinLnBrk="1" hangingPunct="1">
+              <a:defRPr sz="1800" kern="1200">
+                <a:solidFill>
+                  <a:schemeClr val="tx1"/>
+                </a:solidFill>
+                <a:latin typeface="+mn-lt"/>
+                <a:ea typeface="+mn-ea"/>
+                <a:cs typeface="+mn-cs"/>
+              </a:defRPr>
+            </a:lvl1pPr>
+            <a:lvl2pPr marL="457200" algn="l" defTabSz="914400" rtl="0" eaLnBrk="1" latinLnBrk="1" hangingPunct="1">
+              <a:defRPr sz="1800" kern="1200">
+                <a:solidFill>
+                  <a:schemeClr val="tx1"/>
+                </a:solidFill>
+                <a:latin typeface="+mn-lt"/>
+                <a:ea typeface="+mn-ea"/>
+                <a:cs typeface="+mn-cs"/>
+              </a:defRPr>
+            </a:lvl2pPr>
+            <a:lvl3pPr marL="914400" algn="l" defTabSz="914400" rtl="0" eaLnBrk="1" latinLnBrk="1" hangingPunct="1">
+              <a:defRPr sz="1800" kern="1200">
+                <a:solidFill>
+                  <a:schemeClr val="tx1"/>
+                </a:solidFill>
+                <a:latin typeface="+mn-lt"/>
+                <a:ea typeface="+mn-ea"/>
+                <a:cs typeface="+mn-cs"/>
+              </a:defRPr>
+            </a:lvl3pPr>
+            <a:lvl4pPr marL="1371600" algn="l" defTabSz="914400" rtl="0" eaLnBrk="1" latinLnBrk="1" hangingPunct="1">
+              <a:defRPr sz="1800" kern="1200">
+                <a:solidFill>
+                  <a:schemeClr val="tx1"/>
+                </a:solidFill>
+                <a:latin typeface="+mn-lt"/>
+                <a:ea typeface="+mn-ea"/>
+                <a:cs typeface="+mn-cs"/>
+              </a:defRPr>
+            </a:lvl4pPr>
+            <a:lvl5pPr marL="1828800" algn="l" defTabSz="914400" rtl="0" eaLnBrk="1" latinLnBrk="1" hangingPunct="1">
+              <a:defRPr sz="1800" kern="1200">
+                <a:solidFill>
+                  <a:schemeClr val="tx1"/>
+                </a:solidFill>
+                <a:latin typeface="+mn-lt"/>
+                <a:ea typeface="+mn-ea"/>
+                <a:cs typeface="+mn-cs"/>
+              </a:defRPr>
+            </a:lvl5pPr>
+            <a:lvl6pPr marL="2286000" algn="l" defTabSz="914400" rtl="0" eaLnBrk="1" latinLnBrk="1" hangingPunct="1">
+              <a:defRPr sz="1800" kern="1200">
+                <a:solidFill>
+                  <a:schemeClr val="tx1"/>
+                </a:solidFill>
+                <a:latin typeface="+mn-lt"/>
+                <a:ea typeface="+mn-ea"/>
+                <a:cs typeface="+mn-cs"/>
+              </a:defRPr>
+            </a:lvl6pPr>
+            <a:lvl7pPr marL="2743200" algn="l" defTabSz="914400" rtl="0" eaLnBrk="1" latinLnBrk="1" hangingPunct="1">
+              <a:defRPr sz="1800" kern="1200">
+                <a:solidFill>
+                  <a:schemeClr val="tx1"/>
+                </a:solidFill>
+                <a:latin typeface="+mn-lt"/>
+                <a:ea typeface="+mn-ea"/>
+                <a:cs typeface="+mn-cs"/>
+              </a:defRPr>
+            </a:lvl7pPr>
+            <a:lvl8pPr marL="3200400" algn="l" defTabSz="914400" rtl="0" eaLnBrk="1" latinLnBrk="1" hangingPunct="1">
+              <a:defRPr sz="1800" kern="1200">
+                <a:solidFill>
+                  <a:schemeClr val="tx1"/>
+                </a:solidFill>
+                <a:latin typeface="+mn-lt"/>
+                <a:ea typeface="+mn-ea"/>
+                <a:cs typeface="+mn-cs"/>
+              </a:defRPr>
+            </a:lvl8pPr>
+            <a:lvl9pPr marL="3657600" algn="l" defTabSz="914400" rtl="0" eaLnBrk="1" latinLnBrk="1" hangingPunct="1">
+              <a:defRPr sz="1800" kern="1200">
+                <a:solidFill>
+                  <a:schemeClr val="tx1"/>
+                </a:solidFill>
+                <a:latin typeface="+mn-lt"/>
+                <a:ea typeface="+mn-ea"/>
+                <a:cs typeface="+mn-cs"/>
+              </a:defRPr>
+            </a:lvl9pPr>
+          </a:lstStyle>
           <a:p>
             <a:pPr algn="ctr"/>
             <a:r>
@@ -17711,7 +17980,7 @@
       </p:sp>
       <p:pic>
         <p:nvPicPr>
-          <p:cNvPr id="1026" name="Picture 2" descr="에이리언: 파이어팀 엘리트, '아직은 이른' 코옵 슈터">
+          <p:cNvPr id="30" name="Picture 2" descr="에이리언: 파이어팀 엘리트, '아직은 이른' 코옵 슈터">
             <a:extLst>
               <a:ext uri="{FF2B5EF4-FFF2-40B4-BE49-F238E27FC236}">
                 <a16:creationId xmlns:a16="http://schemas.microsoft.com/office/drawing/2014/main" id="{7814912A-D333-A5EE-095D-6FDE0C7140CF}"/>
@@ -17738,7 +18007,7 @@
         </p:blipFill>
         <p:spPr bwMode="auto">
           <a:xfrm>
-            <a:off x="9341899" y="2593216"/>
+            <a:off x="6073003" y="3835262"/>
             <a:ext cx="2292701" cy="2174354"/>
           </a:xfrm>
           <a:prstGeom prst="rect">
@@ -17756,6 +18025,51 @@
           </a:extLst>
         </p:spPr>
       </p:pic>
+      <p:sp>
+        <p:nvSpPr>
+          <p:cNvPr id="32" name="직사각형 31">
+            <a:extLst>
+              <a:ext uri="{FF2B5EF4-FFF2-40B4-BE49-F238E27FC236}">
+                <a16:creationId xmlns:a16="http://schemas.microsoft.com/office/drawing/2014/main" id="{F1ED05B6-1234-AE80-69E4-82B35A09A70C}"/>
+              </a:ext>
+            </a:extLst>
+          </p:cNvPr>
+          <p:cNvSpPr/>
+          <p:nvPr/>
+        </p:nvSpPr>
+        <p:spPr>
+          <a:xfrm rot="16200000" flipH="1">
+            <a:off x="7889826" y="763722"/>
+            <a:ext cx="45719" cy="4078949"/>
+          </a:xfrm>
+          <a:prstGeom prst="rect">
+            <a:avLst/>
+          </a:prstGeom>
+          <a:ln/>
+        </p:spPr>
+        <p:style>
+          <a:lnRef idx="1">
+            <a:schemeClr val="dk1"/>
+          </a:lnRef>
+          <a:fillRef idx="3">
+            <a:schemeClr val="dk1"/>
+          </a:fillRef>
+          <a:effectRef idx="2">
+            <a:schemeClr val="dk1"/>
+          </a:effectRef>
+          <a:fontRef idx="minor">
+            <a:schemeClr val="lt1"/>
+          </a:fontRef>
+        </p:style>
+        <p:txBody>
+          <a:bodyPr rtlCol="0" anchor="ctr"/>
+          <a:lstStyle/>
+          <a:p>
+            <a:pPr algn="ctr"/>
+            <a:endParaRPr lang="ko-KR" altLang="en-US"/>
+          </a:p>
+        </p:txBody>
+      </p:sp>
     </p:spTree>
     <p:extLst>
       <p:ext uri="{BB962C8B-B14F-4D97-AF65-F5344CB8AC3E}">
@@ -20159,8 +20473,8 @@
         </p:nvSpPr>
         <p:spPr>
           <a:xfrm>
-            <a:off x="897186" y="2063054"/>
-            <a:ext cx="7281773" cy="523220"/>
+            <a:off x="897187" y="2063054"/>
+            <a:ext cx="6296342" cy="523220"/>
           </a:xfrm>
           <a:prstGeom prst="rect">
             <a:avLst/>
@@ -20654,6 +20968,416 @@
               </a:rPr>
               <a:t>:</a:t>
             </a:r>
+          </a:p>
+        </p:txBody>
+      </p:sp>
+      <p:sp>
+        <p:nvSpPr>
+          <p:cNvPr id="9" name="직사각형 8">
+            <a:extLst>
+              <a:ext uri="{FF2B5EF4-FFF2-40B4-BE49-F238E27FC236}">
+                <a16:creationId xmlns:a16="http://schemas.microsoft.com/office/drawing/2014/main" id="{C13DA8D9-DDEE-722B-8FD4-555E1B2541BC}"/>
+              </a:ext>
+            </a:extLst>
+          </p:cNvPr>
+          <p:cNvSpPr/>
+          <p:nvPr/>
+        </p:nvSpPr>
+        <p:spPr>
+          <a:xfrm>
+            <a:off x="7267488" y="2036939"/>
+            <a:ext cx="538716" cy="523220"/>
+          </a:xfrm>
+          <a:prstGeom prst="rect">
+            <a:avLst/>
+          </a:prstGeom>
+        </p:spPr>
+        <p:style>
+          <a:lnRef idx="2">
+            <a:schemeClr val="accent1">
+              <a:shade val="15000"/>
+            </a:schemeClr>
+          </a:lnRef>
+          <a:fillRef idx="1">
+            <a:schemeClr val="accent1"/>
+          </a:fillRef>
+          <a:effectRef idx="0">
+            <a:schemeClr val="accent1"/>
+          </a:effectRef>
+          <a:fontRef idx="minor">
+            <a:schemeClr val="lt1"/>
+          </a:fontRef>
+        </p:style>
+        <p:txBody>
+          <a:bodyPr rtlCol="0" anchor="ctr"/>
+          <a:lstStyle/>
+          <a:p>
+            <a:pPr algn="ctr"/>
+            <a:endParaRPr lang="ko-KR" altLang="en-US"/>
+          </a:p>
+        </p:txBody>
+      </p:sp>
+      <p:sp>
+        <p:nvSpPr>
+          <p:cNvPr id="11" name="직사각형 10">
+            <a:extLst>
+              <a:ext uri="{FF2B5EF4-FFF2-40B4-BE49-F238E27FC236}">
+                <a16:creationId xmlns:a16="http://schemas.microsoft.com/office/drawing/2014/main" id="{B57C1A44-D261-2709-E1A0-17939027150B}"/>
+              </a:ext>
+            </a:extLst>
+          </p:cNvPr>
+          <p:cNvSpPr/>
+          <p:nvPr/>
+        </p:nvSpPr>
+        <p:spPr>
+          <a:xfrm>
+            <a:off x="7110522" y="2164829"/>
+            <a:ext cx="538716" cy="523220"/>
+          </a:xfrm>
+          <a:prstGeom prst="rect">
+            <a:avLst/>
+          </a:prstGeom>
+        </p:spPr>
+        <p:style>
+          <a:lnRef idx="2">
+            <a:schemeClr val="accent1">
+              <a:shade val="15000"/>
+            </a:schemeClr>
+          </a:lnRef>
+          <a:fillRef idx="1">
+            <a:schemeClr val="accent1"/>
+          </a:fillRef>
+          <a:effectRef idx="0">
+            <a:schemeClr val="accent1"/>
+          </a:effectRef>
+          <a:fontRef idx="minor">
+            <a:schemeClr val="lt1"/>
+          </a:fontRef>
+        </p:style>
+        <p:txBody>
+          <a:bodyPr rtlCol="0" anchor="ctr"/>
+          <a:lstStyle/>
+          <a:p>
+            <a:pPr algn="ctr"/>
+            <a:endParaRPr lang="ko-KR" altLang="en-US"/>
+          </a:p>
+        </p:txBody>
+      </p:sp>
+      <p:sp>
+        <p:nvSpPr>
+          <p:cNvPr id="12" name="순서도: 데이터 11">
+            <a:extLst>
+              <a:ext uri="{FF2B5EF4-FFF2-40B4-BE49-F238E27FC236}">
+                <a16:creationId xmlns:a16="http://schemas.microsoft.com/office/drawing/2014/main" id="{17BCEF58-4908-A001-129C-BD879D09EEE0}"/>
+              </a:ext>
+            </a:extLst>
+          </p:cNvPr>
+          <p:cNvSpPr/>
+          <p:nvPr/>
+        </p:nvSpPr>
+        <p:spPr>
+          <a:xfrm>
+            <a:off x="7110522" y="2035216"/>
+            <a:ext cx="695682" cy="129613"/>
+          </a:xfrm>
+          <a:prstGeom prst="flowChartInputOutput">
+            <a:avLst/>
+          </a:prstGeom>
+        </p:spPr>
+        <p:style>
+          <a:lnRef idx="2">
+            <a:schemeClr val="accent1">
+              <a:shade val="15000"/>
+            </a:schemeClr>
+          </a:lnRef>
+          <a:fillRef idx="1">
+            <a:schemeClr val="accent1"/>
+          </a:fillRef>
+          <a:effectRef idx="0">
+            <a:schemeClr val="accent1"/>
+          </a:effectRef>
+          <a:fontRef idx="minor">
+            <a:schemeClr val="lt1"/>
+          </a:fontRef>
+        </p:style>
+        <p:txBody>
+          <a:bodyPr rtlCol="0" anchor="ctr"/>
+          <a:lstStyle/>
+          <a:p>
+            <a:pPr algn="ctr"/>
+            <a:endParaRPr lang="ko-KR" altLang="en-US"/>
+          </a:p>
+        </p:txBody>
+      </p:sp>
+      <p:sp>
+        <p:nvSpPr>
+          <p:cNvPr id="14" name="순서도: 데이터 13">
+            <a:extLst>
+              <a:ext uri="{FF2B5EF4-FFF2-40B4-BE49-F238E27FC236}">
+                <a16:creationId xmlns:a16="http://schemas.microsoft.com/office/drawing/2014/main" id="{9D736CD6-C9DF-E7F3-6DE3-D0C942DB03B1}"/>
+              </a:ext>
+            </a:extLst>
+          </p:cNvPr>
+          <p:cNvSpPr/>
+          <p:nvPr/>
+        </p:nvSpPr>
+        <p:spPr>
+          <a:xfrm rot="5400000" flipV="1">
+            <a:off x="7405719" y="2287564"/>
+            <a:ext cx="645150" cy="155824"/>
+          </a:xfrm>
+          <a:prstGeom prst="flowChartInputOutput">
+            <a:avLst/>
+          </a:prstGeom>
+        </p:spPr>
+        <p:style>
+          <a:lnRef idx="2">
+            <a:schemeClr val="accent1">
+              <a:shade val="15000"/>
+            </a:schemeClr>
+          </a:lnRef>
+          <a:fillRef idx="1">
+            <a:schemeClr val="accent1"/>
+          </a:fillRef>
+          <a:effectRef idx="0">
+            <a:schemeClr val="accent1"/>
+          </a:effectRef>
+          <a:fontRef idx="minor">
+            <a:schemeClr val="lt1"/>
+          </a:fontRef>
+        </p:style>
+        <p:txBody>
+          <a:bodyPr rtlCol="0" anchor="ctr"/>
+          <a:lstStyle/>
+          <a:p>
+            <a:pPr algn="ctr"/>
+            <a:endParaRPr lang="ko-KR" altLang="en-US"/>
+          </a:p>
+        </p:txBody>
+      </p:sp>
+      <p:sp>
+        <p:nvSpPr>
+          <p:cNvPr id="15" name="원호 14">
+            <a:extLst>
+              <a:ext uri="{FF2B5EF4-FFF2-40B4-BE49-F238E27FC236}">
+                <a16:creationId xmlns:a16="http://schemas.microsoft.com/office/drawing/2014/main" id="{5BF91339-5E7F-CF6C-812B-8B7CCBC4F47E}"/>
+              </a:ext>
+            </a:extLst>
+          </p:cNvPr>
+          <p:cNvSpPr/>
+          <p:nvPr/>
+        </p:nvSpPr>
+        <p:spPr>
+          <a:xfrm rot="8030214">
+            <a:off x="6963429" y="1959115"/>
+            <a:ext cx="924735" cy="804561"/>
+          </a:xfrm>
+          <a:prstGeom prst="arc">
+            <a:avLst>
+              <a:gd name="adj1" fmla="val 16789968"/>
+              <a:gd name="adj2" fmla="val 0"/>
+            </a:avLst>
+          </a:prstGeom>
+        </p:spPr>
+        <p:style>
+          <a:lnRef idx="1">
+            <a:schemeClr val="accent1"/>
+          </a:lnRef>
+          <a:fillRef idx="0">
+            <a:schemeClr val="accent1"/>
+          </a:fillRef>
+          <a:effectRef idx="0">
+            <a:schemeClr val="accent1"/>
+          </a:effectRef>
+          <a:fontRef idx="minor">
+            <a:schemeClr val="tx1"/>
+          </a:fontRef>
+        </p:style>
+        <p:txBody>
+          <a:bodyPr rtlCol="0" anchor="ctr"/>
+          <a:lstStyle/>
+          <a:p>
+            <a:pPr algn="ctr"/>
+            <a:endParaRPr lang="ko-KR" altLang="en-US"/>
+          </a:p>
+        </p:txBody>
+      </p:sp>
+      <p:sp>
+        <p:nvSpPr>
+          <p:cNvPr id="17" name="원호 16">
+            <a:extLst>
+              <a:ext uri="{FF2B5EF4-FFF2-40B4-BE49-F238E27FC236}">
+                <a16:creationId xmlns:a16="http://schemas.microsoft.com/office/drawing/2014/main" id="{A31B8688-4D77-CF4C-AB0F-F18F75B6BA8E}"/>
+              </a:ext>
+            </a:extLst>
+          </p:cNvPr>
+          <p:cNvSpPr/>
+          <p:nvPr/>
+        </p:nvSpPr>
+        <p:spPr>
+          <a:xfrm rot="6175281">
+            <a:off x="7573909" y="2376194"/>
+            <a:ext cx="174431" cy="452196"/>
+          </a:xfrm>
+          <a:prstGeom prst="arc">
+            <a:avLst>
+              <a:gd name="adj1" fmla="val 12418562"/>
+              <a:gd name="adj2" fmla="val 0"/>
+            </a:avLst>
+          </a:prstGeom>
+        </p:spPr>
+        <p:style>
+          <a:lnRef idx="1">
+            <a:schemeClr val="accent1"/>
+          </a:lnRef>
+          <a:fillRef idx="0">
+            <a:schemeClr val="accent1"/>
+          </a:fillRef>
+          <a:effectRef idx="0">
+            <a:schemeClr val="accent1"/>
+          </a:effectRef>
+          <a:fontRef idx="minor">
+            <a:schemeClr val="tx1"/>
+          </a:fontRef>
+        </p:style>
+        <p:txBody>
+          <a:bodyPr rtlCol="0" anchor="ctr"/>
+          <a:lstStyle/>
+          <a:p>
+            <a:pPr algn="ctr"/>
+            <a:endParaRPr lang="ko-KR" altLang="en-US" dirty="0"/>
+          </a:p>
+        </p:txBody>
+      </p:sp>
+      <p:sp>
+        <p:nvSpPr>
+          <p:cNvPr id="18" name="TextBox 17">
+            <a:extLst>
+              <a:ext uri="{FF2B5EF4-FFF2-40B4-BE49-F238E27FC236}">
+                <a16:creationId xmlns:a16="http://schemas.microsoft.com/office/drawing/2014/main" id="{F29024F5-88F3-3D99-3E81-4AC8CC6BCA70}"/>
+              </a:ext>
+            </a:extLst>
+          </p:cNvPr>
+          <p:cNvSpPr txBox="1"/>
+          <p:nvPr/>
+        </p:nvSpPr>
+        <p:spPr>
+          <a:xfrm>
+            <a:off x="7096689" y="2760943"/>
+            <a:ext cx="723347" cy="246221"/>
+          </a:xfrm>
+          <a:prstGeom prst="rect">
+            <a:avLst/>
+          </a:prstGeom>
+          <a:noFill/>
+        </p:spPr>
+        <p:txBody>
+          <a:bodyPr wrap="square" rtlCol="0">
+            <a:spAutoFit/>
+          </a:bodyPr>
+          <a:lstStyle/>
+          <a:p>
+            <a:r>
+              <a:rPr lang="en-US" altLang="ko-KR" sz="1000" b="1" dirty="0">
+                <a:latin typeface="조선가는고딕" panose="02030504000101010101" pitchFamily="18" charset="-127"/>
+                <a:ea typeface="조선가는고딕" panose="02030504000101010101" pitchFamily="18" charset="-127"/>
+                <a:cs typeface="KoPubWorld돋움체 Light" panose="00000300000000000000" pitchFamily="2" charset="-127"/>
+              </a:rPr>
+              <a:t>50CM</a:t>
+            </a:r>
+            <a:endParaRPr lang="en-US" altLang="ko-KR" sz="1000" dirty="0">
+              <a:latin typeface="조선가는고딕" panose="02030504000101010101" pitchFamily="18" charset="-127"/>
+              <a:ea typeface="조선가는고딕" panose="02030504000101010101" pitchFamily="18" charset="-127"/>
+              <a:cs typeface="KoPubWorld돋움체 Light" panose="00000300000000000000" pitchFamily="2" charset="-127"/>
+            </a:endParaRPr>
+          </a:p>
+        </p:txBody>
+      </p:sp>
+      <p:sp>
+        <p:nvSpPr>
+          <p:cNvPr id="19" name="TextBox 18">
+            <a:extLst>
+              <a:ext uri="{FF2B5EF4-FFF2-40B4-BE49-F238E27FC236}">
+                <a16:creationId xmlns:a16="http://schemas.microsoft.com/office/drawing/2014/main" id="{B83D0176-1DD2-0E47-996B-5703321600DD}"/>
+              </a:ext>
+            </a:extLst>
+          </p:cNvPr>
+          <p:cNvSpPr txBox="1"/>
+          <p:nvPr/>
+        </p:nvSpPr>
+        <p:spPr>
+          <a:xfrm>
+            <a:off x="7827424" y="2549240"/>
+            <a:ext cx="723347" cy="246221"/>
+          </a:xfrm>
+          <a:prstGeom prst="rect">
+            <a:avLst/>
+          </a:prstGeom>
+          <a:noFill/>
+        </p:spPr>
+        <p:txBody>
+          <a:bodyPr wrap="square" rtlCol="0">
+            <a:spAutoFit/>
+          </a:bodyPr>
+          <a:lstStyle/>
+          <a:p>
+            <a:r>
+              <a:rPr lang="en-US" altLang="ko-KR" sz="1000" b="1" dirty="0">
+                <a:latin typeface="조선가는고딕" panose="02030504000101010101" pitchFamily="18" charset="-127"/>
+                <a:ea typeface="조선가는고딕" panose="02030504000101010101" pitchFamily="18" charset="-127"/>
+                <a:cs typeface="KoPubWorld돋움체 Light" panose="00000300000000000000" pitchFamily="2" charset="-127"/>
+              </a:rPr>
+              <a:t>50CM</a:t>
+            </a:r>
+            <a:endParaRPr lang="en-US" altLang="ko-KR" sz="1000" dirty="0">
+              <a:latin typeface="조선가는고딕" panose="02030504000101010101" pitchFamily="18" charset="-127"/>
+              <a:ea typeface="조선가는고딕" panose="02030504000101010101" pitchFamily="18" charset="-127"/>
+              <a:cs typeface="KoPubWorld돋움체 Light" panose="00000300000000000000" pitchFamily="2" charset="-127"/>
+            </a:endParaRPr>
+          </a:p>
+        </p:txBody>
+      </p:sp>
+      <p:sp>
+        <p:nvSpPr>
+          <p:cNvPr id="21" name="TextBox 20">
+            <a:extLst>
+              <a:ext uri="{FF2B5EF4-FFF2-40B4-BE49-F238E27FC236}">
+                <a16:creationId xmlns:a16="http://schemas.microsoft.com/office/drawing/2014/main" id="{90EAC397-04AD-11D1-6C79-B3E0AAEACA05}"/>
+              </a:ext>
+            </a:extLst>
+          </p:cNvPr>
+          <p:cNvSpPr txBox="1"/>
+          <p:nvPr/>
+        </p:nvSpPr>
+        <p:spPr>
+          <a:xfrm>
+            <a:off x="6879772" y="1625807"/>
+            <a:ext cx="1923986" cy="461665"/>
+          </a:xfrm>
+          <a:prstGeom prst="rect">
+            <a:avLst/>
+          </a:prstGeom>
+          <a:noFill/>
+        </p:spPr>
+        <p:txBody>
+          <a:bodyPr wrap="square" rtlCol="0">
+            <a:spAutoFit/>
+          </a:bodyPr>
+          <a:lstStyle/>
+          <a:p>
+            <a:r>
+              <a:rPr lang="en-US" altLang="ko-KR" sz="2400" b="1" dirty="0">
+                <a:latin typeface="조선가는고딕" panose="02030504000101010101" pitchFamily="18" charset="-127"/>
+                <a:ea typeface="조선가는고딕" panose="02030504000101010101" pitchFamily="18" charset="-127"/>
+                <a:cs typeface="KoPubWorld돋움체 Light" panose="00000300000000000000" pitchFamily="2" charset="-127"/>
+              </a:rPr>
+              <a:t>UNIT=50cm</a:t>
+            </a:r>
+            <a:endParaRPr lang="en-US" altLang="ko-KR" sz="2400" dirty="0">
+              <a:latin typeface="조선가는고딕" panose="02030504000101010101" pitchFamily="18" charset="-127"/>
+              <a:ea typeface="조선가는고딕" panose="02030504000101010101" pitchFamily="18" charset="-127"/>
+              <a:cs typeface="KoPubWorld돋움체 Light" panose="00000300000000000000" pitchFamily="2" charset="-127"/>
+            </a:endParaRPr>
           </a:p>
         </p:txBody>
       </p:sp>

--- a/기획서/Colony_ppt발표.pptx
+++ b/기획서/Colony_ppt발표.pptx
@@ -214,7 +214,7 @@
           <a:p>
             <a:fld id="{46CE1AE1-EE81-441C-9C55-08E83CF86C5B}" type="datetimeFigureOut">
               <a:rPr lang="ko-KR" altLang="en-US" smtClean="0"/>
-              <a:t>2023-12-07</a:t>
+              <a:t>2023-12-08</a:t>
             </a:fld>
             <a:endParaRPr lang="ko-KR" altLang="en-US"/>
           </a:p>
@@ -796,7 +796,7 @@
           <a:p>
             <a:fld id="{62EA41C9-8537-435D-8D05-D269E4409129}" type="datetimeFigureOut">
               <a:rPr lang="ko-KR" altLang="en-US" smtClean="0"/>
-              <a:t>2023-12-07</a:t>
+              <a:t>2023-12-08</a:t>
             </a:fld>
             <a:endParaRPr lang="ko-KR" altLang="en-US"/>
           </a:p>
@@ -994,7 +994,7 @@
           <a:p>
             <a:fld id="{62EA41C9-8537-435D-8D05-D269E4409129}" type="datetimeFigureOut">
               <a:rPr lang="ko-KR" altLang="en-US" smtClean="0"/>
-              <a:t>2023-12-07</a:t>
+              <a:t>2023-12-08</a:t>
             </a:fld>
             <a:endParaRPr lang="ko-KR" altLang="en-US"/>
           </a:p>
@@ -1202,7 +1202,7 @@
           <a:p>
             <a:fld id="{62EA41C9-8537-435D-8D05-D269E4409129}" type="datetimeFigureOut">
               <a:rPr lang="ko-KR" altLang="en-US" smtClean="0"/>
-              <a:t>2023-12-07</a:t>
+              <a:t>2023-12-08</a:t>
             </a:fld>
             <a:endParaRPr lang="ko-KR" altLang="en-US"/>
           </a:p>
@@ -1400,7 +1400,7 @@
           <a:p>
             <a:fld id="{62EA41C9-8537-435D-8D05-D269E4409129}" type="datetimeFigureOut">
               <a:rPr lang="ko-KR" altLang="en-US" smtClean="0"/>
-              <a:t>2023-12-07</a:t>
+              <a:t>2023-12-08</a:t>
             </a:fld>
             <a:endParaRPr lang="ko-KR" altLang="en-US"/>
           </a:p>
@@ -1675,7 +1675,7 @@
           <a:p>
             <a:fld id="{62EA41C9-8537-435D-8D05-D269E4409129}" type="datetimeFigureOut">
               <a:rPr lang="ko-KR" altLang="en-US" smtClean="0"/>
-              <a:t>2023-12-07</a:t>
+              <a:t>2023-12-08</a:t>
             </a:fld>
             <a:endParaRPr lang="ko-KR" altLang="en-US"/>
           </a:p>
@@ -1940,7 +1940,7 @@
           <a:p>
             <a:fld id="{62EA41C9-8537-435D-8D05-D269E4409129}" type="datetimeFigureOut">
               <a:rPr lang="ko-KR" altLang="en-US" smtClean="0"/>
-              <a:t>2023-12-07</a:t>
+              <a:t>2023-12-08</a:t>
             </a:fld>
             <a:endParaRPr lang="ko-KR" altLang="en-US"/>
           </a:p>
@@ -2352,7 +2352,7 @@
           <a:p>
             <a:fld id="{62EA41C9-8537-435D-8D05-D269E4409129}" type="datetimeFigureOut">
               <a:rPr lang="ko-KR" altLang="en-US" smtClean="0"/>
-              <a:t>2023-12-07</a:t>
+              <a:t>2023-12-08</a:t>
             </a:fld>
             <a:endParaRPr lang="ko-KR" altLang="en-US"/>
           </a:p>
@@ -2493,7 +2493,7 @@
           <a:p>
             <a:fld id="{62EA41C9-8537-435D-8D05-D269E4409129}" type="datetimeFigureOut">
               <a:rPr lang="ko-KR" altLang="en-US" smtClean="0"/>
-              <a:t>2023-12-07</a:t>
+              <a:t>2023-12-08</a:t>
             </a:fld>
             <a:endParaRPr lang="ko-KR" altLang="en-US"/>
           </a:p>
@@ -2606,7 +2606,7 @@
           <a:p>
             <a:fld id="{62EA41C9-8537-435D-8D05-D269E4409129}" type="datetimeFigureOut">
               <a:rPr lang="ko-KR" altLang="en-US" smtClean="0"/>
-              <a:t>2023-12-07</a:t>
+              <a:t>2023-12-08</a:t>
             </a:fld>
             <a:endParaRPr lang="ko-KR" altLang="en-US"/>
           </a:p>
@@ -2917,7 +2917,7 @@
           <a:p>
             <a:fld id="{62EA41C9-8537-435D-8D05-D269E4409129}" type="datetimeFigureOut">
               <a:rPr lang="ko-KR" altLang="en-US" smtClean="0"/>
-              <a:t>2023-12-07</a:t>
+              <a:t>2023-12-08</a:t>
             </a:fld>
             <a:endParaRPr lang="ko-KR" altLang="en-US"/>
           </a:p>
@@ -3205,7 +3205,7 @@
           <a:p>
             <a:fld id="{62EA41C9-8537-435D-8D05-D269E4409129}" type="datetimeFigureOut">
               <a:rPr lang="ko-KR" altLang="en-US" smtClean="0"/>
-              <a:t>2023-12-07</a:t>
+              <a:t>2023-12-08</a:t>
             </a:fld>
             <a:endParaRPr lang="ko-KR" altLang="en-US"/>
           </a:p>
@@ -3446,7 +3446,7 @@
           <a:p>
             <a:fld id="{62EA41C9-8537-435D-8D05-D269E4409129}" type="datetimeFigureOut">
               <a:rPr lang="ko-KR" altLang="en-US" smtClean="0"/>
-              <a:t>2023-12-07</a:t>
+              <a:t>2023-12-08</a:t>
             </a:fld>
             <a:endParaRPr lang="ko-KR" altLang="en-US"/>
           </a:p>
@@ -10513,7 +10513,7 @@
         <p:spPr>
           <a:xfrm>
             <a:off x="6671738" y="2626939"/>
-            <a:ext cx="3646092" cy="584775"/>
+            <a:ext cx="2224169" cy="584775"/>
           </a:xfrm>
           <a:prstGeom prst="rect">
             <a:avLst/>
@@ -12017,7 +12017,7 @@
           <p:nvPr>
             <p:extLst>
               <p:ext uri="{D42A27DB-BD31-4B8C-83A1-F6EECF244321}">
-                <p14:modId xmlns:p14="http://schemas.microsoft.com/office/powerpoint/2010/main" val="3105075889"/>
+                <p14:modId xmlns:p14="http://schemas.microsoft.com/office/powerpoint/2010/main" val="266070224"/>
               </p:ext>
             </p:extLst>
           </p:nvPr>
@@ -18116,7 +18116,7 @@
         </p:nvPicPr>
         <p:blipFill>
           <a:blip r:embed="rId2">
-            <a:alphaModFix amt="52000"/>
+            <a:alphaModFix amt="24000"/>
             <a:extLst>
               <a:ext uri="{28A0092B-C50C-407E-A947-70E740481C1C}">
                 <a14:useLocalDpi xmlns:a14="http://schemas.microsoft.com/office/drawing/2010/main" val="0"/>
